--- a/RTP Resources/RTP_Project_Pitch.pptx
+++ b/RTP Resources/RTP_Project_Pitch.pptx
@@ -5,20 +5,18 @@
     <p:sldMasterId id="2147483672" r:id="rId1"/>
   </p:sldMasterIdLst>
   <p:notesMasterIdLst>
-    <p:notesMasterId r:id="rId13"/>
+    <p:notesMasterId r:id="rId11"/>
   </p:notesMasterIdLst>
   <p:sldIdLst>
     <p:sldId id="258" r:id="rId2"/>
-    <p:sldId id="263" r:id="rId3"/>
-    <p:sldId id="271" r:id="rId4"/>
-    <p:sldId id="264" r:id="rId5"/>
-    <p:sldId id="272" r:id="rId6"/>
-    <p:sldId id="265" r:id="rId7"/>
-    <p:sldId id="266" r:id="rId8"/>
-    <p:sldId id="267" r:id="rId9"/>
-    <p:sldId id="268" r:id="rId10"/>
-    <p:sldId id="269" r:id="rId11"/>
-    <p:sldId id="270" r:id="rId12"/>
+    <p:sldId id="271" r:id="rId3"/>
+    <p:sldId id="272" r:id="rId4"/>
+    <p:sldId id="265" r:id="rId5"/>
+    <p:sldId id="266" r:id="rId6"/>
+    <p:sldId id="267" r:id="rId7"/>
+    <p:sldId id="268" r:id="rId8"/>
+    <p:sldId id="269" r:id="rId9"/>
+    <p:sldId id="270" r:id="rId10"/>
   </p:sldIdLst>
   <p:sldSz cx="12192000" cy="6858000"/>
   <p:notesSz cx="6858000" cy="9144000"/>
@@ -128,8 +126,7 @@
 <file path=ppt/revisionInfo.xml><?xml version="1.0" encoding="utf-8"?>
 <p1510:revInfo xmlns:a="http://schemas.openxmlformats.org/drawingml/2006/main" xmlns:r="http://schemas.openxmlformats.org/officeDocument/2006/relationships" xmlns:p1510="http://schemas.microsoft.com/office/powerpoint/2015/10/main">
   <p1510:revLst>
-    <p1510:client id="{67AA3CED-4844-5343-8B64-D67961B4D7D7}" v="6" dt="2025-08-18T18:31:05.808"/>
-    <p1510:client id="{F0D6FE74-CB47-FE4E-96FE-DF69C5E3FEE2}" v="15" dt="2025-08-18T21:25:32.066"/>
+    <p1510:client id="{F0D6FE74-CB47-FE4E-96FE-DF69C5E3FEE2}" v="46" dt="2025-08-20T18:04:27.995"/>
   </p1510:revLst>
 </p1510:revInfo>
 </file>
@@ -138,19 +135,33 @@
 <pc:chgInfo xmlns:a="http://schemas.openxmlformats.org/drawingml/2006/main" xmlns:r="http://schemas.openxmlformats.org/officeDocument/2006/relationships" xmlns:ac="http://schemas.microsoft.com/office/drawing/2013/main/command" xmlns:pc="http://schemas.microsoft.com/office/powerpoint/2013/main/command">
   <pc:docChgLst>
     <pc:chgData name="Andrew Kates" userId="8fd5ec3e-c8da-46f6-bbad-ce7a7878ba0f" providerId="ADAL" clId="{F0D6FE74-CB47-FE4E-96FE-DF69C5E3FEE2}"/>
-    <pc:docChg chg="custSel modSld">
-      <pc:chgData name="Andrew Kates" userId="8fd5ec3e-c8da-46f6-bbad-ce7a7878ba0f" providerId="ADAL" clId="{F0D6FE74-CB47-FE4E-96FE-DF69C5E3FEE2}" dt="2025-08-18T21:25:34.019" v="1283" actId="20577"/>
+    <pc:docChg chg="custSel delSld modSld">
+      <pc:chgData name="Andrew Kates" userId="8fd5ec3e-c8da-46f6-bbad-ce7a7878ba0f" providerId="ADAL" clId="{F0D6FE74-CB47-FE4E-96FE-DF69C5E3FEE2}" dt="2025-08-20T18:06:51.678" v="7120" actId="20577"/>
       <pc:docMkLst>
         <pc:docMk/>
       </pc:docMkLst>
+      <pc:sldChg chg="del">
+        <pc:chgData name="Andrew Kates" userId="8fd5ec3e-c8da-46f6-bbad-ce7a7878ba0f" providerId="ADAL" clId="{F0D6FE74-CB47-FE4E-96FE-DF69C5E3FEE2}" dt="2025-08-20T14:16:50.633" v="1839" actId="2696"/>
+        <pc:sldMkLst>
+          <pc:docMk/>
+          <pc:sldMk cId="1335192739" sldId="263"/>
+        </pc:sldMkLst>
+      </pc:sldChg>
+      <pc:sldChg chg="del">
+        <pc:chgData name="Andrew Kates" userId="8fd5ec3e-c8da-46f6-bbad-ce7a7878ba0f" providerId="ADAL" clId="{F0D6FE74-CB47-FE4E-96FE-DF69C5E3FEE2}" dt="2025-08-20T14:17:16.352" v="1843" actId="2696"/>
+        <pc:sldMkLst>
+          <pc:docMk/>
+          <pc:sldMk cId="4078044635" sldId="264"/>
+        </pc:sldMkLst>
+      </pc:sldChg>
       <pc:sldChg chg="modSp mod">
-        <pc:chgData name="Andrew Kates" userId="8fd5ec3e-c8da-46f6-bbad-ce7a7878ba0f" providerId="ADAL" clId="{F0D6FE74-CB47-FE4E-96FE-DF69C5E3FEE2}" dt="2025-08-18T20:03:25.585" v="651" actId="20577"/>
+        <pc:chgData name="Andrew Kates" userId="8fd5ec3e-c8da-46f6-bbad-ce7a7878ba0f" providerId="ADAL" clId="{F0D6FE74-CB47-FE4E-96FE-DF69C5E3FEE2}" dt="2025-08-20T14:32:04.951" v="2600" actId="5793"/>
         <pc:sldMkLst>
           <pc:docMk/>
           <pc:sldMk cId="568366746" sldId="265"/>
         </pc:sldMkLst>
         <pc:spChg chg="mod">
-          <ac:chgData name="Andrew Kates" userId="8fd5ec3e-c8da-46f6-bbad-ce7a7878ba0f" providerId="ADAL" clId="{F0D6FE74-CB47-FE4E-96FE-DF69C5E3FEE2}" dt="2025-08-18T20:03:25.585" v="651" actId="20577"/>
+          <ac:chgData name="Andrew Kates" userId="8fd5ec3e-c8da-46f6-bbad-ce7a7878ba0f" providerId="ADAL" clId="{F0D6FE74-CB47-FE4E-96FE-DF69C5E3FEE2}" dt="2025-08-20T14:32:04.951" v="2600" actId="5793"/>
           <ac:spMkLst>
             <pc:docMk/>
             <pc:sldMk cId="568366746" sldId="265"/>
@@ -159,13 +170,13 @@
         </pc:spChg>
       </pc:sldChg>
       <pc:sldChg chg="modSp mod modNotesTx">
-        <pc:chgData name="Andrew Kates" userId="8fd5ec3e-c8da-46f6-bbad-ce7a7878ba0f" providerId="ADAL" clId="{F0D6FE74-CB47-FE4E-96FE-DF69C5E3FEE2}" dt="2025-08-18T21:06:43.805" v="956" actId="20577"/>
+        <pc:chgData name="Andrew Kates" userId="8fd5ec3e-c8da-46f6-bbad-ce7a7878ba0f" providerId="ADAL" clId="{F0D6FE74-CB47-FE4E-96FE-DF69C5E3FEE2}" dt="2025-08-20T14:50:18.685" v="3408" actId="20577"/>
         <pc:sldMkLst>
           <pc:docMk/>
           <pc:sldMk cId="3918262711" sldId="266"/>
         </pc:sldMkLst>
         <pc:spChg chg="mod">
-          <ac:chgData name="Andrew Kates" userId="8fd5ec3e-c8da-46f6-bbad-ce7a7878ba0f" providerId="ADAL" clId="{F0D6FE74-CB47-FE4E-96FE-DF69C5E3FEE2}" dt="2025-08-18T21:06:43.805" v="956" actId="20577"/>
+          <ac:chgData name="Andrew Kates" userId="8fd5ec3e-c8da-46f6-bbad-ce7a7878ba0f" providerId="ADAL" clId="{F0D6FE74-CB47-FE4E-96FE-DF69C5E3FEE2}" dt="2025-08-20T14:50:18.685" v="3408" actId="20577"/>
           <ac:spMkLst>
             <pc:docMk/>
             <pc:sldMk cId="3918262711" sldId="266"/>
@@ -182,13 +193,13 @@
         </pc:spChg>
       </pc:sldChg>
       <pc:sldChg chg="modSp mod modNotesTx">
-        <pc:chgData name="Andrew Kates" userId="8fd5ec3e-c8da-46f6-bbad-ce7a7878ba0f" providerId="ADAL" clId="{F0D6FE74-CB47-FE4E-96FE-DF69C5E3FEE2}" dt="2025-08-18T21:09:44.551" v="1273" actId="20577"/>
+        <pc:chgData name="Andrew Kates" userId="8fd5ec3e-c8da-46f6-bbad-ce7a7878ba0f" providerId="ADAL" clId="{F0D6FE74-CB47-FE4E-96FE-DF69C5E3FEE2}" dt="2025-08-20T18:03:20.272" v="6983" actId="20577"/>
         <pc:sldMkLst>
           <pc:docMk/>
           <pc:sldMk cId="310404465" sldId="267"/>
         </pc:sldMkLst>
         <pc:spChg chg="mod">
-          <ac:chgData name="Andrew Kates" userId="8fd5ec3e-c8da-46f6-bbad-ce7a7878ba0f" providerId="ADAL" clId="{F0D6FE74-CB47-FE4E-96FE-DF69C5E3FEE2}" dt="2025-08-18T21:09:30.712" v="1266" actId="21"/>
+          <ac:chgData name="Andrew Kates" userId="8fd5ec3e-c8da-46f6-bbad-ce7a7878ba0f" providerId="ADAL" clId="{F0D6FE74-CB47-FE4E-96FE-DF69C5E3FEE2}" dt="2025-08-20T18:03:20.272" v="6983" actId="20577"/>
           <ac:spMkLst>
             <pc:docMk/>
             <pc:sldMk cId="310404465" sldId="267"/>
@@ -204,15 +215,62 @@
           </ac:spMkLst>
         </pc:spChg>
       </pc:sldChg>
-      <pc:sldChg chg="modNotesTx">
-        <pc:chgData name="Andrew Kates" userId="8fd5ec3e-c8da-46f6-bbad-ce7a7878ba0f" providerId="ADAL" clId="{F0D6FE74-CB47-FE4E-96FE-DF69C5E3FEE2}" dt="2025-08-18T21:25:34.019" v="1283" actId="20577"/>
+      <pc:sldChg chg="addSp modSp mod modNotesTx">
+        <pc:chgData name="Andrew Kates" userId="8fd5ec3e-c8da-46f6-bbad-ce7a7878ba0f" providerId="ADAL" clId="{F0D6FE74-CB47-FE4E-96FE-DF69C5E3FEE2}" dt="2025-08-20T17:44:56.495" v="6789" actId="20577"/>
         <pc:sldMkLst>
           <pc:docMk/>
           <pc:sldMk cId="21241760" sldId="268"/>
         </pc:sldMkLst>
+        <pc:spChg chg="mod">
+          <ac:chgData name="Andrew Kates" userId="8fd5ec3e-c8da-46f6-bbad-ce7a7878ba0f" providerId="ADAL" clId="{F0D6FE74-CB47-FE4E-96FE-DF69C5E3FEE2}" dt="2025-08-20T17:01:50.028" v="5644" actId="20577"/>
+          <ac:spMkLst>
+            <pc:docMk/>
+            <pc:sldMk cId="21241760" sldId="268"/>
+            <ac:spMk id="6" creationId="{00000000-0000-0000-0000-000000000000}"/>
+          </ac:spMkLst>
+        </pc:spChg>
+        <pc:spChg chg="mod">
+          <ac:chgData name="Andrew Kates" userId="8fd5ec3e-c8da-46f6-bbad-ce7a7878ba0f" providerId="ADAL" clId="{F0D6FE74-CB47-FE4E-96FE-DF69C5E3FEE2}" dt="2025-08-20T14:21:42.993" v="2217"/>
+          <ac:spMkLst>
+            <pc:docMk/>
+            <pc:sldMk cId="21241760" sldId="268"/>
+            <ac:spMk id="63490" creationId="{00000000-0000-0000-0000-000000000000}"/>
+          </ac:spMkLst>
+        </pc:spChg>
+        <pc:graphicFrameChg chg="add mod modGraphic">
+          <ac:chgData name="Andrew Kates" userId="8fd5ec3e-c8da-46f6-bbad-ce7a7878ba0f" providerId="ADAL" clId="{F0D6FE74-CB47-FE4E-96FE-DF69C5E3FEE2}" dt="2025-08-20T17:44:56.495" v="6789" actId="20577"/>
+          <ac:graphicFrameMkLst>
+            <pc:docMk/>
+            <pc:sldMk cId="21241760" sldId="268"/>
+            <ac:graphicFrameMk id="2" creationId="{3FC8E65D-0038-4B0C-2349-3D26D976C251}"/>
+          </ac:graphicFrameMkLst>
+        </pc:graphicFrameChg>
       </pc:sldChg>
-      <pc:sldChg chg="modSp mod">
-        <pc:chgData name="Andrew Kates" userId="8fd5ec3e-c8da-46f6-bbad-ce7a7878ba0f" providerId="ADAL" clId="{F0D6FE74-CB47-FE4E-96FE-DF69C5E3FEE2}" dt="2025-08-18T19:38:45.768" v="1" actId="1035"/>
+      <pc:sldChg chg="modSp mod modNotesTx">
+        <pc:chgData name="Andrew Kates" userId="8fd5ec3e-c8da-46f6-bbad-ce7a7878ba0f" providerId="ADAL" clId="{F0D6FE74-CB47-FE4E-96FE-DF69C5E3FEE2}" dt="2025-08-20T18:06:51.678" v="7120" actId="20577"/>
+        <pc:sldMkLst>
+          <pc:docMk/>
+          <pc:sldMk cId="852876430" sldId="269"/>
+        </pc:sldMkLst>
+        <pc:spChg chg="mod">
+          <ac:chgData name="Andrew Kates" userId="8fd5ec3e-c8da-46f6-bbad-ce7a7878ba0f" providerId="ADAL" clId="{F0D6FE74-CB47-FE4E-96FE-DF69C5E3FEE2}" dt="2025-08-20T18:06:51.678" v="7120" actId="20577"/>
+          <ac:spMkLst>
+            <pc:docMk/>
+            <pc:sldMk cId="852876430" sldId="269"/>
+            <ac:spMk id="6" creationId="{00000000-0000-0000-0000-000000000000}"/>
+          </ac:spMkLst>
+        </pc:spChg>
+        <pc:spChg chg="mod">
+          <ac:chgData name="Andrew Kates" userId="8fd5ec3e-c8da-46f6-bbad-ce7a7878ba0f" providerId="ADAL" clId="{F0D6FE74-CB47-FE4E-96FE-DF69C5E3FEE2}" dt="2025-08-20T14:50:47.756" v="3410"/>
+          <ac:spMkLst>
+            <pc:docMk/>
+            <pc:sldMk cId="852876430" sldId="269"/>
+            <ac:spMk id="63490" creationId="{00000000-0000-0000-0000-000000000000}"/>
+          </ac:spMkLst>
+        </pc:spChg>
+      </pc:sldChg>
+      <pc:sldChg chg="modSp mod modNotesTx">
+        <pc:chgData name="Andrew Kates" userId="8fd5ec3e-c8da-46f6-bbad-ce7a7878ba0f" providerId="ADAL" clId="{F0D6FE74-CB47-FE4E-96FE-DF69C5E3FEE2}" dt="2025-08-20T14:18:36.619" v="1989" actId="20577"/>
         <pc:sldMkLst>
           <pc:docMk/>
           <pc:sldMk cId="2899790007" sldId="270"/>
@@ -227,20 +285,20 @@
         </pc:picChg>
       </pc:sldChg>
       <pc:sldChg chg="modNotesTx">
-        <pc:chgData name="Andrew Kates" userId="8fd5ec3e-c8da-46f6-bbad-ce7a7878ba0f" providerId="ADAL" clId="{F0D6FE74-CB47-FE4E-96FE-DF69C5E3FEE2}" dt="2025-08-18T19:42:14.063" v="15" actId="20577"/>
+        <pc:chgData name="Andrew Kates" userId="8fd5ec3e-c8da-46f6-bbad-ce7a7878ba0f" providerId="ADAL" clId="{F0D6FE74-CB47-FE4E-96FE-DF69C5E3FEE2}" dt="2025-08-20T14:16:37.857" v="1838" actId="20577"/>
         <pc:sldMkLst>
           <pc:docMk/>
           <pc:sldMk cId="740440714" sldId="271"/>
         </pc:sldMkLst>
       </pc:sldChg>
       <pc:sldChg chg="modSp mod modNotesTx">
-        <pc:chgData name="Andrew Kates" userId="8fd5ec3e-c8da-46f6-bbad-ce7a7878ba0f" providerId="ADAL" clId="{F0D6FE74-CB47-FE4E-96FE-DF69C5E3FEE2}" dt="2025-08-18T21:04:30.136" v="821" actId="113"/>
+        <pc:chgData name="Andrew Kates" userId="8fd5ec3e-c8da-46f6-bbad-ce7a7878ba0f" providerId="ADAL" clId="{F0D6FE74-CB47-FE4E-96FE-DF69C5E3FEE2}" dt="2025-08-20T14:49:23.815" v="3341" actId="20577"/>
         <pc:sldMkLst>
           <pc:docMk/>
           <pc:sldMk cId="1988230745" sldId="272"/>
         </pc:sldMkLst>
         <pc:spChg chg="mod">
-          <ac:chgData name="Andrew Kates" userId="8fd5ec3e-c8da-46f6-bbad-ce7a7878ba0f" providerId="ADAL" clId="{F0D6FE74-CB47-FE4E-96FE-DF69C5E3FEE2}" dt="2025-08-18T21:04:30.136" v="821" actId="113"/>
+          <ac:chgData name="Andrew Kates" userId="8fd5ec3e-c8da-46f6-bbad-ce7a7878ba0f" providerId="ADAL" clId="{F0D6FE74-CB47-FE4E-96FE-DF69C5E3FEE2}" dt="2025-08-20T14:44:12.436" v="3310" actId="20577"/>
           <ac:spMkLst>
             <pc:docMk/>
             <pc:sldMk cId="1988230745" sldId="272"/>
@@ -335,7 +393,7 @@
           <a:p>
             <a:fld id="{0D194C35-0AA9-41CB-84F6-AF1A2EF42389}" type="datetimeFigureOut">
               <a:rPr lang="en-CA" smtClean="0"/>
-              <a:t>2025-08-18</a:t>
+              <a:t>2025-08-20</a:t>
             </a:fld>
             <a:endParaRPr lang="en-CA"/>
           </a:p>
@@ -647,6 +705,161 @@
           <a:bodyPr/>
           <a:lstStyle/>
           <a:p>
+            <a:pPr marL="0" indent="0">
+              <a:spcBef>
+                <a:spcPts val="0"/>
+              </a:spcBef>
+              <a:buNone/>
+            </a:pPr>
+            <a:r>
+              <a:rPr lang="en-CA" sz="1200" dirty="0"/>
+              <a:t>What problem (gap) are you actually trying to create a solution for?</a:t>
+            </a:r>
+          </a:p>
+          <a:p>
+            <a:pPr marL="0" indent="0">
+              <a:spcBef>
+                <a:spcPts val="0"/>
+              </a:spcBef>
+              <a:buNone/>
+            </a:pPr>
+            <a:r>
+              <a:rPr lang="en-CA" sz="1200" dirty="0"/>
+              <a:t>Can you provide evidence that the problem exists?   </a:t>
+            </a:r>
+          </a:p>
+          <a:p>
+            <a:pPr marL="0" indent="0">
+              <a:spcBef>
+                <a:spcPts val="0"/>
+              </a:spcBef>
+              <a:buNone/>
+            </a:pPr>
+            <a:r>
+              <a:rPr lang="en-CA" sz="1200" dirty="0"/>
+              <a:t>Does the problem relate to the performance or health determinants of sport? Or could a solution to a problem result in positive impact for the institute, without negatively impacting our purpose? </a:t>
+            </a:r>
+          </a:p>
+          <a:p>
+            <a:pPr marL="0" indent="0">
+              <a:spcBef>
+                <a:spcPts val="0"/>
+              </a:spcBef>
+              <a:buNone/>
+            </a:pPr>
+            <a:r>
+              <a:rPr lang="en-CA" sz="1200" dirty="0"/>
+              <a:t>Try and distill the problem down to its simplest form.  Ideally you should be able to describe the problem you are solving in one or two sentences or bullet points.  </a:t>
+            </a:r>
+            <a:endParaRPr lang="en-CA" sz="1200" b="1" i="1" dirty="0">
+              <a:solidFill>
+                <a:srgbClr val="002060"/>
+              </a:solidFill>
+            </a:endParaRPr>
+          </a:p>
+          <a:p>
+            <a:endParaRPr lang="en-US" dirty="0"/>
+          </a:p>
+          <a:p>
+            <a:endParaRPr lang="en-US" dirty="0"/>
+          </a:p>
+          <a:p>
+            <a:r>
+              <a:rPr lang="en-US" dirty="0"/>
+              <a:t>Summarize: This is a massive time commitment in the present, and we do not have the protocol set up to innovate or improve in the future.</a:t>
+            </a:r>
+          </a:p>
+          <a:p>
+            <a:endParaRPr lang="en-US" dirty="0"/>
+          </a:p>
+          <a:p>
+            <a:endParaRPr lang="en-US" dirty="0"/>
+          </a:p>
+          <a:p>
+            <a:r>
+              <a:rPr lang="en-US" dirty="0"/>
+              <a:t>CH:</a:t>
+            </a:r>
+          </a:p>
+          <a:p>
+            <a:r>
+              <a:rPr lang="en-US" dirty="0"/>
+              <a:t>-t</a:t>
+            </a:r>
+            <a:r>
+              <a:rPr lang="en-CA" sz="1200" kern="1200" dirty="0">
+                <a:solidFill>
+                  <a:schemeClr val="tx1"/>
+                </a:solidFill>
+                <a:effectLst/>
+                <a:latin typeface="+mn-lt"/>
+                <a:ea typeface="+mn-ea"/>
+                <a:cs typeface="+mn-cs"/>
+              </a:rPr>
+              <a:t>he purpose of this RTP program is to provide a world-class, evidence-based</a:t>
+            </a:r>
+          </a:p>
+          <a:p>
+            <a:r>
+              <a:rPr lang="en-CA" sz="1200" kern="1200" dirty="0">
+                <a:solidFill>
+                  <a:schemeClr val="tx1"/>
+                </a:solidFill>
+                <a:effectLst/>
+                <a:latin typeface="+mn-lt"/>
+                <a:ea typeface="+mn-ea"/>
+                <a:cs typeface="+mn-cs"/>
+              </a:rPr>
+              <a:t>pathway leveraging cutting-edge sport science and a multi-disciplinary team approach to</a:t>
+            </a:r>
+          </a:p>
+          <a:p>
+            <a:r>
+              <a:rPr lang="en-CA" sz="1200" kern="1200" dirty="0">
+                <a:solidFill>
+                  <a:schemeClr val="tx1"/>
+                </a:solidFill>
+                <a:effectLst/>
+                <a:latin typeface="+mn-lt"/>
+                <a:ea typeface="+mn-ea"/>
+                <a:cs typeface="+mn-cs"/>
+              </a:rPr>
+              <a:t>rehabilitate and reintegrate winter sport athletes back to an elite level of competition</a:t>
+            </a:r>
+          </a:p>
+          <a:p>
+            <a:r>
+              <a:rPr lang="en-US" dirty="0"/>
+              <a:t>-</a:t>
+            </a:r>
+            <a:r>
+              <a:rPr lang="en-CA" sz="1200" kern="1200" dirty="0">
+                <a:solidFill>
+                  <a:schemeClr val="tx1"/>
+                </a:solidFill>
+                <a:effectLst/>
+                <a:latin typeface="+mn-lt"/>
+                <a:ea typeface="+mn-ea"/>
+                <a:cs typeface="+mn-cs"/>
+              </a:rPr>
+              <a:t>one-third of World Cup Freestyle Ski and Alpine Ski athletes sustain a time-loss injury each season (Florenes4</a:t>
+            </a:r>
+          </a:p>
+          <a:p>
+            <a:r>
+              <a:rPr lang="en-CA" sz="1200" kern="1200" dirty="0">
+                <a:solidFill>
+                  <a:schemeClr val="tx1"/>
+                </a:solidFill>
+                <a:effectLst/>
+                <a:latin typeface="+mn-lt"/>
+                <a:ea typeface="+mn-ea"/>
+                <a:cs typeface="+mn-cs"/>
+              </a:rPr>
+              <a:t>et al., 2012)</a:t>
+            </a:r>
+          </a:p>
+          <a:p>
             <a:endParaRPr lang="en-US" dirty="0"/>
           </a:p>
         </p:txBody>
@@ -677,7 +890,7 @@
     </p:spTree>
     <p:extLst>
       <p:ext uri="{BB962C8B-B14F-4D97-AF65-F5344CB8AC3E}">
-        <p14:creationId xmlns:p14="http://schemas.microsoft.com/office/powerpoint/2010/main" val="2384189025"/>
+        <p14:creationId xmlns:p14="http://schemas.microsoft.com/office/powerpoint/2010/main" val="4255433646"/>
       </p:ext>
     </p:extLst>
   </p:cSld>
@@ -731,67 +944,165 @@
           <a:bodyPr/>
           <a:lstStyle/>
           <a:p>
+            <a:pPr marL="0" indent="0">
+              <a:spcBef>
+                <a:spcPts val="0"/>
+              </a:spcBef>
+              <a:buNone/>
+            </a:pPr>
+            <a:r>
+              <a:rPr lang="en-CA" sz="1200" dirty="0"/>
+              <a:t>A clear problem statement will help you focus your solution on solving just one main focus problem.  </a:t>
+            </a:r>
+          </a:p>
+          <a:p>
+            <a:pPr marL="0" indent="0">
+              <a:spcBef>
+                <a:spcPts val="0"/>
+              </a:spcBef>
+              <a:buNone/>
+            </a:pPr>
+            <a:r>
+              <a:rPr lang="en-CA" sz="1200" b="1" dirty="0"/>
+              <a:t>One Main Focus Problem</a:t>
+            </a:r>
+          </a:p>
+          <a:p>
+            <a:pPr marL="0" indent="0">
+              <a:spcBef>
+                <a:spcPts val="0"/>
+              </a:spcBef>
+              <a:buNone/>
+            </a:pPr>
+            <a:r>
+              <a:rPr lang="en-CA" sz="1200" b="0" dirty="0"/>
+              <a:t>Build an ACL Rehab protocol targeted to able bodied athletes of any sport or level.</a:t>
+            </a:r>
+          </a:p>
+          <a:p>
+            <a:pPr marL="0" indent="0">
+              <a:spcBef>
+                <a:spcPts val="0"/>
+              </a:spcBef>
+              <a:buNone/>
+            </a:pPr>
+            <a:r>
+              <a:rPr lang="en-CA" sz="1200" b="0" dirty="0"/>
+              <a:t>-This is a very specific solution, but it provides a foundation for later building other protocols (i.e. different injuries, … )</a:t>
+            </a:r>
+          </a:p>
+          <a:p>
+            <a:pPr marL="0" indent="0">
+              <a:spcBef>
+                <a:spcPts val="0"/>
+              </a:spcBef>
+              <a:buNone/>
+            </a:pPr>
+            <a:endParaRPr lang="en-CA" sz="1200" dirty="0"/>
+          </a:p>
+          <a:p>
+            <a:pPr marL="0" indent="0">
+              <a:spcBef>
+                <a:spcPts val="0"/>
+              </a:spcBef>
+              <a:buNone/>
+            </a:pPr>
+            <a:endParaRPr lang="en-CA" sz="1200" dirty="0"/>
+          </a:p>
+          <a:p>
+            <a:pPr marL="0" indent="0">
+              <a:spcBef>
+                <a:spcPts val="0"/>
+              </a:spcBef>
+              <a:buNone/>
+            </a:pPr>
+            <a:endParaRPr lang="en-CA" sz="1200" dirty="0"/>
+          </a:p>
+          <a:p>
+            <a:endParaRPr lang="en-US" dirty="0"/>
+          </a:p>
+          <a:p>
             <a:r>
               <a:rPr lang="en-US" dirty="0"/>
-              <a:t>Summarize: This is a massive time commitment in the present, and we do not have the protocol set up to innovate or improve in the future.</a:t>
+              <a:t>What we have:</a:t>
+            </a:r>
+          </a:p>
+          <a:p>
+            <a:r>
+              <a:rPr lang="en-US" dirty="0"/>
+              <a:t>-0.4 FTE of Andrew’s time</a:t>
+            </a:r>
+          </a:p>
+          <a:p>
+            <a:r>
+              <a:rPr lang="en-US" dirty="0"/>
+              <a:t>-some data from previous rehabilitations conducted within our facilities</a:t>
+            </a:r>
+          </a:p>
+          <a:p>
+            <a:r>
+              <a:rPr lang="en-US" dirty="0"/>
+              <a:t>-a network of practitioners who can offer expertise on different aspects of the protocol</a:t>
+            </a:r>
+          </a:p>
+          <a:p>
+            <a:r>
+              <a:rPr lang="en-US" dirty="0"/>
+              <a:t>-Force Plates</a:t>
+            </a:r>
+          </a:p>
+          <a:p>
+            <a:r>
+              <a:rPr lang="en-US" dirty="0"/>
+              <a:t>-High Performance facility</a:t>
             </a:r>
           </a:p>
           <a:p>
             <a:endParaRPr lang="en-US" dirty="0"/>
           </a:p>
           <a:p>
+            <a:r>
+              <a:rPr lang="en-US" dirty="0"/>
+              <a:t>What we don’t have:</a:t>
+            </a:r>
+          </a:p>
+          <a:p>
+            <a:r>
+              <a:rPr lang="en-US" dirty="0"/>
+              <a:t>-money</a:t>
+            </a:r>
+          </a:p>
+          <a:p>
+            <a:r>
+              <a:rPr lang="en-US" dirty="0"/>
+              <a:t>-in house physiotherapy or other IST services</a:t>
+            </a:r>
+          </a:p>
+          <a:p>
+            <a:r>
+              <a:rPr lang="en-US" dirty="0"/>
+              <a:t>-isokinetic dynamometer</a:t>
+            </a:r>
+          </a:p>
+          <a:p>
+            <a:r>
+              <a:rPr lang="en-US" dirty="0"/>
+              <a:t>-underwater treadmill</a:t>
+            </a:r>
+          </a:p>
+          <a:p>
             <a:endParaRPr lang="en-US" dirty="0"/>
           </a:p>
           <a:p>
             <a:r>
               <a:rPr lang="en-US" dirty="0"/>
-              <a:t>CH:</a:t>
+              <a:t>Downstream solutions</a:t>
             </a:r>
           </a:p>
           <a:p>
             <a:r>
               <a:rPr lang="en-US" dirty="0"/>
-              <a:t>-t</a:t>
-            </a:r>
-            <a:r>
-              <a:rPr lang="en-CA" sz="1200" kern="1200" dirty="0">
-                <a:solidFill>
-                  <a:schemeClr val="tx1"/>
-                </a:solidFill>
-                <a:effectLst/>
-                <a:latin typeface="+mn-lt"/>
-                <a:ea typeface="+mn-ea"/>
-                <a:cs typeface="+mn-cs"/>
-              </a:rPr>
-              <a:t>he purpose of this RTP program is to provide a world-class, evidence-based</a:t>
-            </a:r>
-          </a:p>
-          <a:p>
-            <a:r>
-              <a:rPr lang="en-CA" sz="1200" kern="1200" dirty="0">
-                <a:solidFill>
-                  <a:schemeClr val="tx1"/>
-                </a:solidFill>
-                <a:effectLst/>
-                <a:latin typeface="+mn-lt"/>
-                <a:ea typeface="+mn-ea"/>
-                <a:cs typeface="+mn-cs"/>
-              </a:rPr>
-              <a:t>pathway leveraging cutting-edge sport science and a multi-disciplinary team approach to</a:t>
-            </a:r>
-          </a:p>
-          <a:p>
-            <a:r>
-              <a:rPr lang="en-CA" sz="1200" kern="1200" dirty="0">
-                <a:solidFill>
-                  <a:schemeClr val="tx1"/>
-                </a:solidFill>
-                <a:effectLst/>
-                <a:latin typeface="+mn-lt"/>
-                <a:ea typeface="+mn-ea"/>
-                <a:cs typeface="+mn-cs"/>
-              </a:rPr>
-              <a:t>rehabilitate and reintegrate winter sport athletes back to an elite level of competition</a:t>
+              <a:t>-improved data management procedures within performance services</a:t>
             </a:r>
           </a:p>
           <a:p>
@@ -799,32 +1110,15 @@
               <a:rPr lang="en-US" dirty="0"/>
               <a:t>-</a:t>
             </a:r>
-            <a:r>
-              <a:rPr lang="en-CA" sz="1200" kern="1200" dirty="0">
-                <a:solidFill>
-                  <a:schemeClr val="tx1"/>
-                </a:solidFill>
-                <a:effectLst/>
-                <a:latin typeface="+mn-lt"/>
-                <a:ea typeface="+mn-ea"/>
-                <a:cs typeface="+mn-cs"/>
-              </a:rPr>
-              <a:t>one-third of World Cup Freestyle Ski and Alpine Ski athletes sustain a time-loss injury each season (Florenes4</a:t>
-            </a:r>
-          </a:p>
-          <a:p>
-            <a:r>
-              <a:rPr lang="en-CA" sz="1200" kern="1200" dirty="0">
-                <a:solidFill>
-                  <a:schemeClr val="tx1"/>
-                </a:solidFill>
-                <a:effectLst/>
-                <a:latin typeface="+mn-lt"/>
-                <a:ea typeface="+mn-ea"/>
-                <a:cs typeface="+mn-cs"/>
-              </a:rPr>
-              <a:t>et al., 2012)</a:t>
-            </a:r>
+          </a:p>
+          <a:p>
+            <a:endParaRPr lang="en-US" dirty="0"/>
+          </a:p>
+          <a:p>
+            <a:endParaRPr lang="en-US" dirty="0"/>
+          </a:p>
+          <a:p>
+            <a:endParaRPr lang="en-US" dirty="0"/>
           </a:p>
           <a:p>
             <a:endParaRPr lang="en-US" dirty="0"/>
@@ -857,7 +1151,7 @@
     </p:spTree>
     <p:extLst>
       <p:ext uri="{BB962C8B-B14F-4D97-AF65-F5344CB8AC3E}">
-        <p14:creationId xmlns:p14="http://schemas.microsoft.com/office/powerpoint/2010/main" val="4255433646"/>
+        <p14:creationId xmlns:p14="http://schemas.microsoft.com/office/powerpoint/2010/main" val="654432541"/>
       </p:ext>
     </p:extLst>
   </p:cSld>
@@ -919,7 +1213,7 @@
             </a:pPr>
             <a:r>
               <a:rPr lang="en-CA" sz="1200" dirty="0"/>
-              <a:t>The Solution:</a:t>
+              <a:t>Describe the market segments/type of client/customer you are targeting. Who does this problem focus on?  What makes them unique? (e.g. is this just for elite athletes?  Able or para or both?  Next Gen?  Community?  Winter vs. Summer sports or both?  NSO vs. PSO?)</a:t>
             </a:r>
           </a:p>
           <a:p>
@@ -929,9 +1223,18 @@
               </a:spcBef>
               <a:buNone/>
             </a:pPr>
+            <a:endParaRPr lang="en-CA" sz="1200" dirty="0"/>
+          </a:p>
+          <a:p>
+            <a:pPr marL="0" indent="0">
+              <a:spcBef>
+                <a:spcPts val="0"/>
+              </a:spcBef>
+              <a:buNone/>
+            </a:pPr>
             <a:r>
               <a:rPr lang="en-CA" sz="1200" dirty="0"/>
-              <a:t>An ACL Rehabilitation Protocol</a:t>
+              <a:t>Can you get any sense of projected number of client/customers that might be interested in this solution? </a:t>
             </a:r>
           </a:p>
           <a:p>
@@ -941,168 +1244,29 @@
               </a:spcBef>
               <a:buNone/>
             </a:pPr>
+            <a:endParaRPr lang="en-CA" sz="1200" dirty="0"/>
+          </a:p>
+          <a:p>
+            <a:pPr marL="0" indent="0">
+              <a:spcBef>
+                <a:spcPts val="0"/>
+              </a:spcBef>
+              <a:buNone/>
+            </a:pPr>
             <a:r>
               <a:rPr lang="en-CA" sz="1200" dirty="0"/>
-              <a:t>-Criteria Based Progression Injury -&gt; RTP &amp; Beyond</a:t>
-            </a:r>
-          </a:p>
-          <a:p>
-            <a:pPr marL="0" indent="0">
-              <a:spcBef>
-                <a:spcPts val="0"/>
-              </a:spcBef>
-              <a:buNone/>
-            </a:pPr>
-            <a:r>
-              <a:rPr lang="en-CA" sz="1200" dirty="0"/>
-              <a:t>-Training Program Templates</a:t>
-            </a:r>
-          </a:p>
-          <a:p>
-            <a:pPr marL="0" indent="0">
-              <a:spcBef>
-                <a:spcPts val="0"/>
-              </a:spcBef>
-              <a:buNone/>
-            </a:pPr>
-            <a:r>
-              <a:rPr lang="en-CA" sz="1200" dirty="0"/>
-              <a:t>-Neuromuscular Testing Protocol</a:t>
-            </a:r>
-          </a:p>
-          <a:p>
-            <a:pPr marL="0" indent="0">
-              <a:spcBef>
-                <a:spcPts val="0"/>
-              </a:spcBef>
-              <a:buNone/>
-            </a:pPr>
-            <a:endParaRPr lang="en-CA" sz="1200" dirty="0"/>
-          </a:p>
-          <a:p>
-            <a:pPr marL="0" indent="0">
-              <a:spcBef>
-                <a:spcPts val="0"/>
-              </a:spcBef>
-              <a:buNone/>
-            </a:pPr>
-            <a:endParaRPr lang="en-CA" sz="1200" dirty="0"/>
-          </a:p>
-          <a:p>
-            <a:pPr marL="0" indent="0">
-              <a:spcBef>
-                <a:spcPts val="0"/>
-              </a:spcBef>
-              <a:buNone/>
-            </a:pPr>
-            <a:r>
-              <a:rPr lang="en-CA" sz="1200" dirty="0"/>
-              <a:t>A clear problem statement will help you focus your solution on solving just one main focus problem.  </a:t>
-            </a:r>
-          </a:p>
-          <a:p>
-            <a:pPr marL="0" indent="0">
-              <a:spcBef>
-                <a:spcPts val="0"/>
-              </a:spcBef>
-              <a:buNone/>
-            </a:pPr>
-            <a:endParaRPr lang="en-CA" sz="1200" dirty="0"/>
-          </a:p>
-          <a:p>
-            <a:pPr marL="0" indent="0">
-              <a:spcBef>
-                <a:spcPts val="0"/>
-              </a:spcBef>
-              <a:buNone/>
-            </a:pPr>
-            <a:r>
-              <a:rPr lang="en-CA" sz="1200" dirty="0"/>
-              <a:t>Again you should be able to describe your solution(s) at a high level in just a few sentences or bullet points.  </a:t>
-            </a:r>
-            <a:endParaRPr lang="en-CA" sz="1200" b="1" i="1" dirty="0">
-              <a:solidFill>
-                <a:srgbClr val="002060"/>
-              </a:solidFill>
-            </a:endParaRPr>
+              <a:t>Are there any other aspects of the target market (or target customers/client) that are relevant to this problem and solution?  </a:t>
+            </a:r>
           </a:p>
           <a:p>
             <a:endParaRPr lang="en-US" dirty="0"/>
-          </a:p>
-          <a:p>
-            <a:endParaRPr lang="en-US" dirty="0"/>
-          </a:p>
-          <a:p>
-            <a:r>
-              <a:rPr lang="en-US" dirty="0"/>
-              <a:t>What we have:</a:t>
-            </a:r>
-          </a:p>
-          <a:p>
-            <a:endParaRPr lang="en-US" dirty="0"/>
-          </a:p>
-          <a:p>
-            <a:r>
-              <a:rPr lang="en-US" dirty="0"/>
-              <a:t>What we don’t have:</a:t>
-            </a:r>
-          </a:p>
-          <a:p>
-            <a:r>
-              <a:rPr lang="en-US" dirty="0"/>
-              <a:t>-money</a:t>
-            </a:r>
-          </a:p>
-          <a:p>
-            <a:r>
-              <a:rPr lang="en-US" dirty="0"/>
-              <a:t>-in house physiotherapy or other IST services</a:t>
-            </a:r>
-          </a:p>
-          <a:p>
-            <a:r>
-              <a:rPr lang="en-US" dirty="0"/>
-              <a:t>-isokinetic dynamometer</a:t>
-            </a:r>
-          </a:p>
-          <a:p>
-            <a:r>
-              <a:rPr lang="en-US" dirty="0"/>
-              <a:t>-underwater treadmill</a:t>
-            </a:r>
-          </a:p>
-          <a:p>
-            <a:endParaRPr lang="en-US" dirty="0"/>
-          </a:p>
-        </p:txBody>
-      </p:sp>
-      <p:sp>
-        <p:nvSpPr>
-          <p:cNvPr id="4" name="Slide Number Placeholder 3"/>
-          <p:cNvSpPr>
-            <a:spLocks noGrp="1"/>
-          </p:cNvSpPr>
-          <p:nvPr>
-            <p:ph type="sldNum" sz="quarter" idx="5"/>
-          </p:nvPr>
-        </p:nvSpPr>
-        <p:spPr/>
-        <p:txBody>
-          <a:bodyPr/>
-          <a:lstStyle/>
-          <a:p>
-            <a:fld id="{EAF9EB4E-D50A-4CF1-9B06-457599E410FB}" type="slidenum">
-              <a:rPr lang="en-CA" smtClean="0"/>
-              <a:t>5</a:t>
-            </a:fld>
-            <a:endParaRPr lang="en-CA"/>
           </a:p>
         </p:txBody>
       </p:sp>
     </p:spTree>
     <p:extLst>
       <p:ext uri="{BB962C8B-B14F-4D97-AF65-F5344CB8AC3E}">
-        <p14:creationId xmlns:p14="http://schemas.microsoft.com/office/powerpoint/2010/main" val="654432541"/>
+        <p14:creationId xmlns:p14="http://schemas.microsoft.com/office/powerpoint/2010/main" val="250508036"/>
       </p:ext>
     </p:extLst>
   </p:cSld>
@@ -1164,7 +1328,7 @@
             </a:pPr>
             <a:r>
               <a:rPr lang="en-CA" sz="1200" dirty="0"/>
-              <a:t>Describe the market segments/type of client/customer you are targeting. Who does this problem focus on?  What makes them unique? (e.g. is this just for elite athletes?  Able or para or both?  Next Gen?  Community?  Winter vs. Summer sports or both?  NSO vs. PSO?)</a:t>
+              <a:t>Who are your actual competitors? (name them, in some instances there might not be direct competition).  Are they located locally, or within BC or within Canada or Internationally?   </a:t>
             </a:r>
           </a:p>
           <a:p>
@@ -1185,7 +1349,7 @@
             </a:pPr>
             <a:r>
               <a:rPr lang="en-CA" sz="1200" dirty="0"/>
-              <a:t>Can you get any sense of projected number of client/customers that might be interested in this solution? </a:t>
+              <a:t>Describe your key differentiators that make your solution different than your competition.   </a:t>
             </a:r>
           </a:p>
           <a:p>
@@ -1206,18 +1370,186 @@
             </a:pPr>
             <a:r>
               <a:rPr lang="en-CA" sz="1200" dirty="0"/>
-              <a:t>Are there any other aspects of the target market (or target customers/client) that are relevant to this problem and solution?  </a:t>
-            </a:r>
+              <a:t>[KPI: Is your solution unique enough that your target market (customers) will choose your solution over alternatives?] </a:t>
+            </a:r>
+          </a:p>
+          <a:p>
+            <a:pPr marL="0" indent="0">
+              <a:spcBef>
+                <a:spcPts val="0"/>
+              </a:spcBef>
+              <a:buNone/>
+            </a:pPr>
+            <a:endParaRPr lang="en-CA" sz="1200" b="1" i="1" dirty="0">
+              <a:solidFill>
+                <a:srgbClr val="002060"/>
+              </a:solidFill>
+            </a:endParaRPr>
+          </a:p>
+          <a:p>
+            <a:pPr marL="0" indent="0">
+              <a:spcBef>
+                <a:spcPts val="0"/>
+              </a:spcBef>
+              <a:buNone/>
+            </a:pPr>
+            <a:endParaRPr lang="en-CA" sz="1200" b="1" i="1" dirty="0">
+              <a:solidFill>
+                <a:srgbClr val="002060"/>
+              </a:solidFill>
+            </a:endParaRPr>
           </a:p>
           <a:p>
             <a:endParaRPr lang="en-US" dirty="0"/>
+          </a:p>
+          <a:p>
+            <a:endParaRPr lang="en-US" dirty="0"/>
+          </a:p>
+          <a:p>
+            <a:endParaRPr lang="en-US" dirty="0"/>
+          </a:p>
+          <a:p>
+            <a:r>
+              <a:rPr lang="en-US" dirty="0"/>
+              <a:t>Competition:</a:t>
+            </a:r>
+          </a:p>
+          <a:p>
+            <a:r>
+              <a:rPr lang="en-US" dirty="0"/>
+              <a:t>-CSI Calgary (collaborate)</a:t>
+            </a:r>
+          </a:p>
+          <a:p>
+            <a:r>
+              <a:rPr lang="en-US" dirty="0"/>
+              <a:t>-Private</a:t>
+            </a:r>
+          </a:p>
+          <a:p>
+            <a:r>
+              <a:rPr lang="en-US" dirty="0"/>
+              <a:t>-</a:t>
+            </a:r>
+            <a:r>
+              <a:rPr lang="en-US" dirty="0" err="1"/>
+              <a:t>Fortius</a:t>
+            </a:r>
+            <a:r>
+              <a:rPr lang="en-US" dirty="0"/>
+              <a:t> (n/a)</a:t>
+            </a:r>
+          </a:p>
+          <a:p>
+            <a:endParaRPr lang="en-US" dirty="0"/>
+          </a:p>
+          <a:p>
+            <a:endParaRPr lang="en-US" dirty="0"/>
+          </a:p>
+          <a:p>
+            <a:r>
+              <a:rPr lang="en-US" dirty="0"/>
+              <a:t>World Leading Examples:</a:t>
+            </a:r>
+          </a:p>
+          <a:p>
+            <a:r>
+              <a:rPr lang="en-US" dirty="0"/>
+              <a:t>(and one thing they do best that we can learn from)</a:t>
+            </a:r>
+          </a:p>
+          <a:p>
+            <a:r>
+              <a:rPr lang="en-US" dirty="0"/>
+              <a:t>-</a:t>
+            </a:r>
+            <a:r>
+              <a:rPr lang="en-CA" sz="1200" kern="1200" dirty="0">
+                <a:solidFill>
+                  <a:schemeClr val="tx1"/>
+                </a:solidFill>
+                <a:effectLst/>
+                <a:latin typeface="+mn-lt"/>
+                <a:ea typeface="+mn-ea"/>
+                <a:cs typeface="+mn-cs"/>
+              </a:rPr>
+              <a:t>United States Ski and Snowboard</a:t>
+            </a:r>
+          </a:p>
+          <a:p>
+            <a:r>
+              <a:rPr lang="en-CA" sz="1200" kern="1200" dirty="0">
+                <a:solidFill>
+                  <a:schemeClr val="tx1"/>
+                </a:solidFill>
+                <a:effectLst/>
+                <a:latin typeface="+mn-lt"/>
+                <a:ea typeface="+mn-ea"/>
+                <a:cs typeface="+mn-cs"/>
+              </a:rPr>
+              <a:t>-SPARC Sports Physiotherapy &amp; Athletic Rehabilitation Clinic – Ireland, Enda King</a:t>
+            </a:r>
+          </a:p>
+          <a:p>
+            <a:r>
+              <a:rPr lang="en-CA" sz="1200" kern="1200" dirty="0">
+                <a:solidFill>
+                  <a:schemeClr val="tx1"/>
+                </a:solidFill>
+                <a:effectLst/>
+                <a:latin typeface="+mn-lt"/>
+                <a:ea typeface="+mn-ea"/>
+                <a:cs typeface="+mn-cs"/>
+              </a:rPr>
+              <a:t>-OTP Return to Health and Performance ‘Think Tank’</a:t>
+            </a:r>
+          </a:p>
+          <a:p>
+            <a:endParaRPr lang="en-CA" sz="1200" kern="1200" dirty="0">
+              <a:solidFill>
+                <a:schemeClr val="tx1"/>
+              </a:solidFill>
+              <a:effectLst/>
+              <a:latin typeface="+mn-lt"/>
+              <a:ea typeface="+mn-ea"/>
+              <a:cs typeface="+mn-cs"/>
+            </a:endParaRPr>
+          </a:p>
+          <a:p>
+            <a:endParaRPr lang="en-US" dirty="0"/>
+          </a:p>
+          <a:p>
+            <a:endParaRPr lang="en-US" dirty="0"/>
+          </a:p>
+        </p:txBody>
+      </p:sp>
+      <p:sp>
+        <p:nvSpPr>
+          <p:cNvPr id="4" name="Slide Number Placeholder 3"/>
+          <p:cNvSpPr>
+            <a:spLocks noGrp="1"/>
+          </p:cNvSpPr>
+          <p:nvPr>
+            <p:ph type="sldNum" sz="quarter" idx="5"/>
+          </p:nvPr>
+        </p:nvSpPr>
+        <p:spPr/>
+        <p:txBody>
+          <a:bodyPr/>
+          <a:lstStyle/>
+          <a:p>
+            <a:fld id="{EAF9EB4E-D50A-4CF1-9B06-457599E410FB}" type="slidenum">
+              <a:rPr lang="en-CA" smtClean="0"/>
+              <a:t>5</a:t>
+            </a:fld>
+            <a:endParaRPr lang="en-CA"/>
           </a:p>
         </p:txBody>
       </p:sp>
     </p:spTree>
     <p:extLst>
       <p:ext uri="{BB962C8B-B14F-4D97-AF65-F5344CB8AC3E}">
-        <p14:creationId xmlns:p14="http://schemas.microsoft.com/office/powerpoint/2010/main" val="250508036"/>
+        <p14:creationId xmlns:p14="http://schemas.microsoft.com/office/powerpoint/2010/main" val="3664131730"/>
       </p:ext>
     </p:extLst>
   </p:cSld>
@@ -1279,7 +1611,7 @@
             </a:pPr>
             <a:r>
               <a:rPr lang="en-CA" sz="1200" dirty="0"/>
-              <a:t>Who are your actual competitors? (name them, in some instances there might not be direct competition).  Are they located locally, or within BC or within Canada or Internationally?   </a:t>
+              <a:t>Highlight how you and your time are the right team to execute on your vision!  </a:t>
             </a:r>
           </a:p>
           <a:p>
@@ -1300,37 +1632,8 @@
             </a:pPr>
             <a:r>
               <a:rPr lang="en-CA" sz="1200" dirty="0"/>
-              <a:t>Describe your key differentiators that make your solution different than your competition.   </a:t>
-            </a:r>
-          </a:p>
-          <a:p>
-            <a:pPr marL="0" indent="0">
-              <a:spcBef>
-                <a:spcPts val="0"/>
-              </a:spcBef>
-              <a:buNone/>
-            </a:pPr>
-            <a:endParaRPr lang="en-CA" sz="1200" dirty="0"/>
-          </a:p>
-          <a:p>
-            <a:pPr marL="0" indent="0">
-              <a:spcBef>
-                <a:spcPts val="0"/>
-              </a:spcBef>
-              <a:buNone/>
-            </a:pPr>
-            <a:r>
-              <a:rPr lang="en-CA" sz="1200" dirty="0"/>
-              <a:t>[KPI: Is your solution unique enough that your target market (customers) will choose your solution over alternatives?] </a:t>
-            </a:r>
-          </a:p>
-          <a:p>
-            <a:pPr marL="0" indent="0">
-              <a:spcBef>
-                <a:spcPts val="0"/>
-              </a:spcBef>
-              <a:buNone/>
-            </a:pPr>
+              <a:t>Aspects of the CSI Pacific Institute Advantage should play front and center here.  No matter how great or unique your solution is, if you don’t have the right people, places and programs, you won’t be able to see it to fruition.   </a:t>
+            </a:r>
             <a:endParaRPr lang="en-CA" sz="1200" b="1" i="1" dirty="0">
               <a:solidFill>
                 <a:srgbClr val="002060"/>
@@ -1362,19 +1665,19 @@
           <a:p>
             <a:r>
               <a:rPr lang="en-US" dirty="0"/>
-              <a:t>Competition:</a:t>
+              <a:t>-My approach: Practical implementation &gt; Science/Research/Innovation</a:t>
             </a:r>
           </a:p>
           <a:p>
             <a:r>
               <a:rPr lang="en-US" dirty="0"/>
-              <a:t>-CSI Calgary (collaborate)</a:t>
+              <a:t>-Experience leading successful ACL Rehabs </a:t>
             </a:r>
           </a:p>
           <a:p>
             <a:r>
               <a:rPr lang="en-US" dirty="0"/>
-              <a:t>-Private</a:t>
+              <a:t>-Experience with successful and unsuccessful collaboration</a:t>
             </a:r>
           </a:p>
           <a:p>
@@ -1382,95 +1685,6 @@
               <a:rPr lang="en-US" dirty="0"/>
               <a:t>-</a:t>
             </a:r>
-            <a:r>
-              <a:rPr lang="en-US" dirty="0" err="1"/>
-              <a:t>Fortius</a:t>
-            </a:r>
-            <a:r>
-              <a:rPr lang="en-US" dirty="0"/>
-              <a:t> (n/a)</a:t>
-            </a:r>
-          </a:p>
-          <a:p>
-            <a:endParaRPr lang="en-US" dirty="0"/>
-          </a:p>
-          <a:p>
-            <a:endParaRPr lang="en-US" dirty="0"/>
-          </a:p>
-          <a:p>
-            <a:r>
-              <a:rPr lang="en-US" dirty="0"/>
-              <a:t>World Leading Examples:</a:t>
-            </a:r>
-          </a:p>
-          <a:p>
-            <a:r>
-              <a:rPr lang="en-US" dirty="0"/>
-              <a:t>(and one thing they do best that we can learn from)</a:t>
-            </a:r>
-          </a:p>
-          <a:p>
-            <a:r>
-              <a:rPr lang="en-US" dirty="0"/>
-              <a:t>-</a:t>
-            </a:r>
-            <a:r>
-              <a:rPr lang="en-CA" sz="1200" kern="1200" dirty="0">
-                <a:solidFill>
-                  <a:schemeClr val="tx1"/>
-                </a:solidFill>
-                <a:effectLst/>
-                <a:latin typeface="+mn-lt"/>
-                <a:ea typeface="+mn-ea"/>
-                <a:cs typeface="+mn-cs"/>
-              </a:rPr>
-              <a:t>United States Ski and Snowboard</a:t>
-            </a:r>
-          </a:p>
-          <a:p>
-            <a:r>
-              <a:rPr lang="en-CA" sz="1200" kern="1200" dirty="0">
-                <a:solidFill>
-                  <a:schemeClr val="tx1"/>
-                </a:solidFill>
-                <a:effectLst/>
-                <a:latin typeface="+mn-lt"/>
-                <a:ea typeface="+mn-ea"/>
-                <a:cs typeface="+mn-cs"/>
-              </a:rPr>
-              <a:t>-SPARC Sports Physiotherapy &amp; Athletic Rehabilitation Clinic – Ireland, Enda King</a:t>
-            </a:r>
-          </a:p>
-          <a:p>
-            <a:r>
-              <a:rPr lang="en-CA" sz="1200" kern="1200" dirty="0">
-                <a:solidFill>
-                  <a:schemeClr val="tx1"/>
-                </a:solidFill>
-                <a:effectLst/>
-                <a:latin typeface="+mn-lt"/>
-                <a:ea typeface="+mn-ea"/>
-                <a:cs typeface="+mn-cs"/>
-              </a:rPr>
-              <a:t>-OTP Return to Health and Performance ‘Think Tank’</a:t>
-            </a:r>
-          </a:p>
-          <a:p>
-            <a:endParaRPr lang="en-CA" sz="1200" kern="1200" dirty="0">
-              <a:solidFill>
-                <a:schemeClr val="tx1"/>
-              </a:solidFill>
-              <a:effectLst/>
-              <a:latin typeface="+mn-lt"/>
-              <a:ea typeface="+mn-ea"/>
-              <a:cs typeface="+mn-cs"/>
-            </a:endParaRPr>
-          </a:p>
-          <a:p>
-            <a:endParaRPr lang="en-US" dirty="0"/>
-          </a:p>
-          <a:p>
-            <a:endParaRPr lang="en-US" dirty="0"/>
           </a:p>
         </p:txBody>
       </p:sp>
@@ -1491,7 +1705,7 @@
           <a:p>
             <a:fld id="{EAF9EB4E-D50A-4CF1-9B06-457599E410FB}" type="slidenum">
               <a:rPr lang="en-CA" smtClean="0"/>
-              <a:t>7</a:t>
+              <a:t>6</a:t>
             </a:fld>
             <a:endParaRPr lang="en-CA"/>
           </a:p>
@@ -1500,7 +1714,7 @@
     </p:spTree>
     <p:extLst>
       <p:ext uri="{BB962C8B-B14F-4D97-AF65-F5344CB8AC3E}">
-        <p14:creationId xmlns:p14="http://schemas.microsoft.com/office/powerpoint/2010/main" val="3664131730"/>
+        <p14:creationId xmlns:p14="http://schemas.microsoft.com/office/powerpoint/2010/main" val="1675297175"/>
       </p:ext>
     </p:extLst>
   </p:cSld>
@@ -1554,57 +1768,97 @@
           <a:bodyPr/>
           <a:lstStyle/>
           <a:p>
-            <a:pPr marL="0" indent="0">
-              <a:spcBef>
-                <a:spcPts val="0"/>
-              </a:spcBef>
-              <a:buNone/>
-            </a:pPr>
+            <a:r>
+              <a:rPr lang="en-CA" sz="1200" b="1" dirty="0"/>
+              <a:t>Pull together a draft top-level forecast of potential revenues and expenses into a draft budget</a:t>
+            </a:r>
+          </a:p>
+          <a:p>
+            <a:r>
+              <a:rPr lang="en-CA" sz="1200" b="1" dirty="0"/>
+              <a:t>Within the context of sport, show that in a not-for-profit model, there would be enough interest to support the solutions:</a:t>
+            </a:r>
+          </a:p>
+          <a:p>
+            <a:r>
+              <a:rPr lang="en-CA" sz="1200" b="0" dirty="0"/>
+              <a:t>-Interest is a funny word, it’s more like “need”.  Maybe some people are ”interested”</a:t>
+            </a:r>
+          </a:p>
+          <a:p>
+            <a:r>
+              <a:rPr lang="en-CA" sz="1200" b="0" dirty="0"/>
+              <a:t>-We will be doing rehabs either way</a:t>
+            </a:r>
+          </a:p>
+          <a:p>
+            <a:r>
+              <a:rPr lang="en-CA" sz="1200" b="0" dirty="0"/>
+              <a:t>	Even if we don’t care about doing it well for the sake of it…</a:t>
+            </a:r>
+          </a:p>
+          <a:p>
+            <a:r>
+              <a:rPr lang="en-CA" sz="1200" b="0" dirty="0"/>
+              <a:t>	We might as well do it in a highly organized manner</a:t>
+            </a:r>
+          </a:p>
+          <a:p>
+            <a:r>
+              <a:rPr lang="en-CA" sz="1200" b="0" dirty="0"/>
+              <a:t>-Build the thing, present it to them, convince NSOs to pay upfront</a:t>
+            </a:r>
+          </a:p>
+          <a:p>
+            <a:r>
+              <a:rPr lang="en-CA" sz="1200" b="0" dirty="0"/>
+              <a:t>	If someone gets hurt, the rehab is included in the agreement, and they know exactly what they 	are getting from the rehab.</a:t>
+            </a:r>
+          </a:p>
+          <a:p>
+            <a:r>
+              <a:rPr lang="en-CA" sz="1200" b="0" dirty="0"/>
+              <a:t>	Or they can pay the PN rate when someone gets injured..?</a:t>
+            </a:r>
+          </a:p>
+          <a:p>
+            <a:r>
+              <a:rPr lang="en-CA" sz="1200" b="0" dirty="0"/>
+              <a:t>	i.e. You pay $10k per year for full access OR you pay $20k for a 12 month rehab (this is a bargain for the full service including staff time commitment)</a:t>
+            </a:r>
+          </a:p>
+          <a:p>
+            <a:endParaRPr lang="en-US" b="1" dirty="0"/>
+          </a:p>
+          <a:p>
+            <a:endParaRPr lang="en-CA" sz="1200" dirty="0"/>
+          </a:p>
+          <a:p>
+            <a:endParaRPr lang="en-CA" sz="1200" dirty="0"/>
+          </a:p>
+          <a:p>
+            <a:r>
+              <a:rPr lang="en-CA" sz="1200" b="1" dirty="0"/>
+              <a:t>Is there enough revenues to cover costs in a sustainable manner?</a:t>
+            </a:r>
+          </a:p>
+          <a:p>
             <a:r>
               <a:rPr lang="en-CA" sz="1200" dirty="0"/>
-              <a:t>Highlight how you and your time are the right team to execute on your vision!  </a:t>
-            </a:r>
-          </a:p>
-          <a:p>
-            <a:pPr marL="0" indent="0">
-              <a:spcBef>
-                <a:spcPts val="0"/>
-              </a:spcBef>
-              <a:buNone/>
-            </a:pPr>
-            <a:endParaRPr lang="en-CA" sz="1200" dirty="0"/>
-          </a:p>
-          <a:p>
-            <a:pPr marL="0" indent="0">
-              <a:spcBef>
-                <a:spcPts val="0"/>
-              </a:spcBef>
-              <a:buNone/>
-            </a:pPr>
+              <a:t>-I feel like it’s not PS job to collect revenue</a:t>
+            </a:r>
+          </a:p>
+          <a:p>
             <a:r>
               <a:rPr lang="en-CA" sz="1200" dirty="0"/>
-              <a:t>Aspects of the CSI Pacific Institute Advantage should play front and center here.  No matter how great or unique your solution is, if you don’t have the right people, places and programs, you won’t be able to see it to fruition.   </a:t>
-            </a:r>
-            <a:endParaRPr lang="en-CA" sz="1200" b="1" i="1" dirty="0">
-              <a:solidFill>
-                <a:srgbClr val="002060"/>
-              </a:solidFill>
-            </a:endParaRPr>
-          </a:p>
-          <a:p>
-            <a:pPr marL="0" indent="0">
-              <a:spcBef>
-                <a:spcPts val="0"/>
-              </a:spcBef>
-              <a:buNone/>
-            </a:pPr>
-            <a:endParaRPr lang="en-CA" sz="1200" b="1" i="1" dirty="0">
-              <a:solidFill>
-                <a:srgbClr val="002060"/>
-              </a:solidFill>
-            </a:endParaRPr>
-          </a:p>
-          <a:p>
+              <a:t>-Our job is to offer the best service possible, not to sell it or ensure collection of revenue</a:t>
+            </a:r>
+          </a:p>
+          <a:p>
+            <a:r>
+              <a:rPr lang="en-CA" sz="1200" dirty="0"/>
+              <a:t>-PS does the work to generate the revenue, the revenue just doesn’t always get collected</a:t>
+            </a:r>
             <a:endParaRPr lang="en-US" dirty="0"/>
           </a:p>
           <a:p>
@@ -1614,27 +1868,288 @@
             <a:endParaRPr lang="en-US" dirty="0"/>
           </a:p>
           <a:p>
+            <a:endParaRPr lang="en-US" dirty="0"/>
+          </a:p>
+          <a:p>
             <a:r>
               <a:rPr lang="en-US" dirty="0"/>
-              <a:t>-My approach: Practical implementation &gt; Science/Research/Innovation</a:t>
+              <a:t>AK:</a:t>
             </a:r>
           </a:p>
           <a:p>
             <a:r>
               <a:rPr lang="en-US" dirty="0"/>
-              <a:t>-Experience leading successful ACL Rehabs </a:t>
-            </a:r>
+              <a:t>-Our core business is supposed to be supporting Canadian high performance athletes.  This is a crucial part of supporting them</a:t>
+            </a:r>
+          </a:p>
+          <a:p>
+            <a:endParaRPr lang="en-US" dirty="0"/>
           </a:p>
           <a:p>
             <a:r>
               <a:rPr lang="en-US" dirty="0"/>
-              <a:t>-Experience with successful and unsuccessful collaboration</a:t>
+              <a:t>-This would be the first comprehensive and open-source system within Canada</a:t>
+            </a:r>
+          </a:p>
+          <a:p>
+            <a:r>
+              <a:rPr lang="en-US" dirty="0"/>
+              <a:t>  -i.e. Izzy: that was just service delivery, there was never really a structured, scalable protocol</a:t>
+            </a:r>
+          </a:p>
+          <a:p>
+            <a:r>
+              <a:rPr lang="en-US" dirty="0"/>
+              <a:t>-R&amp;D:</a:t>
+            </a:r>
+          </a:p>
+          <a:p>
+            <a:r>
+              <a:rPr lang="en-US" dirty="0"/>
+              <a:t>   There are a lot of opportunities just from improving our data management.  R&amp;D doesn’t have to involve a Biodex.  It’s just a way to potentially fund it via grants etc.</a:t>
+            </a:r>
+          </a:p>
+          <a:p>
+            <a:r>
+              <a:rPr lang="en-US" dirty="0"/>
+              <a:t>-my proposal involves basically no cost, but it has a guaranteed outcome.  The protocol will be delivered.  It will be useable for any of our staff.  From there we can probably market to NSOs, can </a:t>
+            </a:r>
+          </a:p>
+          <a:p>
+            <a:endParaRPr lang="en-US" dirty="0"/>
+          </a:p>
+          <a:p>
+            <a:r>
+              <a:rPr lang="en-US" dirty="0"/>
+              <a:t>-What is the cost to not doing this?  We keep having rehab cases to do, our practitioners work inefficiently to cover these on a case-by-case basis, we do not learn/grow/innovate, we do not have procedures in place to inform research and innovation, we have no way to properly value this service and the organization (and practitioners) do not get properly compensated.</a:t>
+            </a:r>
+          </a:p>
+          <a:p>
+            <a:endParaRPr lang="en-US" dirty="0"/>
+          </a:p>
+          <a:p>
+            <a:r>
+              <a:rPr lang="en-US" dirty="0"/>
+              <a:t>CH:</a:t>
             </a:r>
           </a:p>
           <a:p>
             <a:r>
               <a:rPr lang="en-US" dirty="0"/>
               <a:t>-</a:t>
+            </a:r>
+            <a:r>
+              <a:rPr lang="en-CA" sz="1200" kern="1200" dirty="0">
+                <a:solidFill>
+                  <a:schemeClr val="tx1"/>
+                </a:solidFill>
+                <a:effectLst/>
+                <a:latin typeface="+mn-lt"/>
+                <a:ea typeface="+mn-ea"/>
+                <a:cs typeface="+mn-cs"/>
+              </a:rPr>
+              <a:t>Increased and stable NSO and PSO investment in performance services</a:t>
+            </a:r>
+          </a:p>
+          <a:p>
+            <a:r>
+              <a:rPr lang="en-CA" sz="1200" kern="1200" dirty="0">
+                <a:solidFill>
+                  <a:schemeClr val="tx1"/>
+                </a:solidFill>
+                <a:effectLst/>
+                <a:latin typeface="+mn-lt"/>
+                <a:ea typeface="+mn-ea"/>
+                <a:cs typeface="+mn-cs"/>
+              </a:rPr>
+              <a:t>-strengthening stakeholder engagement </a:t>
+            </a:r>
+            <a:r>
+              <a:rPr lang="en-CA" sz="1200" kern="1200" dirty="0" err="1">
+                <a:solidFill>
+                  <a:schemeClr val="tx1"/>
+                </a:solidFill>
+                <a:effectLst/>
+                <a:latin typeface="+mn-lt"/>
+                <a:ea typeface="+mn-ea"/>
+                <a:cs typeface="+mn-cs"/>
+              </a:rPr>
+              <a:t>byfostering</a:t>
+            </a:r>
+            <a:r>
+              <a:rPr lang="en-CA" sz="1200" kern="1200" dirty="0">
+                <a:solidFill>
+                  <a:schemeClr val="tx1"/>
+                </a:solidFill>
+                <a:effectLst/>
+                <a:latin typeface="+mn-lt"/>
+                <a:ea typeface="+mn-ea"/>
+                <a:cs typeface="+mn-cs"/>
+              </a:rPr>
+              <a:t> collaboration with NSO and PSO partners</a:t>
+            </a:r>
+          </a:p>
+          <a:p>
+            <a:pPr marL="0" marR="0" lvl="0" indent="0" algn="l" defTabSz="914400" rtl="0" eaLnBrk="1" fontAlgn="auto" latinLnBrk="0" hangingPunct="1">
+              <a:lnSpc>
+                <a:spcPct val="100000"/>
+              </a:lnSpc>
+              <a:spcBef>
+                <a:spcPts val="0"/>
+              </a:spcBef>
+              <a:spcAft>
+                <a:spcPts val="0"/>
+              </a:spcAft>
+              <a:buClrTx/>
+              <a:buSzTx/>
+              <a:buFontTx/>
+              <a:buNone/>
+              <a:tabLst/>
+              <a:defRPr/>
+            </a:pPr>
+            <a:r>
+              <a:rPr lang="en-US" dirty="0"/>
+              <a:t>-scaled </a:t>
+            </a:r>
+            <a:r>
+              <a:rPr lang="en-CA" sz="1200" kern="1200" dirty="0">
+                <a:solidFill>
+                  <a:schemeClr val="tx1"/>
+                </a:solidFill>
+                <a:effectLst/>
+                <a:latin typeface="+mn-lt"/>
+                <a:ea typeface="+mn-ea"/>
+                <a:cs typeface="+mn-cs"/>
+              </a:rPr>
+              <a:t>private pay RTP service for</a:t>
+            </a:r>
+            <a:r>
+              <a:rPr lang="en-US" sz="1200" kern="1200" dirty="0">
+                <a:solidFill>
+                  <a:schemeClr val="tx1"/>
+                </a:solidFill>
+                <a:effectLst/>
+                <a:latin typeface="+mn-lt"/>
+                <a:ea typeface="+mn-ea"/>
+                <a:cs typeface="+mn-cs"/>
+              </a:rPr>
+              <a:t> PN</a:t>
+            </a:r>
+          </a:p>
+          <a:p>
+            <a:r>
+              <a:rPr lang="en-US" sz="1200" kern="1200" dirty="0">
+                <a:solidFill>
+                  <a:schemeClr val="tx1"/>
+                </a:solidFill>
+                <a:effectLst/>
+                <a:latin typeface="+mn-lt"/>
+                <a:ea typeface="+mn-ea"/>
+                <a:cs typeface="+mn-cs"/>
+              </a:rPr>
+              <a:t>-</a:t>
+            </a:r>
+            <a:r>
+              <a:rPr lang="en-CA" sz="1200" kern="1200" dirty="0">
+                <a:solidFill>
+                  <a:schemeClr val="tx1"/>
+                </a:solidFill>
+                <a:effectLst/>
+                <a:latin typeface="+mn-lt"/>
+                <a:ea typeface="+mn-ea"/>
+                <a:cs typeface="+mn-cs"/>
+              </a:rPr>
+              <a:t>The population in Whistler is approaching 16,000 residents, with almost 30,000 in Squamish and 4,000 in Pemberton</a:t>
+            </a:r>
+          </a:p>
+          <a:p>
+            <a:pPr marL="0" marR="0" lvl="0" indent="0" algn="l" defTabSz="914400" rtl="0" eaLnBrk="1" fontAlgn="auto" latinLnBrk="0" hangingPunct="1">
+              <a:lnSpc>
+                <a:spcPct val="100000"/>
+              </a:lnSpc>
+              <a:spcBef>
+                <a:spcPts val="0"/>
+              </a:spcBef>
+              <a:spcAft>
+                <a:spcPts val="0"/>
+              </a:spcAft>
+              <a:buClrTx/>
+              <a:buSzTx/>
+              <a:buFontTx/>
+              <a:buNone/>
+              <a:tabLst/>
+              <a:defRPr/>
+            </a:pPr>
+            <a:endParaRPr lang="en-CA" sz="1200" kern="1200" dirty="0">
+              <a:solidFill>
+                <a:schemeClr val="tx1"/>
+              </a:solidFill>
+              <a:effectLst/>
+              <a:latin typeface="+mn-lt"/>
+              <a:ea typeface="+mn-ea"/>
+              <a:cs typeface="+mn-cs"/>
+            </a:endParaRPr>
+          </a:p>
+          <a:p>
+            <a:pPr marL="0" marR="0" lvl="0" indent="0" algn="l" defTabSz="914400" rtl="0" eaLnBrk="1" fontAlgn="auto" latinLnBrk="0" hangingPunct="1">
+              <a:lnSpc>
+                <a:spcPct val="100000"/>
+              </a:lnSpc>
+              <a:spcBef>
+                <a:spcPts val="0"/>
+              </a:spcBef>
+              <a:spcAft>
+                <a:spcPts val="0"/>
+              </a:spcAft>
+              <a:buClrTx/>
+              <a:buSzTx/>
+              <a:buFontTx/>
+              <a:buNone/>
+              <a:tabLst/>
+              <a:defRPr/>
+            </a:pPr>
+            <a:r>
+              <a:rPr lang="en-CA" sz="1200" kern="1200" dirty="0">
+                <a:solidFill>
+                  <a:schemeClr val="tx1"/>
+                </a:solidFill>
+                <a:effectLst/>
+                <a:latin typeface="+mn-lt"/>
+                <a:ea typeface="+mn-ea"/>
+                <a:cs typeface="+mn-cs"/>
+              </a:rPr>
+              <a:t>-I think we build the protocol without a Biodex and then we can decide if and how we go about getting one later</a:t>
+            </a:r>
+          </a:p>
+          <a:p>
+            <a:pPr marL="0" marR="0" lvl="0" indent="0" algn="l" defTabSz="914400" rtl="0" eaLnBrk="1" fontAlgn="auto" latinLnBrk="0" hangingPunct="1">
+              <a:lnSpc>
+                <a:spcPct val="100000"/>
+              </a:lnSpc>
+              <a:spcBef>
+                <a:spcPts val="0"/>
+              </a:spcBef>
+              <a:spcAft>
+                <a:spcPts val="0"/>
+              </a:spcAft>
+              <a:buClrTx/>
+              <a:buSzTx/>
+              <a:buFontTx/>
+              <a:buNone/>
+              <a:tabLst/>
+              <a:defRPr/>
+            </a:pPr>
+            <a:r>
+              <a:rPr lang="en-CA" sz="1200" kern="1200" dirty="0">
+                <a:solidFill>
+                  <a:schemeClr val="tx1"/>
+                </a:solidFill>
+                <a:effectLst/>
+                <a:latin typeface="+mn-lt"/>
+                <a:ea typeface="+mn-ea"/>
+                <a:cs typeface="+mn-cs"/>
+              </a:rPr>
+              <a:t>	-grants, R&amp;D partnerships</a:t>
             </a:r>
           </a:p>
         </p:txBody>
@@ -1656,7 +2171,7 @@
           <a:p>
             <a:fld id="{EAF9EB4E-D50A-4CF1-9B06-457599E410FB}" type="slidenum">
               <a:rPr lang="en-CA" smtClean="0"/>
-              <a:t>8</a:t>
+              <a:t>7</a:t>
             </a:fld>
             <a:endParaRPr lang="en-CA"/>
           </a:p>
@@ -1665,7 +2180,7 @@
     </p:spTree>
     <p:extLst>
       <p:ext uri="{BB962C8B-B14F-4D97-AF65-F5344CB8AC3E}">
-        <p14:creationId xmlns:p14="http://schemas.microsoft.com/office/powerpoint/2010/main" val="1675297175"/>
+        <p14:creationId xmlns:p14="http://schemas.microsoft.com/office/powerpoint/2010/main" val="1163778239"/>
       </p:ext>
     </p:extLst>
   </p:cSld>
@@ -1719,18 +2234,73 @@
           <a:bodyPr/>
           <a:lstStyle/>
           <a:p>
+            <a:pPr marL="0" marR="0" lvl="0" indent="0" algn="l" defTabSz="914400" rtl="0" eaLnBrk="1" fontAlgn="auto" latinLnBrk="0" hangingPunct="1">
+              <a:lnSpc>
+                <a:spcPct val="100000"/>
+              </a:lnSpc>
+              <a:spcBef>
+                <a:spcPts val="0"/>
+              </a:spcBef>
+              <a:spcAft>
+                <a:spcPts val="0"/>
+              </a:spcAft>
+              <a:buClrTx/>
+              <a:buSzTx/>
+              <a:buFontTx/>
+              <a:buNone/>
+              <a:tabLst/>
+              <a:defRPr/>
+            </a:pPr>
+            <a:r>
+              <a:rPr lang="en-CA" sz="1200" dirty="0"/>
+              <a:t>Highlight your upcoming goals and when you plan to achieve them. Consider developing a draft Gantt Chart for key milestones.   </a:t>
+            </a:r>
+            <a:endParaRPr lang="en-CA" sz="1200" b="1" i="1" dirty="0">
+              <a:solidFill>
+                <a:srgbClr val="002060"/>
+              </a:solidFill>
+            </a:endParaRPr>
+          </a:p>
+          <a:p>
             <a:endParaRPr lang="en-US" dirty="0"/>
           </a:p>
           <a:p>
+            <a:r>
+              <a:rPr lang="en-US" dirty="0"/>
+              <a:t>AK</a:t>
+            </a:r>
+          </a:p>
+          <a:p>
+            <a:r>
+              <a:rPr lang="en-US" dirty="0"/>
+              <a:t>-my proposal is far more internal.. I don’t think it’s valuable to include all the stakeholders at this stage</a:t>
+            </a:r>
+          </a:p>
+          <a:p>
+            <a:r>
+              <a:rPr lang="en-US" dirty="0"/>
+              <a:t>-build a prototype</a:t>
+            </a:r>
+          </a:p>
+          <a:p>
+            <a:r>
+              <a:rPr lang="en-US" dirty="0"/>
+              <a:t>-ensure it aligns with CSI policies and procedures and is feasible within those</a:t>
+            </a:r>
+          </a:p>
+          <a:p>
             <a:endParaRPr lang="en-US" dirty="0"/>
           </a:p>
           <a:p>
-            <a:endParaRPr lang="en-US" dirty="0"/>
-          </a:p>
-          <a:p>
-            <a:r>
-              <a:rPr lang="en-US" dirty="0"/>
-              <a:t>CH:</a:t>
+            <a:r>
+              <a:rPr lang="en-US" b="1" dirty="0"/>
+              <a:t>CH</a:t>
+            </a:r>
+          </a:p>
+          <a:p>
+            <a:r>
+              <a:rPr lang="en-US" u="sng" dirty="0"/>
+              <a:t>Discovery and Planning (0-3 months)</a:t>
             </a:r>
           </a:p>
           <a:p>
@@ -1748,10 +2318,12 @@
                 <a:ea typeface="+mn-ea"/>
                 <a:cs typeface="+mn-cs"/>
               </a:rPr>
-              <a:t>Increased and stable NSO and PSO investment </a:t>
-            </a:r>
-            <a:r>
-              <a:rPr lang="en-CA" sz="1200" kern="1200">
+              <a:t>comprehensive stakeholder consultation and needs analysis</a:t>
+            </a:r>
+          </a:p>
+          <a:p>
+            <a:r>
+              <a:rPr lang="en-CA" sz="1200" i="1" kern="1200" dirty="0">
                 <a:solidFill>
                   <a:schemeClr val="tx1"/>
                 </a:solidFill>
@@ -1760,9 +2332,683 @@
                 <a:ea typeface="+mn-ea"/>
                 <a:cs typeface="+mn-cs"/>
               </a:rPr>
-              <a:t>in performance services</a:t>
-            </a:r>
+              <a:t>	-We discover that athletes sometimes get hurt and there is a lack of effective, structured protocols 	to support the rehab process and include all stakeholders</a:t>
+            </a:r>
+          </a:p>
+          <a:p>
+            <a:pPr marL="0" marR="0" lvl="0" indent="0" algn="l" defTabSz="914400" rtl="0" eaLnBrk="1" fontAlgn="auto" latinLnBrk="0" hangingPunct="1">
+              <a:lnSpc>
+                <a:spcPct val="100000"/>
+              </a:lnSpc>
+              <a:spcBef>
+                <a:spcPts val="0"/>
+              </a:spcBef>
+              <a:spcAft>
+                <a:spcPts val="0"/>
+              </a:spcAft>
+              <a:buClrTx/>
+              <a:buSzTx/>
+              <a:buFontTx/>
+              <a:buNone/>
+              <a:tabLst/>
+              <a:defRPr/>
+            </a:pPr>
+            <a:r>
+              <a:rPr lang="en-CA" sz="1200" b="0" u="sng" kern="1200" dirty="0">
+                <a:solidFill>
+                  <a:schemeClr val="tx1"/>
+                </a:solidFill>
+                <a:effectLst/>
+                <a:latin typeface="+mn-lt"/>
+                <a:ea typeface="+mn-ea"/>
+                <a:cs typeface="+mn-cs"/>
+              </a:rPr>
+              <a:t>Phase 2: Design and Development </a:t>
+            </a:r>
+            <a:r>
+              <a:rPr lang="en-CA" sz="1200" u="sng" kern="1200" dirty="0">
+                <a:solidFill>
+                  <a:schemeClr val="tx1"/>
+                </a:solidFill>
+                <a:effectLst/>
+                <a:latin typeface="+mn-lt"/>
+                <a:ea typeface="+mn-ea"/>
+                <a:cs typeface="+mn-cs"/>
+              </a:rPr>
+              <a:t>(months 3–6)</a:t>
+            </a:r>
+            <a:endParaRPr lang="en-CA" sz="1200" i="1" u="sng" kern="1200" dirty="0">
+              <a:solidFill>
+                <a:schemeClr val="tx1"/>
+              </a:solidFill>
+              <a:effectLst/>
+              <a:latin typeface="+mn-lt"/>
+              <a:ea typeface="+mn-ea"/>
+              <a:cs typeface="+mn-cs"/>
+            </a:endParaRPr>
+          </a:p>
+          <a:p>
+            <a:pPr marL="0" marR="0" lvl="0" indent="0" algn="l" defTabSz="914400" rtl="0" eaLnBrk="1" fontAlgn="auto" latinLnBrk="0" hangingPunct="1">
+              <a:lnSpc>
+                <a:spcPct val="100000"/>
+              </a:lnSpc>
+              <a:spcBef>
+                <a:spcPts val="0"/>
+              </a:spcBef>
+              <a:spcAft>
+                <a:spcPts val="0"/>
+              </a:spcAft>
+              <a:buClrTx/>
+              <a:buSzTx/>
+              <a:buFontTx/>
+              <a:buNone/>
+              <a:tabLst/>
+              <a:defRPr/>
+            </a:pPr>
+            <a:r>
+              <a:rPr lang="en-CA" sz="1200" i="1" kern="1200" dirty="0">
+                <a:solidFill>
+                  <a:schemeClr val="tx1"/>
+                </a:solidFill>
+                <a:effectLst/>
+                <a:latin typeface="+mn-lt"/>
+                <a:ea typeface="+mn-ea"/>
+                <a:cs typeface="+mn-cs"/>
+              </a:rPr>
+              <a:t>-</a:t>
+            </a:r>
+            <a:r>
+              <a:rPr lang="en-CA" sz="1200" kern="1200" dirty="0">
+                <a:solidFill>
+                  <a:schemeClr val="tx1"/>
+                </a:solidFill>
+                <a:effectLst/>
+                <a:latin typeface="+mn-lt"/>
+                <a:ea typeface="+mn-ea"/>
+                <a:cs typeface="+mn-cs"/>
+              </a:rPr>
+              <a:t>facility enhancements will be planned</a:t>
+            </a:r>
+          </a:p>
+          <a:p>
+            <a:pPr marL="0" marR="0" lvl="0" indent="0" algn="l" defTabSz="914400" rtl="0" eaLnBrk="1" fontAlgn="auto" latinLnBrk="0" hangingPunct="1">
+              <a:lnSpc>
+                <a:spcPct val="100000"/>
+              </a:lnSpc>
+              <a:spcBef>
+                <a:spcPts val="0"/>
+              </a:spcBef>
+              <a:spcAft>
+                <a:spcPts val="0"/>
+              </a:spcAft>
+              <a:buClrTx/>
+              <a:buSzTx/>
+              <a:buFontTx/>
+              <a:buNone/>
+              <a:tabLst/>
+              <a:defRPr/>
+            </a:pPr>
+            <a:r>
+              <a:rPr lang="en-CA" sz="1200" kern="1200" dirty="0">
+                <a:solidFill>
+                  <a:schemeClr val="tx1"/>
+                </a:solidFill>
+                <a:effectLst/>
+                <a:latin typeface="+mn-lt"/>
+                <a:ea typeface="+mn-ea"/>
+                <a:cs typeface="+mn-cs"/>
+              </a:rPr>
+              <a:t>-Biodex isokinetic dynamometer equipment will be procured</a:t>
+            </a:r>
+          </a:p>
+          <a:p>
+            <a:pPr marL="0" marR="0" lvl="0" indent="0" algn="l" defTabSz="914400" rtl="0" eaLnBrk="1" fontAlgn="auto" latinLnBrk="0" hangingPunct="1">
+              <a:lnSpc>
+                <a:spcPct val="100000"/>
+              </a:lnSpc>
+              <a:spcBef>
+                <a:spcPts val="0"/>
+              </a:spcBef>
+              <a:spcAft>
+                <a:spcPts val="0"/>
+              </a:spcAft>
+              <a:buClrTx/>
+              <a:buSzTx/>
+              <a:buFontTx/>
+              <a:buNone/>
+              <a:tabLst/>
+              <a:defRPr/>
+            </a:pPr>
+            <a:r>
+              <a:rPr lang="en-CA" sz="1200" kern="1200" dirty="0">
+                <a:solidFill>
+                  <a:schemeClr val="tx1"/>
+                </a:solidFill>
+                <a:effectLst/>
+                <a:latin typeface="+mn-lt"/>
+                <a:ea typeface="+mn-ea"/>
+                <a:cs typeface="+mn-cs"/>
+              </a:rPr>
+              <a:t>-Operational guidelines and best practice protocols will be developed</a:t>
+            </a:r>
+          </a:p>
+          <a:p>
+            <a:pPr marL="0" marR="0" lvl="0" indent="0" algn="l" defTabSz="914400" rtl="0" eaLnBrk="1" fontAlgn="auto" latinLnBrk="0" hangingPunct="1">
+              <a:lnSpc>
+                <a:spcPct val="100000"/>
+              </a:lnSpc>
+              <a:spcBef>
+                <a:spcPts val="0"/>
+              </a:spcBef>
+              <a:spcAft>
+                <a:spcPts val="0"/>
+              </a:spcAft>
+              <a:buClrTx/>
+              <a:buSzTx/>
+              <a:buFontTx/>
+              <a:buNone/>
+              <a:tabLst/>
+              <a:defRPr/>
+            </a:pPr>
+            <a:r>
+              <a:rPr lang="en-CA" sz="1200" kern="1200" dirty="0">
+                <a:solidFill>
+                  <a:schemeClr val="tx1"/>
+                </a:solidFill>
+                <a:effectLst/>
+                <a:latin typeface="+mn-lt"/>
+                <a:ea typeface="+mn-ea"/>
+                <a:cs typeface="+mn-cs"/>
+              </a:rPr>
+              <a:t>-staff training</a:t>
+            </a:r>
+          </a:p>
+          <a:p>
+            <a:r>
+              <a:rPr lang="en-CA" sz="1200" kern="1200" dirty="0">
+                <a:solidFill>
+                  <a:schemeClr val="tx1"/>
+                </a:solidFill>
+                <a:effectLst/>
+                <a:latin typeface="+mn-lt"/>
+                <a:ea typeface="+mn-ea"/>
+                <a:cs typeface="+mn-cs"/>
+              </a:rPr>
+              <a:t>-Establishing research partnerships with academic and clinical institutions</a:t>
+            </a:r>
+          </a:p>
+          <a:p>
+            <a:r>
+              <a:rPr lang="en-CA" sz="1200" kern="1200" dirty="0">
+                <a:solidFill>
+                  <a:schemeClr val="tx1"/>
+                </a:solidFill>
+                <a:effectLst/>
+                <a:latin typeface="+mn-lt"/>
+                <a:ea typeface="+mn-ea"/>
+                <a:cs typeface="+mn-cs"/>
+              </a:rPr>
+              <a:t>	</a:t>
+            </a:r>
+            <a:r>
+              <a:rPr lang="en-CA" sz="1200" i="1" kern="1200" dirty="0">
+                <a:solidFill>
+                  <a:schemeClr val="tx1"/>
+                </a:solidFill>
+                <a:effectLst/>
+                <a:latin typeface="+mn-lt"/>
+                <a:ea typeface="+mn-ea"/>
+                <a:cs typeface="+mn-cs"/>
+              </a:rPr>
+              <a:t>-Build the protocol document</a:t>
+            </a:r>
+          </a:p>
+          <a:p>
+            <a:r>
+              <a:rPr lang="en-CA" sz="1200" i="1" kern="1200" dirty="0">
+                <a:solidFill>
+                  <a:schemeClr val="tx1"/>
+                </a:solidFill>
+                <a:effectLst/>
+                <a:latin typeface="+mn-lt"/>
+                <a:ea typeface="+mn-ea"/>
+                <a:cs typeface="+mn-cs"/>
+              </a:rPr>
+              <a:t>	-Set up </a:t>
+            </a:r>
+            <a:r>
+              <a:rPr lang="en-CA" sz="1200" i="1" kern="1200" dirty="0" err="1">
+                <a:solidFill>
+                  <a:schemeClr val="tx1"/>
+                </a:solidFill>
+                <a:effectLst/>
+                <a:latin typeface="+mn-lt"/>
+                <a:ea typeface="+mn-ea"/>
+                <a:cs typeface="+mn-cs"/>
+              </a:rPr>
+              <a:t>Tindeq</a:t>
+            </a:r>
+            <a:endParaRPr lang="en-CA" sz="1200" i="1" kern="1200" dirty="0">
+              <a:solidFill>
+                <a:schemeClr val="tx1"/>
+              </a:solidFill>
+              <a:effectLst/>
+              <a:latin typeface="+mn-lt"/>
+              <a:ea typeface="+mn-ea"/>
+              <a:cs typeface="+mn-cs"/>
+            </a:endParaRPr>
+          </a:p>
+          <a:p>
+            <a:pPr marL="0" marR="0" lvl="0" indent="0" algn="l" defTabSz="914400" rtl="0" eaLnBrk="1" fontAlgn="auto" latinLnBrk="0" hangingPunct="1">
+              <a:lnSpc>
+                <a:spcPct val="100000"/>
+              </a:lnSpc>
+              <a:spcBef>
+                <a:spcPts val="0"/>
+              </a:spcBef>
+              <a:spcAft>
+                <a:spcPts val="0"/>
+              </a:spcAft>
+              <a:buClrTx/>
+              <a:buSzTx/>
+              <a:buFontTx/>
+              <a:buNone/>
+              <a:tabLst/>
+              <a:defRPr/>
+            </a:pPr>
+            <a:r>
+              <a:rPr lang="en-CA" sz="1200" b="0" u="sng" kern="1200" dirty="0">
+                <a:solidFill>
+                  <a:schemeClr val="tx1"/>
+                </a:solidFill>
+                <a:effectLst/>
+                <a:latin typeface="+mn-lt"/>
+                <a:ea typeface="+mn-ea"/>
+                <a:cs typeface="+mn-cs"/>
+              </a:rPr>
+              <a:t>Phase 3: Pilot Implementation and Testing (months 6–12)</a:t>
+            </a:r>
+          </a:p>
+          <a:p>
+            <a:r>
+              <a:rPr lang="en-CA" sz="1200" kern="1200" dirty="0">
+                <a:solidFill>
+                  <a:schemeClr val="tx1"/>
+                </a:solidFill>
+                <a:effectLst/>
+                <a:latin typeface="+mn-lt"/>
+                <a:ea typeface="+mn-ea"/>
+                <a:cs typeface="+mn-cs"/>
+              </a:rPr>
+              <a:t>-initial rollout of RTP services through a pilot program in collaboration with select winter sport NSOs</a:t>
+            </a:r>
+          </a:p>
+          <a:p>
+            <a:r>
+              <a:rPr lang="en-CA" sz="1200" kern="1200" dirty="0">
+                <a:solidFill>
+                  <a:schemeClr val="tx1"/>
+                </a:solidFill>
+                <a:effectLst/>
+                <a:latin typeface="+mn-lt"/>
+                <a:ea typeface="+mn-ea"/>
+                <a:cs typeface="+mn-cs"/>
+              </a:rPr>
+              <a:t>-development of RTP service packages accessible to the broader public via Performance Nation</a:t>
+            </a:r>
+          </a:p>
+          <a:p>
             <a:endParaRPr lang="en-CA" sz="1200" kern="1200" dirty="0">
+              <a:solidFill>
+                <a:schemeClr val="tx1"/>
+              </a:solidFill>
+              <a:effectLst/>
+              <a:latin typeface="+mn-lt"/>
+              <a:ea typeface="+mn-ea"/>
+              <a:cs typeface="+mn-cs"/>
+            </a:endParaRPr>
+          </a:p>
+          <a:p>
+            <a:pPr marL="0" marR="0" lvl="0" indent="0" algn="l" defTabSz="914400" rtl="0" eaLnBrk="1" fontAlgn="auto" latinLnBrk="0" hangingPunct="1">
+              <a:lnSpc>
+                <a:spcPct val="100000"/>
+              </a:lnSpc>
+              <a:spcBef>
+                <a:spcPts val="0"/>
+              </a:spcBef>
+              <a:spcAft>
+                <a:spcPts val="0"/>
+              </a:spcAft>
+              <a:buClrTx/>
+              <a:buSzTx/>
+              <a:buFontTx/>
+              <a:buNone/>
+              <a:tabLst/>
+              <a:defRPr/>
+            </a:pPr>
+            <a:r>
+              <a:rPr lang="en-CA" sz="1200" b="0" u="sng" kern="1200" dirty="0">
+                <a:solidFill>
+                  <a:schemeClr val="tx1"/>
+                </a:solidFill>
+                <a:effectLst/>
+                <a:latin typeface="+mn-lt"/>
+                <a:ea typeface="+mn-ea"/>
+                <a:cs typeface="+mn-cs"/>
+              </a:rPr>
+              <a:t>Phase 4: Full-Scale Implementation and Launch (months 12–18)</a:t>
+            </a:r>
+          </a:p>
+          <a:p>
+            <a:r>
+              <a:rPr lang="en-CA" sz="1200" kern="1200" dirty="0">
+                <a:solidFill>
+                  <a:schemeClr val="tx1"/>
+                </a:solidFill>
+                <a:effectLst/>
+                <a:latin typeface="+mn-lt"/>
+                <a:ea typeface="+mn-ea"/>
+                <a:cs typeface="+mn-cs"/>
+              </a:rPr>
+              <a:t>-fully operational and accessible to all NSO and PSO partners as well as the public via Performance Nation</a:t>
+            </a:r>
+          </a:p>
+          <a:p>
+            <a:pPr marL="0" marR="0" lvl="0" indent="0" algn="l" defTabSz="914400" rtl="0" eaLnBrk="1" fontAlgn="auto" latinLnBrk="0" hangingPunct="1">
+              <a:lnSpc>
+                <a:spcPct val="100000"/>
+              </a:lnSpc>
+              <a:spcBef>
+                <a:spcPts val="0"/>
+              </a:spcBef>
+              <a:spcAft>
+                <a:spcPts val="0"/>
+              </a:spcAft>
+              <a:buClrTx/>
+              <a:buSzTx/>
+              <a:buFontTx/>
+              <a:buNone/>
+              <a:tabLst/>
+              <a:defRPr/>
+            </a:pPr>
+            <a:r>
+              <a:rPr lang="en-CA" sz="1200" kern="1200" dirty="0">
+                <a:solidFill>
+                  <a:schemeClr val="tx1"/>
+                </a:solidFill>
+                <a:effectLst/>
+                <a:latin typeface="+mn-lt"/>
+                <a:ea typeface="+mn-ea"/>
+                <a:cs typeface="+mn-cs"/>
+              </a:rPr>
+              <a:t>-comprehensive marketing and communication strategy</a:t>
+            </a:r>
+          </a:p>
+          <a:p>
+            <a:endParaRPr lang="en-CA" sz="1200" kern="1200" dirty="0">
+              <a:solidFill>
+                <a:schemeClr val="tx1"/>
+              </a:solidFill>
+              <a:effectLst/>
+              <a:latin typeface="+mn-lt"/>
+              <a:ea typeface="+mn-ea"/>
+              <a:cs typeface="+mn-cs"/>
+            </a:endParaRPr>
+          </a:p>
+          <a:p>
+            <a:pPr marL="0" marR="0" lvl="0" indent="0" algn="l" defTabSz="914400" rtl="0" eaLnBrk="1" fontAlgn="auto" latinLnBrk="0" hangingPunct="1">
+              <a:lnSpc>
+                <a:spcPct val="100000"/>
+              </a:lnSpc>
+              <a:spcBef>
+                <a:spcPts val="0"/>
+              </a:spcBef>
+              <a:spcAft>
+                <a:spcPts val="0"/>
+              </a:spcAft>
+              <a:buClrTx/>
+              <a:buSzTx/>
+              <a:buFontTx/>
+              <a:buNone/>
+              <a:tabLst/>
+              <a:defRPr/>
+            </a:pPr>
+            <a:r>
+              <a:rPr lang="en-CA" sz="1200" b="0" u="sng" kern="1200" dirty="0">
+                <a:solidFill>
+                  <a:schemeClr val="tx1"/>
+                </a:solidFill>
+                <a:effectLst/>
+                <a:latin typeface="+mn-lt"/>
+                <a:ea typeface="+mn-ea"/>
+                <a:cs typeface="+mn-cs"/>
+              </a:rPr>
+              <a:t>Phase 5: Evaluation and Continuous Improvement (ongoing)</a:t>
+            </a:r>
+          </a:p>
+          <a:p>
+            <a:r>
+              <a:rPr lang="en-CA" sz="1200" kern="1200" dirty="0">
+                <a:solidFill>
+                  <a:schemeClr val="tx1"/>
+                </a:solidFill>
+                <a:effectLst/>
+                <a:latin typeface="+mn-lt"/>
+                <a:ea typeface="+mn-ea"/>
+                <a:cs typeface="+mn-cs"/>
+              </a:rPr>
+              <a:t>-monitoring program outcomes against the established KPIs</a:t>
+            </a:r>
+          </a:p>
+          <a:p>
+            <a:r>
+              <a:rPr lang="en-CA" sz="1200" kern="1200" dirty="0">
+                <a:solidFill>
+                  <a:schemeClr val="tx1"/>
+                </a:solidFill>
+                <a:effectLst/>
+                <a:latin typeface="+mn-lt"/>
+                <a:ea typeface="+mn-ea"/>
+                <a:cs typeface="+mn-cs"/>
+              </a:rPr>
+              <a:t>-regular audits and impact assessments to evaluate effectiveness, refine protocols, and integrate emerging</a:t>
+            </a:r>
+          </a:p>
+          <a:p>
+            <a:r>
+              <a:rPr lang="en-CA" sz="1200" kern="1200" dirty="0">
+                <a:solidFill>
+                  <a:schemeClr val="tx1"/>
+                </a:solidFill>
+                <a:effectLst/>
+                <a:latin typeface="+mn-lt"/>
+                <a:ea typeface="+mn-ea"/>
+                <a:cs typeface="+mn-cs"/>
+              </a:rPr>
+              <a:t>technologies</a:t>
+            </a:r>
+          </a:p>
+          <a:p>
+            <a:pPr marL="0" marR="0" lvl="0" indent="0" algn="l" defTabSz="914400" rtl="0" eaLnBrk="1" fontAlgn="auto" latinLnBrk="0" hangingPunct="1">
+              <a:lnSpc>
+                <a:spcPct val="100000"/>
+              </a:lnSpc>
+              <a:spcBef>
+                <a:spcPts val="0"/>
+              </a:spcBef>
+              <a:spcAft>
+                <a:spcPts val="0"/>
+              </a:spcAft>
+              <a:buClrTx/>
+              <a:buSzTx/>
+              <a:buFontTx/>
+              <a:buNone/>
+              <a:tabLst/>
+              <a:defRPr/>
+            </a:pPr>
+            <a:endParaRPr lang="en-CA" sz="1200" kern="1200" dirty="0">
+              <a:solidFill>
+                <a:schemeClr val="tx1"/>
+              </a:solidFill>
+              <a:effectLst/>
+              <a:latin typeface="+mn-lt"/>
+              <a:ea typeface="+mn-ea"/>
+              <a:cs typeface="+mn-cs"/>
+            </a:endParaRPr>
+          </a:p>
+          <a:p>
+            <a:pPr marL="0" marR="0" lvl="0" indent="0" algn="l" defTabSz="914400" rtl="0" eaLnBrk="1" fontAlgn="auto" latinLnBrk="0" hangingPunct="1">
+              <a:lnSpc>
+                <a:spcPct val="100000"/>
+              </a:lnSpc>
+              <a:spcBef>
+                <a:spcPts val="0"/>
+              </a:spcBef>
+              <a:spcAft>
+                <a:spcPts val="0"/>
+              </a:spcAft>
+              <a:buClrTx/>
+              <a:buSzTx/>
+              <a:buFontTx/>
+              <a:buNone/>
+              <a:tabLst/>
+              <a:defRPr/>
+            </a:pPr>
+            <a:endParaRPr lang="en-CA" sz="1200" kern="1200" dirty="0">
+              <a:solidFill>
+                <a:schemeClr val="tx1"/>
+              </a:solidFill>
+              <a:effectLst/>
+              <a:latin typeface="+mn-lt"/>
+              <a:ea typeface="+mn-ea"/>
+              <a:cs typeface="+mn-cs"/>
+            </a:endParaRPr>
+          </a:p>
+          <a:p>
+            <a:pPr marL="0" marR="0" lvl="0" indent="0" algn="l" defTabSz="914400" rtl="0" eaLnBrk="1" fontAlgn="auto" latinLnBrk="0" hangingPunct="1">
+              <a:lnSpc>
+                <a:spcPct val="100000"/>
+              </a:lnSpc>
+              <a:spcBef>
+                <a:spcPts val="0"/>
+              </a:spcBef>
+              <a:spcAft>
+                <a:spcPts val="0"/>
+              </a:spcAft>
+              <a:buClrTx/>
+              <a:buSzTx/>
+              <a:buFontTx/>
+              <a:buNone/>
+              <a:tabLst/>
+              <a:defRPr/>
+            </a:pPr>
+            <a:endParaRPr lang="en-CA" sz="1200" kern="1200" dirty="0">
+              <a:solidFill>
+                <a:schemeClr val="tx1"/>
+              </a:solidFill>
+              <a:effectLst/>
+              <a:latin typeface="+mn-lt"/>
+              <a:ea typeface="+mn-ea"/>
+              <a:cs typeface="+mn-cs"/>
+            </a:endParaRPr>
+          </a:p>
+          <a:p>
+            <a:pPr marL="0" marR="0" lvl="0" indent="0" algn="l" defTabSz="914400" rtl="0" eaLnBrk="1" fontAlgn="auto" latinLnBrk="0" hangingPunct="1">
+              <a:lnSpc>
+                <a:spcPct val="100000"/>
+              </a:lnSpc>
+              <a:spcBef>
+                <a:spcPts val="0"/>
+              </a:spcBef>
+              <a:spcAft>
+                <a:spcPts val="0"/>
+              </a:spcAft>
+              <a:buClrTx/>
+              <a:buSzTx/>
+              <a:buFontTx/>
+              <a:buNone/>
+              <a:tabLst/>
+              <a:defRPr/>
+            </a:pPr>
+            <a:endParaRPr lang="en-CA" sz="1200" kern="1200" dirty="0">
+              <a:solidFill>
+                <a:schemeClr val="tx1"/>
+              </a:solidFill>
+              <a:effectLst/>
+              <a:latin typeface="+mn-lt"/>
+              <a:ea typeface="+mn-ea"/>
+              <a:cs typeface="+mn-cs"/>
+            </a:endParaRPr>
+          </a:p>
+          <a:p>
+            <a:pPr marL="0" marR="0" lvl="0" indent="0" algn="l" defTabSz="914400" rtl="0" eaLnBrk="1" fontAlgn="auto" latinLnBrk="0" hangingPunct="1">
+              <a:lnSpc>
+                <a:spcPct val="100000"/>
+              </a:lnSpc>
+              <a:spcBef>
+                <a:spcPts val="0"/>
+              </a:spcBef>
+              <a:spcAft>
+                <a:spcPts val="0"/>
+              </a:spcAft>
+              <a:buClrTx/>
+              <a:buSzTx/>
+              <a:buFontTx/>
+              <a:buNone/>
+              <a:tabLst/>
+              <a:defRPr/>
+            </a:pPr>
+            <a:endParaRPr lang="en-CA" sz="1200" kern="1200" dirty="0">
+              <a:solidFill>
+                <a:schemeClr val="tx1"/>
+              </a:solidFill>
+              <a:effectLst/>
+              <a:latin typeface="+mn-lt"/>
+              <a:ea typeface="+mn-ea"/>
+              <a:cs typeface="+mn-cs"/>
+            </a:endParaRPr>
+          </a:p>
+          <a:p>
+            <a:pPr marL="0" marR="0" lvl="0" indent="0" algn="l" defTabSz="914400" rtl="0" eaLnBrk="1" fontAlgn="auto" latinLnBrk="0" hangingPunct="1">
+              <a:lnSpc>
+                <a:spcPct val="100000"/>
+              </a:lnSpc>
+              <a:spcBef>
+                <a:spcPts val="0"/>
+              </a:spcBef>
+              <a:spcAft>
+                <a:spcPts val="0"/>
+              </a:spcAft>
+              <a:buClrTx/>
+              <a:buSzTx/>
+              <a:buFontTx/>
+              <a:buNone/>
+              <a:tabLst/>
+              <a:defRPr/>
+            </a:pPr>
+            <a:endParaRPr lang="en-CA" sz="1200" kern="1200" dirty="0">
+              <a:solidFill>
+                <a:schemeClr val="tx1"/>
+              </a:solidFill>
+              <a:effectLst/>
+              <a:latin typeface="+mn-lt"/>
+              <a:ea typeface="+mn-ea"/>
+              <a:cs typeface="+mn-cs"/>
+            </a:endParaRPr>
+          </a:p>
+          <a:p>
+            <a:endParaRPr lang="en-CA" sz="1200" i="1" kern="1200" dirty="0">
+              <a:solidFill>
+                <a:schemeClr val="tx1"/>
+              </a:solidFill>
+              <a:effectLst/>
+              <a:latin typeface="+mn-lt"/>
+              <a:ea typeface="+mn-ea"/>
+              <a:cs typeface="+mn-cs"/>
+            </a:endParaRPr>
+          </a:p>
+          <a:p>
+            <a:endParaRPr lang="en-CA" sz="1200" i="1" kern="1200" dirty="0">
               <a:solidFill>
                 <a:schemeClr val="tx1"/>
               </a:solidFill>
@@ -1794,7 +3040,7 @@
           <a:p>
             <a:fld id="{EAF9EB4E-D50A-4CF1-9B06-457599E410FB}" type="slidenum">
               <a:rPr lang="en-CA" smtClean="0"/>
-              <a:t>9</a:t>
+              <a:t>8</a:t>
             </a:fld>
             <a:endParaRPr lang="en-CA"/>
           </a:p>
@@ -1803,7 +3049,100 @@
     </p:spTree>
     <p:extLst>
       <p:ext uri="{BB962C8B-B14F-4D97-AF65-F5344CB8AC3E}">
-        <p14:creationId xmlns:p14="http://schemas.microsoft.com/office/powerpoint/2010/main" val="1163778239"/>
+        <p14:creationId xmlns:p14="http://schemas.microsoft.com/office/powerpoint/2010/main" val="3294888723"/>
+      </p:ext>
+    </p:extLst>
+  </p:cSld>
+  <p:clrMapOvr>
+    <a:masterClrMapping/>
+  </p:clrMapOvr>
+</p:notes>
+</file>
+
+<file path=ppt/notesSlides/notesSlide8.xml><?xml version="1.0" encoding="utf-8"?>
+<p:notes xmlns:a="http://schemas.openxmlformats.org/drawingml/2006/main" xmlns:r="http://schemas.openxmlformats.org/officeDocument/2006/relationships" xmlns:p="http://schemas.openxmlformats.org/presentationml/2006/main">
+  <p:cSld>
+    <p:spTree>
+      <p:nvGrpSpPr>
+        <p:cNvPr id="1" name=""/>
+        <p:cNvGrpSpPr/>
+        <p:nvPr/>
+      </p:nvGrpSpPr>
+      <p:grpSpPr>
+        <a:xfrm>
+          <a:off x="0" y="0"/>
+          <a:ext cx="0" cy="0"/>
+          <a:chOff x="0" y="0"/>
+          <a:chExt cx="0" cy="0"/>
+        </a:xfrm>
+      </p:grpSpPr>
+      <p:sp>
+        <p:nvSpPr>
+          <p:cNvPr id="2" name="Slide Image Placeholder 1"/>
+          <p:cNvSpPr>
+            <a:spLocks noGrp="1" noRot="1" noChangeAspect="1"/>
+          </p:cNvSpPr>
+          <p:nvPr>
+            <p:ph type="sldImg"/>
+          </p:nvPr>
+        </p:nvSpPr>
+        <p:spPr/>
+      </p:sp>
+      <p:sp>
+        <p:nvSpPr>
+          <p:cNvPr id="3" name="Notes Placeholder 2"/>
+          <p:cNvSpPr>
+            <a:spLocks noGrp="1"/>
+          </p:cNvSpPr>
+          <p:nvPr>
+            <p:ph type="body" idx="1"/>
+          </p:nvPr>
+        </p:nvSpPr>
+        <p:spPr/>
+        <p:txBody>
+          <a:bodyPr/>
+          <a:lstStyle/>
+          <a:p>
+            <a:r>
+              <a:rPr lang="en-US" dirty="0"/>
+              <a:t>We are starting from zero investment into this,</a:t>
+            </a:r>
+          </a:p>
+          <a:p>
+            <a:r>
+              <a:rPr lang="en-US" dirty="0"/>
+              <a:t>Now committing 0.4FTE of a PS2</a:t>
+            </a:r>
+          </a:p>
+        </p:txBody>
+      </p:sp>
+      <p:sp>
+        <p:nvSpPr>
+          <p:cNvPr id="4" name="Slide Number Placeholder 3"/>
+          <p:cNvSpPr>
+            <a:spLocks noGrp="1"/>
+          </p:cNvSpPr>
+          <p:nvPr>
+            <p:ph type="sldNum" sz="quarter" idx="5"/>
+          </p:nvPr>
+        </p:nvSpPr>
+        <p:spPr/>
+        <p:txBody>
+          <a:bodyPr/>
+          <a:lstStyle/>
+          <a:p>
+            <a:fld id="{EAF9EB4E-D50A-4CF1-9B06-457599E410FB}" type="slidenum">
+              <a:rPr lang="en-CA" smtClean="0"/>
+              <a:t>9</a:t>
+            </a:fld>
+            <a:endParaRPr lang="en-CA"/>
+          </a:p>
+        </p:txBody>
+      </p:sp>
+    </p:spTree>
+    <p:extLst>
+      <p:ext uri="{BB962C8B-B14F-4D97-AF65-F5344CB8AC3E}">
+        <p14:creationId xmlns:p14="http://schemas.microsoft.com/office/powerpoint/2010/main" val="3860902"/>
       </p:ext>
     </p:extLst>
   </p:cSld>
@@ -3453,995 +4792,7 @@
 </p:sld>
 </file>
 
-<file path=ppt/slides/slide10.xml><?xml version="1.0" encoding="utf-8"?>
-<p:sld xmlns:a="http://schemas.openxmlformats.org/drawingml/2006/main" xmlns:r="http://schemas.openxmlformats.org/officeDocument/2006/relationships" xmlns:p="http://schemas.openxmlformats.org/presentationml/2006/main">
-  <p:cSld>
-    <p:spTree>
-      <p:nvGrpSpPr>
-        <p:cNvPr id="1" name=""/>
-        <p:cNvGrpSpPr/>
-        <p:nvPr/>
-      </p:nvGrpSpPr>
-      <p:grpSpPr>
-        <a:xfrm>
-          <a:off x="0" y="0"/>
-          <a:ext cx="0" cy="0"/>
-          <a:chOff x="0" y="0"/>
-          <a:chExt cx="0" cy="0"/>
-        </a:xfrm>
-      </p:grpSpPr>
-      <p:sp>
-        <p:nvSpPr>
-          <p:cNvPr id="63490" name="Rectangle 2"/>
-          <p:cNvSpPr>
-            <a:spLocks noGrp="1" noChangeArrowheads="1"/>
-          </p:cNvSpPr>
-          <p:nvPr>
-            <p:ph type="title"/>
-          </p:nvPr>
-        </p:nvSpPr>
-        <p:spPr>
-          <a:xfrm>
-            <a:off x="286747" y="1104559"/>
-            <a:ext cx="6660232" cy="565151"/>
-          </a:xfrm>
-          <a:noFill/>
-        </p:spPr>
-        <p:txBody>
-          <a:bodyPr>
-            <a:noAutofit/>
-          </a:bodyPr>
-          <a:lstStyle/>
-          <a:p>
-            <a:pPr algn="l"/>
-            <a:r>
-              <a:rPr lang="en-US" sz="3733" dirty="0"/>
-              <a:t>Multi Step Project “PITCH”</a:t>
-            </a:r>
-            <a:endParaRPr lang="en-CA" sz="3733" dirty="0"/>
-          </a:p>
-        </p:txBody>
-      </p:sp>
-      <p:sp>
-        <p:nvSpPr>
-          <p:cNvPr id="6" name="Rectangle 3"/>
-          <p:cNvSpPr txBox="1">
-            <a:spLocks noChangeArrowheads="1"/>
-          </p:cNvSpPr>
-          <p:nvPr/>
-        </p:nvSpPr>
-        <p:spPr>
-          <a:xfrm>
-            <a:off x="2042809" y="2207198"/>
-            <a:ext cx="9808339" cy="3023564"/>
-          </a:xfrm>
-          <a:prstGeom prst="rect">
-            <a:avLst/>
-          </a:prstGeom>
-        </p:spPr>
-        <p:txBody>
-          <a:bodyPr vert="horz" lIns="91440" tIns="45720" rIns="91440" bIns="45720" rtlCol="0">
-            <a:noAutofit/>
-          </a:bodyPr>
-          <a:lstStyle>
-            <a:lvl1pPr marL="342900" indent="-342900" algn="l" defTabSz="914400" rtl="0" eaLnBrk="1" latinLnBrk="0" hangingPunct="1">
-              <a:spcBef>
-                <a:spcPct val="20000"/>
-              </a:spcBef>
-              <a:buFont typeface="Arial" pitchFamily="34" charset="0"/>
-              <a:buChar char="•"/>
-              <a:defRPr sz="3200" kern="1200">
-                <a:solidFill>
-                  <a:schemeClr val="tx1"/>
-                </a:solidFill>
-                <a:latin typeface="Arial" pitchFamily="34" charset="0"/>
-                <a:ea typeface="+mn-ea"/>
-                <a:cs typeface="Arial" pitchFamily="34" charset="0"/>
-              </a:defRPr>
-            </a:lvl1pPr>
-            <a:lvl2pPr marL="742950" indent="-285750" algn="l" defTabSz="914400" rtl="0" eaLnBrk="1" latinLnBrk="0" hangingPunct="1">
-              <a:spcBef>
-                <a:spcPct val="20000"/>
-              </a:spcBef>
-              <a:buFont typeface="Arial" pitchFamily="34" charset="0"/>
-              <a:buChar char="–"/>
-              <a:defRPr sz="2000" kern="1200" baseline="0">
-                <a:solidFill>
-                  <a:schemeClr val="tx1"/>
-                </a:solidFill>
-                <a:latin typeface="Arial" pitchFamily="34" charset="0"/>
-                <a:ea typeface="+mn-ea"/>
-                <a:cs typeface="Arial" pitchFamily="34" charset="0"/>
-              </a:defRPr>
-            </a:lvl2pPr>
-            <a:lvl3pPr marL="1143000" indent="-228600" algn="l" defTabSz="914400" rtl="0" eaLnBrk="1" latinLnBrk="0" hangingPunct="1">
-              <a:spcBef>
-                <a:spcPct val="20000"/>
-              </a:spcBef>
-              <a:buFont typeface="Arial" pitchFamily="34" charset="0"/>
-              <a:buChar char="•"/>
-              <a:defRPr sz="1800" kern="1200" baseline="0">
-                <a:solidFill>
-                  <a:schemeClr val="tx1"/>
-                </a:solidFill>
-                <a:latin typeface="Arial" pitchFamily="34" charset="0"/>
-                <a:ea typeface="+mn-ea"/>
-                <a:cs typeface="Arial" pitchFamily="34" charset="0"/>
-              </a:defRPr>
-            </a:lvl3pPr>
-            <a:lvl4pPr marL="1600200" indent="-228600" algn="l" defTabSz="914400" rtl="0" eaLnBrk="1" latinLnBrk="0" hangingPunct="1">
-              <a:spcBef>
-                <a:spcPct val="20000"/>
-              </a:spcBef>
-              <a:buFont typeface="Arial" pitchFamily="34" charset="0"/>
-              <a:buChar char="–"/>
-              <a:defRPr sz="1600" kern="1200" baseline="0">
-                <a:solidFill>
-                  <a:schemeClr val="tx1"/>
-                </a:solidFill>
-                <a:latin typeface="Arial" pitchFamily="34" charset="0"/>
-                <a:ea typeface="+mn-ea"/>
-                <a:cs typeface="Arial" pitchFamily="34" charset="0"/>
-              </a:defRPr>
-            </a:lvl4pPr>
-            <a:lvl5pPr marL="2057400" indent="-228600" algn="l" defTabSz="914400" rtl="0" eaLnBrk="1" latinLnBrk="0" hangingPunct="1">
-              <a:spcBef>
-                <a:spcPct val="20000"/>
-              </a:spcBef>
-              <a:buFont typeface="Arial" pitchFamily="34" charset="0"/>
-              <a:buChar char="»"/>
-              <a:defRPr sz="1400" kern="1200" baseline="0">
-                <a:solidFill>
-                  <a:schemeClr val="tx1"/>
-                </a:solidFill>
-                <a:latin typeface="Arial" pitchFamily="34" charset="0"/>
-                <a:ea typeface="+mn-ea"/>
-                <a:cs typeface="Arial" pitchFamily="34" charset="0"/>
-              </a:defRPr>
-            </a:lvl5pPr>
-            <a:lvl6pPr marL="2514600" indent="-228600" algn="l" defTabSz="914400" rtl="0" eaLnBrk="1" latinLnBrk="0" hangingPunct="1">
-              <a:spcBef>
-                <a:spcPct val="20000"/>
-              </a:spcBef>
-              <a:buFont typeface="Arial" pitchFamily="34" charset="0"/>
-              <a:buChar char="•"/>
-              <a:defRPr sz="2000" kern="1200">
-                <a:solidFill>
-                  <a:schemeClr val="tx1"/>
-                </a:solidFill>
-                <a:latin typeface="+mn-lt"/>
-                <a:ea typeface="+mn-ea"/>
-                <a:cs typeface="+mn-cs"/>
-              </a:defRPr>
-            </a:lvl6pPr>
-            <a:lvl7pPr marL="2971800" indent="-228600" algn="l" defTabSz="914400" rtl="0" eaLnBrk="1" latinLnBrk="0" hangingPunct="1">
-              <a:spcBef>
-                <a:spcPct val="20000"/>
-              </a:spcBef>
-              <a:buFont typeface="Arial" pitchFamily="34" charset="0"/>
-              <a:buChar char="•"/>
-              <a:defRPr sz="2000" kern="1200">
-                <a:solidFill>
-                  <a:schemeClr val="tx1"/>
-                </a:solidFill>
-                <a:latin typeface="+mn-lt"/>
-                <a:ea typeface="+mn-ea"/>
-                <a:cs typeface="+mn-cs"/>
-              </a:defRPr>
-            </a:lvl7pPr>
-            <a:lvl8pPr marL="3429000" indent="-228600" algn="l" defTabSz="914400" rtl="0" eaLnBrk="1" latinLnBrk="0" hangingPunct="1">
-              <a:spcBef>
-                <a:spcPct val="20000"/>
-              </a:spcBef>
-              <a:buFont typeface="Arial" pitchFamily="34" charset="0"/>
-              <a:buChar char="•"/>
-              <a:defRPr sz="2000" kern="1200">
-                <a:solidFill>
-                  <a:schemeClr val="tx1"/>
-                </a:solidFill>
-                <a:latin typeface="+mn-lt"/>
-                <a:ea typeface="+mn-ea"/>
-                <a:cs typeface="+mn-cs"/>
-              </a:defRPr>
-            </a:lvl8pPr>
-            <a:lvl9pPr marL="3886200" indent="-228600" algn="l" defTabSz="914400" rtl="0" eaLnBrk="1" latinLnBrk="0" hangingPunct="1">
-              <a:spcBef>
-                <a:spcPct val="20000"/>
-              </a:spcBef>
-              <a:buFont typeface="Arial" pitchFamily="34" charset="0"/>
-              <a:buChar char="•"/>
-              <a:defRPr sz="2000" kern="1200">
-                <a:solidFill>
-                  <a:schemeClr val="tx1"/>
-                </a:solidFill>
-                <a:latin typeface="+mn-lt"/>
-                <a:ea typeface="+mn-ea"/>
-                <a:cs typeface="+mn-cs"/>
-              </a:defRPr>
-            </a:lvl9pPr>
-          </a:lstStyle>
-          <a:p>
-            <a:pPr marL="0" indent="0">
-              <a:spcBef>
-                <a:spcPts val="0"/>
-              </a:spcBef>
-              <a:buNone/>
-            </a:pPr>
-            <a:r>
-              <a:rPr lang="en-CA" sz="3733" b="1" dirty="0"/>
-              <a:t>Step 7.  Milestones </a:t>
-            </a:r>
-          </a:p>
-          <a:p>
-            <a:pPr marL="0" indent="0">
-              <a:spcBef>
-                <a:spcPts val="0"/>
-              </a:spcBef>
-              <a:buNone/>
-            </a:pPr>
-            <a:r>
-              <a:rPr lang="en-CA" sz="2400" dirty="0"/>
-              <a:t>Highlight your upcoming goals and when you plan to achieve them. Consider developing a draft Gantt Chart for key milestones.   </a:t>
-            </a:r>
-            <a:endParaRPr lang="en-CA" sz="2400" b="1" i="1" dirty="0">
-              <a:solidFill>
-                <a:srgbClr val="002060"/>
-              </a:solidFill>
-            </a:endParaRPr>
-          </a:p>
-          <a:p>
-            <a:pPr marL="0" indent="0">
-              <a:spcBef>
-                <a:spcPts val="0"/>
-              </a:spcBef>
-              <a:buNone/>
-            </a:pPr>
-            <a:endParaRPr lang="en-CA" sz="2400" b="1" i="1" dirty="0">
-              <a:solidFill>
-                <a:srgbClr val="002060"/>
-              </a:solidFill>
-            </a:endParaRPr>
-          </a:p>
-        </p:txBody>
-      </p:sp>
-      <p:pic>
-        <p:nvPicPr>
-          <p:cNvPr id="5" name="Picture 10"/>
-          <p:cNvPicPr>
-            <a:picLocks noChangeAspect="1"/>
-          </p:cNvPicPr>
-          <p:nvPr/>
-        </p:nvPicPr>
-        <p:blipFill rotWithShape="1">
-          <a:blip r:embed="rId2">
-            <a:extLst>
-              <a:ext uri="{28A0092B-C50C-407E-A947-70E740481C1C}">
-                <a14:useLocalDpi xmlns:a14="http://schemas.microsoft.com/office/drawing/2010/main" val="0"/>
-              </a:ext>
-            </a:extLst>
-          </a:blip>
-          <a:srcRect l="10699" t="42953" r="65931" b="8923"/>
-          <a:stretch/>
-        </p:blipFill>
-        <p:spPr bwMode="auto">
-          <a:xfrm>
-            <a:off x="286747" y="2279795"/>
-            <a:ext cx="1612492" cy="1861575"/>
-          </a:xfrm>
-          <a:prstGeom prst="rect">
-            <a:avLst/>
-          </a:prstGeom>
-          <a:noFill/>
-          <a:ln>
-            <a:noFill/>
-          </a:ln>
-          <a:extLst>
-            <a:ext uri="{909E8E84-426E-40DD-AFC4-6F175D3DCCD1}">
-              <a14:hiddenFill xmlns:a14="http://schemas.microsoft.com/office/drawing/2010/main">
-                <a:solidFill>
-                  <a:srgbClr val="FFFFFF"/>
-                </a:solidFill>
-              </a14:hiddenFill>
-            </a:ext>
-            <a:ext uri="{91240B29-F687-4F45-9708-019B960494DF}">
-              <a14:hiddenLine xmlns:a14="http://schemas.microsoft.com/office/drawing/2010/main" w="9525">
-                <a:solidFill>
-                  <a:srgbClr val="000000"/>
-                </a:solidFill>
-                <a:miter lim="800000"/>
-                <a:headEnd/>
-                <a:tailEnd/>
-              </a14:hiddenLine>
-            </a:ext>
-          </a:extLst>
-        </p:spPr>
-      </p:pic>
-    </p:spTree>
-    <p:extLst>
-      <p:ext uri="{BB962C8B-B14F-4D97-AF65-F5344CB8AC3E}">
-        <p14:creationId xmlns:p14="http://schemas.microsoft.com/office/powerpoint/2010/main" val="852876430"/>
-      </p:ext>
-    </p:extLst>
-  </p:cSld>
-  <p:clrMapOvr>
-    <a:masterClrMapping/>
-  </p:clrMapOvr>
-  <mc:AlternateContent xmlns:mc="http://schemas.openxmlformats.org/markup-compatibility/2006" xmlns:p14="http://schemas.microsoft.com/office/powerpoint/2010/main">
-    <mc:Choice Requires="p14">
-      <p:transition spd="med" p14:dur="700" advTm="14367">
-        <p:fade/>
-      </p:transition>
-    </mc:Choice>
-    <mc:Fallback xmlns="">
-      <p:transition spd="med" advTm="14367">
-        <p:fade/>
-      </p:transition>
-    </mc:Fallback>
-  </mc:AlternateContent>
-</p:sld>
-</file>
-
-<file path=ppt/slides/slide11.xml><?xml version="1.0" encoding="utf-8"?>
-<p:sld xmlns:a="http://schemas.openxmlformats.org/drawingml/2006/main" xmlns:r="http://schemas.openxmlformats.org/officeDocument/2006/relationships" xmlns:p="http://schemas.openxmlformats.org/presentationml/2006/main">
-  <p:cSld>
-    <p:spTree>
-      <p:nvGrpSpPr>
-        <p:cNvPr id="1" name=""/>
-        <p:cNvGrpSpPr/>
-        <p:nvPr/>
-      </p:nvGrpSpPr>
-      <p:grpSpPr>
-        <a:xfrm>
-          <a:off x="0" y="0"/>
-          <a:ext cx="0" cy="0"/>
-          <a:chOff x="0" y="0"/>
-          <a:chExt cx="0" cy="0"/>
-        </a:xfrm>
-      </p:grpSpPr>
-      <p:sp>
-        <p:nvSpPr>
-          <p:cNvPr id="63490" name="Rectangle 2"/>
-          <p:cNvSpPr>
-            <a:spLocks noGrp="1" noChangeArrowheads="1"/>
-          </p:cNvSpPr>
-          <p:nvPr>
-            <p:ph type="title"/>
-          </p:nvPr>
-        </p:nvSpPr>
-        <p:spPr>
-          <a:xfrm>
-            <a:off x="286747" y="1104559"/>
-            <a:ext cx="6660232" cy="565151"/>
-          </a:xfrm>
-          <a:noFill/>
-        </p:spPr>
-        <p:txBody>
-          <a:bodyPr>
-            <a:noAutofit/>
-          </a:bodyPr>
-          <a:lstStyle/>
-          <a:p>
-            <a:pPr algn="l"/>
-            <a:r>
-              <a:rPr lang="en-US" sz="3733" dirty="0"/>
-              <a:t>Multi Step Project “PITCH”</a:t>
-            </a:r>
-            <a:endParaRPr lang="en-CA" sz="3733" dirty="0"/>
-          </a:p>
-        </p:txBody>
-      </p:sp>
-      <p:sp>
-        <p:nvSpPr>
-          <p:cNvPr id="6" name="Rectangle 3"/>
-          <p:cNvSpPr txBox="1">
-            <a:spLocks noChangeArrowheads="1"/>
-          </p:cNvSpPr>
-          <p:nvPr/>
-        </p:nvSpPr>
-        <p:spPr>
-          <a:xfrm>
-            <a:off x="5112775" y="2207198"/>
-            <a:ext cx="6738373" cy="3023564"/>
-          </a:xfrm>
-          <a:prstGeom prst="rect">
-            <a:avLst/>
-          </a:prstGeom>
-        </p:spPr>
-        <p:txBody>
-          <a:bodyPr vert="horz" lIns="91440" tIns="45720" rIns="91440" bIns="45720" rtlCol="0">
-            <a:noAutofit/>
-          </a:bodyPr>
-          <a:lstStyle>
-            <a:lvl1pPr marL="342900" indent="-342900" algn="l" defTabSz="914400" rtl="0" eaLnBrk="1" latinLnBrk="0" hangingPunct="1">
-              <a:spcBef>
-                <a:spcPct val="20000"/>
-              </a:spcBef>
-              <a:buFont typeface="Arial" pitchFamily="34" charset="0"/>
-              <a:buChar char="•"/>
-              <a:defRPr sz="3200" kern="1200">
-                <a:solidFill>
-                  <a:schemeClr val="tx1"/>
-                </a:solidFill>
-                <a:latin typeface="Arial" pitchFamily="34" charset="0"/>
-                <a:ea typeface="+mn-ea"/>
-                <a:cs typeface="Arial" pitchFamily="34" charset="0"/>
-              </a:defRPr>
-            </a:lvl1pPr>
-            <a:lvl2pPr marL="742950" indent="-285750" algn="l" defTabSz="914400" rtl="0" eaLnBrk="1" latinLnBrk="0" hangingPunct="1">
-              <a:spcBef>
-                <a:spcPct val="20000"/>
-              </a:spcBef>
-              <a:buFont typeface="Arial" pitchFamily="34" charset="0"/>
-              <a:buChar char="–"/>
-              <a:defRPr sz="2000" kern="1200" baseline="0">
-                <a:solidFill>
-                  <a:schemeClr val="tx1"/>
-                </a:solidFill>
-                <a:latin typeface="Arial" pitchFamily="34" charset="0"/>
-                <a:ea typeface="+mn-ea"/>
-                <a:cs typeface="Arial" pitchFamily="34" charset="0"/>
-              </a:defRPr>
-            </a:lvl2pPr>
-            <a:lvl3pPr marL="1143000" indent="-228600" algn="l" defTabSz="914400" rtl="0" eaLnBrk="1" latinLnBrk="0" hangingPunct="1">
-              <a:spcBef>
-                <a:spcPct val="20000"/>
-              </a:spcBef>
-              <a:buFont typeface="Arial" pitchFamily="34" charset="0"/>
-              <a:buChar char="•"/>
-              <a:defRPr sz="1800" kern="1200" baseline="0">
-                <a:solidFill>
-                  <a:schemeClr val="tx1"/>
-                </a:solidFill>
-                <a:latin typeface="Arial" pitchFamily="34" charset="0"/>
-                <a:ea typeface="+mn-ea"/>
-                <a:cs typeface="Arial" pitchFamily="34" charset="0"/>
-              </a:defRPr>
-            </a:lvl3pPr>
-            <a:lvl4pPr marL="1600200" indent="-228600" algn="l" defTabSz="914400" rtl="0" eaLnBrk="1" latinLnBrk="0" hangingPunct="1">
-              <a:spcBef>
-                <a:spcPct val="20000"/>
-              </a:spcBef>
-              <a:buFont typeface="Arial" pitchFamily="34" charset="0"/>
-              <a:buChar char="–"/>
-              <a:defRPr sz="1600" kern="1200" baseline="0">
-                <a:solidFill>
-                  <a:schemeClr val="tx1"/>
-                </a:solidFill>
-                <a:latin typeface="Arial" pitchFamily="34" charset="0"/>
-                <a:ea typeface="+mn-ea"/>
-                <a:cs typeface="Arial" pitchFamily="34" charset="0"/>
-              </a:defRPr>
-            </a:lvl4pPr>
-            <a:lvl5pPr marL="2057400" indent="-228600" algn="l" defTabSz="914400" rtl="0" eaLnBrk="1" latinLnBrk="0" hangingPunct="1">
-              <a:spcBef>
-                <a:spcPct val="20000"/>
-              </a:spcBef>
-              <a:buFont typeface="Arial" pitchFamily="34" charset="0"/>
-              <a:buChar char="»"/>
-              <a:defRPr sz="1400" kern="1200" baseline="0">
-                <a:solidFill>
-                  <a:schemeClr val="tx1"/>
-                </a:solidFill>
-                <a:latin typeface="Arial" pitchFamily="34" charset="0"/>
-                <a:ea typeface="+mn-ea"/>
-                <a:cs typeface="Arial" pitchFamily="34" charset="0"/>
-              </a:defRPr>
-            </a:lvl5pPr>
-            <a:lvl6pPr marL="2514600" indent="-228600" algn="l" defTabSz="914400" rtl="0" eaLnBrk="1" latinLnBrk="0" hangingPunct="1">
-              <a:spcBef>
-                <a:spcPct val="20000"/>
-              </a:spcBef>
-              <a:buFont typeface="Arial" pitchFamily="34" charset="0"/>
-              <a:buChar char="•"/>
-              <a:defRPr sz="2000" kern="1200">
-                <a:solidFill>
-                  <a:schemeClr val="tx1"/>
-                </a:solidFill>
-                <a:latin typeface="+mn-lt"/>
-                <a:ea typeface="+mn-ea"/>
-                <a:cs typeface="+mn-cs"/>
-              </a:defRPr>
-            </a:lvl6pPr>
-            <a:lvl7pPr marL="2971800" indent="-228600" algn="l" defTabSz="914400" rtl="0" eaLnBrk="1" latinLnBrk="0" hangingPunct="1">
-              <a:spcBef>
-                <a:spcPct val="20000"/>
-              </a:spcBef>
-              <a:buFont typeface="Arial" pitchFamily="34" charset="0"/>
-              <a:buChar char="•"/>
-              <a:defRPr sz="2000" kern="1200">
-                <a:solidFill>
-                  <a:schemeClr val="tx1"/>
-                </a:solidFill>
-                <a:latin typeface="+mn-lt"/>
-                <a:ea typeface="+mn-ea"/>
-                <a:cs typeface="+mn-cs"/>
-              </a:defRPr>
-            </a:lvl7pPr>
-            <a:lvl8pPr marL="3429000" indent="-228600" algn="l" defTabSz="914400" rtl="0" eaLnBrk="1" latinLnBrk="0" hangingPunct="1">
-              <a:spcBef>
-                <a:spcPct val="20000"/>
-              </a:spcBef>
-              <a:buFont typeface="Arial" pitchFamily="34" charset="0"/>
-              <a:buChar char="•"/>
-              <a:defRPr sz="2000" kern="1200">
-                <a:solidFill>
-                  <a:schemeClr val="tx1"/>
-                </a:solidFill>
-                <a:latin typeface="+mn-lt"/>
-                <a:ea typeface="+mn-ea"/>
-                <a:cs typeface="+mn-cs"/>
-              </a:defRPr>
-            </a:lvl8pPr>
-            <a:lvl9pPr marL="3886200" indent="-228600" algn="l" defTabSz="914400" rtl="0" eaLnBrk="1" latinLnBrk="0" hangingPunct="1">
-              <a:spcBef>
-                <a:spcPct val="20000"/>
-              </a:spcBef>
-              <a:buFont typeface="Arial" pitchFamily="34" charset="0"/>
-              <a:buChar char="•"/>
-              <a:defRPr sz="2000" kern="1200">
-                <a:solidFill>
-                  <a:schemeClr val="tx1"/>
-                </a:solidFill>
-                <a:latin typeface="+mn-lt"/>
-                <a:ea typeface="+mn-ea"/>
-                <a:cs typeface="+mn-cs"/>
-              </a:defRPr>
-            </a:lvl9pPr>
-          </a:lstStyle>
-          <a:p>
-            <a:pPr marL="0" indent="0">
-              <a:spcBef>
-                <a:spcPts val="0"/>
-              </a:spcBef>
-              <a:buNone/>
-            </a:pPr>
-            <a:r>
-              <a:rPr lang="en-CA" sz="3733" b="1" dirty="0"/>
-              <a:t>Step 8.  SWOT (optional)</a:t>
-            </a:r>
-          </a:p>
-          <a:p>
-            <a:pPr marL="0" indent="0">
-              <a:spcBef>
-                <a:spcPts val="0"/>
-              </a:spcBef>
-              <a:buNone/>
-            </a:pPr>
-            <a:r>
-              <a:rPr lang="en-CA" sz="2400" dirty="0"/>
-              <a:t>If you have been able to collect enough information in steps 1 through 7, consider developing a single slide SWOT analysis. </a:t>
-            </a:r>
-            <a:endParaRPr lang="en-CA" sz="2400" b="1" i="1" dirty="0">
-              <a:solidFill>
-                <a:srgbClr val="002060"/>
-              </a:solidFill>
-            </a:endParaRPr>
-          </a:p>
-          <a:p>
-            <a:pPr marL="0" indent="0">
-              <a:spcBef>
-                <a:spcPts val="0"/>
-              </a:spcBef>
-              <a:buNone/>
-            </a:pPr>
-            <a:endParaRPr lang="en-CA" sz="2400" b="1" i="1" dirty="0">
-              <a:solidFill>
-                <a:srgbClr val="002060"/>
-              </a:solidFill>
-            </a:endParaRPr>
-          </a:p>
-        </p:txBody>
-      </p:sp>
-      <p:pic>
-        <p:nvPicPr>
-          <p:cNvPr id="3" name="Picture 2"/>
-          <p:cNvPicPr>
-            <a:picLocks noChangeAspect="1"/>
-          </p:cNvPicPr>
-          <p:nvPr/>
-        </p:nvPicPr>
-        <p:blipFill>
-          <a:blip r:embed="rId2"/>
-          <a:stretch>
-            <a:fillRect/>
-          </a:stretch>
-        </p:blipFill>
-        <p:spPr>
-          <a:xfrm>
-            <a:off x="0" y="1746656"/>
-            <a:ext cx="4840651" cy="4626351"/>
-          </a:xfrm>
-          <a:prstGeom prst="rect">
-            <a:avLst/>
-          </a:prstGeom>
-        </p:spPr>
-      </p:pic>
-    </p:spTree>
-    <p:extLst>
-      <p:ext uri="{BB962C8B-B14F-4D97-AF65-F5344CB8AC3E}">
-        <p14:creationId xmlns:p14="http://schemas.microsoft.com/office/powerpoint/2010/main" val="2899790007"/>
-      </p:ext>
-    </p:extLst>
-  </p:cSld>
-  <p:clrMapOvr>
-    <a:masterClrMapping/>
-  </p:clrMapOvr>
-  <mc:AlternateContent xmlns:mc="http://schemas.openxmlformats.org/markup-compatibility/2006" xmlns:p14="http://schemas.microsoft.com/office/powerpoint/2010/main">
-    <mc:Choice Requires="p14">
-      <p:transition spd="med" p14:dur="700" advTm="14367">
-        <p:fade/>
-      </p:transition>
-    </mc:Choice>
-    <mc:Fallback xmlns="">
-      <p:transition spd="med" advTm="14367">
-        <p:fade/>
-      </p:transition>
-    </mc:Fallback>
-  </mc:AlternateContent>
-</p:sld>
-</file>
-
 <file path=ppt/slides/slide2.xml><?xml version="1.0" encoding="utf-8"?>
-<p:sld xmlns:a="http://schemas.openxmlformats.org/drawingml/2006/main" xmlns:r="http://schemas.openxmlformats.org/officeDocument/2006/relationships" xmlns:p="http://schemas.openxmlformats.org/presentationml/2006/main">
-  <p:cSld>
-    <p:spTree>
-      <p:nvGrpSpPr>
-        <p:cNvPr id="1" name=""/>
-        <p:cNvGrpSpPr/>
-        <p:nvPr/>
-      </p:nvGrpSpPr>
-      <p:grpSpPr>
-        <a:xfrm>
-          <a:off x="0" y="0"/>
-          <a:ext cx="0" cy="0"/>
-          <a:chOff x="0" y="0"/>
-          <a:chExt cx="0" cy="0"/>
-        </a:xfrm>
-      </p:grpSpPr>
-      <p:sp>
-        <p:nvSpPr>
-          <p:cNvPr id="63490" name="Rectangle 2"/>
-          <p:cNvSpPr>
-            <a:spLocks noGrp="1" noChangeArrowheads="1"/>
-          </p:cNvSpPr>
-          <p:nvPr>
-            <p:ph type="title"/>
-          </p:nvPr>
-        </p:nvSpPr>
-        <p:spPr>
-          <a:xfrm>
-            <a:off x="286747" y="1104559"/>
-            <a:ext cx="6660232" cy="565151"/>
-          </a:xfrm>
-          <a:noFill/>
-        </p:spPr>
-        <p:txBody>
-          <a:bodyPr>
-            <a:noAutofit/>
-          </a:bodyPr>
-          <a:lstStyle/>
-          <a:p>
-            <a:pPr algn="l"/>
-            <a:r>
-              <a:rPr lang="en-US" sz="3733" dirty="0"/>
-              <a:t>Multi Step Project “PITCH”</a:t>
-            </a:r>
-            <a:endParaRPr lang="en-CA" sz="3733" dirty="0"/>
-          </a:p>
-        </p:txBody>
-      </p:sp>
-      <p:sp>
-        <p:nvSpPr>
-          <p:cNvPr id="6" name="Rectangle 3"/>
-          <p:cNvSpPr txBox="1">
-            <a:spLocks noChangeArrowheads="1"/>
-          </p:cNvSpPr>
-          <p:nvPr/>
-        </p:nvSpPr>
-        <p:spPr>
-          <a:xfrm>
-            <a:off x="2042809" y="1881377"/>
-            <a:ext cx="9808339" cy="3416855"/>
-          </a:xfrm>
-          <a:prstGeom prst="rect">
-            <a:avLst/>
-          </a:prstGeom>
-        </p:spPr>
-        <p:txBody>
-          <a:bodyPr vert="horz" lIns="91440" tIns="45720" rIns="91440" bIns="45720" rtlCol="0">
-            <a:noAutofit/>
-          </a:bodyPr>
-          <a:lstStyle>
-            <a:lvl1pPr marL="342900" indent="-342900" algn="l" defTabSz="914400" rtl="0" eaLnBrk="1" latinLnBrk="0" hangingPunct="1">
-              <a:spcBef>
-                <a:spcPct val="20000"/>
-              </a:spcBef>
-              <a:buFont typeface="Arial" pitchFamily="34" charset="0"/>
-              <a:buChar char="•"/>
-              <a:defRPr sz="3200" kern="1200">
-                <a:solidFill>
-                  <a:schemeClr val="tx1"/>
-                </a:solidFill>
-                <a:latin typeface="Arial" pitchFamily="34" charset="0"/>
-                <a:ea typeface="+mn-ea"/>
-                <a:cs typeface="Arial" pitchFamily="34" charset="0"/>
-              </a:defRPr>
-            </a:lvl1pPr>
-            <a:lvl2pPr marL="742950" indent="-285750" algn="l" defTabSz="914400" rtl="0" eaLnBrk="1" latinLnBrk="0" hangingPunct="1">
-              <a:spcBef>
-                <a:spcPct val="20000"/>
-              </a:spcBef>
-              <a:buFont typeface="Arial" pitchFamily="34" charset="0"/>
-              <a:buChar char="–"/>
-              <a:defRPr sz="2000" kern="1200" baseline="0">
-                <a:solidFill>
-                  <a:schemeClr val="tx1"/>
-                </a:solidFill>
-                <a:latin typeface="Arial" pitchFamily="34" charset="0"/>
-                <a:ea typeface="+mn-ea"/>
-                <a:cs typeface="Arial" pitchFamily="34" charset="0"/>
-              </a:defRPr>
-            </a:lvl2pPr>
-            <a:lvl3pPr marL="1143000" indent="-228600" algn="l" defTabSz="914400" rtl="0" eaLnBrk="1" latinLnBrk="0" hangingPunct="1">
-              <a:spcBef>
-                <a:spcPct val="20000"/>
-              </a:spcBef>
-              <a:buFont typeface="Arial" pitchFamily="34" charset="0"/>
-              <a:buChar char="•"/>
-              <a:defRPr sz="1800" kern="1200" baseline="0">
-                <a:solidFill>
-                  <a:schemeClr val="tx1"/>
-                </a:solidFill>
-                <a:latin typeface="Arial" pitchFamily="34" charset="0"/>
-                <a:ea typeface="+mn-ea"/>
-                <a:cs typeface="Arial" pitchFamily="34" charset="0"/>
-              </a:defRPr>
-            </a:lvl3pPr>
-            <a:lvl4pPr marL="1600200" indent="-228600" algn="l" defTabSz="914400" rtl="0" eaLnBrk="1" latinLnBrk="0" hangingPunct="1">
-              <a:spcBef>
-                <a:spcPct val="20000"/>
-              </a:spcBef>
-              <a:buFont typeface="Arial" pitchFamily="34" charset="0"/>
-              <a:buChar char="–"/>
-              <a:defRPr sz="1600" kern="1200" baseline="0">
-                <a:solidFill>
-                  <a:schemeClr val="tx1"/>
-                </a:solidFill>
-                <a:latin typeface="Arial" pitchFamily="34" charset="0"/>
-                <a:ea typeface="+mn-ea"/>
-                <a:cs typeface="Arial" pitchFamily="34" charset="0"/>
-              </a:defRPr>
-            </a:lvl4pPr>
-            <a:lvl5pPr marL="2057400" indent="-228600" algn="l" defTabSz="914400" rtl="0" eaLnBrk="1" latinLnBrk="0" hangingPunct="1">
-              <a:spcBef>
-                <a:spcPct val="20000"/>
-              </a:spcBef>
-              <a:buFont typeface="Arial" pitchFamily="34" charset="0"/>
-              <a:buChar char="»"/>
-              <a:defRPr sz="1400" kern="1200" baseline="0">
-                <a:solidFill>
-                  <a:schemeClr val="tx1"/>
-                </a:solidFill>
-                <a:latin typeface="Arial" pitchFamily="34" charset="0"/>
-                <a:ea typeface="+mn-ea"/>
-                <a:cs typeface="Arial" pitchFamily="34" charset="0"/>
-              </a:defRPr>
-            </a:lvl5pPr>
-            <a:lvl6pPr marL="2514600" indent="-228600" algn="l" defTabSz="914400" rtl="0" eaLnBrk="1" latinLnBrk="0" hangingPunct="1">
-              <a:spcBef>
-                <a:spcPct val="20000"/>
-              </a:spcBef>
-              <a:buFont typeface="Arial" pitchFamily="34" charset="0"/>
-              <a:buChar char="•"/>
-              <a:defRPr sz="2000" kern="1200">
-                <a:solidFill>
-                  <a:schemeClr val="tx1"/>
-                </a:solidFill>
-                <a:latin typeface="+mn-lt"/>
-                <a:ea typeface="+mn-ea"/>
-                <a:cs typeface="+mn-cs"/>
-              </a:defRPr>
-            </a:lvl6pPr>
-            <a:lvl7pPr marL="2971800" indent="-228600" algn="l" defTabSz="914400" rtl="0" eaLnBrk="1" latinLnBrk="0" hangingPunct="1">
-              <a:spcBef>
-                <a:spcPct val="20000"/>
-              </a:spcBef>
-              <a:buFont typeface="Arial" pitchFamily="34" charset="0"/>
-              <a:buChar char="•"/>
-              <a:defRPr sz="2000" kern="1200">
-                <a:solidFill>
-                  <a:schemeClr val="tx1"/>
-                </a:solidFill>
-                <a:latin typeface="+mn-lt"/>
-                <a:ea typeface="+mn-ea"/>
-                <a:cs typeface="+mn-cs"/>
-              </a:defRPr>
-            </a:lvl7pPr>
-            <a:lvl8pPr marL="3429000" indent="-228600" algn="l" defTabSz="914400" rtl="0" eaLnBrk="1" latinLnBrk="0" hangingPunct="1">
-              <a:spcBef>
-                <a:spcPct val="20000"/>
-              </a:spcBef>
-              <a:buFont typeface="Arial" pitchFamily="34" charset="0"/>
-              <a:buChar char="•"/>
-              <a:defRPr sz="2000" kern="1200">
-                <a:solidFill>
-                  <a:schemeClr val="tx1"/>
-                </a:solidFill>
-                <a:latin typeface="+mn-lt"/>
-                <a:ea typeface="+mn-ea"/>
-                <a:cs typeface="+mn-cs"/>
-              </a:defRPr>
-            </a:lvl8pPr>
-            <a:lvl9pPr marL="3886200" indent="-228600" algn="l" defTabSz="914400" rtl="0" eaLnBrk="1" latinLnBrk="0" hangingPunct="1">
-              <a:spcBef>
-                <a:spcPct val="20000"/>
-              </a:spcBef>
-              <a:buFont typeface="Arial" pitchFamily="34" charset="0"/>
-              <a:buChar char="•"/>
-              <a:defRPr sz="2000" kern="1200">
-                <a:solidFill>
-                  <a:schemeClr val="tx1"/>
-                </a:solidFill>
-                <a:latin typeface="+mn-lt"/>
-                <a:ea typeface="+mn-ea"/>
-                <a:cs typeface="+mn-cs"/>
-              </a:defRPr>
-            </a:lvl9pPr>
-          </a:lstStyle>
-          <a:p>
-            <a:pPr marL="0" indent="0">
-              <a:spcBef>
-                <a:spcPts val="0"/>
-              </a:spcBef>
-              <a:buNone/>
-            </a:pPr>
-            <a:r>
-              <a:rPr lang="en-CA" sz="3733" b="1" dirty="0"/>
-              <a:t>Step 1.  The Problem </a:t>
-            </a:r>
-          </a:p>
-          <a:p>
-            <a:pPr marL="0" indent="0">
-              <a:spcBef>
-                <a:spcPts val="0"/>
-              </a:spcBef>
-              <a:buNone/>
-            </a:pPr>
-            <a:r>
-              <a:rPr lang="en-CA" sz="2400" dirty="0"/>
-              <a:t>What problem (gap) are you actually trying to create a solution for?</a:t>
-            </a:r>
-          </a:p>
-          <a:p>
-            <a:pPr marL="0" indent="0">
-              <a:spcBef>
-                <a:spcPts val="0"/>
-              </a:spcBef>
-              <a:buNone/>
-            </a:pPr>
-            <a:r>
-              <a:rPr lang="en-CA" sz="2400" dirty="0"/>
-              <a:t>Can you provide evidence that the problem exists?   </a:t>
-            </a:r>
-          </a:p>
-          <a:p>
-            <a:pPr marL="0" indent="0">
-              <a:spcBef>
-                <a:spcPts val="0"/>
-              </a:spcBef>
-              <a:buNone/>
-            </a:pPr>
-            <a:r>
-              <a:rPr lang="en-CA" sz="2400" dirty="0"/>
-              <a:t>Does the problem relate to the performance or health determinants of sport? Or could a solution to a problem result in positive impact for the institute, without negatively impacting our purpose?  (if not, should we be trying to solve this problem?)</a:t>
-            </a:r>
-          </a:p>
-          <a:p>
-            <a:pPr marL="0" indent="0">
-              <a:spcBef>
-                <a:spcPts val="0"/>
-              </a:spcBef>
-              <a:buNone/>
-            </a:pPr>
-            <a:endParaRPr lang="en-CA" sz="2400" dirty="0"/>
-          </a:p>
-          <a:p>
-            <a:pPr marL="0" indent="0">
-              <a:spcBef>
-                <a:spcPts val="0"/>
-              </a:spcBef>
-              <a:buNone/>
-            </a:pPr>
-            <a:r>
-              <a:rPr lang="en-CA" sz="2400" dirty="0"/>
-              <a:t>Try and distill the problem down to its simplest form.  Ideally you should be able to describe the problem you are solving in one or two sentences or bullet points.  </a:t>
-            </a:r>
-            <a:endParaRPr lang="en-CA" sz="2400" b="1" i="1" dirty="0">
-              <a:solidFill>
-                <a:srgbClr val="002060"/>
-              </a:solidFill>
-            </a:endParaRPr>
-          </a:p>
-        </p:txBody>
-      </p:sp>
-      <p:pic>
-        <p:nvPicPr>
-          <p:cNvPr id="5" name="Picture 2"/>
-          <p:cNvPicPr>
-            <a:picLocks noChangeAspect="1"/>
-          </p:cNvPicPr>
-          <p:nvPr/>
-        </p:nvPicPr>
-        <p:blipFill rotWithShape="1">
-          <a:blip r:embed="rId3">
-            <a:extLst>
-              <a:ext uri="{28A0092B-C50C-407E-A947-70E740481C1C}">
-                <a14:useLocalDpi xmlns:a14="http://schemas.microsoft.com/office/drawing/2010/main" val="0"/>
-              </a:ext>
-            </a:extLst>
-          </a:blip>
-          <a:srcRect l="14133" t="42559" r="68784" b="8443"/>
-          <a:stretch/>
-        </p:blipFill>
-        <p:spPr bwMode="auto">
-          <a:xfrm>
-            <a:off x="541239" y="2427680"/>
-            <a:ext cx="1363407" cy="2062992"/>
-          </a:xfrm>
-          <a:prstGeom prst="rect">
-            <a:avLst/>
-          </a:prstGeom>
-          <a:noFill/>
-          <a:ln>
-            <a:noFill/>
-          </a:ln>
-          <a:extLst>
-            <a:ext uri="{909E8E84-426E-40DD-AFC4-6F175D3DCCD1}">
-              <a14:hiddenFill xmlns:a14="http://schemas.microsoft.com/office/drawing/2010/main">
-                <a:solidFill>
-                  <a:srgbClr val="FFFFFF"/>
-                </a:solidFill>
-              </a14:hiddenFill>
-            </a:ext>
-            <a:ext uri="{91240B29-F687-4F45-9708-019B960494DF}">
-              <a14:hiddenLine xmlns:a14="http://schemas.microsoft.com/office/drawing/2010/main" w="9525">
-                <a:solidFill>
-                  <a:srgbClr val="000000"/>
-                </a:solidFill>
-                <a:miter lim="800000"/>
-                <a:headEnd/>
-                <a:tailEnd/>
-              </a14:hiddenLine>
-            </a:ext>
-          </a:extLst>
-        </p:spPr>
-      </p:pic>
-    </p:spTree>
-    <p:extLst>
-      <p:ext uri="{BB962C8B-B14F-4D97-AF65-F5344CB8AC3E}">
-        <p14:creationId xmlns:p14="http://schemas.microsoft.com/office/powerpoint/2010/main" val="1335192739"/>
-      </p:ext>
-    </p:extLst>
-  </p:cSld>
-  <p:clrMapOvr>
-    <a:masterClrMapping/>
-  </p:clrMapOvr>
-  <mc:AlternateContent xmlns:mc="http://schemas.openxmlformats.org/markup-compatibility/2006" xmlns:p14="http://schemas.microsoft.com/office/powerpoint/2010/main">
-    <mc:Choice Requires="p14">
-      <p:transition spd="med" p14:dur="700" advTm="14367">
-        <p:fade/>
-      </p:transition>
-    </mc:Choice>
-    <mc:Fallback xmlns="">
-      <p:transition spd="med" advTm="14367">
-        <p:fade/>
-      </p:transition>
-    </mc:Fallback>
-  </mc:AlternateContent>
-</p:sld>
-</file>
-
-<file path=ppt/slides/slide3.xml><?xml version="1.0" encoding="utf-8"?>
 <p:sld xmlns:a="http://schemas.openxmlformats.org/drawingml/2006/main" xmlns:r="http://schemas.openxmlformats.org/officeDocument/2006/relationships" xmlns:p="http://schemas.openxmlformats.org/presentationml/2006/main">
   <p:cSld>
     <p:spTree>
@@ -4845,6 +5196,397 @@
     <p:extLst>
       <p:ext uri="{BB962C8B-B14F-4D97-AF65-F5344CB8AC3E}">
         <p14:creationId xmlns:p14="http://schemas.microsoft.com/office/powerpoint/2010/main" val="740440714"/>
+      </p:ext>
+    </p:extLst>
+  </p:cSld>
+  <p:clrMapOvr>
+    <a:masterClrMapping/>
+  </p:clrMapOvr>
+  <mc:AlternateContent xmlns:mc="http://schemas.openxmlformats.org/markup-compatibility/2006" xmlns:p14="http://schemas.microsoft.com/office/powerpoint/2010/main">
+    <mc:Choice Requires="p14">
+      <p:transition spd="med" p14:dur="700" advTm="14367">
+        <p:fade/>
+      </p:transition>
+    </mc:Choice>
+    <mc:Fallback xmlns="">
+      <p:transition spd="med" advTm="14367">
+        <p:fade/>
+      </p:transition>
+    </mc:Fallback>
+  </mc:AlternateContent>
+</p:sld>
+</file>
+
+<file path=ppt/slides/slide3.xml><?xml version="1.0" encoding="utf-8"?>
+<p:sld xmlns:a="http://schemas.openxmlformats.org/drawingml/2006/main" xmlns:r="http://schemas.openxmlformats.org/officeDocument/2006/relationships" xmlns:p="http://schemas.openxmlformats.org/presentationml/2006/main">
+  <p:cSld>
+    <p:spTree>
+      <p:nvGrpSpPr>
+        <p:cNvPr id="1" name="">
+          <a:extLst>
+            <a:ext uri="{FF2B5EF4-FFF2-40B4-BE49-F238E27FC236}">
+              <a16:creationId xmlns:a16="http://schemas.microsoft.com/office/drawing/2014/main" id="{F6AC5037-734F-F44F-6097-47FA64559BF7}"/>
+            </a:ext>
+          </a:extLst>
+        </p:cNvPr>
+        <p:cNvGrpSpPr/>
+        <p:nvPr/>
+      </p:nvGrpSpPr>
+      <p:grpSpPr>
+        <a:xfrm>
+          <a:off x="0" y="0"/>
+          <a:ext cx="0" cy="0"/>
+          <a:chOff x="0" y="0"/>
+          <a:chExt cx="0" cy="0"/>
+        </a:xfrm>
+      </p:grpSpPr>
+      <p:sp>
+        <p:nvSpPr>
+          <p:cNvPr id="63490" name="Rectangle 2">
+            <a:extLst>
+              <a:ext uri="{FF2B5EF4-FFF2-40B4-BE49-F238E27FC236}">
+                <a16:creationId xmlns:a16="http://schemas.microsoft.com/office/drawing/2014/main" id="{3C8ADA45-EBEA-64BA-E508-3310E49D8D61}"/>
+              </a:ext>
+            </a:extLst>
+          </p:cNvPr>
+          <p:cNvSpPr>
+            <a:spLocks noGrp="1" noChangeArrowheads="1"/>
+          </p:cNvSpPr>
+          <p:nvPr>
+            <p:ph type="title"/>
+          </p:nvPr>
+        </p:nvSpPr>
+        <p:spPr>
+          <a:xfrm>
+            <a:off x="286747" y="1104559"/>
+            <a:ext cx="6660232" cy="565151"/>
+          </a:xfrm>
+          <a:noFill/>
+        </p:spPr>
+        <p:txBody>
+          <a:bodyPr>
+            <a:noAutofit/>
+          </a:bodyPr>
+          <a:lstStyle/>
+          <a:p>
+            <a:r>
+              <a:rPr lang="en-CA" sz="3733" dirty="0"/>
+              <a:t>Step 2.  Your Solution(s)</a:t>
+            </a:r>
+          </a:p>
+        </p:txBody>
+      </p:sp>
+      <p:sp>
+        <p:nvSpPr>
+          <p:cNvPr id="6" name="Rectangle 3">
+            <a:extLst>
+              <a:ext uri="{FF2B5EF4-FFF2-40B4-BE49-F238E27FC236}">
+                <a16:creationId xmlns:a16="http://schemas.microsoft.com/office/drawing/2014/main" id="{BF6273ED-31A9-B065-41E0-91AB18C6B476}"/>
+              </a:ext>
+            </a:extLst>
+          </p:cNvPr>
+          <p:cNvSpPr txBox="1">
+            <a:spLocks noChangeArrowheads="1"/>
+          </p:cNvSpPr>
+          <p:nvPr/>
+        </p:nvSpPr>
+        <p:spPr>
+          <a:xfrm>
+            <a:off x="2042809" y="2207198"/>
+            <a:ext cx="9808339" cy="2590943"/>
+          </a:xfrm>
+          <a:prstGeom prst="rect">
+            <a:avLst/>
+          </a:prstGeom>
+        </p:spPr>
+        <p:txBody>
+          <a:bodyPr vert="horz" lIns="91440" tIns="45720" rIns="91440" bIns="45720" rtlCol="0">
+            <a:noAutofit/>
+          </a:bodyPr>
+          <a:lstStyle>
+            <a:lvl1pPr marL="342900" indent="-342900" algn="l" defTabSz="914400" rtl="0" eaLnBrk="1" latinLnBrk="0" hangingPunct="1">
+              <a:spcBef>
+                <a:spcPct val="20000"/>
+              </a:spcBef>
+              <a:buFont typeface="Arial" pitchFamily="34" charset="0"/>
+              <a:buChar char="•"/>
+              <a:defRPr sz="3200" kern="1200">
+                <a:solidFill>
+                  <a:schemeClr val="tx1"/>
+                </a:solidFill>
+                <a:latin typeface="Arial" pitchFamily="34" charset="0"/>
+                <a:ea typeface="+mn-ea"/>
+                <a:cs typeface="Arial" pitchFamily="34" charset="0"/>
+              </a:defRPr>
+            </a:lvl1pPr>
+            <a:lvl2pPr marL="742950" indent="-285750" algn="l" defTabSz="914400" rtl="0" eaLnBrk="1" latinLnBrk="0" hangingPunct="1">
+              <a:spcBef>
+                <a:spcPct val="20000"/>
+              </a:spcBef>
+              <a:buFont typeface="Arial" pitchFamily="34" charset="0"/>
+              <a:buChar char="–"/>
+              <a:defRPr sz="2000" kern="1200" baseline="0">
+                <a:solidFill>
+                  <a:schemeClr val="tx1"/>
+                </a:solidFill>
+                <a:latin typeface="Arial" pitchFamily="34" charset="0"/>
+                <a:ea typeface="+mn-ea"/>
+                <a:cs typeface="Arial" pitchFamily="34" charset="0"/>
+              </a:defRPr>
+            </a:lvl2pPr>
+            <a:lvl3pPr marL="1143000" indent="-228600" algn="l" defTabSz="914400" rtl="0" eaLnBrk="1" latinLnBrk="0" hangingPunct="1">
+              <a:spcBef>
+                <a:spcPct val="20000"/>
+              </a:spcBef>
+              <a:buFont typeface="Arial" pitchFamily="34" charset="0"/>
+              <a:buChar char="•"/>
+              <a:defRPr sz="1800" kern="1200" baseline="0">
+                <a:solidFill>
+                  <a:schemeClr val="tx1"/>
+                </a:solidFill>
+                <a:latin typeface="Arial" pitchFamily="34" charset="0"/>
+                <a:ea typeface="+mn-ea"/>
+                <a:cs typeface="Arial" pitchFamily="34" charset="0"/>
+              </a:defRPr>
+            </a:lvl3pPr>
+            <a:lvl4pPr marL="1600200" indent="-228600" algn="l" defTabSz="914400" rtl="0" eaLnBrk="1" latinLnBrk="0" hangingPunct="1">
+              <a:spcBef>
+                <a:spcPct val="20000"/>
+              </a:spcBef>
+              <a:buFont typeface="Arial" pitchFamily="34" charset="0"/>
+              <a:buChar char="–"/>
+              <a:defRPr sz="1600" kern="1200" baseline="0">
+                <a:solidFill>
+                  <a:schemeClr val="tx1"/>
+                </a:solidFill>
+                <a:latin typeface="Arial" pitchFamily="34" charset="0"/>
+                <a:ea typeface="+mn-ea"/>
+                <a:cs typeface="Arial" pitchFamily="34" charset="0"/>
+              </a:defRPr>
+            </a:lvl4pPr>
+            <a:lvl5pPr marL="2057400" indent="-228600" algn="l" defTabSz="914400" rtl="0" eaLnBrk="1" latinLnBrk="0" hangingPunct="1">
+              <a:spcBef>
+                <a:spcPct val="20000"/>
+              </a:spcBef>
+              <a:buFont typeface="Arial" pitchFamily="34" charset="0"/>
+              <a:buChar char="»"/>
+              <a:defRPr sz="1400" kern="1200" baseline="0">
+                <a:solidFill>
+                  <a:schemeClr val="tx1"/>
+                </a:solidFill>
+                <a:latin typeface="Arial" pitchFamily="34" charset="0"/>
+                <a:ea typeface="+mn-ea"/>
+                <a:cs typeface="Arial" pitchFamily="34" charset="0"/>
+              </a:defRPr>
+            </a:lvl5pPr>
+            <a:lvl6pPr marL="2514600" indent="-228600" algn="l" defTabSz="914400" rtl="0" eaLnBrk="1" latinLnBrk="0" hangingPunct="1">
+              <a:spcBef>
+                <a:spcPct val="20000"/>
+              </a:spcBef>
+              <a:buFont typeface="Arial" pitchFamily="34" charset="0"/>
+              <a:buChar char="•"/>
+              <a:defRPr sz="2000" kern="1200">
+                <a:solidFill>
+                  <a:schemeClr val="tx1"/>
+                </a:solidFill>
+                <a:latin typeface="+mn-lt"/>
+                <a:ea typeface="+mn-ea"/>
+                <a:cs typeface="+mn-cs"/>
+              </a:defRPr>
+            </a:lvl6pPr>
+            <a:lvl7pPr marL="2971800" indent="-228600" algn="l" defTabSz="914400" rtl="0" eaLnBrk="1" latinLnBrk="0" hangingPunct="1">
+              <a:spcBef>
+                <a:spcPct val="20000"/>
+              </a:spcBef>
+              <a:buFont typeface="Arial" pitchFamily="34" charset="0"/>
+              <a:buChar char="•"/>
+              <a:defRPr sz="2000" kern="1200">
+                <a:solidFill>
+                  <a:schemeClr val="tx1"/>
+                </a:solidFill>
+                <a:latin typeface="+mn-lt"/>
+                <a:ea typeface="+mn-ea"/>
+                <a:cs typeface="+mn-cs"/>
+              </a:defRPr>
+            </a:lvl7pPr>
+            <a:lvl8pPr marL="3429000" indent="-228600" algn="l" defTabSz="914400" rtl="0" eaLnBrk="1" latinLnBrk="0" hangingPunct="1">
+              <a:spcBef>
+                <a:spcPct val="20000"/>
+              </a:spcBef>
+              <a:buFont typeface="Arial" pitchFamily="34" charset="0"/>
+              <a:buChar char="•"/>
+              <a:defRPr sz="2000" kern="1200">
+                <a:solidFill>
+                  <a:schemeClr val="tx1"/>
+                </a:solidFill>
+                <a:latin typeface="+mn-lt"/>
+                <a:ea typeface="+mn-ea"/>
+                <a:cs typeface="+mn-cs"/>
+              </a:defRPr>
+            </a:lvl8pPr>
+            <a:lvl9pPr marL="3886200" indent="-228600" algn="l" defTabSz="914400" rtl="0" eaLnBrk="1" latinLnBrk="0" hangingPunct="1">
+              <a:spcBef>
+                <a:spcPct val="20000"/>
+              </a:spcBef>
+              <a:buFont typeface="Arial" pitchFamily="34" charset="0"/>
+              <a:buChar char="•"/>
+              <a:defRPr sz="2000" kern="1200">
+                <a:solidFill>
+                  <a:schemeClr val="tx1"/>
+                </a:solidFill>
+                <a:latin typeface="+mn-lt"/>
+                <a:ea typeface="+mn-ea"/>
+                <a:cs typeface="+mn-cs"/>
+              </a:defRPr>
+            </a:lvl9pPr>
+          </a:lstStyle>
+          <a:p>
+            <a:pPr marL="0" indent="0">
+              <a:spcBef>
+                <a:spcPts val="0"/>
+              </a:spcBef>
+              <a:buNone/>
+            </a:pPr>
+            <a:r>
+              <a:rPr lang="en-CA" sz="2400" b="1" dirty="0"/>
+              <a:t>“Build something good with what we have now.”</a:t>
+            </a:r>
+          </a:p>
+          <a:p>
+            <a:pPr marL="0" indent="0">
+              <a:spcBef>
+                <a:spcPts val="0"/>
+              </a:spcBef>
+              <a:buNone/>
+            </a:pPr>
+            <a:endParaRPr lang="en-CA" sz="2400" b="1" i="1" dirty="0">
+              <a:solidFill>
+                <a:srgbClr val="002060"/>
+              </a:solidFill>
+            </a:endParaRPr>
+          </a:p>
+          <a:p>
+            <a:pPr marL="0" indent="0">
+              <a:spcBef>
+                <a:spcPts val="0"/>
+              </a:spcBef>
+              <a:buNone/>
+            </a:pPr>
+            <a:r>
+              <a:rPr lang="en-CA" sz="2400" dirty="0"/>
+              <a:t>An ACL Rehabilitation Protocol</a:t>
+            </a:r>
+          </a:p>
+          <a:p>
+            <a:pPr>
+              <a:spcBef>
+                <a:spcPts val="0"/>
+              </a:spcBef>
+            </a:pPr>
+            <a:r>
+              <a:rPr lang="en-CA" sz="2400" dirty="0"/>
+              <a:t>Criteria Based Progression: Injury -&gt; RTP &amp; Beyond</a:t>
+            </a:r>
+          </a:p>
+          <a:p>
+            <a:pPr>
+              <a:spcBef>
+                <a:spcPts val="0"/>
+              </a:spcBef>
+            </a:pPr>
+            <a:r>
+              <a:rPr lang="en-CA" sz="2400" dirty="0"/>
+              <a:t>Training Program Templates</a:t>
+            </a:r>
+          </a:p>
+          <a:p>
+            <a:pPr>
+              <a:spcBef>
+                <a:spcPts val="0"/>
+              </a:spcBef>
+            </a:pPr>
+            <a:r>
+              <a:rPr lang="en-CA" sz="2400" dirty="0"/>
+              <a:t>Neuromuscular Testing Protocols</a:t>
+            </a:r>
+          </a:p>
+          <a:p>
+            <a:pPr marL="0" indent="0">
+              <a:spcBef>
+                <a:spcPts val="0"/>
+              </a:spcBef>
+              <a:buNone/>
+            </a:pPr>
+            <a:endParaRPr lang="en-CA" sz="2400" b="1" i="1" dirty="0">
+              <a:solidFill>
+                <a:srgbClr val="002060"/>
+              </a:solidFill>
+            </a:endParaRPr>
+          </a:p>
+        </p:txBody>
+      </p:sp>
+      <p:pic>
+        <p:nvPicPr>
+          <p:cNvPr id="7" name="Picture 4">
+            <a:extLst>
+              <a:ext uri="{FF2B5EF4-FFF2-40B4-BE49-F238E27FC236}">
+                <a16:creationId xmlns:a16="http://schemas.microsoft.com/office/drawing/2014/main" id="{0B070B4E-1CEE-843F-BFFC-3922B7B1F82D}"/>
+              </a:ext>
+            </a:extLst>
+          </p:cNvPr>
+          <p:cNvPicPr>
+            <a:picLocks noChangeAspect="1"/>
+          </p:cNvPicPr>
+          <p:nvPr/>
+        </p:nvPicPr>
+        <p:blipFill rotWithShape="1">
+          <a:blip r:embed="rId3">
+            <a:extLst>
+              <a:ext uri="{28A0092B-C50C-407E-A947-70E740481C1C}">
+                <a14:useLocalDpi xmlns:a14="http://schemas.microsoft.com/office/drawing/2010/main" val="0"/>
+              </a:ext>
+            </a:extLst>
+          </a:blip>
+          <a:srcRect l="74990" t="53625" r="3076"/>
+          <a:stretch/>
+        </p:blipFill>
+        <p:spPr bwMode="auto">
+          <a:xfrm>
+            <a:off x="535196" y="2678844"/>
+            <a:ext cx="1402736" cy="1647648"/>
+          </a:xfrm>
+          <a:prstGeom prst="rect">
+            <a:avLst/>
+          </a:prstGeom>
+          <a:noFill/>
+          <a:ln>
+            <a:noFill/>
+          </a:ln>
+          <a:extLst>
+            <a:ext uri="{909E8E84-426E-40DD-AFC4-6F175D3DCCD1}">
+              <a14:hiddenFill xmlns:a14="http://schemas.microsoft.com/office/drawing/2010/main">
+                <a:solidFill>
+                  <a:srgbClr val="FFFFFF"/>
+                </a:solidFill>
+              </a14:hiddenFill>
+            </a:ext>
+            <a:ext uri="{91240B29-F687-4F45-9708-019B960494DF}">
+              <a14:hiddenLine xmlns:a14="http://schemas.microsoft.com/office/drawing/2010/main" w="9525">
+                <a:solidFill>
+                  <a:srgbClr val="000000"/>
+                </a:solidFill>
+                <a:miter lim="800000"/>
+                <a:headEnd/>
+                <a:tailEnd/>
+              </a14:hiddenLine>
+            </a:ext>
+          </a:extLst>
+        </p:spPr>
+      </p:pic>
+    </p:spTree>
+    <p:extLst>
+      <p:ext uri="{BB962C8B-B14F-4D97-AF65-F5344CB8AC3E}">
+        <p14:creationId xmlns:p14="http://schemas.microsoft.com/office/powerpoint/2010/main" val="1988230745"/>
       </p:ext>
     </p:extLst>
   </p:cSld>
@@ -4906,12 +5648,10 @@
           </a:bodyPr>
           <a:lstStyle/>
           <a:p>
-            <a:pPr algn="l"/>
-            <a:r>
-              <a:rPr lang="en-US" sz="3733" dirty="0"/>
-              <a:t>Multi Step Project “PITCH”</a:t>
-            </a:r>
-            <a:endParaRPr lang="en-CA" sz="3733" dirty="0"/>
+            <a:r>
+              <a:rPr lang="en-CA" sz="3733" dirty="0"/>
+              <a:t>Step 3.  Target Market</a:t>
+            </a:r>
           </a:p>
         </p:txBody>
       </p:sp>
@@ -4925,8 +5665,8 @@
         </p:nvSpPr>
         <p:spPr>
           <a:xfrm>
-            <a:off x="2042809" y="2207198"/>
-            <a:ext cx="9808339" cy="2590943"/>
+            <a:off x="2042809" y="1767033"/>
+            <a:ext cx="10081457" cy="3023564"/>
           </a:xfrm>
           <a:prstGeom prst="rect">
             <a:avLst/>
@@ -5074,80 +5814,88 @@
             </a:lvl9pPr>
           </a:lstStyle>
           <a:p>
+            <a:pPr marL="457200" indent="-457200">
+              <a:spcBef>
+                <a:spcPts val="0"/>
+              </a:spcBef>
+              <a:buFont typeface="+mj-lt"/>
+              <a:buAutoNum type="arabicPeriod"/>
+            </a:pPr>
+            <a:r>
+              <a:rPr lang="en-CA" sz="2400" dirty="0"/>
+              <a:t>NSO Partner Athletes </a:t>
+            </a:r>
+            <a:endParaRPr lang="en-CA" sz="1200" dirty="0"/>
+          </a:p>
+          <a:p>
+            <a:pPr marL="400050" lvl="1" indent="0">
+              <a:spcBef>
+                <a:spcPts val="0"/>
+              </a:spcBef>
+              <a:buNone/>
+            </a:pPr>
+            <a:endParaRPr lang="en-CA" sz="100" dirty="0"/>
+          </a:p>
+          <a:p>
+            <a:pPr marL="457200" indent="-457200">
+              <a:spcBef>
+                <a:spcPts val="0"/>
+              </a:spcBef>
+              <a:buFont typeface="+mj-lt"/>
+              <a:buAutoNum type="arabicPeriod"/>
+            </a:pPr>
+            <a:r>
+              <a:rPr lang="en-CA" sz="2400" dirty="0"/>
+              <a:t>Next Gen targeted athletes</a:t>
+            </a:r>
+          </a:p>
+          <a:p>
+            <a:pPr marL="457200" indent="-457200">
+              <a:spcBef>
+                <a:spcPts val="0"/>
+              </a:spcBef>
+              <a:buFont typeface="+mj-lt"/>
+              <a:buAutoNum type="arabicPeriod"/>
+            </a:pPr>
+            <a:r>
+              <a:rPr lang="en-CA" sz="2400" dirty="0"/>
+              <a:t>PSO &amp; Performance Nation</a:t>
+            </a:r>
+          </a:p>
+          <a:p>
             <a:pPr marL="0" indent="0">
               <a:spcBef>
                 <a:spcPts val="0"/>
               </a:spcBef>
               <a:buNone/>
             </a:pPr>
-            <a:r>
-              <a:rPr lang="en-CA" sz="3733" b="1" dirty="0"/>
-              <a:t>Step 2.  Your Solution(s)</a:t>
-            </a:r>
-          </a:p>
-          <a:p>
-            <a:pPr marL="0" indent="0">
-              <a:spcBef>
-                <a:spcPts val="0"/>
-              </a:spcBef>
-              <a:buNone/>
-            </a:pPr>
-            <a:r>
-              <a:rPr lang="en-CA" sz="2400" dirty="0"/>
-              <a:t>A clear problem statement will help you focus your solution on solving just one main focus problem.  </a:t>
-            </a:r>
-          </a:p>
-          <a:p>
-            <a:pPr marL="0" indent="0">
-              <a:spcBef>
-                <a:spcPts val="0"/>
-              </a:spcBef>
-              <a:buNone/>
-            </a:pPr>
             <a:endParaRPr lang="en-CA" sz="2400" dirty="0"/>
-          </a:p>
-          <a:p>
-            <a:pPr marL="0" indent="0">
-              <a:spcBef>
-                <a:spcPts val="0"/>
-              </a:spcBef>
-              <a:buNone/>
-            </a:pPr>
-            <a:r>
-              <a:rPr lang="en-CA" sz="2400" dirty="0"/>
-              <a:t>Again you should be able to describe your solution(s) at a high level in just a few sentences or bullet points.  </a:t>
-            </a:r>
-            <a:endParaRPr lang="en-CA" sz="2400" b="1" i="1" dirty="0">
-              <a:solidFill>
-                <a:srgbClr val="002060"/>
-              </a:solidFill>
-            </a:endParaRPr>
           </a:p>
         </p:txBody>
       </p:sp>
       <p:pic>
         <p:nvPicPr>
-          <p:cNvPr id="7" name="Picture 4"/>
+          <p:cNvPr id="5" name="Picture 5"/>
           <p:cNvPicPr>
             <a:picLocks noChangeAspect="1"/>
           </p:cNvPicPr>
           <p:nvPr/>
         </p:nvPicPr>
         <p:blipFill rotWithShape="1">
-          <a:blip r:embed="rId2">
+          <a:blip r:embed="rId3">
             <a:extLst>
               <a:ext uri="{28A0092B-C50C-407E-A947-70E740481C1C}">
                 <a14:useLocalDpi xmlns:a14="http://schemas.microsoft.com/office/drawing/2010/main" val="0"/>
               </a:ext>
             </a:extLst>
           </a:blip>
-          <a:srcRect l="74990" t="53625" r="3076"/>
+          <a:srcRect l="17219" t="50876" r="59719"/>
           <a:stretch/>
         </p:blipFill>
         <p:spPr bwMode="auto">
           <a:xfrm>
-            <a:off x="535196" y="2678844"/>
-            <a:ext cx="1402736" cy="1647648"/>
+            <a:off x="271338" y="2399073"/>
+            <a:ext cx="1691148" cy="1759487"/>
           </a:xfrm>
           <a:prstGeom prst="rect">
             <a:avLst/>
@@ -5180,7 +5928,7 @@
     </p:spTree>
     <p:extLst>
       <p:ext uri="{BB962C8B-B14F-4D97-AF65-F5344CB8AC3E}">
-        <p14:creationId xmlns:p14="http://schemas.microsoft.com/office/powerpoint/2010/main" val="4078044635"/>
+        <p14:creationId xmlns:p14="http://schemas.microsoft.com/office/powerpoint/2010/main" val="568366746"/>
       </p:ext>
     </p:extLst>
   </p:cSld>
@@ -5207,13 +5955,7 @@
   <p:cSld>
     <p:spTree>
       <p:nvGrpSpPr>
-        <p:cNvPr id="1" name="">
-          <a:extLst>
-            <a:ext uri="{FF2B5EF4-FFF2-40B4-BE49-F238E27FC236}">
-              <a16:creationId xmlns:a16="http://schemas.microsoft.com/office/drawing/2014/main" id="{F6AC5037-734F-F44F-6097-47FA64559BF7}"/>
-            </a:ext>
-          </a:extLst>
-        </p:cNvPr>
+        <p:cNvPr id="1" name=""/>
         <p:cNvGrpSpPr/>
         <p:nvPr/>
       </p:nvGrpSpPr>
@@ -5227,13 +5969,7 @@
       </p:grpSpPr>
       <p:sp>
         <p:nvSpPr>
-          <p:cNvPr id="63490" name="Rectangle 2">
-            <a:extLst>
-              <a:ext uri="{FF2B5EF4-FFF2-40B4-BE49-F238E27FC236}">
-                <a16:creationId xmlns:a16="http://schemas.microsoft.com/office/drawing/2014/main" id="{3C8ADA45-EBEA-64BA-E508-3310E49D8D61}"/>
-              </a:ext>
-            </a:extLst>
-          </p:cNvPr>
+          <p:cNvPr id="63490" name="Rectangle 2"/>
           <p:cNvSpPr>
             <a:spLocks noGrp="1" noChangeArrowheads="1"/>
           </p:cNvSpPr>
@@ -5244,7 +5980,7 @@
         <p:spPr>
           <a:xfrm>
             <a:off x="286747" y="1104559"/>
-            <a:ext cx="6660232" cy="565151"/>
+            <a:ext cx="8459688" cy="565151"/>
           </a:xfrm>
           <a:noFill/>
         </p:spPr>
@@ -5256,20 +5992,14 @@
           <a:p>
             <a:r>
               <a:rPr lang="en-CA" sz="3733" dirty="0"/>
-              <a:t>Step 2.  Your Solution(s)</a:t>
+              <a:t>Step 4.  Competition Benchmarking</a:t>
             </a:r>
           </a:p>
         </p:txBody>
       </p:sp>
       <p:sp>
         <p:nvSpPr>
-          <p:cNvPr id="6" name="Rectangle 3">
-            <a:extLst>
-              <a:ext uri="{FF2B5EF4-FFF2-40B4-BE49-F238E27FC236}">
-                <a16:creationId xmlns:a16="http://schemas.microsoft.com/office/drawing/2014/main" id="{BF6273ED-31A9-B065-41E0-91AB18C6B476}"/>
-              </a:ext>
-            </a:extLst>
-          </p:cNvPr>
+          <p:cNvPr id="6" name="Rectangle 3"/>
           <p:cNvSpPr txBox="1">
             <a:spLocks noChangeArrowheads="1"/>
           </p:cNvSpPr>
@@ -5278,7 +6008,7 @@
         <p:spPr>
           <a:xfrm>
             <a:off x="2042809" y="2207198"/>
-            <a:ext cx="9808339" cy="2590943"/>
+            <a:ext cx="9808339" cy="3719469"/>
           </a:xfrm>
           <a:prstGeom prst="rect">
             <a:avLst/>
@@ -5433,8 +6163,28 @@
               <a:buNone/>
             </a:pPr>
             <a:r>
-              <a:rPr lang="en-CA" sz="2400" b="1" dirty="0"/>
-              <a:t>“Build something good with what we have now.”</a:t>
+              <a:rPr lang="en-CA" sz="2400" dirty="0">
+                <a:solidFill>
+                  <a:srgbClr val="002060"/>
+                </a:solidFill>
+              </a:rPr>
+              <a:t>World Leading-</a:t>
+            </a:r>
+            <a:r>
+              <a:rPr lang="en-CA" sz="2400" dirty="0" err="1">
+                <a:solidFill>
+                  <a:srgbClr val="002060"/>
+                </a:solidFill>
+              </a:rPr>
+              <a:t>ish</a:t>
+            </a:r>
+            <a:r>
+              <a:rPr lang="en-CA" sz="2400" dirty="0">
+                <a:solidFill>
+                  <a:srgbClr val="002060"/>
+                </a:solidFill>
+              </a:rPr>
+              <a:t> Examples</a:t>
             </a:r>
           </a:p>
           <a:p>
@@ -5444,7 +6194,55 @@
               </a:spcBef>
               <a:buNone/>
             </a:pPr>
-            <a:endParaRPr lang="en-CA" sz="2400" b="1" i="1" dirty="0">
+            <a:r>
+              <a:rPr lang="en-CA" sz="2400" dirty="0">
+                <a:solidFill>
+                  <a:srgbClr val="002060"/>
+                </a:solidFill>
+              </a:rPr>
+              <a:t>-</a:t>
+            </a:r>
+          </a:p>
+          <a:p>
+            <a:pPr marL="0" indent="0">
+              <a:spcBef>
+                <a:spcPts val="0"/>
+              </a:spcBef>
+              <a:buNone/>
+            </a:pPr>
+            <a:r>
+              <a:rPr lang="en-CA" sz="2400" dirty="0">
+                <a:solidFill>
+                  <a:srgbClr val="002060"/>
+                </a:solidFill>
+              </a:rPr>
+              <a:t>-</a:t>
+            </a:r>
+          </a:p>
+          <a:p>
+            <a:pPr marL="0" indent="0">
+              <a:spcBef>
+                <a:spcPts val="0"/>
+              </a:spcBef>
+              <a:buNone/>
+            </a:pPr>
+            <a:r>
+              <a:rPr lang="en-CA" sz="2400" dirty="0">
+                <a:solidFill>
+                  <a:srgbClr val="002060"/>
+                </a:solidFill>
+              </a:rPr>
+              <a:t>-</a:t>
+            </a:r>
+          </a:p>
+          <a:p>
+            <a:pPr marL="0" indent="0">
+              <a:spcBef>
+                <a:spcPts val="0"/>
+              </a:spcBef>
+              <a:buNone/>
+            </a:pPr>
+            <a:endParaRPr lang="en-CA" sz="2400" dirty="0">
               <a:solidFill>
                 <a:srgbClr val="002060"/>
               </a:solidFill>
@@ -5458,41 +6256,12 @@
               <a:buNone/>
             </a:pPr>
             <a:r>
-              <a:rPr lang="en-CA" sz="2400" dirty="0"/>
-              <a:t>An ACL Rehabilitation Protocol</a:t>
-            </a:r>
-          </a:p>
-          <a:p>
-            <a:pPr>
-              <a:spcBef>
-                <a:spcPts val="0"/>
-              </a:spcBef>
-            </a:pPr>
-            <a:r>
-              <a:rPr lang="en-CA" sz="2400" dirty="0"/>
-              <a:t>Criteria Based Progression Injury -&gt; RTP &amp; Beyond</a:t>
-            </a:r>
-          </a:p>
-          <a:p>
-            <a:pPr>
-              <a:spcBef>
-                <a:spcPts val="0"/>
-              </a:spcBef>
-            </a:pPr>
-            <a:r>
-              <a:rPr lang="en-CA" sz="2400" dirty="0"/>
-              <a:t>Training Program Templates</a:t>
-            </a:r>
-          </a:p>
-          <a:p>
-            <a:pPr>
-              <a:spcBef>
-                <a:spcPts val="0"/>
-              </a:spcBef>
-            </a:pPr>
-            <a:r>
-              <a:rPr lang="en-CA" sz="2400" dirty="0"/>
-              <a:t>Neuromuscular Testing Protocol</a:t>
+              <a:rPr lang="en-CA" sz="2400" dirty="0">
+                <a:solidFill>
+                  <a:srgbClr val="002060"/>
+                </a:solidFill>
+              </a:rPr>
+              <a:t>Actual Competition</a:t>
             </a:r>
           </a:p>
           <a:p>
@@ -5502,23 +6271,52 @@
               </a:spcBef>
               <a:buNone/>
             </a:pPr>
-            <a:endParaRPr lang="en-CA" sz="2400" b="1" i="1" dirty="0">
-              <a:solidFill>
-                <a:srgbClr val="002060"/>
-              </a:solidFill>
-            </a:endParaRPr>
+            <a:r>
+              <a:rPr lang="en-CA" sz="2400" dirty="0">
+                <a:solidFill>
+                  <a:srgbClr val="002060"/>
+                </a:solidFill>
+              </a:rPr>
+              <a:t>-</a:t>
+            </a:r>
+          </a:p>
+          <a:p>
+            <a:pPr marL="0" indent="0">
+              <a:spcBef>
+                <a:spcPts val="0"/>
+              </a:spcBef>
+              <a:buNone/>
+            </a:pPr>
+            <a:r>
+              <a:rPr lang="en-CA" sz="2400" dirty="0">
+                <a:solidFill>
+                  <a:srgbClr val="002060"/>
+                </a:solidFill>
+              </a:rPr>
+              <a:t>-</a:t>
+            </a:r>
+          </a:p>
+          <a:p>
+            <a:pPr marL="0" indent="0">
+              <a:spcBef>
+                <a:spcPts val="0"/>
+              </a:spcBef>
+              <a:buNone/>
+            </a:pPr>
+            <a:r>
+              <a:rPr lang="en-CA" sz="2400" dirty="0">
+                <a:solidFill>
+                  <a:srgbClr val="002060"/>
+                </a:solidFill>
+              </a:rPr>
+              <a:t>-</a:t>
+            </a:r>
           </a:p>
         </p:txBody>
       </p:sp>
       <p:pic>
         <p:nvPicPr>
-          <p:cNvPr id="7" name="Picture 4">
-            <a:extLst>
-              <a:ext uri="{FF2B5EF4-FFF2-40B4-BE49-F238E27FC236}">
-                <a16:creationId xmlns:a16="http://schemas.microsoft.com/office/drawing/2014/main" id="{0B070B4E-1CEE-843F-BFFC-3922B7B1F82D}"/>
-              </a:ext>
-            </a:extLst>
-          </p:cNvPr>
+          <p:cNvPr id="7" name="Picture 7"/>
           <p:cNvPicPr>
             <a:picLocks noChangeAspect="1"/>
           </p:cNvPicPr>
@@ -5532,13 +6330,13 @@
               </a:ext>
             </a:extLst>
           </a:blip>
-          <a:srcRect l="74990" t="53625" r="3076"/>
+          <a:srcRect l="62661" t="52838" r="7524"/>
           <a:stretch/>
         </p:blipFill>
         <p:spPr bwMode="auto">
           <a:xfrm>
-            <a:off x="535196" y="2678844"/>
-            <a:ext cx="1402736" cy="1647648"/>
+            <a:off x="143056" y="2412180"/>
+            <a:ext cx="1812968" cy="1804689"/>
           </a:xfrm>
           <a:prstGeom prst="rect">
             <a:avLst/>
@@ -5571,7 +6369,7 @@
     </p:spTree>
     <p:extLst>
       <p:ext uri="{BB962C8B-B14F-4D97-AF65-F5344CB8AC3E}">
-        <p14:creationId xmlns:p14="http://schemas.microsoft.com/office/powerpoint/2010/main" val="1988230745"/>
+        <p14:creationId xmlns:p14="http://schemas.microsoft.com/office/powerpoint/2010/main" val="3918262711"/>
       </p:ext>
     </p:extLst>
   </p:cSld>
@@ -5622,8 +6420,8 @@
         </p:nvSpPr>
         <p:spPr>
           <a:xfrm>
-            <a:off x="286747" y="1104559"/>
-            <a:ext cx="6660232" cy="565151"/>
+            <a:off x="286745" y="1104559"/>
+            <a:ext cx="9808339" cy="565151"/>
           </a:xfrm>
           <a:noFill/>
         </p:spPr>
@@ -5635,7 +6433,7 @@
           <a:p>
             <a:r>
               <a:rPr lang="en-CA" sz="3733" dirty="0"/>
-              <a:t>Step 3.  Target Market</a:t>
+              <a:t>Step 5.  Highlight Your Team Advantage</a:t>
             </a:r>
           </a:p>
         </p:txBody>
@@ -5650,8 +6448,8 @@
         </p:nvSpPr>
         <p:spPr>
           <a:xfrm>
-            <a:off x="2042809" y="1767033"/>
-            <a:ext cx="10081457" cy="3023564"/>
+            <a:off x="2042809" y="2207198"/>
+            <a:ext cx="9808339" cy="3287669"/>
           </a:xfrm>
           <a:prstGeom prst="rect">
             <a:avLst/>
@@ -5799,78 +6597,6 @@
             </a:lvl9pPr>
           </a:lstStyle>
           <a:p>
-            <a:pPr marL="457200" indent="-457200">
-              <a:spcBef>
-                <a:spcPts val="0"/>
-              </a:spcBef>
-              <a:buFont typeface="+mj-lt"/>
-              <a:buAutoNum type="arabicPeriod"/>
-            </a:pPr>
-            <a:r>
-              <a:rPr lang="en-CA" sz="2400" dirty="0"/>
-              <a:t>NSO Partner Athletes</a:t>
-            </a:r>
-            <a:endParaRPr lang="en-CA" sz="1200" dirty="0"/>
-          </a:p>
-          <a:p>
-            <a:pPr marL="400050" lvl="1" indent="0">
-              <a:spcBef>
-                <a:spcPts val="0"/>
-              </a:spcBef>
-              <a:buNone/>
-            </a:pPr>
-            <a:endParaRPr lang="en-CA" sz="100" dirty="0"/>
-          </a:p>
-          <a:p>
-            <a:pPr marL="457200" indent="-457200">
-              <a:spcBef>
-                <a:spcPts val="0"/>
-              </a:spcBef>
-              <a:buFont typeface="+mj-lt"/>
-              <a:buAutoNum type="arabicPeriod"/>
-            </a:pPr>
-            <a:r>
-              <a:rPr lang="en-CA" sz="2400" dirty="0"/>
-              <a:t>Next Gen</a:t>
-            </a:r>
-          </a:p>
-          <a:p>
-            <a:pPr marL="457200" indent="-457200">
-              <a:spcBef>
-                <a:spcPts val="0"/>
-              </a:spcBef>
-              <a:buFont typeface="+mj-lt"/>
-              <a:buAutoNum type="arabicPeriod"/>
-            </a:pPr>
-            <a:r>
-              <a:rPr lang="en-CA" sz="2400" dirty="0"/>
-              <a:t>PSO</a:t>
-            </a:r>
-          </a:p>
-          <a:p>
-            <a:pPr marL="457200" indent="-457200">
-              <a:spcBef>
-                <a:spcPts val="0"/>
-              </a:spcBef>
-              <a:buFont typeface="+mj-lt"/>
-              <a:buAutoNum type="arabicPeriod"/>
-            </a:pPr>
-            <a:r>
-              <a:rPr lang="en-CA" sz="2400" dirty="0"/>
-              <a:t>Performance Nation</a:t>
-            </a:r>
-          </a:p>
-          <a:p>
-            <a:pPr marL="457200" indent="-457200">
-              <a:spcBef>
-                <a:spcPts val="0"/>
-              </a:spcBef>
-              <a:buFont typeface="+mj-lt"/>
-              <a:buAutoNum type="arabicPeriod"/>
-            </a:pPr>
-            <a:endParaRPr lang="en-CA" sz="2400" dirty="0"/>
-          </a:p>
-          <a:p>
             <a:pPr marL="0" indent="0">
               <a:spcBef>
                 <a:spcPts val="0"/>
@@ -5878,15 +6604,120 @@
               <a:buNone/>
             </a:pPr>
             <a:r>
-              <a:rPr lang="en-CA" sz="2400" dirty="0"/>
-              <a:t>Number of clients interested: </a:t>
-            </a:r>
+              <a:rPr lang="en-CA" sz="2400" b="1" dirty="0">
+                <a:solidFill>
+                  <a:srgbClr val="002060"/>
+                </a:solidFill>
+              </a:rPr>
+              <a:t>Project Lead – Andrew Kates</a:t>
+            </a:r>
+          </a:p>
+          <a:p>
+            <a:pPr>
+              <a:spcBef>
+                <a:spcPts val="0"/>
+              </a:spcBef>
+            </a:pPr>
+            <a:r>
+              <a:rPr lang="en-CA" sz="2400" dirty="0">
+                <a:solidFill>
+                  <a:srgbClr val="002060"/>
+                </a:solidFill>
+              </a:rPr>
+              <a:t>Experience in RTP leadership + applied sport/data science</a:t>
+            </a:r>
+          </a:p>
+          <a:p>
+            <a:pPr>
+              <a:spcBef>
+                <a:spcPts val="0"/>
+              </a:spcBef>
+            </a:pPr>
+            <a:r>
+              <a:rPr lang="en-CA" sz="2400" dirty="0">
+                <a:solidFill>
+                  <a:srgbClr val="002060"/>
+                </a:solidFill>
+              </a:rPr>
+              <a:t>History of delivering outcomes</a:t>
+            </a:r>
+          </a:p>
+          <a:p>
+            <a:pPr>
+              <a:spcBef>
+                <a:spcPts val="0"/>
+              </a:spcBef>
+            </a:pPr>
+            <a:r>
+              <a:rPr lang="en-CA" sz="2400" dirty="0">
+                <a:solidFill>
+                  <a:srgbClr val="002060"/>
+                </a:solidFill>
+              </a:rPr>
+              <a:t>Practical Approach + Research/Innovation</a:t>
+            </a:r>
+          </a:p>
+          <a:p>
+            <a:pPr>
+              <a:spcBef>
+                <a:spcPts val="0"/>
+              </a:spcBef>
+            </a:pPr>
+            <a:endParaRPr lang="en-CA" sz="2400" dirty="0">
+              <a:solidFill>
+                <a:srgbClr val="002060"/>
+              </a:solidFill>
+            </a:endParaRPr>
+          </a:p>
+          <a:p>
+            <a:pPr marL="0" indent="0">
+              <a:spcBef>
+                <a:spcPts val="0"/>
+              </a:spcBef>
+              <a:buNone/>
+            </a:pPr>
+            <a:r>
+              <a:rPr lang="en-CA" sz="2400" dirty="0">
+                <a:solidFill>
+                  <a:srgbClr val="002060"/>
+                </a:solidFill>
+              </a:rPr>
+              <a:t>Winter Sport as a starting point (compared to other sports we service)</a:t>
+            </a:r>
+          </a:p>
+          <a:p>
+            <a:pPr marL="0" indent="0">
+              <a:spcBef>
+                <a:spcPts val="0"/>
+              </a:spcBef>
+              <a:buNone/>
+            </a:pPr>
+            <a:r>
+              <a:rPr lang="en-CA" sz="2400" dirty="0">
+                <a:solidFill>
+                  <a:srgbClr val="002060"/>
+                </a:solidFill>
+              </a:rPr>
+              <a:t>Network of Practitioners (gather expertise)</a:t>
+            </a:r>
+          </a:p>
+          <a:p>
+            <a:pPr>
+              <a:spcBef>
+                <a:spcPts val="0"/>
+              </a:spcBef>
+            </a:pPr>
+            <a:endParaRPr lang="en-CA" sz="2400" b="1" i="1" dirty="0">
+              <a:solidFill>
+                <a:srgbClr val="002060"/>
+              </a:solidFill>
+            </a:endParaRPr>
           </a:p>
         </p:txBody>
       </p:sp>
       <p:pic>
         <p:nvPicPr>
-          <p:cNvPr id="5" name="Picture 5"/>
+          <p:cNvPr id="5" name="Picture 8"/>
           <p:cNvPicPr>
             <a:picLocks noChangeAspect="1"/>
           </p:cNvPicPr>
@@ -5900,13 +6731,13 @@
               </a:ext>
             </a:extLst>
           </a:blip>
-          <a:srcRect l="17219" t="50876" r="59719"/>
+          <a:srcRect l="7777" t="45360" r="61009"/>
           <a:stretch/>
         </p:blipFill>
         <p:spPr bwMode="auto">
           <a:xfrm>
-            <a:off x="271338" y="2399073"/>
-            <a:ext cx="1691148" cy="1759487"/>
+            <a:off x="1" y="2792361"/>
+            <a:ext cx="2042809" cy="1955992"/>
           </a:xfrm>
           <a:prstGeom prst="rect">
             <a:avLst/>
@@ -5939,7 +6770,7 @@
     </p:spTree>
     <p:extLst>
       <p:ext uri="{BB962C8B-B14F-4D97-AF65-F5344CB8AC3E}">
-        <p14:creationId xmlns:p14="http://schemas.microsoft.com/office/powerpoint/2010/main" val="568366746"/>
+        <p14:creationId xmlns:p14="http://schemas.microsoft.com/office/powerpoint/2010/main" val="310404465"/>
       </p:ext>
     </p:extLst>
   </p:cSld>
@@ -5991,7 +6822,7 @@
         <p:spPr>
           <a:xfrm>
             <a:off x="286747" y="1104559"/>
-            <a:ext cx="8459688" cy="565151"/>
+            <a:ext cx="6660232" cy="565151"/>
           </a:xfrm>
           <a:noFill/>
         </p:spPr>
@@ -6003,7 +6834,7 @@
           <a:p>
             <a:r>
               <a:rPr lang="en-CA" sz="3733" dirty="0"/>
-              <a:t>Step 4.  Competition Benchmarking</a:t>
+              <a:t>Step 6.  Business Model </a:t>
             </a:r>
           </a:p>
         </p:txBody>
@@ -6019,7 +6850,7 @@
         <p:spPr>
           <a:xfrm>
             <a:off x="2042809" y="2207198"/>
-            <a:ext cx="9808339" cy="3719469"/>
+            <a:ext cx="9808339" cy="3023564"/>
           </a:xfrm>
           <a:prstGeom prst="rect">
             <a:avLst/>
@@ -6175,19 +7006,130 @@
             </a:pPr>
             <a:r>
               <a:rPr lang="en-CA" sz="2400" dirty="0"/>
-              <a:t>-</a:t>
-            </a:r>
+              <a:t>Build a prototype and present it to Core Stakeholders</a:t>
+            </a:r>
+          </a:p>
+          <a:p>
+            <a:pPr marL="0" indent="0">
+              <a:spcBef>
+                <a:spcPts val="0"/>
+              </a:spcBef>
+              <a:buNone/>
+            </a:pPr>
             <a:endParaRPr lang="en-CA" sz="2400" b="1" i="1" dirty="0">
               <a:solidFill>
                 <a:srgbClr val="002060"/>
               </a:solidFill>
             </a:endParaRPr>
           </a:p>
+          <a:p>
+            <a:pPr marL="0" indent="0">
+              <a:spcBef>
+                <a:spcPts val="0"/>
+              </a:spcBef>
+              <a:buNone/>
+            </a:pPr>
+            <a:r>
+              <a:rPr lang="en-CA" sz="2400" b="1" i="1" dirty="0">
+                <a:solidFill>
+                  <a:srgbClr val="002060"/>
+                </a:solidFill>
+              </a:rPr>
+              <a:t>Preferred business model:</a:t>
+            </a:r>
+          </a:p>
+          <a:p>
+            <a:pPr>
+              <a:spcBef>
+                <a:spcPts val="0"/>
+              </a:spcBef>
+            </a:pPr>
+            <a:r>
+              <a:rPr lang="en-CA" sz="2400" dirty="0">
+                <a:solidFill>
+                  <a:srgbClr val="002060"/>
+                </a:solidFill>
+              </a:rPr>
+              <a:t>NSOs pay upfront for access to this program in full </a:t>
+            </a:r>
+            <a:r>
+              <a:rPr lang="en-CA" sz="2400" i="1" dirty="0">
+                <a:solidFill>
+                  <a:srgbClr val="002060"/>
+                </a:solidFill>
+              </a:rPr>
+              <a:t>(inexpensive)</a:t>
+            </a:r>
+          </a:p>
+          <a:p>
+            <a:pPr>
+              <a:spcBef>
+                <a:spcPts val="0"/>
+              </a:spcBef>
+            </a:pPr>
+            <a:r>
+              <a:rPr lang="en-CA" sz="2400" dirty="0">
+                <a:solidFill>
+                  <a:srgbClr val="002060"/>
+                </a:solidFill>
+              </a:rPr>
+              <a:t>We develop a PN version </a:t>
+            </a:r>
+            <a:r>
+              <a:rPr lang="en-CA" sz="2400" i="1" dirty="0">
+                <a:solidFill>
+                  <a:srgbClr val="002060"/>
+                </a:solidFill>
+              </a:rPr>
+              <a:t>(a la carte, expensive)</a:t>
+            </a:r>
+          </a:p>
+          <a:p>
+            <a:pPr>
+              <a:spcBef>
+                <a:spcPts val="0"/>
+              </a:spcBef>
+            </a:pPr>
+            <a:r>
+              <a:rPr lang="en-CA" sz="2400" dirty="0">
+                <a:solidFill>
+                  <a:srgbClr val="002060"/>
+                </a:solidFill>
+              </a:rPr>
+              <a:t>PN version is available “on demand”</a:t>
+            </a:r>
+          </a:p>
+          <a:p>
+            <a:pPr marL="0" indent="0">
+              <a:spcBef>
+                <a:spcPts val="0"/>
+              </a:spcBef>
+              <a:buNone/>
+            </a:pPr>
+            <a:endParaRPr lang="en-CA" sz="2400" b="1" i="1" dirty="0">
+              <a:solidFill>
+                <a:srgbClr val="002060"/>
+              </a:solidFill>
+            </a:endParaRPr>
+          </a:p>
+          <a:p>
+            <a:pPr marL="0" indent="0">
+              <a:spcBef>
+                <a:spcPts val="0"/>
+              </a:spcBef>
+              <a:buNone/>
+            </a:pPr>
+            <a:endParaRPr lang="en-CA" sz="2400" b="1" i="1" dirty="0">
+              <a:solidFill>
+                <a:srgbClr val="002060"/>
+              </a:solidFill>
+            </a:endParaRPr>
+          </a:p>
         </p:txBody>
       </p:sp>
       <p:pic>
         <p:nvPicPr>
-          <p:cNvPr id="7" name="Picture 7"/>
+          <p:cNvPr id="7" name="Picture 9"/>
           <p:cNvPicPr>
             <a:picLocks noChangeAspect="1"/>
           </p:cNvPicPr>
@@ -6201,13 +7143,13 @@
               </a:ext>
             </a:extLst>
           </a:blip>
-          <a:srcRect l="62661" t="52838" r="7524"/>
+          <a:srcRect l="72828" t="48990" r="1784"/>
           <a:stretch/>
         </p:blipFill>
         <p:spPr bwMode="auto">
           <a:xfrm>
-            <a:off x="143056" y="2412180"/>
-            <a:ext cx="1812968" cy="1804689"/>
+            <a:off x="194345" y="2569496"/>
+            <a:ext cx="1848464" cy="1989461"/>
           </a:xfrm>
           <a:prstGeom prst="rect">
             <a:avLst/>
@@ -6237,10 +7179,261 @@
           </a:extLst>
         </p:spPr>
       </p:pic>
+      <p:graphicFrame>
+        <p:nvGraphicFramePr>
+          <p:cNvPr id="2" name="Table 1">
+            <a:extLst>
+              <a:ext uri="{FF2B5EF4-FFF2-40B4-BE49-F238E27FC236}">
+                <a16:creationId xmlns:a16="http://schemas.microsoft.com/office/drawing/2014/main" id="{3FC8E65D-0038-4B0C-2349-3D26D976C251}"/>
+              </a:ext>
+            </a:extLst>
+          </p:cNvPr>
+          <p:cNvGraphicFramePr>
+            <a:graphicFrameLocks noGrp="1"/>
+          </p:cNvGraphicFramePr>
+          <p:nvPr>
+            <p:extLst>
+              <p:ext uri="{D42A27DB-BD31-4B8C-83A1-F6EECF244321}">
+                <p14:modId xmlns:p14="http://schemas.microsoft.com/office/powerpoint/2010/main" val="1518437477"/>
+              </p:ext>
+            </p:extLst>
+          </p:nvPr>
+        </p:nvGraphicFramePr>
+        <p:xfrm>
+          <a:off x="2042809" y="4893545"/>
+          <a:ext cx="8127999" cy="1483360"/>
+        </p:xfrm>
+        <a:graphic>
+          <a:graphicData uri="http://schemas.openxmlformats.org/drawingml/2006/table">
+            <a:tbl>
+              <a:tblPr firstRow="1" bandRow="1">
+                <a:tableStyleId>{5C22544A-7EE6-4342-B048-85BDC9FD1C3A}</a:tableStyleId>
+              </a:tblPr>
+              <a:tblGrid>
+                <a:gridCol w="2709333">
+                  <a:extLst>
+                    <a:ext uri="{9D8B030D-6E8A-4147-A177-3AD203B41FA5}">
+                      <a16:colId xmlns:a16="http://schemas.microsoft.com/office/drawing/2014/main" val="438285618"/>
+                    </a:ext>
+                  </a:extLst>
+                </a:gridCol>
+                <a:gridCol w="3515976">
+                  <a:extLst>
+                    <a:ext uri="{9D8B030D-6E8A-4147-A177-3AD203B41FA5}">
+                      <a16:colId xmlns:a16="http://schemas.microsoft.com/office/drawing/2014/main" val="2750472994"/>
+                    </a:ext>
+                  </a:extLst>
+                </a:gridCol>
+                <a:gridCol w="1902690">
+                  <a:extLst>
+                    <a:ext uri="{9D8B030D-6E8A-4147-A177-3AD203B41FA5}">
+                      <a16:colId xmlns:a16="http://schemas.microsoft.com/office/drawing/2014/main" val="395270509"/>
+                    </a:ext>
+                  </a:extLst>
+                </a:gridCol>
+              </a:tblGrid>
+              <a:tr h="370840">
+                <a:tc>
+                  <a:txBody>
+                    <a:bodyPr/>
+                    <a:lstStyle/>
+                    <a:p>
+                      <a:r>
+                        <a:rPr lang="en-US" dirty="0"/>
+                        <a:t>Estimated Costs</a:t>
+                      </a:r>
+                    </a:p>
+                  </a:txBody>
+                  <a:tcPr/>
+                </a:tc>
+                <a:tc>
+                  <a:txBody>
+                    <a:bodyPr/>
+                    <a:lstStyle/>
+                    <a:p>
+                      <a:r>
+                        <a:rPr lang="en-US" dirty="0"/>
+                        <a:t>Description</a:t>
+                      </a:r>
+                    </a:p>
+                  </a:txBody>
+                  <a:tcPr/>
+                </a:tc>
+                <a:tc>
+                  <a:txBody>
+                    <a:bodyPr/>
+                    <a:lstStyle/>
+                    <a:p>
+                      <a:r>
+                        <a:rPr lang="en-US" dirty="0"/>
+                        <a:t>Costs</a:t>
+                      </a:r>
+                    </a:p>
+                  </a:txBody>
+                  <a:tcPr/>
+                </a:tc>
+                <a:extLst>
+                  <a:ext uri="{0D108BD9-81ED-4DB2-BD59-A6C34878D82A}">
+                    <a16:rowId xmlns:a16="http://schemas.microsoft.com/office/drawing/2014/main" val="3269524530"/>
+                  </a:ext>
+                </a:extLst>
+              </a:tr>
+              <a:tr h="370840">
+                <a:tc>
+                  <a:txBody>
+                    <a:bodyPr/>
+                    <a:lstStyle/>
+                    <a:p>
+                      <a:r>
+                        <a:rPr lang="en-US" dirty="0"/>
+                        <a:t>Project </a:t>
+                      </a:r>
+                      <a:r>
+                        <a:rPr lang="en-US" dirty="0" err="1"/>
+                        <a:t>Labour</a:t>
+                      </a:r>
+                      <a:endParaRPr lang="en-US" dirty="0"/>
+                    </a:p>
+                  </a:txBody>
+                  <a:tcPr/>
+                </a:tc>
+                <a:tc>
+                  <a:txBody>
+                    <a:bodyPr/>
+                    <a:lstStyle/>
+                    <a:p>
+                      <a:r>
+                        <a:rPr lang="en-CA" sz="1800" dirty="0"/>
+                        <a:t>0.4 FTE of PS2 salary </a:t>
+                      </a:r>
+                      <a:endParaRPr lang="en-US" dirty="0"/>
+                    </a:p>
+                  </a:txBody>
+                  <a:tcPr/>
+                </a:tc>
+                <a:tc>
+                  <a:txBody>
+                    <a:bodyPr/>
+                    <a:lstStyle/>
+                    <a:p>
+                      <a:r>
+                        <a:rPr lang="en-US" dirty="0"/>
+                        <a:t>~$30k/year</a:t>
+                      </a:r>
+                    </a:p>
+                  </a:txBody>
+                  <a:tcPr/>
+                </a:tc>
+                <a:extLst>
+                  <a:ext uri="{0D108BD9-81ED-4DB2-BD59-A6C34878D82A}">
+                    <a16:rowId xmlns:a16="http://schemas.microsoft.com/office/drawing/2014/main" val="2008890734"/>
+                  </a:ext>
+                </a:extLst>
+              </a:tr>
+              <a:tr h="370840">
+                <a:tc>
+                  <a:txBody>
+                    <a:bodyPr/>
+                    <a:lstStyle/>
+                    <a:p>
+                      <a:r>
+                        <a:rPr lang="en-US" dirty="0"/>
+                        <a:t>Soft Goods</a:t>
+                      </a:r>
+                    </a:p>
+                  </a:txBody>
+                  <a:tcPr/>
+                </a:tc>
+                <a:tc>
+                  <a:txBody>
+                    <a:bodyPr/>
+                    <a:lstStyle/>
+                    <a:p>
+                      <a:r>
+                        <a:rPr lang="en-US" dirty="0"/>
+                        <a:t>i.e. software</a:t>
+                      </a:r>
+                    </a:p>
+                  </a:txBody>
+                  <a:tcPr/>
+                </a:tc>
+                <a:tc>
+                  <a:txBody>
+                    <a:bodyPr/>
+                    <a:lstStyle/>
+                    <a:p>
+                      <a:r>
+                        <a:rPr lang="en-US" dirty="0"/>
+                        <a:t>$0*</a:t>
+                      </a:r>
+                    </a:p>
+                  </a:txBody>
+                  <a:tcPr/>
+                </a:tc>
+                <a:extLst>
+                  <a:ext uri="{0D108BD9-81ED-4DB2-BD59-A6C34878D82A}">
+                    <a16:rowId xmlns:a16="http://schemas.microsoft.com/office/drawing/2014/main" val="4241826137"/>
+                  </a:ext>
+                </a:extLst>
+              </a:tr>
+              <a:tr h="370840">
+                <a:tc>
+                  <a:txBody>
+                    <a:bodyPr/>
+                    <a:lstStyle/>
+                    <a:p>
+                      <a:r>
+                        <a:rPr lang="en-US" dirty="0"/>
+                        <a:t>Hard Goods</a:t>
+                      </a:r>
+                    </a:p>
+                  </a:txBody>
+                  <a:tcPr/>
+                </a:tc>
+                <a:tc>
+                  <a:txBody>
+                    <a:bodyPr/>
+                    <a:lstStyle/>
+                    <a:p>
+                      <a:r>
+                        <a:rPr lang="en-US" dirty="0" err="1"/>
+                        <a:t>Tindeq</a:t>
+                      </a:r>
+                      <a:r>
+                        <a:rPr lang="en-US" dirty="0"/>
+                        <a:t> Dynamometer, misc.</a:t>
+                      </a:r>
+                    </a:p>
+                  </a:txBody>
+                  <a:tcPr/>
+                </a:tc>
+                <a:tc>
+                  <a:txBody>
+                    <a:bodyPr/>
+                    <a:lstStyle/>
+                    <a:p>
+                      <a:r>
+                        <a:rPr lang="en-US" dirty="0"/>
+                        <a:t>~$500</a:t>
+                      </a:r>
+                    </a:p>
+                  </a:txBody>
+                  <a:tcPr/>
+                </a:tc>
+                <a:extLst>
+                  <a:ext uri="{0D108BD9-81ED-4DB2-BD59-A6C34878D82A}">
+                    <a16:rowId xmlns:a16="http://schemas.microsoft.com/office/drawing/2014/main" val="3770342774"/>
+                  </a:ext>
+                </a:extLst>
+              </a:tr>
+            </a:tbl>
+          </a:graphicData>
+        </a:graphic>
+      </p:graphicFrame>
     </p:spTree>
     <p:extLst>
       <p:ext uri="{BB962C8B-B14F-4D97-AF65-F5344CB8AC3E}">
-        <p14:creationId xmlns:p14="http://schemas.microsoft.com/office/powerpoint/2010/main" val="3918262711"/>
+        <p14:creationId xmlns:p14="http://schemas.microsoft.com/office/powerpoint/2010/main" val="21241760"/>
       </p:ext>
     </p:extLst>
   </p:cSld>
@@ -6291,8 +7484,8 @@
         </p:nvSpPr>
         <p:spPr>
           <a:xfrm>
-            <a:off x="286745" y="1104559"/>
-            <a:ext cx="9808339" cy="565151"/>
+            <a:off x="286747" y="1104559"/>
+            <a:ext cx="6660232" cy="565151"/>
           </a:xfrm>
           <a:noFill/>
         </p:spPr>
@@ -6304,7 +7497,7 @@
           <a:p>
             <a:r>
               <a:rPr lang="en-CA" sz="3733" dirty="0"/>
-              <a:t>Step 5.  Highlight Your Team Advantage</a:t>
+              <a:t>Step 7.  Milestones </a:t>
             </a:r>
           </a:p>
         </p:txBody>
@@ -6320,7 +7513,7 @@
         <p:spPr>
           <a:xfrm>
             <a:off x="2042809" y="2207198"/>
-            <a:ext cx="9808339" cy="3287669"/>
+            <a:ext cx="9808339" cy="3023564"/>
           </a:xfrm>
           <a:prstGeom prst="rect">
             <a:avLst/>
@@ -6475,9 +7668,22 @@
               <a:buNone/>
             </a:pPr>
             <a:r>
+              <a:rPr lang="en-CA" sz="2400" b="1" dirty="0"/>
+              <a:t>Aug - Dec 2025</a:t>
+            </a:r>
+          </a:p>
+          <a:p>
+            <a:pPr marL="0" indent="0">
+              <a:spcBef>
+                <a:spcPts val="0"/>
+              </a:spcBef>
+              <a:buNone/>
+            </a:pPr>
+            <a:r>
               <a:rPr lang="en-CA" sz="2400" dirty="0"/>
-              <a:t>Highlight how you and your time are the right team to execute on your vision!  </a:t>
-            </a:r>
+              <a:t>-Draft of ACL Protocol</a:t>
+            </a:r>
+            <a:endParaRPr lang="en-CA" sz="2400" b="1" dirty="0"/>
           </a:p>
           <a:p>
             <a:pPr marL="0" indent="0">
@@ -6486,7 +7692,7 @@
               </a:spcBef>
               <a:buNone/>
             </a:pPr>
-            <a:endParaRPr lang="en-CA" sz="2400" dirty="0"/>
+            <a:endParaRPr lang="en-CA" sz="2400" b="1" dirty="0"/>
           </a:p>
           <a:p>
             <a:pPr marL="0" indent="0">
@@ -6496,8 +7702,24 @@
               <a:buNone/>
             </a:pPr>
             <a:r>
+              <a:rPr lang="en-CA" sz="2400" b="1" dirty="0"/>
+              <a:t>	Jan - April 2026</a:t>
+            </a:r>
+          </a:p>
+          <a:p>
+            <a:pPr marL="0" indent="0">
+              <a:spcBef>
+                <a:spcPts val="0"/>
+              </a:spcBef>
+              <a:buNone/>
+            </a:pPr>
+            <a:r>
               <a:rPr lang="en-CA" sz="2400" dirty="0"/>
-              <a:t>Aspects of the CSI Pacific Institute Advantage should play front and center here.  No matter how great or unique your solution is, if you don’t have the right people, places and programs, you won’t be able to see it to fruition.   </a:t>
+              <a:t>	-Work to align </a:t>
+            </a:r>
+            <a:r>
+              <a:rPr lang="en-CA" sz="2400"/>
+              <a:t>with DS</a:t>
             </a:r>
             <a:endParaRPr lang="en-CA" sz="2400" b="1" i="1" dirty="0">
               <a:solidFill>
@@ -6512,17 +7734,70 @@
               </a:spcBef>
               <a:buNone/>
             </a:pPr>
+            <a:r>
+              <a:rPr lang="en-CA" sz="2400" b="1" i="1" dirty="0">
+                <a:solidFill>
+                  <a:srgbClr val="002060"/>
+                </a:solidFill>
+              </a:rPr>
+              <a:t>		</a:t>
+            </a:r>
+          </a:p>
+          <a:p>
+            <a:pPr marL="0" indent="0">
+              <a:spcBef>
+                <a:spcPts val="0"/>
+              </a:spcBef>
+              <a:buNone/>
+            </a:pPr>
+            <a:r>
+              <a:rPr lang="en-CA" sz="2400" b="1" i="1" dirty="0">
+                <a:solidFill>
+                  <a:srgbClr val="002060"/>
+                </a:solidFill>
+              </a:rPr>
+              <a:t>		</a:t>
+            </a:r>
+            <a:r>
+              <a:rPr lang="en-CA" sz="2400" b="1" dirty="0"/>
+              <a:t>April 2026</a:t>
+            </a:r>
+          </a:p>
+          <a:p>
+            <a:pPr marL="0" indent="0">
+              <a:spcBef>
+                <a:spcPts val="0"/>
+              </a:spcBef>
+              <a:buNone/>
+            </a:pPr>
+            <a:r>
+              <a:rPr lang="en-CA" sz="2400" dirty="0"/>
+              <a:t>		-Version 1 of ACL Protocol</a:t>
+            </a:r>
             <a:endParaRPr lang="en-CA" sz="2400" b="1" i="1" dirty="0">
               <a:solidFill>
                 <a:srgbClr val="002060"/>
               </a:solidFill>
             </a:endParaRPr>
           </a:p>
+          <a:p>
+            <a:pPr marL="0" indent="0">
+              <a:spcBef>
+                <a:spcPts val="0"/>
+              </a:spcBef>
+              <a:buNone/>
+            </a:pPr>
+            <a:endParaRPr lang="en-CA" sz="2400" b="1" i="1" dirty="0">
+              <a:solidFill>
+                <a:srgbClr val="002060"/>
+              </a:solidFill>
+            </a:endParaRPr>
+          </a:p>
         </p:txBody>
       </p:sp>
       <p:pic>
         <p:nvPicPr>
-          <p:cNvPr id="5" name="Picture 8"/>
+          <p:cNvPr id="5" name="Picture 10"/>
           <p:cNvPicPr>
             <a:picLocks noChangeAspect="1"/>
           </p:cNvPicPr>
@@ -6536,13 +7811,13 @@
               </a:ext>
             </a:extLst>
           </a:blip>
-          <a:srcRect l="7777" t="45360" r="61009"/>
+          <a:srcRect l="10699" t="42953" r="65931" b="8923"/>
           <a:stretch/>
         </p:blipFill>
         <p:spPr bwMode="auto">
           <a:xfrm>
-            <a:off x="1" y="2792361"/>
-            <a:ext cx="2042809" cy="1955992"/>
+            <a:off x="286747" y="2279795"/>
+            <a:ext cx="1612492" cy="1861575"/>
           </a:xfrm>
           <a:prstGeom prst="rect">
             <a:avLst/>
@@ -6575,7 +7850,7 @@
     </p:spTree>
     <p:extLst>
       <p:ext uri="{BB962C8B-B14F-4D97-AF65-F5344CB8AC3E}">
-        <p14:creationId xmlns:p14="http://schemas.microsoft.com/office/powerpoint/2010/main" val="310404465"/>
+        <p14:creationId xmlns:p14="http://schemas.microsoft.com/office/powerpoint/2010/main" val="852876430"/>
       </p:ext>
     </p:extLst>
   </p:cSld>
@@ -6656,8 +7931,8 @@
         </p:nvSpPr>
         <p:spPr>
           <a:xfrm>
-            <a:off x="2042809" y="2207198"/>
-            <a:ext cx="9808339" cy="3023564"/>
+            <a:off x="5112775" y="2207198"/>
+            <a:ext cx="6738373" cy="3023564"/>
           </a:xfrm>
           <a:prstGeom prst="rect">
             <a:avLst/>
@@ -6813,7 +8088,7 @@
             </a:pPr>
             <a:r>
               <a:rPr lang="en-CA" sz="3733" b="1" dirty="0"/>
-              <a:t>Step 6.  Business Model </a:t>
+              <a:t>Step 8.  SWOT (optional)</a:t>
             </a:r>
           </a:p>
           <a:p>
@@ -6825,28 +8100,7 @@
             </a:pPr>
             <a:r>
               <a:rPr lang="en-CA" sz="2400" dirty="0"/>
-              <a:t>Ideally you can pull together a draft top-level forecast of potential revenues and expenses into a draft budget (a detailed forecast not needed now).  What are the estimated projects costs to implement your solution?  Is there enough revenues to cover costs in a sustainable manner?  </a:t>
-            </a:r>
-          </a:p>
-          <a:p>
-            <a:pPr marL="0" indent="0">
-              <a:spcBef>
-                <a:spcPts val="0"/>
-              </a:spcBef>
-              <a:buNone/>
-            </a:pPr>
-            <a:endParaRPr lang="en-CA" sz="2400" dirty="0"/>
-          </a:p>
-          <a:p>
-            <a:pPr marL="0" indent="0">
-              <a:spcBef>
-                <a:spcPts val="0"/>
-              </a:spcBef>
-              <a:buNone/>
-            </a:pPr>
-            <a:r>
-              <a:rPr lang="en-CA" sz="2400" dirty="0"/>
-              <a:t>The most important part is that you can show/articulate the business model, or within the context of sport, show that in a non-for profit model, there would be enough interest to support the solutions. </a:t>
+              <a:t>If you have been able to collect enough information in steps 1 through 7, consider developing a single slide SWOT analysis. </a:t>
             </a:r>
             <a:endParaRPr lang="en-CA" sz="2400" b="1" i="1" dirty="0">
               <a:solidFill>
@@ -6871,60 +8125,32 @@
       </p:sp>
       <p:pic>
         <p:nvPicPr>
-          <p:cNvPr id="7" name="Picture 9"/>
+          <p:cNvPr id="3" name="Picture 2"/>
           <p:cNvPicPr>
             <a:picLocks noChangeAspect="1"/>
           </p:cNvPicPr>
           <p:nvPr/>
         </p:nvPicPr>
-        <p:blipFill rotWithShape="1">
-          <a:blip r:embed="rId3">
-            <a:extLst>
-              <a:ext uri="{28A0092B-C50C-407E-A947-70E740481C1C}">
-                <a14:useLocalDpi xmlns:a14="http://schemas.microsoft.com/office/drawing/2010/main" val="0"/>
-              </a:ext>
-            </a:extLst>
-          </a:blip>
-          <a:srcRect l="72828" t="48990" r="1784"/>
-          <a:stretch/>
+        <p:blipFill>
+          <a:blip r:embed="rId3"/>
+          <a:stretch>
+            <a:fillRect/>
+          </a:stretch>
         </p:blipFill>
-        <p:spPr bwMode="auto">
+        <p:spPr>
           <a:xfrm>
-            <a:off x="194345" y="2569496"/>
-            <a:ext cx="1848464" cy="1989461"/>
+            <a:off x="0" y="1746656"/>
+            <a:ext cx="4840651" cy="4626351"/>
           </a:xfrm>
           <a:prstGeom prst="rect">
             <a:avLst/>
           </a:prstGeom>
-          <a:noFill/>
-          <a:ln>
-            <a:noFill/>
-          </a:ln>
-          <a:extLst>
-            <a:ext uri="{909E8E84-426E-40DD-AFC4-6F175D3DCCD1}">
-              <a14:hiddenFill xmlns:a14="http://schemas.microsoft.com/office/drawing/2010/main">
-                <a:solidFill>
-                  <a:srgbClr val="FFFFFF"/>
-                </a:solidFill>
-              </a14:hiddenFill>
-            </a:ext>
-            <a:ext uri="{91240B29-F687-4F45-9708-019B960494DF}">
-              <a14:hiddenLine xmlns:a14="http://schemas.microsoft.com/office/drawing/2010/main" w="9525">
-                <a:solidFill>
-                  <a:srgbClr val="000000"/>
-                </a:solidFill>
-                <a:miter lim="800000"/>
-                <a:headEnd/>
-                <a:tailEnd/>
-              </a14:hiddenLine>
-            </a:ext>
-          </a:extLst>
         </p:spPr>
       </p:pic>
     </p:spTree>
     <p:extLst>
       <p:ext uri="{BB962C8B-B14F-4D97-AF65-F5344CB8AC3E}">
-        <p14:creationId xmlns:p14="http://schemas.microsoft.com/office/powerpoint/2010/main" val="21241760"/>
+        <p14:creationId xmlns:p14="http://schemas.microsoft.com/office/powerpoint/2010/main" val="2899790007"/>
       </p:ext>
     </p:extLst>
   </p:cSld>

--- a/RTP Resources/RTP_Project_Pitch.pptx
+++ b/RTP Resources/RTP_Project_Pitch.pptx
@@ -5,19 +5,20 @@
     <p:sldMasterId id="2147483672" r:id="rId1"/>
   </p:sldMasterIdLst>
   <p:notesMasterIdLst>
-    <p:notesMasterId r:id="rId12"/>
+    <p:notesMasterId r:id="rId13"/>
   </p:notesMasterIdLst>
   <p:sldIdLst>
     <p:sldId id="258" r:id="rId2"/>
     <p:sldId id="273" r:id="rId3"/>
-    <p:sldId id="272" r:id="rId4"/>
-    <p:sldId id="265" r:id="rId5"/>
-    <p:sldId id="266" r:id="rId6"/>
-    <p:sldId id="267" r:id="rId7"/>
-    <p:sldId id="268" r:id="rId8"/>
-    <p:sldId id="269" r:id="rId9"/>
-    <p:sldId id="274" r:id="rId10"/>
-    <p:sldId id="270" r:id="rId11"/>
+    <p:sldId id="275" r:id="rId4"/>
+    <p:sldId id="272" r:id="rId5"/>
+    <p:sldId id="265" r:id="rId6"/>
+    <p:sldId id="266" r:id="rId7"/>
+    <p:sldId id="267" r:id="rId8"/>
+    <p:sldId id="268" r:id="rId9"/>
+    <p:sldId id="269" r:id="rId10"/>
+    <p:sldId id="274" r:id="rId11"/>
+    <p:sldId id="270" r:id="rId12"/>
   </p:sldIdLst>
   <p:sldSz cx="12192000" cy="6858000"/>
   <p:notesSz cx="6858000" cy="9144000"/>
@@ -137,7 +138,7 @@
   <pc:docChgLst>
     <pc:chgData name="Andrew Kates" userId="8fd5ec3e-c8da-46f6-bbad-ce7a7878ba0f" providerId="ADAL" clId="{F0D6FE74-CB47-FE4E-96FE-DF69C5E3FEE2}"/>
     <pc:docChg chg="undo custSel addSld delSld modSld modMainMaster">
-      <pc:chgData name="Andrew Kates" userId="8fd5ec3e-c8da-46f6-bbad-ce7a7878ba0f" providerId="ADAL" clId="{F0D6FE74-CB47-FE4E-96FE-DF69C5E3FEE2}" dt="2025-09-16T21:51:04.460" v="20347" actId="20577"/>
+      <pc:chgData name="Andrew Kates" userId="8fd5ec3e-c8da-46f6-bbad-ce7a7878ba0f" providerId="ADAL" clId="{F0D6FE74-CB47-FE4E-96FE-DF69C5E3FEE2}" dt="2025-09-24T14:19:24.949" v="20546" actId="20577"/>
       <pc:docMkLst>
         <pc:docMk/>
       </pc:docMkLst>
@@ -323,7 +324,7 @@
         </pc:spChg>
       </pc:sldChg>
       <pc:sldChg chg="addSp delSp modSp add mod modTransition modNotesTx">
-        <pc:chgData name="Andrew Kates" userId="8fd5ec3e-c8da-46f6-bbad-ce7a7878ba0f" providerId="ADAL" clId="{F0D6FE74-CB47-FE4E-96FE-DF69C5E3FEE2}" dt="2025-09-16T14:16:22.640" v="15438"/>
+        <pc:chgData name="Andrew Kates" userId="8fd5ec3e-c8da-46f6-bbad-ce7a7878ba0f" providerId="ADAL" clId="{F0D6FE74-CB47-FE4E-96FE-DF69C5E3FEE2}" dt="2025-09-24T14:19:24.949" v="20546" actId="20577"/>
         <pc:sldMkLst>
           <pc:docMk/>
           <pc:sldMk cId="2177813612" sldId="273"/>
@@ -365,6 +366,36 @@
             <pc:docMk/>
             <pc:sldMk cId="174984669" sldId="274"/>
             <ac:spMk id="3" creationId="{4FD779C0-08B7-4DD0-64BF-7B8F1EFAC4FF}"/>
+          </ac:spMkLst>
+        </pc:spChg>
+      </pc:sldChg>
+      <pc:sldChg chg="modSp add mod">
+        <pc:chgData name="Andrew Kates" userId="8fd5ec3e-c8da-46f6-bbad-ce7a7878ba0f" providerId="ADAL" clId="{F0D6FE74-CB47-FE4E-96FE-DF69C5E3FEE2}" dt="2025-09-23T15:31:36.653" v="20383" actId="20577"/>
+        <pc:sldMkLst>
+          <pc:docMk/>
+          <pc:sldMk cId="404282345" sldId="275"/>
+        </pc:sldMkLst>
+        <pc:spChg chg="mod">
+          <ac:chgData name="Andrew Kates" userId="8fd5ec3e-c8da-46f6-bbad-ce7a7878ba0f" providerId="ADAL" clId="{F0D6FE74-CB47-FE4E-96FE-DF69C5E3FEE2}" dt="2025-09-23T15:31:36.653" v="20383" actId="20577"/>
+          <ac:spMkLst>
+            <pc:docMk/>
+            <pc:sldMk cId="404282345" sldId="275"/>
+            <ac:spMk id="63490" creationId="{3891C7CE-024D-1433-05D1-1D2A71F363B7}"/>
+          </ac:spMkLst>
+        </pc:spChg>
+      </pc:sldChg>
+      <pc:sldChg chg="modSp add del mod">
+        <pc:chgData name="Andrew Kates" userId="8fd5ec3e-c8da-46f6-bbad-ce7a7878ba0f" providerId="ADAL" clId="{F0D6FE74-CB47-FE4E-96FE-DF69C5E3FEE2}" dt="2025-09-23T14:33:06.586" v="20368" actId="2696"/>
+        <pc:sldMkLst>
+          <pc:docMk/>
+          <pc:sldMk cId="2442712031" sldId="275"/>
+        </pc:sldMkLst>
+        <pc:spChg chg="mod">
+          <ac:chgData name="Andrew Kates" userId="8fd5ec3e-c8da-46f6-bbad-ce7a7878ba0f" providerId="ADAL" clId="{F0D6FE74-CB47-FE4E-96FE-DF69C5E3FEE2}" dt="2025-09-23T14:32:20.039" v="20367" actId="20577"/>
+          <ac:spMkLst>
+            <pc:docMk/>
+            <pc:sldMk cId="2442712031" sldId="275"/>
+            <ac:spMk id="63490" creationId="{8E0CF6DA-7C35-CCC8-7214-FF984621F2C2}"/>
           </ac:spMkLst>
         </pc:spChg>
       </pc:sldChg>
@@ -2027,6 +2058,813 @@
 </file>
 
 <file path=ppt/diagrams/colors3.xml><?xml version="1.0" encoding="utf-8"?>
+<dgm:colorsDef xmlns:dgm="http://schemas.openxmlformats.org/drawingml/2006/diagram" xmlns:a="http://schemas.openxmlformats.org/drawingml/2006/main" uniqueId="urn:microsoft.com/office/officeart/2005/8/colors/accent2_1">
+  <dgm:title val=""/>
+  <dgm:desc val=""/>
+  <dgm:catLst>
+    <dgm:cat type="accent2" pri="11100"/>
+  </dgm:catLst>
+  <dgm:styleLbl name="node0">
+    <dgm:fillClrLst meth="repeat">
+      <a:schemeClr val="lt1"/>
+    </dgm:fillClrLst>
+    <dgm:linClrLst meth="repeat">
+      <a:schemeClr val="accent2">
+        <a:shade val="80000"/>
+      </a:schemeClr>
+    </dgm:linClrLst>
+    <dgm:effectClrLst/>
+    <dgm:txLinClrLst/>
+    <dgm:txFillClrLst meth="repeat">
+      <a:schemeClr val="dk1"/>
+    </dgm:txFillClrLst>
+    <dgm:txEffectClrLst/>
+  </dgm:styleLbl>
+  <dgm:styleLbl name="node1">
+    <dgm:fillClrLst meth="repeat">
+      <a:schemeClr val="lt1"/>
+    </dgm:fillClrLst>
+    <dgm:linClrLst meth="repeat">
+      <a:schemeClr val="accent2">
+        <a:shade val="80000"/>
+      </a:schemeClr>
+    </dgm:linClrLst>
+    <dgm:effectClrLst/>
+    <dgm:txLinClrLst/>
+    <dgm:txFillClrLst meth="repeat">
+      <a:schemeClr val="dk1"/>
+    </dgm:txFillClrLst>
+    <dgm:txEffectClrLst/>
+  </dgm:styleLbl>
+  <dgm:styleLbl name="alignNode1">
+    <dgm:fillClrLst meth="repeat">
+      <a:schemeClr val="lt1"/>
+    </dgm:fillClrLst>
+    <dgm:linClrLst meth="repeat">
+      <a:schemeClr val="accent2">
+        <a:shade val="80000"/>
+      </a:schemeClr>
+    </dgm:linClrLst>
+    <dgm:effectClrLst/>
+    <dgm:txLinClrLst/>
+    <dgm:txFillClrLst meth="repeat">
+      <a:schemeClr val="dk1"/>
+    </dgm:txFillClrLst>
+    <dgm:txEffectClrLst/>
+  </dgm:styleLbl>
+  <dgm:styleLbl name="lnNode1">
+    <dgm:fillClrLst meth="repeat">
+      <a:schemeClr val="lt1"/>
+    </dgm:fillClrLst>
+    <dgm:linClrLst meth="repeat">
+      <a:schemeClr val="accent2">
+        <a:shade val="80000"/>
+      </a:schemeClr>
+    </dgm:linClrLst>
+    <dgm:effectClrLst/>
+    <dgm:txLinClrLst/>
+    <dgm:txFillClrLst meth="repeat">
+      <a:schemeClr val="dk1"/>
+    </dgm:txFillClrLst>
+    <dgm:txEffectClrLst/>
+  </dgm:styleLbl>
+  <dgm:styleLbl name="vennNode1">
+    <dgm:fillClrLst meth="repeat">
+      <a:schemeClr val="lt1">
+        <a:alpha val="50000"/>
+      </a:schemeClr>
+    </dgm:fillClrLst>
+    <dgm:linClrLst meth="repeat">
+      <a:schemeClr val="accent2">
+        <a:shade val="80000"/>
+      </a:schemeClr>
+    </dgm:linClrLst>
+    <dgm:effectClrLst/>
+    <dgm:txLinClrLst/>
+    <dgm:txFillClrLst/>
+    <dgm:txEffectClrLst/>
+  </dgm:styleLbl>
+  <dgm:styleLbl name="node2">
+    <dgm:fillClrLst meth="repeat">
+      <a:schemeClr val="lt1"/>
+    </dgm:fillClrLst>
+    <dgm:linClrLst meth="repeat">
+      <a:schemeClr val="accent2">
+        <a:shade val="80000"/>
+      </a:schemeClr>
+    </dgm:linClrLst>
+    <dgm:effectClrLst/>
+    <dgm:txLinClrLst/>
+    <dgm:txFillClrLst meth="repeat">
+      <a:schemeClr val="dk1"/>
+    </dgm:txFillClrLst>
+    <dgm:txEffectClrLst/>
+  </dgm:styleLbl>
+  <dgm:styleLbl name="node3">
+    <dgm:fillClrLst meth="repeat">
+      <a:schemeClr val="lt1"/>
+    </dgm:fillClrLst>
+    <dgm:linClrLst meth="repeat">
+      <a:schemeClr val="accent2">
+        <a:shade val="80000"/>
+      </a:schemeClr>
+    </dgm:linClrLst>
+    <dgm:effectClrLst/>
+    <dgm:txLinClrLst/>
+    <dgm:txFillClrLst meth="repeat">
+      <a:schemeClr val="dk1"/>
+    </dgm:txFillClrLst>
+    <dgm:txEffectClrLst/>
+  </dgm:styleLbl>
+  <dgm:styleLbl name="node4">
+    <dgm:fillClrLst meth="repeat">
+      <a:schemeClr val="lt1"/>
+    </dgm:fillClrLst>
+    <dgm:linClrLst meth="repeat">
+      <a:schemeClr val="accent2">
+        <a:shade val="80000"/>
+      </a:schemeClr>
+    </dgm:linClrLst>
+    <dgm:effectClrLst/>
+    <dgm:txLinClrLst/>
+    <dgm:txFillClrLst meth="repeat">
+      <a:schemeClr val="dk1"/>
+    </dgm:txFillClrLst>
+    <dgm:txEffectClrLst/>
+  </dgm:styleLbl>
+  <dgm:styleLbl name="fgImgPlace1">
+    <dgm:fillClrLst meth="repeat">
+      <a:schemeClr val="accent2">
+        <a:tint val="40000"/>
+      </a:schemeClr>
+    </dgm:fillClrLst>
+    <dgm:linClrLst meth="repeat">
+      <a:schemeClr val="accent2">
+        <a:shade val="80000"/>
+      </a:schemeClr>
+    </dgm:linClrLst>
+    <dgm:effectClrLst/>
+    <dgm:txLinClrLst/>
+    <dgm:txFillClrLst meth="repeat">
+      <a:schemeClr val="lt1"/>
+    </dgm:txFillClrLst>
+    <dgm:txEffectClrLst/>
+  </dgm:styleLbl>
+  <dgm:styleLbl name="alignImgPlace1">
+    <dgm:fillClrLst meth="repeat">
+      <a:schemeClr val="accent2">
+        <a:tint val="40000"/>
+      </a:schemeClr>
+    </dgm:fillClrLst>
+    <dgm:linClrLst meth="repeat">
+      <a:schemeClr val="accent2">
+        <a:shade val="80000"/>
+      </a:schemeClr>
+    </dgm:linClrLst>
+    <dgm:effectClrLst/>
+    <dgm:txLinClrLst/>
+    <dgm:txFillClrLst meth="repeat">
+      <a:schemeClr val="lt1"/>
+    </dgm:txFillClrLst>
+    <dgm:txEffectClrLst/>
+  </dgm:styleLbl>
+  <dgm:styleLbl name="bgImgPlace1">
+    <dgm:fillClrLst meth="repeat">
+      <a:schemeClr val="accent2">
+        <a:tint val="40000"/>
+      </a:schemeClr>
+    </dgm:fillClrLst>
+    <dgm:linClrLst meth="repeat">
+      <a:schemeClr val="accent2">
+        <a:shade val="80000"/>
+      </a:schemeClr>
+    </dgm:linClrLst>
+    <dgm:effectClrLst/>
+    <dgm:txLinClrLst/>
+    <dgm:txFillClrLst meth="repeat">
+      <a:schemeClr val="lt1"/>
+    </dgm:txFillClrLst>
+    <dgm:txEffectClrLst/>
+  </dgm:styleLbl>
+  <dgm:styleLbl name="sibTrans2D1">
+    <dgm:fillClrLst meth="repeat">
+      <a:schemeClr val="accent2">
+        <a:tint val="60000"/>
+      </a:schemeClr>
+    </dgm:fillClrLst>
+    <dgm:linClrLst meth="repeat">
+      <a:schemeClr val="accent2">
+        <a:tint val="60000"/>
+      </a:schemeClr>
+    </dgm:linClrLst>
+    <dgm:effectClrLst/>
+    <dgm:txLinClrLst/>
+    <dgm:txFillClrLst meth="repeat">
+      <a:schemeClr val="dk1"/>
+    </dgm:txFillClrLst>
+    <dgm:txEffectClrLst/>
+  </dgm:styleLbl>
+  <dgm:styleLbl name="fgSibTrans2D1">
+    <dgm:fillClrLst meth="repeat">
+      <a:schemeClr val="accent2">
+        <a:tint val="60000"/>
+      </a:schemeClr>
+    </dgm:fillClrLst>
+    <dgm:linClrLst meth="repeat">
+      <a:schemeClr val="accent2">
+        <a:tint val="60000"/>
+      </a:schemeClr>
+    </dgm:linClrLst>
+    <dgm:effectClrLst/>
+    <dgm:txLinClrLst/>
+    <dgm:txFillClrLst meth="repeat">
+      <a:schemeClr val="dk1"/>
+    </dgm:txFillClrLst>
+    <dgm:txEffectClrLst/>
+  </dgm:styleLbl>
+  <dgm:styleLbl name="bgSibTrans2D1">
+    <dgm:fillClrLst meth="repeat">
+      <a:schemeClr val="accent2">
+        <a:tint val="60000"/>
+      </a:schemeClr>
+    </dgm:fillClrLst>
+    <dgm:linClrLst meth="repeat">
+      <a:schemeClr val="accent2">
+        <a:tint val="60000"/>
+      </a:schemeClr>
+    </dgm:linClrLst>
+    <dgm:effectClrLst/>
+    <dgm:txLinClrLst/>
+    <dgm:txFillClrLst meth="repeat">
+      <a:schemeClr val="dk1"/>
+    </dgm:txFillClrLst>
+    <dgm:txEffectClrLst/>
+  </dgm:styleLbl>
+  <dgm:styleLbl name="sibTrans1D1">
+    <dgm:fillClrLst meth="repeat">
+      <a:schemeClr val="accent2"/>
+    </dgm:fillClrLst>
+    <dgm:linClrLst meth="repeat">
+      <a:schemeClr val="accent2"/>
+    </dgm:linClrLst>
+    <dgm:effectClrLst/>
+    <dgm:txLinClrLst/>
+    <dgm:txFillClrLst meth="repeat">
+      <a:schemeClr val="tx1"/>
+    </dgm:txFillClrLst>
+    <dgm:txEffectClrLst/>
+  </dgm:styleLbl>
+  <dgm:styleLbl name="callout">
+    <dgm:fillClrLst meth="repeat">
+      <a:schemeClr val="accent2"/>
+    </dgm:fillClrLst>
+    <dgm:linClrLst meth="repeat">
+      <a:schemeClr val="accent2"/>
+    </dgm:linClrLst>
+    <dgm:effectClrLst/>
+    <dgm:txLinClrLst/>
+    <dgm:txFillClrLst meth="repeat">
+      <a:schemeClr val="tx1"/>
+    </dgm:txFillClrLst>
+    <dgm:txEffectClrLst/>
+  </dgm:styleLbl>
+  <dgm:styleLbl name="asst0">
+    <dgm:fillClrLst meth="repeat">
+      <a:schemeClr val="lt1"/>
+    </dgm:fillClrLst>
+    <dgm:linClrLst meth="repeat">
+      <a:schemeClr val="accent2">
+        <a:shade val="80000"/>
+      </a:schemeClr>
+    </dgm:linClrLst>
+    <dgm:effectClrLst/>
+    <dgm:txLinClrLst/>
+    <dgm:txFillClrLst meth="repeat">
+      <a:schemeClr val="dk1"/>
+    </dgm:txFillClrLst>
+    <dgm:txEffectClrLst/>
+  </dgm:styleLbl>
+  <dgm:styleLbl name="asst1">
+    <dgm:fillClrLst meth="repeat">
+      <a:schemeClr val="lt1"/>
+    </dgm:fillClrLst>
+    <dgm:linClrLst meth="repeat">
+      <a:schemeClr val="accent2">
+        <a:shade val="80000"/>
+      </a:schemeClr>
+    </dgm:linClrLst>
+    <dgm:effectClrLst/>
+    <dgm:txLinClrLst/>
+    <dgm:txFillClrLst meth="repeat">
+      <a:schemeClr val="dk1"/>
+    </dgm:txFillClrLst>
+    <dgm:txEffectClrLst/>
+  </dgm:styleLbl>
+  <dgm:styleLbl name="asst2">
+    <dgm:fillClrLst meth="repeat">
+      <a:schemeClr val="lt1"/>
+    </dgm:fillClrLst>
+    <dgm:linClrLst meth="repeat">
+      <a:schemeClr val="accent2">
+        <a:shade val="80000"/>
+      </a:schemeClr>
+    </dgm:linClrLst>
+    <dgm:effectClrLst/>
+    <dgm:txLinClrLst/>
+    <dgm:txFillClrLst meth="repeat">
+      <a:schemeClr val="dk1"/>
+    </dgm:txFillClrLst>
+    <dgm:txEffectClrLst/>
+  </dgm:styleLbl>
+  <dgm:styleLbl name="asst3">
+    <dgm:fillClrLst meth="repeat">
+      <a:schemeClr val="lt1"/>
+    </dgm:fillClrLst>
+    <dgm:linClrLst meth="repeat">
+      <a:schemeClr val="accent2">
+        <a:shade val="80000"/>
+      </a:schemeClr>
+    </dgm:linClrLst>
+    <dgm:effectClrLst/>
+    <dgm:txLinClrLst/>
+    <dgm:txFillClrLst meth="repeat">
+      <a:schemeClr val="dk1"/>
+    </dgm:txFillClrLst>
+    <dgm:txEffectClrLst/>
+  </dgm:styleLbl>
+  <dgm:styleLbl name="asst4">
+    <dgm:fillClrLst meth="repeat">
+      <a:schemeClr val="lt1"/>
+    </dgm:fillClrLst>
+    <dgm:linClrLst meth="repeat">
+      <a:schemeClr val="accent2">
+        <a:shade val="80000"/>
+      </a:schemeClr>
+    </dgm:linClrLst>
+    <dgm:effectClrLst/>
+    <dgm:txLinClrLst/>
+    <dgm:txFillClrLst meth="repeat">
+      <a:schemeClr val="dk1"/>
+    </dgm:txFillClrLst>
+    <dgm:txEffectClrLst/>
+  </dgm:styleLbl>
+  <dgm:styleLbl name="parChTrans2D1">
+    <dgm:fillClrLst meth="repeat">
+      <a:schemeClr val="accent2">
+        <a:tint val="60000"/>
+      </a:schemeClr>
+    </dgm:fillClrLst>
+    <dgm:linClrLst meth="repeat">
+      <a:schemeClr val="accent2">
+        <a:tint val="60000"/>
+      </a:schemeClr>
+    </dgm:linClrLst>
+    <dgm:effectClrLst/>
+    <dgm:txLinClrLst/>
+    <dgm:txFillClrLst/>
+    <dgm:txEffectClrLst/>
+  </dgm:styleLbl>
+  <dgm:styleLbl name="parChTrans2D2">
+    <dgm:fillClrLst meth="repeat">
+      <a:schemeClr val="accent2"/>
+    </dgm:fillClrLst>
+    <dgm:linClrLst meth="repeat">
+      <a:schemeClr val="accent2"/>
+    </dgm:linClrLst>
+    <dgm:effectClrLst/>
+    <dgm:txLinClrLst/>
+    <dgm:txFillClrLst/>
+    <dgm:txEffectClrLst/>
+  </dgm:styleLbl>
+  <dgm:styleLbl name="parChTrans2D3">
+    <dgm:fillClrLst meth="repeat">
+      <a:schemeClr val="accent2"/>
+    </dgm:fillClrLst>
+    <dgm:linClrLst meth="repeat">
+      <a:schemeClr val="accent2"/>
+    </dgm:linClrLst>
+    <dgm:effectClrLst/>
+    <dgm:txLinClrLst/>
+    <dgm:txFillClrLst/>
+    <dgm:txEffectClrLst/>
+  </dgm:styleLbl>
+  <dgm:styleLbl name="parChTrans2D4">
+    <dgm:fillClrLst meth="repeat">
+      <a:schemeClr val="accent2"/>
+    </dgm:fillClrLst>
+    <dgm:linClrLst meth="repeat">
+      <a:schemeClr val="accent2"/>
+    </dgm:linClrLst>
+    <dgm:effectClrLst/>
+    <dgm:txLinClrLst/>
+    <dgm:txFillClrLst meth="repeat">
+      <a:schemeClr val="lt1"/>
+    </dgm:txFillClrLst>
+    <dgm:txEffectClrLst/>
+  </dgm:styleLbl>
+  <dgm:styleLbl name="parChTrans1D1">
+    <dgm:fillClrLst meth="repeat">
+      <a:schemeClr val="accent2"/>
+    </dgm:fillClrLst>
+    <dgm:linClrLst meth="repeat">
+      <a:schemeClr val="accent2">
+        <a:shade val="60000"/>
+      </a:schemeClr>
+    </dgm:linClrLst>
+    <dgm:effectClrLst/>
+    <dgm:txLinClrLst/>
+    <dgm:txFillClrLst meth="repeat">
+      <a:schemeClr val="tx1"/>
+    </dgm:txFillClrLst>
+    <dgm:txEffectClrLst/>
+  </dgm:styleLbl>
+  <dgm:styleLbl name="parChTrans1D2">
+    <dgm:fillClrLst meth="repeat">
+      <a:schemeClr val="accent2"/>
+    </dgm:fillClrLst>
+    <dgm:linClrLst meth="repeat">
+      <a:schemeClr val="accent2">
+        <a:shade val="60000"/>
+      </a:schemeClr>
+    </dgm:linClrLst>
+    <dgm:effectClrLst/>
+    <dgm:txLinClrLst/>
+    <dgm:txFillClrLst meth="repeat">
+      <a:schemeClr val="tx1"/>
+    </dgm:txFillClrLst>
+    <dgm:txEffectClrLst/>
+  </dgm:styleLbl>
+  <dgm:styleLbl name="parChTrans1D3">
+    <dgm:fillClrLst meth="repeat">
+      <a:schemeClr val="accent2"/>
+    </dgm:fillClrLst>
+    <dgm:linClrLst meth="repeat">
+      <a:schemeClr val="accent2">
+        <a:shade val="80000"/>
+      </a:schemeClr>
+    </dgm:linClrLst>
+    <dgm:effectClrLst/>
+    <dgm:txLinClrLst/>
+    <dgm:txFillClrLst meth="repeat">
+      <a:schemeClr val="tx1"/>
+    </dgm:txFillClrLst>
+    <dgm:txEffectClrLst/>
+  </dgm:styleLbl>
+  <dgm:styleLbl name="parChTrans1D4">
+    <dgm:fillClrLst meth="repeat">
+      <a:schemeClr val="accent2"/>
+    </dgm:fillClrLst>
+    <dgm:linClrLst meth="repeat">
+      <a:schemeClr val="accent2">
+        <a:shade val="80000"/>
+      </a:schemeClr>
+    </dgm:linClrLst>
+    <dgm:effectClrLst/>
+    <dgm:txLinClrLst/>
+    <dgm:txFillClrLst meth="repeat">
+      <a:schemeClr val="tx1"/>
+    </dgm:txFillClrLst>
+    <dgm:txEffectClrLst/>
+  </dgm:styleLbl>
+  <dgm:styleLbl name="fgAcc1">
+    <dgm:fillClrLst meth="repeat">
+      <a:schemeClr val="accent2">
+        <a:alpha val="90000"/>
+        <a:tint val="40000"/>
+      </a:schemeClr>
+    </dgm:fillClrLst>
+    <dgm:linClrLst meth="repeat">
+      <a:schemeClr val="accent2"/>
+    </dgm:linClrLst>
+    <dgm:effectClrLst/>
+    <dgm:txLinClrLst/>
+    <dgm:txFillClrLst meth="repeat">
+      <a:schemeClr val="dk1"/>
+    </dgm:txFillClrLst>
+    <dgm:txEffectClrLst/>
+  </dgm:styleLbl>
+  <dgm:styleLbl name="conFgAcc1">
+    <dgm:fillClrLst meth="repeat">
+      <a:schemeClr val="accent2">
+        <a:alpha val="90000"/>
+        <a:tint val="40000"/>
+      </a:schemeClr>
+    </dgm:fillClrLst>
+    <dgm:linClrLst meth="repeat">
+      <a:schemeClr val="accent2"/>
+    </dgm:linClrLst>
+    <dgm:effectClrLst/>
+    <dgm:txLinClrLst/>
+    <dgm:txFillClrLst meth="repeat">
+      <a:schemeClr val="dk1"/>
+    </dgm:txFillClrLst>
+    <dgm:txEffectClrLst/>
+  </dgm:styleLbl>
+  <dgm:styleLbl name="alignAcc1">
+    <dgm:fillClrLst meth="repeat">
+      <a:schemeClr val="accent2">
+        <a:alpha val="90000"/>
+        <a:tint val="40000"/>
+      </a:schemeClr>
+    </dgm:fillClrLst>
+    <dgm:linClrLst meth="repeat">
+      <a:schemeClr val="accent2"/>
+    </dgm:linClrLst>
+    <dgm:effectClrLst/>
+    <dgm:txLinClrLst/>
+    <dgm:txFillClrLst meth="repeat">
+      <a:schemeClr val="dk1"/>
+    </dgm:txFillClrLst>
+    <dgm:txEffectClrLst/>
+  </dgm:styleLbl>
+  <dgm:styleLbl name="trAlignAcc1">
+    <dgm:fillClrLst meth="repeat">
+      <a:schemeClr val="accent2">
+        <a:alpha val="40000"/>
+        <a:tint val="40000"/>
+      </a:schemeClr>
+    </dgm:fillClrLst>
+    <dgm:linClrLst meth="repeat">
+      <a:schemeClr val="accent2"/>
+    </dgm:linClrLst>
+    <dgm:effectClrLst/>
+    <dgm:txLinClrLst/>
+    <dgm:txFillClrLst meth="repeat">
+      <a:schemeClr val="dk1"/>
+    </dgm:txFillClrLst>
+    <dgm:txEffectClrLst/>
+  </dgm:styleLbl>
+  <dgm:styleLbl name="bgAcc1">
+    <dgm:fillClrLst meth="repeat">
+      <a:schemeClr val="accent2">
+        <a:alpha val="90000"/>
+        <a:tint val="40000"/>
+      </a:schemeClr>
+    </dgm:fillClrLst>
+    <dgm:linClrLst meth="repeat">
+      <a:schemeClr val="accent2"/>
+    </dgm:linClrLst>
+    <dgm:effectClrLst/>
+    <dgm:txLinClrLst/>
+    <dgm:txFillClrLst meth="repeat">
+      <a:schemeClr val="dk1"/>
+    </dgm:txFillClrLst>
+    <dgm:txEffectClrLst/>
+  </dgm:styleLbl>
+  <dgm:styleLbl name="solidFgAcc1">
+    <dgm:fillClrLst meth="repeat">
+      <a:schemeClr val="lt1"/>
+    </dgm:fillClrLst>
+    <dgm:linClrLst meth="repeat">
+      <a:schemeClr val="accent2"/>
+    </dgm:linClrLst>
+    <dgm:effectClrLst/>
+    <dgm:txLinClrLst/>
+    <dgm:txFillClrLst meth="repeat">
+      <a:schemeClr val="dk1"/>
+    </dgm:txFillClrLst>
+    <dgm:txEffectClrLst/>
+  </dgm:styleLbl>
+  <dgm:styleLbl name="solidAlignAcc1">
+    <dgm:fillClrLst meth="repeat">
+      <a:schemeClr val="lt1"/>
+    </dgm:fillClrLst>
+    <dgm:linClrLst meth="repeat">
+      <a:schemeClr val="accent2"/>
+    </dgm:linClrLst>
+    <dgm:effectClrLst/>
+    <dgm:txLinClrLst/>
+    <dgm:txFillClrLst meth="repeat">
+      <a:schemeClr val="dk1"/>
+    </dgm:txFillClrLst>
+    <dgm:txEffectClrLst/>
+  </dgm:styleLbl>
+  <dgm:styleLbl name="solidBgAcc1">
+    <dgm:fillClrLst meth="repeat">
+      <a:schemeClr val="lt1"/>
+    </dgm:fillClrLst>
+    <dgm:linClrLst meth="repeat">
+      <a:schemeClr val="accent2"/>
+    </dgm:linClrLst>
+    <dgm:effectClrLst/>
+    <dgm:txLinClrLst/>
+    <dgm:txFillClrLst meth="repeat">
+      <a:schemeClr val="dk1"/>
+    </dgm:txFillClrLst>
+    <dgm:txEffectClrLst/>
+  </dgm:styleLbl>
+  <dgm:styleLbl name="fgAccFollowNode1">
+    <dgm:fillClrLst meth="repeat">
+      <a:schemeClr val="lt1">
+        <a:alpha val="90000"/>
+        <a:tint val="40000"/>
+      </a:schemeClr>
+    </dgm:fillClrLst>
+    <dgm:linClrLst meth="repeat">
+      <a:schemeClr val="accent2">
+        <a:alpha val="90000"/>
+      </a:schemeClr>
+    </dgm:linClrLst>
+    <dgm:effectClrLst/>
+    <dgm:txLinClrLst/>
+    <dgm:txFillClrLst meth="repeat">
+      <a:schemeClr val="dk1"/>
+    </dgm:txFillClrLst>
+    <dgm:txEffectClrLst/>
+  </dgm:styleLbl>
+  <dgm:styleLbl name="alignAccFollowNode1">
+    <dgm:fillClrLst meth="repeat">
+      <a:schemeClr val="lt1">
+        <a:alpha val="90000"/>
+        <a:tint val="40000"/>
+      </a:schemeClr>
+    </dgm:fillClrLst>
+    <dgm:linClrLst meth="repeat">
+      <a:schemeClr val="accent2">
+        <a:alpha val="90000"/>
+      </a:schemeClr>
+    </dgm:linClrLst>
+    <dgm:effectClrLst/>
+    <dgm:txLinClrLst/>
+    <dgm:txFillClrLst meth="repeat">
+      <a:schemeClr val="dk1"/>
+    </dgm:txFillClrLst>
+    <dgm:txEffectClrLst/>
+  </dgm:styleLbl>
+  <dgm:styleLbl name="bgAccFollowNode1">
+    <dgm:fillClrLst meth="repeat">
+      <a:schemeClr val="lt1">
+        <a:alpha val="90000"/>
+        <a:tint val="40000"/>
+      </a:schemeClr>
+    </dgm:fillClrLst>
+    <dgm:linClrLst meth="repeat">
+      <a:schemeClr val="accent2">
+        <a:alpha val="90000"/>
+      </a:schemeClr>
+    </dgm:linClrLst>
+    <dgm:effectClrLst/>
+    <dgm:txLinClrLst/>
+    <dgm:txFillClrLst meth="repeat">
+      <a:schemeClr val="dk1"/>
+    </dgm:txFillClrLst>
+    <dgm:txEffectClrLst/>
+  </dgm:styleLbl>
+  <dgm:styleLbl name="fgAcc0">
+    <dgm:fillClrLst meth="repeat">
+      <a:schemeClr val="accent2">
+        <a:alpha val="90000"/>
+        <a:tint val="40000"/>
+      </a:schemeClr>
+    </dgm:fillClrLst>
+    <dgm:linClrLst meth="repeat">
+      <a:schemeClr val="accent2"/>
+    </dgm:linClrLst>
+    <dgm:effectClrLst/>
+    <dgm:txLinClrLst/>
+    <dgm:txFillClrLst meth="repeat">
+      <a:schemeClr val="dk1"/>
+    </dgm:txFillClrLst>
+    <dgm:txEffectClrLst/>
+  </dgm:styleLbl>
+  <dgm:styleLbl name="fgAcc2">
+    <dgm:fillClrLst meth="repeat">
+      <a:schemeClr val="accent2">
+        <a:alpha val="90000"/>
+        <a:tint val="40000"/>
+      </a:schemeClr>
+    </dgm:fillClrLst>
+    <dgm:linClrLst meth="repeat">
+      <a:schemeClr val="accent2"/>
+    </dgm:linClrLst>
+    <dgm:effectClrLst/>
+    <dgm:txLinClrLst/>
+    <dgm:txFillClrLst meth="repeat">
+      <a:schemeClr val="dk1"/>
+    </dgm:txFillClrLst>
+    <dgm:txEffectClrLst/>
+  </dgm:styleLbl>
+  <dgm:styleLbl name="fgAcc3">
+    <dgm:fillClrLst meth="repeat">
+      <a:schemeClr val="accent2">
+        <a:alpha val="90000"/>
+        <a:tint val="40000"/>
+      </a:schemeClr>
+    </dgm:fillClrLst>
+    <dgm:linClrLst meth="repeat">
+      <a:schemeClr val="accent2"/>
+    </dgm:linClrLst>
+    <dgm:effectClrLst/>
+    <dgm:txLinClrLst/>
+    <dgm:txFillClrLst meth="repeat">
+      <a:schemeClr val="dk1"/>
+    </dgm:txFillClrLst>
+    <dgm:txEffectClrLst/>
+  </dgm:styleLbl>
+  <dgm:styleLbl name="fgAcc4">
+    <dgm:fillClrLst meth="repeat">
+      <a:schemeClr val="accent2">
+        <a:alpha val="90000"/>
+        <a:tint val="40000"/>
+      </a:schemeClr>
+    </dgm:fillClrLst>
+    <dgm:linClrLst meth="repeat">
+      <a:schemeClr val="accent2"/>
+    </dgm:linClrLst>
+    <dgm:effectClrLst/>
+    <dgm:txLinClrLst/>
+    <dgm:txFillClrLst meth="repeat">
+      <a:schemeClr val="dk1"/>
+    </dgm:txFillClrLst>
+    <dgm:txEffectClrLst/>
+  </dgm:styleLbl>
+  <dgm:styleLbl name="bgShp">
+    <dgm:fillClrLst meth="repeat">
+      <a:schemeClr val="accent2">
+        <a:tint val="40000"/>
+      </a:schemeClr>
+    </dgm:fillClrLst>
+    <dgm:linClrLst meth="repeat">
+      <a:schemeClr val="accent2"/>
+    </dgm:linClrLst>
+    <dgm:effectClrLst/>
+    <dgm:txLinClrLst/>
+    <dgm:txFillClrLst meth="repeat">
+      <a:schemeClr val="dk1"/>
+    </dgm:txFillClrLst>
+    <dgm:txEffectClrLst/>
+  </dgm:styleLbl>
+  <dgm:styleLbl name="dkBgShp">
+    <dgm:fillClrLst meth="repeat">
+      <a:schemeClr val="accent2">
+        <a:shade val="80000"/>
+      </a:schemeClr>
+    </dgm:fillClrLst>
+    <dgm:linClrLst meth="repeat">
+      <a:schemeClr val="accent2"/>
+    </dgm:linClrLst>
+    <dgm:effectClrLst/>
+    <dgm:txLinClrLst/>
+    <dgm:txFillClrLst meth="repeat">
+      <a:schemeClr val="lt1"/>
+    </dgm:txFillClrLst>
+    <dgm:txEffectClrLst/>
+  </dgm:styleLbl>
+  <dgm:styleLbl name="trBgShp">
+    <dgm:fillClrLst meth="repeat">
+      <a:schemeClr val="accent2">
+        <a:tint val="50000"/>
+        <a:alpha val="40000"/>
+      </a:schemeClr>
+    </dgm:fillClrLst>
+    <dgm:linClrLst meth="repeat">
+      <a:schemeClr val="accent2"/>
+    </dgm:linClrLst>
+    <dgm:effectClrLst/>
+    <dgm:txLinClrLst/>
+    <dgm:txFillClrLst meth="repeat">
+      <a:schemeClr val="lt1"/>
+    </dgm:txFillClrLst>
+    <dgm:txEffectClrLst/>
+  </dgm:styleLbl>
+  <dgm:styleLbl name="fgShp">
+    <dgm:fillClrLst meth="repeat">
+      <a:schemeClr val="accent2">
+        <a:tint val="60000"/>
+      </a:schemeClr>
+    </dgm:fillClrLst>
+    <dgm:linClrLst meth="repeat">
+      <a:schemeClr val="lt1"/>
+    </dgm:linClrLst>
+    <dgm:effectClrLst/>
+    <dgm:txLinClrLst/>
+    <dgm:txFillClrLst meth="repeat">
+      <a:schemeClr val="dk1"/>
+    </dgm:txFillClrLst>
+    <dgm:txEffectClrLst/>
+  </dgm:styleLbl>
+  <dgm:styleLbl name="revTx">
+    <dgm:fillClrLst meth="repeat">
+      <a:schemeClr val="lt1">
+        <a:alpha val="0"/>
+      </a:schemeClr>
+    </dgm:fillClrLst>
+    <dgm:linClrLst meth="repeat">
+      <a:schemeClr val="dk1">
+        <a:alpha val="0"/>
+      </a:schemeClr>
+    </dgm:linClrLst>
+    <dgm:effectClrLst/>
+    <dgm:txLinClrLst/>
+    <dgm:txFillClrLst meth="repeat">
+      <a:schemeClr val="tx1"/>
+    </dgm:txFillClrLst>
+    <dgm:txEffectClrLst/>
+  </dgm:styleLbl>
+</dgm:colorsDef>
+</file>
+
+<file path=ppt/diagrams/colors4.xml><?xml version="1.0" encoding="utf-8"?>
 <dgm:colorsDef xmlns:dgm="http://schemas.openxmlformats.org/drawingml/2006/diagram" xmlns:a="http://schemas.openxmlformats.org/drawingml/2006/main" uniqueId="urn:microsoft.com/office/officeart/2005/8/colors/colorful2">
   <dgm:title val=""/>
   <dgm:desc val=""/>
@@ -3309,6 +4147,506 @@
 </file>
 
 <file path=ppt/diagrams/data2.xml><?xml version="1.0" encoding="utf-8"?>
+<dgm:dataModel xmlns:dgm="http://schemas.openxmlformats.org/drawingml/2006/diagram" xmlns:a="http://schemas.openxmlformats.org/drawingml/2006/main">
+  <dgm:ptLst>
+    <dgm:pt modelId="{A625D9CB-4F86-8445-B364-AFEE196C616A}" type="doc">
+      <dgm:prSet loTypeId="urn:microsoft.com/office/officeart/2008/layout/HalfCircleOrganizationChart" loCatId="" qsTypeId="urn:microsoft.com/office/officeart/2005/8/quickstyle/simple1" qsCatId="simple" csTypeId="urn:microsoft.com/office/officeart/2005/8/colors/accent2_1" csCatId="accent2" phldr="1"/>
+      <dgm:spPr/>
+      <dgm:t>
+        <a:bodyPr/>
+        <a:lstStyle/>
+        <a:p>
+          <a:endParaRPr lang="en-US"/>
+        </a:p>
+      </dgm:t>
+    </dgm:pt>
+    <dgm:pt modelId="{6935F12B-D38F-094A-8D5C-5B26F9643625}">
+      <dgm:prSet phldrT="[Text]" custT="1"/>
+      <dgm:spPr/>
+      <dgm:t>
+        <a:bodyPr/>
+        <a:lstStyle/>
+        <a:p>
+          <a:r>
+            <a:rPr lang="en-US" sz="3200" dirty="0"/>
+            <a:t>CSIP does not have a RTP protocol </a:t>
+          </a:r>
+        </a:p>
+      </dgm:t>
+    </dgm:pt>
+    <dgm:pt modelId="{5F198566-F79E-7E4C-B3D1-98A4EEA88449}" type="parTrans" cxnId="{191FD49E-64C7-C44A-98E5-BFA3666BCADA}">
+      <dgm:prSet/>
+      <dgm:spPr/>
+      <dgm:t>
+        <a:bodyPr/>
+        <a:lstStyle/>
+        <a:p>
+          <a:endParaRPr lang="en-US"/>
+        </a:p>
+      </dgm:t>
+    </dgm:pt>
+    <dgm:pt modelId="{15B0D810-80D0-8A4D-96D9-630E5BD82E7E}" type="sibTrans" cxnId="{191FD49E-64C7-C44A-98E5-BFA3666BCADA}">
+      <dgm:prSet/>
+      <dgm:spPr/>
+      <dgm:t>
+        <a:bodyPr/>
+        <a:lstStyle/>
+        <a:p>
+          <a:endParaRPr lang="en-US"/>
+        </a:p>
+      </dgm:t>
+    </dgm:pt>
+    <dgm:pt modelId="{7C3A382A-A241-0941-8ED5-48CF9321C564}">
+      <dgm:prSet phldrT="[Text]"/>
+      <dgm:spPr/>
+      <dgm:t>
+        <a:bodyPr/>
+        <a:lstStyle/>
+        <a:p>
+          <a:r>
+            <a:rPr lang="en-US" dirty="0"/>
+            <a:t>Disconnected Performance Data</a:t>
+          </a:r>
+        </a:p>
+      </dgm:t>
+    </dgm:pt>
+    <dgm:pt modelId="{5B69D62E-8D14-0D4A-81C9-63B83D08E595}" type="parTrans" cxnId="{64C4357E-4B06-8F48-9145-BBF78345BF6B}">
+      <dgm:prSet/>
+      <dgm:spPr/>
+      <dgm:t>
+        <a:bodyPr/>
+        <a:lstStyle/>
+        <a:p>
+          <a:endParaRPr lang="en-US"/>
+        </a:p>
+      </dgm:t>
+    </dgm:pt>
+    <dgm:pt modelId="{196E5C51-1DEA-934E-B8C6-209DE676F97E}" type="sibTrans" cxnId="{64C4357E-4B06-8F48-9145-BBF78345BF6B}">
+      <dgm:prSet/>
+      <dgm:spPr/>
+      <dgm:t>
+        <a:bodyPr/>
+        <a:lstStyle/>
+        <a:p>
+          <a:endParaRPr lang="en-US"/>
+        </a:p>
+      </dgm:t>
+    </dgm:pt>
+    <dgm:pt modelId="{AF4E3339-89FC-DE41-A989-951684ED3B08}">
+      <dgm:prSet phldrT="[Text]"/>
+      <dgm:spPr/>
+      <dgm:t>
+        <a:bodyPr/>
+        <a:lstStyle/>
+        <a:p>
+          <a:r>
+            <a:rPr lang="en-US" dirty="0"/>
+            <a:t>Inefficient Programming</a:t>
+          </a:r>
+        </a:p>
+      </dgm:t>
+    </dgm:pt>
+    <dgm:pt modelId="{5759E8D4-1291-9946-B33E-B60F025FF5D9}" type="parTrans" cxnId="{1ED5E33A-B4DD-B941-8F19-014FC2E23C76}">
+      <dgm:prSet/>
+      <dgm:spPr/>
+      <dgm:t>
+        <a:bodyPr/>
+        <a:lstStyle/>
+        <a:p>
+          <a:endParaRPr lang="en-US"/>
+        </a:p>
+      </dgm:t>
+    </dgm:pt>
+    <dgm:pt modelId="{9978B80D-91FA-8E40-AC10-48D5DAAA6274}" type="sibTrans" cxnId="{1ED5E33A-B4DD-B941-8F19-014FC2E23C76}">
+      <dgm:prSet/>
+      <dgm:spPr/>
+      <dgm:t>
+        <a:bodyPr/>
+        <a:lstStyle/>
+        <a:p>
+          <a:endParaRPr lang="en-US"/>
+        </a:p>
+      </dgm:t>
+    </dgm:pt>
+    <dgm:pt modelId="{261B1C22-54F4-6347-B725-5EED615D7F23}">
+      <dgm:prSet phldrT="[Text]"/>
+      <dgm:spPr/>
+      <dgm:t>
+        <a:bodyPr/>
+        <a:lstStyle/>
+        <a:p>
+          <a:r>
+            <a:rPr lang="en-US" dirty="0"/>
+            <a:t>Poor Communication and Collaboration</a:t>
+          </a:r>
+        </a:p>
+      </dgm:t>
+    </dgm:pt>
+    <dgm:pt modelId="{22E8A833-C2C7-1843-A048-F4E12869B168}" type="parTrans" cxnId="{38165F73-E488-D045-B67D-1D2F6A57A6F2}">
+      <dgm:prSet/>
+      <dgm:spPr/>
+      <dgm:t>
+        <a:bodyPr/>
+        <a:lstStyle/>
+        <a:p>
+          <a:endParaRPr lang="en-US"/>
+        </a:p>
+      </dgm:t>
+    </dgm:pt>
+    <dgm:pt modelId="{2ECDB626-724B-E54E-9432-8C38CCB5B396}" type="sibTrans" cxnId="{38165F73-E488-D045-B67D-1D2F6A57A6F2}">
+      <dgm:prSet/>
+      <dgm:spPr/>
+      <dgm:t>
+        <a:bodyPr/>
+        <a:lstStyle/>
+        <a:p>
+          <a:endParaRPr lang="en-US"/>
+        </a:p>
+      </dgm:t>
+    </dgm:pt>
+    <dgm:pt modelId="{FAABAFCE-3504-3C48-93B7-F52065DEFCE0}">
+      <dgm:prSet/>
+      <dgm:spPr/>
+      <dgm:t>
+        <a:bodyPr/>
+        <a:lstStyle/>
+        <a:p>
+          <a:r>
+            <a:rPr lang="en-US" dirty="0"/>
+            <a:t>Lost Innovation Opportunities</a:t>
+          </a:r>
+        </a:p>
+      </dgm:t>
+    </dgm:pt>
+    <dgm:pt modelId="{2A992B27-AEA5-534F-A54A-863A1AE06019}" type="parTrans" cxnId="{CAE02FF7-2D86-C644-BD95-275651120574}">
+      <dgm:prSet/>
+      <dgm:spPr/>
+      <dgm:t>
+        <a:bodyPr/>
+        <a:lstStyle/>
+        <a:p>
+          <a:endParaRPr lang="en-US"/>
+        </a:p>
+      </dgm:t>
+    </dgm:pt>
+    <dgm:pt modelId="{2A378D77-CB20-6046-8930-F17B669AD3AB}" type="sibTrans" cxnId="{CAE02FF7-2D86-C644-BD95-275651120574}">
+      <dgm:prSet/>
+      <dgm:spPr/>
+      <dgm:t>
+        <a:bodyPr/>
+        <a:lstStyle/>
+        <a:p>
+          <a:endParaRPr lang="en-US"/>
+        </a:p>
+      </dgm:t>
+    </dgm:pt>
+    <dgm:pt modelId="{130DA10F-1AE9-AD42-B520-CE6F38B26021}" type="pres">
+      <dgm:prSet presAssocID="{A625D9CB-4F86-8445-B364-AFEE196C616A}" presName="Name0" presStyleCnt="0">
+        <dgm:presLayoutVars>
+          <dgm:orgChart val="1"/>
+          <dgm:chPref val="1"/>
+          <dgm:dir/>
+          <dgm:animOne val="branch"/>
+          <dgm:animLvl val="lvl"/>
+          <dgm:resizeHandles/>
+        </dgm:presLayoutVars>
+      </dgm:prSet>
+      <dgm:spPr/>
+    </dgm:pt>
+    <dgm:pt modelId="{36554365-85F0-2541-AB2F-1BFCBB146E45}" type="pres">
+      <dgm:prSet presAssocID="{6935F12B-D38F-094A-8D5C-5B26F9643625}" presName="hierRoot1" presStyleCnt="0">
+        <dgm:presLayoutVars>
+          <dgm:hierBranch val="init"/>
+        </dgm:presLayoutVars>
+      </dgm:prSet>
+      <dgm:spPr/>
+    </dgm:pt>
+    <dgm:pt modelId="{A7AB8439-9ABB-BD4C-AEB5-E236BE3D5844}" type="pres">
+      <dgm:prSet presAssocID="{6935F12B-D38F-094A-8D5C-5B26F9643625}" presName="rootComposite1" presStyleCnt="0"/>
+      <dgm:spPr/>
+    </dgm:pt>
+    <dgm:pt modelId="{8FC99A7A-414C-824B-8925-908AC60C779A}" type="pres">
+      <dgm:prSet presAssocID="{6935F12B-D38F-094A-8D5C-5B26F9643625}" presName="rootText1" presStyleLbl="alignAcc1" presStyleIdx="0" presStyleCnt="0" custScaleX="203874" custScaleY="227467">
+        <dgm:presLayoutVars>
+          <dgm:chPref val="3"/>
+        </dgm:presLayoutVars>
+      </dgm:prSet>
+      <dgm:spPr/>
+    </dgm:pt>
+    <dgm:pt modelId="{42397D52-6448-B343-A4C5-09F904C9933A}" type="pres">
+      <dgm:prSet presAssocID="{6935F12B-D38F-094A-8D5C-5B26F9643625}" presName="topArc1" presStyleLbl="parChTrans1D1" presStyleIdx="0" presStyleCnt="10"/>
+      <dgm:spPr/>
+    </dgm:pt>
+    <dgm:pt modelId="{441A82F6-E6D6-0448-8D0B-A63B3B6918BF}" type="pres">
+      <dgm:prSet presAssocID="{6935F12B-D38F-094A-8D5C-5B26F9643625}" presName="bottomArc1" presStyleLbl="parChTrans1D1" presStyleIdx="1" presStyleCnt="10"/>
+      <dgm:spPr/>
+    </dgm:pt>
+    <dgm:pt modelId="{98B40A6F-2AE8-7D4C-9E48-75CF6FF623B2}" type="pres">
+      <dgm:prSet presAssocID="{6935F12B-D38F-094A-8D5C-5B26F9643625}" presName="topConnNode1" presStyleLbl="node1" presStyleIdx="0" presStyleCnt="0"/>
+      <dgm:spPr/>
+    </dgm:pt>
+    <dgm:pt modelId="{46B92979-2119-634C-867F-9994E4B807A1}" type="pres">
+      <dgm:prSet presAssocID="{6935F12B-D38F-094A-8D5C-5B26F9643625}" presName="hierChild2" presStyleCnt="0"/>
+      <dgm:spPr/>
+    </dgm:pt>
+    <dgm:pt modelId="{6F67079F-F72F-5340-9FF7-26B37D79A39C}" type="pres">
+      <dgm:prSet presAssocID="{5B69D62E-8D14-0D4A-81C9-63B83D08E595}" presName="Name28" presStyleLbl="parChTrans1D2" presStyleIdx="0" presStyleCnt="4"/>
+      <dgm:spPr/>
+    </dgm:pt>
+    <dgm:pt modelId="{39BE4E4F-1782-B34F-A81C-7B0C74D476A7}" type="pres">
+      <dgm:prSet presAssocID="{7C3A382A-A241-0941-8ED5-48CF9321C564}" presName="hierRoot2" presStyleCnt="0">
+        <dgm:presLayoutVars>
+          <dgm:hierBranch val="init"/>
+        </dgm:presLayoutVars>
+      </dgm:prSet>
+      <dgm:spPr/>
+    </dgm:pt>
+    <dgm:pt modelId="{1997EE5D-7CEF-5044-A6BB-54BAB67CE6B0}" type="pres">
+      <dgm:prSet presAssocID="{7C3A382A-A241-0941-8ED5-48CF9321C564}" presName="rootComposite2" presStyleCnt="0"/>
+      <dgm:spPr/>
+    </dgm:pt>
+    <dgm:pt modelId="{32593006-C3A1-A147-8343-B00CF6523CA6}" type="pres">
+      <dgm:prSet presAssocID="{7C3A382A-A241-0941-8ED5-48CF9321C564}" presName="rootText2" presStyleLbl="alignAcc1" presStyleIdx="0" presStyleCnt="0">
+        <dgm:presLayoutVars>
+          <dgm:chPref val="3"/>
+        </dgm:presLayoutVars>
+      </dgm:prSet>
+      <dgm:spPr/>
+    </dgm:pt>
+    <dgm:pt modelId="{D56721D1-6615-2043-8C08-AC448E0E3AE9}" type="pres">
+      <dgm:prSet presAssocID="{7C3A382A-A241-0941-8ED5-48CF9321C564}" presName="topArc2" presStyleLbl="parChTrans1D1" presStyleIdx="2" presStyleCnt="10"/>
+      <dgm:spPr/>
+    </dgm:pt>
+    <dgm:pt modelId="{03248519-61E6-BE42-A8CF-9C4B5A1544BE}" type="pres">
+      <dgm:prSet presAssocID="{7C3A382A-A241-0941-8ED5-48CF9321C564}" presName="bottomArc2" presStyleLbl="parChTrans1D1" presStyleIdx="3" presStyleCnt="10"/>
+      <dgm:spPr/>
+    </dgm:pt>
+    <dgm:pt modelId="{8477F0F2-B839-CB40-8CFA-532DF38FCEB4}" type="pres">
+      <dgm:prSet presAssocID="{7C3A382A-A241-0941-8ED5-48CF9321C564}" presName="topConnNode2" presStyleLbl="node2" presStyleIdx="0" presStyleCnt="0"/>
+      <dgm:spPr/>
+    </dgm:pt>
+    <dgm:pt modelId="{B73A83CB-ADED-984A-82BF-43D01310E1CC}" type="pres">
+      <dgm:prSet presAssocID="{7C3A382A-A241-0941-8ED5-48CF9321C564}" presName="hierChild4" presStyleCnt="0"/>
+      <dgm:spPr/>
+    </dgm:pt>
+    <dgm:pt modelId="{ABF3E2A1-B8FC-6F4C-B9CA-1631498FC109}" type="pres">
+      <dgm:prSet presAssocID="{7C3A382A-A241-0941-8ED5-48CF9321C564}" presName="hierChild5" presStyleCnt="0"/>
+      <dgm:spPr/>
+    </dgm:pt>
+    <dgm:pt modelId="{71E7BF29-2C92-894C-B4CE-3A254AC7DA7A}" type="pres">
+      <dgm:prSet presAssocID="{5759E8D4-1291-9946-B33E-B60F025FF5D9}" presName="Name28" presStyleLbl="parChTrans1D2" presStyleIdx="1" presStyleCnt="4"/>
+      <dgm:spPr/>
+    </dgm:pt>
+    <dgm:pt modelId="{496C320E-E6D7-0642-8B58-C8AF6C6421A0}" type="pres">
+      <dgm:prSet presAssocID="{AF4E3339-89FC-DE41-A989-951684ED3B08}" presName="hierRoot2" presStyleCnt="0">
+        <dgm:presLayoutVars>
+          <dgm:hierBranch val="init"/>
+        </dgm:presLayoutVars>
+      </dgm:prSet>
+      <dgm:spPr/>
+    </dgm:pt>
+    <dgm:pt modelId="{CC873F7D-B854-2246-9FD0-8690733F1B91}" type="pres">
+      <dgm:prSet presAssocID="{AF4E3339-89FC-DE41-A989-951684ED3B08}" presName="rootComposite2" presStyleCnt="0"/>
+      <dgm:spPr/>
+    </dgm:pt>
+    <dgm:pt modelId="{F911B048-91E4-A340-8E15-AB5F78A9EF92}" type="pres">
+      <dgm:prSet presAssocID="{AF4E3339-89FC-DE41-A989-951684ED3B08}" presName="rootText2" presStyleLbl="alignAcc1" presStyleIdx="0" presStyleCnt="0">
+        <dgm:presLayoutVars>
+          <dgm:chPref val="3"/>
+        </dgm:presLayoutVars>
+      </dgm:prSet>
+      <dgm:spPr/>
+    </dgm:pt>
+    <dgm:pt modelId="{FB21CD1F-C6F1-3246-892F-20254718F673}" type="pres">
+      <dgm:prSet presAssocID="{AF4E3339-89FC-DE41-A989-951684ED3B08}" presName="topArc2" presStyleLbl="parChTrans1D1" presStyleIdx="4" presStyleCnt="10"/>
+      <dgm:spPr/>
+    </dgm:pt>
+    <dgm:pt modelId="{16E4D9CD-5FA8-E44D-8B0C-9BF1F6D5D4B3}" type="pres">
+      <dgm:prSet presAssocID="{AF4E3339-89FC-DE41-A989-951684ED3B08}" presName="bottomArc2" presStyleLbl="parChTrans1D1" presStyleIdx="5" presStyleCnt="10"/>
+      <dgm:spPr/>
+    </dgm:pt>
+    <dgm:pt modelId="{AC5E5F08-6CCE-BC4C-86DC-A7A6309706B9}" type="pres">
+      <dgm:prSet presAssocID="{AF4E3339-89FC-DE41-A989-951684ED3B08}" presName="topConnNode2" presStyleLbl="node2" presStyleIdx="0" presStyleCnt="0"/>
+      <dgm:spPr/>
+    </dgm:pt>
+    <dgm:pt modelId="{16522FF5-345A-7C40-B708-DD7ACCCFE85E}" type="pres">
+      <dgm:prSet presAssocID="{AF4E3339-89FC-DE41-A989-951684ED3B08}" presName="hierChild4" presStyleCnt="0"/>
+      <dgm:spPr/>
+    </dgm:pt>
+    <dgm:pt modelId="{23E0299F-A505-694B-B1E9-3618A5375130}" type="pres">
+      <dgm:prSet presAssocID="{AF4E3339-89FC-DE41-A989-951684ED3B08}" presName="hierChild5" presStyleCnt="0"/>
+      <dgm:spPr/>
+    </dgm:pt>
+    <dgm:pt modelId="{511FE487-4272-4B47-99DD-AB1D7A221A80}" type="pres">
+      <dgm:prSet presAssocID="{22E8A833-C2C7-1843-A048-F4E12869B168}" presName="Name28" presStyleLbl="parChTrans1D2" presStyleIdx="2" presStyleCnt="4"/>
+      <dgm:spPr/>
+    </dgm:pt>
+    <dgm:pt modelId="{EF0E93D8-64F4-7441-A6A4-9CE1D7277659}" type="pres">
+      <dgm:prSet presAssocID="{261B1C22-54F4-6347-B725-5EED615D7F23}" presName="hierRoot2" presStyleCnt="0">
+        <dgm:presLayoutVars>
+          <dgm:hierBranch val="init"/>
+        </dgm:presLayoutVars>
+      </dgm:prSet>
+      <dgm:spPr/>
+    </dgm:pt>
+    <dgm:pt modelId="{3675BBD7-77AC-A445-A2B5-BD9D76C94A03}" type="pres">
+      <dgm:prSet presAssocID="{261B1C22-54F4-6347-B725-5EED615D7F23}" presName="rootComposite2" presStyleCnt="0"/>
+      <dgm:spPr/>
+    </dgm:pt>
+    <dgm:pt modelId="{3EC56F68-EA0C-7F4A-A860-BD184FB3D266}" type="pres">
+      <dgm:prSet presAssocID="{261B1C22-54F4-6347-B725-5EED615D7F23}" presName="rootText2" presStyleLbl="alignAcc1" presStyleIdx="0" presStyleCnt="0">
+        <dgm:presLayoutVars>
+          <dgm:chPref val="3"/>
+        </dgm:presLayoutVars>
+      </dgm:prSet>
+      <dgm:spPr/>
+    </dgm:pt>
+    <dgm:pt modelId="{D34F9546-13AD-6043-97E9-0B5FCE63A186}" type="pres">
+      <dgm:prSet presAssocID="{261B1C22-54F4-6347-B725-5EED615D7F23}" presName="topArc2" presStyleLbl="parChTrans1D1" presStyleIdx="6" presStyleCnt="10"/>
+      <dgm:spPr/>
+    </dgm:pt>
+    <dgm:pt modelId="{6E5AA02E-1C15-AE44-894B-A07BB2D73088}" type="pres">
+      <dgm:prSet presAssocID="{261B1C22-54F4-6347-B725-5EED615D7F23}" presName="bottomArc2" presStyleLbl="parChTrans1D1" presStyleIdx="7" presStyleCnt="10"/>
+      <dgm:spPr/>
+    </dgm:pt>
+    <dgm:pt modelId="{09C6450D-F39D-9747-8100-C4E0CCF4A9B3}" type="pres">
+      <dgm:prSet presAssocID="{261B1C22-54F4-6347-B725-5EED615D7F23}" presName="topConnNode2" presStyleLbl="node2" presStyleIdx="0" presStyleCnt="0"/>
+      <dgm:spPr/>
+    </dgm:pt>
+    <dgm:pt modelId="{BBC714A8-8F09-8044-A084-88CC0244D65E}" type="pres">
+      <dgm:prSet presAssocID="{261B1C22-54F4-6347-B725-5EED615D7F23}" presName="hierChild4" presStyleCnt="0"/>
+      <dgm:spPr/>
+    </dgm:pt>
+    <dgm:pt modelId="{431410C9-4F80-4C44-AE64-0BCD23F74466}" type="pres">
+      <dgm:prSet presAssocID="{261B1C22-54F4-6347-B725-5EED615D7F23}" presName="hierChild5" presStyleCnt="0"/>
+      <dgm:spPr/>
+    </dgm:pt>
+    <dgm:pt modelId="{1E37BF73-B79F-CC45-BAAE-CCC44E53411E}" type="pres">
+      <dgm:prSet presAssocID="{2A992B27-AEA5-534F-A54A-863A1AE06019}" presName="Name28" presStyleLbl="parChTrans1D2" presStyleIdx="3" presStyleCnt="4"/>
+      <dgm:spPr/>
+    </dgm:pt>
+    <dgm:pt modelId="{B4F4AC9A-D11D-B04B-A88E-D6DF0C6808AF}" type="pres">
+      <dgm:prSet presAssocID="{FAABAFCE-3504-3C48-93B7-F52065DEFCE0}" presName="hierRoot2" presStyleCnt="0">
+        <dgm:presLayoutVars>
+          <dgm:hierBranch val="init"/>
+        </dgm:presLayoutVars>
+      </dgm:prSet>
+      <dgm:spPr/>
+    </dgm:pt>
+    <dgm:pt modelId="{B75EB908-EF0C-CD46-ACE4-0260D462CCC4}" type="pres">
+      <dgm:prSet presAssocID="{FAABAFCE-3504-3C48-93B7-F52065DEFCE0}" presName="rootComposite2" presStyleCnt="0"/>
+      <dgm:spPr/>
+    </dgm:pt>
+    <dgm:pt modelId="{B4C8BF21-1CF1-5943-9C2C-7EDD3B946F33}" type="pres">
+      <dgm:prSet presAssocID="{FAABAFCE-3504-3C48-93B7-F52065DEFCE0}" presName="rootText2" presStyleLbl="alignAcc1" presStyleIdx="0" presStyleCnt="0">
+        <dgm:presLayoutVars>
+          <dgm:chPref val="3"/>
+        </dgm:presLayoutVars>
+      </dgm:prSet>
+      <dgm:spPr/>
+    </dgm:pt>
+    <dgm:pt modelId="{E68B8FE4-DFD0-4F47-B962-737D3DD9F2CE}" type="pres">
+      <dgm:prSet presAssocID="{FAABAFCE-3504-3C48-93B7-F52065DEFCE0}" presName="topArc2" presStyleLbl="parChTrans1D1" presStyleIdx="8" presStyleCnt="10"/>
+      <dgm:spPr/>
+    </dgm:pt>
+    <dgm:pt modelId="{9D76DFF7-1BB9-1E4F-9E52-34B785000C3E}" type="pres">
+      <dgm:prSet presAssocID="{FAABAFCE-3504-3C48-93B7-F52065DEFCE0}" presName="bottomArc2" presStyleLbl="parChTrans1D1" presStyleIdx="9" presStyleCnt="10"/>
+      <dgm:spPr/>
+    </dgm:pt>
+    <dgm:pt modelId="{78070D06-1370-A940-A643-CDC001C63762}" type="pres">
+      <dgm:prSet presAssocID="{FAABAFCE-3504-3C48-93B7-F52065DEFCE0}" presName="topConnNode2" presStyleLbl="node2" presStyleIdx="0" presStyleCnt="0"/>
+      <dgm:spPr/>
+    </dgm:pt>
+    <dgm:pt modelId="{822B8844-1A31-B247-B4DA-96AA335D6EE5}" type="pres">
+      <dgm:prSet presAssocID="{FAABAFCE-3504-3C48-93B7-F52065DEFCE0}" presName="hierChild4" presStyleCnt="0"/>
+      <dgm:spPr/>
+    </dgm:pt>
+    <dgm:pt modelId="{A6972A71-54EA-CC4D-8D57-76252606CF44}" type="pres">
+      <dgm:prSet presAssocID="{FAABAFCE-3504-3C48-93B7-F52065DEFCE0}" presName="hierChild5" presStyleCnt="0"/>
+      <dgm:spPr/>
+    </dgm:pt>
+    <dgm:pt modelId="{1FA248B3-AE2F-1441-9FCC-6FC4A16B4C26}" type="pres">
+      <dgm:prSet presAssocID="{6935F12B-D38F-094A-8D5C-5B26F9643625}" presName="hierChild3" presStyleCnt="0"/>
+      <dgm:spPr/>
+    </dgm:pt>
+  </dgm:ptLst>
+  <dgm:cxnLst>
+    <dgm:cxn modelId="{EE57F90A-7316-F14F-9D1D-22AC7033D0AD}" type="presOf" srcId="{2A992B27-AEA5-534F-A54A-863A1AE06019}" destId="{1E37BF73-B79F-CC45-BAAE-CCC44E53411E}" srcOrd="0" destOrd="0" presId="urn:microsoft.com/office/officeart/2008/layout/HalfCircleOrganizationChart"/>
+    <dgm:cxn modelId="{786CAE0C-B78F-E745-B65C-0D3499DEE5B4}" type="presOf" srcId="{A625D9CB-4F86-8445-B364-AFEE196C616A}" destId="{130DA10F-1AE9-AD42-B520-CE6F38B26021}" srcOrd="0" destOrd="0" presId="urn:microsoft.com/office/officeart/2008/layout/HalfCircleOrganizationChart"/>
+    <dgm:cxn modelId="{DDC9A030-4633-EC46-B57F-27DC135E8412}" type="presOf" srcId="{6935F12B-D38F-094A-8D5C-5B26F9643625}" destId="{8FC99A7A-414C-824B-8925-908AC60C779A}" srcOrd="0" destOrd="0" presId="urn:microsoft.com/office/officeart/2008/layout/HalfCircleOrganizationChart"/>
+    <dgm:cxn modelId="{0CDB7537-D36C-0F49-A2D1-B04AB263C2DA}" type="presOf" srcId="{AF4E3339-89FC-DE41-A989-951684ED3B08}" destId="{AC5E5F08-6CCE-BC4C-86DC-A7A6309706B9}" srcOrd="1" destOrd="0" presId="urn:microsoft.com/office/officeart/2008/layout/HalfCircleOrganizationChart"/>
+    <dgm:cxn modelId="{1ED5E33A-B4DD-B941-8F19-014FC2E23C76}" srcId="{6935F12B-D38F-094A-8D5C-5B26F9643625}" destId="{AF4E3339-89FC-DE41-A989-951684ED3B08}" srcOrd="1" destOrd="0" parTransId="{5759E8D4-1291-9946-B33E-B60F025FF5D9}" sibTransId="{9978B80D-91FA-8E40-AC10-48D5DAAA6274}"/>
+    <dgm:cxn modelId="{9E64C85B-0D01-E843-A904-D738A1C81C08}" type="presOf" srcId="{AF4E3339-89FC-DE41-A989-951684ED3B08}" destId="{F911B048-91E4-A340-8E15-AB5F78A9EF92}" srcOrd="0" destOrd="0" presId="urn:microsoft.com/office/officeart/2008/layout/HalfCircleOrganizationChart"/>
+    <dgm:cxn modelId="{BFE7BC66-3E59-8A4C-92DB-2A46F0B63BC1}" type="presOf" srcId="{7C3A382A-A241-0941-8ED5-48CF9321C564}" destId="{8477F0F2-B839-CB40-8CFA-532DF38FCEB4}" srcOrd="1" destOrd="0" presId="urn:microsoft.com/office/officeart/2008/layout/HalfCircleOrganizationChart"/>
+    <dgm:cxn modelId="{D9AD7D6F-81C7-AB41-BEA4-B5EEF1525E1D}" type="presOf" srcId="{261B1C22-54F4-6347-B725-5EED615D7F23}" destId="{09C6450D-F39D-9747-8100-C4E0CCF4A9B3}" srcOrd="1" destOrd="0" presId="urn:microsoft.com/office/officeart/2008/layout/HalfCircleOrganizationChart"/>
+    <dgm:cxn modelId="{38165F73-E488-D045-B67D-1D2F6A57A6F2}" srcId="{6935F12B-D38F-094A-8D5C-5B26F9643625}" destId="{261B1C22-54F4-6347-B725-5EED615D7F23}" srcOrd="2" destOrd="0" parTransId="{22E8A833-C2C7-1843-A048-F4E12869B168}" sibTransId="{2ECDB626-724B-E54E-9432-8C38CCB5B396}"/>
+    <dgm:cxn modelId="{9B662679-2FFE-C544-8F0C-EB73A0FD1291}" type="presOf" srcId="{22E8A833-C2C7-1843-A048-F4E12869B168}" destId="{511FE487-4272-4B47-99DD-AB1D7A221A80}" srcOrd="0" destOrd="0" presId="urn:microsoft.com/office/officeart/2008/layout/HalfCircleOrganizationChart"/>
+    <dgm:cxn modelId="{64C4357E-4B06-8F48-9145-BBF78345BF6B}" srcId="{6935F12B-D38F-094A-8D5C-5B26F9643625}" destId="{7C3A382A-A241-0941-8ED5-48CF9321C564}" srcOrd="0" destOrd="0" parTransId="{5B69D62E-8D14-0D4A-81C9-63B83D08E595}" sibTransId="{196E5C51-1DEA-934E-B8C6-209DE676F97E}"/>
+    <dgm:cxn modelId="{A781138A-B770-E64E-B185-30A5C55CB69C}" type="presOf" srcId="{7C3A382A-A241-0941-8ED5-48CF9321C564}" destId="{32593006-C3A1-A147-8343-B00CF6523CA6}" srcOrd="0" destOrd="0" presId="urn:microsoft.com/office/officeart/2008/layout/HalfCircleOrganizationChart"/>
+    <dgm:cxn modelId="{F5C01098-C94B-F94E-9C0C-56243192697A}" type="presOf" srcId="{5759E8D4-1291-9946-B33E-B60F025FF5D9}" destId="{71E7BF29-2C92-894C-B4CE-3A254AC7DA7A}" srcOrd="0" destOrd="0" presId="urn:microsoft.com/office/officeart/2008/layout/HalfCircleOrganizationChart"/>
+    <dgm:cxn modelId="{99BC979C-4FF4-3249-8036-91DC8B56A9A7}" type="presOf" srcId="{6935F12B-D38F-094A-8D5C-5B26F9643625}" destId="{98B40A6F-2AE8-7D4C-9E48-75CF6FF623B2}" srcOrd="1" destOrd="0" presId="urn:microsoft.com/office/officeart/2008/layout/HalfCircleOrganizationChart"/>
+    <dgm:cxn modelId="{191FD49E-64C7-C44A-98E5-BFA3666BCADA}" srcId="{A625D9CB-4F86-8445-B364-AFEE196C616A}" destId="{6935F12B-D38F-094A-8D5C-5B26F9643625}" srcOrd="0" destOrd="0" parTransId="{5F198566-F79E-7E4C-B3D1-98A4EEA88449}" sibTransId="{15B0D810-80D0-8A4D-96D9-630E5BD82E7E}"/>
+    <dgm:cxn modelId="{B79B08D3-D30C-6045-9295-5D1977473EB2}" type="presOf" srcId="{5B69D62E-8D14-0D4A-81C9-63B83D08E595}" destId="{6F67079F-F72F-5340-9FF7-26B37D79A39C}" srcOrd="0" destOrd="0" presId="urn:microsoft.com/office/officeart/2008/layout/HalfCircleOrganizationChart"/>
+    <dgm:cxn modelId="{1E9948E3-75F8-0344-A83F-75205E4EB3BD}" type="presOf" srcId="{FAABAFCE-3504-3C48-93B7-F52065DEFCE0}" destId="{78070D06-1370-A940-A643-CDC001C63762}" srcOrd="1" destOrd="0" presId="urn:microsoft.com/office/officeart/2008/layout/HalfCircleOrganizationChart"/>
+    <dgm:cxn modelId="{767CAEF1-570A-6F49-91DA-7A00D8E21D18}" type="presOf" srcId="{FAABAFCE-3504-3C48-93B7-F52065DEFCE0}" destId="{B4C8BF21-1CF1-5943-9C2C-7EDD3B946F33}" srcOrd="0" destOrd="0" presId="urn:microsoft.com/office/officeart/2008/layout/HalfCircleOrganizationChart"/>
+    <dgm:cxn modelId="{CAE02FF7-2D86-C644-BD95-275651120574}" srcId="{6935F12B-D38F-094A-8D5C-5B26F9643625}" destId="{FAABAFCE-3504-3C48-93B7-F52065DEFCE0}" srcOrd="3" destOrd="0" parTransId="{2A992B27-AEA5-534F-A54A-863A1AE06019}" sibTransId="{2A378D77-CB20-6046-8930-F17B669AD3AB}"/>
+    <dgm:cxn modelId="{08EDEFFC-9263-E742-A921-158E7DE9B732}" type="presOf" srcId="{261B1C22-54F4-6347-B725-5EED615D7F23}" destId="{3EC56F68-EA0C-7F4A-A860-BD184FB3D266}" srcOrd="0" destOrd="0" presId="urn:microsoft.com/office/officeart/2008/layout/HalfCircleOrganizationChart"/>
+    <dgm:cxn modelId="{94530290-1861-9C4E-9B91-D6A7CE5E58A8}" type="presParOf" srcId="{130DA10F-1AE9-AD42-B520-CE6F38B26021}" destId="{36554365-85F0-2541-AB2F-1BFCBB146E45}" srcOrd="0" destOrd="0" presId="urn:microsoft.com/office/officeart/2008/layout/HalfCircleOrganizationChart"/>
+    <dgm:cxn modelId="{1620C0EE-A319-3045-8331-0154642B5B4C}" type="presParOf" srcId="{36554365-85F0-2541-AB2F-1BFCBB146E45}" destId="{A7AB8439-9ABB-BD4C-AEB5-E236BE3D5844}" srcOrd="0" destOrd="0" presId="urn:microsoft.com/office/officeart/2008/layout/HalfCircleOrganizationChart"/>
+    <dgm:cxn modelId="{7EE8DAD6-BB86-DE4A-8041-1409BDF9EC71}" type="presParOf" srcId="{A7AB8439-9ABB-BD4C-AEB5-E236BE3D5844}" destId="{8FC99A7A-414C-824B-8925-908AC60C779A}" srcOrd="0" destOrd="0" presId="urn:microsoft.com/office/officeart/2008/layout/HalfCircleOrganizationChart"/>
+    <dgm:cxn modelId="{99B373BB-C125-4942-9BC9-B2E2CC81656B}" type="presParOf" srcId="{A7AB8439-9ABB-BD4C-AEB5-E236BE3D5844}" destId="{42397D52-6448-B343-A4C5-09F904C9933A}" srcOrd="1" destOrd="0" presId="urn:microsoft.com/office/officeart/2008/layout/HalfCircleOrganizationChart"/>
+    <dgm:cxn modelId="{E0079FB5-1A82-3D4E-84C2-B472E760B346}" type="presParOf" srcId="{A7AB8439-9ABB-BD4C-AEB5-E236BE3D5844}" destId="{441A82F6-E6D6-0448-8D0B-A63B3B6918BF}" srcOrd="2" destOrd="0" presId="urn:microsoft.com/office/officeart/2008/layout/HalfCircleOrganizationChart"/>
+    <dgm:cxn modelId="{43207BCD-3E37-AC4C-9596-0FC8446EC197}" type="presParOf" srcId="{A7AB8439-9ABB-BD4C-AEB5-E236BE3D5844}" destId="{98B40A6F-2AE8-7D4C-9E48-75CF6FF623B2}" srcOrd="3" destOrd="0" presId="urn:microsoft.com/office/officeart/2008/layout/HalfCircleOrganizationChart"/>
+    <dgm:cxn modelId="{FF84405C-AA56-6F4E-926B-9FB68BB591F9}" type="presParOf" srcId="{36554365-85F0-2541-AB2F-1BFCBB146E45}" destId="{46B92979-2119-634C-867F-9994E4B807A1}" srcOrd="1" destOrd="0" presId="urn:microsoft.com/office/officeart/2008/layout/HalfCircleOrganizationChart"/>
+    <dgm:cxn modelId="{38E6A7AD-A144-F547-B095-AB6F65A20904}" type="presParOf" srcId="{46B92979-2119-634C-867F-9994E4B807A1}" destId="{6F67079F-F72F-5340-9FF7-26B37D79A39C}" srcOrd="0" destOrd="0" presId="urn:microsoft.com/office/officeart/2008/layout/HalfCircleOrganizationChart"/>
+    <dgm:cxn modelId="{01C8B07E-F8C9-CE4A-B3D1-F4E5F99FBF73}" type="presParOf" srcId="{46B92979-2119-634C-867F-9994E4B807A1}" destId="{39BE4E4F-1782-B34F-A81C-7B0C74D476A7}" srcOrd="1" destOrd="0" presId="urn:microsoft.com/office/officeart/2008/layout/HalfCircleOrganizationChart"/>
+    <dgm:cxn modelId="{CBD10048-2652-CF49-B925-DFE4B1350908}" type="presParOf" srcId="{39BE4E4F-1782-B34F-A81C-7B0C74D476A7}" destId="{1997EE5D-7CEF-5044-A6BB-54BAB67CE6B0}" srcOrd="0" destOrd="0" presId="urn:microsoft.com/office/officeart/2008/layout/HalfCircleOrganizationChart"/>
+    <dgm:cxn modelId="{018EBA79-0F01-8D46-8123-CA12CDCFB6E3}" type="presParOf" srcId="{1997EE5D-7CEF-5044-A6BB-54BAB67CE6B0}" destId="{32593006-C3A1-A147-8343-B00CF6523CA6}" srcOrd="0" destOrd="0" presId="urn:microsoft.com/office/officeart/2008/layout/HalfCircleOrganizationChart"/>
+    <dgm:cxn modelId="{28DB5C8C-6C89-6E44-88B3-3BBBD8B617E5}" type="presParOf" srcId="{1997EE5D-7CEF-5044-A6BB-54BAB67CE6B0}" destId="{D56721D1-6615-2043-8C08-AC448E0E3AE9}" srcOrd="1" destOrd="0" presId="urn:microsoft.com/office/officeart/2008/layout/HalfCircleOrganizationChart"/>
+    <dgm:cxn modelId="{78EC674E-7221-C546-A0F7-BDC878C07B14}" type="presParOf" srcId="{1997EE5D-7CEF-5044-A6BB-54BAB67CE6B0}" destId="{03248519-61E6-BE42-A8CF-9C4B5A1544BE}" srcOrd="2" destOrd="0" presId="urn:microsoft.com/office/officeart/2008/layout/HalfCircleOrganizationChart"/>
+    <dgm:cxn modelId="{0CA0310F-7154-684B-AF71-E8EA4BD0211A}" type="presParOf" srcId="{1997EE5D-7CEF-5044-A6BB-54BAB67CE6B0}" destId="{8477F0F2-B839-CB40-8CFA-532DF38FCEB4}" srcOrd="3" destOrd="0" presId="urn:microsoft.com/office/officeart/2008/layout/HalfCircleOrganizationChart"/>
+    <dgm:cxn modelId="{84A0646A-E928-F745-B753-2238E9B114C5}" type="presParOf" srcId="{39BE4E4F-1782-B34F-A81C-7B0C74D476A7}" destId="{B73A83CB-ADED-984A-82BF-43D01310E1CC}" srcOrd="1" destOrd="0" presId="urn:microsoft.com/office/officeart/2008/layout/HalfCircleOrganizationChart"/>
+    <dgm:cxn modelId="{DA3C8A60-09B3-BC4E-94BC-55D1618DAF08}" type="presParOf" srcId="{39BE4E4F-1782-B34F-A81C-7B0C74D476A7}" destId="{ABF3E2A1-B8FC-6F4C-B9CA-1631498FC109}" srcOrd="2" destOrd="0" presId="urn:microsoft.com/office/officeart/2008/layout/HalfCircleOrganizationChart"/>
+    <dgm:cxn modelId="{5004221A-536A-9B4C-904A-B6E1128BC2D7}" type="presParOf" srcId="{46B92979-2119-634C-867F-9994E4B807A1}" destId="{71E7BF29-2C92-894C-B4CE-3A254AC7DA7A}" srcOrd="2" destOrd="0" presId="urn:microsoft.com/office/officeart/2008/layout/HalfCircleOrganizationChart"/>
+    <dgm:cxn modelId="{86885996-5B5D-DA48-9C6B-8097BC1FE8CC}" type="presParOf" srcId="{46B92979-2119-634C-867F-9994E4B807A1}" destId="{496C320E-E6D7-0642-8B58-C8AF6C6421A0}" srcOrd="3" destOrd="0" presId="urn:microsoft.com/office/officeart/2008/layout/HalfCircleOrganizationChart"/>
+    <dgm:cxn modelId="{5902DB50-1256-5C4D-A096-317C80511655}" type="presParOf" srcId="{496C320E-E6D7-0642-8B58-C8AF6C6421A0}" destId="{CC873F7D-B854-2246-9FD0-8690733F1B91}" srcOrd="0" destOrd="0" presId="urn:microsoft.com/office/officeart/2008/layout/HalfCircleOrganizationChart"/>
+    <dgm:cxn modelId="{589B2D71-E747-0845-91E1-CF5B05186FC0}" type="presParOf" srcId="{CC873F7D-B854-2246-9FD0-8690733F1B91}" destId="{F911B048-91E4-A340-8E15-AB5F78A9EF92}" srcOrd="0" destOrd="0" presId="urn:microsoft.com/office/officeart/2008/layout/HalfCircleOrganizationChart"/>
+    <dgm:cxn modelId="{8DBCB432-2D0B-7347-BF87-E5791A4EFAA0}" type="presParOf" srcId="{CC873F7D-B854-2246-9FD0-8690733F1B91}" destId="{FB21CD1F-C6F1-3246-892F-20254718F673}" srcOrd="1" destOrd="0" presId="urn:microsoft.com/office/officeart/2008/layout/HalfCircleOrganizationChart"/>
+    <dgm:cxn modelId="{48F55F44-9092-0449-B246-150EACADF99D}" type="presParOf" srcId="{CC873F7D-B854-2246-9FD0-8690733F1B91}" destId="{16E4D9CD-5FA8-E44D-8B0C-9BF1F6D5D4B3}" srcOrd="2" destOrd="0" presId="urn:microsoft.com/office/officeart/2008/layout/HalfCircleOrganizationChart"/>
+    <dgm:cxn modelId="{794EF36E-D483-2B4D-B0E8-96EFDD9FF799}" type="presParOf" srcId="{CC873F7D-B854-2246-9FD0-8690733F1B91}" destId="{AC5E5F08-6CCE-BC4C-86DC-A7A6309706B9}" srcOrd="3" destOrd="0" presId="urn:microsoft.com/office/officeart/2008/layout/HalfCircleOrganizationChart"/>
+    <dgm:cxn modelId="{038AC4BC-8B25-C44D-8709-B54753467610}" type="presParOf" srcId="{496C320E-E6D7-0642-8B58-C8AF6C6421A0}" destId="{16522FF5-345A-7C40-B708-DD7ACCCFE85E}" srcOrd="1" destOrd="0" presId="urn:microsoft.com/office/officeart/2008/layout/HalfCircleOrganizationChart"/>
+    <dgm:cxn modelId="{66BCCD1F-1217-7A46-8FE5-457CFD37FB59}" type="presParOf" srcId="{496C320E-E6D7-0642-8B58-C8AF6C6421A0}" destId="{23E0299F-A505-694B-B1E9-3618A5375130}" srcOrd="2" destOrd="0" presId="urn:microsoft.com/office/officeart/2008/layout/HalfCircleOrganizationChart"/>
+    <dgm:cxn modelId="{86280B36-264D-3247-8935-AEFDBD4B4ED8}" type="presParOf" srcId="{46B92979-2119-634C-867F-9994E4B807A1}" destId="{511FE487-4272-4B47-99DD-AB1D7A221A80}" srcOrd="4" destOrd="0" presId="urn:microsoft.com/office/officeart/2008/layout/HalfCircleOrganizationChart"/>
+    <dgm:cxn modelId="{176A43C8-1DF5-7040-AE7F-4A97EA0CE777}" type="presParOf" srcId="{46B92979-2119-634C-867F-9994E4B807A1}" destId="{EF0E93D8-64F4-7441-A6A4-9CE1D7277659}" srcOrd="5" destOrd="0" presId="urn:microsoft.com/office/officeart/2008/layout/HalfCircleOrganizationChart"/>
+    <dgm:cxn modelId="{23832FA7-09BD-1545-BFE7-4A51684E131F}" type="presParOf" srcId="{EF0E93D8-64F4-7441-A6A4-9CE1D7277659}" destId="{3675BBD7-77AC-A445-A2B5-BD9D76C94A03}" srcOrd="0" destOrd="0" presId="urn:microsoft.com/office/officeart/2008/layout/HalfCircleOrganizationChart"/>
+    <dgm:cxn modelId="{ADA2E815-35D5-7540-8223-B6EB346E560F}" type="presParOf" srcId="{3675BBD7-77AC-A445-A2B5-BD9D76C94A03}" destId="{3EC56F68-EA0C-7F4A-A860-BD184FB3D266}" srcOrd="0" destOrd="0" presId="urn:microsoft.com/office/officeart/2008/layout/HalfCircleOrganizationChart"/>
+    <dgm:cxn modelId="{7E058978-D9ED-1A4F-B461-CD9B528C55C1}" type="presParOf" srcId="{3675BBD7-77AC-A445-A2B5-BD9D76C94A03}" destId="{D34F9546-13AD-6043-97E9-0B5FCE63A186}" srcOrd="1" destOrd="0" presId="urn:microsoft.com/office/officeart/2008/layout/HalfCircleOrganizationChart"/>
+    <dgm:cxn modelId="{00D64707-AC7E-AF43-A97C-1667EF85D081}" type="presParOf" srcId="{3675BBD7-77AC-A445-A2B5-BD9D76C94A03}" destId="{6E5AA02E-1C15-AE44-894B-A07BB2D73088}" srcOrd="2" destOrd="0" presId="urn:microsoft.com/office/officeart/2008/layout/HalfCircleOrganizationChart"/>
+    <dgm:cxn modelId="{278658AE-F43F-8044-8E36-E2932D88150A}" type="presParOf" srcId="{3675BBD7-77AC-A445-A2B5-BD9D76C94A03}" destId="{09C6450D-F39D-9747-8100-C4E0CCF4A9B3}" srcOrd="3" destOrd="0" presId="urn:microsoft.com/office/officeart/2008/layout/HalfCircleOrganizationChart"/>
+    <dgm:cxn modelId="{EF06A8C9-BDDE-5B49-958E-F321C46359C7}" type="presParOf" srcId="{EF0E93D8-64F4-7441-A6A4-9CE1D7277659}" destId="{BBC714A8-8F09-8044-A084-88CC0244D65E}" srcOrd="1" destOrd="0" presId="urn:microsoft.com/office/officeart/2008/layout/HalfCircleOrganizationChart"/>
+    <dgm:cxn modelId="{F1D609C4-0BF8-054E-B015-DE7E4FE4C6B9}" type="presParOf" srcId="{EF0E93D8-64F4-7441-A6A4-9CE1D7277659}" destId="{431410C9-4F80-4C44-AE64-0BCD23F74466}" srcOrd="2" destOrd="0" presId="urn:microsoft.com/office/officeart/2008/layout/HalfCircleOrganizationChart"/>
+    <dgm:cxn modelId="{373D1FCF-2C38-1E49-ADB6-6F6DB69F6571}" type="presParOf" srcId="{46B92979-2119-634C-867F-9994E4B807A1}" destId="{1E37BF73-B79F-CC45-BAAE-CCC44E53411E}" srcOrd="6" destOrd="0" presId="urn:microsoft.com/office/officeart/2008/layout/HalfCircleOrganizationChart"/>
+    <dgm:cxn modelId="{4B01F307-20F6-4940-82A5-C2671769F3E3}" type="presParOf" srcId="{46B92979-2119-634C-867F-9994E4B807A1}" destId="{B4F4AC9A-D11D-B04B-A88E-D6DF0C6808AF}" srcOrd="7" destOrd="0" presId="urn:microsoft.com/office/officeart/2008/layout/HalfCircleOrganizationChart"/>
+    <dgm:cxn modelId="{A924FF6D-A1D8-6F4A-A688-D1360B7732CD}" type="presParOf" srcId="{B4F4AC9A-D11D-B04B-A88E-D6DF0C6808AF}" destId="{B75EB908-EF0C-CD46-ACE4-0260D462CCC4}" srcOrd="0" destOrd="0" presId="urn:microsoft.com/office/officeart/2008/layout/HalfCircleOrganizationChart"/>
+    <dgm:cxn modelId="{EAEF8881-3E05-C144-9C6F-28C7B6D4B513}" type="presParOf" srcId="{B75EB908-EF0C-CD46-ACE4-0260D462CCC4}" destId="{B4C8BF21-1CF1-5943-9C2C-7EDD3B946F33}" srcOrd="0" destOrd="0" presId="urn:microsoft.com/office/officeart/2008/layout/HalfCircleOrganizationChart"/>
+    <dgm:cxn modelId="{CA96AA71-C511-F944-B902-A2F67C10D4E5}" type="presParOf" srcId="{B75EB908-EF0C-CD46-ACE4-0260D462CCC4}" destId="{E68B8FE4-DFD0-4F47-B962-737D3DD9F2CE}" srcOrd="1" destOrd="0" presId="urn:microsoft.com/office/officeart/2008/layout/HalfCircleOrganizationChart"/>
+    <dgm:cxn modelId="{1504918A-CD0B-F244-8ED3-6D456D5C9CD4}" type="presParOf" srcId="{B75EB908-EF0C-CD46-ACE4-0260D462CCC4}" destId="{9D76DFF7-1BB9-1E4F-9E52-34B785000C3E}" srcOrd="2" destOrd="0" presId="urn:microsoft.com/office/officeart/2008/layout/HalfCircleOrganizationChart"/>
+    <dgm:cxn modelId="{BEB62F32-E034-1F41-9018-17EFFA0EB5F2}" type="presParOf" srcId="{B75EB908-EF0C-CD46-ACE4-0260D462CCC4}" destId="{78070D06-1370-A940-A643-CDC001C63762}" srcOrd="3" destOrd="0" presId="urn:microsoft.com/office/officeart/2008/layout/HalfCircleOrganizationChart"/>
+    <dgm:cxn modelId="{88CAB485-00DC-C540-98C3-3DF35B89495F}" type="presParOf" srcId="{B4F4AC9A-D11D-B04B-A88E-D6DF0C6808AF}" destId="{822B8844-1A31-B247-B4DA-96AA335D6EE5}" srcOrd="1" destOrd="0" presId="urn:microsoft.com/office/officeart/2008/layout/HalfCircleOrganizationChart"/>
+    <dgm:cxn modelId="{04D776D9-53E7-534B-9EEE-E7554EEA6973}" type="presParOf" srcId="{B4F4AC9A-D11D-B04B-A88E-D6DF0C6808AF}" destId="{A6972A71-54EA-CC4D-8D57-76252606CF44}" srcOrd="2" destOrd="0" presId="urn:microsoft.com/office/officeart/2008/layout/HalfCircleOrganizationChart"/>
+    <dgm:cxn modelId="{5BE61530-1930-6647-9FD0-63C1896F5193}" type="presParOf" srcId="{36554365-85F0-2541-AB2F-1BFCBB146E45}" destId="{1FA248B3-AE2F-1441-9FCC-6FC4A16B4C26}" srcOrd="2" destOrd="0" presId="urn:microsoft.com/office/officeart/2008/layout/HalfCircleOrganizationChart"/>
+  </dgm:cxnLst>
+  <dgm:bg/>
+  <dgm:whole/>
+  <dgm:extLst>
+    <a:ext uri="http://schemas.microsoft.com/office/drawing/2008/diagram">
+      <dsp:dataModelExt xmlns:dsp="http://schemas.microsoft.com/office/drawing/2008/diagram" relId="rId8" minVer="http://schemas.openxmlformats.org/drawingml/2006/diagram"/>
+    </a:ext>
+  </dgm:extLst>
+</dgm:dataModel>
+</file>
+
+<file path=ppt/diagrams/data3.xml><?xml version="1.0" encoding="utf-8"?>
 <dgm:dataModel xmlns:dgm="http://schemas.openxmlformats.org/drawingml/2006/diagram" xmlns:a="http://schemas.openxmlformats.org/drawingml/2006/main">
   <dgm:ptLst>
     <dgm:pt modelId="{A625D9CB-4F86-8445-B364-AFEE196C616A}" type="doc">
@@ -3994,7 +5332,7 @@
 </dgm:dataModel>
 </file>
 
-<file path=ppt/diagrams/data3.xml><?xml version="1.0" encoding="utf-8"?>
+<file path=ppt/diagrams/data4.xml><?xml version="1.0" encoding="utf-8"?>
 <dgm:dataModel xmlns:dgm="http://schemas.openxmlformats.org/drawingml/2006/diagram" xmlns:a="http://schemas.openxmlformats.org/drawingml/2006/main">
   <dgm:ptLst>
     <dgm:pt modelId="{18DDC935-CA96-554F-9EA3-6389C4D8FB75}" type="doc">
@@ -5256,6 +6594,1031 @@
 </file>
 
 <file path=ppt/diagrams/drawing2.xml><?xml version="1.0" encoding="utf-8"?>
+<dsp:drawing xmlns:dgm="http://schemas.openxmlformats.org/drawingml/2006/diagram" xmlns:dsp="http://schemas.microsoft.com/office/drawing/2008/diagram" xmlns:a="http://schemas.openxmlformats.org/drawingml/2006/main">
+  <dsp:spTree>
+    <dsp:nvGrpSpPr>
+      <dsp:cNvPr id="0" name=""/>
+      <dsp:cNvGrpSpPr/>
+    </dsp:nvGrpSpPr>
+    <dsp:grpSpPr/>
+    <dsp:sp modelId="{1E37BF73-B79F-CC45-BAAE-CCC44E53411E}">
+      <dsp:nvSpPr>
+        <dsp:cNvPr id="0" name=""/>
+        <dsp:cNvSpPr/>
+      </dsp:nvSpPr>
+      <dsp:spPr>
+        <a:xfrm>
+          <a:off x="5229465" y="3191498"/>
+          <a:ext cx="4095749" cy="473888"/>
+        </a:xfrm>
+        <a:custGeom>
+          <a:avLst/>
+          <a:gdLst/>
+          <a:ahLst/>
+          <a:cxnLst/>
+          <a:rect l="0" t="0" r="0" b="0"/>
+          <a:pathLst>
+            <a:path>
+              <a:moveTo>
+                <a:pt x="0" y="0"/>
+              </a:moveTo>
+              <a:lnTo>
+                <a:pt x="0" y="236944"/>
+              </a:lnTo>
+              <a:lnTo>
+                <a:pt x="4095749" y="236944"/>
+              </a:lnTo>
+              <a:lnTo>
+                <a:pt x="4095749" y="473888"/>
+              </a:lnTo>
+            </a:path>
+          </a:pathLst>
+        </a:custGeom>
+        <a:noFill/>
+        <a:ln w="12700" cap="flat" cmpd="sng" algn="ctr">
+          <a:solidFill>
+            <a:schemeClr val="accent2">
+              <a:shade val="60000"/>
+              <a:hueOff val="0"/>
+              <a:satOff val="0"/>
+              <a:lumOff val="0"/>
+              <a:alphaOff val="0"/>
+            </a:schemeClr>
+          </a:solidFill>
+          <a:prstDash val="solid"/>
+          <a:miter lim="800000"/>
+        </a:ln>
+        <a:effectLst/>
+      </dsp:spPr>
+      <dsp:style>
+        <a:lnRef idx="2">
+          <a:scrgbClr r="0" g="0" b="0"/>
+        </a:lnRef>
+        <a:fillRef idx="0">
+          <a:scrgbClr r="0" g="0" b="0"/>
+        </a:fillRef>
+        <a:effectRef idx="0">
+          <a:scrgbClr r="0" g="0" b="0"/>
+        </a:effectRef>
+        <a:fontRef idx="minor"/>
+      </dsp:style>
+    </dsp:sp>
+    <dsp:sp modelId="{511FE487-4272-4B47-99DD-AB1D7A221A80}">
+      <dsp:nvSpPr>
+        <dsp:cNvPr id="0" name=""/>
+        <dsp:cNvSpPr/>
+      </dsp:nvSpPr>
+      <dsp:spPr>
+        <a:xfrm>
+          <a:off x="5229465" y="3191498"/>
+          <a:ext cx="1365249" cy="473888"/>
+        </a:xfrm>
+        <a:custGeom>
+          <a:avLst/>
+          <a:gdLst/>
+          <a:ahLst/>
+          <a:cxnLst/>
+          <a:rect l="0" t="0" r="0" b="0"/>
+          <a:pathLst>
+            <a:path>
+              <a:moveTo>
+                <a:pt x="0" y="0"/>
+              </a:moveTo>
+              <a:lnTo>
+                <a:pt x="0" y="236944"/>
+              </a:lnTo>
+              <a:lnTo>
+                <a:pt x="1365249" y="236944"/>
+              </a:lnTo>
+              <a:lnTo>
+                <a:pt x="1365249" y="473888"/>
+              </a:lnTo>
+            </a:path>
+          </a:pathLst>
+        </a:custGeom>
+        <a:noFill/>
+        <a:ln w="12700" cap="flat" cmpd="sng" algn="ctr">
+          <a:solidFill>
+            <a:schemeClr val="accent2">
+              <a:shade val="60000"/>
+              <a:hueOff val="0"/>
+              <a:satOff val="0"/>
+              <a:lumOff val="0"/>
+              <a:alphaOff val="0"/>
+            </a:schemeClr>
+          </a:solidFill>
+          <a:prstDash val="solid"/>
+          <a:miter lim="800000"/>
+        </a:ln>
+        <a:effectLst/>
+      </dsp:spPr>
+      <dsp:style>
+        <a:lnRef idx="2">
+          <a:scrgbClr r="0" g="0" b="0"/>
+        </a:lnRef>
+        <a:fillRef idx="0">
+          <a:scrgbClr r="0" g="0" b="0"/>
+        </a:fillRef>
+        <a:effectRef idx="0">
+          <a:scrgbClr r="0" g="0" b="0"/>
+        </a:effectRef>
+        <a:fontRef idx="minor"/>
+      </dsp:style>
+    </dsp:sp>
+    <dsp:sp modelId="{71E7BF29-2C92-894C-B4CE-3A254AC7DA7A}">
+      <dsp:nvSpPr>
+        <dsp:cNvPr id="0" name=""/>
+        <dsp:cNvSpPr/>
+      </dsp:nvSpPr>
+      <dsp:spPr>
+        <a:xfrm>
+          <a:off x="3864215" y="3191498"/>
+          <a:ext cx="1365249" cy="473888"/>
+        </a:xfrm>
+        <a:custGeom>
+          <a:avLst/>
+          <a:gdLst/>
+          <a:ahLst/>
+          <a:cxnLst/>
+          <a:rect l="0" t="0" r="0" b="0"/>
+          <a:pathLst>
+            <a:path>
+              <a:moveTo>
+                <a:pt x="1365249" y="0"/>
+              </a:moveTo>
+              <a:lnTo>
+                <a:pt x="1365249" y="236944"/>
+              </a:lnTo>
+              <a:lnTo>
+                <a:pt x="0" y="236944"/>
+              </a:lnTo>
+              <a:lnTo>
+                <a:pt x="0" y="473888"/>
+              </a:lnTo>
+            </a:path>
+          </a:pathLst>
+        </a:custGeom>
+        <a:noFill/>
+        <a:ln w="12700" cap="flat" cmpd="sng" algn="ctr">
+          <a:solidFill>
+            <a:schemeClr val="accent2">
+              <a:shade val="60000"/>
+              <a:hueOff val="0"/>
+              <a:satOff val="0"/>
+              <a:lumOff val="0"/>
+              <a:alphaOff val="0"/>
+            </a:schemeClr>
+          </a:solidFill>
+          <a:prstDash val="solid"/>
+          <a:miter lim="800000"/>
+        </a:ln>
+        <a:effectLst/>
+      </dsp:spPr>
+      <dsp:style>
+        <a:lnRef idx="2">
+          <a:scrgbClr r="0" g="0" b="0"/>
+        </a:lnRef>
+        <a:fillRef idx="0">
+          <a:scrgbClr r="0" g="0" b="0"/>
+        </a:fillRef>
+        <a:effectRef idx="0">
+          <a:scrgbClr r="0" g="0" b="0"/>
+        </a:effectRef>
+        <a:fontRef idx="minor"/>
+      </dsp:style>
+    </dsp:sp>
+    <dsp:sp modelId="{6F67079F-F72F-5340-9FF7-26B37D79A39C}">
+      <dsp:nvSpPr>
+        <dsp:cNvPr id="0" name=""/>
+        <dsp:cNvSpPr/>
+      </dsp:nvSpPr>
+      <dsp:spPr>
+        <a:xfrm>
+          <a:off x="1133715" y="3191498"/>
+          <a:ext cx="4095749" cy="473888"/>
+        </a:xfrm>
+        <a:custGeom>
+          <a:avLst/>
+          <a:gdLst/>
+          <a:ahLst/>
+          <a:cxnLst/>
+          <a:rect l="0" t="0" r="0" b="0"/>
+          <a:pathLst>
+            <a:path>
+              <a:moveTo>
+                <a:pt x="4095749" y="0"/>
+              </a:moveTo>
+              <a:lnTo>
+                <a:pt x="4095749" y="236944"/>
+              </a:lnTo>
+              <a:lnTo>
+                <a:pt x="0" y="236944"/>
+              </a:lnTo>
+              <a:lnTo>
+                <a:pt x="0" y="473888"/>
+              </a:lnTo>
+            </a:path>
+          </a:pathLst>
+        </a:custGeom>
+        <a:noFill/>
+        <a:ln w="12700" cap="flat" cmpd="sng" algn="ctr">
+          <a:solidFill>
+            <a:schemeClr val="accent2">
+              <a:shade val="60000"/>
+              <a:hueOff val="0"/>
+              <a:satOff val="0"/>
+              <a:lumOff val="0"/>
+              <a:alphaOff val="0"/>
+            </a:schemeClr>
+          </a:solidFill>
+          <a:prstDash val="solid"/>
+          <a:miter lim="800000"/>
+        </a:ln>
+        <a:effectLst/>
+      </dsp:spPr>
+      <dsp:style>
+        <a:lnRef idx="2">
+          <a:scrgbClr r="0" g="0" b="0"/>
+        </a:lnRef>
+        <a:fillRef idx="0">
+          <a:scrgbClr r="0" g="0" b="0"/>
+        </a:fillRef>
+        <a:effectRef idx="0">
+          <a:scrgbClr r="0" g="0" b="0"/>
+        </a:effectRef>
+        <a:fontRef idx="minor"/>
+      </dsp:style>
+    </dsp:sp>
+    <dsp:sp modelId="{42397D52-6448-B343-A4C5-09F904C9933A}">
+      <dsp:nvSpPr>
+        <dsp:cNvPr id="0" name=""/>
+        <dsp:cNvSpPr/>
+      </dsp:nvSpPr>
+      <dsp:spPr>
+        <a:xfrm>
+          <a:off x="4079304" y="624974"/>
+          <a:ext cx="2300321" cy="2566523"/>
+        </a:xfrm>
+        <a:prstGeom prst="arc">
+          <a:avLst>
+            <a:gd name="adj1" fmla="val 13200000"/>
+            <a:gd name="adj2" fmla="val 19200000"/>
+          </a:avLst>
+        </a:prstGeom>
+        <a:noFill/>
+        <a:ln w="12700" cap="flat" cmpd="sng" algn="ctr">
+          <a:solidFill>
+            <a:schemeClr val="accent2">
+              <a:shade val="60000"/>
+              <a:hueOff val="0"/>
+              <a:satOff val="0"/>
+              <a:lumOff val="0"/>
+              <a:alphaOff val="0"/>
+            </a:schemeClr>
+          </a:solidFill>
+          <a:prstDash val="solid"/>
+          <a:miter lim="800000"/>
+        </a:ln>
+        <a:effectLst/>
+      </dsp:spPr>
+      <dsp:style>
+        <a:lnRef idx="2">
+          <a:scrgbClr r="0" g="0" b="0"/>
+        </a:lnRef>
+        <a:fillRef idx="0">
+          <a:scrgbClr r="0" g="0" b="0"/>
+        </a:fillRef>
+        <a:effectRef idx="0">
+          <a:scrgbClr r="0" g="0" b="0"/>
+        </a:effectRef>
+        <a:fontRef idx="minor"/>
+      </dsp:style>
+    </dsp:sp>
+    <dsp:sp modelId="{441A82F6-E6D6-0448-8D0B-A63B3B6918BF}">
+      <dsp:nvSpPr>
+        <dsp:cNvPr id="0" name=""/>
+        <dsp:cNvSpPr/>
+      </dsp:nvSpPr>
+      <dsp:spPr>
+        <a:xfrm>
+          <a:off x="4079304" y="624974"/>
+          <a:ext cx="2300321" cy="2566523"/>
+        </a:xfrm>
+        <a:prstGeom prst="arc">
+          <a:avLst>
+            <a:gd name="adj1" fmla="val 2400000"/>
+            <a:gd name="adj2" fmla="val 8400000"/>
+          </a:avLst>
+        </a:prstGeom>
+        <a:noFill/>
+        <a:ln w="12700" cap="flat" cmpd="sng" algn="ctr">
+          <a:solidFill>
+            <a:schemeClr val="accent2">
+              <a:shade val="60000"/>
+              <a:hueOff val="0"/>
+              <a:satOff val="0"/>
+              <a:lumOff val="0"/>
+              <a:alphaOff val="0"/>
+            </a:schemeClr>
+          </a:solidFill>
+          <a:prstDash val="solid"/>
+          <a:miter lim="800000"/>
+        </a:ln>
+        <a:effectLst/>
+      </dsp:spPr>
+      <dsp:style>
+        <a:lnRef idx="2">
+          <a:scrgbClr r="0" g="0" b="0"/>
+        </a:lnRef>
+        <a:fillRef idx="0">
+          <a:scrgbClr r="0" g="0" b="0"/>
+        </a:fillRef>
+        <a:effectRef idx="0">
+          <a:scrgbClr r="0" g="0" b="0"/>
+        </a:effectRef>
+        <a:fontRef idx="minor"/>
+      </dsp:style>
+    </dsp:sp>
+    <dsp:sp modelId="{8FC99A7A-414C-824B-8925-908AC60C779A}">
+      <dsp:nvSpPr>
+        <dsp:cNvPr id="0" name=""/>
+        <dsp:cNvSpPr/>
+      </dsp:nvSpPr>
+      <dsp:spPr>
+        <a:xfrm>
+          <a:off x="2929143" y="1086949"/>
+          <a:ext cx="4600643" cy="1642574"/>
+        </a:xfrm>
+        <a:prstGeom prst="rect">
+          <a:avLst/>
+        </a:prstGeom>
+        <a:noFill/>
+        <a:ln w="12700" cap="flat" cmpd="sng" algn="ctr">
+          <a:noFill/>
+          <a:prstDash val="solid"/>
+          <a:miter lim="800000"/>
+        </a:ln>
+        <a:effectLst/>
+        <a:sp3d/>
+      </dsp:spPr>
+      <dsp:style>
+        <a:lnRef idx="2">
+          <a:scrgbClr r="0" g="0" b="0"/>
+        </a:lnRef>
+        <a:fillRef idx="1">
+          <a:scrgbClr r="0" g="0" b="0"/>
+        </a:fillRef>
+        <a:effectRef idx="0">
+          <a:scrgbClr r="0" g="0" b="0"/>
+        </a:effectRef>
+        <a:fontRef idx="minor"/>
+      </dsp:style>
+      <dsp:txBody>
+        <a:bodyPr spcFirstLastPara="0" vert="horz" wrap="square" lIns="20320" tIns="20320" rIns="20320" bIns="20320" numCol="1" spcCol="1270" anchor="ctr" anchorCtr="0">
+          <a:noAutofit/>
+        </a:bodyPr>
+        <a:lstStyle/>
+        <a:p>
+          <a:pPr marL="0" lvl="0" indent="0" algn="ctr" defTabSz="1422400">
+            <a:lnSpc>
+              <a:spcPct val="90000"/>
+            </a:lnSpc>
+            <a:spcBef>
+              <a:spcPct val="0"/>
+            </a:spcBef>
+            <a:spcAft>
+              <a:spcPct val="35000"/>
+            </a:spcAft>
+            <a:buNone/>
+          </a:pPr>
+          <a:r>
+            <a:rPr lang="en-US" sz="3200" kern="1200" dirty="0"/>
+            <a:t>CSIP does not have a RTP protocol </a:t>
+          </a:r>
+        </a:p>
+      </dsp:txBody>
+      <dsp:txXfrm>
+        <a:off x="2929143" y="1086949"/>
+        <a:ext cx="4600643" cy="1642574"/>
+      </dsp:txXfrm>
+    </dsp:sp>
+    <dsp:sp modelId="{D56721D1-6615-2043-8C08-AC448E0E3AE9}">
+      <dsp:nvSpPr>
+        <dsp:cNvPr id="0" name=""/>
+        <dsp:cNvSpPr/>
+      </dsp:nvSpPr>
+      <dsp:spPr>
+        <a:xfrm>
+          <a:off x="569562" y="3665386"/>
+          <a:ext cx="1128305" cy="1128305"/>
+        </a:xfrm>
+        <a:prstGeom prst="arc">
+          <a:avLst>
+            <a:gd name="adj1" fmla="val 13200000"/>
+            <a:gd name="adj2" fmla="val 19200000"/>
+          </a:avLst>
+        </a:prstGeom>
+        <a:noFill/>
+        <a:ln w="12700" cap="flat" cmpd="sng" algn="ctr">
+          <a:solidFill>
+            <a:schemeClr val="accent2">
+              <a:shade val="60000"/>
+              <a:hueOff val="0"/>
+              <a:satOff val="0"/>
+              <a:lumOff val="0"/>
+              <a:alphaOff val="0"/>
+            </a:schemeClr>
+          </a:solidFill>
+          <a:prstDash val="solid"/>
+          <a:miter lim="800000"/>
+        </a:ln>
+        <a:effectLst/>
+      </dsp:spPr>
+      <dsp:style>
+        <a:lnRef idx="2">
+          <a:scrgbClr r="0" g="0" b="0"/>
+        </a:lnRef>
+        <a:fillRef idx="0">
+          <a:scrgbClr r="0" g="0" b="0"/>
+        </a:fillRef>
+        <a:effectRef idx="0">
+          <a:scrgbClr r="0" g="0" b="0"/>
+        </a:effectRef>
+        <a:fontRef idx="minor"/>
+      </dsp:style>
+    </dsp:sp>
+    <dsp:sp modelId="{03248519-61E6-BE42-A8CF-9C4B5A1544BE}">
+      <dsp:nvSpPr>
+        <dsp:cNvPr id="0" name=""/>
+        <dsp:cNvSpPr/>
+      </dsp:nvSpPr>
+      <dsp:spPr>
+        <a:xfrm>
+          <a:off x="569562" y="3665386"/>
+          <a:ext cx="1128305" cy="1128305"/>
+        </a:xfrm>
+        <a:prstGeom prst="arc">
+          <a:avLst>
+            <a:gd name="adj1" fmla="val 2400000"/>
+            <a:gd name="adj2" fmla="val 8400000"/>
+          </a:avLst>
+        </a:prstGeom>
+        <a:noFill/>
+        <a:ln w="12700" cap="flat" cmpd="sng" algn="ctr">
+          <a:solidFill>
+            <a:schemeClr val="accent2">
+              <a:shade val="60000"/>
+              <a:hueOff val="0"/>
+              <a:satOff val="0"/>
+              <a:lumOff val="0"/>
+              <a:alphaOff val="0"/>
+            </a:schemeClr>
+          </a:solidFill>
+          <a:prstDash val="solid"/>
+          <a:miter lim="800000"/>
+        </a:ln>
+        <a:effectLst/>
+      </dsp:spPr>
+      <dsp:style>
+        <a:lnRef idx="2">
+          <a:scrgbClr r="0" g="0" b="0"/>
+        </a:lnRef>
+        <a:fillRef idx="0">
+          <a:scrgbClr r="0" g="0" b="0"/>
+        </a:fillRef>
+        <a:effectRef idx="0">
+          <a:scrgbClr r="0" g="0" b="0"/>
+        </a:effectRef>
+        <a:fontRef idx="minor"/>
+      </dsp:style>
+    </dsp:sp>
+    <dsp:sp modelId="{32593006-C3A1-A147-8343-B00CF6523CA6}">
+      <dsp:nvSpPr>
+        <dsp:cNvPr id="0" name=""/>
+        <dsp:cNvSpPr/>
+      </dsp:nvSpPr>
+      <dsp:spPr>
+        <a:xfrm>
+          <a:off x="5410" y="3868481"/>
+          <a:ext cx="2256611" cy="722115"/>
+        </a:xfrm>
+        <a:prstGeom prst="rect">
+          <a:avLst/>
+        </a:prstGeom>
+        <a:noFill/>
+        <a:ln w="12700" cap="flat" cmpd="sng" algn="ctr">
+          <a:noFill/>
+          <a:prstDash val="solid"/>
+          <a:miter lim="800000"/>
+        </a:ln>
+        <a:effectLst/>
+        <a:sp3d/>
+      </dsp:spPr>
+      <dsp:style>
+        <a:lnRef idx="2">
+          <a:scrgbClr r="0" g="0" b="0"/>
+        </a:lnRef>
+        <a:fillRef idx="1">
+          <a:scrgbClr r="0" g="0" b="0"/>
+        </a:fillRef>
+        <a:effectRef idx="0">
+          <a:scrgbClr r="0" g="0" b="0"/>
+        </a:effectRef>
+        <a:fontRef idx="minor"/>
+      </dsp:style>
+      <dsp:txBody>
+        <a:bodyPr spcFirstLastPara="0" vert="horz" wrap="square" lIns="11430" tIns="11430" rIns="11430" bIns="11430" numCol="1" spcCol="1270" anchor="ctr" anchorCtr="0">
+          <a:noAutofit/>
+        </a:bodyPr>
+        <a:lstStyle/>
+        <a:p>
+          <a:pPr marL="0" lvl="0" indent="0" algn="ctr" defTabSz="800100">
+            <a:lnSpc>
+              <a:spcPct val="90000"/>
+            </a:lnSpc>
+            <a:spcBef>
+              <a:spcPct val="0"/>
+            </a:spcBef>
+            <a:spcAft>
+              <a:spcPct val="35000"/>
+            </a:spcAft>
+            <a:buNone/>
+          </a:pPr>
+          <a:r>
+            <a:rPr lang="en-US" sz="1800" kern="1200" dirty="0"/>
+            <a:t>Disconnected Performance Data</a:t>
+          </a:r>
+        </a:p>
+      </dsp:txBody>
+      <dsp:txXfrm>
+        <a:off x="5410" y="3868481"/>
+        <a:ext cx="2256611" cy="722115"/>
+      </dsp:txXfrm>
+    </dsp:sp>
+    <dsp:sp modelId="{FB21CD1F-C6F1-3246-892F-20254718F673}">
+      <dsp:nvSpPr>
+        <dsp:cNvPr id="0" name=""/>
+        <dsp:cNvSpPr/>
+      </dsp:nvSpPr>
+      <dsp:spPr>
+        <a:xfrm>
+          <a:off x="3300062" y="3665386"/>
+          <a:ext cx="1128305" cy="1128305"/>
+        </a:xfrm>
+        <a:prstGeom prst="arc">
+          <a:avLst>
+            <a:gd name="adj1" fmla="val 13200000"/>
+            <a:gd name="adj2" fmla="val 19200000"/>
+          </a:avLst>
+        </a:prstGeom>
+        <a:noFill/>
+        <a:ln w="12700" cap="flat" cmpd="sng" algn="ctr">
+          <a:solidFill>
+            <a:schemeClr val="accent2">
+              <a:shade val="60000"/>
+              <a:hueOff val="0"/>
+              <a:satOff val="0"/>
+              <a:lumOff val="0"/>
+              <a:alphaOff val="0"/>
+            </a:schemeClr>
+          </a:solidFill>
+          <a:prstDash val="solid"/>
+          <a:miter lim="800000"/>
+        </a:ln>
+        <a:effectLst/>
+      </dsp:spPr>
+      <dsp:style>
+        <a:lnRef idx="2">
+          <a:scrgbClr r="0" g="0" b="0"/>
+        </a:lnRef>
+        <a:fillRef idx="0">
+          <a:scrgbClr r="0" g="0" b="0"/>
+        </a:fillRef>
+        <a:effectRef idx="0">
+          <a:scrgbClr r="0" g="0" b="0"/>
+        </a:effectRef>
+        <a:fontRef idx="minor"/>
+      </dsp:style>
+    </dsp:sp>
+    <dsp:sp modelId="{16E4D9CD-5FA8-E44D-8B0C-9BF1F6D5D4B3}">
+      <dsp:nvSpPr>
+        <dsp:cNvPr id="0" name=""/>
+        <dsp:cNvSpPr/>
+      </dsp:nvSpPr>
+      <dsp:spPr>
+        <a:xfrm>
+          <a:off x="3300062" y="3665386"/>
+          <a:ext cx="1128305" cy="1128305"/>
+        </a:xfrm>
+        <a:prstGeom prst="arc">
+          <a:avLst>
+            <a:gd name="adj1" fmla="val 2400000"/>
+            <a:gd name="adj2" fmla="val 8400000"/>
+          </a:avLst>
+        </a:prstGeom>
+        <a:noFill/>
+        <a:ln w="12700" cap="flat" cmpd="sng" algn="ctr">
+          <a:solidFill>
+            <a:schemeClr val="accent2">
+              <a:shade val="60000"/>
+              <a:hueOff val="0"/>
+              <a:satOff val="0"/>
+              <a:lumOff val="0"/>
+              <a:alphaOff val="0"/>
+            </a:schemeClr>
+          </a:solidFill>
+          <a:prstDash val="solid"/>
+          <a:miter lim="800000"/>
+        </a:ln>
+        <a:effectLst/>
+      </dsp:spPr>
+      <dsp:style>
+        <a:lnRef idx="2">
+          <a:scrgbClr r="0" g="0" b="0"/>
+        </a:lnRef>
+        <a:fillRef idx="0">
+          <a:scrgbClr r="0" g="0" b="0"/>
+        </a:fillRef>
+        <a:effectRef idx="0">
+          <a:scrgbClr r="0" g="0" b="0"/>
+        </a:effectRef>
+        <a:fontRef idx="minor"/>
+      </dsp:style>
+    </dsp:sp>
+    <dsp:sp modelId="{F911B048-91E4-A340-8E15-AB5F78A9EF92}">
+      <dsp:nvSpPr>
+        <dsp:cNvPr id="0" name=""/>
+        <dsp:cNvSpPr/>
+      </dsp:nvSpPr>
+      <dsp:spPr>
+        <a:xfrm>
+          <a:off x="2735909" y="3868481"/>
+          <a:ext cx="2256611" cy="722115"/>
+        </a:xfrm>
+        <a:prstGeom prst="rect">
+          <a:avLst/>
+        </a:prstGeom>
+        <a:noFill/>
+        <a:ln w="12700" cap="flat" cmpd="sng" algn="ctr">
+          <a:noFill/>
+          <a:prstDash val="solid"/>
+          <a:miter lim="800000"/>
+        </a:ln>
+        <a:effectLst/>
+        <a:sp3d/>
+      </dsp:spPr>
+      <dsp:style>
+        <a:lnRef idx="2">
+          <a:scrgbClr r="0" g="0" b="0"/>
+        </a:lnRef>
+        <a:fillRef idx="1">
+          <a:scrgbClr r="0" g="0" b="0"/>
+        </a:fillRef>
+        <a:effectRef idx="0">
+          <a:scrgbClr r="0" g="0" b="0"/>
+        </a:effectRef>
+        <a:fontRef idx="minor"/>
+      </dsp:style>
+      <dsp:txBody>
+        <a:bodyPr spcFirstLastPara="0" vert="horz" wrap="square" lIns="11430" tIns="11430" rIns="11430" bIns="11430" numCol="1" spcCol="1270" anchor="ctr" anchorCtr="0">
+          <a:noAutofit/>
+        </a:bodyPr>
+        <a:lstStyle/>
+        <a:p>
+          <a:pPr marL="0" lvl="0" indent="0" algn="ctr" defTabSz="800100">
+            <a:lnSpc>
+              <a:spcPct val="90000"/>
+            </a:lnSpc>
+            <a:spcBef>
+              <a:spcPct val="0"/>
+            </a:spcBef>
+            <a:spcAft>
+              <a:spcPct val="35000"/>
+            </a:spcAft>
+            <a:buNone/>
+          </a:pPr>
+          <a:r>
+            <a:rPr lang="en-US" sz="1800" kern="1200" dirty="0"/>
+            <a:t>Inefficient Programming</a:t>
+          </a:r>
+        </a:p>
+      </dsp:txBody>
+      <dsp:txXfrm>
+        <a:off x="2735909" y="3868481"/>
+        <a:ext cx="2256611" cy="722115"/>
+      </dsp:txXfrm>
+    </dsp:sp>
+    <dsp:sp modelId="{D34F9546-13AD-6043-97E9-0B5FCE63A186}">
+      <dsp:nvSpPr>
+        <dsp:cNvPr id="0" name=""/>
+        <dsp:cNvSpPr/>
+      </dsp:nvSpPr>
+      <dsp:spPr>
+        <a:xfrm>
+          <a:off x="6030562" y="3665386"/>
+          <a:ext cx="1128305" cy="1128305"/>
+        </a:xfrm>
+        <a:prstGeom prst="arc">
+          <a:avLst>
+            <a:gd name="adj1" fmla="val 13200000"/>
+            <a:gd name="adj2" fmla="val 19200000"/>
+          </a:avLst>
+        </a:prstGeom>
+        <a:noFill/>
+        <a:ln w="12700" cap="flat" cmpd="sng" algn="ctr">
+          <a:solidFill>
+            <a:schemeClr val="accent2">
+              <a:shade val="60000"/>
+              <a:hueOff val="0"/>
+              <a:satOff val="0"/>
+              <a:lumOff val="0"/>
+              <a:alphaOff val="0"/>
+            </a:schemeClr>
+          </a:solidFill>
+          <a:prstDash val="solid"/>
+          <a:miter lim="800000"/>
+        </a:ln>
+        <a:effectLst/>
+      </dsp:spPr>
+      <dsp:style>
+        <a:lnRef idx="2">
+          <a:scrgbClr r="0" g="0" b="0"/>
+        </a:lnRef>
+        <a:fillRef idx="0">
+          <a:scrgbClr r="0" g="0" b="0"/>
+        </a:fillRef>
+        <a:effectRef idx="0">
+          <a:scrgbClr r="0" g="0" b="0"/>
+        </a:effectRef>
+        <a:fontRef idx="minor"/>
+      </dsp:style>
+    </dsp:sp>
+    <dsp:sp modelId="{6E5AA02E-1C15-AE44-894B-A07BB2D73088}">
+      <dsp:nvSpPr>
+        <dsp:cNvPr id="0" name=""/>
+        <dsp:cNvSpPr/>
+      </dsp:nvSpPr>
+      <dsp:spPr>
+        <a:xfrm>
+          <a:off x="6030562" y="3665386"/>
+          <a:ext cx="1128305" cy="1128305"/>
+        </a:xfrm>
+        <a:prstGeom prst="arc">
+          <a:avLst>
+            <a:gd name="adj1" fmla="val 2400000"/>
+            <a:gd name="adj2" fmla="val 8400000"/>
+          </a:avLst>
+        </a:prstGeom>
+        <a:noFill/>
+        <a:ln w="12700" cap="flat" cmpd="sng" algn="ctr">
+          <a:solidFill>
+            <a:schemeClr val="accent2">
+              <a:shade val="60000"/>
+              <a:hueOff val="0"/>
+              <a:satOff val="0"/>
+              <a:lumOff val="0"/>
+              <a:alphaOff val="0"/>
+            </a:schemeClr>
+          </a:solidFill>
+          <a:prstDash val="solid"/>
+          <a:miter lim="800000"/>
+        </a:ln>
+        <a:effectLst/>
+      </dsp:spPr>
+      <dsp:style>
+        <a:lnRef idx="2">
+          <a:scrgbClr r="0" g="0" b="0"/>
+        </a:lnRef>
+        <a:fillRef idx="0">
+          <a:scrgbClr r="0" g="0" b="0"/>
+        </a:fillRef>
+        <a:effectRef idx="0">
+          <a:scrgbClr r="0" g="0" b="0"/>
+        </a:effectRef>
+        <a:fontRef idx="minor"/>
+      </dsp:style>
+    </dsp:sp>
+    <dsp:sp modelId="{3EC56F68-EA0C-7F4A-A860-BD184FB3D266}">
+      <dsp:nvSpPr>
+        <dsp:cNvPr id="0" name=""/>
+        <dsp:cNvSpPr/>
+      </dsp:nvSpPr>
+      <dsp:spPr>
+        <a:xfrm>
+          <a:off x="5466409" y="3868481"/>
+          <a:ext cx="2256611" cy="722115"/>
+        </a:xfrm>
+        <a:prstGeom prst="rect">
+          <a:avLst/>
+        </a:prstGeom>
+        <a:noFill/>
+        <a:ln w="12700" cap="flat" cmpd="sng" algn="ctr">
+          <a:noFill/>
+          <a:prstDash val="solid"/>
+          <a:miter lim="800000"/>
+        </a:ln>
+        <a:effectLst/>
+        <a:sp3d/>
+      </dsp:spPr>
+      <dsp:style>
+        <a:lnRef idx="2">
+          <a:scrgbClr r="0" g="0" b="0"/>
+        </a:lnRef>
+        <a:fillRef idx="1">
+          <a:scrgbClr r="0" g="0" b="0"/>
+        </a:fillRef>
+        <a:effectRef idx="0">
+          <a:scrgbClr r="0" g="0" b="0"/>
+        </a:effectRef>
+        <a:fontRef idx="minor"/>
+      </dsp:style>
+      <dsp:txBody>
+        <a:bodyPr spcFirstLastPara="0" vert="horz" wrap="square" lIns="11430" tIns="11430" rIns="11430" bIns="11430" numCol="1" spcCol="1270" anchor="ctr" anchorCtr="0">
+          <a:noAutofit/>
+        </a:bodyPr>
+        <a:lstStyle/>
+        <a:p>
+          <a:pPr marL="0" lvl="0" indent="0" algn="ctr" defTabSz="800100">
+            <a:lnSpc>
+              <a:spcPct val="90000"/>
+            </a:lnSpc>
+            <a:spcBef>
+              <a:spcPct val="0"/>
+            </a:spcBef>
+            <a:spcAft>
+              <a:spcPct val="35000"/>
+            </a:spcAft>
+            <a:buNone/>
+          </a:pPr>
+          <a:r>
+            <a:rPr lang="en-US" sz="1800" kern="1200" dirty="0"/>
+            <a:t>Poor Communication and Collaboration</a:t>
+          </a:r>
+        </a:p>
+      </dsp:txBody>
+      <dsp:txXfrm>
+        <a:off x="5466409" y="3868481"/>
+        <a:ext cx="2256611" cy="722115"/>
+      </dsp:txXfrm>
+    </dsp:sp>
+    <dsp:sp modelId="{E68B8FE4-DFD0-4F47-B962-737D3DD9F2CE}">
+      <dsp:nvSpPr>
+        <dsp:cNvPr id="0" name=""/>
+        <dsp:cNvSpPr/>
+      </dsp:nvSpPr>
+      <dsp:spPr>
+        <a:xfrm>
+          <a:off x="8761062" y="3665386"/>
+          <a:ext cx="1128305" cy="1128305"/>
+        </a:xfrm>
+        <a:prstGeom prst="arc">
+          <a:avLst>
+            <a:gd name="adj1" fmla="val 13200000"/>
+            <a:gd name="adj2" fmla="val 19200000"/>
+          </a:avLst>
+        </a:prstGeom>
+        <a:noFill/>
+        <a:ln w="12700" cap="flat" cmpd="sng" algn="ctr">
+          <a:solidFill>
+            <a:schemeClr val="accent2">
+              <a:shade val="60000"/>
+              <a:hueOff val="0"/>
+              <a:satOff val="0"/>
+              <a:lumOff val="0"/>
+              <a:alphaOff val="0"/>
+            </a:schemeClr>
+          </a:solidFill>
+          <a:prstDash val="solid"/>
+          <a:miter lim="800000"/>
+        </a:ln>
+        <a:effectLst/>
+      </dsp:spPr>
+      <dsp:style>
+        <a:lnRef idx="2">
+          <a:scrgbClr r="0" g="0" b="0"/>
+        </a:lnRef>
+        <a:fillRef idx="0">
+          <a:scrgbClr r="0" g="0" b="0"/>
+        </a:fillRef>
+        <a:effectRef idx="0">
+          <a:scrgbClr r="0" g="0" b="0"/>
+        </a:effectRef>
+        <a:fontRef idx="minor"/>
+      </dsp:style>
+    </dsp:sp>
+    <dsp:sp modelId="{9D76DFF7-1BB9-1E4F-9E52-34B785000C3E}">
+      <dsp:nvSpPr>
+        <dsp:cNvPr id="0" name=""/>
+        <dsp:cNvSpPr/>
+      </dsp:nvSpPr>
+      <dsp:spPr>
+        <a:xfrm>
+          <a:off x="8761062" y="3665386"/>
+          <a:ext cx="1128305" cy="1128305"/>
+        </a:xfrm>
+        <a:prstGeom prst="arc">
+          <a:avLst>
+            <a:gd name="adj1" fmla="val 2400000"/>
+            <a:gd name="adj2" fmla="val 8400000"/>
+          </a:avLst>
+        </a:prstGeom>
+        <a:noFill/>
+        <a:ln w="12700" cap="flat" cmpd="sng" algn="ctr">
+          <a:solidFill>
+            <a:schemeClr val="accent2">
+              <a:shade val="60000"/>
+              <a:hueOff val="0"/>
+              <a:satOff val="0"/>
+              <a:lumOff val="0"/>
+              <a:alphaOff val="0"/>
+            </a:schemeClr>
+          </a:solidFill>
+          <a:prstDash val="solid"/>
+          <a:miter lim="800000"/>
+        </a:ln>
+        <a:effectLst/>
+      </dsp:spPr>
+      <dsp:style>
+        <a:lnRef idx="2">
+          <a:scrgbClr r="0" g="0" b="0"/>
+        </a:lnRef>
+        <a:fillRef idx="0">
+          <a:scrgbClr r="0" g="0" b="0"/>
+        </a:fillRef>
+        <a:effectRef idx="0">
+          <a:scrgbClr r="0" g="0" b="0"/>
+        </a:effectRef>
+        <a:fontRef idx="minor"/>
+      </dsp:style>
+    </dsp:sp>
+    <dsp:sp modelId="{B4C8BF21-1CF1-5943-9C2C-7EDD3B946F33}">
+      <dsp:nvSpPr>
+        <dsp:cNvPr id="0" name=""/>
+        <dsp:cNvSpPr/>
+      </dsp:nvSpPr>
+      <dsp:spPr>
+        <a:xfrm>
+          <a:off x="8196909" y="3868481"/>
+          <a:ext cx="2256611" cy="722115"/>
+        </a:xfrm>
+        <a:prstGeom prst="rect">
+          <a:avLst/>
+        </a:prstGeom>
+        <a:noFill/>
+        <a:ln w="12700" cap="flat" cmpd="sng" algn="ctr">
+          <a:noFill/>
+          <a:prstDash val="solid"/>
+          <a:miter lim="800000"/>
+        </a:ln>
+        <a:effectLst/>
+        <a:sp3d/>
+      </dsp:spPr>
+      <dsp:style>
+        <a:lnRef idx="2">
+          <a:scrgbClr r="0" g="0" b="0"/>
+        </a:lnRef>
+        <a:fillRef idx="1">
+          <a:scrgbClr r="0" g="0" b="0"/>
+        </a:fillRef>
+        <a:effectRef idx="0">
+          <a:scrgbClr r="0" g="0" b="0"/>
+        </a:effectRef>
+        <a:fontRef idx="minor"/>
+      </dsp:style>
+      <dsp:txBody>
+        <a:bodyPr spcFirstLastPara="0" vert="horz" wrap="square" lIns="11430" tIns="11430" rIns="11430" bIns="11430" numCol="1" spcCol="1270" anchor="ctr" anchorCtr="0">
+          <a:noAutofit/>
+        </a:bodyPr>
+        <a:lstStyle/>
+        <a:p>
+          <a:pPr marL="0" lvl="0" indent="0" algn="ctr" defTabSz="800100">
+            <a:lnSpc>
+              <a:spcPct val="90000"/>
+            </a:lnSpc>
+            <a:spcBef>
+              <a:spcPct val="0"/>
+            </a:spcBef>
+            <a:spcAft>
+              <a:spcPct val="35000"/>
+            </a:spcAft>
+            <a:buNone/>
+          </a:pPr>
+          <a:r>
+            <a:rPr lang="en-US" sz="1800" kern="1200" dirty="0"/>
+            <a:t>Lost Innovation Opportunities</a:t>
+          </a:r>
+        </a:p>
+      </dsp:txBody>
+      <dsp:txXfrm>
+        <a:off x="8196909" y="3868481"/>
+        <a:ext cx="2256611" cy="722115"/>
+      </dsp:txXfrm>
+    </dsp:sp>
+  </dsp:spTree>
+</dsp:drawing>
+</file>
+
+<file path=ppt/diagrams/drawing3.xml><?xml version="1.0" encoding="utf-8"?>
 <dsp:drawing xmlns:dgm="http://schemas.openxmlformats.org/drawingml/2006/diagram" xmlns:dsp="http://schemas.microsoft.com/office/drawing/2008/diagram" xmlns:a="http://schemas.openxmlformats.org/drawingml/2006/main">
   <dsp:spTree>
     <dsp:nvGrpSpPr>
@@ -6710,7 +9073,7 @@
 </dsp:drawing>
 </file>
 
-<file path=ppt/diagrams/drawing3.xml><?xml version="1.0" encoding="utf-8"?>
+<file path=ppt/diagrams/drawing4.xml><?xml version="1.0" encoding="utf-8"?>
 <dsp:drawing xmlns:dgm="http://schemas.openxmlformats.org/drawingml/2006/diagram" xmlns:dsp="http://schemas.microsoft.com/office/drawing/2008/diagram" xmlns:a="http://schemas.openxmlformats.org/drawingml/2006/main">
   <dsp:spTree>
     <dsp:nvGrpSpPr>
@@ -9743,6 +12106,1301 @@
 </file>
 
 <file path=ppt/diagrams/layout3.xml><?xml version="1.0" encoding="utf-8"?>
+<dgm:layoutDef xmlns:dgm="http://schemas.openxmlformats.org/drawingml/2006/diagram" xmlns:a="http://schemas.openxmlformats.org/drawingml/2006/main" uniqueId="urn:microsoft.com/office/officeart/2008/layout/HalfCircleOrganizationChart">
+  <dgm:title val=""/>
+  <dgm:desc val=""/>
+  <dgm:catLst>
+    <dgm:cat type="hierarchy" pri="1500"/>
+  </dgm:catLst>
+  <dgm:sampData>
+    <dgm:dataModel>
+      <dgm:ptLst>
+        <dgm:pt modelId="0" type="doc"/>
+        <dgm:pt modelId="1">
+          <dgm:prSet phldr="1"/>
+        </dgm:pt>
+        <dgm:pt modelId="11" type="asst">
+          <dgm:prSet phldr="1"/>
+        </dgm:pt>
+        <dgm:pt modelId="12">
+          <dgm:prSet phldr="1"/>
+        </dgm:pt>
+        <dgm:pt modelId="13">
+          <dgm:prSet phldr="1"/>
+        </dgm:pt>
+        <dgm:pt modelId="14">
+          <dgm:prSet phldr="1"/>
+        </dgm:pt>
+      </dgm:ptLst>
+      <dgm:cxnLst>
+        <dgm:cxn modelId="2" srcId="0" destId="1" srcOrd="0" destOrd="0"/>
+        <dgm:cxn modelId="15" srcId="1" destId="11" srcOrd="0" destOrd="0"/>
+        <dgm:cxn modelId="16" srcId="1" destId="12" srcOrd="1" destOrd="0"/>
+        <dgm:cxn modelId="17" srcId="1" destId="13" srcOrd="2" destOrd="0"/>
+        <dgm:cxn modelId="18" srcId="1" destId="14" srcOrd="2" destOrd="0"/>
+      </dgm:cxnLst>
+      <dgm:bg/>
+      <dgm:whole/>
+    </dgm:dataModel>
+  </dgm:sampData>
+  <dgm:styleData>
+    <dgm:dataModel>
+      <dgm:ptLst>
+        <dgm:pt modelId="0" type="doc"/>
+        <dgm:pt modelId="1">
+          <dgm:prSet phldr="1"/>
+        </dgm:pt>
+        <dgm:pt modelId="11">
+          <dgm:prSet phldr="1"/>
+        </dgm:pt>
+        <dgm:pt modelId="12">
+          <dgm:prSet phldr="1"/>
+        </dgm:pt>
+      </dgm:ptLst>
+      <dgm:cxnLst>
+        <dgm:cxn modelId="2" srcId="0" destId="1" srcOrd="0" destOrd="0"/>
+        <dgm:cxn modelId="3" srcId="1" destId="11" srcOrd="0" destOrd="0"/>
+        <dgm:cxn modelId="4" srcId="1" destId="12" srcOrd="1" destOrd="0"/>
+      </dgm:cxnLst>
+      <dgm:bg/>
+      <dgm:whole/>
+    </dgm:dataModel>
+  </dgm:styleData>
+  <dgm:clrData>
+    <dgm:dataModel>
+      <dgm:ptLst>
+        <dgm:pt modelId="0" type="doc"/>
+        <dgm:pt modelId="1">
+          <dgm:prSet phldr="1"/>
+        </dgm:pt>
+        <dgm:pt modelId="11" type="asst">
+          <dgm:prSet phldr="1"/>
+        </dgm:pt>
+        <dgm:pt modelId="12">
+          <dgm:prSet phldr="1"/>
+        </dgm:pt>
+        <dgm:pt modelId="13">
+          <dgm:prSet phldr="1"/>
+        </dgm:pt>
+        <dgm:pt modelId="14">
+          <dgm:prSet phldr="1"/>
+        </dgm:pt>
+      </dgm:ptLst>
+      <dgm:cxnLst>
+        <dgm:cxn modelId="2" srcId="0" destId="1" srcOrd="0" destOrd="0"/>
+        <dgm:cxn modelId="15" srcId="1" destId="11" srcOrd="0" destOrd="0"/>
+        <dgm:cxn modelId="16" srcId="1" destId="12" srcOrd="1" destOrd="0"/>
+        <dgm:cxn modelId="17" srcId="1" destId="13" srcOrd="2" destOrd="0"/>
+        <dgm:cxn modelId="18" srcId="1" destId="14" srcOrd="2" destOrd="0"/>
+      </dgm:cxnLst>
+      <dgm:bg/>
+      <dgm:whole/>
+    </dgm:dataModel>
+  </dgm:clrData>
+  <dgm:layoutNode name="Name0">
+    <dgm:varLst>
+      <dgm:orgChart val="1"/>
+      <dgm:chPref val="1"/>
+      <dgm:dir/>
+      <dgm:animOne val="branch"/>
+      <dgm:animLvl val="lvl"/>
+      <dgm:resizeHandles/>
+    </dgm:varLst>
+    <dgm:choose name="Name1">
+      <dgm:if name="Name2" func="var" arg="dir" op="equ" val="norm">
+        <dgm:alg type="hierChild">
+          <dgm:param type="linDir" val="fromL"/>
+        </dgm:alg>
+      </dgm:if>
+      <dgm:else name="Name3">
+        <dgm:alg type="hierChild">
+          <dgm:param type="linDir" val="fromR"/>
+        </dgm:alg>
+      </dgm:else>
+    </dgm:choose>
+    <dgm:shape xmlns:r="http://schemas.openxmlformats.org/officeDocument/2006/relationships" r:blip="">
+      <dgm:adjLst/>
+    </dgm:shape>
+    <dgm:presOf/>
+    <dgm:constrLst>
+      <dgm:constr type="w" for="des" forName="rootComposite1" refType="w" fact="10"/>
+      <dgm:constr type="h" for="des" forName="rootComposite1" refType="w" refFor="des" refForName="rootComposite1" fact="0.5"/>
+      <dgm:constr type="w" for="des" forName="rootComposite2" refType="w" fact="10"/>
+      <dgm:constr type="h" for="des" forName="rootComposite2" refType="w" refFor="des" refForName="rootComposite1" fact="0.5"/>
+      <dgm:constr type="w" for="des" forName="rootComposite3" refType="w" fact="10"/>
+      <dgm:constr type="h" for="des" forName="rootComposite3" refType="w" refFor="des" refForName="rootComposite1" fact="0.5"/>
+      <dgm:constr type="primFontSz" for="des" ptType="node" op="equ"/>
+      <dgm:constr type="sp" for="des" op="equ"/>
+      <dgm:constr type="sp" for="des" forName="hierRoot1" refType="w" refFor="des" refForName="rootComposite1" fact="0.21"/>
+      <dgm:constr type="sp" for="des" forName="hierRoot2" refType="sp" refFor="des" refForName="hierRoot1"/>
+      <dgm:constr type="sp" for="des" forName="hierRoot3" refType="sp" refFor="des" refForName="hierRoot1"/>
+      <dgm:constr type="sibSp" refType="w" refFor="des" refForName="rootComposite1" fact="0.21"/>
+      <dgm:constr type="sibSp" for="des" forName="hierChild2" refType="sibSp"/>
+      <dgm:constr type="sibSp" for="des" forName="hierChild3" refType="sibSp"/>
+      <dgm:constr type="sibSp" for="des" forName="hierChild4" refType="sibSp"/>
+      <dgm:constr type="sibSp" for="des" forName="hierChild5" refType="sibSp"/>
+      <dgm:constr type="sibSp" for="des" forName="hierChild6" refType="sibSp"/>
+      <dgm:constr type="sibSp" for="des" forName="hierChild7" refType="sibSp"/>
+      <dgm:constr type="secSibSp" refType="w" refFor="des" refForName="rootComposite1" fact="0.21"/>
+      <dgm:constr type="secSibSp" for="des" forName="hierChild2" refType="secSibSp"/>
+      <dgm:constr type="secSibSp" for="des" forName="hierChild3" refType="secSibSp"/>
+      <dgm:constr type="secSibSp" for="des" forName="hierChild4" refType="secSibSp"/>
+      <dgm:constr type="secSibSp" for="des" forName="hierChild5" refType="secSibSp"/>
+      <dgm:constr type="secSibSp" for="des" forName="hierChild6" refType="secSibSp"/>
+      <dgm:constr type="secSibSp" for="des" forName="hierChild7" refType="secSibSp"/>
+    </dgm:constrLst>
+    <dgm:forEach name="Name4" axis="ch">
+      <dgm:forEach name="Name5" axis="self" ptType="node">
+        <dgm:layoutNode name="hierRoot1">
+          <dgm:varLst>
+            <dgm:hierBranch val="init"/>
+          </dgm:varLst>
+          <dgm:choose name="Name6">
+            <dgm:if name="Name7" func="var" arg="hierBranch" op="equ" val="l">
+              <dgm:alg type="hierRoot">
+                <dgm:param type="hierAlign" val="tR"/>
+              </dgm:alg>
+              <dgm:constrLst>
+                <dgm:constr type="alignOff" val="0.65"/>
+              </dgm:constrLst>
+            </dgm:if>
+            <dgm:if name="Name8" func="var" arg="hierBranch" op="equ" val="r">
+              <dgm:alg type="hierRoot">
+                <dgm:param type="hierAlign" val="tL"/>
+              </dgm:alg>
+              <dgm:constrLst>
+                <dgm:constr type="alignOff" val="0.65"/>
+              </dgm:constrLst>
+            </dgm:if>
+            <dgm:if name="Name9" func="var" arg="hierBranch" op="equ" val="hang">
+              <dgm:alg type="hierRoot"/>
+              <dgm:constrLst>
+                <dgm:constr type="alignOff" val="0.65"/>
+              </dgm:constrLst>
+            </dgm:if>
+            <dgm:else name="Name10">
+              <dgm:alg type="hierRoot"/>
+              <dgm:constrLst>
+                <dgm:constr type="alignOff"/>
+                <dgm:constr type="bendDist" for="des" ptType="parTrans" refType="sp" fact="0.5"/>
+              </dgm:constrLst>
+            </dgm:else>
+          </dgm:choose>
+          <dgm:shape xmlns:r="http://schemas.openxmlformats.org/officeDocument/2006/relationships" r:blip="">
+            <dgm:adjLst/>
+          </dgm:shape>
+          <dgm:presOf/>
+          <dgm:layoutNode name="rootComposite1">
+            <dgm:alg type="composite"/>
+            <dgm:shape xmlns:r="http://schemas.openxmlformats.org/officeDocument/2006/relationships" r:blip="">
+              <dgm:adjLst/>
+            </dgm:shape>
+            <dgm:presOf axis="self" ptType="node" cnt="1"/>
+            <dgm:choose name="Name11">
+              <dgm:if name="Name12" func="var" arg="hierBranch" op="equ" val="init">
+                <dgm:constrLst>
+                  <dgm:constr type="l" for="ch" forName="rootText1"/>
+                  <dgm:constr type="t" for="ch" forName="rootText1" refType="h" fact="0.18"/>
+                  <dgm:constr type="w" for="ch" forName="rootText1" refType="w"/>
+                  <dgm:constr type="h" for="ch" forName="rootText1" refType="h" fact="0.64"/>
+                  <dgm:constr type="l" for="ch" forName="topArc1" refType="w" fact="0.25"/>
+                  <dgm:constr type="t" for="ch" forName="topArc1"/>
+                  <dgm:constr type="w" for="ch" forName="topArc1" refType="h" refFor="ch" refForName="topArc1"/>
+                  <dgm:constr type="h" for="ch" forName="topArc1" refType="h"/>
+                  <dgm:constr type="l" for="ch" forName="bottomArc1" refType="w" fact="0.25"/>
+                  <dgm:constr type="t" for="ch" forName="bottomArc1"/>
+                  <dgm:constr type="w" for="ch" forName="bottomArc1" refType="h" refFor="ch" refForName="bottomArc1"/>
+                  <dgm:constr type="h" for="ch" forName="bottomArc1" refType="h"/>
+                  <dgm:constr type="ctrX" for="ch" forName="topConnNode1" refType="w" fact="0.5"/>
+                  <dgm:constr type="t" for="ch" forName="topConnNode1"/>
+                  <dgm:constr type="w" for="ch" forName="topConnNode1" refType="h" fact="0.76"/>
+                  <dgm:constr type="b" for="ch" forName="topConnNode1" refType="t" refFor="ch" refForName="rootText1"/>
+                </dgm:constrLst>
+              </dgm:if>
+              <dgm:if name="Name13" func="var" arg="hierBranch" op="equ" val="l">
+                <dgm:constrLst>
+                  <dgm:constr type="l" for="ch" forName="rootText1"/>
+                  <dgm:constr type="t" for="ch" forName="rootText1" refType="h" fact="0.18"/>
+                  <dgm:constr type="w" for="ch" forName="rootText1" refType="w"/>
+                  <dgm:constr type="h" for="ch" forName="rootText1" refType="h" fact="0.64"/>
+                  <dgm:constr type="l" for="ch" forName="topArc1" refType="w" fact="0.25"/>
+                  <dgm:constr type="t" for="ch" forName="topArc1"/>
+                  <dgm:constr type="w" for="ch" forName="topArc1" refType="h" refFor="ch" refForName="topArc1"/>
+                  <dgm:constr type="h" for="ch" forName="topArc1" refType="h"/>
+                  <dgm:constr type="l" for="ch" forName="bottomArc1" refType="w" fact="0.25"/>
+                  <dgm:constr type="t" for="ch" forName="bottomArc1"/>
+                  <dgm:constr type="w" for="ch" forName="bottomArc1" refType="h" refFor="ch" refForName="bottomArc1"/>
+                  <dgm:constr type="h" for="ch" forName="bottomArc1" refType="h"/>
+                  <dgm:constr type="ctrX" for="ch" forName="topConnNode1" refType="w" fact="0.5"/>
+                  <dgm:constr type="t" for="ch" forName="topConnNode1"/>
+                  <dgm:constr type="w" for="ch" forName="topConnNode1" refType="h" fact="0.76"/>
+                  <dgm:constr type="b" for="ch" forName="topConnNode1" refType="t" refFor="ch" refForName="rootText1"/>
+                </dgm:constrLst>
+              </dgm:if>
+              <dgm:if name="Name14" func="var" arg="hierBranch" op="equ" val="r">
+                <dgm:constrLst>
+                  <dgm:constr type="l" for="ch" forName="rootText1"/>
+                  <dgm:constr type="t" for="ch" forName="rootText1" refType="h" fact="0.18"/>
+                  <dgm:constr type="w" for="ch" forName="rootText1" refType="w"/>
+                  <dgm:constr type="h" for="ch" forName="rootText1" refType="h" fact="0.64"/>
+                  <dgm:constr type="l" for="ch" forName="topArc1" refType="w" fact="0.25"/>
+                  <dgm:constr type="t" for="ch" forName="topArc1"/>
+                  <dgm:constr type="w" for="ch" forName="topArc1" refType="h" refFor="ch" refForName="topArc1"/>
+                  <dgm:constr type="h" for="ch" forName="topArc1" refType="h"/>
+                  <dgm:constr type="l" for="ch" forName="bottomArc1" refType="w" fact="0.25"/>
+                  <dgm:constr type="t" for="ch" forName="bottomArc1"/>
+                  <dgm:constr type="w" for="ch" forName="bottomArc1" refType="h" refFor="ch" refForName="bottomArc1"/>
+                  <dgm:constr type="h" for="ch" forName="bottomArc1" refType="h"/>
+                  <dgm:constr type="ctrX" for="ch" forName="topConnNode1" refType="w" fact="0.5"/>
+                  <dgm:constr type="t" for="ch" forName="topConnNode1"/>
+                  <dgm:constr type="w" for="ch" forName="topConnNode1" refType="h" fact="0.76"/>
+                  <dgm:constr type="b" for="ch" forName="topConnNode1" refType="t" refFor="ch" refForName="rootText1"/>
+                </dgm:constrLst>
+              </dgm:if>
+              <dgm:else name="Name15">
+                <dgm:constrLst>
+                  <dgm:constr type="l" for="ch" forName="rootText1"/>
+                  <dgm:constr type="t" for="ch" forName="rootText1" refType="h" fact="0.18"/>
+                  <dgm:constr type="w" for="ch" forName="rootText1" refType="w"/>
+                  <dgm:constr type="h" for="ch" forName="rootText1" refType="h" fact="0.64"/>
+                  <dgm:constr type="l" for="ch" forName="topArc1" refType="w" fact="0.25"/>
+                  <dgm:constr type="t" for="ch" forName="topArc1"/>
+                  <dgm:constr type="w" for="ch" forName="topArc1" refType="h" refFor="ch" refForName="topArc1"/>
+                  <dgm:constr type="h" for="ch" forName="topArc1" refType="h"/>
+                  <dgm:constr type="l" for="ch" forName="bottomArc1" refType="w" fact="0.25"/>
+                  <dgm:constr type="t" for="ch" forName="bottomArc1"/>
+                  <dgm:constr type="w" for="ch" forName="bottomArc1" refType="h" refFor="ch" refForName="bottomArc1"/>
+                  <dgm:constr type="h" for="ch" forName="bottomArc1" refType="h"/>
+                  <dgm:constr type="ctrX" for="ch" forName="topConnNode1" refType="w" fact="0.5"/>
+                  <dgm:constr type="t" for="ch" forName="topConnNode1"/>
+                  <dgm:constr type="w" for="ch" forName="topConnNode1" refType="h" fact="0.76"/>
+                  <dgm:constr type="b" for="ch" forName="topConnNode1" refType="t" refFor="ch" refForName="rootText1"/>
+                </dgm:constrLst>
+              </dgm:else>
+            </dgm:choose>
+            <dgm:layoutNode name="rootText1" styleLbl="alignAcc1">
+              <dgm:varLst>
+                <dgm:chPref val="3"/>
+              </dgm:varLst>
+              <dgm:alg type="tx"/>
+              <dgm:shape xmlns:r="http://schemas.openxmlformats.org/officeDocument/2006/relationships" type="rect" r:blip="" hideGeom="1">
+                <dgm:adjLst/>
+              </dgm:shape>
+              <dgm:presOf axis="self" ptType="node" cnt="1"/>
+              <dgm:constrLst>
+                <dgm:constr type="primFontSz" val="65"/>
+                <dgm:constr type="lMarg" refType="primFontSz" fact="0.05"/>
+                <dgm:constr type="rMarg" refType="primFontSz" fact="0.05"/>
+                <dgm:constr type="tMarg" refType="primFontSz" fact="0.05"/>
+                <dgm:constr type="bMarg" refType="primFontSz" fact="0.05"/>
+              </dgm:constrLst>
+              <dgm:ruleLst>
+                <dgm:rule type="primFontSz" val="5" fact="NaN" max="NaN"/>
+              </dgm:ruleLst>
+            </dgm:layoutNode>
+            <dgm:layoutNode name="topArc1" styleLbl="parChTrans1D1" moveWith="rootText1">
+              <dgm:alg type="sp"/>
+              <dgm:shape xmlns:r="http://schemas.openxmlformats.org/officeDocument/2006/relationships" type="arc" r:blip="" zOrderOff="-2">
+                <dgm:adjLst>
+                  <dgm:adj idx="1" val="-140"/>
+                  <dgm:adj idx="2" val="-40"/>
+                </dgm:adjLst>
+              </dgm:shape>
+              <dgm:presOf/>
+            </dgm:layoutNode>
+            <dgm:layoutNode name="bottomArc1" styleLbl="parChTrans1D1" moveWith="rootText1">
+              <dgm:alg type="sp"/>
+              <dgm:shape xmlns:r="http://schemas.openxmlformats.org/officeDocument/2006/relationships" type="arc" r:blip="" zOrderOff="-2">
+                <dgm:adjLst>
+                  <dgm:adj idx="1" val="40"/>
+                  <dgm:adj idx="2" val="140"/>
+                </dgm:adjLst>
+              </dgm:shape>
+              <dgm:presOf/>
+            </dgm:layoutNode>
+            <dgm:layoutNode name="topConnNode1" moveWith="rootText1">
+              <dgm:alg type="sp"/>
+              <dgm:shape xmlns:r="http://schemas.openxmlformats.org/officeDocument/2006/relationships" type="rect" r:blip="" hideGeom="1">
+                <dgm:adjLst/>
+              </dgm:shape>
+              <dgm:presOf axis="self" ptType="node" cnt="1"/>
+            </dgm:layoutNode>
+          </dgm:layoutNode>
+          <dgm:layoutNode name="hierChild2">
+            <dgm:choose name="Name16">
+              <dgm:if name="Name17" func="var" arg="hierBranch" op="equ" val="l">
+                <dgm:alg type="hierChild">
+                  <dgm:param type="chAlign" val="r"/>
+                  <dgm:param type="linDir" val="fromT"/>
+                </dgm:alg>
+              </dgm:if>
+              <dgm:if name="Name18" func="var" arg="hierBranch" op="equ" val="r">
+                <dgm:alg type="hierChild">
+                  <dgm:param type="chAlign" val="l"/>
+                  <dgm:param type="linDir" val="fromT"/>
+                </dgm:alg>
+              </dgm:if>
+              <dgm:if name="Name19" func="var" arg="hierBranch" op="equ" val="hang">
+                <dgm:choose name="Name20">
+                  <dgm:if name="Name21" func="var" arg="dir" op="equ" val="norm">
+                    <dgm:alg type="hierChild">
+                      <dgm:param type="chAlign" val="l"/>
+                      <dgm:param type="linDir" val="fromL"/>
+                      <dgm:param type="secChAlign" val="t"/>
+                      <dgm:param type="secLinDir" val="fromT"/>
+                    </dgm:alg>
+                  </dgm:if>
+                  <dgm:else name="Name22">
+                    <dgm:alg type="hierChild">
+                      <dgm:param type="chAlign" val="l"/>
+                      <dgm:param type="linDir" val="fromR"/>
+                      <dgm:param type="secChAlign" val="t"/>
+                      <dgm:param type="secLinDir" val="fromT"/>
+                    </dgm:alg>
+                  </dgm:else>
+                </dgm:choose>
+              </dgm:if>
+              <dgm:else name="Name23">
+                <dgm:choose name="Name24">
+                  <dgm:if name="Name25" func="var" arg="dir" op="equ" val="norm">
+                    <dgm:alg type="hierChild"/>
+                  </dgm:if>
+                  <dgm:else name="Name26">
+                    <dgm:alg type="hierChild">
+                      <dgm:param type="linDir" val="fromR"/>
+                    </dgm:alg>
+                  </dgm:else>
+                </dgm:choose>
+              </dgm:else>
+            </dgm:choose>
+            <dgm:shape xmlns:r="http://schemas.openxmlformats.org/officeDocument/2006/relationships" r:blip="">
+              <dgm:adjLst/>
+            </dgm:shape>
+            <dgm:presOf/>
+            <dgm:forEach name="rep2a" axis="ch" ptType="nonAsst">
+              <dgm:forEach name="Name27" axis="precedSib" ptType="parTrans" st="-1" cnt="1">
+                <dgm:layoutNode name="Name28">
+                  <dgm:choose name="Name29">
+                    <dgm:if name="Name30" func="var" arg="hierBranch" op="equ" val="std">
+                      <dgm:choose name="Name31">
+                        <dgm:if name="Name32" axis="self" func="depth" op="lte" val="2">
+                          <dgm:alg type="conn">
+                            <dgm:param type="connRout" val="bend"/>
+                            <dgm:param type="dim" val="1D"/>
+                            <dgm:param type="endSty" val="noArr"/>
+                            <dgm:param type="begPts" val="bCtr"/>
+                            <dgm:param type="endPts" val="tCtr"/>
+                            <dgm:param type="bendPt" val="end"/>
+                            <dgm:param type="srcNode" val="bottomArc1"/>
+                            <dgm:param type="dstNode" val="topArc2"/>
+                          </dgm:alg>
+                        </dgm:if>
+                        <dgm:if name="Name33" axis="par" ptType="asst" func="cnt" op="equ" val="1">
+                          <dgm:alg type="conn">
+                            <dgm:param type="connRout" val="bend"/>
+                            <dgm:param type="dim" val="1D"/>
+                            <dgm:param type="endSty" val="noArr"/>
+                            <dgm:param type="begPts" val="bCtr"/>
+                            <dgm:param type="endPts" val="tCtr"/>
+                            <dgm:param type="bendPt" val="end"/>
+                            <dgm:param type="srcNode" val="bottomArc3"/>
+                            <dgm:param type="dstNode" val="topArc2"/>
+                          </dgm:alg>
+                        </dgm:if>
+                        <dgm:else name="Name34">
+                          <dgm:alg type="conn">
+                            <dgm:param type="connRout" val="bend"/>
+                            <dgm:param type="dim" val="1D"/>
+                            <dgm:param type="endSty" val="noArr"/>
+                            <dgm:param type="begPts" val="bCtr"/>
+                            <dgm:param type="endPts" val="tCtr"/>
+                            <dgm:param type="bendPt" val="end"/>
+                            <dgm:param type="srcNode" val="bottomArc2"/>
+                            <dgm:param type="dstNode" val="topArc2"/>
+                          </dgm:alg>
+                        </dgm:else>
+                      </dgm:choose>
+                    </dgm:if>
+                    <dgm:if name="Name35" func="var" arg="hierBranch" op="equ" val="init">
+                      <dgm:choose name="Name36">
+                        <dgm:if name="Name37" axis="self" func="depth" op="lte" val="2">
+                          <dgm:choose name="Name38">
+                            <dgm:if name="Name39" axis="self" func="depth" op="lte" val="2">
+                              <dgm:alg type="conn">
+                                <dgm:param type="connRout" val="bend"/>
+                                <dgm:param type="dim" val="1D"/>
+                                <dgm:param type="endSty" val="noArr"/>
+                                <dgm:param type="begPts" val="bCtr"/>
+                                <dgm:param type="endPts" val="tCtr"/>
+                                <dgm:param type="bendPt" val="end"/>
+                                <dgm:param type="srcNode" val="bottomArc1"/>
+                                <dgm:param type="dstNode" val="topArc2"/>
+                              </dgm:alg>
+                            </dgm:if>
+                            <dgm:if name="Name40" axis="par" ptType="asst" func="cnt" op="equ" val="1">
+                              <dgm:alg type="conn">
+                                <dgm:param type="connRout" val="bend"/>
+                                <dgm:param type="dim" val="1D"/>
+                                <dgm:param type="endSty" val="noArr"/>
+                                <dgm:param type="begPts" val="bCtr"/>
+                                <dgm:param type="endPts" val="tCtr"/>
+                                <dgm:param type="bendPt" val="end"/>
+                                <dgm:param type="srcNode" val="bottomArc3"/>
+                                <dgm:param type="dstNode" val="topArc2"/>
+                              </dgm:alg>
+                            </dgm:if>
+                            <dgm:else name="Name41">
+                              <dgm:alg type="conn">
+                                <dgm:param type="connRout" val="bend"/>
+                                <dgm:param type="dim" val="1D"/>
+                                <dgm:param type="endSty" val="noArr"/>
+                                <dgm:param type="begPts" val="bCtr"/>
+                                <dgm:param type="endPts" val="tCtr"/>
+                                <dgm:param type="bendPt" val="end"/>
+                                <dgm:param type="srcNode" val="bottomArc2"/>
+                                <dgm:param type="dstNode" val="topArc2"/>
+                              </dgm:alg>
+                            </dgm:else>
+                          </dgm:choose>
+                        </dgm:if>
+                        <dgm:else name="Name42">
+                          <dgm:choose name="Name43">
+                            <dgm:if name="Name44" axis="par des" func="maxDepth" op="lte" val="1">
+                              <dgm:choose name="Name45">
+                                <dgm:if name="Name46" axis="self" func="depth" op="lte" val="2">
+                                  <dgm:alg type="conn">
+                                    <dgm:param type="connRout" val="bend"/>
+                                    <dgm:param type="dim" val="1D"/>
+                                    <dgm:param type="endSty" val="noArr"/>
+                                    <dgm:param type="begPts" val="bCtr"/>
+                                    <dgm:param type="endPts" val="bL bR"/>
+                                    <dgm:param type="srcNode" val="bottomArc1"/>
+                                    <dgm:param type="dstNode" val="topConnNode2"/>
+                                  </dgm:alg>
+                                </dgm:if>
+                                <dgm:if name="Name47" axis="par" ptType="asst" func="cnt" op="equ" val="1">
+                                  <dgm:alg type="conn">
+                                    <dgm:param type="connRout" val="bend"/>
+                                    <dgm:param type="dim" val="1D"/>
+                                    <dgm:param type="endSty" val="noArr"/>
+                                    <dgm:param type="begPts" val="bCtr"/>
+                                    <dgm:param type="endPts" val="bL bR"/>
+                                    <dgm:param type="srcNode" val="bottomArc3"/>
+                                    <dgm:param type="dstNode" val="topConnNode2"/>
+                                  </dgm:alg>
+                                </dgm:if>
+                                <dgm:else name="Name48">
+                                  <dgm:alg type="conn">
+                                    <dgm:param type="connRout" val="bend"/>
+                                    <dgm:param type="dim" val="1D"/>
+                                    <dgm:param type="endSty" val="noArr"/>
+                                    <dgm:param type="begPts" val="bCtr"/>
+                                    <dgm:param type="endPts" val="bL bR"/>
+                                    <dgm:param type="srcNode" val="bottomArc2"/>
+                                    <dgm:param type="dstNode" val="topConnNode2"/>
+                                  </dgm:alg>
+                                </dgm:else>
+                              </dgm:choose>
+                            </dgm:if>
+                            <dgm:else name="Name49">
+                              <dgm:choose name="Name50">
+                                <dgm:if name="Name51" axis="self" func="depth" op="lte" val="2">
+                                  <dgm:alg type="conn">
+                                    <dgm:param type="connRout" val="bend"/>
+                                    <dgm:param type="dim" val="1D"/>
+                                    <dgm:param type="endSty" val="noArr"/>
+                                    <dgm:param type="begPts" val="bCtr"/>
+                                    <dgm:param type="endPts" val="tCtr"/>
+                                    <dgm:param type="bendPt" val="end"/>
+                                    <dgm:param type="srcNode" val="bottomArc1"/>
+                                    <dgm:param type="dstNode" val="topArc2"/>
+                                  </dgm:alg>
+                                </dgm:if>
+                                <dgm:if name="Name52" axis="par" ptType="asst" func="cnt" op="equ" val="1">
+                                  <dgm:alg type="conn">
+                                    <dgm:param type="connRout" val="bend"/>
+                                    <dgm:param type="dim" val="1D"/>
+                                    <dgm:param type="endSty" val="noArr"/>
+                                    <dgm:param type="begPts" val="bCtr"/>
+                                    <dgm:param type="endPts" val="tCtr"/>
+                                    <dgm:param type="bendPt" val="end"/>
+                                    <dgm:param type="srcNode" val="bottomArc3"/>
+                                    <dgm:param type="dstNode" val="topArc2"/>
+                                  </dgm:alg>
+                                </dgm:if>
+                                <dgm:else name="Name53">
+                                  <dgm:alg type="conn">
+                                    <dgm:param type="connRout" val="bend"/>
+                                    <dgm:param type="dim" val="1D"/>
+                                    <dgm:param type="endSty" val="noArr"/>
+                                    <dgm:param type="begPts" val="bCtr"/>
+                                    <dgm:param type="endPts" val="tCtr"/>
+                                    <dgm:param type="bendPt" val="end"/>
+                                    <dgm:param type="srcNode" val="bottomArc2"/>
+                                    <dgm:param type="dstNode" val="topArc2"/>
+                                  </dgm:alg>
+                                </dgm:else>
+                              </dgm:choose>
+                            </dgm:else>
+                          </dgm:choose>
+                        </dgm:else>
+                      </dgm:choose>
+                    </dgm:if>
+                    <dgm:else name="Name54">
+                      <dgm:choose name="Name55">
+                        <dgm:if name="Name56" axis="self" func="depth" op="lte" val="2">
+                          <dgm:alg type="conn">
+                            <dgm:param type="connRout" val="bend"/>
+                            <dgm:param type="dim" val="1D"/>
+                            <dgm:param type="endSty" val="noArr"/>
+                            <dgm:param type="begPts" val="bCtr"/>
+                            <dgm:param type="endPts" val="bL bR"/>
+                            <dgm:param type="srcNode" val="bottomArc1"/>
+                            <dgm:param type="dstNode" val="topConnNode2"/>
+                          </dgm:alg>
+                        </dgm:if>
+                        <dgm:if name="Name57" axis="par" ptType="asst" func="cnt" op="equ" val="1">
+                          <dgm:alg type="conn">
+                            <dgm:param type="connRout" val="bend"/>
+                            <dgm:param type="dim" val="1D"/>
+                            <dgm:param type="endSty" val="noArr"/>
+                            <dgm:param type="begPts" val="bCtr"/>
+                            <dgm:param type="endPts" val="bL bR"/>
+                            <dgm:param type="srcNode" val="bottomArc3"/>
+                            <dgm:param type="dstNode" val="topConnNode2"/>
+                          </dgm:alg>
+                        </dgm:if>
+                        <dgm:else name="Name58">
+                          <dgm:alg type="conn">
+                            <dgm:param type="connRout" val="bend"/>
+                            <dgm:param type="dim" val="1D"/>
+                            <dgm:param type="endSty" val="noArr"/>
+                            <dgm:param type="begPts" val="bCtr"/>
+                            <dgm:param type="endPts" val="bL bR"/>
+                            <dgm:param type="srcNode" val="bottomArc2"/>
+                            <dgm:param type="dstNode" val="topConnNode2"/>
+                          </dgm:alg>
+                        </dgm:else>
+                      </dgm:choose>
+                    </dgm:else>
+                  </dgm:choose>
+                  <dgm:shape xmlns:r="http://schemas.openxmlformats.org/officeDocument/2006/relationships" type="conn" r:blip="" zOrderOff="-99999">
+                    <dgm:adjLst/>
+                  </dgm:shape>
+                  <dgm:presOf axis="self"/>
+                  <dgm:constrLst>
+                    <dgm:constr type="begPad"/>
+                    <dgm:constr type="endPad"/>
+                  </dgm:constrLst>
+                </dgm:layoutNode>
+              </dgm:forEach>
+              <dgm:layoutNode name="hierRoot2">
+                <dgm:varLst>
+                  <dgm:hierBranch val="init"/>
+                </dgm:varLst>
+                <dgm:choose name="Name59">
+                  <dgm:if name="Name60" func="var" arg="hierBranch" op="equ" val="l">
+                    <dgm:alg type="hierRoot">
+                      <dgm:param type="hierAlign" val="tR"/>
+                    </dgm:alg>
+                    <dgm:shape xmlns:r="http://schemas.openxmlformats.org/officeDocument/2006/relationships" r:blip="">
+                      <dgm:adjLst/>
+                    </dgm:shape>
+                    <dgm:presOf/>
+                    <dgm:constrLst>
+                      <dgm:constr type="alignOff" val="0.65"/>
+                    </dgm:constrLst>
+                  </dgm:if>
+                  <dgm:if name="Name61" func="var" arg="hierBranch" op="equ" val="r">
+                    <dgm:alg type="hierRoot">
+                      <dgm:param type="hierAlign" val="tL"/>
+                    </dgm:alg>
+                    <dgm:shape xmlns:r="http://schemas.openxmlformats.org/officeDocument/2006/relationships" r:blip="">
+                      <dgm:adjLst/>
+                    </dgm:shape>
+                    <dgm:presOf/>
+                    <dgm:constrLst>
+                      <dgm:constr type="alignOff" val="0.65"/>
+                    </dgm:constrLst>
+                  </dgm:if>
+                  <dgm:if name="Name62" func="var" arg="hierBranch" op="equ" val="std">
+                    <dgm:alg type="hierRoot"/>
+                    <dgm:shape xmlns:r="http://schemas.openxmlformats.org/officeDocument/2006/relationships" r:blip="">
+                      <dgm:adjLst/>
+                    </dgm:shape>
+                    <dgm:presOf/>
+                    <dgm:constrLst>
+                      <dgm:constr type="alignOff"/>
+                      <dgm:constr type="bendDist" for="des" ptType="parTrans" refType="sp" fact="0.5"/>
+                    </dgm:constrLst>
+                  </dgm:if>
+                  <dgm:if name="Name63" func="var" arg="hierBranch" op="equ" val="init">
+                    <dgm:choose name="Name64">
+                      <dgm:if name="Name65" axis="des" func="maxDepth" op="lte" val="1">
+                        <dgm:alg type="hierRoot">
+                          <dgm:param type="hierAlign" val="tL"/>
+                        </dgm:alg>
+                        <dgm:shape xmlns:r="http://schemas.openxmlformats.org/officeDocument/2006/relationships" r:blip="">
+                          <dgm:adjLst/>
+                        </dgm:shape>
+                        <dgm:presOf/>
+                        <dgm:constrLst>
+                          <dgm:constr type="alignOff" val="0.65"/>
+                        </dgm:constrLst>
+                      </dgm:if>
+                      <dgm:else name="Name66">
+                        <dgm:alg type="hierRoot"/>
+                        <dgm:shape xmlns:r="http://schemas.openxmlformats.org/officeDocument/2006/relationships" r:blip="">
+                          <dgm:adjLst/>
+                        </dgm:shape>
+                        <dgm:presOf/>
+                        <dgm:constrLst>
+                          <dgm:constr type="alignOff"/>
+                          <dgm:constr type="bendDist" for="des" ptType="parTrans" refType="sp" fact="0.5"/>
+                        </dgm:constrLst>
+                      </dgm:else>
+                    </dgm:choose>
+                  </dgm:if>
+                  <dgm:else name="Name67">
+                    <dgm:alg type="hierRoot"/>
+                    <dgm:shape xmlns:r="http://schemas.openxmlformats.org/officeDocument/2006/relationships" r:blip="">
+                      <dgm:adjLst/>
+                    </dgm:shape>
+                    <dgm:presOf/>
+                    <dgm:constrLst>
+                      <dgm:constr type="alignOff" val="0.65"/>
+                    </dgm:constrLst>
+                  </dgm:else>
+                </dgm:choose>
+                <dgm:layoutNode name="rootComposite2">
+                  <dgm:alg type="composite"/>
+                  <dgm:shape xmlns:r="http://schemas.openxmlformats.org/officeDocument/2006/relationships" r:blip="">
+                    <dgm:adjLst/>
+                  </dgm:shape>
+                  <dgm:presOf axis="self" ptType="node" cnt="1"/>
+                  <dgm:choose name="Name68">
+                    <dgm:if name="Name69" func="var" arg="hierBranch" op="equ" val="init">
+                      <dgm:constrLst>
+                        <dgm:constr type="l" for="ch" forName="rootText2"/>
+                        <dgm:constr type="t" for="ch" forName="rootText2" refType="h" fact="0.18"/>
+                        <dgm:constr type="w" for="ch" forName="rootText2" refType="w"/>
+                        <dgm:constr type="h" for="ch" forName="rootText2" refType="h" fact="0.64"/>
+                        <dgm:constr type="l" for="ch" forName="topArc2" refType="w" fact="0.25"/>
+                        <dgm:constr type="t" for="ch" forName="topArc2"/>
+                        <dgm:constr type="w" for="ch" forName="topArc2" refType="h" refFor="ch" refForName="topArc2"/>
+                        <dgm:constr type="h" for="ch" forName="topArc2" refType="h"/>
+                        <dgm:constr type="l" for="ch" forName="bottomArc2" refType="w" fact="0.25"/>
+                        <dgm:constr type="t" for="ch" forName="bottomArc2"/>
+                        <dgm:constr type="w" for="ch" forName="bottomArc2" refType="h" refFor="ch" refForName="bottomArc2"/>
+                        <dgm:constr type="h" for="ch" forName="bottomArc2" refType="h"/>
+                        <dgm:constr type="ctrX" for="ch" forName="topConnNode2" refType="w" fact="0.5"/>
+                        <dgm:constr type="t" for="ch" forName="topConnNode2"/>
+                        <dgm:constr type="w" for="ch" forName="topConnNode2" refType="h" fact="0.76"/>
+                        <dgm:constr type="b" for="ch" forName="topConnNode2" refType="t" refFor="ch" refForName="rootText2"/>
+                      </dgm:constrLst>
+                    </dgm:if>
+                    <dgm:if name="Name70" func="var" arg="hierBranch" op="equ" val="l">
+                      <dgm:constrLst>
+                        <dgm:constr type="l" for="ch" forName="rootText2"/>
+                        <dgm:constr type="t" for="ch" forName="rootText2" refType="h" fact="0.18"/>
+                        <dgm:constr type="w" for="ch" forName="rootText2" refType="w"/>
+                        <dgm:constr type="h" for="ch" forName="rootText2" refType="h" fact="0.64"/>
+                        <dgm:constr type="l" for="ch" forName="topArc2" refType="w" fact="0.25"/>
+                        <dgm:constr type="t" for="ch" forName="topArc2"/>
+                        <dgm:constr type="w" for="ch" forName="topArc2" refType="h" refFor="ch" refForName="topArc2"/>
+                        <dgm:constr type="h" for="ch" forName="topArc2" refType="h"/>
+                        <dgm:constr type="l" for="ch" forName="bottomArc2" refType="w" fact="0.25"/>
+                        <dgm:constr type="t" for="ch" forName="bottomArc2"/>
+                        <dgm:constr type="w" for="ch" forName="bottomArc2" refType="h" refFor="ch" refForName="bottomArc2"/>
+                        <dgm:constr type="h" for="ch" forName="bottomArc2" refType="h"/>
+                        <dgm:constr type="ctrX" for="ch" forName="topConnNode2" refType="w" fact="0.5"/>
+                        <dgm:constr type="t" for="ch" forName="topConnNode2"/>
+                        <dgm:constr type="w" for="ch" forName="topConnNode2" refType="h" fact="0.76"/>
+                        <dgm:constr type="b" for="ch" forName="topConnNode2" refType="t" refFor="ch" refForName="rootText2"/>
+                      </dgm:constrLst>
+                    </dgm:if>
+                    <dgm:if name="Name71" func="var" arg="hierBranch" op="equ" val="r">
+                      <dgm:constrLst>
+                        <dgm:constr type="l" for="ch" forName="rootText2"/>
+                        <dgm:constr type="t" for="ch" forName="rootText2" refType="h" fact="0.18"/>
+                        <dgm:constr type="w" for="ch" forName="rootText2" refType="w"/>
+                        <dgm:constr type="h" for="ch" forName="rootText2" refType="h" fact="0.64"/>
+                        <dgm:constr type="l" for="ch" forName="topArc2" refType="w" fact="0.25"/>
+                        <dgm:constr type="t" for="ch" forName="topArc2"/>
+                        <dgm:constr type="w" for="ch" forName="topArc2" refType="h" refFor="ch" refForName="topArc2"/>
+                        <dgm:constr type="h" for="ch" forName="topArc2" refType="h"/>
+                        <dgm:constr type="l" for="ch" forName="bottomArc2" refType="w" fact="0.25"/>
+                        <dgm:constr type="t" for="ch" forName="bottomArc2"/>
+                        <dgm:constr type="w" for="ch" forName="bottomArc2" refType="h" refFor="ch" refForName="bottomArc2"/>
+                        <dgm:constr type="h" for="ch" forName="bottomArc2" refType="h"/>
+                        <dgm:constr type="ctrX" for="ch" forName="topConnNode2" refType="w" fact="0.5"/>
+                        <dgm:constr type="t" for="ch" forName="topConnNode2"/>
+                        <dgm:constr type="w" for="ch" forName="topConnNode2" refType="h" fact="0.76"/>
+                        <dgm:constr type="b" for="ch" forName="topConnNode2" refType="t" refFor="ch" refForName="rootText2"/>
+                      </dgm:constrLst>
+                    </dgm:if>
+                    <dgm:else name="Name72">
+                      <dgm:constrLst>
+                        <dgm:constr type="l" for="ch" forName="rootText2"/>
+                        <dgm:constr type="t" for="ch" forName="rootText2" refType="h" fact="0.18"/>
+                        <dgm:constr type="w" for="ch" forName="rootText2" refType="w"/>
+                        <dgm:constr type="h" for="ch" forName="rootText2" refType="h" fact="0.64"/>
+                        <dgm:constr type="l" for="ch" forName="topArc2" refType="w" fact="0.25"/>
+                        <dgm:constr type="t" for="ch" forName="topArc2"/>
+                        <dgm:constr type="w" for="ch" forName="topArc2" refType="h" refFor="ch" refForName="topArc2"/>
+                        <dgm:constr type="h" for="ch" forName="topArc2" refType="h"/>
+                        <dgm:constr type="l" for="ch" forName="bottomArc2" refType="w" fact="0.25"/>
+                        <dgm:constr type="t" for="ch" forName="bottomArc2"/>
+                        <dgm:constr type="w" for="ch" forName="bottomArc2" refType="h" refFor="ch" refForName="bottomArc2"/>
+                        <dgm:constr type="h" for="ch" forName="bottomArc2" refType="h"/>
+                        <dgm:constr type="ctrX" for="ch" forName="topConnNode2" refType="w" fact="0.5"/>
+                        <dgm:constr type="t" for="ch" forName="topConnNode2"/>
+                        <dgm:constr type="w" for="ch" forName="topConnNode2" refType="h" fact="0.76"/>
+                        <dgm:constr type="b" for="ch" forName="topConnNode2" refType="t" refFor="ch" refForName="rootText2"/>
+                      </dgm:constrLst>
+                    </dgm:else>
+                  </dgm:choose>
+                  <dgm:layoutNode name="rootText2" styleLbl="alignAcc1">
+                    <dgm:varLst>
+                      <dgm:chPref val="3"/>
+                    </dgm:varLst>
+                    <dgm:alg type="tx"/>
+                    <dgm:shape xmlns:r="http://schemas.openxmlformats.org/officeDocument/2006/relationships" type="rect" r:blip="" hideGeom="1">
+                      <dgm:adjLst/>
+                    </dgm:shape>
+                    <dgm:presOf axis="self" ptType="node" cnt="1"/>
+                    <dgm:constrLst>
+                      <dgm:constr type="primFontSz" val="65"/>
+                      <dgm:constr type="lMarg" refType="primFontSz" fact="0.05"/>
+                      <dgm:constr type="rMarg" refType="primFontSz" fact="0.05"/>
+                      <dgm:constr type="tMarg" refType="primFontSz" fact="0.05"/>
+                      <dgm:constr type="bMarg" refType="primFontSz" fact="0.05"/>
+                    </dgm:constrLst>
+                    <dgm:ruleLst>
+                      <dgm:rule type="primFontSz" val="5" fact="NaN" max="NaN"/>
+                    </dgm:ruleLst>
+                  </dgm:layoutNode>
+                  <dgm:layoutNode name="topArc2" styleLbl="parChTrans1D1" moveWith="rootText2">
+                    <dgm:alg type="sp"/>
+                    <dgm:shape xmlns:r="http://schemas.openxmlformats.org/officeDocument/2006/relationships" type="arc" r:blip="" zOrderOff="-2">
+                      <dgm:adjLst>
+                        <dgm:adj idx="1" val="-140"/>
+                        <dgm:adj idx="2" val="-40"/>
+                      </dgm:adjLst>
+                    </dgm:shape>
+                    <dgm:presOf/>
+                  </dgm:layoutNode>
+                  <dgm:layoutNode name="bottomArc2" styleLbl="parChTrans1D1" moveWith="rootText2">
+                    <dgm:alg type="sp"/>
+                    <dgm:shape xmlns:r="http://schemas.openxmlformats.org/officeDocument/2006/relationships" type="arc" r:blip="" zOrderOff="-2">
+                      <dgm:adjLst>
+                        <dgm:adj idx="1" val="40"/>
+                        <dgm:adj idx="2" val="140"/>
+                      </dgm:adjLst>
+                    </dgm:shape>
+                    <dgm:presOf/>
+                  </dgm:layoutNode>
+                  <dgm:layoutNode name="topConnNode2" moveWith="rootText2">
+                    <dgm:alg type="sp"/>
+                    <dgm:shape xmlns:r="http://schemas.openxmlformats.org/officeDocument/2006/relationships" type="rect" r:blip="" hideGeom="1">
+                      <dgm:adjLst/>
+                    </dgm:shape>
+                    <dgm:presOf axis="self" ptType="node" cnt="1"/>
+                  </dgm:layoutNode>
+                </dgm:layoutNode>
+                <dgm:layoutNode name="hierChild4">
+                  <dgm:choose name="Name73">
+                    <dgm:if name="Name74" func="var" arg="hierBranch" op="equ" val="l">
+                      <dgm:alg type="hierChild">
+                        <dgm:param type="chAlign" val="r"/>
+                        <dgm:param type="linDir" val="fromT"/>
+                      </dgm:alg>
+                    </dgm:if>
+                    <dgm:if name="Name75" func="var" arg="hierBranch" op="equ" val="r">
+                      <dgm:alg type="hierChild">
+                        <dgm:param type="chAlign" val="l"/>
+                        <dgm:param type="linDir" val="fromT"/>
+                      </dgm:alg>
+                    </dgm:if>
+                    <dgm:if name="Name76" func="var" arg="hierBranch" op="equ" val="hang">
+                      <dgm:choose name="Name77">
+                        <dgm:if name="Name78" func="var" arg="dir" op="equ" val="norm">
+                          <dgm:alg type="hierChild">
+                            <dgm:param type="chAlign" val="l"/>
+                            <dgm:param type="linDir" val="fromL"/>
+                            <dgm:param type="secChAlign" val="t"/>
+                            <dgm:param type="secLinDir" val="fromT"/>
+                          </dgm:alg>
+                        </dgm:if>
+                        <dgm:else name="Name79">
+                          <dgm:alg type="hierChild">
+                            <dgm:param type="chAlign" val="l"/>
+                            <dgm:param type="linDir" val="fromR"/>
+                            <dgm:param type="secChAlign" val="t"/>
+                            <dgm:param type="secLinDir" val="fromT"/>
+                          </dgm:alg>
+                        </dgm:else>
+                      </dgm:choose>
+                    </dgm:if>
+                    <dgm:if name="Name80" func="var" arg="hierBranch" op="equ" val="std">
+                      <dgm:choose name="Name81">
+                        <dgm:if name="Name82" func="var" arg="dir" op="equ" val="norm">
+                          <dgm:alg type="hierChild"/>
+                        </dgm:if>
+                        <dgm:else name="Name83">
+                          <dgm:alg type="hierChild">
+                            <dgm:param type="linDir" val="fromR"/>
+                          </dgm:alg>
+                        </dgm:else>
+                      </dgm:choose>
+                    </dgm:if>
+                    <dgm:if name="Name84" func="var" arg="hierBranch" op="equ" val="init">
+                      <dgm:choose name="Name85">
+                        <dgm:if name="Name86" axis="des" func="maxDepth" op="lte" val="1">
+                          <dgm:alg type="hierChild">
+                            <dgm:param type="chAlign" val="l"/>
+                            <dgm:param type="linDir" val="fromT"/>
+                          </dgm:alg>
+                        </dgm:if>
+                        <dgm:else name="Name87">
+                          <dgm:choose name="Name88">
+                            <dgm:if name="Name89" func="var" arg="dir" op="equ" val="norm">
+                              <dgm:alg type="hierChild"/>
+                            </dgm:if>
+                            <dgm:else name="Name90">
+                              <dgm:alg type="hierChild">
+                                <dgm:param type="linDir" val="fromR"/>
+                              </dgm:alg>
+                            </dgm:else>
+                          </dgm:choose>
+                        </dgm:else>
+                      </dgm:choose>
+                    </dgm:if>
+                    <dgm:else name="Name91"/>
+                  </dgm:choose>
+                  <dgm:shape xmlns:r="http://schemas.openxmlformats.org/officeDocument/2006/relationships" r:blip="">
+                    <dgm:adjLst/>
+                  </dgm:shape>
+                  <dgm:presOf/>
+                  <dgm:forEach name="Name92" ref="rep2a"/>
+                </dgm:layoutNode>
+                <dgm:layoutNode name="hierChild5">
+                  <dgm:choose name="Name93">
+                    <dgm:if name="Name94" func="var" arg="dir" op="equ" val="norm">
+                      <dgm:alg type="hierChild">
+                        <dgm:param type="chAlign" val="l"/>
+                        <dgm:param type="linDir" val="fromL"/>
+                        <dgm:param type="secChAlign" val="t"/>
+                        <dgm:param type="secLinDir" val="fromT"/>
+                      </dgm:alg>
+                    </dgm:if>
+                    <dgm:else name="Name95">
+                      <dgm:alg type="hierChild">
+                        <dgm:param type="chAlign" val="l"/>
+                        <dgm:param type="linDir" val="fromR"/>
+                        <dgm:param type="secChAlign" val="t"/>
+                        <dgm:param type="secLinDir" val="fromT"/>
+                      </dgm:alg>
+                    </dgm:else>
+                  </dgm:choose>
+                  <dgm:shape xmlns:r="http://schemas.openxmlformats.org/officeDocument/2006/relationships" r:blip="">
+                    <dgm:adjLst/>
+                  </dgm:shape>
+                  <dgm:presOf/>
+                  <dgm:forEach name="Name96" ref="rep2b"/>
+                </dgm:layoutNode>
+              </dgm:layoutNode>
+            </dgm:forEach>
+          </dgm:layoutNode>
+          <dgm:layoutNode name="hierChild3">
+            <dgm:choose name="Name97">
+              <dgm:if name="Name98" func="var" arg="dir" op="equ" val="norm">
+                <dgm:alg type="hierChild">
+                  <dgm:param type="chAlign" val="l"/>
+                  <dgm:param type="linDir" val="fromL"/>
+                  <dgm:param type="secChAlign" val="t"/>
+                  <dgm:param type="secLinDir" val="fromT"/>
+                </dgm:alg>
+              </dgm:if>
+              <dgm:else name="Name99">
+                <dgm:alg type="hierChild">
+                  <dgm:param type="chAlign" val="l"/>
+                  <dgm:param type="linDir" val="fromR"/>
+                  <dgm:param type="secChAlign" val="t"/>
+                  <dgm:param type="secLinDir" val="fromT"/>
+                </dgm:alg>
+              </dgm:else>
+            </dgm:choose>
+            <dgm:shape xmlns:r="http://schemas.openxmlformats.org/officeDocument/2006/relationships" r:blip="">
+              <dgm:adjLst/>
+            </dgm:shape>
+            <dgm:presOf/>
+            <dgm:forEach name="rep2b" axis="ch" ptType="asst">
+              <dgm:forEach name="Name100" axis="precedSib" ptType="parTrans" st="-1" cnt="1">
+                <dgm:layoutNode name="Name101">
+                  <dgm:choose name="Name102">
+                    <dgm:if name="Name103" axis="self" func="depth" op="lte" val="2">
+                      <dgm:alg type="conn">
+                        <dgm:param type="connRout" val="bend"/>
+                        <dgm:param type="dim" val="1D"/>
+                        <dgm:param type="endSty" val="noArr"/>
+                        <dgm:param type="begPts" val="bCtr"/>
+                        <dgm:param type="endPts" val="bL bR"/>
+                        <dgm:param type="srcNode" val="bottomArc1"/>
+                        <dgm:param type="dstNode" val="topConnNode3"/>
+                      </dgm:alg>
+                    </dgm:if>
+                    <dgm:if name="Name104" axis="par" ptType="asst" func="cnt" op="equ" val="1">
+                      <dgm:alg type="conn">
+                        <dgm:param type="connRout" val="bend"/>
+                        <dgm:param type="dim" val="1D"/>
+                        <dgm:param type="endSty" val="noArr"/>
+                        <dgm:param type="begPts" val="bCtr"/>
+                        <dgm:param type="endPts" val="bL bR"/>
+                        <dgm:param type="srcNode" val="bottomArc3"/>
+                        <dgm:param type="dstNode" val="topConnNode3"/>
+                      </dgm:alg>
+                    </dgm:if>
+                    <dgm:else name="Name105">
+                      <dgm:alg type="conn">
+                        <dgm:param type="connRout" val="bend"/>
+                        <dgm:param type="dim" val="1D"/>
+                        <dgm:param type="endSty" val="noArr"/>
+                        <dgm:param type="begPts" val="bCtr"/>
+                        <dgm:param type="endPts" val="bL bR"/>
+                        <dgm:param type="srcNode" val="bottomArc2"/>
+                        <dgm:param type="dstNode" val="topConnNode3"/>
+                      </dgm:alg>
+                    </dgm:else>
+                  </dgm:choose>
+                  <dgm:shape xmlns:r="http://schemas.openxmlformats.org/officeDocument/2006/relationships" type="conn" r:blip="" zOrderOff="-99999">
+                    <dgm:adjLst/>
+                  </dgm:shape>
+                  <dgm:presOf axis="self"/>
+                  <dgm:constrLst>
+                    <dgm:constr type="begPad"/>
+                    <dgm:constr type="endPad"/>
+                  </dgm:constrLst>
+                </dgm:layoutNode>
+              </dgm:forEach>
+              <dgm:layoutNode name="hierRoot3">
+                <dgm:varLst>
+                  <dgm:hierBranch val="init"/>
+                </dgm:varLst>
+                <dgm:choose name="Name106">
+                  <dgm:if name="Name107" func="var" arg="hierBranch" op="equ" val="l">
+                    <dgm:alg type="hierRoot">
+                      <dgm:param type="hierAlign" val="tR"/>
+                    </dgm:alg>
+                    <dgm:shape xmlns:r="http://schemas.openxmlformats.org/officeDocument/2006/relationships" r:blip="">
+                      <dgm:adjLst/>
+                    </dgm:shape>
+                    <dgm:presOf/>
+                    <dgm:constrLst>
+                      <dgm:constr type="alignOff" val="0.65"/>
+                    </dgm:constrLst>
+                  </dgm:if>
+                  <dgm:if name="Name108" func="var" arg="hierBranch" op="equ" val="r">
+                    <dgm:alg type="hierRoot">
+                      <dgm:param type="hierAlign" val="tL"/>
+                    </dgm:alg>
+                    <dgm:shape xmlns:r="http://schemas.openxmlformats.org/officeDocument/2006/relationships" r:blip="">
+                      <dgm:adjLst/>
+                    </dgm:shape>
+                    <dgm:presOf/>
+                    <dgm:constrLst>
+                      <dgm:constr type="alignOff" val="0.65"/>
+                    </dgm:constrLst>
+                  </dgm:if>
+                  <dgm:if name="Name109" func="var" arg="hierBranch" op="equ" val="hang">
+                    <dgm:alg type="hierRoot"/>
+                    <dgm:shape xmlns:r="http://schemas.openxmlformats.org/officeDocument/2006/relationships" r:blip="">
+                      <dgm:adjLst/>
+                    </dgm:shape>
+                    <dgm:presOf/>
+                    <dgm:constrLst>
+                      <dgm:constr type="alignOff" val="0.65"/>
+                    </dgm:constrLst>
+                  </dgm:if>
+                  <dgm:if name="Name110" func="var" arg="hierBranch" op="equ" val="std">
+                    <dgm:alg type="hierRoot"/>
+                    <dgm:shape xmlns:r="http://schemas.openxmlformats.org/officeDocument/2006/relationships" r:blip="">
+                      <dgm:adjLst/>
+                    </dgm:shape>
+                    <dgm:presOf/>
+                    <dgm:constrLst>
+                      <dgm:constr type="alignOff"/>
+                      <dgm:constr type="bendDist" for="des" ptType="parTrans" refType="sp" fact="0.5"/>
+                    </dgm:constrLst>
+                  </dgm:if>
+                  <dgm:if name="Name111" func="var" arg="hierBranch" op="equ" val="init">
+                    <dgm:choose name="Name112">
+                      <dgm:if name="Name113" axis="des" func="maxDepth" op="lte" val="1">
+                        <dgm:alg type="hierRoot">
+                          <dgm:param type="hierAlign" val="tL"/>
+                        </dgm:alg>
+                        <dgm:shape xmlns:r="http://schemas.openxmlformats.org/officeDocument/2006/relationships" r:blip="">
+                          <dgm:adjLst/>
+                        </dgm:shape>
+                        <dgm:presOf/>
+                        <dgm:constrLst>
+                          <dgm:constr type="alignOff" val="0.65"/>
+                        </dgm:constrLst>
+                      </dgm:if>
+                      <dgm:else name="Name114">
+                        <dgm:alg type="hierRoot"/>
+                        <dgm:shape xmlns:r="http://schemas.openxmlformats.org/officeDocument/2006/relationships" r:blip="">
+                          <dgm:adjLst/>
+                        </dgm:shape>
+                        <dgm:presOf/>
+                        <dgm:constrLst>
+                          <dgm:constr type="alignOff"/>
+                          <dgm:constr type="bendDist" for="des" ptType="parTrans" refType="sp" fact="0.5"/>
+                        </dgm:constrLst>
+                      </dgm:else>
+                    </dgm:choose>
+                  </dgm:if>
+                  <dgm:else name="Name115"/>
+                </dgm:choose>
+                <dgm:layoutNode name="rootComposite3">
+                  <dgm:alg type="composite"/>
+                  <dgm:shape xmlns:r="http://schemas.openxmlformats.org/officeDocument/2006/relationships" r:blip="">
+                    <dgm:adjLst/>
+                  </dgm:shape>
+                  <dgm:presOf axis="self" ptType="node" cnt="1"/>
+                  <dgm:choose name="Name116">
+                    <dgm:if name="Name117" func="var" arg="hierBranch" op="equ" val="init">
+                      <dgm:constrLst>
+                        <dgm:constr type="l" for="ch" forName="rootText3"/>
+                        <dgm:constr type="t" for="ch" forName="rootText3" refType="h" fact="0.18"/>
+                        <dgm:constr type="w" for="ch" forName="rootText3" refType="w"/>
+                        <dgm:constr type="h" for="ch" forName="rootText3" refType="h" fact="0.64"/>
+                        <dgm:constr type="l" for="ch" forName="topArc3" refType="w" fact="0.25"/>
+                        <dgm:constr type="t" for="ch" forName="topArc3"/>
+                        <dgm:constr type="w" for="ch" forName="topArc3" refType="h" refFor="ch" refForName="topArc3"/>
+                        <dgm:constr type="h" for="ch" forName="topArc3" refType="h"/>
+                        <dgm:constr type="l" for="ch" forName="bottomArc3" refType="w" fact="0.25"/>
+                        <dgm:constr type="t" for="ch" forName="bottomArc3"/>
+                        <dgm:constr type="w" for="ch" forName="bottomArc3" refType="h" refFor="ch" refForName="bottomArc3"/>
+                        <dgm:constr type="h" for="ch" forName="bottomArc3" refType="h"/>
+                        <dgm:constr type="ctrX" for="ch" forName="topConnNode3" refType="w" fact="0.5"/>
+                        <dgm:constr type="t" for="ch" forName="topConnNode3"/>
+                        <dgm:constr type="w" for="ch" forName="topConnNode3" refType="h" fact="0.76"/>
+                        <dgm:constr type="b" for="ch" forName="topConnNode3" refType="t" refFor="ch" refForName="rootText3"/>
+                      </dgm:constrLst>
+                    </dgm:if>
+                    <dgm:if name="Name118" func="var" arg="hierBranch" op="equ" val="l">
+                      <dgm:constrLst>
+                        <dgm:constr type="l" for="ch" forName="rootText3"/>
+                        <dgm:constr type="t" for="ch" forName="rootText3" refType="h" fact="0.18"/>
+                        <dgm:constr type="w" for="ch" forName="rootText3" refType="w"/>
+                        <dgm:constr type="h" for="ch" forName="rootText3" refType="h" fact="0.64"/>
+                        <dgm:constr type="l" for="ch" forName="topArc3" refType="w" fact="0.25"/>
+                        <dgm:constr type="t" for="ch" forName="topArc3"/>
+                        <dgm:constr type="w" for="ch" forName="topArc3" refType="h" refFor="ch" refForName="topArc3"/>
+                        <dgm:constr type="h" for="ch" forName="topArc3" refType="h"/>
+                        <dgm:constr type="l" for="ch" forName="bottomArc3" refType="w" fact="0.25"/>
+                        <dgm:constr type="t" for="ch" forName="bottomArc3"/>
+                        <dgm:constr type="w" for="ch" forName="bottomArc3" refType="h" refFor="ch" refForName="bottomArc3"/>
+                        <dgm:constr type="h" for="ch" forName="bottomArc3" refType="h"/>
+                        <dgm:constr type="ctrX" for="ch" forName="topConnNode3" refType="w" fact="0.5"/>
+                        <dgm:constr type="t" for="ch" forName="topConnNode3"/>
+                        <dgm:constr type="w" for="ch" forName="topConnNode3" refType="h" fact="0.76"/>
+                        <dgm:constr type="b" for="ch" forName="topConnNode3" refType="t" refFor="ch" refForName="rootText3"/>
+                      </dgm:constrLst>
+                    </dgm:if>
+                    <dgm:if name="Name119" func="var" arg="hierBranch" op="equ" val="r">
+                      <dgm:constrLst>
+                        <dgm:constr type="l" for="ch" forName="rootText3"/>
+                        <dgm:constr type="t" for="ch" forName="rootText3" refType="h" fact="0.18"/>
+                        <dgm:constr type="w" for="ch" forName="rootText3" refType="w"/>
+                        <dgm:constr type="h" for="ch" forName="rootText3" refType="h" fact="0.64"/>
+                        <dgm:constr type="l" for="ch" forName="topArc3" refType="w" fact="0.25"/>
+                        <dgm:constr type="t" for="ch" forName="topArc3"/>
+                        <dgm:constr type="w" for="ch" forName="topArc3" refType="h" refFor="ch" refForName="topArc3"/>
+                        <dgm:constr type="h" for="ch" forName="topArc3" refType="h"/>
+                        <dgm:constr type="l" for="ch" forName="bottomArc3" refType="w" fact="0.25"/>
+                        <dgm:constr type="t" for="ch" forName="bottomArc3"/>
+                        <dgm:constr type="w" for="ch" forName="bottomArc3" refType="h" refFor="ch" refForName="bottomArc3"/>
+                        <dgm:constr type="h" for="ch" forName="bottomArc3" refType="h"/>
+                        <dgm:constr type="ctrX" for="ch" forName="topConnNode3" refType="w" fact="0.5"/>
+                        <dgm:constr type="t" for="ch" forName="topConnNode3"/>
+                        <dgm:constr type="w" for="ch" forName="topConnNode3" refType="h" fact="0.76"/>
+                        <dgm:constr type="b" for="ch" forName="topConnNode3" refType="t" refFor="ch" refForName="rootText3"/>
+                      </dgm:constrLst>
+                    </dgm:if>
+                    <dgm:else name="Name120">
+                      <dgm:constrLst>
+                        <dgm:constr type="l" for="ch" forName="rootText3"/>
+                        <dgm:constr type="t" for="ch" forName="rootText3" refType="h" fact="0.18"/>
+                        <dgm:constr type="w" for="ch" forName="rootText3" refType="w"/>
+                        <dgm:constr type="h" for="ch" forName="rootText3" refType="h" fact="0.64"/>
+                        <dgm:constr type="l" for="ch" forName="topArc3" refType="w" fact="0.25"/>
+                        <dgm:constr type="t" for="ch" forName="topArc3"/>
+                        <dgm:constr type="w" for="ch" forName="topArc3" refType="h" refFor="ch" refForName="topArc3"/>
+                        <dgm:constr type="h" for="ch" forName="topArc3" refType="h"/>
+                        <dgm:constr type="l" for="ch" forName="bottomArc3" refType="w" fact="0.25"/>
+                        <dgm:constr type="t" for="ch" forName="bottomArc3"/>
+                        <dgm:constr type="w" for="ch" forName="bottomArc3" refType="h" refFor="ch" refForName="bottomArc3"/>
+                        <dgm:constr type="h" for="ch" forName="bottomArc3" refType="h"/>
+                        <dgm:constr type="ctrX" for="ch" forName="topConnNode3" refType="w" fact="0.5"/>
+                        <dgm:constr type="t" for="ch" forName="topConnNode3"/>
+                        <dgm:constr type="w" for="ch" forName="topConnNode3" refType="h" fact="0.76"/>
+                        <dgm:constr type="b" for="ch" forName="topConnNode3" refType="t" refFor="ch" refForName="rootText3"/>
+                      </dgm:constrLst>
+                    </dgm:else>
+                  </dgm:choose>
+                  <dgm:layoutNode name="rootText3" styleLbl="alignAcc1">
+                    <dgm:varLst>
+                      <dgm:chPref val="3"/>
+                    </dgm:varLst>
+                    <dgm:alg type="tx"/>
+                    <dgm:shape xmlns:r="http://schemas.openxmlformats.org/officeDocument/2006/relationships" type="rect" r:blip="" hideGeom="1">
+                      <dgm:adjLst/>
+                    </dgm:shape>
+                    <dgm:presOf axis="self" ptType="node" cnt="1"/>
+                    <dgm:constrLst>
+                      <dgm:constr type="primFontSz" val="65"/>
+                      <dgm:constr type="lMarg" refType="primFontSz" fact="0.05"/>
+                      <dgm:constr type="rMarg" refType="primFontSz" fact="0.05"/>
+                      <dgm:constr type="tMarg" refType="primFontSz" fact="0.05"/>
+                      <dgm:constr type="bMarg" refType="primFontSz" fact="0.05"/>
+                    </dgm:constrLst>
+                    <dgm:ruleLst>
+                      <dgm:rule type="primFontSz" val="5" fact="NaN" max="NaN"/>
+                    </dgm:ruleLst>
+                  </dgm:layoutNode>
+                  <dgm:layoutNode name="topArc3" styleLbl="parChTrans1D1" moveWith="rootText3">
+                    <dgm:alg type="sp"/>
+                    <dgm:shape xmlns:r="http://schemas.openxmlformats.org/officeDocument/2006/relationships" type="arc" r:blip="" zOrderOff="-2">
+                      <dgm:adjLst>
+                        <dgm:adj idx="1" val="-140"/>
+                        <dgm:adj idx="2" val="-40"/>
+                      </dgm:adjLst>
+                    </dgm:shape>
+                    <dgm:presOf/>
+                  </dgm:layoutNode>
+                  <dgm:layoutNode name="bottomArc3" styleLbl="parChTrans1D1" moveWith="rootText3">
+                    <dgm:alg type="sp"/>
+                    <dgm:shape xmlns:r="http://schemas.openxmlformats.org/officeDocument/2006/relationships" type="arc" r:blip="" zOrderOff="-2">
+                      <dgm:adjLst>
+                        <dgm:adj idx="1" val="40"/>
+                        <dgm:adj idx="2" val="140"/>
+                      </dgm:adjLst>
+                    </dgm:shape>
+                    <dgm:presOf/>
+                  </dgm:layoutNode>
+                  <dgm:layoutNode name="topConnNode3" moveWith="rootText3">
+                    <dgm:alg type="sp"/>
+                    <dgm:shape xmlns:r="http://schemas.openxmlformats.org/officeDocument/2006/relationships" type="rect" r:blip="" hideGeom="1">
+                      <dgm:adjLst/>
+                    </dgm:shape>
+                    <dgm:presOf axis="self" ptType="node" cnt="1"/>
+                  </dgm:layoutNode>
+                </dgm:layoutNode>
+                <dgm:layoutNode name="hierChild6">
+                  <dgm:choose name="Name121">
+                    <dgm:if name="Name122" func="var" arg="hierBranch" op="equ" val="l">
+                      <dgm:alg type="hierChild">
+                        <dgm:param type="chAlign" val="r"/>
+                        <dgm:param type="linDir" val="fromT"/>
+                      </dgm:alg>
+                    </dgm:if>
+                    <dgm:if name="Name123" func="var" arg="hierBranch" op="equ" val="r">
+                      <dgm:alg type="hierChild">
+                        <dgm:param type="chAlign" val="l"/>
+                        <dgm:param type="linDir" val="fromT"/>
+                      </dgm:alg>
+                    </dgm:if>
+                    <dgm:if name="Name124" func="var" arg="hierBranch" op="equ" val="hang">
+                      <dgm:choose name="Name125">
+                        <dgm:if name="Name126" func="var" arg="dir" op="equ" val="norm">
+                          <dgm:alg type="hierChild">
+                            <dgm:param type="chAlign" val="l"/>
+                            <dgm:param type="linDir" val="fromL"/>
+                            <dgm:param type="secChAlign" val="t"/>
+                            <dgm:param type="secLinDir" val="fromT"/>
+                          </dgm:alg>
+                        </dgm:if>
+                        <dgm:else name="Name127">
+                          <dgm:alg type="hierChild">
+                            <dgm:param type="chAlign" val="l"/>
+                            <dgm:param type="linDir" val="fromR"/>
+                            <dgm:param type="secChAlign" val="t"/>
+                            <dgm:param type="secLinDir" val="fromT"/>
+                          </dgm:alg>
+                        </dgm:else>
+                      </dgm:choose>
+                    </dgm:if>
+                    <dgm:if name="Name128" func="var" arg="hierBranch" op="equ" val="std">
+                      <dgm:choose name="Name129">
+                        <dgm:if name="Name130" func="var" arg="dir" op="equ" val="norm">
+                          <dgm:alg type="hierChild"/>
+                        </dgm:if>
+                        <dgm:else name="Name131">
+                          <dgm:alg type="hierChild">
+                            <dgm:param type="linDir" val="fromR"/>
+                          </dgm:alg>
+                        </dgm:else>
+                      </dgm:choose>
+                    </dgm:if>
+                    <dgm:if name="Name132" func="var" arg="hierBranch" op="equ" val="init">
+                      <dgm:choose name="Name133">
+                        <dgm:if name="Name134" axis="des" func="maxDepth" op="lte" val="1">
+                          <dgm:alg type="hierChild">
+                            <dgm:param type="chAlign" val="l"/>
+                            <dgm:param type="linDir" val="fromT"/>
+                          </dgm:alg>
+                        </dgm:if>
+                        <dgm:else name="Name135">
+                          <dgm:alg type="hierChild"/>
+                        </dgm:else>
+                      </dgm:choose>
+                    </dgm:if>
+                    <dgm:else name="Name136"/>
+                  </dgm:choose>
+                  <dgm:shape xmlns:r="http://schemas.openxmlformats.org/officeDocument/2006/relationships" r:blip="">
+                    <dgm:adjLst/>
+                  </dgm:shape>
+                  <dgm:presOf/>
+                  <dgm:forEach name="Name137" ref="rep2a"/>
+                </dgm:layoutNode>
+                <dgm:layoutNode name="hierChild7">
+                  <dgm:choose name="Name138">
+                    <dgm:if name="Name139" func="var" arg="dir" op="equ" val="norm">
+                      <dgm:alg type="hierChild">
+                        <dgm:param type="chAlign" val="l"/>
+                        <dgm:param type="linDir" val="fromL"/>
+                        <dgm:param type="secChAlign" val="t"/>
+                        <dgm:param type="secLinDir" val="fromT"/>
+                      </dgm:alg>
+                    </dgm:if>
+                    <dgm:else name="Name140">
+                      <dgm:alg type="hierChild">
+                        <dgm:param type="chAlign" val="l"/>
+                        <dgm:param type="linDir" val="fromR"/>
+                        <dgm:param type="secChAlign" val="t"/>
+                        <dgm:param type="secLinDir" val="fromT"/>
+                      </dgm:alg>
+                    </dgm:else>
+                  </dgm:choose>
+                  <dgm:shape xmlns:r="http://schemas.openxmlformats.org/officeDocument/2006/relationships" r:blip="">
+                    <dgm:adjLst/>
+                  </dgm:shape>
+                  <dgm:presOf/>
+                  <dgm:forEach name="Name141" ref="rep2b"/>
+                </dgm:layoutNode>
+              </dgm:layoutNode>
+            </dgm:forEach>
+          </dgm:layoutNode>
+        </dgm:layoutNode>
+      </dgm:forEach>
+    </dgm:forEach>
+  </dgm:layoutNode>
+</dgm:layoutDef>
+</file>
+
+<file path=ppt/diagrams/layout4.xml><?xml version="1.0" encoding="utf-8"?>
 <dgm:layoutDef xmlns:dgm="http://schemas.openxmlformats.org/drawingml/2006/diagram" xmlns:a="http://schemas.openxmlformats.org/drawingml/2006/main" uniqueId="urn:microsoft.com/office/officeart/2005/8/layout/arrow2">
   <dgm:title val=""/>
   <dgm:desc val=""/>
@@ -14489,6 +18147,1040 @@
 </dgm:styleDef>
 </file>
 
+<file path=ppt/diagrams/quickStyle4.xml><?xml version="1.0" encoding="utf-8"?>
+<dgm:styleDef xmlns:dgm="http://schemas.openxmlformats.org/drawingml/2006/diagram" xmlns:a="http://schemas.openxmlformats.org/drawingml/2006/main" uniqueId="urn:microsoft.com/office/officeart/2005/8/quickstyle/simple1">
+  <dgm:title val=""/>
+  <dgm:desc val=""/>
+  <dgm:catLst>
+    <dgm:cat type="simple" pri="10100"/>
+  </dgm:catLst>
+  <dgm:scene3d>
+    <a:camera prst="orthographicFront"/>
+    <a:lightRig rig="threePt" dir="t"/>
+  </dgm:scene3d>
+  <dgm:styleLbl name="node0">
+    <dgm:scene3d>
+      <a:camera prst="orthographicFront"/>
+      <a:lightRig rig="threePt" dir="t"/>
+    </dgm:scene3d>
+    <dgm:sp3d/>
+    <dgm:txPr/>
+    <dgm:style>
+      <a:lnRef idx="2">
+        <a:scrgbClr r="0" g="0" b="0"/>
+      </a:lnRef>
+      <a:fillRef idx="1">
+        <a:scrgbClr r="0" g="0" b="0"/>
+      </a:fillRef>
+      <a:effectRef idx="0">
+        <a:scrgbClr r="0" g="0" b="0"/>
+      </a:effectRef>
+      <a:fontRef idx="minor">
+        <a:schemeClr val="lt1"/>
+      </a:fontRef>
+    </dgm:style>
+  </dgm:styleLbl>
+  <dgm:styleLbl name="lnNode1">
+    <dgm:scene3d>
+      <a:camera prst="orthographicFront"/>
+      <a:lightRig rig="threePt" dir="t"/>
+    </dgm:scene3d>
+    <dgm:sp3d/>
+    <dgm:txPr/>
+    <dgm:style>
+      <a:lnRef idx="2">
+        <a:scrgbClr r="0" g="0" b="0"/>
+      </a:lnRef>
+      <a:fillRef idx="1">
+        <a:scrgbClr r="0" g="0" b="0"/>
+      </a:fillRef>
+      <a:effectRef idx="0">
+        <a:scrgbClr r="0" g="0" b="0"/>
+      </a:effectRef>
+      <a:fontRef idx="minor">
+        <a:schemeClr val="lt1"/>
+      </a:fontRef>
+    </dgm:style>
+  </dgm:styleLbl>
+  <dgm:styleLbl name="vennNode1">
+    <dgm:scene3d>
+      <a:camera prst="orthographicFront"/>
+      <a:lightRig rig="threePt" dir="t"/>
+    </dgm:scene3d>
+    <dgm:sp3d/>
+    <dgm:txPr/>
+    <dgm:style>
+      <a:lnRef idx="2">
+        <a:scrgbClr r="0" g="0" b="0"/>
+      </a:lnRef>
+      <a:fillRef idx="1">
+        <a:scrgbClr r="0" g="0" b="0"/>
+      </a:fillRef>
+      <a:effectRef idx="0">
+        <a:scrgbClr r="0" g="0" b="0"/>
+      </a:effectRef>
+      <a:fontRef idx="minor">
+        <a:schemeClr val="tx1"/>
+      </a:fontRef>
+    </dgm:style>
+  </dgm:styleLbl>
+  <dgm:styleLbl name="alignNode1">
+    <dgm:scene3d>
+      <a:camera prst="orthographicFront"/>
+      <a:lightRig rig="threePt" dir="t"/>
+    </dgm:scene3d>
+    <dgm:sp3d/>
+    <dgm:txPr/>
+    <dgm:style>
+      <a:lnRef idx="2">
+        <a:scrgbClr r="0" g="0" b="0"/>
+      </a:lnRef>
+      <a:fillRef idx="1">
+        <a:scrgbClr r="0" g="0" b="0"/>
+      </a:fillRef>
+      <a:effectRef idx="0">
+        <a:scrgbClr r="0" g="0" b="0"/>
+      </a:effectRef>
+      <a:fontRef idx="minor">
+        <a:schemeClr val="lt1"/>
+      </a:fontRef>
+    </dgm:style>
+  </dgm:styleLbl>
+  <dgm:styleLbl name="node1">
+    <dgm:scene3d>
+      <a:camera prst="orthographicFront"/>
+      <a:lightRig rig="threePt" dir="t"/>
+    </dgm:scene3d>
+    <dgm:sp3d/>
+    <dgm:txPr/>
+    <dgm:style>
+      <a:lnRef idx="2">
+        <a:scrgbClr r="0" g="0" b="0"/>
+      </a:lnRef>
+      <a:fillRef idx="1">
+        <a:scrgbClr r="0" g="0" b="0"/>
+      </a:fillRef>
+      <a:effectRef idx="0">
+        <a:scrgbClr r="0" g="0" b="0"/>
+      </a:effectRef>
+      <a:fontRef idx="minor">
+        <a:schemeClr val="lt1"/>
+      </a:fontRef>
+    </dgm:style>
+  </dgm:styleLbl>
+  <dgm:styleLbl name="node2">
+    <dgm:scene3d>
+      <a:camera prst="orthographicFront"/>
+      <a:lightRig rig="threePt" dir="t"/>
+    </dgm:scene3d>
+    <dgm:sp3d/>
+    <dgm:txPr/>
+    <dgm:style>
+      <a:lnRef idx="2">
+        <a:scrgbClr r="0" g="0" b="0"/>
+      </a:lnRef>
+      <a:fillRef idx="1">
+        <a:scrgbClr r="0" g="0" b="0"/>
+      </a:fillRef>
+      <a:effectRef idx="0">
+        <a:scrgbClr r="0" g="0" b="0"/>
+      </a:effectRef>
+      <a:fontRef idx="minor">
+        <a:schemeClr val="lt1"/>
+      </a:fontRef>
+    </dgm:style>
+  </dgm:styleLbl>
+  <dgm:styleLbl name="node3">
+    <dgm:scene3d>
+      <a:camera prst="orthographicFront"/>
+      <a:lightRig rig="threePt" dir="t"/>
+    </dgm:scene3d>
+    <dgm:sp3d/>
+    <dgm:txPr/>
+    <dgm:style>
+      <a:lnRef idx="2">
+        <a:scrgbClr r="0" g="0" b="0"/>
+      </a:lnRef>
+      <a:fillRef idx="1">
+        <a:scrgbClr r="0" g="0" b="0"/>
+      </a:fillRef>
+      <a:effectRef idx="0">
+        <a:scrgbClr r="0" g="0" b="0"/>
+      </a:effectRef>
+      <a:fontRef idx="minor">
+        <a:schemeClr val="lt1"/>
+      </a:fontRef>
+    </dgm:style>
+  </dgm:styleLbl>
+  <dgm:styleLbl name="node4">
+    <dgm:scene3d>
+      <a:camera prst="orthographicFront"/>
+      <a:lightRig rig="threePt" dir="t"/>
+    </dgm:scene3d>
+    <dgm:sp3d/>
+    <dgm:txPr/>
+    <dgm:style>
+      <a:lnRef idx="2">
+        <a:scrgbClr r="0" g="0" b="0"/>
+      </a:lnRef>
+      <a:fillRef idx="1">
+        <a:scrgbClr r="0" g="0" b="0"/>
+      </a:fillRef>
+      <a:effectRef idx="0">
+        <a:scrgbClr r="0" g="0" b="0"/>
+      </a:effectRef>
+      <a:fontRef idx="minor">
+        <a:schemeClr val="lt1"/>
+      </a:fontRef>
+    </dgm:style>
+  </dgm:styleLbl>
+  <dgm:styleLbl name="fgImgPlace1">
+    <dgm:scene3d>
+      <a:camera prst="orthographicFront"/>
+      <a:lightRig rig="threePt" dir="t"/>
+    </dgm:scene3d>
+    <dgm:sp3d/>
+    <dgm:txPr/>
+    <dgm:style>
+      <a:lnRef idx="2">
+        <a:scrgbClr r="0" g="0" b="0"/>
+      </a:lnRef>
+      <a:fillRef idx="1">
+        <a:scrgbClr r="0" g="0" b="0"/>
+      </a:fillRef>
+      <a:effectRef idx="0">
+        <a:scrgbClr r="0" g="0" b="0"/>
+      </a:effectRef>
+      <a:fontRef idx="minor"/>
+    </dgm:style>
+  </dgm:styleLbl>
+  <dgm:styleLbl name="alignImgPlace1">
+    <dgm:scene3d>
+      <a:camera prst="orthographicFront"/>
+      <a:lightRig rig="threePt" dir="t"/>
+    </dgm:scene3d>
+    <dgm:sp3d/>
+    <dgm:txPr/>
+    <dgm:style>
+      <a:lnRef idx="2">
+        <a:scrgbClr r="0" g="0" b="0"/>
+      </a:lnRef>
+      <a:fillRef idx="1">
+        <a:scrgbClr r="0" g="0" b="0"/>
+      </a:fillRef>
+      <a:effectRef idx="0">
+        <a:scrgbClr r="0" g="0" b="0"/>
+      </a:effectRef>
+      <a:fontRef idx="minor"/>
+    </dgm:style>
+  </dgm:styleLbl>
+  <dgm:styleLbl name="bgImgPlace1">
+    <dgm:scene3d>
+      <a:camera prst="orthographicFront"/>
+      <a:lightRig rig="threePt" dir="t"/>
+    </dgm:scene3d>
+    <dgm:sp3d/>
+    <dgm:txPr/>
+    <dgm:style>
+      <a:lnRef idx="2">
+        <a:scrgbClr r="0" g="0" b="0"/>
+      </a:lnRef>
+      <a:fillRef idx="1">
+        <a:scrgbClr r="0" g="0" b="0"/>
+      </a:fillRef>
+      <a:effectRef idx="0">
+        <a:scrgbClr r="0" g="0" b="0"/>
+      </a:effectRef>
+      <a:fontRef idx="minor"/>
+    </dgm:style>
+  </dgm:styleLbl>
+  <dgm:styleLbl name="sibTrans2D1">
+    <dgm:scene3d>
+      <a:camera prst="orthographicFront"/>
+      <a:lightRig rig="threePt" dir="t"/>
+    </dgm:scene3d>
+    <dgm:sp3d/>
+    <dgm:txPr/>
+    <dgm:style>
+      <a:lnRef idx="0">
+        <a:scrgbClr r="0" g="0" b="0"/>
+      </a:lnRef>
+      <a:fillRef idx="1">
+        <a:scrgbClr r="0" g="0" b="0"/>
+      </a:fillRef>
+      <a:effectRef idx="0">
+        <a:scrgbClr r="0" g="0" b="0"/>
+      </a:effectRef>
+      <a:fontRef idx="minor">
+        <a:schemeClr val="lt1"/>
+      </a:fontRef>
+    </dgm:style>
+  </dgm:styleLbl>
+  <dgm:styleLbl name="fgSibTrans2D1">
+    <dgm:scene3d>
+      <a:camera prst="orthographicFront"/>
+      <a:lightRig rig="threePt" dir="t"/>
+    </dgm:scene3d>
+    <dgm:sp3d/>
+    <dgm:txPr/>
+    <dgm:style>
+      <a:lnRef idx="0">
+        <a:scrgbClr r="0" g="0" b="0"/>
+      </a:lnRef>
+      <a:fillRef idx="1">
+        <a:scrgbClr r="0" g="0" b="0"/>
+      </a:fillRef>
+      <a:effectRef idx="0">
+        <a:scrgbClr r="0" g="0" b="0"/>
+      </a:effectRef>
+      <a:fontRef idx="minor">
+        <a:schemeClr val="lt1"/>
+      </a:fontRef>
+    </dgm:style>
+  </dgm:styleLbl>
+  <dgm:styleLbl name="bgSibTrans2D1">
+    <dgm:scene3d>
+      <a:camera prst="orthographicFront"/>
+      <a:lightRig rig="threePt" dir="t"/>
+    </dgm:scene3d>
+    <dgm:sp3d/>
+    <dgm:txPr/>
+    <dgm:style>
+      <a:lnRef idx="0">
+        <a:scrgbClr r="0" g="0" b="0"/>
+      </a:lnRef>
+      <a:fillRef idx="1">
+        <a:scrgbClr r="0" g="0" b="0"/>
+      </a:fillRef>
+      <a:effectRef idx="0">
+        <a:scrgbClr r="0" g="0" b="0"/>
+      </a:effectRef>
+      <a:fontRef idx="minor">
+        <a:schemeClr val="lt1"/>
+      </a:fontRef>
+    </dgm:style>
+  </dgm:styleLbl>
+  <dgm:styleLbl name="sibTrans1D1">
+    <dgm:scene3d>
+      <a:camera prst="orthographicFront"/>
+      <a:lightRig rig="threePt" dir="t"/>
+    </dgm:scene3d>
+    <dgm:sp3d/>
+    <dgm:txPr/>
+    <dgm:style>
+      <a:lnRef idx="1">
+        <a:scrgbClr r="0" g="0" b="0"/>
+      </a:lnRef>
+      <a:fillRef idx="0">
+        <a:scrgbClr r="0" g="0" b="0"/>
+      </a:fillRef>
+      <a:effectRef idx="0">
+        <a:scrgbClr r="0" g="0" b="0"/>
+      </a:effectRef>
+      <a:fontRef idx="minor"/>
+    </dgm:style>
+  </dgm:styleLbl>
+  <dgm:styleLbl name="callout">
+    <dgm:scene3d>
+      <a:camera prst="orthographicFront"/>
+      <a:lightRig rig="threePt" dir="t"/>
+    </dgm:scene3d>
+    <dgm:sp3d/>
+    <dgm:txPr/>
+    <dgm:style>
+      <a:lnRef idx="2">
+        <a:scrgbClr r="0" g="0" b="0"/>
+      </a:lnRef>
+      <a:fillRef idx="1">
+        <a:scrgbClr r="0" g="0" b="0"/>
+      </a:fillRef>
+      <a:effectRef idx="0">
+        <a:scrgbClr r="0" g="0" b="0"/>
+      </a:effectRef>
+      <a:fontRef idx="minor"/>
+    </dgm:style>
+  </dgm:styleLbl>
+  <dgm:styleLbl name="asst0">
+    <dgm:scene3d>
+      <a:camera prst="orthographicFront"/>
+      <a:lightRig rig="threePt" dir="t"/>
+    </dgm:scene3d>
+    <dgm:sp3d/>
+    <dgm:txPr/>
+    <dgm:style>
+      <a:lnRef idx="2">
+        <a:scrgbClr r="0" g="0" b="0"/>
+      </a:lnRef>
+      <a:fillRef idx="1">
+        <a:scrgbClr r="0" g="0" b="0"/>
+      </a:fillRef>
+      <a:effectRef idx="0">
+        <a:scrgbClr r="0" g="0" b="0"/>
+      </a:effectRef>
+      <a:fontRef idx="minor">
+        <a:schemeClr val="lt1"/>
+      </a:fontRef>
+    </dgm:style>
+  </dgm:styleLbl>
+  <dgm:styleLbl name="asst1">
+    <dgm:scene3d>
+      <a:camera prst="orthographicFront"/>
+      <a:lightRig rig="threePt" dir="t"/>
+    </dgm:scene3d>
+    <dgm:sp3d/>
+    <dgm:txPr/>
+    <dgm:style>
+      <a:lnRef idx="2">
+        <a:scrgbClr r="0" g="0" b="0"/>
+      </a:lnRef>
+      <a:fillRef idx="1">
+        <a:scrgbClr r="0" g="0" b="0"/>
+      </a:fillRef>
+      <a:effectRef idx="0">
+        <a:scrgbClr r="0" g="0" b="0"/>
+      </a:effectRef>
+      <a:fontRef idx="minor">
+        <a:schemeClr val="lt1"/>
+      </a:fontRef>
+    </dgm:style>
+  </dgm:styleLbl>
+  <dgm:styleLbl name="asst2">
+    <dgm:scene3d>
+      <a:camera prst="orthographicFront"/>
+      <a:lightRig rig="threePt" dir="t"/>
+    </dgm:scene3d>
+    <dgm:sp3d/>
+    <dgm:txPr/>
+    <dgm:style>
+      <a:lnRef idx="2">
+        <a:scrgbClr r="0" g="0" b="0"/>
+      </a:lnRef>
+      <a:fillRef idx="1">
+        <a:scrgbClr r="0" g="0" b="0"/>
+      </a:fillRef>
+      <a:effectRef idx="0">
+        <a:scrgbClr r="0" g="0" b="0"/>
+      </a:effectRef>
+      <a:fontRef idx="minor">
+        <a:schemeClr val="lt1"/>
+      </a:fontRef>
+    </dgm:style>
+  </dgm:styleLbl>
+  <dgm:styleLbl name="asst3">
+    <dgm:scene3d>
+      <a:camera prst="orthographicFront"/>
+      <a:lightRig rig="threePt" dir="t"/>
+    </dgm:scene3d>
+    <dgm:sp3d/>
+    <dgm:txPr/>
+    <dgm:style>
+      <a:lnRef idx="2">
+        <a:scrgbClr r="0" g="0" b="0"/>
+      </a:lnRef>
+      <a:fillRef idx="1">
+        <a:scrgbClr r="0" g="0" b="0"/>
+      </a:fillRef>
+      <a:effectRef idx="0">
+        <a:scrgbClr r="0" g="0" b="0"/>
+      </a:effectRef>
+      <a:fontRef idx="minor">
+        <a:schemeClr val="lt1"/>
+      </a:fontRef>
+    </dgm:style>
+  </dgm:styleLbl>
+  <dgm:styleLbl name="asst4">
+    <dgm:scene3d>
+      <a:camera prst="orthographicFront"/>
+      <a:lightRig rig="threePt" dir="t"/>
+    </dgm:scene3d>
+    <dgm:sp3d/>
+    <dgm:txPr/>
+    <dgm:style>
+      <a:lnRef idx="2">
+        <a:scrgbClr r="0" g="0" b="0"/>
+      </a:lnRef>
+      <a:fillRef idx="1">
+        <a:scrgbClr r="0" g="0" b="0"/>
+      </a:fillRef>
+      <a:effectRef idx="0">
+        <a:scrgbClr r="0" g="0" b="0"/>
+      </a:effectRef>
+      <a:fontRef idx="minor">
+        <a:schemeClr val="lt1"/>
+      </a:fontRef>
+    </dgm:style>
+  </dgm:styleLbl>
+  <dgm:styleLbl name="parChTrans2D1">
+    <dgm:scene3d>
+      <a:camera prst="orthographicFront"/>
+      <a:lightRig rig="threePt" dir="t"/>
+    </dgm:scene3d>
+    <dgm:sp3d/>
+    <dgm:txPr/>
+    <dgm:style>
+      <a:lnRef idx="2">
+        <a:scrgbClr r="0" g="0" b="0"/>
+      </a:lnRef>
+      <a:fillRef idx="1">
+        <a:scrgbClr r="0" g="0" b="0"/>
+      </a:fillRef>
+      <a:effectRef idx="0">
+        <a:scrgbClr r="0" g="0" b="0"/>
+      </a:effectRef>
+      <a:fontRef idx="minor">
+        <a:schemeClr val="lt1"/>
+      </a:fontRef>
+    </dgm:style>
+  </dgm:styleLbl>
+  <dgm:styleLbl name="parChTrans2D2">
+    <dgm:scene3d>
+      <a:camera prst="orthographicFront"/>
+      <a:lightRig rig="threePt" dir="t"/>
+    </dgm:scene3d>
+    <dgm:sp3d/>
+    <dgm:txPr/>
+    <dgm:style>
+      <a:lnRef idx="2">
+        <a:scrgbClr r="0" g="0" b="0"/>
+      </a:lnRef>
+      <a:fillRef idx="1">
+        <a:scrgbClr r="0" g="0" b="0"/>
+      </a:fillRef>
+      <a:effectRef idx="0">
+        <a:scrgbClr r="0" g="0" b="0"/>
+      </a:effectRef>
+      <a:fontRef idx="minor">
+        <a:schemeClr val="lt1"/>
+      </a:fontRef>
+    </dgm:style>
+  </dgm:styleLbl>
+  <dgm:styleLbl name="parChTrans2D3">
+    <dgm:scene3d>
+      <a:camera prst="orthographicFront"/>
+      <a:lightRig rig="threePt" dir="t"/>
+    </dgm:scene3d>
+    <dgm:sp3d/>
+    <dgm:txPr/>
+    <dgm:style>
+      <a:lnRef idx="2">
+        <a:scrgbClr r="0" g="0" b="0"/>
+      </a:lnRef>
+      <a:fillRef idx="1">
+        <a:scrgbClr r="0" g="0" b="0"/>
+      </a:fillRef>
+      <a:effectRef idx="0">
+        <a:scrgbClr r="0" g="0" b="0"/>
+      </a:effectRef>
+      <a:fontRef idx="minor">
+        <a:schemeClr val="lt1"/>
+      </a:fontRef>
+    </dgm:style>
+  </dgm:styleLbl>
+  <dgm:styleLbl name="parChTrans2D4">
+    <dgm:scene3d>
+      <a:camera prst="orthographicFront"/>
+      <a:lightRig rig="threePt" dir="t"/>
+    </dgm:scene3d>
+    <dgm:sp3d/>
+    <dgm:txPr/>
+    <dgm:style>
+      <a:lnRef idx="2">
+        <a:scrgbClr r="0" g="0" b="0"/>
+      </a:lnRef>
+      <a:fillRef idx="1">
+        <a:scrgbClr r="0" g="0" b="0"/>
+      </a:fillRef>
+      <a:effectRef idx="0">
+        <a:scrgbClr r="0" g="0" b="0"/>
+      </a:effectRef>
+      <a:fontRef idx="minor">
+        <a:schemeClr val="lt1"/>
+      </a:fontRef>
+    </dgm:style>
+  </dgm:styleLbl>
+  <dgm:styleLbl name="parChTrans1D1">
+    <dgm:scene3d>
+      <a:camera prst="orthographicFront"/>
+      <a:lightRig rig="threePt" dir="t"/>
+    </dgm:scene3d>
+    <dgm:sp3d/>
+    <dgm:txPr/>
+    <dgm:style>
+      <a:lnRef idx="2">
+        <a:scrgbClr r="0" g="0" b="0"/>
+      </a:lnRef>
+      <a:fillRef idx="0">
+        <a:scrgbClr r="0" g="0" b="0"/>
+      </a:fillRef>
+      <a:effectRef idx="0">
+        <a:scrgbClr r="0" g="0" b="0"/>
+      </a:effectRef>
+      <a:fontRef idx="minor"/>
+    </dgm:style>
+  </dgm:styleLbl>
+  <dgm:styleLbl name="parChTrans1D2">
+    <dgm:scene3d>
+      <a:camera prst="orthographicFront"/>
+      <a:lightRig rig="threePt" dir="t"/>
+    </dgm:scene3d>
+    <dgm:sp3d/>
+    <dgm:txPr/>
+    <dgm:style>
+      <a:lnRef idx="2">
+        <a:scrgbClr r="0" g="0" b="0"/>
+      </a:lnRef>
+      <a:fillRef idx="0">
+        <a:scrgbClr r="0" g="0" b="0"/>
+      </a:fillRef>
+      <a:effectRef idx="0">
+        <a:scrgbClr r="0" g="0" b="0"/>
+      </a:effectRef>
+      <a:fontRef idx="minor"/>
+    </dgm:style>
+  </dgm:styleLbl>
+  <dgm:styleLbl name="parChTrans1D3">
+    <dgm:scene3d>
+      <a:camera prst="orthographicFront"/>
+      <a:lightRig rig="threePt" dir="t"/>
+    </dgm:scene3d>
+    <dgm:sp3d/>
+    <dgm:txPr/>
+    <dgm:style>
+      <a:lnRef idx="2">
+        <a:scrgbClr r="0" g="0" b="0"/>
+      </a:lnRef>
+      <a:fillRef idx="0">
+        <a:scrgbClr r="0" g="0" b="0"/>
+      </a:fillRef>
+      <a:effectRef idx="0">
+        <a:scrgbClr r="0" g="0" b="0"/>
+      </a:effectRef>
+      <a:fontRef idx="minor"/>
+    </dgm:style>
+  </dgm:styleLbl>
+  <dgm:styleLbl name="parChTrans1D4">
+    <dgm:scene3d>
+      <a:camera prst="orthographicFront"/>
+      <a:lightRig rig="threePt" dir="t"/>
+    </dgm:scene3d>
+    <dgm:sp3d/>
+    <dgm:txPr/>
+    <dgm:style>
+      <a:lnRef idx="2">
+        <a:scrgbClr r="0" g="0" b="0"/>
+      </a:lnRef>
+      <a:fillRef idx="0">
+        <a:scrgbClr r="0" g="0" b="0"/>
+      </a:fillRef>
+      <a:effectRef idx="0">
+        <a:scrgbClr r="0" g="0" b="0"/>
+      </a:effectRef>
+      <a:fontRef idx="minor"/>
+    </dgm:style>
+  </dgm:styleLbl>
+  <dgm:styleLbl name="fgAcc1">
+    <dgm:scene3d>
+      <a:camera prst="orthographicFront"/>
+      <a:lightRig rig="threePt" dir="t"/>
+    </dgm:scene3d>
+    <dgm:sp3d/>
+    <dgm:txPr/>
+    <dgm:style>
+      <a:lnRef idx="2">
+        <a:scrgbClr r="0" g="0" b="0"/>
+      </a:lnRef>
+      <a:fillRef idx="1">
+        <a:scrgbClr r="0" g="0" b="0"/>
+      </a:fillRef>
+      <a:effectRef idx="0">
+        <a:scrgbClr r="0" g="0" b="0"/>
+      </a:effectRef>
+      <a:fontRef idx="minor"/>
+    </dgm:style>
+  </dgm:styleLbl>
+  <dgm:styleLbl name="conFgAcc1">
+    <dgm:scene3d>
+      <a:camera prst="orthographicFront"/>
+      <a:lightRig rig="threePt" dir="t"/>
+    </dgm:scene3d>
+    <dgm:sp3d/>
+    <dgm:txPr/>
+    <dgm:style>
+      <a:lnRef idx="2">
+        <a:scrgbClr r="0" g="0" b="0"/>
+      </a:lnRef>
+      <a:fillRef idx="1">
+        <a:scrgbClr r="0" g="0" b="0"/>
+      </a:fillRef>
+      <a:effectRef idx="0">
+        <a:scrgbClr r="0" g="0" b="0"/>
+      </a:effectRef>
+      <a:fontRef idx="minor"/>
+    </dgm:style>
+  </dgm:styleLbl>
+  <dgm:styleLbl name="alignAcc1">
+    <dgm:scene3d>
+      <a:camera prst="orthographicFront"/>
+      <a:lightRig rig="threePt" dir="t"/>
+    </dgm:scene3d>
+    <dgm:sp3d/>
+    <dgm:txPr/>
+    <dgm:style>
+      <a:lnRef idx="2">
+        <a:scrgbClr r="0" g="0" b="0"/>
+      </a:lnRef>
+      <a:fillRef idx="1">
+        <a:scrgbClr r="0" g="0" b="0"/>
+      </a:fillRef>
+      <a:effectRef idx="0">
+        <a:scrgbClr r="0" g="0" b="0"/>
+      </a:effectRef>
+      <a:fontRef idx="minor"/>
+    </dgm:style>
+  </dgm:styleLbl>
+  <dgm:styleLbl name="trAlignAcc1">
+    <dgm:scene3d>
+      <a:camera prst="orthographicFront"/>
+      <a:lightRig rig="threePt" dir="t"/>
+    </dgm:scene3d>
+    <dgm:sp3d/>
+    <dgm:txPr/>
+    <dgm:style>
+      <a:lnRef idx="1">
+        <a:scrgbClr r="0" g="0" b="0"/>
+      </a:lnRef>
+      <a:fillRef idx="1">
+        <a:scrgbClr r="0" g="0" b="0"/>
+      </a:fillRef>
+      <a:effectRef idx="0">
+        <a:scrgbClr r="0" g="0" b="0"/>
+      </a:effectRef>
+      <a:fontRef idx="minor"/>
+    </dgm:style>
+  </dgm:styleLbl>
+  <dgm:styleLbl name="bgAcc1">
+    <dgm:scene3d>
+      <a:camera prst="orthographicFront"/>
+      <a:lightRig rig="threePt" dir="t"/>
+    </dgm:scene3d>
+    <dgm:sp3d/>
+    <dgm:txPr/>
+    <dgm:style>
+      <a:lnRef idx="2">
+        <a:scrgbClr r="0" g="0" b="0"/>
+      </a:lnRef>
+      <a:fillRef idx="1">
+        <a:scrgbClr r="0" g="0" b="0"/>
+      </a:fillRef>
+      <a:effectRef idx="0">
+        <a:scrgbClr r="0" g="0" b="0"/>
+      </a:effectRef>
+      <a:fontRef idx="minor"/>
+    </dgm:style>
+  </dgm:styleLbl>
+  <dgm:styleLbl name="solidFgAcc1">
+    <dgm:scene3d>
+      <a:camera prst="orthographicFront"/>
+      <a:lightRig rig="threePt" dir="t"/>
+    </dgm:scene3d>
+    <dgm:sp3d/>
+    <dgm:txPr/>
+    <dgm:style>
+      <a:lnRef idx="2">
+        <a:scrgbClr r="0" g="0" b="0"/>
+      </a:lnRef>
+      <a:fillRef idx="1">
+        <a:scrgbClr r="0" g="0" b="0"/>
+      </a:fillRef>
+      <a:effectRef idx="0">
+        <a:scrgbClr r="0" g="0" b="0"/>
+      </a:effectRef>
+      <a:fontRef idx="minor"/>
+    </dgm:style>
+  </dgm:styleLbl>
+  <dgm:styleLbl name="solidAlignAcc1">
+    <dgm:scene3d>
+      <a:camera prst="orthographicFront"/>
+      <a:lightRig rig="threePt" dir="t"/>
+    </dgm:scene3d>
+    <dgm:sp3d/>
+    <dgm:txPr/>
+    <dgm:style>
+      <a:lnRef idx="2">
+        <a:scrgbClr r="0" g="0" b="0"/>
+      </a:lnRef>
+      <a:fillRef idx="1">
+        <a:scrgbClr r="0" g="0" b="0"/>
+      </a:fillRef>
+      <a:effectRef idx="0">
+        <a:scrgbClr r="0" g="0" b="0"/>
+      </a:effectRef>
+      <a:fontRef idx="minor"/>
+    </dgm:style>
+  </dgm:styleLbl>
+  <dgm:styleLbl name="solidBgAcc1">
+    <dgm:scene3d>
+      <a:camera prst="orthographicFront"/>
+      <a:lightRig rig="threePt" dir="t"/>
+    </dgm:scene3d>
+    <dgm:sp3d/>
+    <dgm:txPr/>
+    <dgm:style>
+      <a:lnRef idx="2">
+        <a:scrgbClr r="0" g="0" b="0"/>
+      </a:lnRef>
+      <a:fillRef idx="1">
+        <a:scrgbClr r="0" g="0" b="0"/>
+      </a:fillRef>
+      <a:effectRef idx="0">
+        <a:scrgbClr r="0" g="0" b="0"/>
+      </a:effectRef>
+      <a:fontRef idx="minor"/>
+    </dgm:style>
+  </dgm:styleLbl>
+  <dgm:styleLbl name="fgAccFollowNode1">
+    <dgm:scene3d>
+      <a:camera prst="orthographicFront"/>
+      <a:lightRig rig="threePt" dir="t"/>
+    </dgm:scene3d>
+    <dgm:sp3d/>
+    <dgm:txPr/>
+    <dgm:style>
+      <a:lnRef idx="2">
+        <a:scrgbClr r="0" g="0" b="0"/>
+      </a:lnRef>
+      <a:fillRef idx="1">
+        <a:scrgbClr r="0" g="0" b="0"/>
+      </a:fillRef>
+      <a:effectRef idx="0">
+        <a:scrgbClr r="0" g="0" b="0"/>
+      </a:effectRef>
+      <a:fontRef idx="minor"/>
+    </dgm:style>
+  </dgm:styleLbl>
+  <dgm:styleLbl name="alignAccFollowNode1">
+    <dgm:scene3d>
+      <a:camera prst="orthographicFront"/>
+      <a:lightRig rig="threePt" dir="t"/>
+    </dgm:scene3d>
+    <dgm:sp3d/>
+    <dgm:txPr/>
+    <dgm:style>
+      <a:lnRef idx="2">
+        <a:scrgbClr r="0" g="0" b="0"/>
+      </a:lnRef>
+      <a:fillRef idx="1">
+        <a:scrgbClr r="0" g="0" b="0"/>
+      </a:fillRef>
+      <a:effectRef idx="0">
+        <a:scrgbClr r="0" g="0" b="0"/>
+      </a:effectRef>
+      <a:fontRef idx="minor"/>
+    </dgm:style>
+  </dgm:styleLbl>
+  <dgm:styleLbl name="bgAccFollowNode1">
+    <dgm:scene3d>
+      <a:camera prst="orthographicFront"/>
+      <a:lightRig rig="threePt" dir="t"/>
+    </dgm:scene3d>
+    <dgm:sp3d/>
+    <dgm:txPr/>
+    <dgm:style>
+      <a:lnRef idx="2">
+        <a:scrgbClr r="0" g="0" b="0"/>
+      </a:lnRef>
+      <a:fillRef idx="1">
+        <a:scrgbClr r="0" g="0" b="0"/>
+      </a:fillRef>
+      <a:effectRef idx="0">
+        <a:scrgbClr r="0" g="0" b="0"/>
+      </a:effectRef>
+      <a:fontRef idx="minor"/>
+    </dgm:style>
+  </dgm:styleLbl>
+  <dgm:styleLbl name="fgAcc0">
+    <dgm:scene3d>
+      <a:camera prst="orthographicFront"/>
+      <a:lightRig rig="threePt" dir="t"/>
+    </dgm:scene3d>
+    <dgm:sp3d/>
+    <dgm:txPr/>
+    <dgm:style>
+      <a:lnRef idx="2">
+        <a:scrgbClr r="0" g="0" b="0"/>
+      </a:lnRef>
+      <a:fillRef idx="1">
+        <a:scrgbClr r="0" g="0" b="0"/>
+      </a:fillRef>
+      <a:effectRef idx="0">
+        <a:scrgbClr r="0" g="0" b="0"/>
+      </a:effectRef>
+      <a:fontRef idx="minor"/>
+    </dgm:style>
+  </dgm:styleLbl>
+  <dgm:styleLbl name="fgAcc2">
+    <dgm:scene3d>
+      <a:camera prst="orthographicFront"/>
+      <a:lightRig rig="threePt" dir="t"/>
+    </dgm:scene3d>
+    <dgm:sp3d/>
+    <dgm:txPr/>
+    <dgm:style>
+      <a:lnRef idx="2">
+        <a:scrgbClr r="0" g="0" b="0"/>
+      </a:lnRef>
+      <a:fillRef idx="1">
+        <a:scrgbClr r="0" g="0" b="0"/>
+      </a:fillRef>
+      <a:effectRef idx="0">
+        <a:scrgbClr r="0" g="0" b="0"/>
+      </a:effectRef>
+      <a:fontRef idx="minor"/>
+    </dgm:style>
+  </dgm:styleLbl>
+  <dgm:styleLbl name="fgAcc3">
+    <dgm:scene3d>
+      <a:camera prst="orthographicFront"/>
+      <a:lightRig rig="threePt" dir="t"/>
+    </dgm:scene3d>
+    <dgm:sp3d/>
+    <dgm:txPr/>
+    <dgm:style>
+      <a:lnRef idx="2">
+        <a:scrgbClr r="0" g="0" b="0"/>
+      </a:lnRef>
+      <a:fillRef idx="1">
+        <a:scrgbClr r="0" g="0" b="0"/>
+      </a:fillRef>
+      <a:effectRef idx="0">
+        <a:scrgbClr r="0" g="0" b="0"/>
+      </a:effectRef>
+      <a:fontRef idx="minor"/>
+    </dgm:style>
+  </dgm:styleLbl>
+  <dgm:styleLbl name="fgAcc4">
+    <dgm:scene3d>
+      <a:camera prst="orthographicFront"/>
+      <a:lightRig rig="threePt" dir="t"/>
+    </dgm:scene3d>
+    <dgm:sp3d/>
+    <dgm:txPr/>
+    <dgm:style>
+      <a:lnRef idx="2">
+        <a:scrgbClr r="0" g="0" b="0"/>
+      </a:lnRef>
+      <a:fillRef idx="1">
+        <a:scrgbClr r="0" g="0" b="0"/>
+      </a:fillRef>
+      <a:effectRef idx="0">
+        <a:scrgbClr r="0" g="0" b="0"/>
+      </a:effectRef>
+      <a:fontRef idx="minor"/>
+    </dgm:style>
+  </dgm:styleLbl>
+  <dgm:styleLbl name="bgShp">
+    <dgm:scene3d>
+      <a:camera prst="orthographicFront"/>
+      <a:lightRig rig="threePt" dir="t"/>
+    </dgm:scene3d>
+    <dgm:sp3d/>
+    <dgm:txPr/>
+    <dgm:style>
+      <a:lnRef idx="0">
+        <a:scrgbClr r="0" g="0" b="0"/>
+      </a:lnRef>
+      <a:fillRef idx="1">
+        <a:scrgbClr r="0" g="0" b="0"/>
+      </a:fillRef>
+      <a:effectRef idx="0">
+        <a:scrgbClr r="0" g="0" b="0"/>
+      </a:effectRef>
+      <a:fontRef idx="minor"/>
+    </dgm:style>
+  </dgm:styleLbl>
+  <dgm:styleLbl name="dkBgShp">
+    <dgm:scene3d>
+      <a:camera prst="orthographicFront"/>
+      <a:lightRig rig="threePt" dir="t"/>
+    </dgm:scene3d>
+    <dgm:sp3d/>
+    <dgm:txPr/>
+    <dgm:style>
+      <a:lnRef idx="0">
+        <a:scrgbClr r="0" g="0" b="0"/>
+      </a:lnRef>
+      <a:fillRef idx="1">
+        <a:scrgbClr r="0" g="0" b="0"/>
+      </a:fillRef>
+      <a:effectRef idx="0">
+        <a:scrgbClr r="0" g="0" b="0"/>
+      </a:effectRef>
+      <a:fontRef idx="minor"/>
+    </dgm:style>
+  </dgm:styleLbl>
+  <dgm:styleLbl name="trBgShp">
+    <dgm:scene3d>
+      <a:camera prst="orthographicFront"/>
+      <a:lightRig rig="threePt" dir="t"/>
+    </dgm:scene3d>
+    <dgm:sp3d/>
+    <dgm:txPr/>
+    <dgm:style>
+      <a:lnRef idx="0">
+        <a:scrgbClr r="0" g="0" b="0"/>
+      </a:lnRef>
+      <a:fillRef idx="1">
+        <a:scrgbClr r="0" g="0" b="0"/>
+      </a:fillRef>
+      <a:effectRef idx="0">
+        <a:scrgbClr r="0" g="0" b="0"/>
+      </a:effectRef>
+      <a:fontRef idx="minor"/>
+    </dgm:style>
+  </dgm:styleLbl>
+  <dgm:styleLbl name="fgShp">
+    <dgm:scene3d>
+      <a:camera prst="orthographicFront"/>
+      <a:lightRig rig="threePt" dir="t"/>
+    </dgm:scene3d>
+    <dgm:sp3d/>
+    <dgm:txPr/>
+    <dgm:style>
+      <a:lnRef idx="2">
+        <a:scrgbClr r="0" g="0" b="0"/>
+      </a:lnRef>
+      <a:fillRef idx="1">
+        <a:scrgbClr r="0" g="0" b="0"/>
+      </a:fillRef>
+      <a:effectRef idx="0">
+        <a:scrgbClr r="0" g="0" b="0"/>
+      </a:effectRef>
+      <a:fontRef idx="minor"/>
+    </dgm:style>
+  </dgm:styleLbl>
+  <dgm:styleLbl name="revTx">
+    <dgm:scene3d>
+      <a:camera prst="orthographicFront"/>
+      <a:lightRig rig="threePt" dir="t"/>
+    </dgm:scene3d>
+    <dgm:sp3d/>
+    <dgm:txPr/>
+    <dgm:style>
+      <a:lnRef idx="0">
+        <a:scrgbClr r="0" g="0" b="0"/>
+      </a:lnRef>
+      <a:fillRef idx="0">
+        <a:scrgbClr r="0" g="0" b="0"/>
+      </a:fillRef>
+      <a:effectRef idx="0">
+        <a:scrgbClr r="0" g="0" b="0"/>
+      </a:effectRef>
+      <a:fontRef idx="minor"/>
+    </dgm:style>
+  </dgm:styleLbl>
+</dgm:styleDef>
+</file>
+
 <file path=ppt/notesMasters/notesMaster1.xml><?xml version="1.0" encoding="utf-8"?>
 <p:notesMaster xmlns:a="http://schemas.openxmlformats.org/drawingml/2006/main" xmlns:r="http://schemas.openxmlformats.org/officeDocument/2006/relationships" xmlns:p="http://schemas.openxmlformats.org/presentationml/2006/main">
   <p:cSld>
@@ -14571,7 +19263,7 @@
           <a:p>
             <a:fld id="{0D194C35-0AA9-41CB-84F6-AF1A2EF42389}" type="datetimeFigureOut">
               <a:rPr lang="en-CA" smtClean="0"/>
-              <a:t>2025-09-16</a:t>
+              <a:t>2025-09-24</a:t>
             </a:fld>
             <a:endParaRPr lang="en-CA"/>
           </a:p>
@@ -14923,6 +19615,99 @@
 </p:notes>
 </file>
 
+<file path=ppt/notesSlides/notesSlide10.xml><?xml version="1.0" encoding="utf-8"?>
+<p:notes xmlns:a="http://schemas.openxmlformats.org/drawingml/2006/main" xmlns:r="http://schemas.openxmlformats.org/officeDocument/2006/relationships" xmlns:p="http://schemas.openxmlformats.org/presentationml/2006/main">
+  <p:cSld>
+    <p:spTree>
+      <p:nvGrpSpPr>
+        <p:cNvPr id="1" name=""/>
+        <p:cNvGrpSpPr/>
+        <p:nvPr/>
+      </p:nvGrpSpPr>
+      <p:grpSpPr>
+        <a:xfrm>
+          <a:off x="0" y="0"/>
+          <a:ext cx="0" cy="0"/>
+          <a:chOff x="0" y="0"/>
+          <a:chExt cx="0" cy="0"/>
+        </a:xfrm>
+      </p:grpSpPr>
+      <p:sp>
+        <p:nvSpPr>
+          <p:cNvPr id="2" name="Slide Image Placeholder 1"/>
+          <p:cNvSpPr>
+            <a:spLocks noGrp="1" noRot="1" noChangeAspect="1"/>
+          </p:cNvSpPr>
+          <p:nvPr>
+            <p:ph type="sldImg"/>
+          </p:nvPr>
+        </p:nvSpPr>
+        <p:spPr/>
+      </p:sp>
+      <p:sp>
+        <p:nvSpPr>
+          <p:cNvPr id="3" name="Notes Placeholder 2"/>
+          <p:cNvSpPr>
+            <a:spLocks noGrp="1"/>
+          </p:cNvSpPr>
+          <p:nvPr>
+            <p:ph type="body" idx="1"/>
+          </p:nvPr>
+        </p:nvSpPr>
+        <p:spPr/>
+        <p:txBody>
+          <a:bodyPr/>
+          <a:lstStyle/>
+          <a:p>
+            <a:r>
+              <a:rPr lang="en-US" dirty="0"/>
+              <a:t>We are starting from zero investment into this,</a:t>
+            </a:r>
+          </a:p>
+          <a:p>
+            <a:r>
+              <a:rPr lang="en-US" dirty="0"/>
+              <a:t>Now committing 0.4FTE of a PS2</a:t>
+            </a:r>
+          </a:p>
+        </p:txBody>
+      </p:sp>
+      <p:sp>
+        <p:nvSpPr>
+          <p:cNvPr id="4" name="Slide Number Placeholder 3"/>
+          <p:cNvSpPr>
+            <a:spLocks noGrp="1"/>
+          </p:cNvSpPr>
+          <p:nvPr>
+            <p:ph type="sldNum" sz="quarter" idx="5"/>
+          </p:nvPr>
+        </p:nvSpPr>
+        <p:spPr/>
+        <p:txBody>
+          <a:bodyPr/>
+          <a:lstStyle/>
+          <a:p>
+            <a:fld id="{EAF9EB4E-D50A-4CF1-9B06-457599E410FB}" type="slidenum">
+              <a:rPr lang="en-CA" smtClean="0"/>
+              <a:t>11</a:t>
+            </a:fld>
+            <a:endParaRPr lang="en-CA"/>
+          </a:p>
+        </p:txBody>
+      </p:sp>
+    </p:spTree>
+    <p:extLst>
+      <p:ext uri="{BB962C8B-B14F-4D97-AF65-F5344CB8AC3E}">
+        <p14:creationId xmlns:p14="http://schemas.microsoft.com/office/powerpoint/2010/main" val="3860902"/>
+      </p:ext>
+    </p:extLst>
+  </p:cSld>
+  <p:clrMapOvr>
+    <a:masterClrMapping/>
+  </p:clrMapOvr>
+</p:notes>
+</file>
+
 <file path=ppt/notesSlides/notesSlide2.xml><?xml version="1.0" encoding="utf-8"?>
 <p:notes xmlns:a="http://schemas.openxmlformats.org/drawingml/2006/main" xmlns:r="http://schemas.openxmlformats.org/officeDocument/2006/relationships" xmlns:p="http://schemas.openxmlformats.org/presentationml/2006/main">
   <p:cSld>
@@ -15234,6 +20019,38 @@
               </a:spcBef>
               <a:buNone/>
             </a:pPr>
+            <a:r>
+              <a:rPr lang="en-CA" sz="1200" dirty="0"/>
+              <a:t>-One of the most common major injuries we deal with</a:t>
+            </a:r>
+          </a:p>
+          <a:p>
+            <a:pPr marL="0" indent="0">
+              <a:spcBef>
+                <a:spcPts val="0"/>
+              </a:spcBef>
+              <a:buNone/>
+            </a:pPr>
+            <a:r>
+              <a:rPr lang="en-CA" sz="1200" dirty="0"/>
+              <a:t>-One of the most studied</a:t>
+            </a:r>
+          </a:p>
+          <a:p>
+            <a:pPr marL="0" indent="0">
+              <a:spcBef>
+                <a:spcPts val="0"/>
+              </a:spcBef>
+              <a:buNone/>
+            </a:pPr>
+            <a:r>
+              <a:rPr lang="en-CA" sz="1200" dirty="0"/>
+              <a:t>-One that we know we can make a major impact with </a:t>
+            </a:r>
+            <a:r>
+              <a:rPr lang="en-CA" sz="1200"/>
+              <a:t>proper protocols</a:t>
+            </a:r>
             <a:endParaRPr lang="en-CA" sz="1200" dirty="0"/>
           </a:p>
           <a:p>
@@ -15378,7 +20195,13 @@
   <p:cSld>
     <p:spTree>
       <p:nvGrpSpPr>
-        <p:cNvPr id="1" name=""/>
+        <p:cNvPr id="1" name="">
+          <a:extLst>
+            <a:ext uri="{FF2B5EF4-FFF2-40B4-BE49-F238E27FC236}">
+              <a16:creationId xmlns:a16="http://schemas.microsoft.com/office/drawing/2014/main" id="{877E83E6-A27C-9B1A-206C-392F6545095F}"/>
+            </a:ext>
+          </a:extLst>
+        </p:cNvPr>
         <p:cNvGrpSpPr/>
         <p:nvPr/>
       </p:nvGrpSpPr>
@@ -15392,7 +20215,13 @@
       </p:grpSpPr>
       <p:sp>
         <p:nvSpPr>
-          <p:cNvPr id="2" name="Slide Image Placeholder 1"/>
+          <p:cNvPr id="2" name="Slide Image Placeholder 1">
+            <a:extLst>
+              <a:ext uri="{FF2B5EF4-FFF2-40B4-BE49-F238E27FC236}">
+                <a16:creationId xmlns:a16="http://schemas.microsoft.com/office/drawing/2014/main" id="{6B1AF7BF-1C59-7B3E-CC33-3B6F7248C651}"/>
+              </a:ext>
+            </a:extLst>
+          </p:cNvPr>
           <p:cNvSpPr>
             <a:spLocks noGrp="1" noRot="1" noChangeAspect="1"/>
           </p:cNvSpPr>
@@ -15404,7 +20233,13 @@
       </p:sp>
       <p:sp>
         <p:nvSpPr>
-          <p:cNvPr id="3" name="Notes Placeholder 2"/>
+          <p:cNvPr id="3" name="Notes Placeholder 2">
+            <a:extLst>
+              <a:ext uri="{FF2B5EF4-FFF2-40B4-BE49-F238E27FC236}">
+                <a16:creationId xmlns:a16="http://schemas.microsoft.com/office/drawing/2014/main" id="{65ED3B8F-046D-0FA2-50E7-723A48C30452}"/>
+              </a:ext>
+            </a:extLst>
+          </p:cNvPr>
           <p:cNvSpPr>
             <a:spLocks noGrp="1"/>
           </p:cNvSpPr>
@@ -15417,154 +20252,346 @@
           <a:bodyPr/>
           <a:lstStyle/>
           <a:p>
+            <a:pPr marL="0" indent="0">
+              <a:spcBef>
+                <a:spcPts val="0"/>
+              </a:spcBef>
+              <a:buNone/>
+            </a:pPr>
             <a:r>
-              <a:rPr lang="en-US" b="1" dirty="0"/>
-              <a:t>My starting point:</a:t>
+              <a:rPr lang="en-CA" sz="1200" dirty="0"/>
+              <a:t>The problem that’s been identified as the primary issue is that CSIP does not have a RTP protocol</a:t>
             </a:r>
+          </a:p>
+          <a:p>
+            <a:pPr marL="0" indent="0">
+              <a:spcBef>
+                <a:spcPts val="0"/>
+              </a:spcBef>
+              <a:buNone/>
+            </a:pPr>
+            <a:r>
+              <a:rPr lang="en-CA" sz="1200" dirty="0"/>
+              <a:t>This, in and of itself, is a real problem: we can count on multiple rehabilitation cases per year in Whistler alone (num..), when it happens we have the expectation of delivering a “better than world-class” solution, we are almost entirely un-prepared for this and it places a massive burden on our performance staff to service these rehab cases.</a:t>
+            </a:r>
+          </a:p>
+          <a:p>
+            <a:pPr marL="0" indent="0">
+              <a:spcBef>
+                <a:spcPts val="0"/>
+              </a:spcBef>
+              <a:buNone/>
+            </a:pPr>
+            <a:endParaRPr lang="en-CA" sz="1200" dirty="0"/>
+          </a:p>
+          <a:p>
+            <a:pPr marL="0" indent="0">
+              <a:spcBef>
+                <a:spcPts val="0"/>
+              </a:spcBef>
+              <a:buNone/>
+            </a:pPr>
+            <a:r>
+              <a:rPr lang="en-CA" sz="1200" dirty="0"/>
+              <a:t>In my view, there is an opportunity that by putting resources into addressing this problem, we can actually solve a number of other problems that are potentially just as large and just as important:</a:t>
+            </a:r>
+          </a:p>
+          <a:p>
+            <a:pPr marL="0" indent="0">
+              <a:spcBef>
+                <a:spcPts val="0"/>
+              </a:spcBef>
+              <a:buNone/>
+            </a:pPr>
+            <a:endParaRPr lang="en-CA" sz="1200" dirty="0"/>
+          </a:p>
+          <a:p>
+            <a:pPr marL="0" indent="0">
+              <a:spcBef>
+                <a:spcPts val="0"/>
+              </a:spcBef>
+              <a:buNone/>
+            </a:pPr>
+            <a:r>
+              <a:rPr lang="en-CA" sz="1200" dirty="0"/>
+              <a:t>1.We do not have a functioning data performance pipeline in performance services: we have major gaps in data collection, management, analysis and reporting. A performance data pipeline is essentially non-existent for most practical cases.</a:t>
+            </a:r>
+          </a:p>
+          <a:p>
+            <a:pPr marL="0" indent="0">
+              <a:spcBef>
+                <a:spcPts val="0"/>
+              </a:spcBef>
+              <a:buNone/>
+            </a:pPr>
+            <a:endParaRPr lang="en-CA" sz="1200" dirty="0"/>
+          </a:p>
+          <a:p>
+            <a:pPr marL="0" indent="0">
+              <a:spcBef>
+                <a:spcPts val="0"/>
+              </a:spcBef>
+              <a:buNone/>
+            </a:pPr>
+            <a:r>
+              <a:rPr lang="en-CA" sz="1200" dirty="0"/>
+              <a:t>2.We are extremely inefficient with our performance programming.  If we look at RTP programming alone, everyone is building programs from scratch using their own methods and templates.  It’s a massive time commitment, and extremely inefficient.</a:t>
+            </a:r>
+          </a:p>
+          <a:p>
+            <a:pPr marL="0" indent="0">
+              <a:spcBef>
+                <a:spcPts val="0"/>
+              </a:spcBef>
+              <a:buNone/>
+            </a:pPr>
+            <a:endParaRPr lang="en-CA" sz="1200" dirty="0"/>
+          </a:p>
+          <a:p>
+            <a:pPr marL="0" indent="0">
+              <a:spcBef>
+                <a:spcPts val="0"/>
+              </a:spcBef>
+              <a:buNone/>
+            </a:pPr>
+            <a:r>
+              <a:rPr lang="en-CA" sz="1200" dirty="0"/>
+              <a:t>3.Lack of organization and standardization impairs our ability to communicate and collaborate effectively both within the institute and with our external partners.  </a:t>
+            </a:r>
+          </a:p>
+          <a:p>
+            <a:pPr marL="0" indent="0">
+              <a:spcBef>
+                <a:spcPts val="0"/>
+              </a:spcBef>
+              <a:buNone/>
+            </a:pPr>
+            <a:endParaRPr lang="en-CA" sz="1200" dirty="0"/>
+          </a:p>
+          <a:p>
+            <a:pPr marL="0" indent="0">
+              <a:spcBef>
+                <a:spcPts val="0"/>
+              </a:spcBef>
+              <a:buNone/>
+            </a:pPr>
+            <a:r>
+              <a:rPr lang="en-CA" sz="1200" dirty="0"/>
+              <a:t>4.Again, the lack of a standardized approach means we are not compounding knowledge, and we are making it difficult on ourselves to innovate and to continually improve our capabilities</a:t>
+            </a:r>
+          </a:p>
+          <a:p>
+            <a:pPr marL="0" indent="0">
+              <a:spcBef>
+                <a:spcPts val="0"/>
+              </a:spcBef>
+              <a:buNone/>
+            </a:pPr>
+            <a:endParaRPr lang="en-CA" sz="1200" dirty="0"/>
+          </a:p>
+          <a:p>
+            <a:pPr marL="0" indent="0">
+              <a:spcBef>
+                <a:spcPts val="0"/>
+              </a:spcBef>
+              <a:buNone/>
+            </a:pPr>
+            <a:r>
+              <a:rPr lang="en-CA" sz="1200" dirty="0"/>
+              <a:t>Just to re-iterate, I intend to focus on the RTP Protocol, and I believe that the work can go a long way towards starting to solve these other problems.</a:t>
+            </a:r>
+          </a:p>
+          <a:p>
+            <a:pPr marL="0" indent="0">
+              <a:spcBef>
+                <a:spcPts val="0"/>
+              </a:spcBef>
+              <a:buNone/>
+            </a:pPr>
+            <a:endParaRPr lang="en-CA" sz="1200" dirty="0"/>
+          </a:p>
+          <a:p>
+            <a:pPr marL="0" indent="0">
+              <a:spcBef>
+                <a:spcPts val="0"/>
+              </a:spcBef>
+              <a:buNone/>
+            </a:pPr>
+            <a:endParaRPr lang="en-CA" sz="1200" dirty="0"/>
+          </a:p>
+          <a:p>
+            <a:pPr marL="0" indent="0">
+              <a:spcBef>
+                <a:spcPts val="0"/>
+              </a:spcBef>
+              <a:buNone/>
+            </a:pPr>
+            <a:endParaRPr lang="en-CA" sz="1200" dirty="0"/>
+          </a:p>
+          <a:p>
+            <a:pPr marL="0" indent="0">
+              <a:spcBef>
+                <a:spcPts val="0"/>
+              </a:spcBef>
+              <a:buNone/>
+            </a:pPr>
+            <a:r>
+              <a:rPr lang="en-CA" sz="1200" b="1" dirty="0"/>
+              <a:t>Can you provide evidence that the problem exists?   </a:t>
+            </a:r>
+          </a:p>
+          <a:p>
+            <a:pPr marL="0" indent="0">
+              <a:spcBef>
+                <a:spcPts val="0"/>
+              </a:spcBef>
+              <a:buNone/>
+            </a:pPr>
+            <a:r>
+              <a:rPr lang="en-CA" sz="1200" dirty="0"/>
+              <a:t>If a sport brings any one of our S&amp;C staff a rehab case today, there are no resources or protocols that we can give to that staff member.</a:t>
+            </a:r>
+          </a:p>
+          <a:p>
+            <a:pPr marL="0" indent="0">
+              <a:spcBef>
+                <a:spcPts val="0"/>
+              </a:spcBef>
+              <a:buNone/>
+            </a:pPr>
+            <a:r>
+              <a:rPr lang="en-CA" sz="1200" b="1" dirty="0"/>
+              <a:t>Could a solution to a problem result in positive impact for the institute, without negatively impacting our purpose?</a:t>
+            </a:r>
+          </a:p>
+          <a:p>
+            <a:pPr marL="0" indent="0">
+              <a:spcBef>
+                <a:spcPts val="0"/>
+              </a:spcBef>
+              <a:buNone/>
+            </a:pPr>
+            <a:r>
+              <a:rPr lang="en-CA" sz="1200" dirty="0"/>
+              <a:t>I do not see any negative impact to this.  I believe that to continue on our current path would be the best way to negatively impact our purpose.</a:t>
+            </a:r>
+          </a:p>
+          <a:p>
+            <a:pPr marL="0" indent="0">
+              <a:spcBef>
+                <a:spcPts val="0"/>
+              </a:spcBef>
+              <a:buNone/>
+            </a:pPr>
+            <a:endParaRPr lang="en-CA" sz="1200" dirty="0"/>
+          </a:p>
+          <a:p>
+            <a:pPr marL="0" indent="0">
+              <a:spcBef>
+                <a:spcPts val="0"/>
+              </a:spcBef>
+              <a:buNone/>
+            </a:pPr>
+            <a:endParaRPr lang="en-CA" sz="1200" dirty="0"/>
+          </a:p>
+          <a:p>
+            <a:pPr marL="0" indent="0">
+              <a:spcBef>
+                <a:spcPts val="0"/>
+              </a:spcBef>
+              <a:buNone/>
+            </a:pPr>
+            <a:endParaRPr lang="en-CA" sz="1200" dirty="0"/>
+          </a:p>
+          <a:p>
+            <a:endParaRPr lang="en-US" dirty="0"/>
+          </a:p>
+          <a:p>
+            <a:endParaRPr lang="en-US" dirty="0"/>
           </a:p>
           <a:p>
             <a:r>
               <a:rPr lang="en-US" dirty="0"/>
-              <a:t>Build something good… I believe we currently have everything we need to build this effectively</a:t>
-            </a:r>
-          </a:p>
-          <a:p>
-            <a:endParaRPr lang="en-US" b="1" dirty="0"/>
-          </a:p>
-          <a:p>
-            <a:r>
-              <a:rPr lang="en-US" b="1" dirty="0"/>
-              <a:t>Something good:</a:t>
-            </a:r>
-          </a:p>
-          <a:p>
-            <a:r>
-              <a:rPr lang="en-CA" sz="1200" b="0" dirty="0"/>
-              <a:t>ACL Rehab protocol</a:t>
-            </a:r>
-          </a:p>
-          <a:p>
-            <a:r>
-              <a:rPr lang="en-CA" sz="1200" b="0" dirty="0"/>
-              <a:t>The first three points are things that already exist in the world, they are things that we can build our own in house version by organizing and leveraging some of our past work, by utilizing peer-reviewed research, and by building off of existing industry standards</a:t>
-            </a:r>
-          </a:p>
-          <a:p>
-            <a:endParaRPr lang="en-CA" sz="1200" b="0" dirty="0"/>
-          </a:p>
-          <a:p>
-            <a:r>
-              <a:rPr lang="en-CA" sz="1200" b="0" dirty="0"/>
-              <a:t>The bottom 3 bullets in red, these are aspects of an ACL protocol that I have not previously encountered, and these represent an innovative approach that I think can differentiate us from others in the rehab space.</a:t>
-            </a:r>
-          </a:p>
-          <a:p>
-            <a:endParaRPr lang="en-US" b="1" dirty="0"/>
-          </a:p>
-          <a:p>
-            <a:r>
-              <a:rPr lang="en-US" b="1" dirty="0"/>
-              <a:t>For now I’d like to continue with the presentation, then at the end if you’re interested I’ll show you my early work on this solution.</a:t>
-            </a:r>
-          </a:p>
-          <a:p>
-            <a:endParaRPr lang="en-US" b="1" dirty="0"/>
-          </a:p>
-          <a:p>
-            <a:r>
-              <a:rPr lang="en-US" b="1" dirty="0"/>
-              <a:t>What we have now:</a:t>
+              <a:t>CH:</a:t>
             </a:r>
           </a:p>
           <a:p>
             <a:r>
               <a:rPr lang="en-US" dirty="0"/>
-              <a:t>-0.4 FTE of Andrew’s time</a:t>
+              <a:t>-t</a:t>
+            </a:r>
+            <a:r>
+              <a:rPr lang="en-CA" sz="1200" kern="1200" dirty="0">
+                <a:solidFill>
+                  <a:schemeClr val="tx1"/>
+                </a:solidFill>
+                <a:effectLst/>
+                <a:latin typeface="+mn-lt"/>
+                <a:ea typeface="+mn-ea"/>
+                <a:cs typeface="+mn-cs"/>
+              </a:rPr>
+              <a:t>he purpose of this RTP program is to provide a world-class, evidence-based</a:t>
+            </a:r>
+          </a:p>
+          <a:p>
+            <a:r>
+              <a:rPr lang="en-CA" sz="1200" kern="1200" dirty="0">
+                <a:solidFill>
+                  <a:schemeClr val="tx1"/>
+                </a:solidFill>
+                <a:effectLst/>
+                <a:latin typeface="+mn-lt"/>
+                <a:ea typeface="+mn-ea"/>
+                <a:cs typeface="+mn-cs"/>
+              </a:rPr>
+              <a:t>pathway leveraging cutting-edge sport science and a multi-disciplinary team approach to</a:t>
+            </a:r>
+          </a:p>
+          <a:p>
+            <a:r>
+              <a:rPr lang="en-CA" sz="1200" kern="1200" dirty="0">
+                <a:solidFill>
+                  <a:schemeClr val="tx1"/>
+                </a:solidFill>
+                <a:effectLst/>
+                <a:latin typeface="+mn-lt"/>
+                <a:ea typeface="+mn-ea"/>
+                <a:cs typeface="+mn-cs"/>
+              </a:rPr>
+              <a:t>rehabilitate and reintegrate winter sport athletes back to an elite level of competition</a:t>
             </a:r>
           </a:p>
           <a:p>
             <a:r>
               <a:rPr lang="en-US" dirty="0"/>
-              <a:t>-some data from previous rehabilitations conducted within our facilities</a:t>
+              <a:t>-</a:t>
             </a:r>
-          </a:p>
-          <a:p>
             <a:r>
-              <a:rPr lang="en-US" dirty="0"/>
-              <a:t>-a network of practitioners who can offer expertise on different aspects of the protocol</a:t>
+              <a:rPr lang="en-CA" sz="1200" kern="1200" dirty="0">
+                <a:solidFill>
+                  <a:schemeClr val="tx1"/>
+                </a:solidFill>
+                <a:effectLst/>
+                <a:latin typeface="+mn-lt"/>
+                <a:ea typeface="+mn-ea"/>
+                <a:cs typeface="+mn-cs"/>
+              </a:rPr>
+              <a:t>one-third of World Cup Freestyle Ski and Alpine Ski athletes sustain a time-loss injury each season (Florenes4</a:t>
             </a:r>
           </a:p>
           <a:p>
             <a:r>
-              <a:rPr lang="en-US" dirty="0"/>
-              <a:t>-Force Plates</a:t>
+              <a:rPr lang="en-CA" sz="1200" kern="1200" dirty="0">
+                <a:solidFill>
+                  <a:schemeClr val="tx1"/>
+                </a:solidFill>
+                <a:effectLst/>
+                <a:latin typeface="+mn-lt"/>
+                <a:ea typeface="+mn-ea"/>
+                <a:cs typeface="+mn-cs"/>
+              </a:rPr>
+              <a:t>et al., 2012)</a:t>
             </a:r>
-          </a:p>
-          <a:p>
-            <a:r>
-              <a:rPr lang="en-US" dirty="0"/>
-              <a:t>-High Performance facility</a:t>
-            </a:r>
-          </a:p>
-          <a:p>
-            <a:endParaRPr lang="en-US" dirty="0"/>
-          </a:p>
-          <a:p>
-            <a:r>
-              <a:rPr lang="en-US" dirty="0"/>
-              <a:t>What we don’t have: (this is a long list, but…</a:t>
-            </a:r>
-          </a:p>
-          <a:p>
-            <a:r>
-              <a:rPr lang="en-US" dirty="0"/>
-              <a:t>-money</a:t>
-            </a:r>
-          </a:p>
-          <a:p>
-            <a:r>
-              <a:rPr lang="en-US" dirty="0"/>
-              <a:t>-in house physiotherapy or other IST services</a:t>
-            </a:r>
-          </a:p>
-          <a:p>
-            <a:r>
-              <a:rPr lang="en-US" dirty="0"/>
-              <a:t>-isokinetic dynamometer</a:t>
-            </a:r>
-          </a:p>
-          <a:p>
-            <a:r>
-              <a:rPr lang="en-US" dirty="0"/>
-              <a:t>-underwater treadmill</a:t>
-            </a:r>
-          </a:p>
-          <a:p>
-            <a:endParaRPr lang="en-US" dirty="0"/>
-          </a:p>
-          <a:p>
-            <a:r>
-              <a:rPr lang="en-US" dirty="0"/>
-              <a:t>One thing to notice:</a:t>
-            </a:r>
-          </a:p>
-          <a:p>
-            <a:r>
-              <a:rPr lang="en-US" dirty="0"/>
-              <a:t>-Again, with this solution we are addressing and getting straight to work on some of the underlying problems I identified:</a:t>
-            </a:r>
-          </a:p>
-          <a:p>
-            <a:r>
-              <a:rPr lang="en-US" dirty="0"/>
-              <a:t>Performance data pipeline, improved programming efficiency, striving for innovation, improving information sharing for collaboration</a:t>
-            </a:r>
-          </a:p>
-          <a:p>
-            <a:endParaRPr lang="en-US" dirty="0"/>
-          </a:p>
-          <a:p>
-            <a:endParaRPr lang="en-US" dirty="0"/>
           </a:p>
           <a:p>
             <a:endParaRPr lang="en-US" dirty="0"/>
@@ -15573,7 +20600,13 @@
       </p:sp>
       <p:sp>
         <p:nvSpPr>
-          <p:cNvPr id="4" name="Slide Number Placeholder 3"/>
+          <p:cNvPr id="4" name="Slide Number Placeholder 3">
+            <a:extLst>
+              <a:ext uri="{FF2B5EF4-FFF2-40B4-BE49-F238E27FC236}">
+                <a16:creationId xmlns:a16="http://schemas.microsoft.com/office/drawing/2014/main" id="{ED714E9D-DA7D-DBCD-8033-97D622B40BD1}"/>
+              </a:ext>
+            </a:extLst>
+          </p:cNvPr>
           <p:cNvSpPr>
             <a:spLocks noGrp="1"/>
           </p:cNvSpPr>
@@ -15597,7 +20630,7 @@
     </p:spTree>
     <p:extLst>
       <p:ext uri="{BB962C8B-B14F-4D97-AF65-F5344CB8AC3E}">
-        <p14:creationId xmlns:p14="http://schemas.microsoft.com/office/powerpoint/2010/main" val="654432541"/>
+        <p14:creationId xmlns:p14="http://schemas.microsoft.com/office/powerpoint/2010/main" val="2658038778"/>
       </p:ext>
     </p:extLst>
   </p:cSld>
@@ -15651,233 +20684,187 @@
           <a:bodyPr/>
           <a:lstStyle/>
           <a:p>
-            <a:pPr marL="0" indent="0">
-              <a:spcBef>
-                <a:spcPts val="0"/>
-              </a:spcBef>
-              <a:buNone/>
-            </a:pPr>
             <a:r>
-              <a:rPr lang="en-CA" sz="1200" b="1" dirty="0"/>
-              <a:t>Who does this problem focus on?  </a:t>
+              <a:rPr lang="en-US" b="1" dirty="0"/>
+              <a:t>My starting point:</a:t>
             </a:r>
           </a:p>
           <a:p>
-            <a:pPr marL="0" marR="0" lvl="0" indent="0" algn="l" defTabSz="914400" rtl="0" eaLnBrk="1" fontAlgn="auto" latinLnBrk="0" hangingPunct="1">
-              <a:lnSpc>
-                <a:spcPct val="100000"/>
-              </a:lnSpc>
-              <a:spcBef>
-                <a:spcPts val="0"/>
-              </a:spcBef>
-              <a:spcAft>
-                <a:spcPts val="0"/>
-              </a:spcAft>
-              <a:buClrTx/>
-              <a:buSzTx/>
-              <a:buFontTx/>
-              <a:buNone/>
-              <a:tabLst/>
-              <a:defRPr/>
-            </a:pPr>
             <a:r>
               <a:rPr lang="en-US" dirty="0"/>
-              <a:t>My proposal is to start with a protocol for able bodied elite athletes.</a:t>
+              <a:t>Build something good… I believe we currently have everything we need to build this effectively</a:t>
             </a:r>
           </a:p>
           <a:p>
-            <a:pPr marL="0" marR="0" lvl="0" indent="0" algn="l" defTabSz="914400" rtl="0" eaLnBrk="1" fontAlgn="auto" latinLnBrk="0" hangingPunct="1">
-              <a:lnSpc>
-                <a:spcPct val="100000"/>
-              </a:lnSpc>
-              <a:spcBef>
-                <a:spcPts val="0"/>
-              </a:spcBef>
-              <a:spcAft>
-                <a:spcPts val="0"/>
-              </a:spcAft>
-              <a:buClrTx/>
-              <a:buSzTx/>
-              <a:buFontTx/>
-              <a:buNone/>
-              <a:tabLst/>
-              <a:defRPr/>
-            </a:pPr>
+            <a:endParaRPr lang="en-US" b="1" dirty="0"/>
+          </a:p>
+          <a:p>
             <a:r>
-              <a:rPr lang="en-US" sz="1200" dirty="0"/>
-              <a:t>	</a:t>
+              <a:rPr lang="en-US" b="1" dirty="0"/>
+              <a:t>Something good:</a:t>
             </a:r>
-            <a:endParaRPr lang="en-US" dirty="0"/>
+          </a:p>
+          <a:p>
+            <a:r>
+              <a:rPr lang="en-CA" sz="1200" b="0" dirty="0"/>
+              <a:t>ACL Rehab protocol</a:t>
+            </a:r>
+          </a:p>
+          <a:p>
+            <a:r>
+              <a:rPr lang="en-CA" sz="1200" b="0" dirty="0"/>
+              <a:t>The first three points are things that already exist in the world, they are things that we can build our own in house version by organizing and leveraging some of our past work, by utilizing peer-reviewed research, and by building off of existing industry standards</a:t>
+            </a:r>
+          </a:p>
+          <a:p>
+            <a:endParaRPr lang="en-CA" sz="1200" b="0" dirty="0"/>
+          </a:p>
+          <a:p>
+            <a:r>
+              <a:rPr lang="en-CA" sz="1200" b="0" dirty="0"/>
+              <a:t>The bottom 3 bullets in red, these are aspects of an ACL protocol that I have not previously encountered, and these represent an innovative approach that I think can differentiate us from others in the rehab space.</a:t>
+            </a:r>
+          </a:p>
+          <a:p>
+            <a:endParaRPr lang="en-US" b="1" dirty="0"/>
+          </a:p>
+          <a:p>
+            <a:r>
+              <a:rPr lang="en-US" b="1" dirty="0"/>
+              <a:t>For now I’d like to continue with the presentation, then at the end if you’re interested I’ll show you my early work on this solution.</a:t>
+            </a:r>
+          </a:p>
+          <a:p>
+            <a:endParaRPr lang="en-US" b="1" dirty="0"/>
+          </a:p>
+          <a:p>
+            <a:r>
+              <a:rPr lang="en-US" b="1" dirty="0"/>
+              <a:t>What we have now:</a:t>
+            </a:r>
           </a:p>
           <a:p>
             <a:r>
               <a:rPr lang="en-US" dirty="0"/>
-              <a:t>My pitch here is that this type of work is something that we should be doing, regardless of markets or revenue generation or new business.  Our core business, in my view is supporting Canada's high-performance athletes to the best of our abilities.  So that's my purpose that's driving me to try to build something really great, and then I think if we strive for that we will end up with something that can be scaled and adapted for any market.</a:t>
+              <a:t>-0.4 FTE of Andrew’s time</a:t>
             </a:r>
-          </a:p>
-          <a:p>
-            <a:endParaRPr lang="en-US" dirty="0"/>
           </a:p>
           <a:p>
             <a:r>
               <a:rPr lang="en-US" dirty="0"/>
-              <a:t>So on the left I've got 3 markets we already service.</a:t>
+              <a:t>-some data from previous rehabilitations conducted within our facilities</a:t>
             </a:r>
-          </a:p>
-          <a:p>
-            <a:endParaRPr lang="en-US" dirty="0"/>
-          </a:p>
-          <a:p>
-            <a:endParaRPr lang="en-US" dirty="0"/>
-          </a:p>
-          <a:p>
-            <a:endParaRPr lang="en-US" dirty="0"/>
           </a:p>
           <a:p>
             <a:r>
               <a:rPr lang="en-US" dirty="0"/>
-              <a:t>Hierarchy:</a:t>
+              <a:t>-a network of practitioners who can offer expertise on different aspects of the protocol</a:t>
             </a:r>
           </a:p>
           <a:p>
             <a:r>
               <a:rPr lang="en-US" dirty="0"/>
-              <a:t>NSO athletes is supposed to be our core business, this is at the top of the hierarchy, but it is also the smallest “market”.  Build the one big thing, targeted towards one specific pillar of our core business, then it can easily be scaled and adapted to these other markets</a:t>
+              <a:t>-Force Plates</a:t>
             </a:r>
           </a:p>
           <a:p>
+            <a:r>
+              <a:rPr lang="en-US" dirty="0"/>
+              <a:t>-High Performance facility</a:t>
+            </a:r>
+          </a:p>
+          <a:p>
             <a:endParaRPr lang="en-US" dirty="0"/>
           </a:p>
           <a:p>
+            <a:r>
+              <a:rPr lang="en-US" dirty="0"/>
+              <a:t>What we don’t have: (this is a long list, but…</a:t>
+            </a:r>
+          </a:p>
+          <a:p>
+            <a:r>
+              <a:rPr lang="en-US" dirty="0"/>
+              <a:t>-money</a:t>
+            </a:r>
+          </a:p>
+          <a:p>
+            <a:r>
+              <a:rPr lang="en-US" dirty="0"/>
+              <a:t>-in house physiotherapy or other IST services</a:t>
+            </a:r>
+          </a:p>
+          <a:p>
+            <a:r>
+              <a:rPr lang="en-US" dirty="0"/>
+              <a:t>-isokinetic dynamometer</a:t>
+            </a:r>
+          </a:p>
+          <a:p>
+            <a:r>
+              <a:rPr lang="en-US" dirty="0"/>
+              <a:t>-underwater treadmill</a:t>
+            </a:r>
+          </a:p>
+          <a:p>
             <a:endParaRPr lang="en-US" dirty="0"/>
           </a:p>
           <a:p>
-            <a:pPr marL="0" marR="0" lvl="0" indent="0" algn="l" defTabSz="914400" rtl="0" eaLnBrk="1" fontAlgn="auto" latinLnBrk="0" hangingPunct="1">
-              <a:lnSpc>
-                <a:spcPct val="100000"/>
-              </a:lnSpc>
-              <a:spcBef>
-                <a:spcPts val="0"/>
-              </a:spcBef>
-              <a:spcAft>
-                <a:spcPts val="0"/>
-              </a:spcAft>
-              <a:buClrTx/>
-              <a:buSzTx/>
-              <a:buFontTx/>
-              <a:buNone/>
-              <a:tabLst/>
-              <a:defRPr/>
-            </a:pPr>
             <a:r>
-              <a:rPr lang="en-CA" sz="1200" b="1" dirty="0"/>
-              <a:t>Can you get any sense of projected number of client/customers that might be interested in this solution? </a:t>
+              <a:rPr lang="en-US" dirty="0"/>
+              <a:t>One thing to notice:</a:t>
             </a:r>
-            <a:endParaRPr lang="en-CA" sz="1200" kern="1200" dirty="0">
-              <a:solidFill>
-                <a:schemeClr val="tx1"/>
-              </a:solidFill>
-              <a:effectLst/>
-              <a:latin typeface="+mn-lt"/>
-              <a:ea typeface="+mn-ea"/>
-              <a:cs typeface="+mn-cs"/>
-            </a:endParaRPr>
           </a:p>
           <a:p>
             <a:r>
-              <a:rPr lang="en-CA" sz="1200" kern="1200" dirty="0">
-                <a:solidFill>
-                  <a:schemeClr val="tx1"/>
-                </a:solidFill>
-                <a:effectLst/>
-                <a:latin typeface="+mn-lt"/>
-                <a:ea typeface="+mn-ea"/>
-                <a:cs typeface="+mn-cs"/>
-              </a:rPr>
-              <a:t>-</a:t>
+              <a:rPr lang="en-US" dirty="0"/>
+              <a:t>-Again, with this solution we are addressing and getting straight to work on some of the underlying problems I identified:</a:t>
             </a:r>
+          </a:p>
+          <a:p>
             <a:r>
-              <a:rPr lang="en-US" sz="1200" kern="1200" dirty="0">
-                <a:solidFill>
-                  <a:schemeClr val="tx1"/>
-                </a:solidFill>
-                <a:effectLst/>
-                <a:latin typeface="+mn-lt"/>
-                <a:ea typeface="+mn-ea"/>
-                <a:cs typeface="+mn-cs"/>
-              </a:rPr>
-              <a:t>research has shown that the risk of injury and the frequency of severe injuries in freestyle skiing are high.  A retrospective study of all freestyle ski disciplines during the three World Cup seasons between 2006-2009 estimated a 44.0% (95%CI: 38.9 – 49.0%) incidence of injury each season and a 31.9% (95%CI: 27.6 – 36.2%) incidence of time-loss (≥ 1 day) injury across all competitors (</a:t>
+              <a:rPr lang="en-US" dirty="0"/>
+              <a:t>Performance data pipeline, improved programming efficiency, striving for innovation, improving information sharing for collaboration</a:t>
             </a:r>
-            <a:r>
-              <a:rPr lang="en-US" sz="1200" kern="1200" dirty="0" err="1">
-                <a:solidFill>
-                  <a:schemeClr val="tx1"/>
-                </a:solidFill>
-                <a:effectLst/>
-                <a:latin typeface="+mn-lt"/>
-                <a:ea typeface="+mn-ea"/>
-                <a:cs typeface="+mn-cs"/>
-              </a:rPr>
-              <a:t>Flørenes</a:t>
-            </a:r>
-            <a:r>
-              <a:rPr lang="en-US" sz="1200" kern="1200" dirty="0">
-                <a:solidFill>
-                  <a:schemeClr val="tx1"/>
-                </a:solidFill>
-                <a:effectLst/>
-                <a:latin typeface="+mn-lt"/>
-                <a:ea typeface="+mn-ea"/>
-                <a:cs typeface="+mn-cs"/>
-              </a:rPr>
-              <a:t> et al., 2010).  Alarmingly, severe injuries leading to time loss from training and competition of greater than 28 days were the most frequent type of injury, which is in contrast to most other sports, where severe injuries are the least frequent.  Other research found that 47% of the 95 competitors at the 2001 FIS Freestyle World Championship had experienced at least one major knee injury (&gt;20 days lost) and 26% had suffered at least one previous ACL injury (Heir et al., 2003). </a:t>
-            </a:r>
-          </a:p>
-          <a:p>
-            <a:endParaRPr lang="en-US" sz="1200" kern="1200" dirty="0">
-              <a:solidFill>
-                <a:schemeClr val="tx1"/>
-              </a:solidFill>
-              <a:effectLst/>
-              <a:latin typeface="+mn-lt"/>
-              <a:ea typeface="+mn-ea"/>
-              <a:cs typeface="+mn-cs"/>
-            </a:endParaRPr>
-          </a:p>
-          <a:p>
-            <a:r>
-              <a:rPr lang="en-CA" sz="1200" kern="1200" dirty="0">
-                <a:solidFill>
-                  <a:schemeClr val="tx1"/>
-                </a:solidFill>
-                <a:effectLst/>
-                <a:latin typeface="+mn-lt"/>
-                <a:ea typeface="+mn-ea"/>
-                <a:cs typeface="+mn-cs"/>
-              </a:rPr>
-              <a:t>Back In Action Physiotherapy alone reports treating 320 different patients with knee injuries annually</a:t>
-            </a:r>
-          </a:p>
-          <a:p>
-            <a:endParaRPr lang="en-CA" sz="1200" kern="1200" dirty="0">
-              <a:solidFill>
-                <a:schemeClr val="tx1"/>
-              </a:solidFill>
-              <a:effectLst/>
-              <a:latin typeface="+mn-lt"/>
-              <a:ea typeface="+mn-ea"/>
-              <a:cs typeface="+mn-cs"/>
-            </a:endParaRPr>
           </a:p>
           <a:p>
             <a:endParaRPr lang="en-US" dirty="0"/>
+          </a:p>
+          <a:p>
+            <a:endParaRPr lang="en-US" dirty="0"/>
+          </a:p>
+          <a:p>
+            <a:endParaRPr lang="en-US" dirty="0"/>
+          </a:p>
+        </p:txBody>
+      </p:sp>
+      <p:sp>
+        <p:nvSpPr>
+          <p:cNvPr id="4" name="Slide Number Placeholder 3"/>
+          <p:cNvSpPr>
+            <a:spLocks noGrp="1"/>
+          </p:cNvSpPr>
+          <p:nvPr>
+            <p:ph type="sldNum" sz="quarter" idx="5"/>
+          </p:nvPr>
+        </p:nvSpPr>
+        <p:spPr/>
+        <p:txBody>
+          <a:bodyPr/>
+          <a:lstStyle/>
+          <a:p>
+            <a:fld id="{EAF9EB4E-D50A-4CF1-9B06-457599E410FB}" type="slidenum">
+              <a:rPr lang="en-CA" smtClean="0"/>
+              <a:t>4</a:t>
+            </a:fld>
+            <a:endParaRPr lang="en-CA"/>
           </a:p>
         </p:txBody>
       </p:sp>
     </p:spTree>
     <p:extLst>
       <p:ext uri="{BB962C8B-B14F-4D97-AF65-F5344CB8AC3E}">
-        <p14:creationId xmlns:p14="http://schemas.microsoft.com/office/powerpoint/2010/main" val="250508036"/>
+        <p14:creationId xmlns:p14="http://schemas.microsoft.com/office/powerpoint/2010/main" val="654432541"/>
       </p:ext>
     </p:extLst>
   </p:cSld>
@@ -15931,60 +20918,6 @@
           <a:bodyPr/>
           <a:lstStyle/>
           <a:p>
-            <a:pPr marL="228600" indent="-228600">
-              <a:spcBef>
-                <a:spcPts val="0"/>
-              </a:spcBef>
-              <a:buAutoNum type="arabicPeriod"/>
-            </a:pPr>
-            <a:r>
-              <a:rPr lang="en-CA" sz="1200" dirty="0"/>
-              <a:t>Who are we learning from?</a:t>
-            </a:r>
-          </a:p>
-          <a:p>
-            <a:pPr marL="228600" indent="-228600">
-              <a:spcBef>
-                <a:spcPts val="0"/>
-              </a:spcBef>
-              <a:buAutoNum type="arabicPeriod"/>
-            </a:pPr>
-            <a:r>
-              <a:rPr lang="en-CA" sz="1200" dirty="0"/>
-              <a:t>Who else is doing ACL rehabs in Canada?</a:t>
-            </a:r>
-          </a:p>
-          <a:p>
-            <a:pPr marL="0" indent="0">
-              <a:spcBef>
-                <a:spcPts val="0"/>
-              </a:spcBef>
-              <a:buNone/>
-            </a:pPr>
-            <a:r>
-              <a:rPr lang="en-CA" sz="1200" dirty="0"/>
-              <a:t>	More specific: who else is doing winter sport SCL rehab in Canada?</a:t>
-            </a:r>
-          </a:p>
-          <a:p>
-            <a:pPr marL="0" indent="0">
-              <a:spcBef>
-                <a:spcPts val="0"/>
-              </a:spcBef>
-              <a:buNone/>
-            </a:pPr>
-            <a:endParaRPr lang="en-CA" sz="1200" dirty="0"/>
-          </a:p>
-          <a:p>
-            <a:pPr marL="0" indent="0">
-              <a:spcBef>
-                <a:spcPts val="0"/>
-              </a:spcBef>
-              <a:buNone/>
-            </a:pPr>
-            <a:endParaRPr lang="en-CA" sz="1200" dirty="0"/>
-          </a:p>
-          <a:p>
             <a:pPr marL="0" indent="0">
               <a:spcBef>
                 <a:spcPts val="0"/>
@@ -15993,168 +20926,131 @@
             </a:pPr>
             <a:r>
               <a:rPr lang="en-CA" sz="1200" b="1" dirty="0"/>
-              <a:t>Describe your key differentiators that make your solution different than your competition.</a:t>
+              <a:t>Who does this problem focus on?  </a:t>
             </a:r>
           </a:p>
           <a:p>
-            <a:pPr marL="0" indent="0">
+            <a:pPr marL="0" marR="0" lvl="0" indent="0" algn="l" defTabSz="914400" rtl="0" eaLnBrk="1" fontAlgn="auto" latinLnBrk="0" hangingPunct="1">
+              <a:lnSpc>
+                <a:spcPct val="100000"/>
+              </a:lnSpc>
               <a:spcBef>
                 <a:spcPts val="0"/>
               </a:spcBef>
+              <a:spcAft>
+                <a:spcPts val="0"/>
+              </a:spcAft>
+              <a:buClrTx/>
+              <a:buSzTx/>
+              <a:buFontTx/>
               <a:buNone/>
+              <a:tabLst/>
+              <a:defRPr/>
             </a:pPr>
             <a:r>
-              <a:rPr lang="en-CA" sz="1200" dirty="0"/>
-              <a:t>A fully integrated digital tool</a:t>
+              <a:rPr lang="en-US" dirty="0"/>
+              <a:t>My proposal is to start with a protocol for able bodied elite athletes.</a:t>
             </a:r>
           </a:p>
           <a:p>
-            <a:pPr marL="0" indent="0">
+            <a:pPr marL="0" marR="0" lvl="0" indent="0" algn="l" defTabSz="914400" rtl="0" eaLnBrk="1" fontAlgn="auto" latinLnBrk="0" hangingPunct="1">
+              <a:lnSpc>
+                <a:spcPct val="100000"/>
+              </a:lnSpc>
               <a:spcBef>
                 <a:spcPts val="0"/>
               </a:spcBef>
+              <a:spcAft>
+                <a:spcPts val="0"/>
+              </a:spcAft>
+              <a:buClrTx/>
+              <a:buSzTx/>
+              <a:buFontTx/>
               <a:buNone/>
+              <a:tabLst/>
+              <a:defRPr/>
             </a:pPr>
             <a:r>
-              <a:rPr lang="en-CA" sz="1200" dirty="0"/>
-              <a:t>“Open Source” …</a:t>
+              <a:rPr lang="en-US" sz="1200" dirty="0"/>
+              <a:t>	</a:t>
             </a:r>
-          </a:p>
-          <a:p>
-            <a:pPr marL="0" indent="0">
+            <a:endParaRPr lang="en-US" dirty="0"/>
+          </a:p>
+          <a:p>
+            <a:r>
+              <a:rPr lang="en-US" dirty="0"/>
+              <a:t>My pitch here is that this type of work is something that we should be doing, regardless of markets or revenue generation or new business.  Our core business, in my view is supporting Canada's high-performance athletes to the best of our abilities.  So that's my purpose that's driving me to try to build something really great, and then I think if we strive for that we will end up with something that can be scaled and adapted for any market.</a:t>
+            </a:r>
+          </a:p>
+          <a:p>
+            <a:endParaRPr lang="en-US" dirty="0"/>
+          </a:p>
+          <a:p>
+            <a:r>
+              <a:rPr lang="en-US" dirty="0"/>
+              <a:t>So on the left I've got 3 markets we already service.</a:t>
+            </a:r>
+          </a:p>
+          <a:p>
+            <a:endParaRPr lang="en-US" dirty="0"/>
+          </a:p>
+          <a:p>
+            <a:endParaRPr lang="en-US" dirty="0"/>
+          </a:p>
+          <a:p>
+            <a:endParaRPr lang="en-US" dirty="0"/>
+          </a:p>
+          <a:p>
+            <a:r>
+              <a:rPr lang="en-US" dirty="0"/>
+              <a:t>Hierarchy:</a:t>
+            </a:r>
+          </a:p>
+          <a:p>
+            <a:r>
+              <a:rPr lang="en-US" dirty="0"/>
+              <a:t>NSO athletes is supposed to be our core business, this is at the top of the hierarchy, but it is also the smallest “market”.  Build the one big thing, targeted towards one specific pillar of our core business, then it can easily be scaled and adapted to these other markets</a:t>
+            </a:r>
+          </a:p>
+          <a:p>
+            <a:endParaRPr lang="en-US" dirty="0"/>
+          </a:p>
+          <a:p>
+            <a:endParaRPr lang="en-US" dirty="0"/>
+          </a:p>
+          <a:p>
+            <a:pPr marL="0" marR="0" lvl="0" indent="0" algn="l" defTabSz="914400" rtl="0" eaLnBrk="1" fontAlgn="auto" latinLnBrk="0" hangingPunct="1">
+              <a:lnSpc>
+                <a:spcPct val="100000"/>
+              </a:lnSpc>
               <a:spcBef>
                 <a:spcPts val="0"/>
               </a:spcBef>
+              <a:spcAft>
+                <a:spcPts val="0"/>
+              </a:spcAft>
+              <a:buClrTx/>
+              <a:buSzTx/>
+              <a:buFontTx/>
               <a:buNone/>
-            </a:pPr>
-            <a:endParaRPr lang="en-CA" sz="1200" dirty="0"/>
-          </a:p>
-          <a:p>
-            <a:pPr marL="0" indent="0">
-              <a:spcBef>
-                <a:spcPts val="0"/>
-              </a:spcBef>
-              <a:buNone/>
+              <a:tabLst/>
+              <a:defRPr/>
             </a:pPr>
             <a:r>
               <a:rPr lang="en-CA" sz="1200" b="1" dirty="0"/>
-              <a:t>[KPI: Is your solution unique enough that your target market (customers) will choose your solution over alternatives?] </a:t>
+              <a:t>Can you get any sense of projected number of client/customers that might be interested in this solution? </a:t>
             </a:r>
-          </a:p>
-          <a:p>
-            <a:pPr marL="0" indent="0">
-              <a:spcBef>
-                <a:spcPts val="0"/>
-              </a:spcBef>
-              <a:buNone/>
-            </a:pPr>
-            <a:r>
-              <a:rPr lang="en-CA" sz="1200" dirty="0"/>
-              <a:t>Yes, possibly.  I could see other Institutes saying, “well this is good, we’ll use the tool”</a:t>
-            </a:r>
-          </a:p>
-          <a:p>
-            <a:pPr marL="0" indent="0">
-              <a:spcBef>
-                <a:spcPts val="0"/>
-              </a:spcBef>
-              <a:buNone/>
-            </a:pPr>
-            <a:r>
-              <a:rPr lang="en-CA" sz="1200" dirty="0"/>
-              <a:t>Also, because it's an online platform, were' not restricted to just Whistler and Victoria</a:t>
-            </a:r>
-          </a:p>
-          <a:p>
-            <a:pPr marL="0" indent="0">
-              <a:spcBef>
-                <a:spcPts val="0"/>
-              </a:spcBef>
-              <a:buNone/>
-            </a:pPr>
-            <a:endParaRPr lang="en-CA" sz="1200" b="1" i="1" dirty="0">
+            <a:endParaRPr lang="en-CA" sz="1200" kern="1200" dirty="0">
               <a:solidFill>
-                <a:srgbClr val="002060"/>
+                <a:schemeClr val="tx1"/>
               </a:solidFill>
+              <a:effectLst/>
+              <a:latin typeface="+mn-lt"/>
+              <a:ea typeface="+mn-ea"/>
+              <a:cs typeface="+mn-cs"/>
             </a:endParaRPr>
           </a:p>
           <a:p>
-            <a:pPr marL="0" indent="0">
-              <a:spcBef>
-                <a:spcPts val="0"/>
-              </a:spcBef>
-              <a:buNone/>
-            </a:pPr>
-            <a:endParaRPr lang="en-CA" sz="1200" b="1" i="1" dirty="0">
-              <a:solidFill>
-                <a:srgbClr val="002060"/>
-              </a:solidFill>
-            </a:endParaRPr>
-          </a:p>
-          <a:p>
-            <a:endParaRPr lang="en-US" dirty="0"/>
-          </a:p>
-          <a:p>
-            <a:endParaRPr lang="en-US" dirty="0"/>
-          </a:p>
-          <a:p>
-            <a:endParaRPr lang="en-US" dirty="0"/>
-          </a:p>
-          <a:p>
-            <a:r>
-              <a:rPr lang="en-US" dirty="0"/>
-              <a:t>Competition:</a:t>
-            </a:r>
-          </a:p>
-          <a:p>
-            <a:r>
-              <a:rPr lang="en-US" dirty="0"/>
-              <a:t>-CSI Calgary (collaborate)</a:t>
-            </a:r>
-          </a:p>
-          <a:p>
-            <a:r>
-              <a:rPr lang="en-US" dirty="0"/>
-              <a:t>-Private</a:t>
-            </a:r>
-          </a:p>
-          <a:p>
-            <a:r>
-              <a:rPr lang="en-US" dirty="0"/>
-              <a:t>-</a:t>
-            </a:r>
-            <a:r>
-              <a:rPr lang="en-US" dirty="0" err="1"/>
-              <a:t>Fortius</a:t>
-            </a:r>
-            <a:r>
-              <a:rPr lang="en-US" dirty="0"/>
-              <a:t> (n/a)</a:t>
-            </a:r>
-          </a:p>
-          <a:p>
-            <a:endParaRPr lang="en-US" dirty="0"/>
-          </a:p>
-          <a:p>
-            <a:endParaRPr lang="en-US" dirty="0"/>
-          </a:p>
-          <a:p>
-            <a:r>
-              <a:rPr lang="en-US" dirty="0"/>
-              <a:t>World Leading Examples:</a:t>
-            </a:r>
-          </a:p>
-          <a:p>
-            <a:r>
-              <a:rPr lang="en-US" dirty="0"/>
-              <a:t>(and one thing they do best that we can learn from)</a:t>
-            </a:r>
-          </a:p>
-          <a:p>
-            <a:r>
-              <a:rPr lang="en-US" dirty="0"/>
-              <a:t>-</a:t>
-            </a:r>
             <a:r>
               <a:rPr lang="en-CA" sz="1200" kern="1200" dirty="0">
                 <a:solidFill>
@@ -16165,8 +21061,55 @@
                 <a:ea typeface="+mn-ea"/>
                 <a:cs typeface="+mn-cs"/>
               </a:rPr>
-              <a:t>United States Ski and Snowboard</a:t>
+              <a:t>-</a:t>
             </a:r>
+            <a:r>
+              <a:rPr lang="en-US" sz="1200" kern="1200" dirty="0">
+                <a:solidFill>
+                  <a:schemeClr val="tx1"/>
+                </a:solidFill>
+                <a:effectLst/>
+                <a:latin typeface="+mn-lt"/>
+                <a:ea typeface="+mn-ea"/>
+                <a:cs typeface="+mn-cs"/>
+              </a:rPr>
+              <a:t>research has shown that the risk of injury and the frequency of severe injuries in freestyle skiing are high.  A retrospective study of all freestyle ski disciplines during the three World Cup seasons between 2006-2009 estimated a 44.0% (95%CI: 38.9 – 49.0%) incidence of injury each season and a 31.9% (95%CI: 27.6 – 36.2%) incidence of time-loss (≥ 1 day) injury across all competitors (</a:t>
+            </a:r>
+            <a:r>
+              <a:rPr lang="en-US" sz="1200" kern="1200" dirty="0" err="1">
+                <a:solidFill>
+                  <a:schemeClr val="tx1"/>
+                </a:solidFill>
+                <a:effectLst/>
+                <a:latin typeface="+mn-lt"/>
+                <a:ea typeface="+mn-ea"/>
+                <a:cs typeface="+mn-cs"/>
+              </a:rPr>
+              <a:t>Flørenes</a:t>
+            </a:r>
+            <a:r>
+              <a:rPr lang="en-US" sz="1200" kern="1200" dirty="0">
+                <a:solidFill>
+                  <a:schemeClr val="tx1"/>
+                </a:solidFill>
+                <a:effectLst/>
+                <a:latin typeface="+mn-lt"/>
+                <a:ea typeface="+mn-ea"/>
+                <a:cs typeface="+mn-cs"/>
+              </a:rPr>
+              <a:t> et al., 2010).  Alarmingly, severe injuries leading to time loss from training and competition of greater than 28 days were the most frequent type of injury, which is in contrast to most other sports, where severe injuries are the least frequent.  Other research found that 47% of the 95 competitors at the 2001 FIS Freestyle World Championship had experienced at least one major knee injury (&gt;20 days lost) and 26% had suffered at least one previous ACL injury (Heir et al., 2003). </a:t>
+            </a:r>
+          </a:p>
+          <a:p>
+            <a:endParaRPr lang="en-US" sz="1200" kern="1200" dirty="0">
+              <a:solidFill>
+                <a:schemeClr val="tx1"/>
+              </a:solidFill>
+              <a:effectLst/>
+              <a:latin typeface="+mn-lt"/>
+              <a:ea typeface="+mn-ea"/>
+              <a:cs typeface="+mn-cs"/>
+            </a:endParaRPr>
           </a:p>
           <a:p>
             <a:r>
@@ -16179,21 +21122,7 @@
                 <a:ea typeface="+mn-ea"/>
                 <a:cs typeface="+mn-cs"/>
               </a:rPr>
-              <a:t>-SPARC Sports Physiotherapy &amp; Athletic Rehabilitation Clinic – Ireland, Enda King</a:t>
-            </a:r>
-          </a:p>
-          <a:p>
-            <a:r>
-              <a:rPr lang="en-CA" sz="1200" kern="1200" dirty="0">
-                <a:solidFill>
-                  <a:schemeClr val="tx1"/>
-                </a:solidFill>
-                <a:effectLst/>
-                <a:latin typeface="+mn-lt"/>
-                <a:ea typeface="+mn-ea"/>
-                <a:cs typeface="+mn-cs"/>
-              </a:rPr>
-              <a:t>-OTP Return to Health and Performance ‘Think Tank’</a:t>
+              <a:t>Back In Action Physiotherapy alone reports treating 320 different patients with knee injuries annually</a:t>
             </a:r>
           </a:p>
           <a:p>
@@ -16210,38 +21139,12 @@
           <a:p>
             <a:endParaRPr lang="en-US" dirty="0"/>
           </a:p>
-          <a:p>
-            <a:endParaRPr lang="en-US" dirty="0"/>
-          </a:p>
-        </p:txBody>
-      </p:sp>
-      <p:sp>
-        <p:nvSpPr>
-          <p:cNvPr id="4" name="Slide Number Placeholder 3"/>
-          <p:cNvSpPr>
-            <a:spLocks noGrp="1"/>
-          </p:cNvSpPr>
-          <p:nvPr>
-            <p:ph type="sldNum" sz="quarter" idx="5"/>
-          </p:nvPr>
-        </p:nvSpPr>
-        <p:spPr/>
-        <p:txBody>
-          <a:bodyPr/>
-          <a:lstStyle/>
-          <a:p>
-            <a:fld id="{EAF9EB4E-D50A-4CF1-9B06-457599E410FB}" type="slidenum">
-              <a:rPr lang="en-CA" smtClean="0"/>
-              <a:t>5</a:t>
-            </a:fld>
-            <a:endParaRPr lang="en-CA"/>
-          </a:p>
         </p:txBody>
       </p:sp>
     </p:spTree>
     <p:extLst>
       <p:ext uri="{BB962C8B-B14F-4D97-AF65-F5344CB8AC3E}">
-        <p14:creationId xmlns:p14="http://schemas.microsoft.com/office/powerpoint/2010/main" val="3664131730"/>
+        <p14:creationId xmlns:p14="http://schemas.microsoft.com/office/powerpoint/2010/main" val="250508036"/>
       </p:ext>
     </p:extLst>
   </p:cSld>
@@ -16295,6 +21198,30 @@
           <a:bodyPr/>
           <a:lstStyle/>
           <a:p>
+            <a:pPr marL="228600" indent="-228600">
+              <a:spcBef>
+                <a:spcPts val="0"/>
+              </a:spcBef>
+              <a:buAutoNum type="arabicPeriod"/>
+            </a:pPr>
+            <a:r>
+              <a:rPr lang="en-CA" sz="1200" dirty="0"/>
+              <a:t>Who are we learning from?</a:t>
+            </a:r>
+          </a:p>
+          <a:p>
+            <a:pPr marL="228600" indent="-228600">
+              <a:spcBef>
+                <a:spcPts val="0"/>
+              </a:spcBef>
+              <a:buAutoNum type="arabicPeriod"/>
+            </a:pPr>
+            <a:r>
+              <a:rPr lang="en-CA" sz="1200" dirty="0"/>
+              <a:t>Who else is doing ACL rehabs in Canada?</a:t>
+            </a:r>
+          </a:p>
+          <a:p>
             <a:pPr marL="0" indent="0">
               <a:spcBef>
                 <a:spcPts val="0"/>
@@ -16303,7 +21230,7 @@
             </a:pPr>
             <a:r>
               <a:rPr lang="en-CA" sz="1200" dirty="0"/>
-              <a:t>The main reason that I am excited to take on this project is because it aligns with my goals of doing work that is first and foremost practical and impactful, but also involves academic research and innovation.  I think that this endeavor doesn’t work without all of those things. I feel that I’m in a unique position to deliver an effective outcome. I think the approach I’m taking is bold, but by aiming high in this case, there is really very little downside.</a:t>
+              <a:t>	More specific: who else is doing winter sport SCL rehab in Canada?</a:t>
             </a:r>
           </a:p>
           <a:p>
@@ -16313,11 +21240,16 @@
               </a:spcBef>
               <a:buNone/>
             </a:pPr>
-            <a:endParaRPr lang="en-CA" sz="1200" b="0" i="0" dirty="0">
-              <a:solidFill>
-                <a:srgbClr val="002060"/>
-              </a:solidFill>
-            </a:endParaRPr>
+            <a:endParaRPr lang="en-CA" sz="1200" dirty="0"/>
+          </a:p>
+          <a:p>
+            <a:pPr marL="0" indent="0">
+              <a:spcBef>
+                <a:spcPts val="0"/>
+              </a:spcBef>
+              <a:buNone/>
+            </a:pPr>
+            <a:endParaRPr lang="en-CA" sz="1200" dirty="0"/>
           </a:p>
           <a:p>
             <a:pPr marL="0" indent="0">
@@ -16327,12 +21259,8 @@
               <a:buNone/>
             </a:pPr>
             <a:r>
-              <a:rPr lang="en-CA" sz="1200" b="0" i="0" dirty="0">
-                <a:solidFill>
-                  <a:srgbClr val="002060"/>
-                </a:solidFill>
-              </a:rPr>
-              <a:t>My proposal for this project is to keep the working group very small at the start and to expand out as needed.  I think Craig is an integral part of this project because he offers a lot of experience, and also a highly developed network across the country and even beyond.</a:t>
+              <a:rPr lang="en-CA" sz="1200" b="1" dirty="0"/>
+              <a:t>Describe your key differentiators that make your solution different than your competition.</a:t>
             </a:r>
           </a:p>
           <a:p>
@@ -16342,11 +21270,10 @@
               </a:spcBef>
               <a:buNone/>
             </a:pPr>
-            <a:endParaRPr lang="en-CA" sz="1200" b="0" i="0" dirty="0">
-              <a:solidFill>
-                <a:srgbClr val="002060"/>
-              </a:solidFill>
-            </a:endParaRPr>
+            <a:r>
+              <a:rPr lang="en-CA" sz="1200" dirty="0"/>
+              <a:t>A fully integrated digital tool</a:t>
+            </a:r>
           </a:p>
           <a:p>
             <a:pPr marL="0" indent="0">
@@ -16355,11 +21282,10 @@
               </a:spcBef>
               <a:buNone/>
             </a:pPr>
-            <a:endParaRPr lang="en-CA" sz="1200" b="0" i="0" dirty="0">
-              <a:solidFill>
-                <a:srgbClr val="002060"/>
-              </a:solidFill>
-            </a:endParaRPr>
+            <a:r>
+              <a:rPr lang="en-CA" sz="1200" dirty="0"/>
+              <a:t>“Open Source” …</a:t>
+            </a:r>
           </a:p>
           <a:p>
             <a:pPr marL="0" indent="0">
@@ -16368,11 +21294,7 @@
               </a:spcBef>
               <a:buNone/>
             </a:pPr>
-            <a:endParaRPr lang="en-CA" sz="1200" b="0" i="0" dirty="0">
-              <a:solidFill>
-                <a:srgbClr val="002060"/>
-              </a:solidFill>
-            </a:endParaRPr>
+            <a:endParaRPr lang="en-CA" sz="1200" dirty="0"/>
           </a:p>
           <a:p>
             <a:pPr marL="0" indent="0">
@@ -16381,11 +21303,10 @@
               </a:spcBef>
               <a:buNone/>
             </a:pPr>
-            <a:endParaRPr lang="en-CA" sz="1200" b="0" i="0" dirty="0">
-              <a:solidFill>
-                <a:srgbClr val="002060"/>
-              </a:solidFill>
-            </a:endParaRPr>
+            <a:r>
+              <a:rPr lang="en-CA" sz="1200" b="1" dirty="0"/>
+              <a:t>[KPI: Is your solution unique enough that your target market (customers) will choose your solution over alternatives?] </a:t>
+            </a:r>
           </a:p>
           <a:p>
             <a:pPr marL="0" indent="0">
@@ -16394,11 +21315,10 @@
               </a:spcBef>
               <a:buNone/>
             </a:pPr>
-            <a:endParaRPr lang="en-CA" sz="1200" b="0" i="0" dirty="0">
-              <a:solidFill>
-                <a:srgbClr val="002060"/>
-              </a:solidFill>
-            </a:endParaRPr>
+            <a:r>
+              <a:rPr lang="en-CA" sz="1200" dirty="0"/>
+              <a:t>Yes, possibly.  I could see other Institutes saying, “well this is good, we’ll use the tool”</a:t>
+            </a:r>
           </a:p>
           <a:p>
             <a:pPr marL="0" indent="0">
@@ -16407,11 +21327,10 @@
               </a:spcBef>
               <a:buNone/>
             </a:pPr>
-            <a:endParaRPr lang="en-CA" sz="1200" b="0" i="0" dirty="0">
-              <a:solidFill>
-                <a:srgbClr val="002060"/>
-              </a:solidFill>
-            </a:endParaRPr>
+            <a:r>
+              <a:rPr lang="en-CA" sz="1200" dirty="0"/>
+              <a:t>Also, because it's an online platform, were' not restricted to just Whistler and Victoria</a:t>
+            </a:r>
           </a:p>
           <a:p>
             <a:pPr marL="0" indent="0">
@@ -16420,7 +21339,7 @@
               </a:spcBef>
               <a:buNone/>
             </a:pPr>
-            <a:endParaRPr lang="en-CA" sz="1200" b="0" i="0" dirty="0">
+            <a:endParaRPr lang="en-CA" sz="1200" b="1" i="1" dirty="0">
               <a:solidFill>
                 <a:srgbClr val="002060"/>
               </a:solidFill>
@@ -16433,25 +21352,37 @@
               </a:spcBef>
               <a:buNone/>
             </a:pPr>
-            <a:endParaRPr lang="en-CA" sz="1200" b="0" i="0" dirty="0">
+            <a:endParaRPr lang="en-CA" sz="1200" b="1" i="1" dirty="0">
               <a:solidFill>
                 <a:srgbClr val="002060"/>
               </a:solidFill>
             </a:endParaRPr>
           </a:p>
           <a:p>
+            <a:endParaRPr lang="en-US" dirty="0"/>
+          </a:p>
+          <a:p>
+            <a:endParaRPr lang="en-US" dirty="0"/>
+          </a:p>
+          <a:p>
+            <a:endParaRPr lang="en-US" dirty="0"/>
+          </a:p>
+          <a:p>
             <a:r>
               <a:rPr lang="en-US" dirty="0"/>
-              <a:t>Instead of getting on a zoom, and going around the circle saying “what do you think, what do you think”, I think the best approach is to build something, piece by piece so we have something to talk about, and then everyone gets hands-on with it and we decide as a group what works and what doesn’t work.</a:t>
+              <a:t>Competition:</a:t>
             </a:r>
-          </a:p>
-          <a:p>
-            <a:endParaRPr lang="en-US" dirty="0"/>
           </a:p>
           <a:p>
             <a:r>
               <a:rPr lang="en-US" dirty="0"/>
-              <a:t>-Experience with successful and unsuccessful collaboration</a:t>
+              <a:t>-CSI Calgary (collaborate)</a:t>
+            </a:r>
+          </a:p>
+          <a:p>
+            <a:r>
+              <a:rPr lang="en-US" dirty="0"/>
+              <a:t>-Private</a:t>
             </a:r>
           </a:p>
           <a:p>
@@ -16459,6 +21390,95 @@
               <a:rPr lang="en-US" dirty="0"/>
               <a:t>-</a:t>
             </a:r>
+            <a:r>
+              <a:rPr lang="en-US" dirty="0" err="1"/>
+              <a:t>Fortius</a:t>
+            </a:r>
+            <a:r>
+              <a:rPr lang="en-US" dirty="0"/>
+              <a:t> (n/a)</a:t>
+            </a:r>
+          </a:p>
+          <a:p>
+            <a:endParaRPr lang="en-US" dirty="0"/>
+          </a:p>
+          <a:p>
+            <a:endParaRPr lang="en-US" dirty="0"/>
+          </a:p>
+          <a:p>
+            <a:r>
+              <a:rPr lang="en-US" dirty="0"/>
+              <a:t>World Leading Examples:</a:t>
+            </a:r>
+          </a:p>
+          <a:p>
+            <a:r>
+              <a:rPr lang="en-US" dirty="0"/>
+              <a:t>(and one thing they do best that we can learn from)</a:t>
+            </a:r>
+          </a:p>
+          <a:p>
+            <a:r>
+              <a:rPr lang="en-US" dirty="0"/>
+              <a:t>-</a:t>
+            </a:r>
+            <a:r>
+              <a:rPr lang="en-CA" sz="1200" kern="1200" dirty="0">
+                <a:solidFill>
+                  <a:schemeClr val="tx1"/>
+                </a:solidFill>
+                <a:effectLst/>
+                <a:latin typeface="+mn-lt"/>
+                <a:ea typeface="+mn-ea"/>
+                <a:cs typeface="+mn-cs"/>
+              </a:rPr>
+              <a:t>United States Ski and Snowboard</a:t>
+            </a:r>
+          </a:p>
+          <a:p>
+            <a:r>
+              <a:rPr lang="en-CA" sz="1200" kern="1200" dirty="0">
+                <a:solidFill>
+                  <a:schemeClr val="tx1"/>
+                </a:solidFill>
+                <a:effectLst/>
+                <a:latin typeface="+mn-lt"/>
+                <a:ea typeface="+mn-ea"/>
+                <a:cs typeface="+mn-cs"/>
+              </a:rPr>
+              <a:t>-SPARC Sports Physiotherapy &amp; Athletic Rehabilitation Clinic – Ireland, Enda King</a:t>
+            </a:r>
+          </a:p>
+          <a:p>
+            <a:r>
+              <a:rPr lang="en-CA" sz="1200" kern="1200" dirty="0">
+                <a:solidFill>
+                  <a:schemeClr val="tx1"/>
+                </a:solidFill>
+                <a:effectLst/>
+                <a:latin typeface="+mn-lt"/>
+                <a:ea typeface="+mn-ea"/>
+                <a:cs typeface="+mn-cs"/>
+              </a:rPr>
+              <a:t>-OTP Return to Health and Performance ‘Think Tank’</a:t>
+            </a:r>
+          </a:p>
+          <a:p>
+            <a:endParaRPr lang="en-CA" sz="1200" kern="1200" dirty="0">
+              <a:solidFill>
+                <a:schemeClr val="tx1"/>
+              </a:solidFill>
+              <a:effectLst/>
+              <a:latin typeface="+mn-lt"/>
+              <a:ea typeface="+mn-ea"/>
+              <a:cs typeface="+mn-cs"/>
+            </a:endParaRPr>
+          </a:p>
+          <a:p>
+            <a:endParaRPr lang="en-US" dirty="0"/>
+          </a:p>
+          <a:p>
+            <a:endParaRPr lang="en-US" dirty="0"/>
           </a:p>
         </p:txBody>
       </p:sp>
@@ -16488,7 +21508,7 @@
     </p:spTree>
     <p:extLst>
       <p:ext uri="{BB962C8B-B14F-4D97-AF65-F5344CB8AC3E}">
-        <p14:creationId xmlns:p14="http://schemas.microsoft.com/office/powerpoint/2010/main" val="1675297175"/>
+        <p14:creationId xmlns:p14="http://schemas.microsoft.com/office/powerpoint/2010/main" val="3664131730"/>
       </p:ext>
     </p:extLst>
   </p:cSld>
@@ -16542,607 +21562,169 @@
           <a:bodyPr/>
           <a:lstStyle/>
           <a:p>
-            <a:r>
-              <a:rPr lang="en-CA" sz="1200" b="0" dirty="0"/>
-              <a:t>Business model, I see this as beyond the scope of my role, but I’ll offer some ideas</a:t>
-            </a:r>
-          </a:p>
-          <a:p>
-            <a:endParaRPr lang="en-CA" sz="1200" b="0" dirty="0"/>
-          </a:p>
-          <a:p>
-            <a:r>
-              <a:rPr lang="en-CA" sz="1200" b="0" dirty="0"/>
-              <a:t>A lot of the talk that I’ve heard around this work is how do we get the NSOs to fund it..</a:t>
-            </a:r>
-          </a:p>
-          <a:p>
-            <a:r>
-              <a:rPr lang="en-CA" sz="1200" b="0" dirty="0"/>
-              <a:t>My proposal to answer that question is actually to start with a different business model which is something more subscription based.</a:t>
-            </a:r>
-          </a:p>
-          <a:p>
-            <a:endParaRPr lang="en-CA" sz="1200" b="0" dirty="0"/>
-          </a:p>
-          <a:p>
-            <a:endParaRPr lang="en-CA" sz="1200" b="0" dirty="0"/>
-          </a:p>
-          <a:p>
-            <a:r>
-              <a:rPr lang="en-CA" sz="1200" b="0" dirty="0"/>
-              <a:t>Offer a product that can be effective without a massive time commitment by our staff, but is made more effective proportionately with more time commitment and deeper integration with our staff and services.</a:t>
-            </a:r>
-          </a:p>
-          <a:p>
-            <a:r>
-              <a:rPr lang="en-CA" sz="1200" b="0" dirty="0"/>
-              <a:t>Chart: Bronze, Silver, Gold..</a:t>
-            </a:r>
-          </a:p>
-          <a:p>
-            <a:r>
-              <a:rPr lang="en-CA" sz="1200" b="0" dirty="0"/>
-              <a:t>	protocol, sessions, testing..</a:t>
-            </a:r>
-          </a:p>
-          <a:p>
-            <a:endParaRPr lang="en-CA" sz="1200" b="0" dirty="0"/>
-          </a:p>
-          <a:p>
-            <a:endParaRPr lang="en-CA" sz="1200" b="0" dirty="0"/>
-          </a:p>
-          <a:p>
-            <a:r>
-              <a:rPr lang="en-CA" sz="1200" b="0" dirty="0"/>
-              <a:t>So Bronze..</a:t>
-            </a:r>
-          </a:p>
-          <a:p>
-            <a:r>
-              <a:rPr lang="en-CA" sz="1200" b="0" dirty="0"/>
-              <a:t>So we’re offering a specialized service, we’re bringing in monthly revenue, and we are not making a huge time-commitment.</a:t>
-            </a:r>
-          </a:p>
-          <a:p>
-            <a:endParaRPr lang="en-CA" sz="1200" b="0" dirty="0"/>
-          </a:p>
-          <a:p>
-            <a:r>
-              <a:rPr lang="en-CA" sz="1200" b="0" dirty="0"/>
-              <a:t>However, we design it in such a way, and make it clear, that the more contact the athlete has with our staff and our services, the more effective the rehab will be..</a:t>
-            </a:r>
-          </a:p>
-          <a:p>
-            <a:endParaRPr lang="en-CA" sz="1200" b="0" dirty="0"/>
-          </a:p>
-          <a:p>
-            <a:endParaRPr lang="en-CA" sz="1200" b="0" dirty="0"/>
-          </a:p>
-          <a:p>
-            <a:r>
-              <a:rPr lang="en-CA" sz="1200" b="0" dirty="0"/>
-              <a:t>Gold package, is likely very similar to what we do now for our NSOs, which is a massive time commitment, and impossible for us to recoup anything close to the real value on what we deliver</a:t>
-            </a:r>
-          </a:p>
-          <a:p>
-            <a:endParaRPr lang="en-CA" sz="1200" b="0" dirty="0"/>
-          </a:p>
-          <a:p>
-            <a:endParaRPr lang="en-CA" sz="1200" b="0" dirty="0"/>
-          </a:p>
-          <a:p>
-            <a:endParaRPr lang="en-CA" sz="1200" b="0" dirty="0"/>
-          </a:p>
-          <a:p>
-            <a:endParaRPr lang="en-CA" sz="1200" b="0" dirty="0"/>
-          </a:p>
-          <a:p>
-            <a:endParaRPr lang="en-CA" sz="1200" b="0" dirty="0"/>
-          </a:p>
-          <a:p>
-            <a:r>
-              <a:rPr lang="en-CA" sz="1200" b="0" dirty="0"/>
-              <a:t>. This is something that can be applied to athletes from any of the identified target markets.  Just for an example, we develop a bronze package that gives the athlete access to the ACL protocol and they get 1 workout in our facility and 1 testing session per month.</a:t>
-            </a:r>
-          </a:p>
-          <a:p>
-            <a:endParaRPr lang="en-CA" sz="1200" b="0" dirty="0"/>
-          </a:p>
-          <a:p>
-            <a:r>
-              <a:rPr lang="en-CA" sz="1200" b="0" dirty="0"/>
-              <a:t>The reason I chose to use this example specifically, I think that the way to get value in the rehab field is to </a:t>
-            </a:r>
-          </a:p>
-          <a:p>
-            <a:endParaRPr lang="en-CA" sz="1200" b="1" dirty="0"/>
-          </a:p>
-          <a:p>
-            <a:r>
-              <a:rPr lang="en-CA" sz="1200" b="1" dirty="0"/>
-              <a:t>Hybrid business model</a:t>
-            </a:r>
-          </a:p>
-          <a:p>
-            <a:r>
-              <a:rPr lang="en-CA" sz="1200" b="0" dirty="0"/>
-              <a:t>NSOs (and others) invest in the program upfront </a:t>
-            </a:r>
-          </a:p>
-          <a:p>
-            <a:endParaRPr lang="en-CA" sz="1200" b="1" dirty="0"/>
-          </a:p>
-          <a:p>
-            <a:r>
-              <a:rPr lang="en-CA" sz="1200" b="1" dirty="0"/>
-              <a:t>Subscription</a:t>
-            </a:r>
-          </a:p>
-          <a:p>
-            <a:r>
-              <a:rPr lang="en-CA" sz="1200" b="0" dirty="0"/>
-              <a:t>I think it might work better for most as a subscription model.</a:t>
-            </a:r>
-          </a:p>
-          <a:p>
-            <a:r>
-              <a:rPr lang="en-CA" sz="1200" b="0" dirty="0"/>
-              <a:t>Maybe not the sport, since they would require “Gold” level service which should be extremely expensive.</a:t>
-            </a:r>
-          </a:p>
-          <a:p>
-            <a:endParaRPr lang="en-CA" sz="1200" b="0" dirty="0"/>
-          </a:p>
-          <a:p>
-            <a:endParaRPr lang="en-CA" sz="1200" b="1" dirty="0"/>
-          </a:p>
-          <a:p>
-            <a:endParaRPr lang="en-CA" sz="1200" b="1" dirty="0"/>
-          </a:p>
-          <a:p>
-            <a:endParaRPr lang="en-CA" sz="1200" b="1" dirty="0"/>
-          </a:p>
-          <a:p>
-            <a:endParaRPr lang="en-CA" sz="1200" b="1" dirty="0"/>
-          </a:p>
-          <a:p>
-            <a:endParaRPr lang="en-CA" sz="1200" b="1" dirty="0"/>
-          </a:p>
-          <a:p>
-            <a:endParaRPr lang="en-CA" sz="1200" b="1" dirty="0"/>
-          </a:p>
-          <a:p>
-            <a:endParaRPr lang="en-CA" sz="1200" b="1" dirty="0"/>
-          </a:p>
-          <a:p>
-            <a:r>
-              <a:rPr lang="en-CA" sz="1200" b="1" dirty="0"/>
-              <a:t>Pull together a draft top-level forecast of potential revenues and expenses into a draft budget</a:t>
-            </a:r>
-          </a:p>
-          <a:p>
-            <a:r>
-              <a:rPr lang="en-CA" sz="1200" b="1" dirty="0"/>
-              <a:t>Within the context of sport, show that in a not-for-profit model, there would be enough interest to support the solutions:</a:t>
-            </a:r>
-          </a:p>
-          <a:p>
-            <a:r>
-              <a:rPr lang="en-CA" sz="1200" b="0" dirty="0"/>
-              <a:t>-Interest is a funny word, it’s more like “need”.  Maybe some people are ”interested”</a:t>
-            </a:r>
-          </a:p>
-          <a:p>
-            <a:r>
-              <a:rPr lang="en-CA" sz="1200" b="0" dirty="0"/>
-              <a:t>-We will be doing rehabs either way</a:t>
-            </a:r>
-          </a:p>
-          <a:p>
-            <a:r>
-              <a:rPr lang="en-CA" sz="1200" b="0" dirty="0"/>
-              <a:t>	Even if we don’t care about doing it well for the sake of it…</a:t>
-            </a:r>
-          </a:p>
-          <a:p>
-            <a:r>
-              <a:rPr lang="en-CA" sz="1200" b="0" dirty="0"/>
-              <a:t>	We might as well do it in a highly organized manner</a:t>
-            </a:r>
-          </a:p>
-          <a:p>
-            <a:r>
-              <a:rPr lang="en-CA" sz="1200" b="0" dirty="0"/>
-              <a:t>-Build the thing, present it to them, convince NSOs to pay upfront</a:t>
-            </a:r>
-          </a:p>
-          <a:p>
-            <a:r>
-              <a:rPr lang="en-CA" sz="1200" b="0" dirty="0"/>
-              <a:t>	If someone gets hurt, the rehab is included in the agreement, and they know exactly what they 	are getting from the rehab.</a:t>
-            </a:r>
-          </a:p>
-          <a:p>
-            <a:r>
-              <a:rPr lang="en-CA" sz="1200" b="0" dirty="0"/>
-              <a:t>	Or they can pay the PN rate when someone gets injured..?</a:t>
-            </a:r>
-          </a:p>
-          <a:p>
-            <a:r>
-              <a:rPr lang="en-CA" sz="1200" b="0" dirty="0"/>
-              <a:t>	i.e. You pay $10k per year for full access OR you pay $20k for a 12 month rehab (this is a bargain for the full service including staff time commitment)</a:t>
-            </a:r>
-          </a:p>
-          <a:p>
-            <a:endParaRPr lang="en-US" b="1" dirty="0"/>
-          </a:p>
-          <a:p>
-            <a:endParaRPr lang="en-CA" sz="1200" dirty="0"/>
-          </a:p>
-          <a:p>
-            <a:endParaRPr lang="en-CA" sz="1200" dirty="0"/>
-          </a:p>
-          <a:p>
-            <a:r>
-              <a:rPr lang="en-CA" sz="1200" b="1" dirty="0"/>
-              <a:t>Is there enough revenues to cover costs in a sustainable manner?</a:t>
-            </a:r>
-          </a:p>
-          <a:p>
+            <a:pPr marL="0" indent="0">
+              <a:spcBef>
+                <a:spcPts val="0"/>
+              </a:spcBef>
+              <a:buNone/>
+            </a:pPr>
             <a:r>
               <a:rPr lang="en-CA" sz="1200" dirty="0"/>
-              <a:t>-I feel like it’s not PS job to collect revenue</a:t>
+              <a:t>The main reason that I am excited to take on this project is because it aligns with my goals of doing work that is first and foremost practical and impactful, but also involves academic research and innovation.  I think that this endeavor doesn’t work without all of those things. I feel that I’m in a unique position to deliver an effective outcome. I think the approach I’m taking is bold, but by aiming high in this case, there is really very little downside.</a:t>
             </a:r>
           </a:p>
           <a:p>
+            <a:pPr marL="0" indent="0">
+              <a:spcBef>
+                <a:spcPts val="0"/>
+              </a:spcBef>
+              <a:buNone/>
+            </a:pPr>
+            <a:endParaRPr lang="en-CA" sz="1200" b="0" i="0" dirty="0">
+              <a:solidFill>
+                <a:srgbClr val="002060"/>
+              </a:solidFill>
+            </a:endParaRPr>
+          </a:p>
+          <a:p>
+            <a:pPr marL="0" indent="0">
+              <a:spcBef>
+                <a:spcPts val="0"/>
+              </a:spcBef>
+              <a:buNone/>
+            </a:pPr>
             <a:r>
-              <a:rPr lang="en-CA" sz="1200" dirty="0"/>
-              <a:t>-Our job is to offer the best service possible, not to sell it or ensure collection of revenue</a:t>
+              <a:rPr lang="en-CA" sz="1200" b="0" i="0" dirty="0">
+                <a:solidFill>
+                  <a:srgbClr val="002060"/>
+                </a:solidFill>
+              </a:rPr>
+              <a:t>My proposal for this project is to keep the working group very small at the start and to expand out as needed.  I think Craig is an integral part of this project because he offers a lot of experience, and also a highly developed network across the country and even beyond.</a:t>
             </a:r>
           </a:p>
           <a:p>
-            <a:r>
-              <a:rPr lang="en-CA" sz="1200" dirty="0"/>
-              <a:t>-PS does the work to generate the revenue, the revenue just doesn’t always get collected</a:t>
-            </a:r>
-            <a:endParaRPr lang="en-US" dirty="0"/>
-          </a:p>
-          <a:p>
-            <a:endParaRPr lang="en-US" dirty="0"/>
-          </a:p>
-          <a:p>
-            <a:endParaRPr lang="en-US" dirty="0"/>
-          </a:p>
-          <a:p>
-            <a:endParaRPr lang="en-US" dirty="0"/>
+            <a:pPr marL="0" indent="0">
+              <a:spcBef>
+                <a:spcPts val="0"/>
+              </a:spcBef>
+              <a:buNone/>
+            </a:pPr>
+            <a:endParaRPr lang="en-CA" sz="1200" b="0" i="0" dirty="0">
+              <a:solidFill>
+                <a:srgbClr val="002060"/>
+              </a:solidFill>
+            </a:endParaRPr>
+          </a:p>
+          <a:p>
+            <a:pPr marL="0" indent="0">
+              <a:spcBef>
+                <a:spcPts val="0"/>
+              </a:spcBef>
+              <a:buNone/>
+            </a:pPr>
+            <a:endParaRPr lang="en-CA" sz="1200" b="0" i="0" dirty="0">
+              <a:solidFill>
+                <a:srgbClr val="002060"/>
+              </a:solidFill>
+            </a:endParaRPr>
+          </a:p>
+          <a:p>
+            <a:pPr marL="0" indent="0">
+              <a:spcBef>
+                <a:spcPts val="0"/>
+              </a:spcBef>
+              <a:buNone/>
+            </a:pPr>
+            <a:endParaRPr lang="en-CA" sz="1200" b="0" i="0" dirty="0">
+              <a:solidFill>
+                <a:srgbClr val="002060"/>
+              </a:solidFill>
+            </a:endParaRPr>
+          </a:p>
+          <a:p>
+            <a:pPr marL="0" indent="0">
+              <a:spcBef>
+                <a:spcPts val="0"/>
+              </a:spcBef>
+              <a:buNone/>
+            </a:pPr>
+            <a:endParaRPr lang="en-CA" sz="1200" b="0" i="0" dirty="0">
+              <a:solidFill>
+                <a:srgbClr val="002060"/>
+              </a:solidFill>
+            </a:endParaRPr>
+          </a:p>
+          <a:p>
+            <a:pPr marL="0" indent="0">
+              <a:spcBef>
+                <a:spcPts val="0"/>
+              </a:spcBef>
+              <a:buNone/>
+            </a:pPr>
+            <a:endParaRPr lang="en-CA" sz="1200" b="0" i="0" dirty="0">
+              <a:solidFill>
+                <a:srgbClr val="002060"/>
+              </a:solidFill>
+            </a:endParaRPr>
+          </a:p>
+          <a:p>
+            <a:pPr marL="0" indent="0">
+              <a:spcBef>
+                <a:spcPts val="0"/>
+              </a:spcBef>
+              <a:buNone/>
+            </a:pPr>
+            <a:endParaRPr lang="en-CA" sz="1200" b="0" i="0" dirty="0">
+              <a:solidFill>
+                <a:srgbClr val="002060"/>
+              </a:solidFill>
+            </a:endParaRPr>
+          </a:p>
+          <a:p>
+            <a:pPr marL="0" indent="0">
+              <a:spcBef>
+                <a:spcPts val="0"/>
+              </a:spcBef>
+              <a:buNone/>
+            </a:pPr>
+            <a:endParaRPr lang="en-CA" sz="1200" b="0" i="0" dirty="0">
+              <a:solidFill>
+                <a:srgbClr val="002060"/>
+              </a:solidFill>
+            </a:endParaRPr>
+          </a:p>
+          <a:p>
+            <a:pPr marL="0" indent="0">
+              <a:spcBef>
+                <a:spcPts val="0"/>
+              </a:spcBef>
+              <a:buNone/>
+            </a:pPr>
+            <a:endParaRPr lang="en-CA" sz="1200" b="0" i="0" dirty="0">
+              <a:solidFill>
+                <a:srgbClr val="002060"/>
+              </a:solidFill>
+            </a:endParaRPr>
           </a:p>
           <a:p>
             <a:r>
               <a:rPr lang="en-US" dirty="0"/>
-              <a:t>AK:</a:t>
+              <a:t>Instead of getting on a zoom, and going around the circle saying “what do you think, what do you think”, I think the best approach is to build something, piece by piece so we have something to talk about, and then everyone gets hands-on with it and we decide as a group what works and what doesn’t work.</a:t>
             </a:r>
+          </a:p>
+          <a:p>
+            <a:endParaRPr lang="en-US" dirty="0"/>
           </a:p>
           <a:p>
             <a:r>
               <a:rPr lang="en-US" dirty="0"/>
-              <a:t>-Our core business is supposed to be supporting Canadian high performance athletes.  This is a crucial part of supporting them</a:t>
-            </a:r>
-          </a:p>
-          <a:p>
-            <a:endParaRPr lang="en-US" dirty="0"/>
-          </a:p>
-          <a:p>
-            <a:r>
-              <a:rPr lang="en-US" dirty="0"/>
-              <a:t>-This would be the first comprehensive and open-source system within Canada</a:t>
-            </a:r>
-          </a:p>
-          <a:p>
-            <a:r>
-              <a:rPr lang="en-US" dirty="0"/>
-              <a:t>  -i.e. Izzy: that was just service delivery, there was never really a structured, scalable protocol</a:t>
-            </a:r>
-          </a:p>
-          <a:p>
-            <a:r>
-              <a:rPr lang="en-US" dirty="0"/>
-              <a:t>-R&amp;D:</a:t>
-            </a:r>
-          </a:p>
-          <a:p>
-            <a:r>
-              <a:rPr lang="en-US" dirty="0"/>
-              <a:t>   There are a lot of opportunities just from improving our data management.  R&amp;D doesn’t have to involve a Biodex.  It’s just a way to potentially fund it via grants etc.</a:t>
-            </a:r>
-          </a:p>
-          <a:p>
-            <a:r>
-              <a:rPr lang="en-US" dirty="0"/>
-              <a:t>-my proposal involves basically no cost, but it has a guaranteed outcome.  The protocol will be delivered.  It will be useable for any of our staff.  From there we can probably market to NSOs, can </a:t>
-            </a:r>
-          </a:p>
-          <a:p>
-            <a:endParaRPr lang="en-US" dirty="0"/>
-          </a:p>
-          <a:p>
-            <a:r>
-              <a:rPr lang="en-US" dirty="0"/>
-              <a:t>-What is the cost to not doing this?  We keep having rehab cases to do, our practitioners work inefficiently to cover these on a case-by-case basis, we do not learn/grow/innovate, we do not have procedures in place to inform research and innovation, we have no way to properly value this service and the organization (and practitioners) do not get properly compensated.</a:t>
-            </a:r>
-          </a:p>
-          <a:p>
-            <a:endParaRPr lang="en-US" dirty="0"/>
-          </a:p>
-          <a:p>
-            <a:r>
-              <a:rPr lang="en-US" dirty="0"/>
-              <a:t>-we can sell you the protocol for $x or $x per month, that is IP that has value on it’s own, but the product really takes off when it leverages it’s connection to our athlete management system and especially when it is delivered by own of our expert practitioners</a:t>
-            </a:r>
-          </a:p>
-          <a:p>
-            <a:endParaRPr lang="en-US" dirty="0"/>
-          </a:p>
-          <a:p>
-            <a:r>
-              <a:rPr lang="en-US" dirty="0"/>
-              <a:t>Bronze/Silver Package</a:t>
-            </a:r>
-          </a:p>
-          <a:p>
-            <a:r>
-              <a:rPr lang="en-US" dirty="0"/>
-              <a:t>(enough to fully engage with the protocol, but you pretty much do all the work on your own)</a:t>
-            </a:r>
-          </a:p>
-          <a:p>
-            <a:r>
-              <a:rPr lang="en-US" dirty="0"/>
-              <a:t>-website, program</a:t>
-            </a:r>
-          </a:p>
-          <a:p>
-            <a:r>
-              <a:rPr lang="en-US" dirty="0"/>
-              <a:t>-1 testing session per month</a:t>
-            </a:r>
-          </a:p>
-          <a:p>
-            <a:r>
-              <a:rPr lang="en-US" dirty="0"/>
-              <a:t>-1 training session per month</a:t>
-            </a:r>
-          </a:p>
-          <a:p>
-            <a:endParaRPr lang="en-US" dirty="0"/>
-          </a:p>
-          <a:p>
-            <a:endParaRPr lang="en-US" dirty="0"/>
-          </a:p>
-          <a:p>
-            <a:r>
-              <a:rPr lang="en-US" dirty="0"/>
-              <a:t>CH:</a:t>
+              <a:t>-Experience with successful and unsuccessful collaboration</a:t>
             </a:r>
           </a:p>
           <a:p>
             <a:r>
               <a:rPr lang="en-US" dirty="0"/>
               <a:t>-</a:t>
-            </a:r>
-            <a:r>
-              <a:rPr lang="en-CA" sz="1200" kern="1200" dirty="0">
-                <a:solidFill>
-                  <a:schemeClr val="tx1"/>
-                </a:solidFill>
-                <a:effectLst/>
-                <a:latin typeface="+mn-lt"/>
-                <a:ea typeface="+mn-ea"/>
-                <a:cs typeface="+mn-cs"/>
-              </a:rPr>
-              <a:t>Increased and stable NSO and PSO investment in performance services</a:t>
-            </a:r>
-          </a:p>
-          <a:p>
-            <a:r>
-              <a:rPr lang="en-CA" sz="1200" kern="1200" dirty="0">
-                <a:solidFill>
-                  <a:schemeClr val="tx1"/>
-                </a:solidFill>
-                <a:effectLst/>
-                <a:latin typeface="+mn-lt"/>
-                <a:ea typeface="+mn-ea"/>
-                <a:cs typeface="+mn-cs"/>
-              </a:rPr>
-              <a:t>-strengthening stakeholder engagement </a:t>
-            </a:r>
-            <a:r>
-              <a:rPr lang="en-CA" sz="1200" kern="1200" dirty="0" err="1">
-                <a:solidFill>
-                  <a:schemeClr val="tx1"/>
-                </a:solidFill>
-                <a:effectLst/>
-                <a:latin typeface="+mn-lt"/>
-                <a:ea typeface="+mn-ea"/>
-                <a:cs typeface="+mn-cs"/>
-              </a:rPr>
-              <a:t>byfostering</a:t>
-            </a:r>
-            <a:r>
-              <a:rPr lang="en-CA" sz="1200" kern="1200" dirty="0">
-                <a:solidFill>
-                  <a:schemeClr val="tx1"/>
-                </a:solidFill>
-                <a:effectLst/>
-                <a:latin typeface="+mn-lt"/>
-                <a:ea typeface="+mn-ea"/>
-                <a:cs typeface="+mn-cs"/>
-              </a:rPr>
-              <a:t> collaboration with NSO and PSO partners</a:t>
-            </a:r>
-          </a:p>
-          <a:p>
-            <a:pPr marL="0" marR="0" lvl="0" indent="0" algn="l" defTabSz="914400" rtl="0" eaLnBrk="1" fontAlgn="auto" latinLnBrk="0" hangingPunct="1">
-              <a:lnSpc>
-                <a:spcPct val="100000"/>
-              </a:lnSpc>
-              <a:spcBef>
-                <a:spcPts val="0"/>
-              </a:spcBef>
-              <a:spcAft>
-                <a:spcPts val="0"/>
-              </a:spcAft>
-              <a:buClrTx/>
-              <a:buSzTx/>
-              <a:buFontTx/>
-              <a:buNone/>
-              <a:tabLst/>
-              <a:defRPr/>
-            </a:pPr>
-            <a:r>
-              <a:rPr lang="en-US" dirty="0"/>
-              <a:t>-scaled </a:t>
-            </a:r>
-            <a:r>
-              <a:rPr lang="en-CA" sz="1200" kern="1200" dirty="0">
-                <a:solidFill>
-                  <a:schemeClr val="tx1"/>
-                </a:solidFill>
-                <a:effectLst/>
-                <a:latin typeface="+mn-lt"/>
-                <a:ea typeface="+mn-ea"/>
-                <a:cs typeface="+mn-cs"/>
-              </a:rPr>
-              <a:t>private pay RTP service for</a:t>
-            </a:r>
-            <a:r>
-              <a:rPr lang="en-US" sz="1200" kern="1200" dirty="0">
-                <a:solidFill>
-                  <a:schemeClr val="tx1"/>
-                </a:solidFill>
-                <a:effectLst/>
-                <a:latin typeface="+mn-lt"/>
-                <a:ea typeface="+mn-ea"/>
-                <a:cs typeface="+mn-cs"/>
-              </a:rPr>
-              <a:t> PN</a:t>
-            </a:r>
-          </a:p>
-          <a:p>
-            <a:r>
-              <a:rPr lang="en-US" sz="1200" kern="1200" dirty="0">
-                <a:solidFill>
-                  <a:schemeClr val="tx1"/>
-                </a:solidFill>
-                <a:effectLst/>
-                <a:latin typeface="+mn-lt"/>
-                <a:ea typeface="+mn-ea"/>
-                <a:cs typeface="+mn-cs"/>
-              </a:rPr>
-              <a:t>-</a:t>
-            </a:r>
-            <a:r>
-              <a:rPr lang="en-CA" sz="1200" kern="1200" dirty="0">
-                <a:solidFill>
-                  <a:schemeClr val="tx1"/>
-                </a:solidFill>
-                <a:effectLst/>
-                <a:latin typeface="+mn-lt"/>
-                <a:ea typeface="+mn-ea"/>
-                <a:cs typeface="+mn-cs"/>
-              </a:rPr>
-              <a:t>The population in Whistler is approaching 16,000 residents, with almost 30,000 in Squamish and 4,000 in Pemberton</a:t>
-            </a:r>
-          </a:p>
-          <a:p>
-            <a:pPr marL="0" marR="0" lvl="0" indent="0" algn="l" defTabSz="914400" rtl="0" eaLnBrk="1" fontAlgn="auto" latinLnBrk="0" hangingPunct="1">
-              <a:lnSpc>
-                <a:spcPct val="100000"/>
-              </a:lnSpc>
-              <a:spcBef>
-                <a:spcPts val="0"/>
-              </a:spcBef>
-              <a:spcAft>
-                <a:spcPts val="0"/>
-              </a:spcAft>
-              <a:buClrTx/>
-              <a:buSzTx/>
-              <a:buFontTx/>
-              <a:buNone/>
-              <a:tabLst/>
-              <a:defRPr/>
-            </a:pPr>
-            <a:endParaRPr lang="en-CA" sz="1200" kern="1200" dirty="0">
-              <a:solidFill>
-                <a:schemeClr val="tx1"/>
-              </a:solidFill>
-              <a:effectLst/>
-              <a:latin typeface="+mn-lt"/>
-              <a:ea typeface="+mn-ea"/>
-              <a:cs typeface="+mn-cs"/>
-            </a:endParaRPr>
-          </a:p>
-          <a:p>
-            <a:pPr marL="0" marR="0" lvl="0" indent="0" algn="l" defTabSz="914400" rtl="0" eaLnBrk="1" fontAlgn="auto" latinLnBrk="0" hangingPunct="1">
-              <a:lnSpc>
-                <a:spcPct val="100000"/>
-              </a:lnSpc>
-              <a:spcBef>
-                <a:spcPts val="0"/>
-              </a:spcBef>
-              <a:spcAft>
-                <a:spcPts val="0"/>
-              </a:spcAft>
-              <a:buClrTx/>
-              <a:buSzTx/>
-              <a:buFontTx/>
-              <a:buNone/>
-              <a:tabLst/>
-              <a:defRPr/>
-            </a:pPr>
-            <a:r>
-              <a:rPr lang="en-CA" sz="1200" kern="1200" dirty="0">
-                <a:solidFill>
-                  <a:schemeClr val="tx1"/>
-                </a:solidFill>
-                <a:effectLst/>
-                <a:latin typeface="+mn-lt"/>
-                <a:ea typeface="+mn-ea"/>
-                <a:cs typeface="+mn-cs"/>
-              </a:rPr>
-              <a:t>-I think we build the protocol without a Biodex and then we can decide if and how we go about getting one later</a:t>
-            </a:r>
-          </a:p>
-          <a:p>
-            <a:pPr marL="0" marR="0" lvl="0" indent="0" algn="l" defTabSz="914400" rtl="0" eaLnBrk="1" fontAlgn="auto" latinLnBrk="0" hangingPunct="1">
-              <a:lnSpc>
-                <a:spcPct val="100000"/>
-              </a:lnSpc>
-              <a:spcBef>
-                <a:spcPts val="0"/>
-              </a:spcBef>
-              <a:spcAft>
-                <a:spcPts val="0"/>
-              </a:spcAft>
-              <a:buClrTx/>
-              <a:buSzTx/>
-              <a:buFontTx/>
-              <a:buNone/>
-              <a:tabLst/>
-              <a:defRPr/>
-            </a:pPr>
-            <a:r>
-              <a:rPr lang="en-CA" sz="1200" kern="1200" dirty="0">
-                <a:solidFill>
-                  <a:schemeClr val="tx1"/>
-                </a:solidFill>
-                <a:effectLst/>
-                <a:latin typeface="+mn-lt"/>
-                <a:ea typeface="+mn-ea"/>
-                <a:cs typeface="+mn-cs"/>
-              </a:rPr>
-              <a:t>	-grants, R&amp;D partnerships</a:t>
             </a:r>
           </a:p>
         </p:txBody>
@@ -17173,7 +21755,7 @@
     </p:spTree>
     <p:extLst>
       <p:ext uri="{BB962C8B-B14F-4D97-AF65-F5344CB8AC3E}">
-        <p14:creationId xmlns:p14="http://schemas.microsoft.com/office/powerpoint/2010/main" val="1163778239"/>
+        <p14:creationId xmlns:p14="http://schemas.microsoft.com/office/powerpoint/2010/main" val="1675297175"/>
       </p:ext>
     </p:extLst>
   </p:cSld>
@@ -17227,45 +21809,388 @@
           <a:bodyPr/>
           <a:lstStyle/>
           <a:p>
+            <a:r>
+              <a:rPr lang="en-CA" sz="1200" b="0" dirty="0"/>
+              <a:t>Business model, I see this as beyond the scope of my role, but I’ll offer some ideas</a:t>
+            </a:r>
+          </a:p>
+          <a:p>
+            <a:endParaRPr lang="en-CA" sz="1200" b="0" dirty="0"/>
+          </a:p>
+          <a:p>
+            <a:r>
+              <a:rPr lang="en-CA" sz="1200" b="0" dirty="0"/>
+              <a:t>A lot of the talk that I’ve heard around this work is how do we get the NSOs to fund it..</a:t>
+            </a:r>
+          </a:p>
+          <a:p>
+            <a:r>
+              <a:rPr lang="en-CA" sz="1200" b="0" dirty="0"/>
+              <a:t>My proposal to answer that question is actually to start with a different business model which is something more subscription based.</a:t>
+            </a:r>
+          </a:p>
+          <a:p>
+            <a:endParaRPr lang="en-CA" sz="1200" b="0" dirty="0"/>
+          </a:p>
+          <a:p>
+            <a:endParaRPr lang="en-CA" sz="1200" b="0" dirty="0"/>
+          </a:p>
+          <a:p>
+            <a:r>
+              <a:rPr lang="en-CA" sz="1200" b="0" dirty="0"/>
+              <a:t>Offer a product that can be effective without a massive time commitment by our staff, but is made more effective proportionately with more time commitment and deeper integration with our staff and services.</a:t>
+            </a:r>
+          </a:p>
+          <a:p>
+            <a:r>
+              <a:rPr lang="en-CA" sz="1200" b="0" dirty="0"/>
+              <a:t>Chart: Bronze, Silver, Gold..</a:t>
+            </a:r>
+          </a:p>
+          <a:p>
+            <a:r>
+              <a:rPr lang="en-CA" sz="1200" b="0" dirty="0"/>
+              <a:t>	protocol, sessions, testing..</a:t>
+            </a:r>
+          </a:p>
+          <a:p>
+            <a:endParaRPr lang="en-CA" sz="1200" b="0" dirty="0"/>
+          </a:p>
+          <a:p>
+            <a:endParaRPr lang="en-CA" sz="1200" b="0" dirty="0"/>
+          </a:p>
+          <a:p>
+            <a:r>
+              <a:rPr lang="en-CA" sz="1200" b="0" dirty="0"/>
+              <a:t>So Bronze..</a:t>
+            </a:r>
+          </a:p>
+          <a:p>
+            <a:r>
+              <a:rPr lang="en-CA" sz="1200" b="0" dirty="0"/>
+              <a:t>So we’re offering a specialized service, we’re bringing in monthly revenue, and we are not making a huge time-commitment.</a:t>
+            </a:r>
+          </a:p>
+          <a:p>
+            <a:endParaRPr lang="en-CA" sz="1200" b="0" dirty="0"/>
+          </a:p>
+          <a:p>
+            <a:r>
+              <a:rPr lang="en-CA" sz="1200" b="0" dirty="0"/>
+              <a:t>However, we design it in such a way, and make it clear, that the more contact the athlete has with our staff and our services, the more effective the rehab will be..</a:t>
+            </a:r>
+          </a:p>
+          <a:p>
+            <a:endParaRPr lang="en-CA" sz="1200" b="0" dirty="0"/>
+          </a:p>
+          <a:p>
+            <a:endParaRPr lang="en-CA" sz="1200" b="0" dirty="0"/>
+          </a:p>
+          <a:p>
+            <a:r>
+              <a:rPr lang="en-CA" sz="1200" b="0" dirty="0"/>
+              <a:t>Gold package, is likely very similar to what we do now for our NSOs, which is a massive time commitment, and impossible for us to recoup anything close to the real value on what we deliver</a:t>
+            </a:r>
+          </a:p>
+          <a:p>
+            <a:endParaRPr lang="en-CA" sz="1200" b="0" dirty="0"/>
+          </a:p>
+          <a:p>
+            <a:endParaRPr lang="en-CA" sz="1200" b="0" dirty="0"/>
+          </a:p>
+          <a:p>
+            <a:endParaRPr lang="en-CA" sz="1200" b="0" dirty="0"/>
+          </a:p>
+          <a:p>
+            <a:endParaRPr lang="en-CA" sz="1200" b="0" dirty="0"/>
+          </a:p>
+          <a:p>
+            <a:endParaRPr lang="en-CA" sz="1200" b="0" dirty="0"/>
+          </a:p>
+          <a:p>
+            <a:r>
+              <a:rPr lang="en-CA" sz="1200" b="0" dirty="0"/>
+              <a:t>. This is something that can be applied to athletes from any of the identified target markets.  Just for an example, we develop a bronze package that gives the athlete access to the ACL protocol and they get 1 workout in our facility and 1 testing session per month.</a:t>
+            </a:r>
+          </a:p>
+          <a:p>
+            <a:endParaRPr lang="en-CA" sz="1200" b="0" dirty="0"/>
+          </a:p>
+          <a:p>
+            <a:r>
+              <a:rPr lang="en-CA" sz="1200" b="0" dirty="0"/>
+              <a:t>The reason I chose to use this example specifically, I think that the way to get value in the rehab field is to </a:t>
+            </a:r>
+          </a:p>
+          <a:p>
+            <a:endParaRPr lang="en-CA" sz="1200" b="1" dirty="0"/>
+          </a:p>
+          <a:p>
+            <a:r>
+              <a:rPr lang="en-CA" sz="1200" b="1" dirty="0"/>
+              <a:t>Hybrid business model</a:t>
+            </a:r>
+          </a:p>
+          <a:p>
+            <a:r>
+              <a:rPr lang="en-CA" sz="1200" b="0" dirty="0"/>
+              <a:t>NSOs (and others) invest in the program upfront </a:t>
+            </a:r>
+          </a:p>
+          <a:p>
+            <a:endParaRPr lang="en-CA" sz="1200" b="1" dirty="0"/>
+          </a:p>
+          <a:p>
+            <a:r>
+              <a:rPr lang="en-CA" sz="1200" b="1" dirty="0"/>
+              <a:t>Subscription</a:t>
+            </a:r>
+          </a:p>
+          <a:p>
+            <a:r>
+              <a:rPr lang="en-CA" sz="1200" b="0" dirty="0"/>
+              <a:t>I think it might work better for most as a subscription model.</a:t>
+            </a:r>
+          </a:p>
+          <a:p>
+            <a:r>
+              <a:rPr lang="en-CA" sz="1200" b="0" dirty="0"/>
+              <a:t>Maybe not the sport, since they would require “Gold” level service which should be extremely expensive.</a:t>
+            </a:r>
+          </a:p>
+          <a:p>
+            <a:endParaRPr lang="en-CA" sz="1200" b="0" dirty="0"/>
+          </a:p>
+          <a:p>
+            <a:endParaRPr lang="en-CA" sz="1200" b="1" dirty="0"/>
+          </a:p>
+          <a:p>
+            <a:endParaRPr lang="en-CA" sz="1200" b="1" dirty="0"/>
+          </a:p>
+          <a:p>
+            <a:endParaRPr lang="en-CA" sz="1200" b="1" dirty="0"/>
+          </a:p>
+          <a:p>
+            <a:endParaRPr lang="en-CA" sz="1200" b="1" dirty="0"/>
+          </a:p>
+          <a:p>
+            <a:endParaRPr lang="en-CA" sz="1200" b="1" dirty="0"/>
+          </a:p>
+          <a:p>
+            <a:endParaRPr lang="en-CA" sz="1200" b="1" dirty="0"/>
+          </a:p>
+          <a:p>
+            <a:endParaRPr lang="en-CA" sz="1200" b="1" dirty="0"/>
+          </a:p>
+          <a:p>
+            <a:r>
+              <a:rPr lang="en-CA" sz="1200" b="1" dirty="0"/>
+              <a:t>Pull together a draft top-level forecast of potential revenues and expenses into a draft budget</a:t>
+            </a:r>
+          </a:p>
+          <a:p>
+            <a:r>
+              <a:rPr lang="en-CA" sz="1200" b="1" dirty="0"/>
+              <a:t>Within the context of sport, show that in a not-for-profit model, there would be enough interest to support the solutions:</a:t>
+            </a:r>
+          </a:p>
+          <a:p>
+            <a:r>
+              <a:rPr lang="en-CA" sz="1200" b="0" dirty="0"/>
+              <a:t>-Interest is a funny word, it’s more like “need”.  Maybe some people are ”interested”</a:t>
+            </a:r>
+          </a:p>
+          <a:p>
+            <a:r>
+              <a:rPr lang="en-CA" sz="1200" b="0" dirty="0"/>
+              <a:t>-We will be doing rehabs either way</a:t>
+            </a:r>
+          </a:p>
+          <a:p>
+            <a:r>
+              <a:rPr lang="en-CA" sz="1200" b="0" dirty="0"/>
+              <a:t>	Even if we don’t care about doing it well for the sake of it…</a:t>
+            </a:r>
+          </a:p>
+          <a:p>
+            <a:r>
+              <a:rPr lang="en-CA" sz="1200" b="0" dirty="0"/>
+              <a:t>	We might as well do it in a highly organized manner</a:t>
+            </a:r>
+          </a:p>
+          <a:p>
+            <a:r>
+              <a:rPr lang="en-CA" sz="1200" b="0" dirty="0"/>
+              <a:t>-Build the thing, present it to them, convince NSOs to pay upfront</a:t>
+            </a:r>
+          </a:p>
+          <a:p>
+            <a:r>
+              <a:rPr lang="en-CA" sz="1200" b="0" dirty="0"/>
+              <a:t>	If someone gets hurt, the rehab is included in the agreement, and they know exactly what they 	are getting from the rehab.</a:t>
+            </a:r>
+          </a:p>
+          <a:p>
+            <a:r>
+              <a:rPr lang="en-CA" sz="1200" b="0" dirty="0"/>
+              <a:t>	Or they can pay the PN rate when someone gets injured..?</a:t>
+            </a:r>
+          </a:p>
+          <a:p>
+            <a:r>
+              <a:rPr lang="en-CA" sz="1200" b="0" dirty="0"/>
+              <a:t>	i.e. You pay $10k per year for full access OR you pay $20k for a 12 month rehab (this is a bargain for the full service including staff time commitment)</a:t>
+            </a:r>
+          </a:p>
+          <a:p>
+            <a:endParaRPr lang="en-US" b="1" dirty="0"/>
+          </a:p>
+          <a:p>
+            <a:endParaRPr lang="en-CA" sz="1200" dirty="0"/>
+          </a:p>
+          <a:p>
+            <a:endParaRPr lang="en-CA" sz="1200" dirty="0"/>
+          </a:p>
+          <a:p>
+            <a:r>
+              <a:rPr lang="en-CA" sz="1200" b="1" dirty="0"/>
+              <a:t>Is there enough revenues to cover costs in a sustainable manner?</a:t>
+            </a:r>
+          </a:p>
+          <a:p>
+            <a:r>
+              <a:rPr lang="en-CA" sz="1200" dirty="0"/>
+              <a:t>-I feel like it’s not PS job to collect revenue</a:t>
+            </a:r>
+          </a:p>
+          <a:p>
+            <a:r>
+              <a:rPr lang="en-CA" sz="1200" dirty="0"/>
+              <a:t>-Our job is to offer the best service possible, not to sell it or ensure collection of revenue</a:t>
+            </a:r>
+          </a:p>
+          <a:p>
+            <a:r>
+              <a:rPr lang="en-CA" sz="1200" dirty="0"/>
+              <a:t>-PS does the work to generate the revenue, the revenue just doesn’t always get collected</a:t>
+            </a:r>
             <a:endParaRPr lang="en-US" dirty="0"/>
           </a:p>
           <a:p>
-            <a:r>
-              <a:rPr lang="en-US" b="1" dirty="0"/>
-              <a:t>AK</a:t>
-            </a:r>
+            <a:endParaRPr lang="en-US" dirty="0"/>
+          </a:p>
+          <a:p>
+            <a:endParaRPr lang="en-US" dirty="0"/>
+          </a:p>
+          <a:p>
+            <a:endParaRPr lang="en-US" dirty="0"/>
           </a:p>
           <a:p>
             <a:r>
               <a:rPr lang="en-US" dirty="0"/>
-              <a:t>-my proposal is far more internal.. I don’t think it’s productive to include all the stakeholders at this stage</a:t>
+              <a:t>AK:</a:t>
             </a:r>
           </a:p>
           <a:p>
             <a:r>
               <a:rPr lang="en-US" dirty="0"/>
-              <a:t>-build a prototype</a:t>
+              <a:t>-Our core business is supposed to be supporting Canadian high performance athletes.  This is a crucial part of supporting them</a:t>
             </a:r>
+          </a:p>
+          <a:p>
+            <a:endParaRPr lang="en-US" dirty="0"/>
           </a:p>
           <a:p>
             <a:r>
               <a:rPr lang="en-US" dirty="0"/>
-              <a:t>-ensure it aligns with CSI policies and procedures and is feasible within those</a:t>
+              <a:t>-This would be the first comprehensive and open-source system within Canada</a:t>
             </a:r>
           </a:p>
           <a:p>
+            <a:r>
+              <a:rPr lang="en-US" dirty="0"/>
+              <a:t>  -i.e. Izzy: that was just service delivery, there was never really a structured, scalable protocol</a:t>
+            </a:r>
+          </a:p>
+          <a:p>
+            <a:r>
+              <a:rPr lang="en-US" dirty="0"/>
+              <a:t>-R&amp;D:</a:t>
+            </a:r>
+          </a:p>
+          <a:p>
+            <a:r>
+              <a:rPr lang="en-US" dirty="0"/>
+              <a:t>   There are a lot of opportunities just from improving our data management.  R&amp;D doesn’t have to involve a Biodex.  It’s just a way to potentially fund it via grants etc.</a:t>
+            </a:r>
+          </a:p>
+          <a:p>
+            <a:r>
+              <a:rPr lang="en-US" dirty="0"/>
+              <a:t>-my proposal involves basically no cost, but it has a guaranteed outcome.  The protocol will be delivered.  It will be useable for any of our staff.  From there we can probably market to NSOs, can </a:t>
+            </a:r>
+          </a:p>
+          <a:p>
             <a:endParaRPr lang="en-US" dirty="0"/>
           </a:p>
           <a:p>
             <a:r>
-              <a:rPr lang="en-US" b="1" dirty="0"/>
-              <a:t>CH</a:t>
+              <a:rPr lang="en-US" dirty="0"/>
+              <a:t>-What is the cost to not doing this?  We keep having rehab cases to do, our practitioners work inefficiently to cover these on a case-by-case basis, we do not learn/grow/innovate, we do not have procedures in place to inform research and innovation, we have no way to properly value this service and the organization (and practitioners) do not get properly compensated.</a:t>
             </a:r>
           </a:p>
           <a:p>
+            <a:endParaRPr lang="en-US" dirty="0"/>
+          </a:p>
+          <a:p>
             <a:r>
-              <a:rPr lang="en-US" u="sng" dirty="0"/>
-              <a:t>Discovery and Planning (0-3 months)</a:t>
+              <a:rPr lang="en-US" dirty="0"/>
+              <a:t>-we can sell you the protocol for $x or $x per month, that is IP that has value on it’s own, but the product really takes off when it leverages it’s connection to our athlete management system and especially when it is delivered by own of our expert practitioners</a:t>
+            </a:r>
+          </a:p>
+          <a:p>
+            <a:endParaRPr lang="en-US" dirty="0"/>
+          </a:p>
+          <a:p>
+            <a:r>
+              <a:rPr lang="en-US" dirty="0"/>
+              <a:t>Bronze/Silver Package</a:t>
+            </a:r>
+          </a:p>
+          <a:p>
+            <a:r>
+              <a:rPr lang="en-US" dirty="0"/>
+              <a:t>(enough to fully engage with the protocol, but you pretty much do all the work on your own)</a:t>
+            </a:r>
+          </a:p>
+          <a:p>
+            <a:r>
+              <a:rPr lang="en-US" dirty="0"/>
+              <a:t>-website, program</a:t>
+            </a:r>
+          </a:p>
+          <a:p>
+            <a:r>
+              <a:rPr lang="en-US" dirty="0"/>
+              <a:t>-1 testing session per month</a:t>
+            </a:r>
+          </a:p>
+          <a:p>
+            <a:r>
+              <a:rPr lang="en-US" dirty="0"/>
+              <a:t>-1 training session per month</a:t>
+            </a:r>
+          </a:p>
+          <a:p>
+            <a:endParaRPr lang="en-US" dirty="0"/>
+          </a:p>
+          <a:p>
+            <a:endParaRPr lang="en-US" dirty="0"/>
+          </a:p>
+          <a:p>
+            <a:r>
+              <a:rPr lang="en-US" dirty="0"/>
+              <a:t>CH:</a:t>
             </a:r>
           </a:p>
           <a:p>
@@ -17283,12 +22208,12 @@
                 <a:ea typeface="+mn-ea"/>
                 <a:cs typeface="+mn-cs"/>
               </a:rPr>
-              <a:t>comprehensive stakeholder consultation and needs analysis</a:t>
+              <a:t>Increased and stable NSO and PSO investment in performance services</a:t>
             </a:r>
           </a:p>
           <a:p>
             <a:r>
-              <a:rPr lang="en-CA" sz="1200" i="1" kern="1200" dirty="0">
+              <a:rPr lang="en-CA" sz="1200" kern="1200" dirty="0">
                 <a:solidFill>
                   <a:schemeClr val="tx1"/>
                 </a:solidFill>
@@ -17297,7 +22222,31 @@
                 <a:ea typeface="+mn-ea"/>
                 <a:cs typeface="+mn-cs"/>
               </a:rPr>
-              <a:t>	-We discover that athletes sometimes get hurt and there is a lack of effective, structured protocols 	to support the rehab process and include all stakeholders</a:t>
+              <a:t>-strengthening stakeholder engagement </a:t>
+            </a:r>
+            <a:r>
+              <a:rPr lang="en-CA" sz="1200" kern="1200" dirty="0" err="1">
+                <a:solidFill>
+                  <a:schemeClr val="tx1"/>
+                </a:solidFill>
+                <a:effectLst/>
+                <a:latin typeface="+mn-lt"/>
+                <a:ea typeface="+mn-ea"/>
+                <a:cs typeface="+mn-cs"/>
+              </a:rPr>
+              <a:t>byfostering</a:t>
+            </a:r>
+            <a:r>
+              <a:rPr lang="en-CA" sz="1200" kern="1200" dirty="0">
+                <a:solidFill>
+                  <a:schemeClr val="tx1"/>
+                </a:solidFill>
+                <a:effectLst/>
+                <a:latin typeface="+mn-lt"/>
+                <a:ea typeface="+mn-ea"/>
+                <a:cs typeface="+mn-cs"/>
+              </a:rPr>
+              <a:t> collaboration with NSO and PSO partners</a:t>
             </a:r>
           </a:p>
           <a:p>
@@ -17319,7 +22268,11 @@
               <a:defRPr/>
             </a:pPr>
             <a:r>
-              <a:rPr lang="en-CA" sz="1200" b="0" u="sng" kern="1200" dirty="0">
+              <a:rPr lang="en-US" dirty="0"/>
+              <a:t>-scaled </a:t>
+            </a:r>
+            <a:r>
+              <a:rPr lang="en-CA" sz="1200" kern="1200" dirty="0">
                 <a:solidFill>
                   <a:schemeClr val="tx1"/>
                 </a:solidFill>
@@ -17328,10 +22281,10 @@
                 <a:ea typeface="+mn-ea"/>
                 <a:cs typeface="+mn-cs"/>
               </a:rPr>
-              <a:t>Phase 2: Design and Development </a:t>
+              <a:t>private pay RTP service for</a:t>
             </a:r>
             <a:r>
-              <a:rPr lang="en-CA" sz="1200" u="sng" kern="1200" dirty="0">
+              <a:rPr lang="en-US" sz="1200" kern="1200" dirty="0">
                 <a:solidFill>
                   <a:schemeClr val="tx1"/>
                 </a:solidFill>
@@ -17340,38 +22293,12 @@
                 <a:ea typeface="+mn-ea"/>
                 <a:cs typeface="+mn-cs"/>
               </a:rPr>
-              <a:t>(months 3–6)</a:t>
+              <a:t> PN</a:t>
             </a:r>
-            <a:endParaRPr lang="en-CA" sz="1200" i="1" u="sng" kern="1200" dirty="0">
-              <a:solidFill>
-                <a:schemeClr val="tx1"/>
-              </a:solidFill>
-              <a:effectLst/>
-              <a:latin typeface="+mn-lt"/>
-              <a:ea typeface="+mn-ea"/>
-              <a:cs typeface="+mn-cs"/>
-            </a:endParaRPr>
-          </a:p>
-          <a:p>
-            <a:pPr marL="0" marR="0" lvl="0" indent="0" algn="l" defTabSz="914400" rtl="0" eaLnBrk="1" fontAlgn="auto" latinLnBrk="0" hangingPunct="1">
-              <a:lnSpc>
-                <a:spcPct val="100000"/>
-              </a:lnSpc>
-              <a:spcBef>
-                <a:spcPts val="0"/>
-              </a:spcBef>
-              <a:spcAft>
-                <a:spcPts val="0"/>
-              </a:spcAft>
-              <a:buClrTx/>
-              <a:buSzTx/>
-              <a:buFontTx/>
-              <a:buNone/>
-              <a:tabLst/>
-              <a:defRPr/>
-            </a:pPr>
+          </a:p>
+          <a:p>
             <a:r>
-              <a:rPr lang="en-CA" sz="1200" i="1" kern="1200" dirty="0">
+              <a:rPr lang="en-US" sz="1200" kern="1200" dirty="0">
                 <a:solidFill>
                   <a:schemeClr val="tx1"/>
                 </a:solidFill>
@@ -17392,8 +22319,36 @@
                 <a:ea typeface="+mn-ea"/>
                 <a:cs typeface="+mn-cs"/>
               </a:rPr>
-              <a:t>facility enhancements will be planned</a:t>
+              <a:t>The population in Whistler is approaching 16,000 residents, with almost 30,000 in Squamish and 4,000 in Pemberton</a:t>
             </a:r>
+          </a:p>
+          <a:p>
+            <a:pPr marL="0" marR="0" lvl="0" indent="0" algn="l" defTabSz="914400" rtl="0" eaLnBrk="1" fontAlgn="auto" latinLnBrk="0" hangingPunct="1">
+              <a:lnSpc>
+                <a:spcPct val="100000"/>
+              </a:lnSpc>
+              <a:spcBef>
+                <a:spcPts val="0"/>
+              </a:spcBef>
+              <a:spcAft>
+                <a:spcPts val="0"/>
+              </a:spcAft>
+              <a:buClrTx/>
+              <a:buSzTx/>
+              <a:buFontTx/>
+              <a:buNone/>
+              <a:tabLst/>
+              <a:defRPr/>
+            </a:pPr>
+            <a:endParaRPr lang="en-CA" sz="1200" kern="1200" dirty="0">
+              <a:solidFill>
+                <a:schemeClr val="tx1"/>
+              </a:solidFill>
+              <a:effectLst/>
+              <a:latin typeface="+mn-lt"/>
+              <a:ea typeface="+mn-ea"/>
+              <a:cs typeface="+mn-cs"/>
+            </a:endParaRPr>
           </a:p>
           <a:p>
             <a:pPr marL="0" marR="0" lvl="0" indent="0" algn="l" defTabSz="914400" rtl="0" eaLnBrk="1" fontAlgn="auto" latinLnBrk="0" hangingPunct="1">
@@ -17423,7 +22378,7 @@
                 <a:ea typeface="+mn-ea"/>
                 <a:cs typeface="+mn-cs"/>
               </a:rPr>
-              <a:t>-Biodex isokinetic dynamometer equipment will be procured</a:t>
+              <a:t>-I think we build the protocol without a Biodex and then we can decide if and how we go about getting one later</a:t>
             </a:r>
           </a:p>
           <a:p>
@@ -17454,537 +22409,8 @@
                 <a:ea typeface="+mn-ea"/>
                 <a:cs typeface="+mn-cs"/>
               </a:rPr>
-              <a:t>-Operational guidelines and best practice protocols will be developed</a:t>
+              <a:t>	-grants, R&amp;D partnerships</a:t>
             </a:r>
-          </a:p>
-          <a:p>
-            <a:pPr marL="0" marR="0" lvl="0" indent="0" algn="l" defTabSz="914400" rtl="0" eaLnBrk="1" fontAlgn="auto" latinLnBrk="0" hangingPunct="1">
-              <a:lnSpc>
-                <a:spcPct val="100000"/>
-              </a:lnSpc>
-              <a:spcBef>
-                <a:spcPts val="0"/>
-              </a:spcBef>
-              <a:spcAft>
-                <a:spcPts val="0"/>
-              </a:spcAft>
-              <a:buClrTx/>
-              <a:buSzTx/>
-              <a:buFontTx/>
-              <a:buNone/>
-              <a:tabLst/>
-              <a:defRPr/>
-            </a:pPr>
-            <a:r>
-              <a:rPr lang="en-CA" sz="1200" kern="1200" dirty="0">
-                <a:solidFill>
-                  <a:schemeClr val="tx1"/>
-                </a:solidFill>
-                <a:effectLst/>
-                <a:latin typeface="+mn-lt"/>
-                <a:ea typeface="+mn-ea"/>
-                <a:cs typeface="+mn-cs"/>
-              </a:rPr>
-              <a:t>-staff training</a:t>
-            </a:r>
-          </a:p>
-          <a:p>
-            <a:r>
-              <a:rPr lang="en-CA" sz="1200" kern="1200" dirty="0">
-                <a:solidFill>
-                  <a:schemeClr val="tx1"/>
-                </a:solidFill>
-                <a:effectLst/>
-                <a:latin typeface="+mn-lt"/>
-                <a:ea typeface="+mn-ea"/>
-                <a:cs typeface="+mn-cs"/>
-              </a:rPr>
-              <a:t>-Establishing research partnerships with academic and clinical institutions</a:t>
-            </a:r>
-          </a:p>
-          <a:p>
-            <a:r>
-              <a:rPr lang="en-CA" sz="1200" kern="1200" dirty="0">
-                <a:solidFill>
-                  <a:schemeClr val="tx1"/>
-                </a:solidFill>
-                <a:effectLst/>
-                <a:latin typeface="+mn-lt"/>
-                <a:ea typeface="+mn-ea"/>
-                <a:cs typeface="+mn-cs"/>
-              </a:rPr>
-              <a:t>	</a:t>
-            </a:r>
-            <a:r>
-              <a:rPr lang="en-CA" sz="1200" i="1" kern="1200" dirty="0">
-                <a:solidFill>
-                  <a:schemeClr val="tx1"/>
-                </a:solidFill>
-                <a:effectLst/>
-                <a:latin typeface="+mn-lt"/>
-                <a:ea typeface="+mn-ea"/>
-                <a:cs typeface="+mn-cs"/>
-              </a:rPr>
-              <a:t>-Build the protocol document</a:t>
-            </a:r>
-          </a:p>
-          <a:p>
-            <a:r>
-              <a:rPr lang="en-CA" sz="1200" i="1" kern="1200" dirty="0">
-                <a:solidFill>
-                  <a:schemeClr val="tx1"/>
-                </a:solidFill>
-                <a:effectLst/>
-                <a:latin typeface="+mn-lt"/>
-                <a:ea typeface="+mn-ea"/>
-                <a:cs typeface="+mn-cs"/>
-              </a:rPr>
-              <a:t>	-Set up </a:t>
-            </a:r>
-            <a:r>
-              <a:rPr lang="en-CA" sz="1200" i="1" kern="1200" dirty="0" err="1">
-                <a:solidFill>
-                  <a:schemeClr val="tx1"/>
-                </a:solidFill>
-                <a:effectLst/>
-                <a:latin typeface="+mn-lt"/>
-                <a:ea typeface="+mn-ea"/>
-                <a:cs typeface="+mn-cs"/>
-              </a:rPr>
-              <a:t>Tindeq</a:t>
-            </a:r>
-            <a:endParaRPr lang="en-CA" sz="1200" i="1" kern="1200" dirty="0">
-              <a:solidFill>
-                <a:schemeClr val="tx1"/>
-              </a:solidFill>
-              <a:effectLst/>
-              <a:latin typeface="+mn-lt"/>
-              <a:ea typeface="+mn-ea"/>
-              <a:cs typeface="+mn-cs"/>
-            </a:endParaRPr>
-          </a:p>
-          <a:p>
-            <a:pPr marL="0" marR="0" lvl="0" indent="0" algn="l" defTabSz="914400" rtl="0" eaLnBrk="1" fontAlgn="auto" latinLnBrk="0" hangingPunct="1">
-              <a:lnSpc>
-                <a:spcPct val="100000"/>
-              </a:lnSpc>
-              <a:spcBef>
-                <a:spcPts val="0"/>
-              </a:spcBef>
-              <a:spcAft>
-                <a:spcPts val="0"/>
-              </a:spcAft>
-              <a:buClrTx/>
-              <a:buSzTx/>
-              <a:buFontTx/>
-              <a:buNone/>
-              <a:tabLst/>
-              <a:defRPr/>
-            </a:pPr>
-            <a:r>
-              <a:rPr lang="en-CA" sz="1200" b="0" u="sng" kern="1200" dirty="0">
-                <a:solidFill>
-                  <a:schemeClr val="tx1"/>
-                </a:solidFill>
-                <a:effectLst/>
-                <a:latin typeface="+mn-lt"/>
-                <a:ea typeface="+mn-ea"/>
-                <a:cs typeface="+mn-cs"/>
-              </a:rPr>
-              <a:t>Phase 3: Pilot Implementation and Testing (months 6–12)</a:t>
-            </a:r>
-          </a:p>
-          <a:p>
-            <a:r>
-              <a:rPr lang="en-CA" sz="1200" kern="1200" dirty="0">
-                <a:solidFill>
-                  <a:schemeClr val="tx1"/>
-                </a:solidFill>
-                <a:effectLst/>
-                <a:latin typeface="+mn-lt"/>
-                <a:ea typeface="+mn-ea"/>
-                <a:cs typeface="+mn-cs"/>
-              </a:rPr>
-              <a:t>-initial rollout of RTP services through a pilot program in collaboration with select winter sport NSOs</a:t>
-            </a:r>
-          </a:p>
-          <a:p>
-            <a:r>
-              <a:rPr lang="en-CA" sz="1200" kern="1200" dirty="0">
-                <a:solidFill>
-                  <a:schemeClr val="tx1"/>
-                </a:solidFill>
-                <a:effectLst/>
-                <a:latin typeface="+mn-lt"/>
-                <a:ea typeface="+mn-ea"/>
-                <a:cs typeface="+mn-cs"/>
-              </a:rPr>
-              <a:t>-development of RTP service packages accessible to the broader public via Performance Nation</a:t>
-            </a:r>
-          </a:p>
-          <a:p>
-            <a:endParaRPr lang="en-CA" sz="1200" kern="1200" dirty="0">
-              <a:solidFill>
-                <a:schemeClr val="tx1"/>
-              </a:solidFill>
-              <a:effectLst/>
-              <a:latin typeface="+mn-lt"/>
-              <a:ea typeface="+mn-ea"/>
-              <a:cs typeface="+mn-cs"/>
-            </a:endParaRPr>
-          </a:p>
-          <a:p>
-            <a:pPr marL="0" marR="0" lvl="0" indent="0" algn="l" defTabSz="914400" rtl="0" eaLnBrk="1" fontAlgn="auto" latinLnBrk="0" hangingPunct="1">
-              <a:lnSpc>
-                <a:spcPct val="100000"/>
-              </a:lnSpc>
-              <a:spcBef>
-                <a:spcPts val="0"/>
-              </a:spcBef>
-              <a:spcAft>
-                <a:spcPts val="0"/>
-              </a:spcAft>
-              <a:buClrTx/>
-              <a:buSzTx/>
-              <a:buFontTx/>
-              <a:buNone/>
-              <a:tabLst/>
-              <a:defRPr/>
-            </a:pPr>
-            <a:r>
-              <a:rPr lang="en-CA" sz="1200" b="0" u="sng" kern="1200" dirty="0">
-                <a:solidFill>
-                  <a:schemeClr val="tx1"/>
-                </a:solidFill>
-                <a:effectLst/>
-                <a:latin typeface="+mn-lt"/>
-                <a:ea typeface="+mn-ea"/>
-                <a:cs typeface="+mn-cs"/>
-              </a:rPr>
-              <a:t>Phase 4: Full-Scale Implementation and Launch (months 12–18)</a:t>
-            </a:r>
-          </a:p>
-          <a:p>
-            <a:r>
-              <a:rPr lang="en-CA" sz="1200" kern="1200" dirty="0">
-                <a:solidFill>
-                  <a:schemeClr val="tx1"/>
-                </a:solidFill>
-                <a:effectLst/>
-                <a:latin typeface="+mn-lt"/>
-                <a:ea typeface="+mn-ea"/>
-                <a:cs typeface="+mn-cs"/>
-              </a:rPr>
-              <a:t>-fully operational and accessible to all NSO and PSO partners as well as the public via Performance Nation</a:t>
-            </a:r>
-          </a:p>
-          <a:p>
-            <a:pPr marL="0" marR="0" lvl="0" indent="0" algn="l" defTabSz="914400" rtl="0" eaLnBrk="1" fontAlgn="auto" latinLnBrk="0" hangingPunct="1">
-              <a:lnSpc>
-                <a:spcPct val="100000"/>
-              </a:lnSpc>
-              <a:spcBef>
-                <a:spcPts val="0"/>
-              </a:spcBef>
-              <a:spcAft>
-                <a:spcPts val="0"/>
-              </a:spcAft>
-              <a:buClrTx/>
-              <a:buSzTx/>
-              <a:buFontTx/>
-              <a:buNone/>
-              <a:tabLst/>
-              <a:defRPr/>
-            </a:pPr>
-            <a:r>
-              <a:rPr lang="en-CA" sz="1200" kern="1200" dirty="0">
-                <a:solidFill>
-                  <a:schemeClr val="tx1"/>
-                </a:solidFill>
-                <a:effectLst/>
-                <a:latin typeface="+mn-lt"/>
-                <a:ea typeface="+mn-ea"/>
-                <a:cs typeface="+mn-cs"/>
-              </a:rPr>
-              <a:t>-comprehensive marketing and communication strategy</a:t>
-            </a:r>
-          </a:p>
-          <a:p>
-            <a:endParaRPr lang="en-CA" sz="1200" kern="1200" dirty="0">
-              <a:solidFill>
-                <a:schemeClr val="tx1"/>
-              </a:solidFill>
-              <a:effectLst/>
-              <a:latin typeface="+mn-lt"/>
-              <a:ea typeface="+mn-ea"/>
-              <a:cs typeface="+mn-cs"/>
-            </a:endParaRPr>
-          </a:p>
-          <a:p>
-            <a:pPr marL="0" marR="0" lvl="0" indent="0" algn="l" defTabSz="914400" rtl="0" eaLnBrk="1" fontAlgn="auto" latinLnBrk="0" hangingPunct="1">
-              <a:lnSpc>
-                <a:spcPct val="100000"/>
-              </a:lnSpc>
-              <a:spcBef>
-                <a:spcPts val="0"/>
-              </a:spcBef>
-              <a:spcAft>
-                <a:spcPts val="0"/>
-              </a:spcAft>
-              <a:buClrTx/>
-              <a:buSzTx/>
-              <a:buFontTx/>
-              <a:buNone/>
-              <a:tabLst/>
-              <a:defRPr/>
-            </a:pPr>
-            <a:r>
-              <a:rPr lang="en-CA" sz="1200" b="0" u="sng" kern="1200" dirty="0">
-                <a:solidFill>
-                  <a:schemeClr val="tx1"/>
-                </a:solidFill>
-                <a:effectLst/>
-                <a:latin typeface="+mn-lt"/>
-                <a:ea typeface="+mn-ea"/>
-                <a:cs typeface="+mn-cs"/>
-              </a:rPr>
-              <a:t>Phase 5: Evaluation and Continuous Improvement (ongoing)</a:t>
-            </a:r>
-          </a:p>
-          <a:p>
-            <a:r>
-              <a:rPr lang="en-CA" sz="1200" kern="1200" dirty="0">
-                <a:solidFill>
-                  <a:schemeClr val="tx1"/>
-                </a:solidFill>
-                <a:effectLst/>
-                <a:latin typeface="+mn-lt"/>
-                <a:ea typeface="+mn-ea"/>
-                <a:cs typeface="+mn-cs"/>
-              </a:rPr>
-              <a:t>-monitoring program outcomes against the established KPIs</a:t>
-            </a:r>
-          </a:p>
-          <a:p>
-            <a:r>
-              <a:rPr lang="en-CA" sz="1200" kern="1200" dirty="0">
-                <a:solidFill>
-                  <a:schemeClr val="tx1"/>
-                </a:solidFill>
-                <a:effectLst/>
-                <a:latin typeface="+mn-lt"/>
-                <a:ea typeface="+mn-ea"/>
-                <a:cs typeface="+mn-cs"/>
-              </a:rPr>
-              <a:t>-regular audits and impact assessments to evaluate effectiveness, refine protocols, and integrate emerging</a:t>
-            </a:r>
-          </a:p>
-          <a:p>
-            <a:r>
-              <a:rPr lang="en-CA" sz="1200" kern="1200" dirty="0">
-                <a:solidFill>
-                  <a:schemeClr val="tx1"/>
-                </a:solidFill>
-                <a:effectLst/>
-                <a:latin typeface="+mn-lt"/>
-                <a:ea typeface="+mn-ea"/>
-                <a:cs typeface="+mn-cs"/>
-              </a:rPr>
-              <a:t>technologies</a:t>
-            </a:r>
-          </a:p>
-          <a:p>
-            <a:pPr marL="0" marR="0" lvl="0" indent="0" algn="l" defTabSz="914400" rtl="0" eaLnBrk="1" fontAlgn="auto" latinLnBrk="0" hangingPunct="1">
-              <a:lnSpc>
-                <a:spcPct val="100000"/>
-              </a:lnSpc>
-              <a:spcBef>
-                <a:spcPts val="0"/>
-              </a:spcBef>
-              <a:spcAft>
-                <a:spcPts val="0"/>
-              </a:spcAft>
-              <a:buClrTx/>
-              <a:buSzTx/>
-              <a:buFontTx/>
-              <a:buNone/>
-              <a:tabLst/>
-              <a:defRPr/>
-            </a:pPr>
-            <a:endParaRPr lang="en-CA" sz="1200" kern="1200" dirty="0">
-              <a:solidFill>
-                <a:schemeClr val="tx1"/>
-              </a:solidFill>
-              <a:effectLst/>
-              <a:latin typeface="+mn-lt"/>
-              <a:ea typeface="+mn-ea"/>
-              <a:cs typeface="+mn-cs"/>
-            </a:endParaRPr>
-          </a:p>
-          <a:p>
-            <a:pPr marL="0" marR="0" lvl="0" indent="0" algn="l" defTabSz="914400" rtl="0" eaLnBrk="1" fontAlgn="auto" latinLnBrk="0" hangingPunct="1">
-              <a:lnSpc>
-                <a:spcPct val="100000"/>
-              </a:lnSpc>
-              <a:spcBef>
-                <a:spcPts val="0"/>
-              </a:spcBef>
-              <a:spcAft>
-                <a:spcPts val="0"/>
-              </a:spcAft>
-              <a:buClrTx/>
-              <a:buSzTx/>
-              <a:buFontTx/>
-              <a:buNone/>
-              <a:tabLst/>
-              <a:defRPr/>
-            </a:pPr>
-            <a:endParaRPr lang="en-CA" sz="1200" kern="1200" dirty="0">
-              <a:solidFill>
-                <a:schemeClr val="tx1"/>
-              </a:solidFill>
-              <a:effectLst/>
-              <a:latin typeface="+mn-lt"/>
-              <a:ea typeface="+mn-ea"/>
-              <a:cs typeface="+mn-cs"/>
-            </a:endParaRPr>
-          </a:p>
-          <a:p>
-            <a:pPr marL="0" marR="0" lvl="0" indent="0" algn="l" defTabSz="914400" rtl="0" eaLnBrk="1" fontAlgn="auto" latinLnBrk="0" hangingPunct="1">
-              <a:lnSpc>
-                <a:spcPct val="100000"/>
-              </a:lnSpc>
-              <a:spcBef>
-                <a:spcPts val="0"/>
-              </a:spcBef>
-              <a:spcAft>
-                <a:spcPts val="0"/>
-              </a:spcAft>
-              <a:buClrTx/>
-              <a:buSzTx/>
-              <a:buFontTx/>
-              <a:buNone/>
-              <a:tabLst/>
-              <a:defRPr/>
-            </a:pPr>
-            <a:endParaRPr lang="en-CA" sz="1200" kern="1200" dirty="0">
-              <a:solidFill>
-                <a:schemeClr val="tx1"/>
-              </a:solidFill>
-              <a:effectLst/>
-              <a:latin typeface="+mn-lt"/>
-              <a:ea typeface="+mn-ea"/>
-              <a:cs typeface="+mn-cs"/>
-            </a:endParaRPr>
-          </a:p>
-          <a:p>
-            <a:pPr marL="0" marR="0" lvl="0" indent="0" algn="l" defTabSz="914400" rtl="0" eaLnBrk="1" fontAlgn="auto" latinLnBrk="0" hangingPunct="1">
-              <a:lnSpc>
-                <a:spcPct val="100000"/>
-              </a:lnSpc>
-              <a:spcBef>
-                <a:spcPts val="0"/>
-              </a:spcBef>
-              <a:spcAft>
-                <a:spcPts val="0"/>
-              </a:spcAft>
-              <a:buClrTx/>
-              <a:buSzTx/>
-              <a:buFontTx/>
-              <a:buNone/>
-              <a:tabLst/>
-              <a:defRPr/>
-            </a:pPr>
-            <a:endParaRPr lang="en-CA" sz="1200" kern="1200" dirty="0">
-              <a:solidFill>
-                <a:schemeClr val="tx1"/>
-              </a:solidFill>
-              <a:effectLst/>
-              <a:latin typeface="+mn-lt"/>
-              <a:ea typeface="+mn-ea"/>
-              <a:cs typeface="+mn-cs"/>
-            </a:endParaRPr>
-          </a:p>
-          <a:p>
-            <a:pPr marL="0" marR="0" lvl="0" indent="0" algn="l" defTabSz="914400" rtl="0" eaLnBrk="1" fontAlgn="auto" latinLnBrk="0" hangingPunct="1">
-              <a:lnSpc>
-                <a:spcPct val="100000"/>
-              </a:lnSpc>
-              <a:spcBef>
-                <a:spcPts val="0"/>
-              </a:spcBef>
-              <a:spcAft>
-                <a:spcPts val="0"/>
-              </a:spcAft>
-              <a:buClrTx/>
-              <a:buSzTx/>
-              <a:buFontTx/>
-              <a:buNone/>
-              <a:tabLst/>
-              <a:defRPr/>
-            </a:pPr>
-            <a:endParaRPr lang="en-CA" sz="1200" kern="1200" dirty="0">
-              <a:solidFill>
-                <a:schemeClr val="tx1"/>
-              </a:solidFill>
-              <a:effectLst/>
-              <a:latin typeface="+mn-lt"/>
-              <a:ea typeface="+mn-ea"/>
-              <a:cs typeface="+mn-cs"/>
-            </a:endParaRPr>
-          </a:p>
-          <a:p>
-            <a:pPr marL="0" marR="0" lvl="0" indent="0" algn="l" defTabSz="914400" rtl="0" eaLnBrk="1" fontAlgn="auto" latinLnBrk="0" hangingPunct="1">
-              <a:lnSpc>
-                <a:spcPct val="100000"/>
-              </a:lnSpc>
-              <a:spcBef>
-                <a:spcPts val="0"/>
-              </a:spcBef>
-              <a:spcAft>
-                <a:spcPts val="0"/>
-              </a:spcAft>
-              <a:buClrTx/>
-              <a:buSzTx/>
-              <a:buFontTx/>
-              <a:buNone/>
-              <a:tabLst/>
-              <a:defRPr/>
-            </a:pPr>
-            <a:endParaRPr lang="en-CA" sz="1200" kern="1200" dirty="0">
-              <a:solidFill>
-                <a:schemeClr val="tx1"/>
-              </a:solidFill>
-              <a:effectLst/>
-              <a:latin typeface="+mn-lt"/>
-              <a:ea typeface="+mn-ea"/>
-              <a:cs typeface="+mn-cs"/>
-            </a:endParaRPr>
-          </a:p>
-          <a:p>
-            <a:endParaRPr lang="en-CA" sz="1200" i="1" kern="1200" dirty="0">
-              <a:solidFill>
-                <a:schemeClr val="tx1"/>
-              </a:solidFill>
-              <a:effectLst/>
-              <a:latin typeface="+mn-lt"/>
-              <a:ea typeface="+mn-ea"/>
-              <a:cs typeface="+mn-cs"/>
-            </a:endParaRPr>
-          </a:p>
-          <a:p>
-            <a:endParaRPr lang="en-CA" sz="1200" i="1" kern="1200" dirty="0">
-              <a:solidFill>
-                <a:schemeClr val="tx1"/>
-              </a:solidFill>
-              <a:effectLst/>
-              <a:latin typeface="+mn-lt"/>
-              <a:ea typeface="+mn-ea"/>
-              <a:cs typeface="+mn-cs"/>
-            </a:endParaRPr>
-          </a:p>
-          <a:p>
-            <a:endParaRPr lang="en-US" dirty="0"/>
           </a:p>
         </p:txBody>
       </p:sp>
@@ -18014,7 +22440,7 @@
     </p:spTree>
     <p:extLst>
       <p:ext uri="{BB962C8B-B14F-4D97-AF65-F5344CB8AC3E}">
-        <p14:creationId xmlns:p14="http://schemas.microsoft.com/office/powerpoint/2010/main" val="3294888723"/>
+        <p14:creationId xmlns:p14="http://schemas.microsoft.com/office/powerpoint/2010/main" val="1163778239"/>
       </p:ext>
     </p:extLst>
   </p:cSld>
@@ -18068,16 +22494,764 @@
           <a:bodyPr/>
           <a:lstStyle/>
           <a:p>
+            <a:endParaRPr lang="en-US" dirty="0"/>
+          </a:p>
+          <a:p>
+            <a:r>
+              <a:rPr lang="en-US" b="1" dirty="0"/>
+              <a:t>AK</a:t>
+            </a:r>
+          </a:p>
+          <a:p>
             <a:r>
               <a:rPr lang="en-US" dirty="0"/>
-              <a:t>We are starting from zero investment into this,</a:t>
+              <a:t>-my proposal is far more internal.. I don’t think it’s productive to include all the stakeholders at this stage</a:t>
             </a:r>
           </a:p>
           <a:p>
             <a:r>
               <a:rPr lang="en-US" dirty="0"/>
-              <a:t>Now committing 0.4FTE of a PS2</a:t>
+              <a:t>-build a prototype</a:t>
             </a:r>
+          </a:p>
+          <a:p>
+            <a:r>
+              <a:rPr lang="en-US" dirty="0"/>
+              <a:t>-ensure it aligns with CSI policies and procedures and is feasible within those</a:t>
+            </a:r>
+          </a:p>
+          <a:p>
+            <a:endParaRPr lang="en-US" dirty="0"/>
+          </a:p>
+          <a:p>
+            <a:r>
+              <a:rPr lang="en-US" b="1" dirty="0"/>
+              <a:t>CH</a:t>
+            </a:r>
+          </a:p>
+          <a:p>
+            <a:r>
+              <a:rPr lang="en-US" u="sng" dirty="0"/>
+              <a:t>Discovery and Planning (0-3 months)</a:t>
+            </a:r>
+          </a:p>
+          <a:p>
+            <a:r>
+              <a:rPr lang="en-US" dirty="0"/>
+              <a:t>-</a:t>
+            </a:r>
+            <a:r>
+              <a:rPr lang="en-CA" sz="1200" kern="1200" dirty="0">
+                <a:solidFill>
+                  <a:schemeClr val="tx1"/>
+                </a:solidFill>
+                <a:effectLst/>
+                <a:latin typeface="+mn-lt"/>
+                <a:ea typeface="+mn-ea"/>
+                <a:cs typeface="+mn-cs"/>
+              </a:rPr>
+              <a:t>comprehensive stakeholder consultation and needs analysis</a:t>
+            </a:r>
+          </a:p>
+          <a:p>
+            <a:r>
+              <a:rPr lang="en-CA" sz="1200" i="1" kern="1200" dirty="0">
+                <a:solidFill>
+                  <a:schemeClr val="tx1"/>
+                </a:solidFill>
+                <a:effectLst/>
+                <a:latin typeface="+mn-lt"/>
+                <a:ea typeface="+mn-ea"/>
+                <a:cs typeface="+mn-cs"/>
+              </a:rPr>
+              <a:t>	-We discover that athletes sometimes get hurt and there is a lack of effective, structured protocols 	to support the rehab process and include all stakeholders</a:t>
+            </a:r>
+          </a:p>
+          <a:p>
+            <a:pPr marL="0" marR="0" lvl="0" indent="0" algn="l" defTabSz="914400" rtl="0" eaLnBrk="1" fontAlgn="auto" latinLnBrk="0" hangingPunct="1">
+              <a:lnSpc>
+                <a:spcPct val="100000"/>
+              </a:lnSpc>
+              <a:spcBef>
+                <a:spcPts val="0"/>
+              </a:spcBef>
+              <a:spcAft>
+                <a:spcPts val="0"/>
+              </a:spcAft>
+              <a:buClrTx/>
+              <a:buSzTx/>
+              <a:buFontTx/>
+              <a:buNone/>
+              <a:tabLst/>
+              <a:defRPr/>
+            </a:pPr>
+            <a:r>
+              <a:rPr lang="en-CA" sz="1200" b="0" u="sng" kern="1200" dirty="0">
+                <a:solidFill>
+                  <a:schemeClr val="tx1"/>
+                </a:solidFill>
+                <a:effectLst/>
+                <a:latin typeface="+mn-lt"/>
+                <a:ea typeface="+mn-ea"/>
+                <a:cs typeface="+mn-cs"/>
+              </a:rPr>
+              <a:t>Phase 2: Design and Development </a:t>
+            </a:r>
+            <a:r>
+              <a:rPr lang="en-CA" sz="1200" u="sng" kern="1200" dirty="0">
+                <a:solidFill>
+                  <a:schemeClr val="tx1"/>
+                </a:solidFill>
+                <a:effectLst/>
+                <a:latin typeface="+mn-lt"/>
+                <a:ea typeface="+mn-ea"/>
+                <a:cs typeface="+mn-cs"/>
+              </a:rPr>
+              <a:t>(months 3–6)</a:t>
+            </a:r>
+            <a:endParaRPr lang="en-CA" sz="1200" i="1" u="sng" kern="1200" dirty="0">
+              <a:solidFill>
+                <a:schemeClr val="tx1"/>
+              </a:solidFill>
+              <a:effectLst/>
+              <a:latin typeface="+mn-lt"/>
+              <a:ea typeface="+mn-ea"/>
+              <a:cs typeface="+mn-cs"/>
+            </a:endParaRPr>
+          </a:p>
+          <a:p>
+            <a:pPr marL="0" marR="0" lvl="0" indent="0" algn="l" defTabSz="914400" rtl="0" eaLnBrk="1" fontAlgn="auto" latinLnBrk="0" hangingPunct="1">
+              <a:lnSpc>
+                <a:spcPct val="100000"/>
+              </a:lnSpc>
+              <a:spcBef>
+                <a:spcPts val="0"/>
+              </a:spcBef>
+              <a:spcAft>
+                <a:spcPts val="0"/>
+              </a:spcAft>
+              <a:buClrTx/>
+              <a:buSzTx/>
+              <a:buFontTx/>
+              <a:buNone/>
+              <a:tabLst/>
+              <a:defRPr/>
+            </a:pPr>
+            <a:r>
+              <a:rPr lang="en-CA" sz="1200" i="1" kern="1200" dirty="0">
+                <a:solidFill>
+                  <a:schemeClr val="tx1"/>
+                </a:solidFill>
+                <a:effectLst/>
+                <a:latin typeface="+mn-lt"/>
+                <a:ea typeface="+mn-ea"/>
+                <a:cs typeface="+mn-cs"/>
+              </a:rPr>
+              <a:t>-</a:t>
+            </a:r>
+            <a:r>
+              <a:rPr lang="en-CA" sz="1200" kern="1200" dirty="0">
+                <a:solidFill>
+                  <a:schemeClr val="tx1"/>
+                </a:solidFill>
+                <a:effectLst/>
+                <a:latin typeface="+mn-lt"/>
+                <a:ea typeface="+mn-ea"/>
+                <a:cs typeface="+mn-cs"/>
+              </a:rPr>
+              <a:t>facility enhancements will be planned</a:t>
+            </a:r>
+          </a:p>
+          <a:p>
+            <a:pPr marL="0" marR="0" lvl="0" indent="0" algn="l" defTabSz="914400" rtl="0" eaLnBrk="1" fontAlgn="auto" latinLnBrk="0" hangingPunct="1">
+              <a:lnSpc>
+                <a:spcPct val="100000"/>
+              </a:lnSpc>
+              <a:spcBef>
+                <a:spcPts val="0"/>
+              </a:spcBef>
+              <a:spcAft>
+                <a:spcPts val="0"/>
+              </a:spcAft>
+              <a:buClrTx/>
+              <a:buSzTx/>
+              <a:buFontTx/>
+              <a:buNone/>
+              <a:tabLst/>
+              <a:defRPr/>
+            </a:pPr>
+            <a:r>
+              <a:rPr lang="en-CA" sz="1200" kern="1200" dirty="0">
+                <a:solidFill>
+                  <a:schemeClr val="tx1"/>
+                </a:solidFill>
+                <a:effectLst/>
+                <a:latin typeface="+mn-lt"/>
+                <a:ea typeface="+mn-ea"/>
+                <a:cs typeface="+mn-cs"/>
+              </a:rPr>
+              <a:t>-Biodex isokinetic dynamometer equipment will be procured</a:t>
+            </a:r>
+          </a:p>
+          <a:p>
+            <a:pPr marL="0" marR="0" lvl="0" indent="0" algn="l" defTabSz="914400" rtl="0" eaLnBrk="1" fontAlgn="auto" latinLnBrk="0" hangingPunct="1">
+              <a:lnSpc>
+                <a:spcPct val="100000"/>
+              </a:lnSpc>
+              <a:spcBef>
+                <a:spcPts val="0"/>
+              </a:spcBef>
+              <a:spcAft>
+                <a:spcPts val="0"/>
+              </a:spcAft>
+              <a:buClrTx/>
+              <a:buSzTx/>
+              <a:buFontTx/>
+              <a:buNone/>
+              <a:tabLst/>
+              <a:defRPr/>
+            </a:pPr>
+            <a:r>
+              <a:rPr lang="en-CA" sz="1200" kern="1200" dirty="0">
+                <a:solidFill>
+                  <a:schemeClr val="tx1"/>
+                </a:solidFill>
+                <a:effectLst/>
+                <a:latin typeface="+mn-lt"/>
+                <a:ea typeface="+mn-ea"/>
+                <a:cs typeface="+mn-cs"/>
+              </a:rPr>
+              <a:t>-Operational guidelines and best practice protocols will be developed</a:t>
+            </a:r>
+          </a:p>
+          <a:p>
+            <a:pPr marL="0" marR="0" lvl="0" indent="0" algn="l" defTabSz="914400" rtl="0" eaLnBrk="1" fontAlgn="auto" latinLnBrk="0" hangingPunct="1">
+              <a:lnSpc>
+                <a:spcPct val="100000"/>
+              </a:lnSpc>
+              <a:spcBef>
+                <a:spcPts val="0"/>
+              </a:spcBef>
+              <a:spcAft>
+                <a:spcPts val="0"/>
+              </a:spcAft>
+              <a:buClrTx/>
+              <a:buSzTx/>
+              <a:buFontTx/>
+              <a:buNone/>
+              <a:tabLst/>
+              <a:defRPr/>
+            </a:pPr>
+            <a:r>
+              <a:rPr lang="en-CA" sz="1200" kern="1200" dirty="0">
+                <a:solidFill>
+                  <a:schemeClr val="tx1"/>
+                </a:solidFill>
+                <a:effectLst/>
+                <a:latin typeface="+mn-lt"/>
+                <a:ea typeface="+mn-ea"/>
+                <a:cs typeface="+mn-cs"/>
+              </a:rPr>
+              <a:t>-staff training</a:t>
+            </a:r>
+          </a:p>
+          <a:p>
+            <a:r>
+              <a:rPr lang="en-CA" sz="1200" kern="1200" dirty="0">
+                <a:solidFill>
+                  <a:schemeClr val="tx1"/>
+                </a:solidFill>
+                <a:effectLst/>
+                <a:latin typeface="+mn-lt"/>
+                <a:ea typeface="+mn-ea"/>
+                <a:cs typeface="+mn-cs"/>
+              </a:rPr>
+              <a:t>-Establishing research partnerships with academic and clinical institutions</a:t>
+            </a:r>
+          </a:p>
+          <a:p>
+            <a:r>
+              <a:rPr lang="en-CA" sz="1200" kern="1200" dirty="0">
+                <a:solidFill>
+                  <a:schemeClr val="tx1"/>
+                </a:solidFill>
+                <a:effectLst/>
+                <a:latin typeface="+mn-lt"/>
+                <a:ea typeface="+mn-ea"/>
+                <a:cs typeface="+mn-cs"/>
+              </a:rPr>
+              <a:t>	</a:t>
+            </a:r>
+            <a:r>
+              <a:rPr lang="en-CA" sz="1200" i="1" kern="1200" dirty="0">
+                <a:solidFill>
+                  <a:schemeClr val="tx1"/>
+                </a:solidFill>
+                <a:effectLst/>
+                <a:latin typeface="+mn-lt"/>
+                <a:ea typeface="+mn-ea"/>
+                <a:cs typeface="+mn-cs"/>
+              </a:rPr>
+              <a:t>-Build the protocol document</a:t>
+            </a:r>
+          </a:p>
+          <a:p>
+            <a:r>
+              <a:rPr lang="en-CA" sz="1200" i="1" kern="1200" dirty="0">
+                <a:solidFill>
+                  <a:schemeClr val="tx1"/>
+                </a:solidFill>
+                <a:effectLst/>
+                <a:latin typeface="+mn-lt"/>
+                <a:ea typeface="+mn-ea"/>
+                <a:cs typeface="+mn-cs"/>
+              </a:rPr>
+              <a:t>	-Set up </a:t>
+            </a:r>
+            <a:r>
+              <a:rPr lang="en-CA" sz="1200" i="1" kern="1200" dirty="0" err="1">
+                <a:solidFill>
+                  <a:schemeClr val="tx1"/>
+                </a:solidFill>
+                <a:effectLst/>
+                <a:latin typeface="+mn-lt"/>
+                <a:ea typeface="+mn-ea"/>
+                <a:cs typeface="+mn-cs"/>
+              </a:rPr>
+              <a:t>Tindeq</a:t>
+            </a:r>
+            <a:endParaRPr lang="en-CA" sz="1200" i="1" kern="1200" dirty="0">
+              <a:solidFill>
+                <a:schemeClr val="tx1"/>
+              </a:solidFill>
+              <a:effectLst/>
+              <a:latin typeface="+mn-lt"/>
+              <a:ea typeface="+mn-ea"/>
+              <a:cs typeface="+mn-cs"/>
+            </a:endParaRPr>
+          </a:p>
+          <a:p>
+            <a:pPr marL="0" marR="0" lvl="0" indent="0" algn="l" defTabSz="914400" rtl="0" eaLnBrk="1" fontAlgn="auto" latinLnBrk="0" hangingPunct="1">
+              <a:lnSpc>
+                <a:spcPct val="100000"/>
+              </a:lnSpc>
+              <a:spcBef>
+                <a:spcPts val="0"/>
+              </a:spcBef>
+              <a:spcAft>
+                <a:spcPts val="0"/>
+              </a:spcAft>
+              <a:buClrTx/>
+              <a:buSzTx/>
+              <a:buFontTx/>
+              <a:buNone/>
+              <a:tabLst/>
+              <a:defRPr/>
+            </a:pPr>
+            <a:r>
+              <a:rPr lang="en-CA" sz="1200" b="0" u="sng" kern="1200" dirty="0">
+                <a:solidFill>
+                  <a:schemeClr val="tx1"/>
+                </a:solidFill>
+                <a:effectLst/>
+                <a:latin typeface="+mn-lt"/>
+                <a:ea typeface="+mn-ea"/>
+                <a:cs typeface="+mn-cs"/>
+              </a:rPr>
+              <a:t>Phase 3: Pilot Implementation and Testing (months 6–12)</a:t>
+            </a:r>
+          </a:p>
+          <a:p>
+            <a:r>
+              <a:rPr lang="en-CA" sz="1200" kern="1200" dirty="0">
+                <a:solidFill>
+                  <a:schemeClr val="tx1"/>
+                </a:solidFill>
+                <a:effectLst/>
+                <a:latin typeface="+mn-lt"/>
+                <a:ea typeface="+mn-ea"/>
+                <a:cs typeface="+mn-cs"/>
+              </a:rPr>
+              <a:t>-initial rollout of RTP services through a pilot program in collaboration with select winter sport NSOs</a:t>
+            </a:r>
+          </a:p>
+          <a:p>
+            <a:r>
+              <a:rPr lang="en-CA" sz="1200" kern="1200" dirty="0">
+                <a:solidFill>
+                  <a:schemeClr val="tx1"/>
+                </a:solidFill>
+                <a:effectLst/>
+                <a:latin typeface="+mn-lt"/>
+                <a:ea typeface="+mn-ea"/>
+                <a:cs typeface="+mn-cs"/>
+              </a:rPr>
+              <a:t>-development of RTP service packages accessible to the broader public via Performance Nation</a:t>
+            </a:r>
+          </a:p>
+          <a:p>
+            <a:endParaRPr lang="en-CA" sz="1200" kern="1200" dirty="0">
+              <a:solidFill>
+                <a:schemeClr val="tx1"/>
+              </a:solidFill>
+              <a:effectLst/>
+              <a:latin typeface="+mn-lt"/>
+              <a:ea typeface="+mn-ea"/>
+              <a:cs typeface="+mn-cs"/>
+            </a:endParaRPr>
+          </a:p>
+          <a:p>
+            <a:pPr marL="0" marR="0" lvl="0" indent="0" algn="l" defTabSz="914400" rtl="0" eaLnBrk="1" fontAlgn="auto" latinLnBrk="0" hangingPunct="1">
+              <a:lnSpc>
+                <a:spcPct val="100000"/>
+              </a:lnSpc>
+              <a:spcBef>
+                <a:spcPts val="0"/>
+              </a:spcBef>
+              <a:spcAft>
+                <a:spcPts val="0"/>
+              </a:spcAft>
+              <a:buClrTx/>
+              <a:buSzTx/>
+              <a:buFontTx/>
+              <a:buNone/>
+              <a:tabLst/>
+              <a:defRPr/>
+            </a:pPr>
+            <a:r>
+              <a:rPr lang="en-CA" sz="1200" b="0" u="sng" kern="1200" dirty="0">
+                <a:solidFill>
+                  <a:schemeClr val="tx1"/>
+                </a:solidFill>
+                <a:effectLst/>
+                <a:latin typeface="+mn-lt"/>
+                <a:ea typeface="+mn-ea"/>
+                <a:cs typeface="+mn-cs"/>
+              </a:rPr>
+              <a:t>Phase 4: Full-Scale Implementation and Launch (months 12–18)</a:t>
+            </a:r>
+          </a:p>
+          <a:p>
+            <a:r>
+              <a:rPr lang="en-CA" sz="1200" kern="1200" dirty="0">
+                <a:solidFill>
+                  <a:schemeClr val="tx1"/>
+                </a:solidFill>
+                <a:effectLst/>
+                <a:latin typeface="+mn-lt"/>
+                <a:ea typeface="+mn-ea"/>
+                <a:cs typeface="+mn-cs"/>
+              </a:rPr>
+              <a:t>-fully operational and accessible to all NSO and PSO partners as well as the public via Performance Nation</a:t>
+            </a:r>
+          </a:p>
+          <a:p>
+            <a:pPr marL="0" marR="0" lvl="0" indent="0" algn="l" defTabSz="914400" rtl="0" eaLnBrk="1" fontAlgn="auto" latinLnBrk="0" hangingPunct="1">
+              <a:lnSpc>
+                <a:spcPct val="100000"/>
+              </a:lnSpc>
+              <a:spcBef>
+                <a:spcPts val="0"/>
+              </a:spcBef>
+              <a:spcAft>
+                <a:spcPts val="0"/>
+              </a:spcAft>
+              <a:buClrTx/>
+              <a:buSzTx/>
+              <a:buFontTx/>
+              <a:buNone/>
+              <a:tabLst/>
+              <a:defRPr/>
+            </a:pPr>
+            <a:r>
+              <a:rPr lang="en-CA" sz="1200" kern="1200" dirty="0">
+                <a:solidFill>
+                  <a:schemeClr val="tx1"/>
+                </a:solidFill>
+                <a:effectLst/>
+                <a:latin typeface="+mn-lt"/>
+                <a:ea typeface="+mn-ea"/>
+                <a:cs typeface="+mn-cs"/>
+              </a:rPr>
+              <a:t>-comprehensive marketing and communication strategy</a:t>
+            </a:r>
+          </a:p>
+          <a:p>
+            <a:endParaRPr lang="en-CA" sz="1200" kern="1200" dirty="0">
+              <a:solidFill>
+                <a:schemeClr val="tx1"/>
+              </a:solidFill>
+              <a:effectLst/>
+              <a:latin typeface="+mn-lt"/>
+              <a:ea typeface="+mn-ea"/>
+              <a:cs typeface="+mn-cs"/>
+            </a:endParaRPr>
+          </a:p>
+          <a:p>
+            <a:pPr marL="0" marR="0" lvl="0" indent="0" algn="l" defTabSz="914400" rtl="0" eaLnBrk="1" fontAlgn="auto" latinLnBrk="0" hangingPunct="1">
+              <a:lnSpc>
+                <a:spcPct val="100000"/>
+              </a:lnSpc>
+              <a:spcBef>
+                <a:spcPts val="0"/>
+              </a:spcBef>
+              <a:spcAft>
+                <a:spcPts val="0"/>
+              </a:spcAft>
+              <a:buClrTx/>
+              <a:buSzTx/>
+              <a:buFontTx/>
+              <a:buNone/>
+              <a:tabLst/>
+              <a:defRPr/>
+            </a:pPr>
+            <a:r>
+              <a:rPr lang="en-CA" sz="1200" b="0" u="sng" kern="1200" dirty="0">
+                <a:solidFill>
+                  <a:schemeClr val="tx1"/>
+                </a:solidFill>
+                <a:effectLst/>
+                <a:latin typeface="+mn-lt"/>
+                <a:ea typeface="+mn-ea"/>
+                <a:cs typeface="+mn-cs"/>
+              </a:rPr>
+              <a:t>Phase 5: Evaluation and Continuous Improvement (ongoing)</a:t>
+            </a:r>
+          </a:p>
+          <a:p>
+            <a:r>
+              <a:rPr lang="en-CA" sz="1200" kern="1200" dirty="0">
+                <a:solidFill>
+                  <a:schemeClr val="tx1"/>
+                </a:solidFill>
+                <a:effectLst/>
+                <a:latin typeface="+mn-lt"/>
+                <a:ea typeface="+mn-ea"/>
+                <a:cs typeface="+mn-cs"/>
+              </a:rPr>
+              <a:t>-monitoring program outcomes against the established KPIs</a:t>
+            </a:r>
+          </a:p>
+          <a:p>
+            <a:r>
+              <a:rPr lang="en-CA" sz="1200" kern="1200" dirty="0">
+                <a:solidFill>
+                  <a:schemeClr val="tx1"/>
+                </a:solidFill>
+                <a:effectLst/>
+                <a:latin typeface="+mn-lt"/>
+                <a:ea typeface="+mn-ea"/>
+                <a:cs typeface="+mn-cs"/>
+              </a:rPr>
+              <a:t>-regular audits and impact assessments to evaluate effectiveness, refine protocols, and integrate emerging</a:t>
+            </a:r>
+          </a:p>
+          <a:p>
+            <a:r>
+              <a:rPr lang="en-CA" sz="1200" kern="1200" dirty="0">
+                <a:solidFill>
+                  <a:schemeClr val="tx1"/>
+                </a:solidFill>
+                <a:effectLst/>
+                <a:latin typeface="+mn-lt"/>
+                <a:ea typeface="+mn-ea"/>
+                <a:cs typeface="+mn-cs"/>
+              </a:rPr>
+              <a:t>technologies</a:t>
+            </a:r>
+          </a:p>
+          <a:p>
+            <a:pPr marL="0" marR="0" lvl="0" indent="0" algn="l" defTabSz="914400" rtl="0" eaLnBrk="1" fontAlgn="auto" latinLnBrk="0" hangingPunct="1">
+              <a:lnSpc>
+                <a:spcPct val="100000"/>
+              </a:lnSpc>
+              <a:spcBef>
+                <a:spcPts val="0"/>
+              </a:spcBef>
+              <a:spcAft>
+                <a:spcPts val="0"/>
+              </a:spcAft>
+              <a:buClrTx/>
+              <a:buSzTx/>
+              <a:buFontTx/>
+              <a:buNone/>
+              <a:tabLst/>
+              <a:defRPr/>
+            </a:pPr>
+            <a:endParaRPr lang="en-CA" sz="1200" kern="1200" dirty="0">
+              <a:solidFill>
+                <a:schemeClr val="tx1"/>
+              </a:solidFill>
+              <a:effectLst/>
+              <a:latin typeface="+mn-lt"/>
+              <a:ea typeface="+mn-ea"/>
+              <a:cs typeface="+mn-cs"/>
+            </a:endParaRPr>
+          </a:p>
+          <a:p>
+            <a:pPr marL="0" marR="0" lvl="0" indent="0" algn="l" defTabSz="914400" rtl="0" eaLnBrk="1" fontAlgn="auto" latinLnBrk="0" hangingPunct="1">
+              <a:lnSpc>
+                <a:spcPct val="100000"/>
+              </a:lnSpc>
+              <a:spcBef>
+                <a:spcPts val="0"/>
+              </a:spcBef>
+              <a:spcAft>
+                <a:spcPts val="0"/>
+              </a:spcAft>
+              <a:buClrTx/>
+              <a:buSzTx/>
+              <a:buFontTx/>
+              <a:buNone/>
+              <a:tabLst/>
+              <a:defRPr/>
+            </a:pPr>
+            <a:endParaRPr lang="en-CA" sz="1200" kern="1200" dirty="0">
+              <a:solidFill>
+                <a:schemeClr val="tx1"/>
+              </a:solidFill>
+              <a:effectLst/>
+              <a:latin typeface="+mn-lt"/>
+              <a:ea typeface="+mn-ea"/>
+              <a:cs typeface="+mn-cs"/>
+            </a:endParaRPr>
+          </a:p>
+          <a:p>
+            <a:pPr marL="0" marR="0" lvl="0" indent="0" algn="l" defTabSz="914400" rtl="0" eaLnBrk="1" fontAlgn="auto" latinLnBrk="0" hangingPunct="1">
+              <a:lnSpc>
+                <a:spcPct val="100000"/>
+              </a:lnSpc>
+              <a:spcBef>
+                <a:spcPts val="0"/>
+              </a:spcBef>
+              <a:spcAft>
+                <a:spcPts val="0"/>
+              </a:spcAft>
+              <a:buClrTx/>
+              <a:buSzTx/>
+              <a:buFontTx/>
+              <a:buNone/>
+              <a:tabLst/>
+              <a:defRPr/>
+            </a:pPr>
+            <a:endParaRPr lang="en-CA" sz="1200" kern="1200" dirty="0">
+              <a:solidFill>
+                <a:schemeClr val="tx1"/>
+              </a:solidFill>
+              <a:effectLst/>
+              <a:latin typeface="+mn-lt"/>
+              <a:ea typeface="+mn-ea"/>
+              <a:cs typeface="+mn-cs"/>
+            </a:endParaRPr>
+          </a:p>
+          <a:p>
+            <a:pPr marL="0" marR="0" lvl="0" indent="0" algn="l" defTabSz="914400" rtl="0" eaLnBrk="1" fontAlgn="auto" latinLnBrk="0" hangingPunct="1">
+              <a:lnSpc>
+                <a:spcPct val="100000"/>
+              </a:lnSpc>
+              <a:spcBef>
+                <a:spcPts val="0"/>
+              </a:spcBef>
+              <a:spcAft>
+                <a:spcPts val="0"/>
+              </a:spcAft>
+              <a:buClrTx/>
+              <a:buSzTx/>
+              <a:buFontTx/>
+              <a:buNone/>
+              <a:tabLst/>
+              <a:defRPr/>
+            </a:pPr>
+            <a:endParaRPr lang="en-CA" sz="1200" kern="1200" dirty="0">
+              <a:solidFill>
+                <a:schemeClr val="tx1"/>
+              </a:solidFill>
+              <a:effectLst/>
+              <a:latin typeface="+mn-lt"/>
+              <a:ea typeface="+mn-ea"/>
+              <a:cs typeface="+mn-cs"/>
+            </a:endParaRPr>
+          </a:p>
+          <a:p>
+            <a:pPr marL="0" marR="0" lvl="0" indent="0" algn="l" defTabSz="914400" rtl="0" eaLnBrk="1" fontAlgn="auto" latinLnBrk="0" hangingPunct="1">
+              <a:lnSpc>
+                <a:spcPct val="100000"/>
+              </a:lnSpc>
+              <a:spcBef>
+                <a:spcPts val="0"/>
+              </a:spcBef>
+              <a:spcAft>
+                <a:spcPts val="0"/>
+              </a:spcAft>
+              <a:buClrTx/>
+              <a:buSzTx/>
+              <a:buFontTx/>
+              <a:buNone/>
+              <a:tabLst/>
+              <a:defRPr/>
+            </a:pPr>
+            <a:endParaRPr lang="en-CA" sz="1200" kern="1200" dirty="0">
+              <a:solidFill>
+                <a:schemeClr val="tx1"/>
+              </a:solidFill>
+              <a:effectLst/>
+              <a:latin typeface="+mn-lt"/>
+              <a:ea typeface="+mn-ea"/>
+              <a:cs typeface="+mn-cs"/>
+            </a:endParaRPr>
+          </a:p>
+          <a:p>
+            <a:pPr marL="0" marR="0" lvl="0" indent="0" algn="l" defTabSz="914400" rtl="0" eaLnBrk="1" fontAlgn="auto" latinLnBrk="0" hangingPunct="1">
+              <a:lnSpc>
+                <a:spcPct val="100000"/>
+              </a:lnSpc>
+              <a:spcBef>
+                <a:spcPts val="0"/>
+              </a:spcBef>
+              <a:spcAft>
+                <a:spcPts val="0"/>
+              </a:spcAft>
+              <a:buClrTx/>
+              <a:buSzTx/>
+              <a:buFontTx/>
+              <a:buNone/>
+              <a:tabLst/>
+              <a:defRPr/>
+            </a:pPr>
+            <a:endParaRPr lang="en-CA" sz="1200" kern="1200" dirty="0">
+              <a:solidFill>
+                <a:schemeClr val="tx1"/>
+              </a:solidFill>
+              <a:effectLst/>
+              <a:latin typeface="+mn-lt"/>
+              <a:ea typeface="+mn-ea"/>
+              <a:cs typeface="+mn-cs"/>
+            </a:endParaRPr>
+          </a:p>
+          <a:p>
+            <a:endParaRPr lang="en-CA" sz="1200" i="1" kern="1200" dirty="0">
+              <a:solidFill>
+                <a:schemeClr val="tx1"/>
+              </a:solidFill>
+              <a:effectLst/>
+              <a:latin typeface="+mn-lt"/>
+              <a:ea typeface="+mn-ea"/>
+              <a:cs typeface="+mn-cs"/>
+            </a:endParaRPr>
+          </a:p>
+          <a:p>
+            <a:endParaRPr lang="en-CA" sz="1200" i="1" kern="1200" dirty="0">
+              <a:solidFill>
+                <a:schemeClr val="tx1"/>
+              </a:solidFill>
+              <a:effectLst/>
+              <a:latin typeface="+mn-lt"/>
+              <a:ea typeface="+mn-ea"/>
+              <a:cs typeface="+mn-cs"/>
+            </a:endParaRPr>
+          </a:p>
+          <a:p>
+            <a:endParaRPr lang="en-US" dirty="0"/>
           </a:p>
         </p:txBody>
       </p:sp>
@@ -18098,7 +23272,7 @@
           <a:p>
             <a:fld id="{EAF9EB4E-D50A-4CF1-9B06-457599E410FB}" type="slidenum">
               <a:rPr lang="en-CA" smtClean="0"/>
-              <a:t>10</a:t>
+              <a:t>9</a:t>
             </a:fld>
             <a:endParaRPr lang="en-CA"/>
           </a:p>
@@ -18107,7 +23281,7 @@
     </p:spTree>
     <p:extLst>
       <p:ext uri="{BB962C8B-B14F-4D97-AF65-F5344CB8AC3E}">
-        <p14:creationId xmlns:p14="http://schemas.microsoft.com/office/powerpoint/2010/main" val="3860902"/>
+        <p14:creationId xmlns:p14="http://schemas.microsoft.com/office/powerpoint/2010/main" val="3294888723"/>
       </p:ext>
     </p:extLst>
   </p:cSld>
@@ -19848,6 +25022,145 @@
       </p:grpSpPr>
       <p:sp>
         <p:nvSpPr>
+          <p:cNvPr id="2" name="Title 1">
+            <a:extLst>
+              <a:ext uri="{FF2B5EF4-FFF2-40B4-BE49-F238E27FC236}">
+                <a16:creationId xmlns:a16="http://schemas.microsoft.com/office/drawing/2014/main" id="{AEDF1E11-BB0E-FF82-9D9E-562E4141FDCA}"/>
+              </a:ext>
+            </a:extLst>
+          </p:cNvPr>
+          <p:cNvSpPr>
+            <a:spLocks noGrp="1"/>
+          </p:cNvSpPr>
+          <p:nvPr>
+            <p:ph type="title"/>
+          </p:nvPr>
+        </p:nvSpPr>
+        <p:spPr/>
+        <p:txBody>
+          <a:bodyPr/>
+          <a:lstStyle/>
+          <a:p>
+            <a:r>
+              <a:rPr lang="en-US" dirty="0"/>
+              <a:t>Step 7b. Specific Project Components</a:t>
+            </a:r>
+          </a:p>
+        </p:txBody>
+      </p:sp>
+      <p:sp>
+        <p:nvSpPr>
+          <p:cNvPr id="3" name="Text Placeholder 2">
+            <a:extLst>
+              <a:ext uri="{FF2B5EF4-FFF2-40B4-BE49-F238E27FC236}">
+                <a16:creationId xmlns:a16="http://schemas.microsoft.com/office/drawing/2014/main" id="{4FD779C0-08B7-4DD0-64BF-7B8F1EFAC4FF}"/>
+              </a:ext>
+            </a:extLst>
+          </p:cNvPr>
+          <p:cNvSpPr>
+            <a:spLocks noGrp="1"/>
+          </p:cNvSpPr>
+          <p:nvPr>
+            <p:ph type="body" idx="1"/>
+          </p:nvPr>
+        </p:nvSpPr>
+        <p:spPr/>
+        <p:txBody>
+          <a:bodyPr/>
+          <a:lstStyle/>
+          <a:p>
+            <a:r>
+              <a:rPr lang="en-US" dirty="0"/>
+              <a:t>Research and Writing</a:t>
+            </a:r>
+          </a:p>
+          <a:p>
+            <a:endParaRPr lang="en-US" dirty="0"/>
+          </a:p>
+          <a:p>
+            <a:r>
+              <a:rPr lang="en-US" dirty="0"/>
+              <a:t>Building the App/Website</a:t>
+            </a:r>
+          </a:p>
+          <a:p>
+            <a:endParaRPr lang="en-US" dirty="0"/>
+          </a:p>
+          <a:p>
+            <a:r>
+              <a:rPr lang="en-US" dirty="0"/>
+              <a:t>Integration with AMS</a:t>
+            </a:r>
+          </a:p>
+          <a:p>
+            <a:endParaRPr lang="en-US" dirty="0"/>
+          </a:p>
+          <a:p>
+            <a:r>
+              <a:rPr lang="en-US" dirty="0"/>
+              <a:t>Integrating New Tools</a:t>
+            </a:r>
+          </a:p>
+          <a:p>
+            <a:pPr lvl="1"/>
+            <a:r>
+              <a:rPr lang="en-US" dirty="0"/>
+              <a:t>Dynamometer</a:t>
+            </a:r>
+          </a:p>
+          <a:p>
+            <a:pPr lvl="1"/>
+            <a:r>
+              <a:rPr lang="en-US" dirty="0"/>
+              <a:t>Data Collection tools</a:t>
+            </a:r>
+          </a:p>
+        </p:txBody>
+      </p:sp>
+    </p:spTree>
+    <p:extLst>
+      <p:ext uri="{BB962C8B-B14F-4D97-AF65-F5344CB8AC3E}">
+        <p14:creationId xmlns:p14="http://schemas.microsoft.com/office/powerpoint/2010/main" val="174984669"/>
+      </p:ext>
+    </p:extLst>
+  </p:cSld>
+  <p:clrMapOvr>
+    <a:masterClrMapping/>
+  </p:clrMapOvr>
+  <mc:AlternateContent xmlns:mc="http://schemas.openxmlformats.org/markup-compatibility/2006" xmlns:p14="http://schemas.microsoft.com/office/powerpoint/2010/main">
+    <mc:Choice Requires="p14">
+      <p:transition spd="med" p14:dur="700">
+        <p:fade/>
+      </p:transition>
+    </mc:Choice>
+    <mc:Fallback xmlns="">
+      <p:transition spd="med">
+        <p:fade/>
+      </p:transition>
+    </mc:Fallback>
+  </mc:AlternateContent>
+</p:sld>
+</file>
+
+<file path=ppt/slides/slide11.xml><?xml version="1.0" encoding="utf-8"?>
+<p:sld xmlns:a="http://schemas.openxmlformats.org/drawingml/2006/main" xmlns:r="http://schemas.openxmlformats.org/officeDocument/2006/relationships" xmlns:p="http://schemas.openxmlformats.org/presentationml/2006/main" show="0">
+  <p:cSld>
+    <p:spTree>
+      <p:nvGrpSpPr>
+        <p:cNvPr id="1" name=""/>
+        <p:cNvGrpSpPr/>
+        <p:nvPr/>
+      </p:nvGrpSpPr>
+      <p:grpSpPr>
+        <a:xfrm>
+          <a:off x="0" y="0"/>
+          <a:ext cx="0" cy="0"/>
+          <a:chOff x="0" y="0"/>
+          <a:chExt cx="0" cy="0"/>
+        </a:xfrm>
+      </p:grpSpPr>
+      <p:sp>
+        <p:nvSpPr>
           <p:cNvPr id="63490" name="Rectangle 2"/>
           <p:cNvSpPr>
             <a:spLocks noGrp="1" noChangeArrowheads="1"/>
@@ -20486,6 +25799,350 @@
         <p:cNvPr id="1" name="">
           <a:extLst>
             <a:ext uri="{FF2B5EF4-FFF2-40B4-BE49-F238E27FC236}">
+              <a16:creationId xmlns:a16="http://schemas.microsoft.com/office/drawing/2014/main" id="{A7727E3C-C338-5C34-6236-E1107E3CF635}"/>
+            </a:ext>
+          </a:extLst>
+        </p:cNvPr>
+        <p:cNvGrpSpPr/>
+        <p:nvPr/>
+      </p:nvGrpSpPr>
+      <p:grpSpPr>
+        <a:xfrm>
+          <a:off x="0" y="0"/>
+          <a:ext cx="0" cy="0"/>
+          <a:chOff x="0" y="0"/>
+          <a:chExt cx="0" cy="0"/>
+        </a:xfrm>
+      </p:grpSpPr>
+      <p:sp>
+        <p:nvSpPr>
+          <p:cNvPr id="63490" name="Rectangle 2">
+            <a:extLst>
+              <a:ext uri="{FF2B5EF4-FFF2-40B4-BE49-F238E27FC236}">
+                <a16:creationId xmlns:a16="http://schemas.microsoft.com/office/drawing/2014/main" id="{3891C7CE-024D-1433-05D1-1D2A71F363B7}"/>
+              </a:ext>
+            </a:extLst>
+          </p:cNvPr>
+          <p:cNvSpPr>
+            <a:spLocks noGrp="1" noChangeArrowheads="1"/>
+          </p:cNvSpPr>
+          <p:nvPr>
+            <p:ph type="title"/>
+          </p:nvPr>
+        </p:nvSpPr>
+        <p:spPr>
+          <a:xfrm>
+            <a:off x="286747" y="1104559"/>
+            <a:ext cx="6660232" cy="565151"/>
+          </a:xfrm>
+          <a:noFill/>
+        </p:spPr>
+        <p:txBody>
+          <a:bodyPr>
+            <a:noAutofit/>
+          </a:bodyPr>
+          <a:lstStyle/>
+          <a:p>
+            <a:r>
+              <a:rPr lang="en-CA" sz="3733"/>
+              <a:t>Step 1 </a:t>
+            </a:r>
+            <a:endParaRPr lang="en-CA" sz="3733" dirty="0"/>
+          </a:p>
+        </p:txBody>
+      </p:sp>
+      <p:sp>
+        <p:nvSpPr>
+          <p:cNvPr id="6" name="Rectangle 3">
+            <a:extLst>
+              <a:ext uri="{FF2B5EF4-FFF2-40B4-BE49-F238E27FC236}">
+                <a16:creationId xmlns:a16="http://schemas.microsoft.com/office/drawing/2014/main" id="{12F9A1C3-9ED1-5616-0B14-B8AB51B79644}"/>
+              </a:ext>
+            </a:extLst>
+          </p:cNvPr>
+          <p:cNvSpPr txBox="1">
+            <a:spLocks noChangeArrowheads="1"/>
+          </p:cNvSpPr>
+          <p:nvPr/>
+        </p:nvSpPr>
+        <p:spPr>
+          <a:xfrm>
+            <a:off x="2042809" y="1881377"/>
+            <a:ext cx="9808339" cy="3416855"/>
+          </a:xfrm>
+          <a:prstGeom prst="rect">
+            <a:avLst/>
+          </a:prstGeom>
+        </p:spPr>
+        <p:txBody>
+          <a:bodyPr vert="horz" lIns="91440" tIns="45720" rIns="91440" bIns="45720" rtlCol="0">
+            <a:noAutofit/>
+          </a:bodyPr>
+          <a:lstStyle>
+            <a:lvl1pPr marL="342900" indent="-342900" algn="l" defTabSz="914400" rtl="0" eaLnBrk="1" latinLnBrk="0" hangingPunct="1">
+              <a:spcBef>
+                <a:spcPct val="20000"/>
+              </a:spcBef>
+              <a:buFont typeface="Arial" pitchFamily="34" charset="0"/>
+              <a:buChar char="•"/>
+              <a:defRPr sz="3200" kern="1200">
+                <a:solidFill>
+                  <a:schemeClr val="tx1"/>
+                </a:solidFill>
+                <a:latin typeface="Arial" pitchFamily="34" charset="0"/>
+                <a:ea typeface="+mn-ea"/>
+                <a:cs typeface="Arial" pitchFamily="34" charset="0"/>
+              </a:defRPr>
+            </a:lvl1pPr>
+            <a:lvl2pPr marL="742950" indent="-285750" algn="l" defTabSz="914400" rtl="0" eaLnBrk="1" latinLnBrk="0" hangingPunct="1">
+              <a:spcBef>
+                <a:spcPct val="20000"/>
+              </a:spcBef>
+              <a:buFont typeface="Arial" pitchFamily="34" charset="0"/>
+              <a:buChar char="–"/>
+              <a:defRPr sz="2000" kern="1200" baseline="0">
+                <a:solidFill>
+                  <a:schemeClr val="tx1"/>
+                </a:solidFill>
+                <a:latin typeface="Arial" pitchFamily="34" charset="0"/>
+                <a:ea typeface="+mn-ea"/>
+                <a:cs typeface="Arial" pitchFamily="34" charset="0"/>
+              </a:defRPr>
+            </a:lvl2pPr>
+            <a:lvl3pPr marL="1143000" indent="-228600" algn="l" defTabSz="914400" rtl="0" eaLnBrk="1" latinLnBrk="0" hangingPunct="1">
+              <a:spcBef>
+                <a:spcPct val="20000"/>
+              </a:spcBef>
+              <a:buFont typeface="Arial" pitchFamily="34" charset="0"/>
+              <a:buChar char="•"/>
+              <a:defRPr sz="1800" kern="1200" baseline="0">
+                <a:solidFill>
+                  <a:schemeClr val="tx1"/>
+                </a:solidFill>
+                <a:latin typeface="Arial" pitchFamily="34" charset="0"/>
+                <a:ea typeface="+mn-ea"/>
+                <a:cs typeface="Arial" pitchFamily="34" charset="0"/>
+              </a:defRPr>
+            </a:lvl3pPr>
+            <a:lvl4pPr marL="1600200" indent="-228600" algn="l" defTabSz="914400" rtl="0" eaLnBrk="1" latinLnBrk="0" hangingPunct="1">
+              <a:spcBef>
+                <a:spcPct val="20000"/>
+              </a:spcBef>
+              <a:buFont typeface="Arial" pitchFamily="34" charset="0"/>
+              <a:buChar char="–"/>
+              <a:defRPr sz="1600" kern="1200" baseline="0">
+                <a:solidFill>
+                  <a:schemeClr val="tx1"/>
+                </a:solidFill>
+                <a:latin typeface="Arial" pitchFamily="34" charset="0"/>
+                <a:ea typeface="+mn-ea"/>
+                <a:cs typeface="Arial" pitchFamily="34" charset="0"/>
+              </a:defRPr>
+            </a:lvl4pPr>
+            <a:lvl5pPr marL="2057400" indent="-228600" algn="l" defTabSz="914400" rtl="0" eaLnBrk="1" latinLnBrk="0" hangingPunct="1">
+              <a:spcBef>
+                <a:spcPct val="20000"/>
+              </a:spcBef>
+              <a:buFont typeface="Arial" pitchFamily="34" charset="0"/>
+              <a:buChar char="»"/>
+              <a:defRPr sz="1400" kern="1200" baseline="0">
+                <a:solidFill>
+                  <a:schemeClr val="tx1"/>
+                </a:solidFill>
+                <a:latin typeface="Arial" pitchFamily="34" charset="0"/>
+                <a:ea typeface="+mn-ea"/>
+                <a:cs typeface="Arial" pitchFamily="34" charset="0"/>
+              </a:defRPr>
+            </a:lvl5pPr>
+            <a:lvl6pPr marL="2514600" indent="-228600" algn="l" defTabSz="914400" rtl="0" eaLnBrk="1" latinLnBrk="0" hangingPunct="1">
+              <a:spcBef>
+                <a:spcPct val="20000"/>
+              </a:spcBef>
+              <a:buFont typeface="Arial" pitchFamily="34" charset="0"/>
+              <a:buChar char="•"/>
+              <a:defRPr sz="2000" kern="1200">
+                <a:solidFill>
+                  <a:schemeClr val="tx1"/>
+                </a:solidFill>
+                <a:latin typeface="+mn-lt"/>
+                <a:ea typeface="+mn-ea"/>
+                <a:cs typeface="+mn-cs"/>
+              </a:defRPr>
+            </a:lvl6pPr>
+            <a:lvl7pPr marL="2971800" indent="-228600" algn="l" defTabSz="914400" rtl="0" eaLnBrk="1" latinLnBrk="0" hangingPunct="1">
+              <a:spcBef>
+                <a:spcPct val="20000"/>
+              </a:spcBef>
+              <a:buFont typeface="Arial" pitchFamily="34" charset="0"/>
+              <a:buChar char="•"/>
+              <a:defRPr sz="2000" kern="1200">
+                <a:solidFill>
+                  <a:schemeClr val="tx1"/>
+                </a:solidFill>
+                <a:latin typeface="+mn-lt"/>
+                <a:ea typeface="+mn-ea"/>
+                <a:cs typeface="+mn-cs"/>
+              </a:defRPr>
+            </a:lvl7pPr>
+            <a:lvl8pPr marL="3429000" indent="-228600" algn="l" defTabSz="914400" rtl="0" eaLnBrk="1" latinLnBrk="0" hangingPunct="1">
+              <a:spcBef>
+                <a:spcPct val="20000"/>
+              </a:spcBef>
+              <a:buFont typeface="Arial" pitchFamily="34" charset="0"/>
+              <a:buChar char="•"/>
+              <a:defRPr sz="2000" kern="1200">
+                <a:solidFill>
+                  <a:schemeClr val="tx1"/>
+                </a:solidFill>
+                <a:latin typeface="+mn-lt"/>
+                <a:ea typeface="+mn-ea"/>
+                <a:cs typeface="+mn-cs"/>
+              </a:defRPr>
+            </a:lvl8pPr>
+            <a:lvl9pPr marL="3886200" indent="-228600" algn="l" defTabSz="914400" rtl="0" eaLnBrk="1" latinLnBrk="0" hangingPunct="1">
+              <a:spcBef>
+                <a:spcPct val="20000"/>
+              </a:spcBef>
+              <a:buFont typeface="Arial" pitchFamily="34" charset="0"/>
+              <a:buChar char="•"/>
+              <a:defRPr sz="2000" kern="1200">
+                <a:solidFill>
+                  <a:schemeClr val="tx1"/>
+                </a:solidFill>
+                <a:latin typeface="+mn-lt"/>
+                <a:ea typeface="+mn-ea"/>
+                <a:cs typeface="+mn-cs"/>
+              </a:defRPr>
+            </a:lvl9pPr>
+          </a:lstStyle>
+          <a:p>
+            <a:pPr marL="457200" lvl="1" indent="0">
+              <a:spcBef>
+                <a:spcPts val="0"/>
+              </a:spcBef>
+              <a:buNone/>
+            </a:pPr>
+            <a:endParaRPr lang="en-CA" sz="1600" b="1" i="1" dirty="0">
+              <a:solidFill>
+                <a:srgbClr val="002060"/>
+              </a:solidFill>
+            </a:endParaRPr>
+          </a:p>
+        </p:txBody>
+      </p:sp>
+      <p:pic>
+        <p:nvPicPr>
+          <p:cNvPr id="5" name="Picture 2">
+            <a:extLst>
+              <a:ext uri="{FF2B5EF4-FFF2-40B4-BE49-F238E27FC236}">
+                <a16:creationId xmlns:a16="http://schemas.microsoft.com/office/drawing/2014/main" id="{91A78F0F-3C46-A090-F09D-4676566FACA2}"/>
+              </a:ext>
+            </a:extLst>
+          </p:cNvPr>
+          <p:cNvPicPr>
+            <a:picLocks noChangeAspect="1"/>
+          </p:cNvPicPr>
+          <p:nvPr/>
+        </p:nvPicPr>
+        <p:blipFill rotWithShape="1">
+          <a:blip r:embed="rId3">
+            <a:extLst>
+              <a:ext uri="{28A0092B-C50C-407E-A947-70E740481C1C}">
+                <a14:useLocalDpi xmlns:a14="http://schemas.microsoft.com/office/drawing/2010/main" val="0"/>
+              </a:ext>
+            </a:extLst>
+          </a:blip>
+          <a:srcRect l="14133" t="42559" r="68784" b="8443"/>
+          <a:stretch/>
+        </p:blipFill>
+        <p:spPr bwMode="auto">
+          <a:xfrm>
+            <a:off x="541239" y="2427680"/>
+            <a:ext cx="1363407" cy="2062992"/>
+          </a:xfrm>
+          <a:prstGeom prst="rect">
+            <a:avLst/>
+          </a:prstGeom>
+          <a:noFill/>
+          <a:ln>
+            <a:noFill/>
+          </a:ln>
+          <a:extLst>
+            <a:ext uri="{909E8E84-426E-40DD-AFC4-6F175D3DCCD1}">
+              <a14:hiddenFill xmlns:a14="http://schemas.microsoft.com/office/drawing/2010/main">
+                <a:solidFill>
+                  <a:srgbClr val="FFFFFF"/>
+                </a:solidFill>
+              </a14:hiddenFill>
+            </a:ext>
+            <a:ext uri="{91240B29-F687-4F45-9708-019B960494DF}">
+              <a14:hiddenLine xmlns:a14="http://schemas.microsoft.com/office/drawing/2010/main" w="9525">
+                <a:solidFill>
+                  <a:srgbClr val="000000"/>
+                </a:solidFill>
+                <a:miter lim="800000"/>
+                <a:headEnd/>
+                <a:tailEnd/>
+              </a14:hiddenLine>
+            </a:ext>
+          </a:extLst>
+        </p:spPr>
+      </p:pic>
+      <p:graphicFrame>
+        <p:nvGraphicFramePr>
+          <p:cNvPr id="3" name="Diagram 2">
+            <a:extLst>
+              <a:ext uri="{FF2B5EF4-FFF2-40B4-BE49-F238E27FC236}">
+                <a16:creationId xmlns:a16="http://schemas.microsoft.com/office/drawing/2014/main" id="{966F5601-446C-E7D8-569E-EF2277294B09}"/>
+              </a:ext>
+            </a:extLst>
+          </p:cNvPr>
+          <p:cNvGraphicFramePr/>
+          <p:nvPr/>
+        </p:nvGraphicFramePr>
+        <p:xfrm>
+          <a:off x="866534" y="1104559"/>
+          <a:ext cx="10458931" cy="5418667"/>
+        </p:xfrm>
+        <a:graphic>
+          <a:graphicData uri="http://schemas.openxmlformats.org/drawingml/2006/diagram">
+            <dgm:relIds xmlns:dgm="http://schemas.openxmlformats.org/drawingml/2006/diagram" xmlns:r="http://schemas.openxmlformats.org/officeDocument/2006/relationships" r:dm="rId4" r:lo="rId5" r:qs="rId6" r:cs="rId7"/>
+          </a:graphicData>
+        </a:graphic>
+      </p:graphicFrame>
+    </p:spTree>
+    <p:extLst>
+      <p:ext uri="{BB962C8B-B14F-4D97-AF65-F5344CB8AC3E}">
+        <p14:creationId xmlns:p14="http://schemas.microsoft.com/office/powerpoint/2010/main" val="404282345"/>
+      </p:ext>
+    </p:extLst>
+  </p:cSld>
+  <p:clrMapOvr>
+    <a:masterClrMapping/>
+  </p:clrMapOvr>
+  <mc:AlternateContent xmlns:mc="http://schemas.openxmlformats.org/markup-compatibility/2006" xmlns:p14="http://schemas.microsoft.com/office/powerpoint/2010/main">
+    <mc:Choice Requires="p14">
+      <p:transition spd="med" p14:dur="700">
+        <p:fade/>
+      </p:transition>
+    </mc:Choice>
+    <mc:Fallback xmlns="">
+      <p:transition spd="med">
+        <p:fade/>
+      </p:transition>
+    </mc:Fallback>
+  </mc:AlternateContent>
+</p:sld>
+</file>
+
+<file path=ppt/slides/slide4.xml><?xml version="1.0" encoding="utf-8"?>
+<p:sld xmlns:a="http://schemas.openxmlformats.org/drawingml/2006/main" xmlns:r="http://schemas.openxmlformats.org/officeDocument/2006/relationships" xmlns:p="http://schemas.openxmlformats.org/presentationml/2006/main">
+  <p:cSld>
+    <p:spTree>
+      <p:nvGrpSpPr>
+        <p:cNvPr id="1" name="">
+          <a:extLst>
+            <a:ext uri="{FF2B5EF4-FFF2-40B4-BE49-F238E27FC236}">
               <a16:creationId xmlns:a16="http://schemas.microsoft.com/office/drawing/2014/main" id="{F6AC5037-734F-F44F-6097-47FA64559BF7}"/>
             </a:ext>
           </a:extLst>
@@ -20922,7 +26579,7 @@
 </p:sld>
 </file>
 
-<file path=ppt/slides/slide4.xml><?xml version="1.0" encoding="utf-8"?>
+<file path=ppt/slides/slide5.xml><?xml version="1.0" encoding="utf-8"?>
 <p:sld xmlns:a="http://schemas.openxmlformats.org/drawingml/2006/main" xmlns:r="http://schemas.openxmlformats.org/officeDocument/2006/relationships" xmlns:p="http://schemas.openxmlformats.org/presentationml/2006/main">
   <p:cSld>
     <p:spTree>
@@ -21076,7 +26733,7 @@
 </p:sld>
 </file>
 
-<file path=ppt/slides/slide5.xml><?xml version="1.0" encoding="utf-8"?>
+<file path=ppt/slides/slide6.xml><?xml version="1.0" encoding="utf-8"?>
 <p:sld xmlns:a="http://schemas.openxmlformats.org/drawingml/2006/main" xmlns:r="http://schemas.openxmlformats.org/officeDocument/2006/relationships" xmlns:p="http://schemas.openxmlformats.org/presentationml/2006/main">
   <p:cSld>
     <p:spTree>
@@ -21533,7 +27190,7 @@
 </p:sld>
 </file>
 
-<file path=ppt/slides/slide6.xml><?xml version="1.0" encoding="utf-8"?>
+<file path=ppt/slides/slide7.xml><?xml version="1.0" encoding="utf-8"?>
 <p:sld xmlns:a="http://schemas.openxmlformats.org/drawingml/2006/main" xmlns:r="http://schemas.openxmlformats.org/officeDocument/2006/relationships" xmlns:p="http://schemas.openxmlformats.org/presentationml/2006/main">
   <p:cSld>
     <p:spTree>
@@ -22167,7 +27824,7 @@
 </p:sld>
 </file>
 
-<file path=ppt/slides/slide7.xml><?xml version="1.0" encoding="utf-8"?>
+<file path=ppt/slides/slide8.xml><?xml version="1.0" encoding="utf-8"?>
 <p:sld xmlns:a="http://schemas.openxmlformats.org/drawingml/2006/main" xmlns:r="http://schemas.openxmlformats.org/officeDocument/2006/relationships" xmlns:p="http://schemas.openxmlformats.org/presentationml/2006/main">
   <p:cSld>
     <p:spTree>
@@ -23136,7 +28793,7 @@
 </p:sld>
 </file>
 
-<file path=ppt/slides/slide8.xml><?xml version="1.0" encoding="utf-8"?>
+<file path=ppt/slides/slide9.xml><?xml version="1.0" encoding="utf-8"?>
 <p:sld xmlns:a="http://schemas.openxmlformats.org/drawingml/2006/main" xmlns:r="http://schemas.openxmlformats.org/officeDocument/2006/relationships" xmlns:p="http://schemas.openxmlformats.org/presentationml/2006/main">
   <p:cSld>
     <p:spTree>
@@ -23267,145 +28924,6 @@
     <p:extLst>
       <p:ext uri="{BB962C8B-B14F-4D97-AF65-F5344CB8AC3E}">
         <p14:creationId xmlns:p14="http://schemas.microsoft.com/office/powerpoint/2010/main" val="852876430"/>
-      </p:ext>
-    </p:extLst>
-  </p:cSld>
-  <p:clrMapOvr>
-    <a:masterClrMapping/>
-  </p:clrMapOvr>
-  <mc:AlternateContent xmlns:mc="http://schemas.openxmlformats.org/markup-compatibility/2006" xmlns:p14="http://schemas.microsoft.com/office/powerpoint/2010/main">
-    <mc:Choice Requires="p14">
-      <p:transition spd="med" p14:dur="700">
-        <p:fade/>
-      </p:transition>
-    </mc:Choice>
-    <mc:Fallback xmlns="">
-      <p:transition spd="med">
-        <p:fade/>
-      </p:transition>
-    </mc:Fallback>
-  </mc:AlternateContent>
-</p:sld>
-</file>
-
-<file path=ppt/slides/slide9.xml><?xml version="1.0" encoding="utf-8"?>
-<p:sld xmlns:a="http://schemas.openxmlformats.org/drawingml/2006/main" xmlns:r="http://schemas.openxmlformats.org/officeDocument/2006/relationships" xmlns:p="http://schemas.openxmlformats.org/presentationml/2006/main" show="0">
-  <p:cSld>
-    <p:spTree>
-      <p:nvGrpSpPr>
-        <p:cNvPr id="1" name=""/>
-        <p:cNvGrpSpPr/>
-        <p:nvPr/>
-      </p:nvGrpSpPr>
-      <p:grpSpPr>
-        <a:xfrm>
-          <a:off x="0" y="0"/>
-          <a:ext cx="0" cy="0"/>
-          <a:chOff x="0" y="0"/>
-          <a:chExt cx="0" cy="0"/>
-        </a:xfrm>
-      </p:grpSpPr>
-      <p:sp>
-        <p:nvSpPr>
-          <p:cNvPr id="2" name="Title 1">
-            <a:extLst>
-              <a:ext uri="{FF2B5EF4-FFF2-40B4-BE49-F238E27FC236}">
-                <a16:creationId xmlns:a16="http://schemas.microsoft.com/office/drawing/2014/main" id="{AEDF1E11-BB0E-FF82-9D9E-562E4141FDCA}"/>
-              </a:ext>
-            </a:extLst>
-          </p:cNvPr>
-          <p:cNvSpPr>
-            <a:spLocks noGrp="1"/>
-          </p:cNvSpPr>
-          <p:nvPr>
-            <p:ph type="title"/>
-          </p:nvPr>
-        </p:nvSpPr>
-        <p:spPr/>
-        <p:txBody>
-          <a:bodyPr/>
-          <a:lstStyle/>
-          <a:p>
-            <a:r>
-              <a:rPr lang="en-US" dirty="0"/>
-              <a:t>Step 7b. Specific Project Components</a:t>
-            </a:r>
-          </a:p>
-        </p:txBody>
-      </p:sp>
-      <p:sp>
-        <p:nvSpPr>
-          <p:cNvPr id="3" name="Text Placeholder 2">
-            <a:extLst>
-              <a:ext uri="{FF2B5EF4-FFF2-40B4-BE49-F238E27FC236}">
-                <a16:creationId xmlns:a16="http://schemas.microsoft.com/office/drawing/2014/main" id="{4FD779C0-08B7-4DD0-64BF-7B8F1EFAC4FF}"/>
-              </a:ext>
-            </a:extLst>
-          </p:cNvPr>
-          <p:cNvSpPr>
-            <a:spLocks noGrp="1"/>
-          </p:cNvSpPr>
-          <p:nvPr>
-            <p:ph type="body" idx="1"/>
-          </p:nvPr>
-        </p:nvSpPr>
-        <p:spPr/>
-        <p:txBody>
-          <a:bodyPr/>
-          <a:lstStyle/>
-          <a:p>
-            <a:r>
-              <a:rPr lang="en-US" dirty="0"/>
-              <a:t>Research and Writing</a:t>
-            </a:r>
-          </a:p>
-          <a:p>
-            <a:endParaRPr lang="en-US" dirty="0"/>
-          </a:p>
-          <a:p>
-            <a:r>
-              <a:rPr lang="en-US" dirty="0"/>
-              <a:t>Building the App/Website</a:t>
-            </a:r>
-          </a:p>
-          <a:p>
-            <a:endParaRPr lang="en-US" dirty="0"/>
-          </a:p>
-          <a:p>
-            <a:r>
-              <a:rPr lang="en-US" dirty="0"/>
-              <a:t>Integration with AMS</a:t>
-            </a:r>
-          </a:p>
-          <a:p>
-            <a:endParaRPr lang="en-US" dirty="0"/>
-          </a:p>
-          <a:p>
-            <a:r>
-              <a:rPr lang="en-US" dirty="0"/>
-              <a:t>Integrating New Tools</a:t>
-            </a:r>
-          </a:p>
-          <a:p>
-            <a:pPr lvl="1"/>
-            <a:r>
-              <a:rPr lang="en-US" dirty="0"/>
-              <a:t>Dynamometer</a:t>
-            </a:r>
-          </a:p>
-          <a:p>
-            <a:pPr lvl="1"/>
-            <a:r>
-              <a:rPr lang="en-US" dirty="0"/>
-              <a:t>Data Collection tools</a:t>
-            </a:r>
-          </a:p>
-        </p:txBody>
-      </p:sp>
-    </p:spTree>
-    <p:extLst>
-      <p:ext uri="{BB962C8B-B14F-4D97-AF65-F5344CB8AC3E}">
-        <p14:creationId xmlns:p14="http://schemas.microsoft.com/office/powerpoint/2010/main" val="174984669"/>
       </p:ext>
     </p:extLst>
   </p:cSld>

--- a/RTP Resources/RTP_Project_Pitch.pptx
+++ b/RTP Resources/RTP_Project_Pitch.pptx
@@ -5,7 +5,7 @@
     <p:sldMasterId id="2147483672" r:id="rId1"/>
   </p:sldMasterIdLst>
   <p:notesMasterIdLst>
-    <p:notesMasterId r:id="rId12"/>
+    <p:notesMasterId r:id="rId13"/>
   </p:notesMasterIdLst>
   <p:sldIdLst>
     <p:sldId id="258" r:id="rId2"/>
@@ -15,9 +15,10 @@
     <p:sldId id="266" r:id="rId6"/>
     <p:sldId id="267" r:id="rId7"/>
     <p:sldId id="268" r:id="rId8"/>
-    <p:sldId id="269" r:id="rId9"/>
-    <p:sldId id="274" r:id="rId10"/>
-    <p:sldId id="270" r:id="rId11"/>
+    <p:sldId id="275" r:id="rId9"/>
+    <p:sldId id="269" r:id="rId10"/>
+    <p:sldId id="274" r:id="rId11"/>
+    <p:sldId id="270" r:id="rId12"/>
   </p:sldIdLst>
   <p:sldSz cx="12192000" cy="6858000"/>
   <p:notesSz cx="6858000" cy="9144000"/>
@@ -127,7 +128,7 @@
 <file path=ppt/revisionInfo.xml><?xml version="1.0" encoding="utf-8"?>
 <p1510:revInfo xmlns:a="http://schemas.openxmlformats.org/drawingml/2006/main" xmlns:r="http://schemas.openxmlformats.org/officeDocument/2006/relationships" xmlns:p1510="http://schemas.microsoft.com/office/powerpoint/2015/10/main">
   <p1510:revLst>
-    <p1510:client id="{F0D6FE74-CB47-FE4E-96FE-DF69C5E3FEE2}" v="716" dt="2025-10-09T13:48:45.448"/>
+    <p1510:client id="{F0D6FE74-CB47-FE4E-96FE-DF69C5E3FEE2}" v="952" dt="2025-10-09T19:04:44.562"/>
   </p1510:revLst>
 </p1510:revInfo>
 </file>
@@ -223,14 +224,6 @@
             <ac:spMk id="6" creationId="{00000000-0000-0000-0000-000000000000}"/>
           </ac:spMkLst>
         </pc:spChg>
-        <pc:spChg chg="mod">
-          <ac:chgData name="Andrew Kates" userId="8fd5ec3e-c8da-46f6-bbad-ce7a7878ba0f" providerId="ADAL" clId="{F0D6FE74-CB47-FE4E-96FE-DF69C5E3FEE2}" dt="2025-08-18T21:05:10.360" v="826" actId="14100"/>
-          <ac:spMkLst>
-            <pc:docMk/>
-            <pc:sldMk cId="3918262711" sldId="266"/>
-            <ac:spMk id="63490" creationId="{00000000-0000-0000-0000-000000000000}"/>
-          </ac:spMkLst>
-        </pc:spChg>
       </pc:sldChg>
       <pc:sldChg chg="addSp delSp modSp mod modTransition modAnim modNotesTx">
         <pc:chgData name="Andrew Kates" userId="8fd5ec3e-c8da-46f6-bbad-ce7a7878ba0f" providerId="ADAL" clId="{F0D6FE74-CB47-FE4E-96FE-DF69C5E3FEE2}" dt="2025-10-09T13:24:09.563" v="21811" actId="20577"/>
@@ -254,14 +247,6 @@
             <ac:spMk id="6" creationId="{00000000-0000-0000-0000-000000000000}"/>
           </ac:spMkLst>
         </pc:spChg>
-        <pc:spChg chg="mod">
-          <ac:chgData name="Andrew Kates" userId="8fd5ec3e-c8da-46f6-bbad-ce7a7878ba0f" providerId="ADAL" clId="{F0D6FE74-CB47-FE4E-96FE-DF69C5E3FEE2}" dt="2025-08-18T21:09:39.033" v="1270" actId="14100"/>
-          <ac:spMkLst>
-            <pc:docMk/>
-            <pc:sldMk cId="310404465" sldId="267"/>
-            <ac:spMk id="63490" creationId="{00000000-0000-0000-0000-000000000000}"/>
-          </ac:spMkLst>
-        </pc:spChg>
       </pc:sldChg>
       <pc:sldChg chg="addSp modSp mod modTransition modAnim modNotesTx">
         <pc:chgData name="Andrew Kates" userId="8fd5ec3e-c8da-46f6-bbad-ce7a7878ba0f" providerId="ADAL" clId="{F0D6FE74-CB47-FE4E-96FE-DF69C5E3FEE2}" dt="2025-10-09T13:39:17.107" v="22264" actId="20577"/>
@@ -275,14 +260,6 @@
             <pc:docMk/>
             <pc:sldMk cId="21241760" sldId="268"/>
             <ac:spMk id="6" creationId="{00000000-0000-0000-0000-000000000000}"/>
-          </ac:spMkLst>
-        </pc:spChg>
-        <pc:spChg chg="mod">
-          <ac:chgData name="Andrew Kates" userId="8fd5ec3e-c8da-46f6-bbad-ce7a7878ba0f" providerId="ADAL" clId="{F0D6FE74-CB47-FE4E-96FE-DF69C5E3FEE2}" dt="2025-08-20T14:21:42.993" v="2217"/>
-          <ac:spMkLst>
-            <pc:docMk/>
-            <pc:sldMk cId="21241760" sldId="268"/>
-            <ac:spMk id="63490" creationId="{00000000-0000-0000-0000-000000000000}"/>
           </ac:spMkLst>
         </pc:spChg>
         <pc:graphicFrameChg chg="add mod modGraphic">
@@ -300,14 +277,6 @@
           <pc:docMk/>
           <pc:sldMk cId="852876430" sldId="269"/>
         </pc:sldMkLst>
-        <pc:spChg chg="mod">
-          <ac:chgData name="Andrew Kates" userId="8fd5ec3e-c8da-46f6-bbad-ce7a7878ba0f" providerId="ADAL" clId="{F0D6FE74-CB47-FE4E-96FE-DF69C5E3FEE2}" dt="2025-08-20T14:50:47.756" v="3410"/>
-          <ac:spMkLst>
-            <pc:docMk/>
-            <pc:sldMk cId="852876430" sldId="269"/>
-            <ac:spMk id="63490" creationId="{00000000-0000-0000-0000-000000000000}"/>
-          </ac:spMkLst>
-        </pc:spChg>
         <pc:graphicFrameChg chg="add mod modGraphic">
           <ac:chgData name="Andrew Kates" userId="8fd5ec3e-c8da-46f6-bbad-ce7a7878ba0f" providerId="ADAL" clId="{F0D6FE74-CB47-FE4E-96FE-DF69C5E3FEE2}" dt="2025-10-09T13:48:45.448" v="22330"/>
           <ac:graphicFrameMkLst>
@@ -323,14 +292,6 @@
           <pc:docMk/>
           <pc:sldMk cId="2899790007" sldId="270"/>
         </pc:sldMkLst>
-        <pc:picChg chg="mod">
-          <ac:chgData name="Andrew Kates" userId="8fd5ec3e-c8da-46f6-bbad-ce7a7878ba0f" providerId="ADAL" clId="{F0D6FE74-CB47-FE4E-96FE-DF69C5E3FEE2}" dt="2025-08-18T19:38:45.768" v="1" actId="1035"/>
-          <ac:picMkLst>
-            <pc:docMk/>
-            <pc:sldMk cId="2899790007" sldId="270"/>
-            <ac:picMk id="3" creationId="{00000000-0000-0000-0000-000000000000}"/>
-          </ac:picMkLst>
-        </pc:picChg>
       </pc:sldChg>
       <pc:sldChg chg="modSp del mod modNotesTx">
         <pc:chgData name="Andrew Kates" userId="8fd5ec3e-c8da-46f6-bbad-ce7a7878ba0f" providerId="ADAL" clId="{F0D6FE74-CB47-FE4E-96FE-DF69C5E3FEE2}" dt="2025-09-12T19:50:46.205" v="11247" actId="2696"/>
@@ -455,6 +416,76 @@
       </pc:sldMasterChg>
     </pc:docChg>
   </pc:docChgLst>
+  <pc:docChgLst>
+    <pc:chgData name="Andrew Kates" userId="8fd5ec3e-c8da-46f6-bbad-ce7a7878ba0f" providerId="ADAL" clId="{F3C475C8-A694-5247-A1B1-BD486B98B493}"/>
+    <pc:docChg chg="custSel addSld modSld">
+      <pc:chgData name="Andrew Kates" userId="8fd5ec3e-c8da-46f6-bbad-ce7a7878ba0f" providerId="ADAL" clId="{F3C475C8-A694-5247-A1B1-BD486B98B493}" dt="2025-10-09T19:04:44.562" v="649" actId="13822"/>
+      <pc:docMkLst>
+        <pc:docMk/>
+      </pc:docMkLst>
+      <pc:sldChg chg="modSp mod">
+        <pc:chgData name="Andrew Kates" userId="8fd5ec3e-c8da-46f6-bbad-ce7a7878ba0f" providerId="ADAL" clId="{F3C475C8-A694-5247-A1B1-BD486B98B493}" dt="2025-10-09T17:44:15.355" v="15" actId="20577"/>
+        <pc:sldMkLst>
+          <pc:docMk/>
+          <pc:sldMk cId="3543289025" sldId="258"/>
+        </pc:sldMkLst>
+        <pc:spChg chg="mod">
+          <ac:chgData name="Andrew Kates" userId="8fd5ec3e-c8da-46f6-bbad-ce7a7878ba0f" providerId="ADAL" clId="{F3C475C8-A694-5247-A1B1-BD486B98B493}" dt="2025-10-09T17:44:15.355" v="15" actId="20577"/>
+          <ac:spMkLst>
+            <pc:docMk/>
+            <pc:sldMk cId="3543289025" sldId="258"/>
+            <ac:spMk id="2" creationId="{00000000-0000-0000-0000-000000000000}"/>
+          </ac:spMkLst>
+        </pc:spChg>
+      </pc:sldChg>
+      <pc:sldChg chg="addSp delSp modSp mod delAnim modAnim modNotesTx">
+        <pc:chgData name="Andrew Kates" userId="8fd5ec3e-c8da-46f6-bbad-ce7a7878ba0f" providerId="ADAL" clId="{F3C475C8-A694-5247-A1B1-BD486B98B493}" dt="2025-10-09T19:04:44.562" v="649" actId="13822"/>
+        <pc:sldMkLst>
+          <pc:docMk/>
+          <pc:sldMk cId="21241760" sldId="268"/>
+        </pc:sldMkLst>
+        <pc:spChg chg="mod">
+          <ac:chgData name="Andrew Kates" userId="8fd5ec3e-c8da-46f6-bbad-ce7a7878ba0f" providerId="ADAL" clId="{F3C475C8-A694-5247-A1B1-BD486B98B493}" dt="2025-10-09T19:00:38.482" v="573" actId="20577"/>
+          <ac:spMkLst>
+            <pc:docMk/>
+            <pc:sldMk cId="21241760" sldId="268"/>
+            <ac:spMk id="6" creationId="{00000000-0000-0000-0000-000000000000}"/>
+          </ac:spMkLst>
+        </pc:spChg>
+        <pc:graphicFrameChg chg="del">
+          <ac:chgData name="Andrew Kates" userId="8fd5ec3e-c8da-46f6-bbad-ce7a7878ba0f" providerId="ADAL" clId="{F3C475C8-A694-5247-A1B1-BD486B98B493}" dt="2025-10-09T18:55:19.361" v="332" actId="478"/>
+          <ac:graphicFrameMkLst>
+            <pc:docMk/>
+            <pc:sldMk cId="21241760" sldId="268"/>
+            <ac:graphicFrameMk id="2" creationId="{3FC8E65D-0038-4B0C-2349-3D26D976C251}"/>
+          </ac:graphicFrameMkLst>
+        </pc:graphicFrameChg>
+        <pc:graphicFrameChg chg="add mod">
+          <ac:chgData name="Andrew Kates" userId="8fd5ec3e-c8da-46f6-bbad-ce7a7878ba0f" providerId="ADAL" clId="{F3C475C8-A694-5247-A1B1-BD486B98B493}" dt="2025-10-09T19:04:44.562" v="649" actId="13822"/>
+          <ac:graphicFrameMkLst>
+            <pc:docMk/>
+            <pc:sldMk cId="21241760" sldId="268"/>
+            <ac:graphicFrameMk id="3" creationId="{F4A1F89C-3934-2C7C-CDDF-016B44BD3395}"/>
+          </ac:graphicFrameMkLst>
+        </pc:graphicFrameChg>
+        <pc:picChg chg="del">
+          <ac:chgData name="Andrew Kates" userId="8fd5ec3e-c8da-46f6-bbad-ce7a7878ba0f" providerId="ADAL" clId="{F3C475C8-A694-5247-A1B1-BD486B98B493}" dt="2025-10-09T18:57:05.958" v="348" actId="478"/>
+          <ac:picMkLst>
+            <pc:docMk/>
+            <pc:sldMk cId="21241760" sldId="268"/>
+            <ac:picMk id="7" creationId="{00000000-0000-0000-0000-000000000000}"/>
+          </ac:picMkLst>
+        </pc:picChg>
+      </pc:sldChg>
+      <pc:sldChg chg="add">
+        <pc:chgData name="Andrew Kates" userId="8fd5ec3e-c8da-46f6-bbad-ce7a7878ba0f" providerId="ADAL" clId="{F3C475C8-A694-5247-A1B1-BD486B98B493}" dt="2025-10-09T18:55:11.592" v="323" actId="2890"/>
+        <pc:sldMkLst>
+          <pc:docMk/>
+          <pc:sldMk cId="2963762827" sldId="275"/>
+        </pc:sldMkLst>
+      </pc:sldChg>
+    </pc:docChg>
+  </pc:docChgLst>
 </pc:chgInfo>
 </file>
 
@@ -2073,6 +2104,753 @@
 </file>
 
 <file path=ppt/diagrams/colors3.xml><?xml version="1.0" encoding="utf-8"?>
+<dgm:colorsDef xmlns:dgm="http://schemas.openxmlformats.org/drawingml/2006/diagram" xmlns:a="http://schemas.openxmlformats.org/drawingml/2006/main" uniqueId="urn:microsoft.com/office/officeart/2005/8/colors/accent1_2">
+  <dgm:title val=""/>
+  <dgm:desc val=""/>
+  <dgm:catLst>
+    <dgm:cat type="accent1" pri="11200"/>
+  </dgm:catLst>
+  <dgm:styleLbl name="node0">
+    <dgm:fillClrLst meth="repeat">
+      <a:schemeClr val="accent1"/>
+    </dgm:fillClrLst>
+    <dgm:linClrLst meth="repeat">
+      <a:schemeClr val="lt1"/>
+    </dgm:linClrLst>
+    <dgm:effectClrLst/>
+    <dgm:txLinClrLst/>
+    <dgm:txFillClrLst/>
+    <dgm:txEffectClrLst/>
+  </dgm:styleLbl>
+  <dgm:styleLbl name="alignNode1">
+    <dgm:fillClrLst meth="repeat">
+      <a:schemeClr val="accent1"/>
+    </dgm:fillClrLst>
+    <dgm:linClrLst meth="repeat">
+      <a:schemeClr val="accent1"/>
+    </dgm:linClrLst>
+    <dgm:effectClrLst/>
+    <dgm:txLinClrLst/>
+    <dgm:txFillClrLst/>
+    <dgm:txEffectClrLst/>
+  </dgm:styleLbl>
+  <dgm:styleLbl name="node1">
+    <dgm:fillClrLst meth="repeat">
+      <a:schemeClr val="accent1"/>
+    </dgm:fillClrLst>
+    <dgm:linClrLst meth="repeat">
+      <a:schemeClr val="lt1"/>
+    </dgm:linClrLst>
+    <dgm:effectClrLst/>
+    <dgm:txLinClrLst/>
+    <dgm:txFillClrLst/>
+    <dgm:txEffectClrLst/>
+  </dgm:styleLbl>
+  <dgm:styleLbl name="lnNode1">
+    <dgm:fillClrLst meth="repeat">
+      <a:schemeClr val="accent1"/>
+    </dgm:fillClrLst>
+    <dgm:linClrLst meth="repeat">
+      <a:schemeClr val="lt1"/>
+    </dgm:linClrLst>
+    <dgm:effectClrLst/>
+    <dgm:txLinClrLst/>
+    <dgm:txFillClrLst/>
+    <dgm:txEffectClrLst/>
+  </dgm:styleLbl>
+  <dgm:styleLbl name="vennNode1">
+    <dgm:fillClrLst meth="repeat">
+      <a:schemeClr val="accent1">
+        <a:alpha val="50000"/>
+      </a:schemeClr>
+    </dgm:fillClrLst>
+    <dgm:linClrLst meth="repeat">
+      <a:schemeClr val="lt1"/>
+    </dgm:linClrLst>
+    <dgm:effectClrLst/>
+    <dgm:txLinClrLst/>
+    <dgm:txFillClrLst/>
+    <dgm:txEffectClrLst/>
+  </dgm:styleLbl>
+  <dgm:styleLbl name="node2">
+    <dgm:fillClrLst meth="repeat">
+      <a:schemeClr val="accent1"/>
+    </dgm:fillClrLst>
+    <dgm:linClrLst meth="repeat">
+      <a:schemeClr val="lt1"/>
+    </dgm:linClrLst>
+    <dgm:effectClrLst/>
+    <dgm:txLinClrLst/>
+    <dgm:txFillClrLst/>
+    <dgm:txEffectClrLst/>
+  </dgm:styleLbl>
+  <dgm:styleLbl name="node3">
+    <dgm:fillClrLst meth="repeat">
+      <a:schemeClr val="accent1"/>
+    </dgm:fillClrLst>
+    <dgm:linClrLst meth="repeat">
+      <a:schemeClr val="lt1"/>
+    </dgm:linClrLst>
+    <dgm:effectClrLst/>
+    <dgm:txLinClrLst/>
+    <dgm:txFillClrLst/>
+    <dgm:txEffectClrLst/>
+  </dgm:styleLbl>
+  <dgm:styleLbl name="node4">
+    <dgm:fillClrLst meth="repeat">
+      <a:schemeClr val="accent1"/>
+    </dgm:fillClrLst>
+    <dgm:linClrLst meth="repeat">
+      <a:schemeClr val="lt1"/>
+    </dgm:linClrLst>
+    <dgm:effectClrLst/>
+    <dgm:txLinClrLst/>
+    <dgm:txFillClrLst/>
+    <dgm:txEffectClrLst/>
+  </dgm:styleLbl>
+  <dgm:styleLbl name="fgImgPlace1">
+    <dgm:fillClrLst meth="repeat">
+      <a:schemeClr val="accent1">
+        <a:tint val="50000"/>
+      </a:schemeClr>
+    </dgm:fillClrLst>
+    <dgm:linClrLst meth="repeat">
+      <a:schemeClr val="lt1"/>
+    </dgm:linClrLst>
+    <dgm:effectClrLst/>
+    <dgm:txLinClrLst/>
+    <dgm:txFillClrLst meth="repeat">
+      <a:schemeClr val="lt1"/>
+    </dgm:txFillClrLst>
+    <dgm:txEffectClrLst/>
+  </dgm:styleLbl>
+  <dgm:styleLbl name="alignImgPlace1">
+    <dgm:fillClrLst meth="repeat">
+      <a:schemeClr val="accent1">
+        <a:tint val="50000"/>
+      </a:schemeClr>
+    </dgm:fillClrLst>
+    <dgm:linClrLst meth="repeat">
+      <a:schemeClr val="lt1"/>
+    </dgm:linClrLst>
+    <dgm:effectClrLst/>
+    <dgm:txLinClrLst/>
+    <dgm:txFillClrLst meth="repeat">
+      <a:schemeClr val="lt1"/>
+    </dgm:txFillClrLst>
+    <dgm:txEffectClrLst/>
+  </dgm:styleLbl>
+  <dgm:styleLbl name="bgImgPlace1">
+    <dgm:fillClrLst meth="repeat">
+      <a:schemeClr val="accent1">
+        <a:tint val="50000"/>
+      </a:schemeClr>
+    </dgm:fillClrLst>
+    <dgm:linClrLst meth="repeat">
+      <a:schemeClr val="lt1"/>
+    </dgm:linClrLst>
+    <dgm:effectClrLst/>
+    <dgm:txLinClrLst/>
+    <dgm:txFillClrLst meth="repeat">
+      <a:schemeClr val="lt1"/>
+    </dgm:txFillClrLst>
+    <dgm:txEffectClrLst/>
+  </dgm:styleLbl>
+  <dgm:styleLbl name="sibTrans2D1">
+    <dgm:fillClrLst meth="repeat">
+      <a:schemeClr val="accent1">
+        <a:tint val="60000"/>
+      </a:schemeClr>
+    </dgm:fillClrLst>
+    <dgm:linClrLst meth="repeat">
+      <a:schemeClr val="accent1">
+        <a:tint val="60000"/>
+      </a:schemeClr>
+    </dgm:linClrLst>
+    <dgm:effectClrLst/>
+    <dgm:txLinClrLst/>
+    <dgm:txFillClrLst/>
+    <dgm:txEffectClrLst/>
+  </dgm:styleLbl>
+  <dgm:styleLbl name="fgSibTrans2D1">
+    <dgm:fillClrLst meth="repeat">
+      <a:schemeClr val="accent1">
+        <a:tint val="60000"/>
+      </a:schemeClr>
+    </dgm:fillClrLst>
+    <dgm:linClrLst meth="repeat">
+      <a:schemeClr val="accent1">
+        <a:tint val="60000"/>
+      </a:schemeClr>
+    </dgm:linClrLst>
+    <dgm:effectClrLst/>
+    <dgm:txLinClrLst/>
+    <dgm:txFillClrLst/>
+    <dgm:txEffectClrLst/>
+  </dgm:styleLbl>
+  <dgm:styleLbl name="bgSibTrans2D1">
+    <dgm:fillClrLst meth="repeat">
+      <a:schemeClr val="accent1">
+        <a:tint val="60000"/>
+      </a:schemeClr>
+    </dgm:fillClrLst>
+    <dgm:linClrLst meth="repeat">
+      <a:schemeClr val="accent1">
+        <a:tint val="60000"/>
+      </a:schemeClr>
+    </dgm:linClrLst>
+    <dgm:effectClrLst/>
+    <dgm:txLinClrLst/>
+    <dgm:txFillClrLst/>
+    <dgm:txEffectClrLst/>
+  </dgm:styleLbl>
+  <dgm:styleLbl name="sibTrans1D1">
+    <dgm:fillClrLst meth="repeat">
+      <a:schemeClr val="accent1"/>
+    </dgm:fillClrLst>
+    <dgm:linClrLst meth="repeat">
+      <a:schemeClr val="accent1"/>
+    </dgm:linClrLst>
+    <dgm:effectClrLst/>
+    <dgm:txLinClrLst/>
+    <dgm:txFillClrLst meth="repeat">
+      <a:schemeClr val="tx1"/>
+    </dgm:txFillClrLst>
+    <dgm:txEffectClrLst/>
+  </dgm:styleLbl>
+  <dgm:styleLbl name="callout">
+    <dgm:fillClrLst meth="repeat">
+      <a:schemeClr val="accent1"/>
+    </dgm:fillClrLst>
+    <dgm:linClrLst meth="repeat">
+      <a:schemeClr val="accent1">
+        <a:tint val="50000"/>
+      </a:schemeClr>
+    </dgm:linClrLst>
+    <dgm:effectClrLst/>
+    <dgm:txLinClrLst/>
+    <dgm:txFillClrLst meth="repeat">
+      <a:schemeClr val="tx1"/>
+    </dgm:txFillClrLst>
+    <dgm:txEffectClrLst/>
+  </dgm:styleLbl>
+  <dgm:styleLbl name="asst0">
+    <dgm:fillClrLst meth="repeat">
+      <a:schemeClr val="accent1"/>
+    </dgm:fillClrLst>
+    <dgm:linClrLst meth="repeat">
+      <a:schemeClr val="lt1"/>
+    </dgm:linClrLst>
+    <dgm:effectClrLst/>
+    <dgm:txLinClrLst/>
+    <dgm:txFillClrLst/>
+    <dgm:txEffectClrLst/>
+  </dgm:styleLbl>
+  <dgm:styleLbl name="asst1">
+    <dgm:fillClrLst meth="repeat">
+      <a:schemeClr val="accent1"/>
+    </dgm:fillClrLst>
+    <dgm:linClrLst meth="repeat">
+      <a:schemeClr val="lt1"/>
+    </dgm:linClrLst>
+    <dgm:effectClrLst/>
+    <dgm:txLinClrLst/>
+    <dgm:txFillClrLst/>
+    <dgm:txEffectClrLst/>
+  </dgm:styleLbl>
+  <dgm:styleLbl name="asst2">
+    <dgm:fillClrLst meth="repeat">
+      <a:schemeClr val="accent1"/>
+    </dgm:fillClrLst>
+    <dgm:linClrLst meth="repeat">
+      <a:schemeClr val="lt1"/>
+    </dgm:linClrLst>
+    <dgm:effectClrLst/>
+    <dgm:txLinClrLst/>
+    <dgm:txFillClrLst/>
+    <dgm:txEffectClrLst/>
+  </dgm:styleLbl>
+  <dgm:styleLbl name="asst3">
+    <dgm:fillClrLst meth="repeat">
+      <a:schemeClr val="accent1"/>
+    </dgm:fillClrLst>
+    <dgm:linClrLst meth="repeat">
+      <a:schemeClr val="lt1"/>
+    </dgm:linClrLst>
+    <dgm:effectClrLst/>
+    <dgm:txLinClrLst/>
+    <dgm:txFillClrLst/>
+    <dgm:txEffectClrLst/>
+  </dgm:styleLbl>
+  <dgm:styleLbl name="asst4">
+    <dgm:fillClrLst meth="repeat">
+      <a:schemeClr val="accent1"/>
+    </dgm:fillClrLst>
+    <dgm:linClrLst meth="repeat">
+      <a:schemeClr val="lt1"/>
+    </dgm:linClrLst>
+    <dgm:effectClrLst/>
+    <dgm:txLinClrLst/>
+    <dgm:txFillClrLst/>
+    <dgm:txEffectClrLst/>
+  </dgm:styleLbl>
+  <dgm:styleLbl name="parChTrans2D1">
+    <dgm:fillClrLst meth="repeat">
+      <a:schemeClr val="accent1">
+        <a:tint val="60000"/>
+      </a:schemeClr>
+    </dgm:fillClrLst>
+    <dgm:linClrLst meth="repeat">
+      <a:schemeClr val="accent1">
+        <a:tint val="60000"/>
+      </a:schemeClr>
+    </dgm:linClrLst>
+    <dgm:effectClrLst/>
+    <dgm:txLinClrLst/>
+    <dgm:txFillClrLst meth="repeat">
+      <a:schemeClr val="lt1"/>
+    </dgm:txFillClrLst>
+    <dgm:txEffectClrLst/>
+  </dgm:styleLbl>
+  <dgm:styleLbl name="parChTrans2D2">
+    <dgm:fillClrLst meth="repeat">
+      <a:schemeClr val="accent1"/>
+    </dgm:fillClrLst>
+    <dgm:linClrLst meth="repeat">
+      <a:schemeClr val="accent1"/>
+    </dgm:linClrLst>
+    <dgm:effectClrLst/>
+    <dgm:txLinClrLst/>
+    <dgm:txFillClrLst meth="repeat">
+      <a:schemeClr val="lt1"/>
+    </dgm:txFillClrLst>
+    <dgm:txEffectClrLst/>
+  </dgm:styleLbl>
+  <dgm:styleLbl name="parChTrans2D3">
+    <dgm:fillClrLst meth="repeat">
+      <a:schemeClr val="accent1"/>
+    </dgm:fillClrLst>
+    <dgm:linClrLst meth="repeat">
+      <a:schemeClr val="accent1"/>
+    </dgm:linClrLst>
+    <dgm:effectClrLst/>
+    <dgm:txLinClrLst/>
+    <dgm:txFillClrLst meth="repeat">
+      <a:schemeClr val="lt1"/>
+    </dgm:txFillClrLst>
+    <dgm:txEffectClrLst/>
+  </dgm:styleLbl>
+  <dgm:styleLbl name="parChTrans2D4">
+    <dgm:fillClrLst meth="repeat">
+      <a:schemeClr val="accent1"/>
+    </dgm:fillClrLst>
+    <dgm:linClrLst meth="repeat">
+      <a:schemeClr val="accent1"/>
+    </dgm:linClrLst>
+    <dgm:effectClrLst/>
+    <dgm:txLinClrLst/>
+    <dgm:txFillClrLst meth="repeat">
+      <a:schemeClr val="lt1"/>
+    </dgm:txFillClrLst>
+    <dgm:txEffectClrLst/>
+  </dgm:styleLbl>
+  <dgm:styleLbl name="parChTrans1D1">
+    <dgm:fillClrLst meth="repeat">
+      <a:schemeClr val="accent1"/>
+    </dgm:fillClrLst>
+    <dgm:linClrLst meth="repeat">
+      <a:schemeClr val="accent1">
+        <a:shade val="60000"/>
+      </a:schemeClr>
+    </dgm:linClrLst>
+    <dgm:effectClrLst/>
+    <dgm:txLinClrLst/>
+    <dgm:txFillClrLst meth="repeat">
+      <a:schemeClr val="tx1"/>
+    </dgm:txFillClrLst>
+    <dgm:txEffectClrLst/>
+  </dgm:styleLbl>
+  <dgm:styleLbl name="parChTrans1D2">
+    <dgm:fillClrLst meth="repeat">
+      <a:schemeClr val="accent1"/>
+    </dgm:fillClrLst>
+    <dgm:linClrLst meth="repeat">
+      <a:schemeClr val="accent1">
+        <a:shade val="60000"/>
+      </a:schemeClr>
+    </dgm:linClrLst>
+    <dgm:effectClrLst/>
+    <dgm:txLinClrLst/>
+    <dgm:txFillClrLst meth="repeat">
+      <a:schemeClr val="tx1"/>
+    </dgm:txFillClrLst>
+    <dgm:txEffectClrLst/>
+  </dgm:styleLbl>
+  <dgm:styleLbl name="parChTrans1D3">
+    <dgm:fillClrLst meth="repeat">
+      <a:schemeClr val="accent1"/>
+    </dgm:fillClrLst>
+    <dgm:linClrLst meth="repeat">
+      <a:schemeClr val="accent1">
+        <a:shade val="80000"/>
+      </a:schemeClr>
+    </dgm:linClrLst>
+    <dgm:effectClrLst/>
+    <dgm:txLinClrLst/>
+    <dgm:txFillClrLst meth="repeat">
+      <a:schemeClr val="tx1"/>
+    </dgm:txFillClrLst>
+    <dgm:txEffectClrLst/>
+  </dgm:styleLbl>
+  <dgm:styleLbl name="parChTrans1D4">
+    <dgm:fillClrLst meth="repeat">
+      <a:schemeClr val="accent1"/>
+    </dgm:fillClrLst>
+    <dgm:linClrLst meth="repeat">
+      <a:schemeClr val="accent1">
+        <a:shade val="80000"/>
+      </a:schemeClr>
+    </dgm:linClrLst>
+    <dgm:effectClrLst/>
+    <dgm:txLinClrLst/>
+    <dgm:txFillClrLst meth="repeat">
+      <a:schemeClr val="tx1"/>
+    </dgm:txFillClrLst>
+    <dgm:txEffectClrLst/>
+  </dgm:styleLbl>
+  <dgm:styleLbl name="fgAcc1">
+    <dgm:fillClrLst meth="repeat">
+      <a:schemeClr val="lt1">
+        <a:alpha val="90000"/>
+      </a:schemeClr>
+    </dgm:fillClrLst>
+    <dgm:linClrLst meth="repeat">
+      <a:schemeClr val="accent1"/>
+    </dgm:linClrLst>
+    <dgm:effectClrLst/>
+    <dgm:txLinClrLst/>
+    <dgm:txFillClrLst meth="repeat">
+      <a:schemeClr val="dk1"/>
+    </dgm:txFillClrLst>
+    <dgm:txEffectClrLst/>
+  </dgm:styleLbl>
+  <dgm:styleLbl name="conFgAcc1">
+    <dgm:fillClrLst meth="repeat">
+      <a:schemeClr val="lt1">
+        <a:alpha val="90000"/>
+      </a:schemeClr>
+    </dgm:fillClrLst>
+    <dgm:linClrLst meth="repeat">
+      <a:schemeClr val="accent1"/>
+    </dgm:linClrLst>
+    <dgm:effectClrLst/>
+    <dgm:txLinClrLst/>
+    <dgm:txFillClrLst meth="repeat">
+      <a:schemeClr val="dk1"/>
+    </dgm:txFillClrLst>
+    <dgm:txEffectClrLst/>
+  </dgm:styleLbl>
+  <dgm:styleLbl name="alignAcc1">
+    <dgm:fillClrLst meth="repeat">
+      <a:schemeClr val="lt1">
+        <a:alpha val="90000"/>
+      </a:schemeClr>
+    </dgm:fillClrLst>
+    <dgm:linClrLst meth="repeat">
+      <a:schemeClr val="accent1"/>
+    </dgm:linClrLst>
+    <dgm:effectClrLst/>
+    <dgm:txLinClrLst/>
+    <dgm:txFillClrLst meth="repeat">
+      <a:schemeClr val="dk1"/>
+    </dgm:txFillClrLst>
+    <dgm:txEffectClrLst/>
+  </dgm:styleLbl>
+  <dgm:styleLbl name="trAlignAcc1">
+    <dgm:fillClrLst meth="repeat">
+      <a:schemeClr val="lt1">
+        <a:alpha val="40000"/>
+      </a:schemeClr>
+    </dgm:fillClrLst>
+    <dgm:linClrLst meth="repeat">
+      <a:schemeClr val="accent1"/>
+    </dgm:linClrLst>
+    <dgm:effectClrLst/>
+    <dgm:txLinClrLst/>
+    <dgm:txFillClrLst meth="repeat">
+      <a:schemeClr val="dk1"/>
+    </dgm:txFillClrLst>
+    <dgm:txEffectClrLst/>
+  </dgm:styleLbl>
+  <dgm:styleLbl name="bgAcc1">
+    <dgm:fillClrLst meth="repeat">
+      <a:schemeClr val="lt1">
+        <a:alpha val="90000"/>
+      </a:schemeClr>
+    </dgm:fillClrLst>
+    <dgm:linClrLst meth="repeat">
+      <a:schemeClr val="accent1"/>
+    </dgm:linClrLst>
+    <dgm:effectClrLst/>
+    <dgm:txLinClrLst/>
+    <dgm:txFillClrLst meth="repeat">
+      <a:schemeClr val="dk1"/>
+    </dgm:txFillClrLst>
+    <dgm:txEffectClrLst/>
+  </dgm:styleLbl>
+  <dgm:styleLbl name="solidFgAcc1">
+    <dgm:fillClrLst meth="repeat">
+      <a:schemeClr val="lt1"/>
+    </dgm:fillClrLst>
+    <dgm:linClrLst meth="repeat">
+      <a:schemeClr val="accent1"/>
+    </dgm:linClrLst>
+    <dgm:effectClrLst/>
+    <dgm:txLinClrLst/>
+    <dgm:txFillClrLst meth="repeat">
+      <a:schemeClr val="dk1"/>
+    </dgm:txFillClrLst>
+    <dgm:txEffectClrLst/>
+  </dgm:styleLbl>
+  <dgm:styleLbl name="solidAlignAcc1">
+    <dgm:fillClrLst meth="repeat">
+      <a:schemeClr val="lt1"/>
+    </dgm:fillClrLst>
+    <dgm:linClrLst meth="repeat">
+      <a:schemeClr val="accent1"/>
+    </dgm:linClrLst>
+    <dgm:effectClrLst/>
+    <dgm:txLinClrLst/>
+    <dgm:txFillClrLst meth="repeat">
+      <a:schemeClr val="dk1"/>
+    </dgm:txFillClrLst>
+    <dgm:txEffectClrLst/>
+  </dgm:styleLbl>
+  <dgm:styleLbl name="solidBgAcc1">
+    <dgm:fillClrLst meth="repeat">
+      <a:schemeClr val="lt1"/>
+    </dgm:fillClrLst>
+    <dgm:linClrLst meth="repeat">
+      <a:schemeClr val="accent1"/>
+    </dgm:linClrLst>
+    <dgm:effectClrLst/>
+    <dgm:txLinClrLst/>
+    <dgm:txFillClrLst meth="repeat">
+      <a:schemeClr val="dk1"/>
+    </dgm:txFillClrLst>
+    <dgm:txEffectClrLst/>
+  </dgm:styleLbl>
+  <dgm:styleLbl name="fgAccFollowNode1">
+    <dgm:fillClrLst meth="repeat">
+      <a:schemeClr val="accent1">
+        <a:alpha val="90000"/>
+        <a:tint val="40000"/>
+      </a:schemeClr>
+    </dgm:fillClrLst>
+    <dgm:linClrLst meth="repeat">
+      <a:schemeClr val="accent1">
+        <a:alpha val="90000"/>
+        <a:tint val="40000"/>
+      </a:schemeClr>
+    </dgm:linClrLst>
+    <dgm:effectClrLst/>
+    <dgm:txLinClrLst/>
+    <dgm:txFillClrLst meth="repeat">
+      <a:schemeClr val="dk1"/>
+    </dgm:txFillClrLst>
+    <dgm:txEffectClrLst/>
+  </dgm:styleLbl>
+  <dgm:styleLbl name="alignAccFollowNode1">
+    <dgm:fillClrLst meth="repeat">
+      <a:schemeClr val="accent1">
+        <a:alpha val="90000"/>
+        <a:tint val="40000"/>
+      </a:schemeClr>
+    </dgm:fillClrLst>
+    <dgm:linClrLst meth="repeat">
+      <a:schemeClr val="accent1">
+        <a:alpha val="90000"/>
+        <a:tint val="40000"/>
+      </a:schemeClr>
+    </dgm:linClrLst>
+    <dgm:effectClrLst/>
+    <dgm:txLinClrLst/>
+    <dgm:txFillClrLst meth="repeat">
+      <a:schemeClr val="dk1"/>
+    </dgm:txFillClrLst>
+    <dgm:txEffectClrLst/>
+  </dgm:styleLbl>
+  <dgm:styleLbl name="bgAccFollowNode1">
+    <dgm:fillClrLst meth="repeat">
+      <a:schemeClr val="accent1">
+        <a:alpha val="90000"/>
+        <a:tint val="40000"/>
+      </a:schemeClr>
+    </dgm:fillClrLst>
+    <dgm:linClrLst meth="repeat">
+      <a:schemeClr val="accent1">
+        <a:alpha val="90000"/>
+        <a:tint val="40000"/>
+      </a:schemeClr>
+    </dgm:linClrLst>
+    <dgm:effectClrLst/>
+    <dgm:txLinClrLst/>
+    <dgm:txFillClrLst meth="repeat">
+      <a:schemeClr val="dk1"/>
+    </dgm:txFillClrLst>
+    <dgm:txEffectClrLst/>
+  </dgm:styleLbl>
+  <dgm:styleLbl name="fgAcc0">
+    <dgm:fillClrLst meth="repeat">
+      <a:schemeClr val="lt1">
+        <a:alpha val="90000"/>
+      </a:schemeClr>
+    </dgm:fillClrLst>
+    <dgm:linClrLst meth="repeat">
+      <a:schemeClr val="accent1"/>
+    </dgm:linClrLst>
+    <dgm:effectClrLst/>
+    <dgm:txLinClrLst/>
+    <dgm:txFillClrLst meth="repeat">
+      <a:schemeClr val="dk1"/>
+    </dgm:txFillClrLst>
+    <dgm:txEffectClrLst/>
+  </dgm:styleLbl>
+  <dgm:styleLbl name="fgAcc2">
+    <dgm:fillClrLst meth="repeat">
+      <a:schemeClr val="lt1">
+        <a:alpha val="90000"/>
+      </a:schemeClr>
+    </dgm:fillClrLst>
+    <dgm:linClrLst meth="repeat">
+      <a:schemeClr val="accent1"/>
+    </dgm:linClrLst>
+    <dgm:effectClrLst/>
+    <dgm:txLinClrLst/>
+    <dgm:txFillClrLst meth="repeat">
+      <a:schemeClr val="dk1"/>
+    </dgm:txFillClrLst>
+    <dgm:txEffectClrLst/>
+  </dgm:styleLbl>
+  <dgm:styleLbl name="fgAcc3">
+    <dgm:fillClrLst meth="repeat">
+      <a:schemeClr val="lt1">
+        <a:alpha val="90000"/>
+      </a:schemeClr>
+    </dgm:fillClrLst>
+    <dgm:linClrLst meth="repeat">
+      <a:schemeClr val="accent1"/>
+    </dgm:linClrLst>
+    <dgm:effectClrLst/>
+    <dgm:txLinClrLst/>
+    <dgm:txFillClrLst meth="repeat">
+      <a:schemeClr val="dk1"/>
+    </dgm:txFillClrLst>
+    <dgm:txEffectClrLst/>
+  </dgm:styleLbl>
+  <dgm:styleLbl name="fgAcc4">
+    <dgm:fillClrLst meth="repeat">
+      <a:schemeClr val="lt1">
+        <a:alpha val="90000"/>
+      </a:schemeClr>
+    </dgm:fillClrLst>
+    <dgm:linClrLst meth="repeat">
+      <a:schemeClr val="accent1"/>
+    </dgm:linClrLst>
+    <dgm:effectClrLst/>
+    <dgm:txLinClrLst/>
+    <dgm:txFillClrLst meth="repeat">
+      <a:schemeClr val="dk1"/>
+    </dgm:txFillClrLst>
+    <dgm:txEffectClrLst/>
+  </dgm:styleLbl>
+  <dgm:styleLbl name="bgShp">
+    <dgm:fillClrLst meth="repeat">
+      <a:schemeClr val="accent1">
+        <a:tint val="40000"/>
+      </a:schemeClr>
+    </dgm:fillClrLst>
+    <dgm:linClrLst meth="repeat">
+      <a:schemeClr val="accent1"/>
+    </dgm:linClrLst>
+    <dgm:effectClrLst/>
+    <dgm:txLinClrLst/>
+    <dgm:txFillClrLst meth="repeat">
+      <a:schemeClr val="dk1"/>
+    </dgm:txFillClrLst>
+    <dgm:txEffectClrLst/>
+  </dgm:styleLbl>
+  <dgm:styleLbl name="dkBgShp">
+    <dgm:fillClrLst meth="repeat">
+      <a:schemeClr val="accent1">
+        <a:shade val="80000"/>
+      </a:schemeClr>
+    </dgm:fillClrLst>
+    <dgm:linClrLst meth="repeat">
+      <a:schemeClr val="accent1"/>
+    </dgm:linClrLst>
+    <dgm:effectClrLst/>
+    <dgm:txLinClrLst/>
+    <dgm:txFillClrLst meth="repeat">
+      <a:schemeClr val="lt1"/>
+    </dgm:txFillClrLst>
+    <dgm:txEffectClrLst/>
+  </dgm:styleLbl>
+  <dgm:styleLbl name="trBgShp">
+    <dgm:fillClrLst meth="repeat">
+      <a:schemeClr val="accent1">
+        <a:tint val="50000"/>
+        <a:alpha val="40000"/>
+      </a:schemeClr>
+    </dgm:fillClrLst>
+    <dgm:linClrLst meth="repeat">
+      <a:schemeClr val="accent1"/>
+    </dgm:linClrLst>
+    <dgm:effectClrLst/>
+    <dgm:txLinClrLst/>
+    <dgm:txFillClrLst meth="repeat">
+      <a:schemeClr val="lt1"/>
+    </dgm:txFillClrLst>
+    <dgm:txEffectClrLst/>
+  </dgm:styleLbl>
+  <dgm:styleLbl name="fgShp">
+    <dgm:fillClrLst meth="repeat">
+      <a:schemeClr val="accent1">
+        <a:tint val="60000"/>
+      </a:schemeClr>
+    </dgm:fillClrLst>
+    <dgm:linClrLst meth="repeat">
+      <a:schemeClr val="lt1"/>
+    </dgm:linClrLst>
+    <dgm:effectClrLst/>
+    <dgm:txLinClrLst/>
+    <dgm:txFillClrLst meth="repeat">
+      <a:schemeClr val="dk1"/>
+    </dgm:txFillClrLst>
+    <dgm:txEffectClrLst/>
+  </dgm:styleLbl>
+  <dgm:styleLbl name="revTx">
+    <dgm:fillClrLst meth="repeat">
+      <a:schemeClr val="lt1">
+        <a:alpha val="0"/>
+      </a:schemeClr>
+    </dgm:fillClrLst>
+    <dgm:linClrLst meth="repeat">
+      <a:schemeClr val="dk1">
+        <a:alpha val="0"/>
+      </a:schemeClr>
+    </dgm:linClrLst>
+    <dgm:effectClrLst/>
+    <dgm:txLinClrLst/>
+    <dgm:txFillClrLst meth="repeat">
+      <a:schemeClr val="tx1"/>
+    </dgm:txFillClrLst>
+    <dgm:txEffectClrLst/>
+  </dgm:styleLbl>
+</dgm:colorsDef>
+</file>
+
+<file path=ppt/diagrams/colors4.xml><?xml version="1.0" encoding="utf-8"?>
 <dgm:colorsDef xmlns:dgm="http://schemas.openxmlformats.org/drawingml/2006/diagram" xmlns:a="http://schemas.openxmlformats.org/drawingml/2006/main" uniqueId="urn:microsoft.com/office/officeart/2005/8/colors/colorful2">
   <dgm:title val=""/>
   <dgm:desc val=""/>
@@ -4041,6 +4819,665 @@
 </file>
 
 <file path=ppt/diagrams/data3.xml><?xml version="1.0" encoding="utf-8"?>
+<dgm:dataModel xmlns:dgm="http://schemas.openxmlformats.org/drawingml/2006/diagram" xmlns:a="http://schemas.openxmlformats.org/drawingml/2006/main">
+  <dgm:ptLst>
+    <dgm:pt modelId="{C4072181-76ED-2F4E-A822-5A9EDFFF978D}" type="doc">
+      <dgm:prSet loTypeId="urn:microsoft.com/office/officeart/2005/8/layout/balance1" loCatId="" qsTypeId="urn:microsoft.com/office/officeart/2005/8/quickstyle/simple1" qsCatId="simple" csTypeId="urn:microsoft.com/office/officeart/2005/8/colors/accent1_2" csCatId="accent1" phldr="1"/>
+      <dgm:spPr/>
+      <dgm:t>
+        <a:bodyPr/>
+        <a:lstStyle/>
+        <a:p>
+          <a:endParaRPr lang="en-US"/>
+        </a:p>
+      </dgm:t>
+    </dgm:pt>
+    <dgm:pt modelId="{22A24AFD-D4ED-6941-ADA7-24E86D24904D}">
+      <dgm:prSet phldrT="[Text]">
+        <dgm:style>
+          <a:lnRef idx="2">
+            <a:schemeClr val="accent2"/>
+          </a:lnRef>
+          <a:fillRef idx="1">
+            <a:schemeClr val="lt1"/>
+          </a:fillRef>
+          <a:effectRef idx="0">
+            <a:schemeClr val="accent2"/>
+          </a:effectRef>
+          <a:fontRef idx="minor">
+            <a:schemeClr val="dk1"/>
+          </a:fontRef>
+        </dgm:style>
+      </dgm:prSet>
+      <dgm:spPr/>
+      <dgm:t>
+        <a:bodyPr/>
+        <a:lstStyle/>
+        <a:p>
+          <a:r>
+            <a:rPr lang="en-US" dirty="0"/>
+            <a:t>Bronze</a:t>
+          </a:r>
+        </a:p>
+      </dgm:t>
+    </dgm:pt>
+    <dgm:pt modelId="{2012A85F-37A1-BF45-9955-D60035F9014B}" type="parTrans" cxnId="{1E1BDC4E-5A71-764D-A354-96B86596A2DB}">
+      <dgm:prSet/>
+      <dgm:spPr/>
+      <dgm:t>
+        <a:bodyPr/>
+        <a:lstStyle/>
+        <a:p>
+          <a:endParaRPr lang="en-US"/>
+        </a:p>
+      </dgm:t>
+    </dgm:pt>
+    <dgm:pt modelId="{7595E7FE-651F-D244-9AF4-43CE739A79C2}" type="sibTrans" cxnId="{1E1BDC4E-5A71-764D-A354-96B86596A2DB}">
+      <dgm:prSet/>
+      <dgm:spPr/>
+      <dgm:t>
+        <a:bodyPr/>
+        <a:lstStyle/>
+        <a:p>
+          <a:endParaRPr lang="en-US"/>
+        </a:p>
+      </dgm:t>
+    </dgm:pt>
+    <dgm:pt modelId="{4253AB0B-029C-CB4F-871F-48066FAFE39B}">
+      <dgm:prSet phldrT="[Text]">
+        <dgm:style>
+          <a:lnRef idx="1">
+            <a:schemeClr val="accent2"/>
+          </a:lnRef>
+          <a:fillRef idx="2">
+            <a:schemeClr val="accent2"/>
+          </a:fillRef>
+          <a:effectRef idx="1">
+            <a:schemeClr val="accent2"/>
+          </a:effectRef>
+          <a:fontRef idx="minor">
+            <a:schemeClr val="dk1"/>
+          </a:fontRef>
+        </dgm:style>
+      </dgm:prSet>
+      <dgm:spPr/>
+      <dgm:t>
+        <a:bodyPr/>
+        <a:lstStyle/>
+        <a:p>
+          <a:r>
+            <a:rPr lang="en-US" dirty="0"/>
+            <a:t>Full Access to Protocol</a:t>
+          </a:r>
+        </a:p>
+      </dgm:t>
+    </dgm:pt>
+    <dgm:pt modelId="{83BD036D-4D1C-6F47-94A4-BBD9459525D2}" type="parTrans" cxnId="{5DF15456-2F0E-CC46-9C10-21D1E42136D3}">
+      <dgm:prSet/>
+      <dgm:spPr/>
+      <dgm:t>
+        <a:bodyPr/>
+        <a:lstStyle/>
+        <a:p>
+          <a:endParaRPr lang="en-US"/>
+        </a:p>
+      </dgm:t>
+    </dgm:pt>
+    <dgm:pt modelId="{B894D212-5134-C14F-B090-D456D5F35BC3}" type="sibTrans" cxnId="{5DF15456-2F0E-CC46-9C10-21D1E42136D3}">
+      <dgm:prSet/>
+      <dgm:spPr/>
+      <dgm:t>
+        <a:bodyPr/>
+        <a:lstStyle/>
+        <a:p>
+          <a:endParaRPr lang="en-US"/>
+        </a:p>
+      </dgm:t>
+    </dgm:pt>
+    <dgm:pt modelId="{01EC0F2B-098B-284F-BCCF-0C1AEB7CC043}">
+      <dgm:prSet phldrT="[Text]">
+        <dgm:style>
+          <a:lnRef idx="1">
+            <a:schemeClr val="accent2"/>
+          </a:lnRef>
+          <a:fillRef idx="2">
+            <a:schemeClr val="accent2"/>
+          </a:fillRef>
+          <a:effectRef idx="1">
+            <a:schemeClr val="accent2"/>
+          </a:effectRef>
+          <a:fontRef idx="minor">
+            <a:schemeClr val="dk1"/>
+          </a:fontRef>
+        </dgm:style>
+      </dgm:prSet>
+      <dgm:spPr/>
+      <dgm:t>
+        <a:bodyPr/>
+        <a:lstStyle/>
+        <a:p>
+          <a:r>
+            <a:rPr lang="en-US" dirty="0"/>
+            <a:t>1 Coached session/month</a:t>
+          </a:r>
+        </a:p>
+      </dgm:t>
+    </dgm:pt>
+    <dgm:pt modelId="{7056878A-7FEC-464F-A531-41E104223AD9}" type="parTrans" cxnId="{BE5CAE0B-DBEF-B749-AAE4-FE727A0AE656}">
+      <dgm:prSet/>
+      <dgm:spPr/>
+      <dgm:t>
+        <a:bodyPr/>
+        <a:lstStyle/>
+        <a:p>
+          <a:endParaRPr lang="en-US"/>
+        </a:p>
+      </dgm:t>
+    </dgm:pt>
+    <dgm:pt modelId="{ABEB3F8D-6D47-EE44-8E54-DE919B130167}" type="sibTrans" cxnId="{BE5CAE0B-DBEF-B749-AAE4-FE727A0AE656}">
+      <dgm:prSet/>
+      <dgm:spPr/>
+      <dgm:t>
+        <a:bodyPr/>
+        <a:lstStyle/>
+        <a:p>
+          <a:endParaRPr lang="en-US"/>
+        </a:p>
+      </dgm:t>
+    </dgm:pt>
+    <dgm:pt modelId="{9173B84E-E277-B145-A66F-13CD45234385}">
+      <dgm:prSet phldrT="[Text]">
+        <dgm:style>
+          <a:lnRef idx="2">
+            <a:schemeClr val="accent4"/>
+          </a:lnRef>
+          <a:fillRef idx="1">
+            <a:schemeClr val="lt1"/>
+          </a:fillRef>
+          <a:effectRef idx="0">
+            <a:schemeClr val="accent4"/>
+          </a:effectRef>
+          <a:fontRef idx="minor">
+            <a:schemeClr val="dk1"/>
+          </a:fontRef>
+        </dgm:style>
+      </dgm:prSet>
+      <dgm:spPr/>
+      <dgm:t>
+        <a:bodyPr/>
+        <a:lstStyle/>
+        <a:p>
+          <a:r>
+            <a:rPr lang="en-US" dirty="0"/>
+            <a:t>Gold</a:t>
+          </a:r>
+        </a:p>
+      </dgm:t>
+    </dgm:pt>
+    <dgm:pt modelId="{FC50F5CA-EF70-9C4C-A582-4FD55404F222}" type="parTrans" cxnId="{45F405E1-2AF5-6645-B89D-0CA111BE910C}">
+      <dgm:prSet/>
+      <dgm:spPr/>
+      <dgm:t>
+        <a:bodyPr/>
+        <a:lstStyle/>
+        <a:p>
+          <a:endParaRPr lang="en-US"/>
+        </a:p>
+      </dgm:t>
+    </dgm:pt>
+    <dgm:pt modelId="{F47CA3CB-BC8A-4946-8B1E-38F65E941F64}" type="sibTrans" cxnId="{45F405E1-2AF5-6645-B89D-0CA111BE910C}">
+      <dgm:prSet/>
+      <dgm:spPr/>
+      <dgm:t>
+        <a:bodyPr/>
+        <a:lstStyle/>
+        <a:p>
+          <a:endParaRPr lang="en-US"/>
+        </a:p>
+      </dgm:t>
+    </dgm:pt>
+    <dgm:pt modelId="{53502409-4418-3C48-AE27-1335316D954A}">
+      <dgm:prSet phldrT="[Text]">
+        <dgm:style>
+          <a:lnRef idx="1">
+            <a:schemeClr val="accent4"/>
+          </a:lnRef>
+          <a:fillRef idx="2">
+            <a:schemeClr val="accent4"/>
+          </a:fillRef>
+          <a:effectRef idx="1">
+            <a:schemeClr val="accent4"/>
+          </a:effectRef>
+          <a:fontRef idx="minor">
+            <a:schemeClr val="dk1"/>
+          </a:fontRef>
+        </dgm:style>
+      </dgm:prSet>
+      <dgm:spPr/>
+      <dgm:t>
+        <a:bodyPr/>
+        <a:lstStyle/>
+        <a:p>
+          <a:r>
+            <a:rPr lang="en-US" dirty="0"/>
+            <a:t>Testing as Needed</a:t>
+          </a:r>
+        </a:p>
+      </dgm:t>
+    </dgm:pt>
+    <dgm:pt modelId="{DE5D64DB-6D56-A64A-89BC-2E01FF1C859B}" type="parTrans" cxnId="{9D1916A4-3FC6-7C49-B9A4-0CB10D978C8F}">
+      <dgm:prSet/>
+      <dgm:spPr/>
+      <dgm:t>
+        <a:bodyPr/>
+        <a:lstStyle/>
+        <a:p>
+          <a:endParaRPr lang="en-US"/>
+        </a:p>
+      </dgm:t>
+    </dgm:pt>
+    <dgm:pt modelId="{D0F17E4F-4C54-B14E-9BD1-F4E496433638}" type="sibTrans" cxnId="{9D1916A4-3FC6-7C49-B9A4-0CB10D978C8F}">
+      <dgm:prSet/>
+      <dgm:spPr/>
+      <dgm:t>
+        <a:bodyPr/>
+        <a:lstStyle/>
+        <a:p>
+          <a:endParaRPr lang="en-US"/>
+        </a:p>
+      </dgm:t>
+    </dgm:pt>
+    <dgm:pt modelId="{56CE8AD4-D409-8545-8FAE-F56A77EBCC72}">
+      <dgm:prSet phldrT="[Text]">
+        <dgm:style>
+          <a:lnRef idx="1">
+            <a:schemeClr val="accent4"/>
+          </a:lnRef>
+          <a:fillRef idx="2">
+            <a:schemeClr val="accent4"/>
+          </a:fillRef>
+          <a:effectRef idx="1">
+            <a:schemeClr val="accent4"/>
+          </a:effectRef>
+          <a:fontRef idx="minor">
+            <a:schemeClr val="dk1"/>
+          </a:fontRef>
+        </dgm:style>
+      </dgm:prSet>
+      <dgm:spPr/>
+      <dgm:t>
+        <a:bodyPr/>
+        <a:lstStyle/>
+        <a:p>
+          <a:r>
+            <a:rPr lang="en-US" dirty="0"/>
+            <a:t>Full Gym &amp; Coaching Access</a:t>
+          </a:r>
+        </a:p>
+      </dgm:t>
+    </dgm:pt>
+    <dgm:pt modelId="{045A4E60-CA71-7844-9BF9-A7E0A0E714DF}" type="parTrans" cxnId="{3AD094E8-25EB-7246-9989-9B1944857CD2}">
+      <dgm:prSet/>
+      <dgm:spPr/>
+      <dgm:t>
+        <a:bodyPr/>
+        <a:lstStyle/>
+        <a:p>
+          <a:endParaRPr lang="en-US"/>
+        </a:p>
+      </dgm:t>
+    </dgm:pt>
+    <dgm:pt modelId="{8C7DE156-33F0-F848-AC8D-EBD079666B08}" type="sibTrans" cxnId="{3AD094E8-25EB-7246-9989-9B1944857CD2}">
+      <dgm:prSet/>
+      <dgm:spPr/>
+      <dgm:t>
+        <a:bodyPr/>
+        <a:lstStyle/>
+        <a:p>
+          <a:endParaRPr lang="en-US"/>
+        </a:p>
+      </dgm:t>
+    </dgm:pt>
+    <dgm:pt modelId="{7341EE6E-1B67-8147-9FA3-FEF3BF5D773E}">
+      <dgm:prSet phldrT="[Text]">
+        <dgm:style>
+          <a:lnRef idx="1">
+            <a:schemeClr val="accent4"/>
+          </a:lnRef>
+          <a:fillRef idx="2">
+            <a:schemeClr val="accent4"/>
+          </a:fillRef>
+          <a:effectRef idx="1">
+            <a:schemeClr val="accent4"/>
+          </a:effectRef>
+          <a:fontRef idx="minor">
+            <a:schemeClr val="dk1"/>
+          </a:fontRef>
+        </dgm:style>
+      </dgm:prSet>
+      <dgm:spPr/>
+      <dgm:t>
+        <a:bodyPr/>
+        <a:lstStyle/>
+        <a:p>
+          <a:r>
+            <a:rPr lang="en-US" dirty="0"/>
+            <a:t>Full Access to Protocol</a:t>
+          </a:r>
+        </a:p>
+      </dgm:t>
+    </dgm:pt>
+    <dgm:pt modelId="{02B6C90C-224D-B848-A349-0AB30F58B07D}" type="parTrans" cxnId="{F5636155-8BB7-2741-8F46-701C2A707B44}">
+      <dgm:prSet/>
+      <dgm:spPr/>
+      <dgm:t>
+        <a:bodyPr/>
+        <a:lstStyle/>
+        <a:p>
+          <a:endParaRPr lang="en-US"/>
+        </a:p>
+      </dgm:t>
+    </dgm:pt>
+    <dgm:pt modelId="{C438EABC-C0E7-9747-9A95-29A7CC9B8693}" type="sibTrans" cxnId="{F5636155-8BB7-2741-8F46-701C2A707B44}">
+      <dgm:prSet/>
+      <dgm:spPr/>
+      <dgm:t>
+        <a:bodyPr/>
+        <a:lstStyle/>
+        <a:p>
+          <a:endParaRPr lang="en-US"/>
+        </a:p>
+      </dgm:t>
+    </dgm:pt>
+    <dgm:pt modelId="{803AAADB-2E38-3B4E-9474-E284E42070FE}">
+      <dgm:prSet>
+        <dgm:style>
+          <a:lnRef idx="1">
+            <a:schemeClr val="accent2"/>
+          </a:lnRef>
+          <a:fillRef idx="2">
+            <a:schemeClr val="accent2"/>
+          </a:fillRef>
+          <a:effectRef idx="1">
+            <a:schemeClr val="accent2"/>
+          </a:effectRef>
+          <a:fontRef idx="minor">
+            <a:schemeClr val="dk1"/>
+          </a:fontRef>
+        </dgm:style>
+      </dgm:prSet>
+      <dgm:spPr/>
+      <dgm:t>
+        <a:bodyPr/>
+        <a:lstStyle/>
+        <a:p>
+          <a:r>
+            <a:rPr lang="en-US" dirty="0"/>
+            <a:t>1 Testing session/month</a:t>
+          </a:r>
+        </a:p>
+      </dgm:t>
+    </dgm:pt>
+    <dgm:pt modelId="{DA29B15C-0DDE-FE47-B449-B7A41798E024}" type="parTrans" cxnId="{B79F8836-2683-7344-A60C-7FEA80077CEA}">
+      <dgm:prSet/>
+      <dgm:spPr/>
+      <dgm:t>
+        <a:bodyPr/>
+        <a:lstStyle/>
+        <a:p>
+          <a:endParaRPr lang="en-US"/>
+        </a:p>
+      </dgm:t>
+    </dgm:pt>
+    <dgm:pt modelId="{65CC726D-E5EF-F14D-BE29-7EDC30C95E0F}" type="sibTrans" cxnId="{B79F8836-2683-7344-A60C-7FEA80077CEA}">
+      <dgm:prSet/>
+      <dgm:spPr/>
+      <dgm:t>
+        <a:bodyPr/>
+        <a:lstStyle/>
+        <a:p>
+          <a:endParaRPr lang="en-US"/>
+        </a:p>
+      </dgm:t>
+    </dgm:pt>
+    <dgm:pt modelId="{0209B467-C943-0240-90CC-706E9174D931}">
+      <dgm:prSet>
+        <dgm:style>
+          <a:lnRef idx="1">
+            <a:schemeClr val="accent4"/>
+          </a:lnRef>
+          <a:fillRef idx="2">
+            <a:schemeClr val="accent4"/>
+          </a:fillRef>
+          <a:effectRef idx="1">
+            <a:schemeClr val="accent4"/>
+          </a:effectRef>
+          <a:fontRef idx="minor">
+            <a:schemeClr val="dk1"/>
+          </a:fontRef>
+        </dgm:style>
+      </dgm:prSet>
+      <dgm:spPr/>
+      <dgm:t>
+        <a:bodyPr/>
+        <a:lstStyle/>
+        <a:p>
+          <a:r>
+            <a:rPr lang="en-US" dirty="0"/>
+            <a:t>Individualized Programming</a:t>
+          </a:r>
+        </a:p>
+      </dgm:t>
+    </dgm:pt>
+    <dgm:pt modelId="{8B63D5D8-6165-254A-81F7-908A03869E30}" type="parTrans" cxnId="{0244C11D-09A3-2446-A1ED-BEE6FA11D641}">
+      <dgm:prSet/>
+      <dgm:spPr/>
+      <dgm:t>
+        <a:bodyPr/>
+        <a:lstStyle/>
+        <a:p>
+          <a:endParaRPr lang="en-US"/>
+        </a:p>
+      </dgm:t>
+    </dgm:pt>
+    <dgm:pt modelId="{71F3DFAF-3D03-5744-BCF1-D87C191FA220}" type="sibTrans" cxnId="{0244C11D-09A3-2446-A1ED-BEE6FA11D641}">
+      <dgm:prSet/>
+      <dgm:spPr/>
+      <dgm:t>
+        <a:bodyPr/>
+        <a:lstStyle/>
+        <a:p>
+          <a:endParaRPr lang="en-US"/>
+        </a:p>
+      </dgm:t>
+    </dgm:pt>
+    <dgm:pt modelId="{F1D6077B-0CB8-8C4F-883B-CC5FB3736833}" type="pres">
+      <dgm:prSet presAssocID="{C4072181-76ED-2F4E-A822-5A9EDFFF978D}" presName="outerComposite" presStyleCnt="0">
+        <dgm:presLayoutVars>
+          <dgm:chMax val="2"/>
+          <dgm:animLvl val="lvl"/>
+          <dgm:resizeHandles val="exact"/>
+        </dgm:presLayoutVars>
+      </dgm:prSet>
+      <dgm:spPr/>
+    </dgm:pt>
+    <dgm:pt modelId="{DB10A807-C629-204B-BCFE-CA701481684E}" type="pres">
+      <dgm:prSet presAssocID="{C4072181-76ED-2F4E-A822-5A9EDFFF978D}" presName="dummyMaxCanvas" presStyleCnt="0"/>
+      <dgm:spPr/>
+    </dgm:pt>
+    <dgm:pt modelId="{0B0D2DC7-1B24-A242-AA96-DF896DB2E2CC}" type="pres">
+      <dgm:prSet presAssocID="{C4072181-76ED-2F4E-A822-5A9EDFFF978D}" presName="parentComposite" presStyleCnt="0"/>
+      <dgm:spPr/>
+    </dgm:pt>
+    <dgm:pt modelId="{E4D87250-2A1B-8D43-9A0B-DB3D05685AB1}" type="pres">
+      <dgm:prSet presAssocID="{C4072181-76ED-2F4E-A822-5A9EDFFF978D}" presName="parent1" presStyleLbl="alignAccFollowNode1" presStyleIdx="0" presStyleCnt="4">
+        <dgm:presLayoutVars>
+          <dgm:chMax val="4"/>
+        </dgm:presLayoutVars>
+      </dgm:prSet>
+      <dgm:spPr/>
+    </dgm:pt>
+    <dgm:pt modelId="{3AD14F0A-BD53-8945-BAFA-33D45E915F6A}" type="pres">
+      <dgm:prSet presAssocID="{C4072181-76ED-2F4E-A822-5A9EDFFF978D}" presName="parent2" presStyleLbl="alignAccFollowNode1" presStyleIdx="1" presStyleCnt="4">
+        <dgm:presLayoutVars>
+          <dgm:chMax val="4"/>
+        </dgm:presLayoutVars>
+      </dgm:prSet>
+      <dgm:spPr/>
+    </dgm:pt>
+    <dgm:pt modelId="{D2D23328-7832-E54F-A67D-702C71924C08}" type="pres">
+      <dgm:prSet presAssocID="{C4072181-76ED-2F4E-A822-5A9EDFFF978D}" presName="childrenComposite" presStyleCnt="0"/>
+      <dgm:spPr/>
+    </dgm:pt>
+    <dgm:pt modelId="{4E82469D-0590-0945-A531-DF892CCA2633}" type="pres">
+      <dgm:prSet presAssocID="{C4072181-76ED-2F4E-A822-5A9EDFFF978D}" presName="dummyMaxCanvas_ChildArea" presStyleCnt="0"/>
+      <dgm:spPr/>
+    </dgm:pt>
+    <dgm:pt modelId="{DE053B93-3D9A-3549-9C28-E4955991DE43}" type="pres">
+      <dgm:prSet presAssocID="{C4072181-76ED-2F4E-A822-5A9EDFFF978D}" presName="fulcrum" presStyleLbl="alignAccFollowNode1" presStyleIdx="2" presStyleCnt="4">
+        <dgm:style>
+          <a:lnRef idx="1">
+            <a:schemeClr val="accent3"/>
+          </a:lnRef>
+          <a:fillRef idx="2">
+            <a:schemeClr val="accent3"/>
+          </a:fillRef>
+          <a:effectRef idx="1">
+            <a:schemeClr val="accent3"/>
+          </a:effectRef>
+          <a:fontRef idx="minor">
+            <a:schemeClr val="dk1"/>
+          </a:fontRef>
+        </dgm:style>
+      </dgm:prSet>
+      <dgm:spPr/>
+    </dgm:pt>
+    <dgm:pt modelId="{A88447ED-5C29-874A-B50F-E9ADAF9353C8}" type="pres">
+      <dgm:prSet presAssocID="{C4072181-76ED-2F4E-A822-5A9EDFFF978D}" presName="balance_34" presStyleLbl="alignAccFollowNode1" presStyleIdx="3" presStyleCnt="4">
+        <dgm:presLayoutVars>
+          <dgm:bulletEnabled val="1"/>
+        </dgm:presLayoutVars>
+        <dgm:style>
+          <a:lnRef idx="1">
+            <a:schemeClr val="accent3"/>
+          </a:lnRef>
+          <a:fillRef idx="2">
+            <a:schemeClr val="accent3"/>
+          </a:fillRef>
+          <a:effectRef idx="1">
+            <a:schemeClr val="accent3"/>
+          </a:effectRef>
+          <a:fontRef idx="minor">
+            <a:schemeClr val="dk1"/>
+          </a:fontRef>
+        </dgm:style>
+      </dgm:prSet>
+      <dgm:spPr/>
+    </dgm:pt>
+    <dgm:pt modelId="{760C2604-C26D-8B4E-81E6-19B933134E7F}" type="pres">
+      <dgm:prSet presAssocID="{C4072181-76ED-2F4E-A822-5A9EDFFF978D}" presName="right_34_1" presStyleLbl="node1" presStyleIdx="0" presStyleCnt="7">
+        <dgm:presLayoutVars>
+          <dgm:bulletEnabled val="1"/>
+        </dgm:presLayoutVars>
+      </dgm:prSet>
+      <dgm:spPr/>
+    </dgm:pt>
+    <dgm:pt modelId="{2A9E6579-DA9B-B74A-8553-6A1235AB143C}" type="pres">
+      <dgm:prSet presAssocID="{C4072181-76ED-2F4E-A822-5A9EDFFF978D}" presName="right_34_2" presStyleLbl="node1" presStyleIdx="1" presStyleCnt="7">
+        <dgm:presLayoutVars>
+          <dgm:bulletEnabled val="1"/>
+        </dgm:presLayoutVars>
+      </dgm:prSet>
+      <dgm:spPr/>
+    </dgm:pt>
+    <dgm:pt modelId="{9306425E-13A5-C44D-85C3-BE42963DEB52}" type="pres">
+      <dgm:prSet presAssocID="{C4072181-76ED-2F4E-A822-5A9EDFFF978D}" presName="right_34_3" presStyleLbl="node1" presStyleIdx="2" presStyleCnt="7">
+        <dgm:presLayoutVars>
+          <dgm:bulletEnabled val="1"/>
+        </dgm:presLayoutVars>
+      </dgm:prSet>
+      <dgm:spPr/>
+    </dgm:pt>
+    <dgm:pt modelId="{D4D5E5A2-CB60-FC43-AA2A-12D70C268A6B}" type="pres">
+      <dgm:prSet presAssocID="{C4072181-76ED-2F4E-A822-5A9EDFFF978D}" presName="right_34_4" presStyleLbl="node1" presStyleIdx="3" presStyleCnt="7">
+        <dgm:presLayoutVars>
+          <dgm:bulletEnabled val="1"/>
+        </dgm:presLayoutVars>
+      </dgm:prSet>
+      <dgm:spPr/>
+    </dgm:pt>
+    <dgm:pt modelId="{E65A9F38-3492-E74F-901D-C6417F51EDA8}" type="pres">
+      <dgm:prSet presAssocID="{C4072181-76ED-2F4E-A822-5A9EDFFF978D}" presName="left_34_1" presStyleLbl="node1" presStyleIdx="4" presStyleCnt="7">
+        <dgm:presLayoutVars>
+          <dgm:bulletEnabled val="1"/>
+        </dgm:presLayoutVars>
+      </dgm:prSet>
+      <dgm:spPr/>
+    </dgm:pt>
+    <dgm:pt modelId="{D91F77BE-E98D-A440-A945-C9C11E42FCCB}" type="pres">
+      <dgm:prSet presAssocID="{C4072181-76ED-2F4E-A822-5A9EDFFF978D}" presName="left_34_2" presStyleLbl="node1" presStyleIdx="5" presStyleCnt="7">
+        <dgm:presLayoutVars>
+          <dgm:bulletEnabled val="1"/>
+        </dgm:presLayoutVars>
+      </dgm:prSet>
+      <dgm:spPr/>
+    </dgm:pt>
+    <dgm:pt modelId="{0D025559-56FD-224C-9DDE-E75EAE1C38C4}" type="pres">
+      <dgm:prSet presAssocID="{C4072181-76ED-2F4E-A822-5A9EDFFF978D}" presName="left_34_3" presStyleLbl="node1" presStyleIdx="6" presStyleCnt="7">
+        <dgm:presLayoutVars>
+          <dgm:bulletEnabled val="1"/>
+        </dgm:presLayoutVars>
+      </dgm:prSet>
+      <dgm:spPr/>
+    </dgm:pt>
+  </dgm:ptLst>
+  <dgm:cxnLst>
+    <dgm:cxn modelId="{BE5CAE0B-DBEF-B749-AAE4-FE727A0AE656}" srcId="{22A24AFD-D4ED-6941-ADA7-24E86D24904D}" destId="{01EC0F2B-098B-284F-BCCF-0C1AEB7CC043}" srcOrd="1" destOrd="0" parTransId="{7056878A-7FEC-464F-A531-41E104223AD9}" sibTransId="{ABEB3F8D-6D47-EE44-8E54-DE919B130167}"/>
+    <dgm:cxn modelId="{E0335A0D-F0EF-CC48-8917-AD91102B983D}" type="presOf" srcId="{01EC0F2B-098B-284F-BCCF-0C1AEB7CC043}" destId="{D91F77BE-E98D-A440-A945-C9C11E42FCCB}" srcOrd="0" destOrd="0" presId="urn:microsoft.com/office/officeart/2005/8/layout/balance1"/>
+    <dgm:cxn modelId="{2F21CE15-CD93-8944-977A-CCF712FDEE0B}" type="presOf" srcId="{9173B84E-E277-B145-A66F-13CD45234385}" destId="{3AD14F0A-BD53-8945-BAFA-33D45E915F6A}" srcOrd="0" destOrd="0" presId="urn:microsoft.com/office/officeart/2005/8/layout/balance1"/>
+    <dgm:cxn modelId="{0244C11D-09A3-2446-A1ED-BEE6FA11D641}" srcId="{9173B84E-E277-B145-A66F-13CD45234385}" destId="{0209B467-C943-0240-90CC-706E9174D931}" srcOrd="2" destOrd="0" parTransId="{8B63D5D8-6165-254A-81F7-908A03869E30}" sibTransId="{71F3DFAF-3D03-5744-BCF1-D87C191FA220}"/>
+    <dgm:cxn modelId="{B79F8836-2683-7344-A60C-7FEA80077CEA}" srcId="{22A24AFD-D4ED-6941-ADA7-24E86D24904D}" destId="{803AAADB-2E38-3B4E-9474-E284E42070FE}" srcOrd="0" destOrd="0" parTransId="{DA29B15C-0DDE-FE47-B449-B7A41798E024}" sibTransId="{65CC726D-E5EF-F14D-BE29-7EDC30C95E0F}"/>
+    <dgm:cxn modelId="{6B66EF3E-8D8C-3E4E-9771-5D77494488C7}" type="presOf" srcId="{803AAADB-2E38-3B4E-9474-E284E42070FE}" destId="{E65A9F38-3492-E74F-901D-C6417F51EDA8}" srcOrd="0" destOrd="0" presId="urn:microsoft.com/office/officeart/2005/8/layout/balance1"/>
+    <dgm:cxn modelId="{08A55145-467C-4747-A93F-37C526DB969F}" type="presOf" srcId="{7341EE6E-1B67-8147-9FA3-FEF3BF5D773E}" destId="{D4D5E5A2-CB60-FC43-AA2A-12D70C268A6B}" srcOrd="0" destOrd="0" presId="urn:microsoft.com/office/officeart/2005/8/layout/balance1"/>
+    <dgm:cxn modelId="{1E1BDC4E-5A71-764D-A354-96B86596A2DB}" srcId="{C4072181-76ED-2F4E-A822-5A9EDFFF978D}" destId="{22A24AFD-D4ED-6941-ADA7-24E86D24904D}" srcOrd="0" destOrd="0" parTransId="{2012A85F-37A1-BF45-9955-D60035F9014B}" sibTransId="{7595E7FE-651F-D244-9AF4-43CE739A79C2}"/>
+    <dgm:cxn modelId="{F5636155-8BB7-2741-8F46-701C2A707B44}" srcId="{9173B84E-E277-B145-A66F-13CD45234385}" destId="{7341EE6E-1B67-8147-9FA3-FEF3BF5D773E}" srcOrd="3" destOrd="0" parTransId="{02B6C90C-224D-B848-A349-0AB30F58B07D}" sibTransId="{C438EABC-C0E7-9747-9A95-29A7CC9B8693}"/>
+    <dgm:cxn modelId="{5DF15456-2F0E-CC46-9C10-21D1E42136D3}" srcId="{22A24AFD-D4ED-6941-ADA7-24E86D24904D}" destId="{4253AB0B-029C-CB4F-871F-48066FAFE39B}" srcOrd="2" destOrd="0" parTransId="{83BD036D-4D1C-6F47-94A4-BBD9459525D2}" sibTransId="{B894D212-5134-C14F-B090-D456D5F35BC3}"/>
+    <dgm:cxn modelId="{F0342260-0FD2-EE43-9262-634122511439}" type="presOf" srcId="{53502409-4418-3C48-AE27-1335316D954A}" destId="{760C2604-C26D-8B4E-81E6-19B933134E7F}" srcOrd="0" destOrd="0" presId="urn:microsoft.com/office/officeart/2005/8/layout/balance1"/>
+    <dgm:cxn modelId="{B5AD886A-17DE-2F48-BB2D-8144628BE8C2}" type="presOf" srcId="{4253AB0B-029C-CB4F-871F-48066FAFE39B}" destId="{0D025559-56FD-224C-9DDE-E75EAE1C38C4}" srcOrd="0" destOrd="0" presId="urn:microsoft.com/office/officeart/2005/8/layout/balance1"/>
+    <dgm:cxn modelId="{84064687-8ADF-7943-A2AA-60217C8E8544}" type="presOf" srcId="{0209B467-C943-0240-90CC-706E9174D931}" destId="{9306425E-13A5-C44D-85C3-BE42963DEB52}" srcOrd="0" destOrd="0" presId="urn:microsoft.com/office/officeart/2005/8/layout/balance1"/>
+    <dgm:cxn modelId="{81355D94-5763-E84A-BF2A-C69E1651F20A}" type="presOf" srcId="{22A24AFD-D4ED-6941-ADA7-24E86D24904D}" destId="{E4D87250-2A1B-8D43-9A0B-DB3D05685AB1}" srcOrd="0" destOrd="0" presId="urn:microsoft.com/office/officeart/2005/8/layout/balance1"/>
+    <dgm:cxn modelId="{9D1916A4-3FC6-7C49-B9A4-0CB10D978C8F}" srcId="{9173B84E-E277-B145-A66F-13CD45234385}" destId="{53502409-4418-3C48-AE27-1335316D954A}" srcOrd="0" destOrd="0" parTransId="{DE5D64DB-6D56-A64A-89BC-2E01FF1C859B}" sibTransId="{D0F17E4F-4C54-B14E-9BD1-F4E496433638}"/>
+    <dgm:cxn modelId="{36632FC6-D99B-FA48-A75B-5F40A403FD84}" type="presOf" srcId="{C4072181-76ED-2F4E-A822-5A9EDFFF978D}" destId="{F1D6077B-0CB8-8C4F-883B-CC5FB3736833}" srcOrd="0" destOrd="0" presId="urn:microsoft.com/office/officeart/2005/8/layout/balance1"/>
+    <dgm:cxn modelId="{45F405E1-2AF5-6645-B89D-0CA111BE910C}" srcId="{C4072181-76ED-2F4E-A822-5A9EDFFF978D}" destId="{9173B84E-E277-B145-A66F-13CD45234385}" srcOrd="1" destOrd="0" parTransId="{FC50F5CA-EF70-9C4C-A582-4FD55404F222}" sibTransId="{F47CA3CB-BC8A-4946-8B1E-38F65E941F64}"/>
+    <dgm:cxn modelId="{3AD094E8-25EB-7246-9989-9B1944857CD2}" srcId="{9173B84E-E277-B145-A66F-13CD45234385}" destId="{56CE8AD4-D409-8545-8FAE-F56A77EBCC72}" srcOrd="1" destOrd="0" parTransId="{045A4E60-CA71-7844-9BF9-A7E0A0E714DF}" sibTransId="{8C7DE156-33F0-F848-AC8D-EBD079666B08}"/>
+    <dgm:cxn modelId="{8D2B36FC-A4EF-3440-A68E-8F96D44E46B7}" type="presOf" srcId="{56CE8AD4-D409-8545-8FAE-F56A77EBCC72}" destId="{2A9E6579-DA9B-B74A-8553-6A1235AB143C}" srcOrd="0" destOrd="0" presId="urn:microsoft.com/office/officeart/2005/8/layout/balance1"/>
+    <dgm:cxn modelId="{C5818864-B693-1648-8E40-55D5A351B70C}" type="presParOf" srcId="{F1D6077B-0CB8-8C4F-883B-CC5FB3736833}" destId="{DB10A807-C629-204B-BCFE-CA701481684E}" srcOrd="0" destOrd="0" presId="urn:microsoft.com/office/officeart/2005/8/layout/balance1"/>
+    <dgm:cxn modelId="{26D093E0-B951-9443-B1B6-1D22083947D0}" type="presParOf" srcId="{F1D6077B-0CB8-8C4F-883B-CC5FB3736833}" destId="{0B0D2DC7-1B24-A242-AA96-DF896DB2E2CC}" srcOrd="1" destOrd="0" presId="urn:microsoft.com/office/officeart/2005/8/layout/balance1"/>
+    <dgm:cxn modelId="{1C96FB40-62D1-294D-B796-2F521C3B56CF}" type="presParOf" srcId="{0B0D2DC7-1B24-A242-AA96-DF896DB2E2CC}" destId="{E4D87250-2A1B-8D43-9A0B-DB3D05685AB1}" srcOrd="0" destOrd="0" presId="urn:microsoft.com/office/officeart/2005/8/layout/balance1"/>
+    <dgm:cxn modelId="{82B9D14F-ADA8-0B42-A4DC-2EA0884A0FB6}" type="presParOf" srcId="{0B0D2DC7-1B24-A242-AA96-DF896DB2E2CC}" destId="{3AD14F0A-BD53-8945-BAFA-33D45E915F6A}" srcOrd="1" destOrd="0" presId="urn:microsoft.com/office/officeart/2005/8/layout/balance1"/>
+    <dgm:cxn modelId="{9C188024-576B-D64A-91C1-9736C2634D7B}" type="presParOf" srcId="{F1D6077B-0CB8-8C4F-883B-CC5FB3736833}" destId="{D2D23328-7832-E54F-A67D-702C71924C08}" srcOrd="2" destOrd="0" presId="urn:microsoft.com/office/officeart/2005/8/layout/balance1"/>
+    <dgm:cxn modelId="{0459F964-3BD4-F64B-B77D-F6C032F64BBB}" type="presParOf" srcId="{D2D23328-7832-E54F-A67D-702C71924C08}" destId="{4E82469D-0590-0945-A531-DF892CCA2633}" srcOrd="0" destOrd="0" presId="urn:microsoft.com/office/officeart/2005/8/layout/balance1"/>
+    <dgm:cxn modelId="{40EE5485-5E90-1C41-8CAE-327CDC8EEC48}" type="presParOf" srcId="{D2D23328-7832-E54F-A67D-702C71924C08}" destId="{DE053B93-3D9A-3549-9C28-E4955991DE43}" srcOrd="1" destOrd="0" presId="urn:microsoft.com/office/officeart/2005/8/layout/balance1"/>
+    <dgm:cxn modelId="{627F7271-6580-3C40-AA71-FE5310A9EE0A}" type="presParOf" srcId="{D2D23328-7832-E54F-A67D-702C71924C08}" destId="{A88447ED-5C29-874A-B50F-E9ADAF9353C8}" srcOrd="2" destOrd="0" presId="urn:microsoft.com/office/officeart/2005/8/layout/balance1"/>
+    <dgm:cxn modelId="{D93DE77B-28F3-E349-AAB7-88AE225AC2BD}" type="presParOf" srcId="{D2D23328-7832-E54F-A67D-702C71924C08}" destId="{760C2604-C26D-8B4E-81E6-19B933134E7F}" srcOrd="3" destOrd="0" presId="urn:microsoft.com/office/officeart/2005/8/layout/balance1"/>
+    <dgm:cxn modelId="{4F7392C1-8C5B-0B40-A12A-6137143EA111}" type="presParOf" srcId="{D2D23328-7832-E54F-A67D-702C71924C08}" destId="{2A9E6579-DA9B-B74A-8553-6A1235AB143C}" srcOrd="4" destOrd="0" presId="urn:microsoft.com/office/officeart/2005/8/layout/balance1"/>
+    <dgm:cxn modelId="{A110F243-EB4F-564C-8573-3C0BAFFC3D02}" type="presParOf" srcId="{D2D23328-7832-E54F-A67D-702C71924C08}" destId="{9306425E-13A5-C44D-85C3-BE42963DEB52}" srcOrd="5" destOrd="0" presId="urn:microsoft.com/office/officeart/2005/8/layout/balance1"/>
+    <dgm:cxn modelId="{55D103CD-A315-A04A-902C-E7F59AAE9CBB}" type="presParOf" srcId="{D2D23328-7832-E54F-A67D-702C71924C08}" destId="{D4D5E5A2-CB60-FC43-AA2A-12D70C268A6B}" srcOrd="6" destOrd="0" presId="urn:microsoft.com/office/officeart/2005/8/layout/balance1"/>
+    <dgm:cxn modelId="{D19E9513-BE12-8D4F-9EEF-C42D4CBE340D}" type="presParOf" srcId="{D2D23328-7832-E54F-A67D-702C71924C08}" destId="{E65A9F38-3492-E74F-901D-C6417F51EDA8}" srcOrd="7" destOrd="0" presId="urn:microsoft.com/office/officeart/2005/8/layout/balance1"/>
+    <dgm:cxn modelId="{13083BA7-A70F-9B49-8BDF-D5FF8FBAEE4B}" type="presParOf" srcId="{D2D23328-7832-E54F-A67D-702C71924C08}" destId="{D91F77BE-E98D-A440-A945-C9C11E42FCCB}" srcOrd="8" destOrd="0" presId="urn:microsoft.com/office/officeart/2005/8/layout/balance1"/>
+    <dgm:cxn modelId="{34BE9895-346D-C040-A77E-0C9E0E819144}" type="presParOf" srcId="{D2D23328-7832-E54F-A67D-702C71924C08}" destId="{0D025559-56FD-224C-9DDE-E75EAE1C38C4}" srcOrd="9" destOrd="0" presId="urn:microsoft.com/office/officeart/2005/8/layout/balance1"/>
+  </dgm:cxnLst>
+  <dgm:bg/>
+  <dgm:whole/>
+  <dgm:extLst>
+    <a:ext uri="http://schemas.microsoft.com/office/drawing/2008/diagram">
+      <dsp:dataModelExt xmlns:dsp="http://schemas.microsoft.com/office/drawing/2008/diagram" relId="rId7" minVer="http://schemas.openxmlformats.org/drawingml/2006/diagram"/>
+    </a:ext>
+  </dgm:extLst>
+</dgm:dataModel>
+</file>
+
+<file path=ppt/diagrams/data4.xml><?xml version="1.0" encoding="utf-8"?>
 <dgm:dataModel xmlns:dgm="http://schemas.openxmlformats.org/drawingml/2006/diagram" xmlns:a="http://schemas.openxmlformats.org/drawingml/2006/main">
   <dgm:ptLst>
     <dgm:pt modelId="{18DDC935-CA96-554F-9EA3-6389C4D8FB75}" type="doc">
@@ -6766,6 +8203,921 @@
 </file>
 
 <file path=ppt/diagrams/drawing3.xml><?xml version="1.0" encoding="utf-8"?>
+<dsp:drawing xmlns:dgm="http://schemas.openxmlformats.org/drawingml/2006/diagram" xmlns:dsp="http://schemas.microsoft.com/office/drawing/2008/diagram" xmlns:a="http://schemas.openxmlformats.org/drawingml/2006/main">
+  <dsp:spTree>
+    <dsp:nvGrpSpPr>
+      <dsp:cNvPr id="0" name=""/>
+      <dsp:cNvGrpSpPr/>
+    </dsp:nvGrpSpPr>
+    <dsp:grpSpPr/>
+    <dsp:sp modelId="{E4D87250-2A1B-8D43-9A0B-DB3D05685AB1}">
+      <dsp:nvSpPr>
+        <dsp:cNvPr id="0" name=""/>
+        <dsp:cNvSpPr/>
+      </dsp:nvSpPr>
+      <dsp:spPr>
+        <a:xfrm>
+          <a:off x="1604792" y="0"/>
+          <a:ext cx="1712009" cy="951116"/>
+        </a:xfrm>
+        <a:prstGeom prst="roundRect">
+          <a:avLst>
+            <a:gd name="adj" fmla="val 10000"/>
+          </a:avLst>
+        </a:prstGeom>
+        <a:solidFill>
+          <a:schemeClr val="lt1"/>
+        </a:solidFill>
+        <a:ln w="12700" cap="flat" cmpd="sng" algn="ctr">
+          <a:solidFill>
+            <a:schemeClr val="accent2"/>
+          </a:solidFill>
+          <a:prstDash val="solid"/>
+          <a:miter lim="800000"/>
+        </a:ln>
+        <a:effectLst/>
+      </dsp:spPr>
+      <dsp:style>
+        <a:lnRef idx="2">
+          <a:schemeClr val="accent2"/>
+        </a:lnRef>
+        <a:fillRef idx="1">
+          <a:schemeClr val="lt1"/>
+        </a:fillRef>
+        <a:effectRef idx="0">
+          <a:schemeClr val="accent2"/>
+        </a:effectRef>
+        <a:fontRef idx="minor">
+          <a:schemeClr val="dk1"/>
+        </a:fontRef>
+      </dsp:style>
+      <dsp:txBody>
+        <a:bodyPr spcFirstLastPara="0" vert="horz" wrap="square" lIns="129540" tIns="129540" rIns="129540" bIns="129540" numCol="1" spcCol="1270" anchor="ctr" anchorCtr="0">
+          <a:noAutofit/>
+        </a:bodyPr>
+        <a:lstStyle/>
+        <a:p>
+          <a:pPr marL="0" lvl="0" indent="0" algn="ctr" defTabSz="1511300">
+            <a:lnSpc>
+              <a:spcPct val="90000"/>
+            </a:lnSpc>
+            <a:spcBef>
+              <a:spcPct val="0"/>
+            </a:spcBef>
+            <a:spcAft>
+              <a:spcPct val="35000"/>
+            </a:spcAft>
+            <a:buNone/>
+          </a:pPr>
+          <a:r>
+            <a:rPr lang="en-US" sz="3400" kern="1200" dirty="0"/>
+            <a:t>Bronze</a:t>
+          </a:r>
+        </a:p>
+      </dsp:txBody>
+      <dsp:txXfrm>
+        <a:off x="1632649" y="27857"/>
+        <a:ext cx="1656295" cy="895402"/>
+      </dsp:txXfrm>
+    </dsp:sp>
+    <dsp:sp modelId="{3AD14F0A-BD53-8945-BAFA-33D45E915F6A}">
+      <dsp:nvSpPr>
+        <dsp:cNvPr id="0" name=""/>
+        <dsp:cNvSpPr/>
+      </dsp:nvSpPr>
+      <dsp:spPr>
+        <a:xfrm>
+          <a:off x="4077695" y="0"/>
+          <a:ext cx="1712009" cy="951116"/>
+        </a:xfrm>
+        <a:prstGeom prst="roundRect">
+          <a:avLst>
+            <a:gd name="adj" fmla="val 10000"/>
+          </a:avLst>
+        </a:prstGeom>
+        <a:solidFill>
+          <a:schemeClr val="lt1"/>
+        </a:solidFill>
+        <a:ln w="12700" cap="flat" cmpd="sng" algn="ctr">
+          <a:solidFill>
+            <a:schemeClr val="accent4"/>
+          </a:solidFill>
+          <a:prstDash val="solid"/>
+          <a:miter lim="800000"/>
+        </a:ln>
+        <a:effectLst/>
+      </dsp:spPr>
+      <dsp:style>
+        <a:lnRef idx="2">
+          <a:schemeClr val="accent4"/>
+        </a:lnRef>
+        <a:fillRef idx="1">
+          <a:schemeClr val="lt1"/>
+        </a:fillRef>
+        <a:effectRef idx="0">
+          <a:schemeClr val="accent4"/>
+        </a:effectRef>
+        <a:fontRef idx="minor">
+          <a:schemeClr val="dk1"/>
+        </a:fontRef>
+      </dsp:style>
+      <dsp:txBody>
+        <a:bodyPr spcFirstLastPara="0" vert="horz" wrap="square" lIns="129540" tIns="129540" rIns="129540" bIns="129540" numCol="1" spcCol="1270" anchor="ctr" anchorCtr="0">
+          <a:noAutofit/>
+        </a:bodyPr>
+        <a:lstStyle/>
+        <a:p>
+          <a:pPr marL="0" lvl="0" indent="0" algn="ctr" defTabSz="1511300">
+            <a:lnSpc>
+              <a:spcPct val="90000"/>
+            </a:lnSpc>
+            <a:spcBef>
+              <a:spcPct val="0"/>
+            </a:spcBef>
+            <a:spcAft>
+              <a:spcPct val="35000"/>
+            </a:spcAft>
+            <a:buNone/>
+          </a:pPr>
+          <a:r>
+            <a:rPr lang="en-US" sz="3400" kern="1200" dirty="0"/>
+            <a:t>Gold</a:t>
+          </a:r>
+        </a:p>
+      </dsp:txBody>
+      <dsp:txXfrm>
+        <a:off x="4105552" y="27857"/>
+        <a:ext cx="1656295" cy="895402"/>
+      </dsp:txXfrm>
+    </dsp:sp>
+    <dsp:sp modelId="{DE053B93-3D9A-3549-9C28-E4955991DE43}">
+      <dsp:nvSpPr>
+        <dsp:cNvPr id="0" name=""/>
+        <dsp:cNvSpPr/>
+      </dsp:nvSpPr>
+      <dsp:spPr>
+        <a:xfrm>
+          <a:off x="3340580" y="4042244"/>
+          <a:ext cx="713337" cy="713337"/>
+        </a:xfrm>
+        <a:prstGeom prst="triangle">
+          <a:avLst/>
+        </a:prstGeom>
+        <a:gradFill rotWithShape="1">
+          <a:gsLst>
+            <a:gs pos="0">
+              <a:schemeClr val="accent3">
+                <a:lumMod val="110000"/>
+                <a:satMod val="105000"/>
+                <a:tint val="67000"/>
+              </a:schemeClr>
+            </a:gs>
+            <a:gs pos="50000">
+              <a:schemeClr val="accent3">
+                <a:lumMod val="105000"/>
+                <a:satMod val="103000"/>
+                <a:tint val="73000"/>
+              </a:schemeClr>
+            </a:gs>
+            <a:gs pos="100000">
+              <a:schemeClr val="accent3">
+                <a:lumMod val="105000"/>
+                <a:satMod val="109000"/>
+                <a:tint val="81000"/>
+              </a:schemeClr>
+            </a:gs>
+          </a:gsLst>
+          <a:lin ang="5400000" scaled="0"/>
+        </a:gradFill>
+        <a:ln w="6350" cap="flat" cmpd="sng" algn="ctr">
+          <a:solidFill>
+            <a:schemeClr val="accent3"/>
+          </a:solidFill>
+          <a:prstDash val="solid"/>
+          <a:miter lim="800000"/>
+        </a:ln>
+        <a:effectLst/>
+      </dsp:spPr>
+      <dsp:style>
+        <a:lnRef idx="1">
+          <a:schemeClr val="accent3"/>
+        </a:lnRef>
+        <a:fillRef idx="2">
+          <a:schemeClr val="accent3"/>
+        </a:fillRef>
+        <a:effectRef idx="1">
+          <a:schemeClr val="accent3"/>
+        </a:effectRef>
+        <a:fontRef idx="minor">
+          <a:schemeClr val="dk1"/>
+        </a:fontRef>
+      </dsp:style>
+    </dsp:sp>
+    <dsp:sp modelId="{A88447ED-5C29-874A-B50F-E9ADAF9353C8}">
+      <dsp:nvSpPr>
+        <dsp:cNvPr id="0" name=""/>
+        <dsp:cNvSpPr/>
+      </dsp:nvSpPr>
+      <dsp:spPr>
+        <a:xfrm rot="240000">
+          <a:off x="1556583" y="3736571"/>
+          <a:ext cx="4281330" cy="299379"/>
+        </a:xfrm>
+        <a:prstGeom prst="rect">
+          <a:avLst/>
+        </a:prstGeom>
+        <a:gradFill rotWithShape="1">
+          <a:gsLst>
+            <a:gs pos="0">
+              <a:schemeClr val="accent3">
+                <a:lumMod val="110000"/>
+                <a:satMod val="105000"/>
+                <a:tint val="67000"/>
+              </a:schemeClr>
+            </a:gs>
+            <a:gs pos="50000">
+              <a:schemeClr val="accent3">
+                <a:lumMod val="105000"/>
+                <a:satMod val="103000"/>
+                <a:tint val="73000"/>
+              </a:schemeClr>
+            </a:gs>
+            <a:gs pos="100000">
+              <a:schemeClr val="accent3">
+                <a:lumMod val="105000"/>
+                <a:satMod val="109000"/>
+                <a:tint val="81000"/>
+              </a:schemeClr>
+            </a:gs>
+          </a:gsLst>
+          <a:lin ang="5400000" scaled="0"/>
+        </a:gradFill>
+        <a:ln w="6350" cap="flat" cmpd="sng" algn="ctr">
+          <a:solidFill>
+            <a:schemeClr val="accent3"/>
+          </a:solidFill>
+          <a:prstDash val="solid"/>
+          <a:miter lim="800000"/>
+        </a:ln>
+        <a:effectLst/>
+      </dsp:spPr>
+      <dsp:style>
+        <a:lnRef idx="1">
+          <a:schemeClr val="accent3"/>
+        </a:lnRef>
+        <a:fillRef idx="2">
+          <a:schemeClr val="accent3"/>
+        </a:fillRef>
+        <a:effectRef idx="1">
+          <a:schemeClr val="accent3"/>
+        </a:effectRef>
+        <a:fontRef idx="minor">
+          <a:schemeClr val="dk1"/>
+        </a:fontRef>
+      </dsp:style>
+    </dsp:sp>
+    <dsp:sp modelId="{760C2604-C26D-8B4E-81E6-19B933134E7F}">
+      <dsp:nvSpPr>
+        <dsp:cNvPr id="0" name=""/>
+        <dsp:cNvSpPr/>
+      </dsp:nvSpPr>
+      <dsp:spPr>
+        <a:xfrm rot="240000">
+          <a:off x="4131757" y="3197227"/>
+          <a:ext cx="1698997" cy="586739"/>
+        </a:xfrm>
+        <a:prstGeom prst="roundRect">
+          <a:avLst/>
+        </a:prstGeom>
+        <a:gradFill rotWithShape="1">
+          <a:gsLst>
+            <a:gs pos="0">
+              <a:schemeClr val="accent4">
+                <a:lumMod val="110000"/>
+                <a:satMod val="105000"/>
+                <a:tint val="67000"/>
+              </a:schemeClr>
+            </a:gs>
+            <a:gs pos="50000">
+              <a:schemeClr val="accent4">
+                <a:lumMod val="105000"/>
+                <a:satMod val="103000"/>
+                <a:tint val="73000"/>
+              </a:schemeClr>
+            </a:gs>
+            <a:gs pos="100000">
+              <a:schemeClr val="accent4">
+                <a:lumMod val="105000"/>
+                <a:satMod val="109000"/>
+                <a:tint val="81000"/>
+              </a:schemeClr>
+            </a:gs>
+          </a:gsLst>
+          <a:lin ang="5400000" scaled="0"/>
+        </a:gradFill>
+        <a:ln w="6350" cap="flat" cmpd="sng" algn="ctr">
+          <a:solidFill>
+            <a:schemeClr val="accent4"/>
+          </a:solidFill>
+          <a:prstDash val="solid"/>
+          <a:miter lim="800000"/>
+        </a:ln>
+        <a:effectLst/>
+      </dsp:spPr>
+      <dsp:style>
+        <a:lnRef idx="1">
+          <a:schemeClr val="accent4"/>
+        </a:lnRef>
+        <a:fillRef idx="2">
+          <a:schemeClr val="accent4"/>
+        </a:fillRef>
+        <a:effectRef idx="1">
+          <a:schemeClr val="accent4"/>
+        </a:effectRef>
+        <a:fontRef idx="minor">
+          <a:schemeClr val="dk1"/>
+        </a:fontRef>
+      </dsp:style>
+      <dsp:txBody>
+        <a:bodyPr spcFirstLastPara="0" vert="horz" wrap="square" lIns="57150" tIns="57150" rIns="57150" bIns="57150" numCol="1" spcCol="1270" anchor="ctr" anchorCtr="0">
+          <a:noAutofit/>
+        </a:bodyPr>
+        <a:lstStyle/>
+        <a:p>
+          <a:pPr marL="0" lvl="0" indent="0" algn="ctr" defTabSz="666750">
+            <a:lnSpc>
+              <a:spcPct val="90000"/>
+            </a:lnSpc>
+            <a:spcBef>
+              <a:spcPct val="0"/>
+            </a:spcBef>
+            <a:spcAft>
+              <a:spcPct val="35000"/>
+            </a:spcAft>
+            <a:buNone/>
+          </a:pPr>
+          <a:r>
+            <a:rPr lang="en-US" sz="1500" kern="1200" dirty="0"/>
+            <a:t>Testing as Needed</a:t>
+          </a:r>
+        </a:p>
+      </dsp:txBody>
+      <dsp:txXfrm>
+        <a:off x="4160399" y="3225869"/>
+        <a:ext cx="1641713" cy="529455"/>
+      </dsp:txXfrm>
+    </dsp:sp>
+    <dsp:sp modelId="{2A9E6579-DA9B-B74A-8553-6A1235AB143C}">
+      <dsp:nvSpPr>
+        <dsp:cNvPr id="0" name=""/>
+        <dsp:cNvSpPr/>
+      </dsp:nvSpPr>
+      <dsp:spPr>
+        <a:xfrm rot="240000">
+          <a:off x="4179313" y="2569490"/>
+          <a:ext cx="1698997" cy="586739"/>
+        </a:xfrm>
+        <a:prstGeom prst="roundRect">
+          <a:avLst/>
+        </a:prstGeom>
+        <a:gradFill rotWithShape="1">
+          <a:gsLst>
+            <a:gs pos="0">
+              <a:schemeClr val="accent4">
+                <a:lumMod val="110000"/>
+                <a:satMod val="105000"/>
+                <a:tint val="67000"/>
+              </a:schemeClr>
+            </a:gs>
+            <a:gs pos="50000">
+              <a:schemeClr val="accent4">
+                <a:lumMod val="105000"/>
+                <a:satMod val="103000"/>
+                <a:tint val="73000"/>
+              </a:schemeClr>
+            </a:gs>
+            <a:gs pos="100000">
+              <a:schemeClr val="accent4">
+                <a:lumMod val="105000"/>
+                <a:satMod val="109000"/>
+                <a:tint val="81000"/>
+              </a:schemeClr>
+            </a:gs>
+          </a:gsLst>
+          <a:lin ang="5400000" scaled="0"/>
+        </a:gradFill>
+        <a:ln w="6350" cap="flat" cmpd="sng" algn="ctr">
+          <a:solidFill>
+            <a:schemeClr val="accent4"/>
+          </a:solidFill>
+          <a:prstDash val="solid"/>
+          <a:miter lim="800000"/>
+        </a:ln>
+        <a:effectLst/>
+      </dsp:spPr>
+      <dsp:style>
+        <a:lnRef idx="1">
+          <a:schemeClr val="accent4"/>
+        </a:lnRef>
+        <a:fillRef idx="2">
+          <a:schemeClr val="accent4"/>
+        </a:fillRef>
+        <a:effectRef idx="1">
+          <a:schemeClr val="accent4"/>
+        </a:effectRef>
+        <a:fontRef idx="minor">
+          <a:schemeClr val="dk1"/>
+        </a:fontRef>
+      </dsp:style>
+      <dsp:txBody>
+        <a:bodyPr spcFirstLastPara="0" vert="horz" wrap="square" lIns="57150" tIns="57150" rIns="57150" bIns="57150" numCol="1" spcCol="1270" anchor="ctr" anchorCtr="0">
+          <a:noAutofit/>
+        </a:bodyPr>
+        <a:lstStyle/>
+        <a:p>
+          <a:pPr marL="0" lvl="0" indent="0" algn="ctr" defTabSz="666750">
+            <a:lnSpc>
+              <a:spcPct val="90000"/>
+            </a:lnSpc>
+            <a:spcBef>
+              <a:spcPct val="0"/>
+            </a:spcBef>
+            <a:spcAft>
+              <a:spcPct val="35000"/>
+            </a:spcAft>
+            <a:buNone/>
+          </a:pPr>
+          <a:r>
+            <a:rPr lang="en-US" sz="1500" kern="1200" dirty="0"/>
+            <a:t>Full Gym &amp; Coaching Access</a:t>
+          </a:r>
+        </a:p>
+      </dsp:txBody>
+      <dsp:txXfrm>
+        <a:off x="4207955" y="2598132"/>
+        <a:ext cx="1641713" cy="529455"/>
+      </dsp:txXfrm>
+    </dsp:sp>
+    <dsp:sp modelId="{9306425E-13A5-C44D-85C3-BE42963DEB52}">
+      <dsp:nvSpPr>
+        <dsp:cNvPr id="0" name=""/>
+        <dsp:cNvSpPr/>
+      </dsp:nvSpPr>
+      <dsp:spPr>
+        <a:xfrm rot="240000">
+          <a:off x="4226869" y="1941753"/>
+          <a:ext cx="1698997" cy="586739"/>
+        </a:xfrm>
+        <a:prstGeom prst="roundRect">
+          <a:avLst/>
+        </a:prstGeom>
+        <a:gradFill rotWithShape="1">
+          <a:gsLst>
+            <a:gs pos="0">
+              <a:schemeClr val="accent4">
+                <a:lumMod val="110000"/>
+                <a:satMod val="105000"/>
+                <a:tint val="67000"/>
+              </a:schemeClr>
+            </a:gs>
+            <a:gs pos="50000">
+              <a:schemeClr val="accent4">
+                <a:lumMod val="105000"/>
+                <a:satMod val="103000"/>
+                <a:tint val="73000"/>
+              </a:schemeClr>
+            </a:gs>
+            <a:gs pos="100000">
+              <a:schemeClr val="accent4">
+                <a:lumMod val="105000"/>
+                <a:satMod val="109000"/>
+                <a:tint val="81000"/>
+              </a:schemeClr>
+            </a:gs>
+          </a:gsLst>
+          <a:lin ang="5400000" scaled="0"/>
+        </a:gradFill>
+        <a:ln w="6350" cap="flat" cmpd="sng" algn="ctr">
+          <a:solidFill>
+            <a:schemeClr val="accent4"/>
+          </a:solidFill>
+          <a:prstDash val="solid"/>
+          <a:miter lim="800000"/>
+        </a:ln>
+        <a:effectLst/>
+      </dsp:spPr>
+      <dsp:style>
+        <a:lnRef idx="1">
+          <a:schemeClr val="accent4"/>
+        </a:lnRef>
+        <a:fillRef idx="2">
+          <a:schemeClr val="accent4"/>
+        </a:fillRef>
+        <a:effectRef idx="1">
+          <a:schemeClr val="accent4"/>
+        </a:effectRef>
+        <a:fontRef idx="minor">
+          <a:schemeClr val="dk1"/>
+        </a:fontRef>
+      </dsp:style>
+      <dsp:txBody>
+        <a:bodyPr spcFirstLastPara="0" vert="horz" wrap="square" lIns="57150" tIns="57150" rIns="57150" bIns="57150" numCol="1" spcCol="1270" anchor="ctr" anchorCtr="0">
+          <a:noAutofit/>
+        </a:bodyPr>
+        <a:lstStyle/>
+        <a:p>
+          <a:pPr marL="0" lvl="0" indent="0" algn="ctr" defTabSz="666750">
+            <a:lnSpc>
+              <a:spcPct val="90000"/>
+            </a:lnSpc>
+            <a:spcBef>
+              <a:spcPct val="0"/>
+            </a:spcBef>
+            <a:spcAft>
+              <a:spcPct val="35000"/>
+            </a:spcAft>
+            <a:buNone/>
+          </a:pPr>
+          <a:r>
+            <a:rPr lang="en-US" sz="1500" kern="1200" dirty="0"/>
+            <a:t>Individualized Programming</a:t>
+          </a:r>
+        </a:p>
+      </dsp:txBody>
+      <dsp:txXfrm>
+        <a:off x="4255511" y="1970395"/>
+        <a:ext cx="1641713" cy="529455"/>
+      </dsp:txXfrm>
+    </dsp:sp>
+    <dsp:sp modelId="{D4D5E5A2-CB60-FC43-AA2A-12D70C268A6B}">
+      <dsp:nvSpPr>
+        <dsp:cNvPr id="0" name=""/>
+        <dsp:cNvSpPr/>
+      </dsp:nvSpPr>
+      <dsp:spPr>
+        <a:xfrm rot="240000">
+          <a:off x="4274424" y="1314017"/>
+          <a:ext cx="1698997" cy="586739"/>
+        </a:xfrm>
+        <a:prstGeom prst="roundRect">
+          <a:avLst/>
+        </a:prstGeom>
+        <a:gradFill rotWithShape="1">
+          <a:gsLst>
+            <a:gs pos="0">
+              <a:schemeClr val="accent4">
+                <a:lumMod val="110000"/>
+                <a:satMod val="105000"/>
+                <a:tint val="67000"/>
+              </a:schemeClr>
+            </a:gs>
+            <a:gs pos="50000">
+              <a:schemeClr val="accent4">
+                <a:lumMod val="105000"/>
+                <a:satMod val="103000"/>
+                <a:tint val="73000"/>
+              </a:schemeClr>
+            </a:gs>
+            <a:gs pos="100000">
+              <a:schemeClr val="accent4">
+                <a:lumMod val="105000"/>
+                <a:satMod val="109000"/>
+                <a:tint val="81000"/>
+              </a:schemeClr>
+            </a:gs>
+          </a:gsLst>
+          <a:lin ang="5400000" scaled="0"/>
+        </a:gradFill>
+        <a:ln w="6350" cap="flat" cmpd="sng" algn="ctr">
+          <a:solidFill>
+            <a:schemeClr val="accent4"/>
+          </a:solidFill>
+          <a:prstDash val="solid"/>
+          <a:miter lim="800000"/>
+        </a:ln>
+        <a:effectLst/>
+      </dsp:spPr>
+      <dsp:style>
+        <a:lnRef idx="1">
+          <a:schemeClr val="accent4"/>
+        </a:lnRef>
+        <a:fillRef idx="2">
+          <a:schemeClr val="accent4"/>
+        </a:fillRef>
+        <a:effectRef idx="1">
+          <a:schemeClr val="accent4"/>
+        </a:effectRef>
+        <a:fontRef idx="minor">
+          <a:schemeClr val="dk1"/>
+        </a:fontRef>
+      </dsp:style>
+      <dsp:txBody>
+        <a:bodyPr spcFirstLastPara="0" vert="horz" wrap="square" lIns="57150" tIns="57150" rIns="57150" bIns="57150" numCol="1" spcCol="1270" anchor="ctr" anchorCtr="0">
+          <a:noAutofit/>
+        </a:bodyPr>
+        <a:lstStyle/>
+        <a:p>
+          <a:pPr marL="0" lvl="0" indent="0" algn="ctr" defTabSz="666750">
+            <a:lnSpc>
+              <a:spcPct val="90000"/>
+            </a:lnSpc>
+            <a:spcBef>
+              <a:spcPct val="0"/>
+            </a:spcBef>
+            <a:spcAft>
+              <a:spcPct val="35000"/>
+            </a:spcAft>
+            <a:buNone/>
+          </a:pPr>
+          <a:r>
+            <a:rPr lang="en-US" sz="1500" kern="1200" dirty="0"/>
+            <a:t>Full Access to Protocol</a:t>
+          </a:r>
+        </a:p>
+      </dsp:txBody>
+      <dsp:txXfrm>
+        <a:off x="4303066" y="1342659"/>
+        <a:ext cx="1641713" cy="529455"/>
+      </dsp:txXfrm>
+    </dsp:sp>
+    <dsp:sp modelId="{E65A9F38-3492-E74F-901D-C6417F51EDA8}">
+      <dsp:nvSpPr>
+        <dsp:cNvPr id="0" name=""/>
+        <dsp:cNvSpPr/>
+      </dsp:nvSpPr>
+      <dsp:spPr>
+        <a:xfrm rot="240000">
+          <a:off x="1658854" y="3026026"/>
+          <a:ext cx="1698997" cy="586739"/>
+        </a:xfrm>
+        <a:prstGeom prst="roundRect">
+          <a:avLst/>
+        </a:prstGeom>
+        <a:gradFill rotWithShape="1">
+          <a:gsLst>
+            <a:gs pos="0">
+              <a:schemeClr val="accent2">
+                <a:lumMod val="110000"/>
+                <a:satMod val="105000"/>
+                <a:tint val="67000"/>
+              </a:schemeClr>
+            </a:gs>
+            <a:gs pos="50000">
+              <a:schemeClr val="accent2">
+                <a:lumMod val="105000"/>
+                <a:satMod val="103000"/>
+                <a:tint val="73000"/>
+              </a:schemeClr>
+            </a:gs>
+            <a:gs pos="100000">
+              <a:schemeClr val="accent2">
+                <a:lumMod val="105000"/>
+                <a:satMod val="109000"/>
+                <a:tint val="81000"/>
+              </a:schemeClr>
+            </a:gs>
+          </a:gsLst>
+          <a:lin ang="5400000" scaled="0"/>
+        </a:gradFill>
+        <a:ln w="6350" cap="flat" cmpd="sng" algn="ctr">
+          <a:solidFill>
+            <a:schemeClr val="accent2"/>
+          </a:solidFill>
+          <a:prstDash val="solid"/>
+          <a:miter lim="800000"/>
+        </a:ln>
+        <a:effectLst/>
+      </dsp:spPr>
+      <dsp:style>
+        <a:lnRef idx="1">
+          <a:schemeClr val="accent2"/>
+        </a:lnRef>
+        <a:fillRef idx="2">
+          <a:schemeClr val="accent2"/>
+        </a:fillRef>
+        <a:effectRef idx="1">
+          <a:schemeClr val="accent2"/>
+        </a:effectRef>
+        <a:fontRef idx="minor">
+          <a:schemeClr val="dk1"/>
+        </a:fontRef>
+      </dsp:style>
+      <dsp:txBody>
+        <a:bodyPr spcFirstLastPara="0" vert="horz" wrap="square" lIns="57150" tIns="57150" rIns="57150" bIns="57150" numCol="1" spcCol="1270" anchor="ctr" anchorCtr="0">
+          <a:noAutofit/>
+        </a:bodyPr>
+        <a:lstStyle/>
+        <a:p>
+          <a:pPr marL="0" lvl="0" indent="0" algn="ctr" defTabSz="666750">
+            <a:lnSpc>
+              <a:spcPct val="90000"/>
+            </a:lnSpc>
+            <a:spcBef>
+              <a:spcPct val="0"/>
+            </a:spcBef>
+            <a:spcAft>
+              <a:spcPct val="35000"/>
+            </a:spcAft>
+            <a:buNone/>
+          </a:pPr>
+          <a:r>
+            <a:rPr lang="en-US" sz="1500" kern="1200" dirty="0"/>
+            <a:t>1 Testing session/month</a:t>
+          </a:r>
+        </a:p>
+      </dsp:txBody>
+      <dsp:txXfrm>
+        <a:off x="1687496" y="3054668"/>
+        <a:ext cx="1641713" cy="529455"/>
+      </dsp:txXfrm>
+    </dsp:sp>
+    <dsp:sp modelId="{D91F77BE-E98D-A440-A945-C9C11E42FCCB}">
+      <dsp:nvSpPr>
+        <dsp:cNvPr id="0" name=""/>
+        <dsp:cNvSpPr/>
+      </dsp:nvSpPr>
+      <dsp:spPr>
+        <a:xfrm rot="240000">
+          <a:off x="1706410" y="2398289"/>
+          <a:ext cx="1698997" cy="586739"/>
+        </a:xfrm>
+        <a:prstGeom prst="roundRect">
+          <a:avLst/>
+        </a:prstGeom>
+        <a:gradFill rotWithShape="1">
+          <a:gsLst>
+            <a:gs pos="0">
+              <a:schemeClr val="accent2">
+                <a:lumMod val="110000"/>
+                <a:satMod val="105000"/>
+                <a:tint val="67000"/>
+              </a:schemeClr>
+            </a:gs>
+            <a:gs pos="50000">
+              <a:schemeClr val="accent2">
+                <a:lumMod val="105000"/>
+                <a:satMod val="103000"/>
+                <a:tint val="73000"/>
+              </a:schemeClr>
+            </a:gs>
+            <a:gs pos="100000">
+              <a:schemeClr val="accent2">
+                <a:lumMod val="105000"/>
+                <a:satMod val="109000"/>
+                <a:tint val="81000"/>
+              </a:schemeClr>
+            </a:gs>
+          </a:gsLst>
+          <a:lin ang="5400000" scaled="0"/>
+        </a:gradFill>
+        <a:ln w="6350" cap="flat" cmpd="sng" algn="ctr">
+          <a:solidFill>
+            <a:schemeClr val="accent2"/>
+          </a:solidFill>
+          <a:prstDash val="solid"/>
+          <a:miter lim="800000"/>
+        </a:ln>
+        <a:effectLst/>
+      </dsp:spPr>
+      <dsp:style>
+        <a:lnRef idx="1">
+          <a:schemeClr val="accent2"/>
+        </a:lnRef>
+        <a:fillRef idx="2">
+          <a:schemeClr val="accent2"/>
+        </a:fillRef>
+        <a:effectRef idx="1">
+          <a:schemeClr val="accent2"/>
+        </a:effectRef>
+        <a:fontRef idx="minor">
+          <a:schemeClr val="dk1"/>
+        </a:fontRef>
+      </dsp:style>
+      <dsp:txBody>
+        <a:bodyPr spcFirstLastPara="0" vert="horz" wrap="square" lIns="57150" tIns="57150" rIns="57150" bIns="57150" numCol="1" spcCol="1270" anchor="ctr" anchorCtr="0">
+          <a:noAutofit/>
+        </a:bodyPr>
+        <a:lstStyle/>
+        <a:p>
+          <a:pPr marL="0" lvl="0" indent="0" algn="ctr" defTabSz="666750">
+            <a:lnSpc>
+              <a:spcPct val="90000"/>
+            </a:lnSpc>
+            <a:spcBef>
+              <a:spcPct val="0"/>
+            </a:spcBef>
+            <a:spcAft>
+              <a:spcPct val="35000"/>
+            </a:spcAft>
+            <a:buNone/>
+          </a:pPr>
+          <a:r>
+            <a:rPr lang="en-US" sz="1500" kern="1200" dirty="0"/>
+            <a:t>1 Coached session/month</a:t>
+          </a:r>
+        </a:p>
+      </dsp:txBody>
+      <dsp:txXfrm>
+        <a:off x="1735052" y="2426931"/>
+        <a:ext cx="1641713" cy="529455"/>
+      </dsp:txXfrm>
+    </dsp:sp>
+    <dsp:sp modelId="{0D025559-56FD-224C-9DDE-E75EAE1C38C4}">
+      <dsp:nvSpPr>
+        <dsp:cNvPr id="0" name=""/>
+        <dsp:cNvSpPr/>
+      </dsp:nvSpPr>
+      <dsp:spPr>
+        <a:xfrm rot="240000">
+          <a:off x="1753966" y="1770552"/>
+          <a:ext cx="1698997" cy="586739"/>
+        </a:xfrm>
+        <a:prstGeom prst="roundRect">
+          <a:avLst/>
+        </a:prstGeom>
+        <a:gradFill rotWithShape="1">
+          <a:gsLst>
+            <a:gs pos="0">
+              <a:schemeClr val="accent2">
+                <a:lumMod val="110000"/>
+                <a:satMod val="105000"/>
+                <a:tint val="67000"/>
+              </a:schemeClr>
+            </a:gs>
+            <a:gs pos="50000">
+              <a:schemeClr val="accent2">
+                <a:lumMod val="105000"/>
+                <a:satMod val="103000"/>
+                <a:tint val="73000"/>
+              </a:schemeClr>
+            </a:gs>
+            <a:gs pos="100000">
+              <a:schemeClr val="accent2">
+                <a:lumMod val="105000"/>
+                <a:satMod val="109000"/>
+                <a:tint val="81000"/>
+              </a:schemeClr>
+            </a:gs>
+          </a:gsLst>
+          <a:lin ang="5400000" scaled="0"/>
+        </a:gradFill>
+        <a:ln w="6350" cap="flat" cmpd="sng" algn="ctr">
+          <a:solidFill>
+            <a:schemeClr val="accent2"/>
+          </a:solidFill>
+          <a:prstDash val="solid"/>
+          <a:miter lim="800000"/>
+        </a:ln>
+        <a:effectLst/>
+      </dsp:spPr>
+      <dsp:style>
+        <a:lnRef idx="1">
+          <a:schemeClr val="accent2"/>
+        </a:lnRef>
+        <a:fillRef idx="2">
+          <a:schemeClr val="accent2"/>
+        </a:fillRef>
+        <a:effectRef idx="1">
+          <a:schemeClr val="accent2"/>
+        </a:effectRef>
+        <a:fontRef idx="minor">
+          <a:schemeClr val="dk1"/>
+        </a:fontRef>
+      </dsp:style>
+      <dsp:txBody>
+        <a:bodyPr spcFirstLastPara="0" vert="horz" wrap="square" lIns="57150" tIns="57150" rIns="57150" bIns="57150" numCol="1" spcCol="1270" anchor="ctr" anchorCtr="0">
+          <a:noAutofit/>
+        </a:bodyPr>
+        <a:lstStyle/>
+        <a:p>
+          <a:pPr marL="0" lvl="0" indent="0" algn="ctr" defTabSz="666750">
+            <a:lnSpc>
+              <a:spcPct val="90000"/>
+            </a:lnSpc>
+            <a:spcBef>
+              <a:spcPct val="0"/>
+            </a:spcBef>
+            <a:spcAft>
+              <a:spcPct val="35000"/>
+            </a:spcAft>
+            <a:buNone/>
+          </a:pPr>
+          <a:r>
+            <a:rPr lang="en-US" sz="1500" kern="1200" dirty="0"/>
+            <a:t>Full Access to Protocol</a:t>
+          </a:r>
+        </a:p>
+      </dsp:txBody>
+      <dsp:txXfrm>
+        <a:off x="1782608" y="1799194"/>
+        <a:ext cx="1641713" cy="529455"/>
+      </dsp:txXfrm>
+    </dsp:sp>
+  </dsp:spTree>
+</dsp:drawing>
+</file>
+
+<file path=ppt/diagrams/drawing4.xml><?xml version="1.0" encoding="utf-8"?>
 <dsp:drawing xmlns:dgm="http://schemas.openxmlformats.org/drawingml/2006/diagram" xmlns:dsp="http://schemas.microsoft.com/office/drawing/2008/diagram" xmlns:a="http://schemas.openxmlformats.org/drawingml/2006/main">
   <dsp:spTree>
     <dsp:nvGrpSpPr>
@@ -9816,6 +12168,3101 @@
 </file>
 
 <file path=ppt/diagrams/layout3.xml><?xml version="1.0" encoding="utf-8"?>
+<dgm:layoutDef xmlns:dgm="http://schemas.openxmlformats.org/drawingml/2006/diagram" xmlns:a="http://schemas.openxmlformats.org/drawingml/2006/main" uniqueId="urn:microsoft.com/office/officeart/2005/8/layout/balance1">
+  <dgm:title val=""/>
+  <dgm:desc val=""/>
+  <dgm:catLst>
+    <dgm:cat type="relationship" pri="1000"/>
+  </dgm:catLst>
+  <dgm:sampData>
+    <dgm:dataModel>
+      <dgm:ptLst>
+        <dgm:pt modelId="0" type="doc"/>
+        <dgm:pt modelId="1">
+          <dgm:prSet phldr="1"/>
+        </dgm:pt>
+        <dgm:pt modelId="11">
+          <dgm:prSet phldr="1"/>
+        </dgm:pt>
+        <dgm:pt modelId="12">
+          <dgm:prSet phldr="1"/>
+        </dgm:pt>
+        <dgm:pt modelId="2">
+          <dgm:prSet phldr="1"/>
+        </dgm:pt>
+        <dgm:pt modelId="21">
+          <dgm:prSet phldr="1"/>
+        </dgm:pt>
+        <dgm:pt modelId="22">
+          <dgm:prSet phldr="1"/>
+        </dgm:pt>
+        <dgm:pt modelId="23">
+          <dgm:prSet phldr="1"/>
+        </dgm:pt>
+      </dgm:ptLst>
+      <dgm:cxnLst>
+        <dgm:cxn modelId="4" srcId="0" destId="1" srcOrd="0" destOrd="0"/>
+        <dgm:cxn modelId="5" srcId="0" destId="2" srcOrd="1" destOrd="0"/>
+        <dgm:cxn modelId="13" srcId="1" destId="11" srcOrd="0" destOrd="0"/>
+        <dgm:cxn modelId="14" srcId="1" destId="12" srcOrd="0" destOrd="0"/>
+        <dgm:cxn modelId="23" srcId="2" destId="21" srcOrd="0" destOrd="0"/>
+        <dgm:cxn modelId="24" srcId="2" destId="22" srcOrd="0" destOrd="0"/>
+        <dgm:cxn modelId="25" srcId="2" destId="23" srcOrd="0" destOrd="0"/>
+      </dgm:cxnLst>
+      <dgm:bg/>
+      <dgm:whole/>
+    </dgm:dataModel>
+  </dgm:sampData>
+  <dgm:styleData>
+    <dgm:dataModel>
+      <dgm:ptLst>
+        <dgm:pt modelId="0" type="doc"/>
+        <dgm:pt modelId="1"/>
+        <dgm:pt modelId="11"/>
+        <dgm:pt modelId="12"/>
+        <dgm:pt modelId="2"/>
+        <dgm:pt modelId="21"/>
+        <dgm:pt modelId="22"/>
+      </dgm:ptLst>
+      <dgm:cxnLst>
+        <dgm:cxn modelId="4" srcId="0" destId="1" srcOrd="0" destOrd="0"/>
+        <dgm:cxn modelId="5" srcId="0" destId="2" srcOrd="1" destOrd="0"/>
+        <dgm:cxn modelId="13" srcId="1" destId="11" srcOrd="0" destOrd="0"/>
+        <dgm:cxn modelId="14" srcId="1" destId="12" srcOrd="0" destOrd="0"/>
+        <dgm:cxn modelId="23" srcId="2" destId="21" srcOrd="0" destOrd="0"/>
+        <dgm:cxn modelId="24" srcId="2" destId="22" srcOrd="0" destOrd="0"/>
+      </dgm:cxnLst>
+      <dgm:bg/>
+      <dgm:whole/>
+    </dgm:dataModel>
+  </dgm:styleData>
+  <dgm:clrData>
+    <dgm:dataModel>
+      <dgm:ptLst>
+        <dgm:pt modelId="0" type="doc"/>
+        <dgm:pt modelId="1"/>
+        <dgm:pt modelId="11"/>
+        <dgm:pt modelId="12"/>
+        <dgm:pt modelId="13"/>
+        <dgm:pt modelId="2"/>
+        <dgm:pt modelId="21"/>
+        <dgm:pt modelId="22"/>
+        <dgm:pt modelId="23"/>
+      </dgm:ptLst>
+      <dgm:cxnLst>
+        <dgm:cxn modelId="4" srcId="0" destId="1" srcOrd="0" destOrd="0"/>
+        <dgm:cxn modelId="5" srcId="0" destId="2" srcOrd="1" destOrd="0"/>
+        <dgm:cxn modelId="15" srcId="1" destId="11" srcOrd="0" destOrd="0"/>
+        <dgm:cxn modelId="16" srcId="1" destId="12" srcOrd="0" destOrd="0"/>
+        <dgm:cxn modelId="17" srcId="1" destId="13" srcOrd="0" destOrd="0"/>
+        <dgm:cxn modelId="25" srcId="2" destId="21" srcOrd="0" destOrd="0"/>
+        <dgm:cxn modelId="26" srcId="2" destId="22" srcOrd="0" destOrd="0"/>
+        <dgm:cxn modelId="27" srcId="2" destId="23" srcOrd="0" destOrd="0"/>
+      </dgm:cxnLst>
+      <dgm:bg/>
+      <dgm:whole/>
+    </dgm:dataModel>
+  </dgm:clrData>
+  <dgm:layoutNode name="outerComposite">
+    <dgm:varLst>
+      <dgm:chMax val="2"/>
+      <dgm:animLvl val="lvl"/>
+      <dgm:resizeHandles val="exact"/>
+    </dgm:varLst>
+    <dgm:alg type="composite">
+      <dgm:param type="ar" val="1"/>
+    </dgm:alg>
+    <dgm:shape xmlns:r="http://schemas.openxmlformats.org/officeDocument/2006/relationships" r:blip="">
+      <dgm:adjLst/>
+    </dgm:shape>
+    <dgm:presOf/>
+    <dgm:constrLst>
+      <dgm:constr type="h" for="ch" forName="parentComposite" refType="h" refFor="ch" refForName="dummyMaxCanvas" op="equ" fact="0.2"/>
+      <dgm:constr type="t" for="ch" forName="parentComposite"/>
+      <dgm:constr type="h" for="ch" forName="childrenComposite" refType="h" refFor="ch" refForName="dummyMaxCanvas" op="equ" fact="0.8"/>
+      <dgm:constr type="t" for="ch" forName="childrenComposite" refType="h" refFor="ch" refForName="dummyMaxCanvas" fact="0.2"/>
+    </dgm:constrLst>
+    <dgm:ruleLst/>
+    <dgm:layoutNode name="dummyMaxCanvas">
+      <dgm:alg type="sp"/>
+      <dgm:shape xmlns:r="http://schemas.openxmlformats.org/officeDocument/2006/relationships" r:blip="">
+        <dgm:adjLst/>
+      </dgm:shape>
+      <dgm:presOf/>
+      <dgm:constrLst/>
+      <dgm:ruleLst/>
+    </dgm:layoutNode>
+    <dgm:layoutNode name="parentComposite">
+      <dgm:alg type="composite"/>
+      <dgm:shape xmlns:r="http://schemas.openxmlformats.org/officeDocument/2006/relationships" r:blip="">
+        <dgm:adjLst/>
+      </dgm:shape>
+      <dgm:presOf/>
+      <dgm:constrLst>
+        <dgm:constr type="w" for="ch" forName="parent1" refType="w" fact="0.36"/>
+        <dgm:constr type="ctrX" for="ch" forName="parent1" refType="w" fact="0.24"/>
+        <dgm:constr type="w" for="ch" forName="parent2" refType="w" fact="0.36"/>
+        <dgm:constr type="ctrX" for="ch" forName="parent2" refType="w" fact="0.76"/>
+        <dgm:constr type="primFontSz" for="ch" ptType="node" op="equ"/>
+      </dgm:constrLst>
+      <dgm:ruleLst/>
+      <dgm:layoutNode name="parent1" styleLbl="alignAccFollowNode1">
+        <dgm:varLst>
+          <dgm:chMax val="4"/>
+        </dgm:varLst>
+        <dgm:alg type="tx"/>
+        <dgm:shape xmlns:r="http://schemas.openxmlformats.org/officeDocument/2006/relationships" type="roundRect" r:blip="">
+          <dgm:adjLst>
+            <dgm:adj idx="1" val="0.1"/>
+          </dgm:adjLst>
+        </dgm:shape>
+        <dgm:presOf axis="ch" ptType="node" cnt="1"/>
+        <dgm:constrLst>
+          <dgm:constr type="primFontSz" val="65"/>
+          <dgm:constr type="lMarg" refType="primFontSz" fact="0.3"/>
+          <dgm:constr type="rMarg" refType="primFontSz" fact="0.3"/>
+          <dgm:constr type="tMarg" refType="primFontSz" fact="0.3"/>
+          <dgm:constr type="bMarg" refType="primFontSz" fact="0.3"/>
+        </dgm:constrLst>
+        <dgm:ruleLst>
+          <dgm:rule type="primFontSz" val="5" fact="NaN" max="NaN"/>
+        </dgm:ruleLst>
+      </dgm:layoutNode>
+      <dgm:layoutNode name="parent2" styleLbl="alignAccFollowNode1">
+        <dgm:varLst>
+          <dgm:chMax val="4"/>
+        </dgm:varLst>
+        <dgm:alg type="tx"/>
+        <dgm:shape xmlns:r="http://schemas.openxmlformats.org/officeDocument/2006/relationships" type="roundRect" r:blip="">
+          <dgm:adjLst>
+            <dgm:adj idx="1" val="0.1"/>
+          </dgm:adjLst>
+        </dgm:shape>
+        <dgm:presOf axis="ch" ptType="node" st="2" cnt="1"/>
+        <dgm:constrLst>
+          <dgm:constr type="primFontSz" val="65"/>
+          <dgm:constr type="lMarg" refType="primFontSz" fact="0.3"/>
+          <dgm:constr type="rMarg" refType="primFontSz" fact="0.3"/>
+          <dgm:constr type="tMarg" refType="primFontSz" fact="0.3"/>
+          <dgm:constr type="bMarg" refType="primFontSz" fact="0.3"/>
+        </dgm:constrLst>
+        <dgm:ruleLst>
+          <dgm:rule type="primFontSz" val="5" fact="NaN" max="NaN"/>
+        </dgm:ruleLst>
+      </dgm:layoutNode>
+    </dgm:layoutNode>
+    <dgm:layoutNode name="childrenComposite">
+      <dgm:alg type="composite"/>
+      <dgm:shape xmlns:r="http://schemas.openxmlformats.org/officeDocument/2006/relationships" r:blip="">
+        <dgm:adjLst/>
+      </dgm:shape>
+      <dgm:presOf/>
+      <dgm:constrLst>
+        <dgm:constr type="primFontSz" for="ch" ptType="node" op="equ" val="65"/>
+        <dgm:constr type="w" for="ch" forName="fulcrum" refType="w" fact="0.15"/>
+        <dgm:constr type="h" for="ch" forName="fulcrum" refType="w" refFor="ch" refForName="fulcrum"/>
+        <dgm:constr type="b" for="ch" forName="fulcrum" refType="h"/>
+        <dgm:constr type="ctrX" for="ch" forName="fulcrum" refType="w" fact="0.5"/>
+        <dgm:constr type="w" for="ch" forName="balance_00" refType="w" fact="0.9"/>
+        <dgm:constr type="h" for="ch" forName="balance_00" refType="h" fact="0.076"/>
+        <dgm:constr type="b" for="ch" forName="balance_00" refType="h" fact="0.81"/>
+        <dgm:constr type="ctrX" for="ch" forName="balance_00" refType="w" fact="0.5"/>
+        <dgm:constr type="w" for="ch" forName="balance_01" refType="w"/>
+        <dgm:constr type="h" for="ch" forName="balance_01" refType="h" fact="0.157"/>
+        <dgm:constr type="b" for="ch" forName="balance_01" refType="h" fact="0.85"/>
+        <dgm:constr type="ctrX" for="ch" forName="balance_01" refType="w" fact="0.5"/>
+        <dgm:constr type="w" for="ch" forName="balance_02" refType="w"/>
+        <dgm:constr type="h" for="ch" forName="balance_02" refType="h" fact="0.157"/>
+        <dgm:constr type="b" for="ch" forName="balance_02" refType="h" fact="0.85"/>
+        <dgm:constr type="ctrX" for="ch" forName="balance_02" refType="w" fact="0.5"/>
+        <dgm:constr type="w" for="ch" forName="balance_03" refType="w"/>
+        <dgm:constr type="h" for="ch" forName="balance_03" refType="h" fact="0.157"/>
+        <dgm:constr type="b" for="ch" forName="balance_03" refType="h" fact="0.85"/>
+        <dgm:constr type="ctrX" for="ch" forName="balance_03" refType="w" fact="0.5"/>
+        <dgm:constr type="w" for="ch" forName="balance_04" refType="w"/>
+        <dgm:constr type="h" for="ch" forName="balance_04" refType="h" fact="0.157"/>
+        <dgm:constr type="b" for="ch" forName="balance_04" refType="h" fact="0.85"/>
+        <dgm:constr type="ctrX" for="ch" forName="balance_04" refType="w" fact="0.5"/>
+        <dgm:constr type="w" for="ch" forName="balance_10" refType="w"/>
+        <dgm:constr type="h" for="ch" forName="balance_10" refType="h" fact="0.157"/>
+        <dgm:constr type="b" for="ch" forName="balance_10" refType="h" fact="0.85"/>
+        <dgm:constr type="ctrX" for="ch" forName="balance_10" refType="w" fact="0.5"/>
+        <dgm:constr type="w" for="ch" forName="balance_11" refType="w" fact="0.9"/>
+        <dgm:constr type="h" for="ch" forName="balance_11" refType="h" fact="0.076"/>
+        <dgm:constr type="b" for="ch" forName="balance_11" refType="h" fact="0.81"/>
+        <dgm:constr type="ctrX" for="ch" forName="balance_11" refType="w" fact="0.5"/>
+        <dgm:constr type="w" for="ch" forName="balance_12" refType="w"/>
+        <dgm:constr type="h" for="ch" forName="balance_12" refType="h" fact="0.157"/>
+        <dgm:constr type="b" for="ch" forName="balance_12" refType="h" fact="0.85"/>
+        <dgm:constr type="ctrX" for="ch" forName="balance_12" refType="w" fact="0.5"/>
+        <dgm:constr type="w" for="ch" forName="balance_13" refType="w"/>
+        <dgm:constr type="h" for="ch" forName="balance_13" refType="h" fact="0.157"/>
+        <dgm:constr type="b" for="ch" forName="balance_13" refType="h" fact="0.85"/>
+        <dgm:constr type="ctrX" for="ch" forName="balance_13" refType="w" fact="0.5"/>
+        <dgm:constr type="w" for="ch" forName="balance_14" refType="w"/>
+        <dgm:constr type="h" for="ch" forName="balance_14" refType="h" fact="0.157"/>
+        <dgm:constr type="b" for="ch" forName="balance_14" refType="h" fact="0.85"/>
+        <dgm:constr type="ctrX" for="ch" forName="balance_14" refType="w" fact="0.5"/>
+        <dgm:constr type="w" for="ch" forName="balance_20" refType="w"/>
+        <dgm:constr type="h" for="ch" forName="balance_20" refType="h" fact="0.157"/>
+        <dgm:constr type="b" for="ch" forName="balance_20" refType="h" fact="0.85"/>
+        <dgm:constr type="ctrX" for="ch" forName="balance_20" refType="w" fact="0.5"/>
+        <dgm:constr type="w" for="ch" forName="balance_21" refType="w"/>
+        <dgm:constr type="h" for="ch" forName="balance_21" refType="h" fact="0.157"/>
+        <dgm:constr type="b" for="ch" forName="balance_21" refType="h" fact="0.85"/>
+        <dgm:constr type="ctrX" for="ch" forName="balance_21" refType="w" fact="0.5"/>
+        <dgm:constr type="w" for="ch" forName="balance_22" refType="w" fact="0.9"/>
+        <dgm:constr type="h" for="ch" forName="balance_22" refType="h" fact="0.076"/>
+        <dgm:constr type="b" for="ch" forName="balance_22" refType="h" fact="0.81"/>
+        <dgm:constr type="ctrX" for="ch" forName="balance_22" refType="w" fact="0.5"/>
+        <dgm:constr type="w" for="ch" forName="balance_23" refType="w"/>
+        <dgm:constr type="h" for="ch" forName="balance_23" refType="h" fact="0.157"/>
+        <dgm:constr type="b" for="ch" forName="balance_23" refType="h" fact="0.85"/>
+        <dgm:constr type="ctrX" for="ch" forName="balance_23" refType="w" fact="0.5"/>
+        <dgm:constr type="w" for="ch" forName="balance_24" refType="w"/>
+        <dgm:constr type="h" for="ch" forName="balance_24" refType="h" fact="0.157"/>
+        <dgm:constr type="b" for="ch" forName="balance_24" refType="h" fact="0.85"/>
+        <dgm:constr type="ctrX" for="ch" forName="balance_24" refType="w" fact="0.5"/>
+        <dgm:constr type="w" for="ch" forName="balance_30" refType="w"/>
+        <dgm:constr type="h" for="ch" forName="balance_30" refType="h" fact="0.157"/>
+        <dgm:constr type="b" for="ch" forName="balance_30" refType="h" fact="0.85"/>
+        <dgm:constr type="ctrX" for="ch" forName="balance_30" refType="w" fact="0.5"/>
+        <dgm:constr type="w" for="ch" forName="balance_31" refType="w"/>
+        <dgm:constr type="h" for="ch" forName="balance_31" refType="h" fact="0.157"/>
+        <dgm:constr type="b" for="ch" forName="balance_31" refType="h" fact="0.85"/>
+        <dgm:constr type="ctrX" for="ch" forName="balance_31" refType="w" fact="0.5"/>
+        <dgm:constr type="w" for="ch" forName="balance_32" refType="w"/>
+        <dgm:constr type="h" for="ch" forName="balance_32" refType="h" fact="0.157"/>
+        <dgm:constr type="b" for="ch" forName="balance_32" refType="h" fact="0.85"/>
+        <dgm:constr type="ctrX" for="ch" forName="balance_32" refType="w" fact="0.5"/>
+        <dgm:constr type="w" for="ch" forName="balance_33" refType="w" fact="0.9"/>
+        <dgm:constr type="h" for="ch" forName="balance_33" refType="h" fact="0.076"/>
+        <dgm:constr type="b" for="ch" forName="balance_33" refType="h" fact="0.81"/>
+        <dgm:constr type="ctrX" for="ch" forName="balance_33" refType="w" fact="0.5"/>
+        <dgm:constr type="w" for="ch" forName="balance_34" refType="w"/>
+        <dgm:constr type="h" for="ch" forName="balance_34" refType="h" fact="0.157"/>
+        <dgm:constr type="b" for="ch" forName="balance_34" refType="h" fact="0.85"/>
+        <dgm:constr type="ctrX" for="ch" forName="balance_34" refType="w" fact="0.5"/>
+        <dgm:constr type="w" for="ch" forName="balance_40" refType="w"/>
+        <dgm:constr type="h" for="ch" forName="balance_40" refType="h" fact="0.157"/>
+        <dgm:constr type="b" for="ch" forName="balance_40" refType="h" fact="0.85"/>
+        <dgm:constr type="ctrX" for="ch" forName="balance_40" refType="w" fact="0.5"/>
+        <dgm:constr type="w" for="ch" forName="balance_41" refType="w"/>
+        <dgm:constr type="h" for="ch" forName="balance_41" refType="h" fact="0.157"/>
+        <dgm:constr type="b" for="ch" forName="balance_41" refType="h" fact="0.85"/>
+        <dgm:constr type="ctrX" for="ch" forName="balance_41" refType="w" fact="0.5"/>
+        <dgm:constr type="w" for="ch" forName="balance_42" refType="w"/>
+        <dgm:constr type="h" for="ch" forName="balance_42" refType="h" fact="0.157"/>
+        <dgm:constr type="b" for="ch" forName="balance_42" refType="h" fact="0.85"/>
+        <dgm:constr type="ctrX" for="ch" forName="balance_42" refType="w" fact="0.5"/>
+        <dgm:constr type="w" for="ch" forName="balance_43" refType="w"/>
+        <dgm:constr type="h" for="ch" forName="balance_43" refType="h" fact="0.157"/>
+        <dgm:constr type="b" for="ch" forName="balance_43" refType="h" fact="0.85"/>
+        <dgm:constr type="ctrX" for="ch" forName="balance_43" refType="w" fact="0.5"/>
+        <dgm:constr type="w" for="ch" forName="balance_44" refType="w" fact="0.9"/>
+        <dgm:constr type="h" for="ch" forName="balance_44" refType="h" fact="0.076"/>
+        <dgm:constr type="b" for="ch" forName="balance_44" refType="h" fact="0.81"/>
+        <dgm:constr type="ctrX" for="ch" forName="balance_44" refType="w" fact="0.5"/>
+        <dgm:constr type="w" for="ch" forName="right_01_1" refType="w" fact="0.4"/>
+        <dgm:constr type="h" for="ch" forName="right_01_1" refType="h" fact="0.7"/>
+        <dgm:constr type="b" for="ch" forName="right_01_1" refType="h" fact="0.76"/>
+        <dgm:constr type="ctrX" for="ch" forName="right_01_1" refType="w" fact="0.78"/>
+        <dgm:constr type="w" for="ch" forName="left_10_1" refType="w" fact="0.4"/>
+        <dgm:constr type="h" for="ch" forName="left_10_1" refType="h" fact="0.7"/>
+        <dgm:constr type="b" for="ch" forName="left_10_1" refType="h" fact="0.76"/>
+        <dgm:constr type="ctrX" for="ch" forName="left_10_1" refType="w" fact="0.22"/>
+        <dgm:constr type="w" for="ch" forName="right_11_1" refType="w" fact="0.36"/>
+        <dgm:constr type="h" for="ch" forName="right_11_1" refType="h" fact="0.67"/>
+        <dgm:constr type="b" for="ch" forName="right_11_1" refType="h" fact="0.725"/>
+        <dgm:constr type="ctrX" for="ch" forName="right_11_1" refType="w" fact="0.76"/>
+        <dgm:constr type="w" for="ch" forName="left_11_1" refType="w" fact="0.36"/>
+        <dgm:constr type="h" for="ch" forName="left_11_1" refType="h" fact="0.67"/>
+        <dgm:constr type="b" for="ch" forName="left_11_1" refType="h" fact="0.725"/>
+        <dgm:constr type="ctrX" for="ch" forName="left_11_1" refType="w" fact="0.24"/>
+        <dgm:constr type="w" for="ch" forName="right_02_1" refType="w" fact="0.388"/>
+        <dgm:constr type="h" for="ch" forName="right_02_1" refType="h" fact="0.36"/>
+        <dgm:constr type="b" for="ch" forName="right_02_1" refType="h" fact="0.76"/>
+        <dgm:constr type="ctrX" for="ch" forName="right_02_1" refType="w" fact="0.77"/>
+        <dgm:constr type="w" for="ch" forName="right_02_2" refType="w" fact="0.388"/>
+        <dgm:constr type="h" for="ch" forName="right_02_2" refType="h" fact="0.36"/>
+        <dgm:constr type="b" for="ch" forName="right_02_2" refType="h" fact="0.42"/>
+        <dgm:constr type="ctrX" for="ch" forName="right_02_2" refType="w" fact="0.79"/>
+        <dgm:constr type="w" for="ch" forName="left_20_1" refType="w" fact="0.388"/>
+        <dgm:constr type="h" for="ch" forName="left_20_1" refType="h" fact="0.36"/>
+        <dgm:constr type="b" for="ch" forName="left_20_1" refType="h" fact="0.76"/>
+        <dgm:constr type="ctrX" for="ch" forName="left_20_1" refType="w" fact="0.23"/>
+        <dgm:constr type="w" for="ch" forName="left_20_2" refType="w" fact="0.388"/>
+        <dgm:constr type="h" for="ch" forName="left_20_2" refType="h" fact="0.36"/>
+        <dgm:constr type="b" for="ch" forName="left_20_2" refType="h" fact="0.42"/>
+        <dgm:constr type="ctrX" for="ch" forName="left_20_2" refType="w" fact="0.21"/>
+        <dgm:constr type="w" for="ch" forName="right_12_1" refType="w" fact="0.388"/>
+        <dgm:constr type="h" for="ch" forName="right_12_1" refType="h" fact="0.36"/>
+        <dgm:constr type="b" for="ch" forName="right_12_1" refType="h" fact="0.76"/>
+        <dgm:constr type="ctrX" for="ch" forName="right_12_1" refType="w" fact="0.77"/>
+        <dgm:constr type="w" for="ch" forName="right_12_2" refType="w" fact="0.388"/>
+        <dgm:constr type="h" for="ch" forName="right_12_2" refType="h" fact="0.36"/>
+        <dgm:constr type="b" for="ch" forName="right_12_2" refType="h" fact="0.42"/>
+        <dgm:constr type="ctrX" for="ch" forName="right_12_2" refType="w" fact="0.79"/>
+        <dgm:constr type="w" for="ch" forName="left_12_1" refType="w" fact="0.388"/>
+        <dgm:constr type="h" for="ch" forName="left_12_1" refType="h" fact="0.36"/>
+        <dgm:constr type="b" for="ch" forName="left_12_1" refType="h" fact="0.715"/>
+        <dgm:constr type="ctrX" for="ch" forName="left_12_1" refType="w" fact="0.255"/>
+        <dgm:constr type="w" for="ch" forName="right_22_1" refType="w" fact="0.36"/>
+        <dgm:constr type="h" for="ch" forName="right_22_1" refType="h" fact="0.32"/>
+        <dgm:constr type="b" for="ch" forName="right_22_1" refType="h" fact="0.725"/>
+        <dgm:constr type="ctrX" for="ch" forName="right_22_1" refType="w" fact="0.76"/>
+        <dgm:constr type="w" for="ch" forName="right_22_2" refType="w" fact="0.36"/>
+        <dgm:constr type="h" for="ch" forName="right_22_2" refType="h" fact="0.32"/>
+        <dgm:constr type="b" for="ch" forName="right_22_2" refType="h" fact="0.39"/>
+        <dgm:constr type="ctrX" for="ch" forName="right_22_2" refType="w" fact="0.76"/>
+        <dgm:constr type="w" for="ch" forName="left_22_1" refType="w" fact="0.36"/>
+        <dgm:constr type="h" for="ch" forName="left_22_1" refType="h" fact="0.32"/>
+        <dgm:constr type="b" for="ch" forName="left_22_1" refType="h" fact="0.725"/>
+        <dgm:constr type="ctrX" for="ch" forName="left_22_1" refType="w" fact="0.24"/>
+        <dgm:constr type="w" for="ch" forName="left_22_2" refType="w" fact="0.36"/>
+        <dgm:constr type="h" for="ch" forName="left_22_2" refType="h" fact="0.32"/>
+        <dgm:constr type="b" for="ch" forName="left_22_2" refType="h" fact="0.39"/>
+        <dgm:constr type="ctrX" for="ch" forName="left_22_2" refType="w" fact="0.24"/>
+        <dgm:constr type="w" for="ch" forName="left_21_1" refType="w" fact="0.388"/>
+        <dgm:constr type="h" for="ch" forName="left_21_1" refType="h" fact="0.36"/>
+        <dgm:constr type="b" for="ch" forName="left_21_1" refType="h" fact="0.76"/>
+        <dgm:constr type="ctrX" for="ch" forName="left_21_1" refType="w" fact="0.23"/>
+        <dgm:constr type="w" for="ch" forName="left_21_2" refType="w" fact="0.388"/>
+        <dgm:constr type="h" for="ch" forName="left_21_2" refType="h" fact="0.36"/>
+        <dgm:constr type="b" for="ch" forName="left_21_2" refType="h" fact="0.42"/>
+        <dgm:constr type="ctrX" for="ch" forName="left_21_2" refType="w" fact="0.21"/>
+        <dgm:constr type="w" for="ch" forName="right_21_1" refType="w" fact="0.388"/>
+        <dgm:constr type="h" for="ch" forName="right_21_1" refType="h" fact="0.36"/>
+        <dgm:constr type="b" for="ch" forName="right_21_1" refType="h" fact="0.715"/>
+        <dgm:constr type="ctrX" for="ch" forName="right_21_1" refType="w" fact="0.745"/>
+        <dgm:constr type="w" for="ch" forName="right_03_1" refType="w" fact="0.37"/>
+        <dgm:constr type="h" for="ch" forName="right_03_1" refType="h" fact="0.24"/>
+        <dgm:constr type="b" for="ch" forName="right_03_1" refType="h" fact="0.76"/>
+        <dgm:constr type="ctrX" for="ch" forName="right_03_1" refType="w" fact="0.77"/>
+        <dgm:constr type="w" for="ch" forName="right_03_2" refType="w" fact="0.37"/>
+        <dgm:constr type="h" for="ch" forName="right_03_2" refType="h" fact="0.24"/>
+        <dgm:constr type="b" for="ch" forName="right_03_2" refType="h" fact="0.535"/>
+        <dgm:constr type="ctrX" for="ch" forName="right_03_2" refType="w" fact="0.783"/>
+        <dgm:constr type="w" for="ch" forName="right_03_3" refType="w" fact="0.37"/>
+        <dgm:constr type="h" for="ch" forName="right_03_3" refType="h" fact="0.24"/>
+        <dgm:constr type="b" for="ch" forName="right_03_3" refType="h" fact="0.315"/>
+        <dgm:constr type="ctrX" for="ch" forName="right_03_3" refType="w" fact="0.796"/>
+        <dgm:constr type="w" for="ch" forName="left_30_1" refType="w" fact="0.37"/>
+        <dgm:constr type="h" for="ch" forName="left_30_1" refType="h" fact="0.24"/>
+        <dgm:constr type="b" for="ch" forName="left_30_1" refType="h" fact="0.76"/>
+        <dgm:constr type="ctrX" for="ch" forName="left_30_1" refType="w" fact="0.23"/>
+        <dgm:constr type="w" for="ch" forName="left_30_2" refType="w" fact="0.37"/>
+        <dgm:constr type="h" for="ch" forName="left_30_2" refType="h" fact="0.24"/>
+        <dgm:constr type="b" for="ch" forName="left_30_2" refType="h" fact="0.535"/>
+        <dgm:constr type="ctrX" for="ch" forName="left_30_2" refType="w" fact="0.217"/>
+        <dgm:constr type="w" for="ch" forName="left_30_3" refType="w" fact="0.37"/>
+        <dgm:constr type="h" for="ch" forName="left_30_3" refType="h" fact="0.24"/>
+        <dgm:constr type="b" for="ch" forName="left_30_3" refType="h" fact="0.315"/>
+        <dgm:constr type="ctrX" for="ch" forName="left_30_3" refType="w" fact="0.204"/>
+        <dgm:constr type="w" for="ch" forName="right_13_1" refType="w" fact="0.37"/>
+        <dgm:constr type="h" for="ch" forName="right_13_1" refType="h" fact="0.24"/>
+        <dgm:constr type="b" for="ch" forName="right_13_1" refType="h" fact="0.76"/>
+        <dgm:constr type="ctrX" for="ch" forName="right_13_1" refType="w" fact="0.77"/>
+        <dgm:constr type="w" for="ch" forName="right_13_2" refType="w" fact="0.37"/>
+        <dgm:constr type="h" for="ch" forName="right_13_2" refType="h" fact="0.24"/>
+        <dgm:constr type="b" for="ch" forName="right_13_2" refType="h" fact="0.535"/>
+        <dgm:constr type="ctrX" for="ch" forName="right_13_2" refType="w" fact="0.783"/>
+        <dgm:constr type="w" for="ch" forName="right_13_3" refType="w" fact="0.37"/>
+        <dgm:constr type="h" for="ch" forName="right_13_3" refType="h" fact="0.24"/>
+        <dgm:constr type="b" for="ch" forName="right_13_3" refType="h" fact="0.315"/>
+        <dgm:constr type="ctrX" for="ch" forName="right_13_3" refType="w" fact="0.796"/>
+        <dgm:constr type="w" for="ch" forName="left_13_1" refType="w" fact="0.37"/>
+        <dgm:constr type="h" for="ch" forName="left_13_1" refType="h" fact="0.24"/>
+        <dgm:constr type="b" for="ch" forName="left_13_1" refType="h" fact="0.715"/>
+        <dgm:constr type="ctrX" for="ch" forName="left_13_1" refType="w" fact="0.255"/>
+        <dgm:constr type="w" for="ch" forName="left_31_1" refType="w" fact="0.37"/>
+        <dgm:constr type="h" for="ch" forName="left_31_1" refType="h" fact="0.24"/>
+        <dgm:constr type="b" for="ch" forName="left_31_1" refType="h" fact="0.76"/>
+        <dgm:constr type="ctrX" for="ch" forName="left_31_1" refType="w" fact="0.23"/>
+        <dgm:constr type="w" for="ch" forName="left_31_2" refType="w" fact="0.37"/>
+        <dgm:constr type="h" for="ch" forName="left_31_2" refType="h" fact="0.24"/>
+        <dgm:constr type="b" for="ch" forName="left_31_2" refType="h" fact="0.535"/>
+        <dgm:constr type="ctrX" for="ch" forName="left_31_2" refType="w" fact="0.217"/>
+        <dgm:constr type="w" for="ch" forName="left_31_3" refType="w" fact="0.37"/>
+        <dgm:constr type="h" for="ch" forName="left_31_3" refType="h" fact="0.24"/>
+        <dgm:constr type="b" for="ch" forName="left_31_3" refType="h" fact="0.315"/>
+        <dgm:constr type="ctrX" for="ch" forName="left_31_3" refType="w" fact="0.204"/>
+        <dgm:constr type="w" for="ch" forName="right_31_1" refType="w" fact="0.37"/>
+        <dgm:constr type="h" for="ch" forName="right_31_1" refType="h" fact="0.24"/>
+        <dgm:constr type="b" for="ch" forName="right_31_1" refType="h" fact="0.715"/>
+        <dgm:constr type="ctrX" for="ch" forName="right_31_1" refType="w" fact="0.745"/>
+        <dgm:constr type="w" for="ch" forName="right_23_1" refType="w" fact="0.37"/>
+        <dgm:constr type="h" for="ch" forName="right_23_1" refType="h" fact="0.24"/>
+        <dgm:constr type="b" for="ch" forName="right_23_1" refType="h" fact="0.76"/>
+        <dgm:constr type="ctrX" for="ch" forName="right_23_1" refType="w" fact="0.77"/>
+        <dgm:constr type="w" for="ch" forName="right_23_2" refType="w" fact="0.37"/>
+        <dgm:constr type="h" for="ch" forName="right_23_2" refType="h" fact="0.24"/>
+        <dgm:constr type="b" for="ch" forName="right_23_2" refType="h" fact="0.535"/>
+        <dgm:constr type="ctrX" for="ch" forName="right_23_2" refType="w" fact="0.783"/>
+        <dgm:constr type="w" for="ch" forName="right_23_3" refType="w" fact="0.37"/>
+        <dgm:constr type="h" for="ch" forName="right_23_3" refType="h" fact="0.24"/>
+        <dgm:constr type="b" for="ch" forName="right_23_3" refType="h" fact="0.315"/>
+        <dgm:constr type="ctrX" for="ch" forName="right_23_3" refType="w" fact="0.796"/>
+        <dgm:constr type="w" for="ch" forName="left_23_1" refType="w" fact="0.37"/>
+        <dgm:constr type="h" for="ch" forName="left_23_1" refType="h" fact="0.24"/>
+        <dgm:constr type="b" for="ch" forName="left_23_1" refType="h" fact="0.715"/>
+        <dgm:constr type="ctrX" for="ch" forName="left_23_1" refType="w" fact="0.255"/>
+        <dgm:constr type="w" for="ch" forName="left_23_2" refType="w" fact="0.37"/>
+        <dgm:constr type="h" for="ch" forName="left_23_2" refType="h" fact="0.24"/>
+        <dgm:constr type="b" for="ch" forName="left_23_2" refType="h" fact="0.49"/>
+        <dgm:constr type="ctrX" for="ch" forName="left_23_2" refType="w" fact="0.268"/>
+        <dgm:constr type="w" for="ch" forName="left_32_1" refType="w" fact="0.37"/>
+        <dgm:constr type="h" for="ch" forName="left_32_1" refType="h" fact="0.24"/>
+        <dgm:constr type="b" for="ch" forName="left_32_1" refType="h" fact="0.76"/>
+        <dgm:constr type="ctrX" for="ch" forName="left_32_1" refType="w" fact="0.23"/>
+        <dgm:constr type="w" for="ch" forName="left_32_2" refType="w" fact="0.37"/>
+        <dgm:constr type="h" for="ch" forName="left_32_2" refType="h" fact="0.24"/>
+        <dgm:constr type="b" for="ch" forName="left_32_2" refType="h" fact="0.535"/>
+        <dgm:constr type="ctrX" for="ch" forName="left_32_2" refType="w" fact="0.217"/>
+        <dgm:constr type="w" for="ch" forName="left_32_3" refType="w" fact="0.37"/>
+        <dgm:constr type="h" for="ch" forName="left_32_3" refType="h" fact="0.24"/>
+        <dgm:constr type="b" for="ch" forName="left_32_3" refType="h" fact="0.315"/>
+        <dgm:constr type="ctrX" for="ch" forName="left_32_3" refType="w" fact="0.204"/>
+        <dgm:constr type="w" for="ch" forName="right_32_1" refType="w" fact="0.37"/>
+        <dgm:constr type="h" for="ch" forName="right_32_1" refType="h" fact="0.24"/>
+        <dgm:constr type="b" for="ch" forName="right_32_1" refType="h" fact="0.715"/>
+        <dgm:constr type="ctrX" for="ch" forName="right_32_1" refType="w" fact="0.745"/>
+        <dgm:constr type="w" for="ch" forName="right_32_2" refType="w" fact="0.37"/>
+        <dgm:constr type="h" for="ch" forName="right_32_2" refType="h" fact="0.24"/>
+        <dgm:constr type="b" for="ch" forName="right_32_2" refType="h" fact="0.49"/>
+        <dgm:constr type="ctrX" for="ch" forName="right_32_2" refType="w" fact="0.732"/>
+        <dgm:constr type="w" for="ch" forName="right_33_1" refType="w" fact="0.36"/>
+        <dgm:constr type="h" for="ch" forName="right_33_1" refType="h" fact="0.21"/>
+        <dgm:constr type="b" for="ch" forName="right_33_1" refType="h" fact="0.725"/>
+        <dgm:constr type="ctrX" for="ch" forName="right_33_1" refType="w" fact="0.76"/>
+        <dgm:constr type="w" for="ch" forName="right_33_2" refType="w" fact="0.36"/>
+        <dgm:constr type="h" for="ch" forName="right_33_2" refType="h" fact="0.21"/>
+        <dgm:constr type="b" for="ch" forName="right_33_2" refType="h" fact="0.5"/>
+        <dgm:constr type="ctrX" for="ch" forName="right_33_2" refType="w" fact="0.76"/>
+        <dgm:constr type="w" for="ch" forName="right_33_3" refType="w" fact="0.36"/>
+        <dgm:constr type="h" for="ch" forName="right_33_3" refType="h" fact="0.21"/>
+        <dgm:constr type="b" for="ch" forName="right_33_3" refType="h" fact="0.275"/>
+        <dgm:constr type="ctrX" for="ch" forName="right_33_3" refType="w" fact="0.76"/>
+        <dgm:constr type="w" for="ch" forName="left_33_1" refType="w" fact="0.36"/>
+        <dgm:constr type="h" for="ch" forName="left_33_1" refType="h" fact="0.21"/>
+        <dgm:constr type="b" for="ch" forName="left_33_1" refType="h" fact="0.725"/>
+        <dgm:constr type="ctrX" for="ch" forName="left_33_1" refType="w" fact="0.24"/>
+        <dgm:constr type="w" for="ch" forName="left_33_2" refType="w" fact="0.36"/>
+        <dgm:constr type="h" for="ch" forName="left_33_2" refType="h" fact="0.21"/>
+        <dgm:constr type="b" for="ch" forName="left_33_2" refType="h" fact="0.5"/>
+        <dgm:constr type="ctrX" for="ch" forName="left_33_2" refType="w" fact="0.24"/>
+        <dgm:constr type="w" for="ch" forName="left_33_3" refType="w" fact="0.36"/>
+        <dgm:constr type="h" for="ch" forName="left_33_3" refType="h" fact="0.21"/>
+        <dgm:constr type="b" for="ch" forName="left_33_3" refType="h" fact="0.275"/>
+        <dgm:constr type="ctrX" for="ch" forName="left_33_3" refType="w" fact="0.24"/>
+        <dgm:constr type="w" for="ch" forName="right_04_1" refType="w" fact="0.365"/>
+        <dgm:constr type="h" for="ch" forName="right_04_1" refType="h" fact="0.185"/>
+        <dgm:constr type="b" for="ch" forName="right_04_1" refType="h" fact="0.76"/>
+        <dgm:constr type="ctrX" for="ch" forName="right_04_1" refType="w" fact="0.77"/>
+        <dgm:constr type="w" for="ch" forName="right_04_2" refType="w" fact="0.365"/>
+        <dgm:constr type="h" for="ch" forName="right_04_2" refType="h" fact="0.185"/>
+        <dgm:constr type="b" for="ch" forName="right_04_2" refType="h" fact="0.595"/>
+        <dgm:constr type="ctrX" for="ch" forName="right_04_2" refType="w" fact="0.78"/>
+        <dgm:constr type="w" for="ch" forName="right_04_3" refType="w" fact="0.365"/>
+        <dgm:constr type="h" for="ch" forName="right_04_3" refType="h" fact="0.185"/>
+        <dgm:constr type="b" for="ch" forName="right_04_3" refType="h" fact="0.43"/>
+        <dgm:constr type="ctrX" for="ch" forName="right_04_3" refType="w" fact="0.79"/>
+        <dgm:constr type="w" for="ch" forName="right_04_4" refType="w" fact="0.365"/>
+        <dgm:constr type="h" for="ch" forName="right_04_4" refType="h" fact="0.185"/>
+        <dgm:constr type="b" for="ch" forName="right_04_4" refType="h" fact="0.265"/>
+        <dgm:constr type="ctrX" for="ch" forName="right_04_4" refType="w" fact="0.8"/>
+        <dgm:constr type="w" for="ch" forName="left_40_1" refType="w" fact="0.365"/>
+        <dgm:constr type="h" for="ch" forName="left_40_1" refType="h" fact="0.185"/>
+        <dgm:constr type="b" for="ch" forName="left_40_1" refType="h" fact="0.76"/>
+        <dgm:constr type="ctrX" for="ch" forName="left_40_1" refType="w" fact="0.23"/>
+        <dgm:constr type="w" for="ch" forName="left_40_2" refType="w" fact="0.365"/>
+        <dgm:constr type="h" for="ch" forName="left_40_2" refType="h" fact="0.185"/>
+        <dgm:constr type="b" for="ch" forName="left_40_2" refType="h" fact="0.595"/>
+        <dgm:constr type="ctrX" for="ch" forName="left_40_2" refType="w" fact="0.22"/>
+        <dgm:constr type="w" for="ch" forName="left_40_3" refType="w" fact="0.365"/>
+        <dgm:constr type="h" for="ch" forName="left_40_3" refType="h" fact="0.185"/>
+        <dgm:constr type="b" for="ch" forName="left_40_3" refType="h" fact="0.43"/>
+        <dgm:constr type="ctrX" for="ch" forName="left_40_3" refType="w" fact="0.21"/>
+        <dgm:constr type="w" for="ch" forName="left_40_4" refType="w" fact="0.365"/>
+        <dgm:constr type="h" for="ch" forName="left_40_4" refType="h" fact="0.185"/>
+        <dgm:constr type="b" for="ch" forName="left_40_4" refType="h" fact="0.265"/>
+        <dgm:constr type="ctrX" for="ch" forName="left_40_4" refType="w" fact="0.2"/>
+        <dgm:constr type="w" for="ch" forName="right_14_1" refType="w" fact="0.365"/>
+        <dgm:constr type="h" for="ch" forName="right_14_1" refType="h" fact="0.185"/>
+        <dgm:constr type="b" for="ch" forName="right_14_1" refType="h" fact="0.76"/>
+        <dgm:constr type="ctrX" for="ch" forName="right_14_1" refType="w" fact="0.77"/>
+        <dgm:constr type="w" for="ch" forName="right_14_2" refType="w" fact="0.365"/>
+        <dgm:constr type="h" for="ch" forName="right_14_2" refType="h" fact="0.185"/>
+        <dgm:constr type="b" for="ch" forName="right_14_2" refType="h" fact="0.595"/>
+        <dgm:constr type="ctrX" for="ch" forName="right_14_2" refType="w" fact="0.78"/>
+        <dgm:constr type="w" for="ch" forName="right_14_3" refType="w" fact="0.365"/>
+        <dgm:constr type="h" for="ch" forName="right_14_3" refType="h" fact="0.185"/>
+        <dgm:constr type="b" for="ch" forName="right_14_3" refType="h" fact="0.43"/>
+        <dgm:constr type="ctrX" for="ch" forName="right_14_3" refType="w" fact="0.79"/>
+        <dgm:constr type="w" for="ch" forName="right_14_4" refType="w" fact="0.365"/>
+        <dgm:constr type="h" for="ch" forName="right_14_4" refType="h" fact="0.185"/>
+        <dgm:constr type="b" for="ch" forName="right_14_4" refType="h" fact="0.265"/>
+        <dgm:constr type="ctrX" for="ch" forName="right_14_4" refType="w" fact="0.8"/>
+        <dgm:constr type="w" for="ch" forName="left_14_1" refType="w" fact="0.365"/>
+        <dgm:constr type="h" for="ch" forName="left_14_1" refType="h" fact="0.185"/>
+        <dgm:constr type="b" for="ch" forName="left_14_1" refType="h" fact="0.715"/>
+        <dgm:constr type="ctrX" for="ch" forName="left_14_1" refType="w" fact="0.25"/>
+        <dgm:constr type="w" for="ch" forName="left_41_1" refType="w" fact="0.365"/>
+        <dgm:constr type="h" for="ch" forName="left_41_1" refType="h" fact="0.185"/>
+        <dgm:constr type="b" for="ch" forName="left_41_1" refType="h" fact="0.76"/>
+        <dgm:constr type="ctrX" for="ch" forName="left_41_1" refType="w" fact="0.23"/>
+        <dgm:constr type="w" for="ch" forName="left_41_2" refType="w" fact="0.365"/>
+        <dgm:constr type="h" for="ch" forName="left_41_2" refType="h" fact="0.185"/>
+        <dgm:constr type="b" for="ch" forName="left_41_2" refType="h" fact="0.595"/>
+        <dgm:constr type="ctrX" for="ch" forName="left_41_2" refType="w" fact="0.22"/>
+        <dgm:constr type="w" for="ch" forName="left_41_3" refType="w" fact="0.365"/>
+        <dgm:constr type="h" for="ch" forName="left_41_3" refType="h" fact="0.185"/>
+        <dgm:constr type="b" for="ch" forName="left_41_3" refType="h" fact="0.43"/>
+        <dgm:constr type="ctrX" for="ch" forName="left_41_3" refType="w" fact="0.21"/>
+        <dgm:constr type="w" for="ch" forName="left_41_4" refType="w" fact="0.365"/>
+        <dgm:constr type="h" for="ch" forName="left_41_4" refType="h" fact="0.185"/>
+        <dgm:constr type="b" for="ch" forName="left_41_4" refType="h" fact="0.265"/>
+        <dgm:constr type="ctrX" for="ch" forName="left_41_4" refType="w" fact="0.2"/>
+        <dgm:constr type="w" for="ch" forName="right_41_1" refType="w" fact="0.365"/>
+        <dgm:constr type="h" for="ch" forName="right_41_1" refType="h" fact="0.185"/>
+        <dgm:constr type="b" for="ch" forName="right_41_1" refType="h" fact="0.715"/>
+        <dgm:constr type="ctrX" for="ch" forName="right_41_1" refType="w" fact="0.75"/>
+        <dgm:constr type="w" for="ch" forName="right_24_1" refType="w" fact="0.365"/>
+        <dgm:constr type="h" for="ch" forName="right_24_1" refType="h" fact="0.185"/>
+        <dgm:constr type="b" for="ch" forName="right_24_1" refType="h" fact="0.76"/>
+        <dgm:constr type="ctrX" for="ch" forName="right_24_1" refType="w" fact="0.77"/>
+        <dgm:constr type="w" for="ch" forName="right_24_2" refType="w" fact="0.365"/>
+        <dgm:constr type="h" for="ch" forName="right_24_2" refType="h" fact="0.185"/>
+        <dgm:constr type="b" for="ch" forName="right_24_2" refType="h" fact="0.595"/>
+        <dgm:constr type="ctrX" for="ch" forName="right_24_2" refType="w" fact="0.78"/>
+        <dgm:constr type="w" for="ch" forName="right_24_3" refType="w" fact="0.365"/>
+        <dgm:constr type="h" for="ch" forName="right_24_3" refType="h" fact="0.185"/>
+        <dgm:constr type="b" for="ch" forName="right_24_3" refType="h" fact="0.43"/>
+        <dgm:constr type="ctrX" for="ch" forName="right_24_3" refType="w" fact="0.79"/>
+        <dgm:constr type="w" for="ch" forName="right_24_4" refType="w" fact="0.365"/>
+        <dgm:constr type="h" for="ch" forName="right_24_4" refType="h" fact="0.185"/>
+        <dgm:constr type="b" for="ch" forName="right_24_4" refType="h" fact="0.265"/>
+        <dgm:constr type="ctrX" for="ch" forName="right_24_4" refType="w" fact="0.8"/>
+        <dgm:constr type="w" for="ch" forName="left_24_1" refType="w" fact="0.365"/>
+        <dgm:constr type="h" for="ch" forName="left_24_1" refType="h" fact="0.185"/>
+        <dgm:constr type="b" for="ch" forName="left_24_1" refType="h" fact="0.715"/>
+        <dgm:constr type="ctrX" for="ch" forName="left_24_1" refType="w" fact="0.25"/>
+        <dgm:constr type="w" for="ch" forName="left_24_2" refType="w" fact="0.365"/>
+        <dgm:constr type="h" for="ch" forName="left_24_2" refType="h" fact="0.185"/>
+        <dgm:constr type="b" for="ch" forName="left_24_2" refType="h" fact="0.55"/>
+        <dgm:constr type="ctrX" for="ch" forName="left_24_2" refType="w" fact="0.26"/>
+        <dgm:constr type="w" for="ch" forName="left_42_1" refType="w" fact="0.365"/>
+        <dgm:constr type="h" for="ch" forName="left_42_1" refType="h" fact="0.185"/>
+        <dgm:constr type="b" for="ch" forName="left_42_1" refType="h" fact="0.76"/>
+        <dgm:constr type="ctrX" for="ch" forName="left_42_1" refType="w" fact="0.23"/>
+        <dgm:constr type="w" for="ch" forName="left_42_2" refType="w" fact="0.365"/>
+        <dgm:constr type="h" for="ch" forName="left_42_2" refType="h" fact="0.185"/>
+        <dgm:constr type="b" for="ch" forName="left_42_2" refType="h" fact="0.595"/>
+        <dgm:constr type="ctrX" for="ch" forName="left_42_2" refType="w" fact="0.22"/>
+        <dgm:constr type="w" for="ch" forName="left_42_3" refType="w" fact="0.365"/>
+        <dgm:constr type="h" for="ch" forName="left_42_3" refType="h" fact="0.185"/>
+        <dgm:constr type="b" for="ch" forName="left_42_3" refType="h" fact="0.43"/>
+        <dgm:constr type="ctrX" for="ch" forName="left_42_3" refType="w" fact="0.21"/>
+        <dgm:constr type="w" for="ch" forName="left_42_4" refType="w" fact="0.365"/>
+        <dgm:constr type="h" for="ch" forName="left_42_4" refType="h" fact="0.185"/>
+        <dgm:constr type="b" for="ch" forName="left_42_4" refType="h" fact="0.265"/>
+        <dgm:constr type="ctrX" for="ch" forName="left_42_4" refType="w" fact="0.2"/>
+        <dgm:constr type="w" for="ch" forName="right_42_1" refType="w" fact="0.365"/>
+        <dgm:constr type="h" for="ch" forName="right_42_1" refType="h" fact="0.185"/>
+        <dgm:constr type="b" for="ch" forName="right_42_1" refType="h" fact="0.715"/>
+        <dgm:constr type="ctrX" for="ch" forName="right_42_1" refType="w" fact="0.75"/>
+        <dgm:constr type="w" for="ch" forName="right_42_2" refType="w" fact="0.365"/>
+        <dgm:constr type="h" for="ch" forName="right_42_2" refType="h" fact="0.185"/>
+        <dgm:constr type="b" for="ch" forName="right_42_2" refType="h" fact="0.55"/>
+        <dgm:constr type="ctrX" for="ch" forName="right_42_2" refType="w" fact="0.74"/>
+        <dgm:constr type="w" for="ch" forName="right_34_1" refType="w" fact="0.365"/>
+        <dgm:constr type="h" for="ch" forName="right_34_1" refType="h" fact="0.185"/>
+        <dgm:constr type="b" for="ch" forName="right_34_1" refType="h" fact="0.76"/>
+        <dgm:constr type="ctrX" for="ch" forName="right_34_1" refType="w" fact="0.77"/>
+        <dgm:constr type="w" for="ch" forName="right_34_2" refType="w" fact="0.365"/>
+        <dgm:constr type="h" for="ch" forName="right_34_2" refType="h" fact="0.185"/>
+        <dgm:constr type="b" for="ch" forName="right_34_2" refType="h" fact="0.595"/>
+        <dgm:constr type="ctrX" for="ch" forName="right_34_2" refType="w" fact="0.78"/>
+        <dgm:constr type="w" for="ch" forName="right_34_3" refType="w" fact="0.365"/>
+        <dgm:constr type="h" for="ch" forName="right_34_3" refType="h" fact="0.185"/>
+        <dgm:constr type="b" for="ch" forName="right_34_3" refType="h" fact="0.43"/>
+        <dgm:constr type="ctrX" for="ch" forName="right_34_3" refType="w" fact="0.79"/>
+        <dgm:constr type="w" for="ch" forName="right_34_4" refType="w" fact="0.365"/>
+        <dgm:constr type="h" for="ch" forName="right_34_4" refType="h" fact="0.185"/>
+        <dgm:constr type="b" for="ch" forName="right_34_4" refType="h" fact="0.265"/>
+        <dgm:constr type="ctrX" for="ch" forName="right_34_4" refType="w" fact="0.8"/>
+        <dgm:constr type="w" for="ch" forName="left_34_1" refType="w" fact="0.365"/>
+        <dgm:constr type="h" for="ch" forName="left_34_1" refType="h" fact="0.185"/>
+        <dgm:constr type="b" for="ch" forName="left_34_1" refType="h" fact="0.715"/>
+        <dgm:constr type="ctrX" for="ch" forName="left_34_1" refType="w" fact="0.25"/>
+        <dgm:constr type="w" for="ch" forName="left_34_2" refType="w" fact="0.365"/>
+        <dgm:constr type="h" for="ch" forName="left_34_2" refType="h" fact="0.185"/>
+        <dgm:constr type="b" for="ch" forName="left_34_2" refType="h" fact="0.55"/>
+        <dgm:constr type="ctrX" for="ch" forName="left_34_2" refType="w" fact="0.26"/>
+        <dgm:constr type="w" for="ch" forName="left_34_3" refType="w" fact="0.365"/>
+        <dgm:constr type="h" for="ch" forName="left_34_3" refType="h" fact="0.185"/>
+        <dgm:constr type="b" for="ch" forName="left_34_3" refType="h" fact="0.385"/>
+        <dgm:constr type="ctrX" for="ch" forName="left_34_3" refType="w" fact="0.27"/>
+        <dgm:constr type="w" for="ch" forName="left_43_1" refType="w" fact="0.365"/>
+        <dgm:constr type="h" for="ch" forName="left_43_1" refType="h" fact="0.185"/>
+        <dgm:constr type="b" for="ch" forName="left_43_1" refType="h" fact="0.76"/>
+        <dgm:constr type="ctrX" for="ch" forName="left_43_1" refType="w" fact="0.23"/>
+        <dgm:constr type="w" for="ch" forName="left_43_2" refType="w" fact="0.365"/>
+        <dgm:constr type="h" for="ch" forName="left_43_2" refType="h" fact="0.185"/>
+        <dgm:constr type="b" for="ch" forName="left_43_2" refType="h" fact="0.595"/>
+        <dgm:constr type="ctrX" for="ch" forName="left_43_2" refType="w" fact="0.22"/>
+        <dgm:constr type="w" for="ch" forName="left_43_3" refType="w" fact="0.365"/>
+        <dgm:constr type="h" for="ch" forName="left_43_3" refType="h" fact="0.185"/>
+        <dgm:constr type="b" for="ch" forName="left_43_3" refType="h" fact="0.43"/>
+        <dgm:constr type="ctrX" for="ch" forName="left_43_3" refType="w" fact="0.21"/>
+        <dgm:constr type="w" for="ch" forName="left_43_4" refType="w" fact="0.365"/>
+        <dgm:constr type="h" for="ch" forName="left_43_4" refType="h" fact="0.185"/>
+        <dgm:constr type="b" for="ch" forName="left_43_4" refType="h" fact="0.265"/>
+        <dgm:constr type="ctrX" for="ch" forName="left_43_4" refType="w" fact="0.2"/>
+        <dgm:constr type="w" for="ch" forName="right_43_1" refType="w" fact="0.365"/>
+        <dgm:constr type="h" for="ch" forName="right_43_1" refType="h" fact="0.185"/>
+        <dgm:constr type="b" for="ch" forName="right_43_1" refType="h" fact="0.715"/>
+        <dgm:constr type="ctrX" for="ch" forName="right_43_1" refType="w" fact="0.75"/>
+        <dgm:constr type="w" for="ch" forName="right_43_2" refType="w" fact="0.365"/>
+        <dgm:constr type="h" for="ch" forName="right_43_2" refType="h" fact="0.185"/>
+        <dgm:constr type="b" for="ch" forName="right_43_2" refType="h" fact="0.55"/>
+        <dgm:constr type="ctrX" for="ch" forName="right_43_2" refType="w" fact="0.74"/>
+        <dgm:constr type="w" for="ch" forName="right_43_3" refType="w" fact="0.365"/>
+        <dgm:constr type="h" for="ch" forName="right_43_3" refType="h" fact="0.185"/>
+        <dgm:constr type="b" for="ch" forName="right_43_3" refType="h" fact="0.385"/>
+        <dgm:constr type="ctrX" for="ch" forName="right_43_3" refType="w" fact="0.73"/>
+        <dgm:constr type="w" for="ch" forName="right_44_1" refType="w" fact="0.36"/>
+        <dgm:constr type="h" for="ch" forName="right_44_1" refType="h" fact="0.154"/>
+        <dgm:constr type="b" for="ch" forName="right_44_1" refType="h" fact="0.725"/>
+        <dgm:constr type="ctrX" for="ch" forName="right_44_1" refType="w" fact="0.76"/>
+        <dgm:constr type="w" for="ch" forName="right_44_2" refType="w" fact="0.36"/>
+        <dgm:constr type="h" for="ch" forName="right_44_2" refType="h" fact="0.154"/>
+        <dgm:constr type="b" for="ch" forName="right_44_2" refType="h" fact="0.559"/>
+        <dgm:constr type="ctrX" for="ch" forName="right_44_2" refType="w" fact="0.76"/>
+        <dgm:constr type="w" for="ch" forName="right_44_3" refType="w" fact="0.36"/>
+        <dgm:constr type="h" for="ch" forName="right_44_3" refType="h" fact="0.154"/>
+        <dgm:constr type="b" for="ch" forName="right_44_3" refType="h" fact="0.393"/>
+        <dgm:constr type="ctrX" for="ch" forName="right_44_3" refType="w" fact="0.76"/>
+        <dgm:constr type="w" for="ch" forName="right_44_4" refType="w" fact="0.36"/>
+        <dgm:constr type="h" for="ch" forName="right_44_4" refType="h" fact="0.154"/>
+        <dgm:constr type="b" for="ch" forName="right_44_4" refType="h" fact="0.224"/>
+        <dgm:constr type="ctrX" for="ch" forName="right_44_4" refType="w" fact="0.76"/>
+        <dgm:constr type="w" for="ch" forName="left_44_1" refType="w" fact="0.36"/>
+        <dgm:constr type="h" for="ch" forName="left_44_1" refType="h" fact="0.154"/>
+        <dgm:constr type="b" for="ch" forName="left_44_1" refType="h" fact="0.725"/>
+        <dgm:constr type="ctrX" for="ch" forName="left_44_1" refType="w" fact="0.24"/>
+        <dgm:constr type="w" for="ch" forName="left_44_2" refType="w" fact="0.36"/>
+        <dgm:constr type="h" for="ch" forName="left_44_2" refType="h" fact="0.154"/>
+        <dgm:constr type="b" for="ch" forName="left_44_2" refType="h" fact="0.559"/>
+        <dgm:constr type="ctrX" for="ch" forName="left_44_2" refType="w" fact="0.24"/>
+        <dgm:constr type="w" for="ch" forName="left_44_3" refType="w" fact="0.36"/>
+        <dgm:constr type="h" for="ch" forName="left_44_3" refType="h" fact="0.154"/>
+        <dgm:constr type="b" for="ch" forName="left_44_3" refType="h" fact="0.393"/>
+        <dgm:constr type="ctrX" for="ch" forName="left_44_3" refType="w" fact="0.24"/>
+        <dgm:constr type="w" for="ch" forName="left_44_4" refType="w" fact="0.36"/>
+        <dgm:constr type="h" for="ch" forName="left_44_4" refType="h" fact="0.154"/>
+        <dgm:constr type="b" for="ch" forName="left_44_4" refType="h" fact="0.224"/>
+        <dgm:constr type="ctrX" for="ch" forName="left_44_4" refType="w" fact="0.24"/>
+      </dgm:constrLst>
+      <dgm:ruleLst/>
+      <dgm:layoutNode name="dummyMaxCanvas_ChildArea">
+        <dgm:alg type="sp"/>
+        <dgm:shape xmlns:r="http://schemas.openxmlformats.org/officeDocument/2006/relationships" r:blip="">
+          <dgm:adjLst/>
+        </dgm:shape>
+        <dgm:presOf/>
+        <dgm:constrLst/>
+        <dgm:ruleLst/>
+      </dgm:layoutNode>
+      <dgm:layoutNode name="fulcrum" styleLbl="alignAccFollowNode1">
+        <dgm:alg type="sp"/>
+        <dgm:shape xmlns:r="http://schemas.openxmlformats.org/officeDocument/2006/relationships" type="triangle" r:blip="">
+          <dgm:adjLst/>
+        </dgm:shape>
+        <dgm:presOf/>
+        <dgm:constrLst/>
+        <dgm:ruleLst/>
+      </dgm:layoutNode>
+      <dgm:choose name="Name0">
+        <dgm:if name="Name1" axis="ch ch" ptType="node node" st="1 1" cnt="1 0" func="cnt" op="equ" val="0">
+          <dgm:choose name="Name2">
+            <dgm:if name="Name3" axis="ch ch" ptType="node node" st="2 1" cnt="1 0" func="cnt" op="equ" val="0">
+              <dgm:layoutNode name="balance_00" styleLbl="alignAccFollowNode1">
+                <dgm:varLst>
+                  <dgm:bulletEnabled val="1"/>
+                </dgm:varLst>
+                <dgm:alg type="sp"/>
+                <dgm:shape xmlns:r="http://schemas.openxmlformats.org/officeDocument/2006/relationships" type="rect" r:blip="">
+                  <dgm:adjLst/>
+                </dgm:shape>
+                <dgm:presOf/>
+                <dgm:constrLst/>
+                <dgm:ruleLst/>
+              </dgm:layoutNode>
+            </dgm:if>
+            <dgm:else name="Name4">
+              <dgm:choose name="Name5">
+                <dgm:if name="Name6" axis="ch ch" ptType="node node" st="2 1" cnt="1 0" func="cnt" op="equ" val="1">
+                  <dgm:layoutNode name="balance_01" styleLbl="alignAccFollowNode1">
+                    <dgm:varLst>
+                      <dgm:bulletEnabled val="1"/>
+                    </dgm:varLst>
+                    <dgm:alg type="sp"/>
+                    <dgm:shape xmlns:r="http://schemas.openxmlformats.org/officeDocument/2006/relationships" rot="4" type="rect" r:blip="">
+                      <dgm:adjLst/>
+                    </dgm:shape>
+                    <dgm:presOf/>
+                    <dgm:constrLst/>
+                    <dgm:ruleLst/>
+                  </dgm:layoutNode>
+                  <dgm:layoutNode name="right_01_1" styleLbl="node1">
+                    <dgm:varLst>
+                      <dgm:bulletEnabled val="1"/>
+                    </dgm:varLst>
+                    <dgm:alg type="tx"/>
+                    <dgm:shape xmlns:r="http://schemas.openxmlformats.org/officeDocument/2006/relationships" rot="4" type="roundRect" r:blip="">
+                      <dgm:adjLst/>
+                    </dgm:shape>
+                    <dgm:presOf axis="ch ch desOrSelf" ptType="node node node" st="2 1 1" cnt="1 1 0"/>
+                    <dgm:constrLst>
+                      <dgm:constr type="lMarg" refType="primFontSz" fact="0.3"/>
+                      <dgm:constr type="rMarg" refType="primFontSz" fact="0.3"/>
+                      <dgm:constr type="tMarg" refType="primFontSz" fact="0.3"/>
+                      <dgm:constr type="bMarg" refType="primFontSz" fact="0.3"/>
+                    </dgm:constrLst>
+                    <dgm:ruleLst>
+                      <dgm:rule type="primFontSz" val="5" fact="NaN" max="NaN"/>
+                    </dgm:ruleLst>
+                  </dgm:layoutNode>
+                </dgm:if>
+                <dgm:else name="Name7">
+                  <dgm:choose name="Name8">
+                    <dgm:if name="Name9" axis="ch ch" ptType="node node" st="2 1" cnt="1 0" func="cnt" op="equ" val="2">
+                      <dgm:layoutNode name="balance_02" styleLbl="alignAccFollowNode1">
+                        <dgm:varLst>
+                          <dgm:bulletEnabled val="1"/>
+                        </dgm:varLst>
+                        <dgm:alg type="sp"/>
+                        <dgm:shape xmlns:r="http://schemas.openxmlformats.org/officeDocument/2006/relationships" rot="4" type="rect" r:blip="">
+                          <dgm:adjLst/>
+                        </dgm:shape>
+                        <dgm:presOf/>
+                        <dgm:constrLst/>
+                        <dgm:ruleLst/>
+                      </dgm:layoutNode>
+                      <dgm:layoutNode name="right_02_1" styleLbl="node1">
+                        <dgm:varLst>
+                          <dgm:bulletEnabled val="1"/>
+                        </dgm:varLst>
+                        <dgm:alg type="tx"/>
+                        <dgm:shape xmlns:r="http://schemas.openxmlformats.org/officeDocument/2006/relationships" rot="4" type="roundRect" r:blip="">
+                          <dgm:adjLst/>
+                        </dgm:shape>
+                        <dgm:presOf axis="ch ch desOrSelf" ptType="node node node" st="2 1 1" cnt="1 1 0"/>
+                        <dgm:constrLst>
+                          <dgm:constr type="lMarg" refType="primFontSz" fact="0.3"/>
+                          <dgm:constr type="rMarg" refType="primFontSz" fact="0.3"/>
+                          <dgm:constr type="tMarg" refType="primFontSz" fact="0.3"/>
+                          <dgm:constr type="bMarg" refType="primFontSz" fact="0.3"/>
+                        </dgm:constrLst>
+                        <dgm:ruleLst>
+                          <dgm:rule type="primFontSz" val="5" fact="NaN" max="NaN"/>
+                        </dgm:ruleLst>
+                      </dgm:layoutNode>
+                      <dgm:layoutNode name="right_02_2" styleLbl="node1">
+                        <dgm:varLst>
+                          <dgm:bulletEnabled val="1"/>
+                        </dgm:varLst>
+                        <dgm:alg type="tx"/>
+                        <dgm:shape xmlns:r="http://schemas.openxmlformats.org/officeDocument/2006/relationships" rot="4" type="roundRect" r:blip="">
+                          <dgm:adjLst/>
+                        </dgm:shape>
+                        <dgm:presOf axis="ch ch desOrSelf" ptType="node node node" st="2 2 1" cnt="1 1 0"/>
+                        <dgm:constrLst>
+                          <dgm:constr type="lMarg" refType="primFontSz" fact="0.3"/>
+                          <dgm:constr type="rMarg" refType="primFontSz" fact="0.3"/>
+                          <dgm:constr type="tMarg" refType="primFontSz" fact="0.3"/>
+                          <dgm:constr type="bMarg" refType="primFontSz" fact="0.3"/>
+                        </dgm:constrLst>
+                        <dgm:ruleLst>
+                          <dgm:rule type="primFontSz" val="5" fact="NaN" max="NaN"/>
+                        </dgm:ruleLst>
+                      </dgm:layoutNode>
+                    </dgm:if>
+                    <dgm:else name="Name10">
+                      <dgm:choose name="Name11">
+                        <dgm:if name="Name12" axis="ch ch" ptType="node node" st="2 1" cnt="1 0" func="cnt" op="equ" val="3">
+                          <dgm:layoutNode name="balance_03" styleLbl="alignAccFollowNode1">
+                            <dgm:varLst>
+                              <dgm:bulletEnabled val="1"/>
+                            </dgm:varLst>
+                            <dgm:alg type="sp"/>
+                            <dgm:shape xmlns:r="http://schemas.openxmlformats.org/officeDocument/2006/relationships" rot="4" type="rect" r:blip="">
+                              <dgm:adjLst/>
+                            </dgm:shape>
+                            <dgm:presOf/>
+                            <dgm:constrLst/>
+                            <dgm:ruleLst/>
+                          </dgm:layoutNode>
+                          <dgm:layoutNode name="right_03_1" styleLbl="node1">
+                            <dgm:varLst>
+                              <dgm:bulletEnabled val="1"/>
+                            </dgm:varLst>
+                            <dgm:alg type="tx"/>
+                            <dgm:shape xmlns:r="http://schemas.openxmlformats.org/officeDocument/2006/relationships" rot="4" type="roundRect" r:blip="">
+                              <dgm:adjLst/>
+                            </dgm:shape>
+                            <dgm:presOf axis="ch ch desOrSelf" ptType="node node node" st="2 1 1" cnt="1 1 0"/>
+                            <dgm:constrLst>
+                              <dgm:constr type="lMarg" refType="primFontSz" fact="0.3"/>
+                              <dgm:constr type="rMarg" refType="primFontSz" fact="0.3"/>
+                              <dgm:constr type="tMarg" refType="primFontSz" fact="0.3"/>
+                              <dgm:constr type="bMarg" refType="primFontSz" fact="0.3"/>
+                            </dgm:constrLst>
+                            <dgm:ruleLst>
+                              <dgm:rule type="primFontSz" val="5" fact="NaN" max="NaN"/>
+                            </dgm:ruleLst>
+                          </dgm:layoutNode>
+                          <dgm:layoutNode name="right_03_2" styleLbl="node1">
+                            <dgm:varLst>
+                              <dgm:bulletEnabled val="1"/>
+                            </dgm:varLst>
+                            <dgm:alg type="tx"/>
+                            <dgm:shape xmlns:r="http://schemas.openxmlformats.org/officeDocument/2006/relationships" rot="4" type="roundRect" r:blip="">
+                              <dgm:adjLst/>
+                            </dgm:shape>
+                            <dgm:presOf axis="ch ch desOrSelf" ptType="node node node" st="2 2 1" cnt="1 1 0"/>
+                            <dgm:constrLst>
+                              <dgm:constr type="lMarg" refType="primFontSz" fact="0.3"/>
+                              <dgm:constr type="rMarg" refType="primFontSz" fact="0.3"/>
+                              <dgm:constr type="tMarg" refType="primFontSz" fact="0.3"/>
+                              <dgm:constr type="bMarg" refType="primFontSz" fact="0.3"/>
+                            </dgm:constrLst>
+                            <dgm:ruleLst>
+                              <dgm:rule type="primFontSz" val="5" fact="NaN" max="NaN"/>
+                            </dgm:ruleLst>
+                          </dgm:layoutNode>
+                          <dgm:layoutNode name="right_03_3" styleLbl="node1">
+                            <dgm:varLst>
+                              <dgm:bulletEnabled val="1"/>
+                            </dgm:varLst>
+                            <dgm:alg type="tx"/>
+                            <dgm:shape xmlns:r="http://schemas.openxmlformats.org/officeDocument/2006/relationships" rot="4" type="roundRect" r:blip="">
+                              <dgm:adjLst/>
+                            </dgm:shape>
+                            <dgm:presOf axis="ch ch desOrSelf" ptType="node node node" st="2 3 1" cnt="1 1 0"/>
+                            <dgm:constrLst>
+                              <dgm:constr type="lMarg" refType="primFontSz" fact="0.3"/>
+                              <dgm:constr type="rMarg" refType="primFontSz" fact="0.3"/>
+                              <dgm:constr type="tMarg" refType="primFontSz" fact="0.3"/>
+                              <dgm:constr type="bMarg" refType="primFontSz" fact="0.3"/>
+                            </dgm:constrLst>
+                            <dgm:ruleLst>
+                              <dgm:rule type="primFontSz" val="5" fact="NaN" max="NaN"/>
+                            </dgm:ruleLst>
+                          </dgm:layoutNode>
+                        </dgm:if>
+                        <dgm:else name="Name13">
+                          <dgm:choose name="Name14">
+                            <dgm:if name="Name15" axis="ch ch" ptType="node node" st="2 1" cnt="1 0" func="cnt" op="gte" val="4">
+                              <dgm:layoutNode name="balance_04" styleLbl="alignAccFollowNode1">
+                                <dgm:varLst>
+                                  <dgm:bulletEnabled val="1"/>
+                                </dgm:varLst>
+                                <dgm:alg type="sp"/>
+                                <dgm:shape xmlns:r="http://schemas.openxmlformats.org/officeDocument/2006/relationships" rot="4" type="rect" r:blip="">
+                                  <dgm:adjLst/>
+                                </dgm:shape>
+                                <dgm:presOf/>
+                                <dgm:constrLst/>
+                                <dgm:ruleLst/>
+                              </dgm:layoutNode>
+                              <dgm:layoutNode name="right_04_1" styleLbl="node1">
+                                <dgm:varLst>
+                                  <dgm:bulletEnabled val="1"/>
+                                </dgm:varLst>
+                                <dgm:alg type="tx"/>
+                                <dgm:shape xmlns:r="http://schemas.openxmlformats.org/officeDocument/2006/relationships" rot="4" type="roundRect" r:blip="">
+                                  <dgm:adjLst/>
+                                </dgm:shape>
+                                <dgm:presOf axis="ch ch desOrSelf" ptType="node node node" st="2 1 1" cnt="1 1 0"/>
+                                <dgm:constrLst>
+                                  <dgm:constr type="lMarg" refType="primFontSz" fact="0.3"/>
+                                  <dgm:constr type="rMarg" refType="primFontSz" fact="0.3"/>
+                                  <dgm:constr type="tMarg" refType="primFontSz" fact="0.3"/>
+                                  <dgm:constr type="bMarg" refType="primFontSz" fact="0.3"/>
+                                </dgm:constrLst>
+                                <dgm:ruleLst>
+                                  <dgm:rule type="primFontSz" val="5" fact="NaN" max="NaN"/>
+                                </dgm:ruleLst>
+                              </dgm:layoutNode>
+                              <dgm:layoutNode name="right_04_2" styleLbl="node1">
+                                <dgm:varLst>
+                                  <dgm:bulletEnabled val="1"/>
+                                </dgm:varLst>
+                                <dgm:alg type="tx"/>
+                                <dgm:shape xmlns:r="http://schemas.openxmlformats.org/officeDocument/2006/relationships" rot="4" type="roundRect" r:blip="">
+                                  <dgm:adjLst/>
+                                </dgm:shape>
+                                <dgm:presOf axis="ch ch desOrSelf" ptType="node node node" st="2 2 1" cnt="1 1 0"/>
+                                <dgm:constrLst>
+                                  <dgm:constr type="lMarg" refType="primFontSz" fact="0.3"/>
+                                  <dgm:constr type="rMarg" refType="primFontSz" fact="0.3"/>
+                                  <dgm:constr type="tMarg" refType="primFontSz" fact="0.3"/>
+                                  <dgm:constr type="bMarg" refType="primFontSz" fact="0.3"/>
+                                </dgm:constrLst>
+                                <dgm:ruleLst>
+                                  <dgm:rule type="primFontSz" val="5" fact="NaN" max="NaN"/>
+                                </dgm:ruleLst>
+                              </dgm:layoutNode>
+                              <dgm:layoutNode name="right_04_3" styleLbl="node1">
+                                <dgm:varLst>
+                                  <dgm:bulletEnabled val="1"/>
+                                </dgm:varLst>
+                                <dgm:alg type="tx"/>
+                                <dgm:shape xmlns:r="http://schemas.openxmlformats.org/officeDocument/2006/relationships" rot="4" type="roundRect" r:blip="">
+                                  <dgm:adjLst/>
+                                </dgm:shape>
+                                <dgm:presOf axis="ch ch desOrSelf" ptType="node node node" st="2 3 1" cnt="1 1 0"/>
+                                <dgm:constrLst>
+                                  <dgm:constr type="lMarg" refType="primFontSz" fact="0.3"/>
+                                  <dgm:constr type="rMarg" refType="primFontSz" fact="0.3"/>
+                                  <dgm:constr type="tMarg" refType="primFontSz" fact="0.3"/>
+                                  <dgm:constr type="bMarg" refType="primFontSz" fact="0.3"/>
+                                </dgm:constrLst>
+                                <dgm:ruleLst>
+                                  <dgm:rule type="primFontSz" val="5" fact="NaN" max="NaN"/>
+                                </dgm:ruleLst>
+                              </dgm:layoutNode>
+                              <dgm:layoutNode name="right_04_4" styleLbl="node1">
+                                <dgm:varLst>
+                                  <dgm:bulletEnabled val="1"/>
+                                </dgm:varLst>
+                                <dgm:alg type="tx"/>
+                                <dgm:shape xmlns:r="http://schemas.openxmlformats.org/officeDocument/2006/relationships" rot="4" type="roundRect" r:blip="">
+                                  <dgm:adjLst/>
+                                </dgm:shape>
+                                <dgm:presOf axis="ch ch desOrSelf" ptType="node node node" st="2 4 1" cnt="1 1 0"/>
+                                <dgm:constrLst>
+                                  <dgm:constr type="lMarg" refType="primFontSz" fact="0.3"/>
+                                  <dgm:constr type="rMarg" refType="primFontSz" fact="0.3"/>
+                                  <dgm:constr type="tMarg" refType="primFontSz" fact="0.3"/>
+                                  <dgm:constr type="bMarg" refType="primFontSz" fact="0.3"/>
+                                </dgm:constrLst>
+                                <dgm:ruleLst>
+                                  <dgm:rule type="primFontSz" val="5" fact="NaN" max="NaN"/>
+                                </dgm:ruleLst>
+                              </dgm:layoutNode>
+                            </dgm:if>
+                            <dgm:else name="Name16"/>
+                          </dgm:choose>
+                        </dgm:else>
+                      </dgm:choose>
+                    </dgm:else>
+                  </dgm:choose>
+                </dgm:else>
+              </dgm:choose>
+            </dgm:else>
+          </dgm:choose>
+        </dgm:if>
+        <dgm:else name="Name17">
+          <dgm:choose name="Name18">
+            <dgm:if name="Name19" axis="ch ch" ptType="node node" st="1 1" cnt="1 0" func="cnt" op="equ" val="1">
+              <dgm:choose name="Name20">
+                <dgm:if name="Name21" axis="ch ch" ptType="node node" st="2 1" cnt="1 0" func="cnt" op="equ" val="0">
+                  <dgm:layoutNode name="balance_10" styleLbl="alignAccFollowNode1">
+                    <dgm:varLst>
+                      <dgm:bulletEnabled val="1"/>
+                    </dgm:varLst>
+                    <dgm:alg type="sp"/>
+                    <dgm:shape xmlns:r="http://schemas.openxmlformats.org/officeDocument/2006/relationships" rot="-4" type="rect" r:blip="">
+                      <dgm:adjLst/>
+                    </dgm:shape>
+                    <dgm:presOf/>
+                    <dgm:constrLst/>
+                    <dgm:ruleLst/>
+                  </dgm:layoutNode>
+                  <dgm:layoutNode name="left_10_1" styleLbl="node1">
+                    <dgm:varLst>
+                      <dgm:bulletEnabled val="1"/>
+                    </dgm:varLst>
+                    <dgm:alg type="tx"/>
+                    <dgm:shape xmlns:r="http://schemas.openxmlformats.org/officeDocument/2006/relationships" rot="-4" type="roundRect" r:blip="">
+                      <dgm:adjLst/>
+                    </dgm:shape>
+                    <dgm:presOf axis="ch ch desOrSelf" ptType="node node node" st="1 1 1" cnt="1 1 0"/>
+                    <dgm:constrLst>
+                      <dgm:constr type="lMarg" refType="primFontSz" fact="0.3"/>
+                      <dgm:constr type="rMarg" refType="primFontSz" fact="0.3"/>
+                      <dgm:constr type="tMarg" refType="primFontSz" fact="0.3"/>
+                      <dgm:constr type="bMarg" refType="primFontSz" fact="0.3"/>
+                    </dgm:constrLst>
+                    <dgm:ruleLst>
+                      <dgm:rule type="primFontSz" val="5" fact="NaN" max="NaN"/>
+                    </dgm:ruleLst>
+                  </dgm:layoutNode>
+                </dgm:if>
+                <dgm:else name="Name22">
+                  <dgm:choose name="Name23">
+                    <dgm:if name="Name24" axis="ch ch" ptType="node node" st="2 1" cnt="1 0" func="cnt" op="equ" val="1">
+                      <dgm:layoutNode name="balance_11" styleLbl="alignAccFollowNode1">
+                        <dgm:varLst>
+                          <dgm:bulletEnabled val="1"/>
+                        </dgm:varLst>
+                        <dgm:alg type="sp"/>
+                        <dgm:shape xmlns:r="http://schemas.openxmlformats.org/officeDocument/2006/relationships" type="rect" r:blip="">
+                          <dgm:adjLst/>
+                        </dgm:shape>
+                        <dgm:presOf/>
+                        <dgm:constrLst/>
+                        <dgm:ruleLst/>
+                      </dgm:layoutNode>
+                      <dgm:layoutNode name="left_11_1" styleLbl="node1">
+                        <dgm:varLst>
+                          <dgm:bulletEnabled val="1"/>
+                        </dgm:varLst>
+                        <dgm:alg type="tx"/>
+                        <dgm:shape xmlns:r="http://schemas.openxmlformats.org/officeDocument/2006/relationships" type="roundRect" r:blip="">
+                          <dgm:adjLst/>
+                        </dgm:shape>
+                        <dgm:presOf axis="ch ch desOrSelf" ptType="node node node" st="1 1 1" cnt="1 1 0"/>
+                        <dgm:constrLst>
+                          <dgm:constr type="lMarg" refType="primFontSz" fact="0.3"/>
+                          <dgm:constr type="rMarg" refType="primFontSz" fact="0.3"/>
+                          <dgm:constr type="tMarg" refType="primFontSz" fact="0.3"/>
+                          <dgm:constr type="bMarg" refType="primFontSz" fact="0.3"/>
+                        </dgm:constrLst>
+                        <dgm:ruleLst>
+                          <dgm:rule type="primFontSz" val="5" fact="NaN" max="NaN"/>
+                        </dgm:ruleLst>
+                      </dgm:layoutNode>
+                      <dgm:layoutNode name="right_11_1" styleLbl="node1">
+                        <dgm:varLst>
+                          <dgm:bulletEnabled val="1"/>
+                        </dgm:varLst>
+                        <dgm:alg type="tx"/>
+                        <dgm:shape xmlns:r="http://schemas.openxmlformats.org/officeDocument/2006/relationships" type="roundRect" r:blip="">
+                          <dgm:adjLst/>
+                        </dgm:shape>
+                        <dgm:presOf axis="ch ch desOrSelf" ptType="node node node" st="2 1 1" cnt="1 1 0"/>
+                        <dgm:constrLst>
+                          <dgm:constr type="lMarg" refType="primFontSz" fact="0.3"/>
+                          <dgm:constr type="rMarg" refType="primFontSz" fact="0.3"/>
+                          <dgm:constr type="tMarg" refType="primFontSz" fact="0.3"/>
+                          <dgm:constr type="bMarg" refType="primFontSz" fact="0.3"/>
+                        </dgm:constrLst>
+                        <dgm:ruleLst>
+                          <dgm:rule type="primFontSz" val="5" fact="NaN" max="NaN"/>
+                        </dgm:ruleLst>
+                      </dgm:layoutNode>
+                    </dgm:if>
+                    <dgm:else name="Name25">
+                      <dgm:choose name="Name26">
+                        <dgm:if name="Name27" axis="ch ch" ptType="node node" st="2 1" cnt="1 0" func="cnt" op="equ" val="2">
+                          <dgm:layoutNode name="balance_12" styleLbl="alignAccFollowNode1">
+                            <dgm:varLst>
+                              <dgm:bulletEnabled val="1"/>
+                            </dgm:varLst>
+                            <dgm:alg type="sp"/>
+                            <dgm:shape xmlns:r="http://schemas.openxmlformats.org/officeDocument/2006/relationships" rot="4" type="rect" r:blip="">
+                              <dgm:adjLst/>
+                            </dgm:shape>
+                            <dgm:presOf/>
+                            <dgm:constrLst/>
+                            <dgm:ruleLst/>
+                          </dgm:layoutNode>
+                          <dgm:layoutNode name="right_12_1" styleLbl="node1">
+                            <dgm:varLst>
+                              <dgm:bulletEnabled val="1"/>
+                            </dgm:varLst>
+                            <dgm:alg type="tx"/>
+                            <dgm:shape xmlns:r="http://schemas.openxmlformats.org/officeDocument/2006/relationships" rot="4" type="roundRect" r:blip="">
+                              <dgm:adjLst/>
+                            </dgm:shape>
+                            <dgm:presOf axis="ch ch desOrSelf" ptType="node node node" st="2 1 1" cnt="1 1 0"/>
+                            <dgm:constrLst>
+                              <dgm:constr type="lMarg" refType="primFontSz" fact="0.3"/>
+                              <dgm:constr type="rMarg" refType="primFontSz" fact="0.3"/>
+                              <dgm:constr type="tMarg" refType="primFontSz" fact="0.3"/>
+                              <dgm:constr type="bMarg" refType="primFontSz" fact="0.3"/>
+                            </dgm:constrLst>
+                            <dgm:ruleLst>
+                              <dgm:rule type="primFontSz" val="5" fact="NaN" max="NaN"/>
+                            </dgm:ruleLst>
+                          </dgm:layoutNode>
+                          <dgm:layoutNode name="right_12_2" styleLbl="node1">
+                            <dgm:varLst>
+                              <dgm:bulletEnabled val="1"/>
+                            </dgm:varLst>
+                            <dgm:alg type="tx"/>
+                            <dgm:shape xmlns:r="http://schemas.openxmlformats.org/officeDocument/2006/relationships" rot="4" type="roundRect" r:blip="">
+                              <dgm:adjLst/>
+                            </dgm:shape>
+                            <dgm:presOf axis="ch ch desOrSelf" ptType="node node node" st="2 2 1" cnt="1 1 0"/>
+                            <dgm:constrLst>
+                              <dgm:constr type="lMarg" refType="primFontSz" fact="0.3"/>
+                              <dgm:constr type="rMarg" refType="primFontSz" fact="0.3"/>
+                              <dgm:constr type="tMarg" refType="primFontSz" fact="0.3"/>
+                              <dgm:constr type="bMarg" refType="primFontSz" fact="0.3"/>
+                            </dgm:constrLst>
+                            <dgm:ruleLst>
+                              <dgm:rule type="primFontSz" val="5" fact="NaN" max="NaN"/>
+                            </dgm:ruleLst>
+                          </dgm:layoutNode>
+                          <dgm:layoutNode name="left_12_1" styleLbl="node1">
+                            <dgm:varLst>
+                              <dgm:bulletEnabled val="1"/>
+                            </dgm:varLst>
+                            <dgm:alg type="tx"/>
+                            <dgm:shape xmlns:r="http://schemas.openxmlformats.org/officeDocument/2006/relationships" rot="4" type="roundRect" r:blip="">
+                              <dgm:adjLst/>
+                            </dgm:shape>
+                            <dgm:presOf axis="ch ch desOrSelf" ptType="node node node" st="1 1 1" cnt="1 1 0"/>
+                            <dgm:constrLst>
+                              <dgm:constr type="lMarg" refType="primFontSz" fact="0.3"/>
+                              <dgm:constr type="rMarg" refType="primFontSz" fact="0.3"/>
+                              <dgm:constr type="tMarg" refType="primFontSz" fact="0.3"/>
+                              <dgm:constr type="bMarg" refType="primFontSz" fact="0.3"/>
+                            </dgm:constrLst>
+                            <dgm:ruleLst>
+                              <dgm:rule type="primFontSz" val="5" fact="NaN" max="NaN"/>
+                            </dgm:ruleLst>
+                          </dgm:layoutNode>
+                        </dgm:if>
+                        <dgm:else name="Name28">
+                          <dgm:choose name="Name29">
+                            <dgm:if name="Name30" axis="ch ch" ptType="node node" st="2 1" cnt="1 0" func="cnt" op="equ" val="3">
+                              <dgm:layoutNode name="balance_13" styleLbl="alignAccFollowNode1">
+                                <dgm:varLst>
+                                  <dgm:bulletEnabled val="1"/>
+                                </dgm:varLst>
+                                <dgm:alg type="sp"/>
+                                <dgm:shape xmlns:r="http://schemas.openxmlformats.org/officeDocument/2006/relationships" rot="4" type="rect" r:blip="">
+                                  <dgm:adjLst/>
+                                </dgm:shape>
+                                <dgm:presOf/>
+                                <dgm:constrLst/>
+                                <dgm:ruleLst/>
+                              </dgm:layoutNode>
+                              <dgm:layoutNode name="right_13_1" styleLbl="node1">
+                                <dgm:varLst>
+                                  <dgm:bulletEnabled val="1"/>
+                                </dgm:varLst>
+                                <dgm:alg type="tx"/>
+                                <dgm:shape xmlns:r="http://schemas.openxmlformats.org/officeDocument/2006/relationships" rot="4" type="roundRect" r:blip="">
+                                  <dgm:adjLst/>
+                                </dgm:shape>
+                                <dgm:presOf axis="ch ch desOrSelf" ptType="node node node" st="2 1 1" cnt="1 1 0"/>
+                                <dgm:constrLst>
+                                  <dgm:constr type="lMarg" refType="primFontSz" fact="0.3"/>
+                                  <dgm:constr type="rMarg" refType="primFontSz" fact="0.3"/>
+                                  <dgm:constr type="tMarg" refType="primFontSz" fact="0.3"/>
+                                  <dgm:constr type="bMarg" refType="primFontSz" fact="0.3"/>
+                                </dgm:constrLst>
+                                <dgm:ruleLst>
+                                  <dgm:rule type="primFontSz" val="5" fact="NaN" max="NaN"/>
+                                </dgm:ruleLst>
+                              </dgm:layoutNode>
+                              <dgm:layoutNode name="right_13_2" styleLbl="node1">
+                                <dgm:varLst>
+                                  <dgm:bulletEnabled val="1"/>
+                                </dgm:varLst>
+                                <dgm:alg type="tx"/>
+                                <dgm:shape xmlns:r="http://schemas.openxmlformats.org/officeDocument/2006/relationships" rot="4" type="roundRect" r:blip="">
+                                  <dgm:adjLst/>
+                                </dgm:shape>
+                                <dgm:presOf axis="ch ch desOrSelf" ptType="node node node" st="2 2 1" cnt="1 1 0"/>
+                                <dgm:constrLst>
+                                  <dgm:constr type="lMarg" refType="primFontSz" fact="0.3"/>
+                                  <dgm:constr type="rMarg" refType="primFontSz" fact="0.3"/>
+                                  <dgm:constr type="tMarg" refType="primFontSz" fact="0.3"/>
+                                  <dgm:constr type="bMarg" refType="primFontSz" fact="0.3"/>
+                                </dgm:constrLst>
+                                <dgm:ruleLst>
+                                  <dgm:rule type="primFontSz" val="5" fact="NaN" max="NaN"/>
+                                </dgm:ruleLst>
+                              </dgm:layoutNode>
+                              <dgm:layoutNode name="right_13_3" styleLbl="node1">
+                                <dgm:varLst>
+                                  <dgm:bulletEnabled val="1"/>
+                                </dgm:varLst>
+                                <dgm:alg type="tx"/>
+                                <dgm:shape xmlns:r="http://schemas.openxmlformats.org/officeDocument/2006/relationships" rot="4" type="roundRect" r:blip="">
+                                  <dgm:adjLst/>
+                                </dgm:shape>
+                                <dgm:presOf axis="ch ch desOrSelf" ptType="node node node" st="2 3 1" cnt="1 1 0"/>
+                                <dgm:constrLst>
+                                  <dgm:constr type="lMarg" refType="primFontSz" fact="0.3"/>
+                                  <dgm:constr type="rMarg" refType="primFontSz" fact="0.3"/>
+                                  <dgm:constr type="tMarg" refType="primFontSz" fact="0.3"/>
+                                  <dgm:constr type="bMarg" refType="primFontSz" fact="0.3"/>
+                                </dgm:constrLst>
+                                <dgm:ruleLst>
+                                  <dgm:rule type="primFontSz" val="5" fact="NaN" max="NaN"/>
+                                </dgm:ruleLst>
+                              </dgm:layoutNode>
+                              <dgm:layoutNode name="left_13_1" styleLbl="node1">
+                                <dgm:varLst>
+                                  <dgm:bulletEnabled val="1"/>
+                                </dgm:varLst>
+                                <dgm:alg type="tx"/>
+                                <dgm:shape xmlns:r="http://schemas.openxmlformats.org/officeDocument/2006/relationships" rot="4" type="roundRect" r:blip="">
+                                  <dgm:adjLst/>
+                                </dgm:shape>
+                                <dgm:presOf axis="ch ch desOrSelf" ptType="node node node" st="1 1 1" cnt="1 1 0"/>
+                                <dgm:constrLst>
+                                  <dgm:constr type="lMarg" refType="primFontSz" fact="0.3"/>
+                                  <dgm:constr type="rMarg" refType="primFontSz" fact="0.3"/>
+                                  <dgm:constr type="tMarg" refType="primFontSz" fact="0.3"/>
+                                  <dgm:constr type="bMarg" refType="primFontSz" fact="0.3"/>
+                                </dgm:constrLst>
+                                <dgm:ruleLst>
+                                  <dgm:rule type="primFontSz" val="5" fact="NaN" max="NaN"/>
+                                </dgm:ruleLst>
+                              </dgm:layoutNode>
+                            </dgm:if>
+                            <dgm:else name="Name31">
+                              <dgm:choose name="Name32">
+                                <dgm:if name="Name33" axis="ch ch" ptType="node node" st="2 1" cnt="1 0" func="cnt" op="gte" val="4">
+                                  <dgm:layoutNode name="balance_14" styleLbl="alignAccFollowNode1">
+                                    <dgm:varLst>
+                                      <dgm:bulletEnabled val="1"/>
+                                    </dgm:varLst>
+                                    <dgm:alg type="sp"/>
+                                    <dgm:shape xmlns:r="http://schemas.openxmlformats.org/officeDocument/2006/relationships" rot="4" type="rect" r:blip="">
+                                      <dgm:adjLst/>
+                                    </dgm:shape>
+                                    <dgm:presOf/>
+                                    <dgm:constrLst/>
+                                    <dgm:ruleLst/>
+                                  </dgm:layoutNode>
+                                  <dgm:layoutNode name="right_14_1" styleLbl="node1">
+                                    <dgm:varLst>
+                                      <dgm:bulletEnabled val="1"/>
+                                    </dgm:varLst>
+                                    <dgm:alg type="tx"/>
+                                    <dgm:shape xmlns:r="http://schemas.openxmlformats.org/officeDocument/2006/relationships" rot="4" type="roundRect" r:blip="">
+                                      <dgm:adjLst/>
+                                    </dgm:shape>
+                                    <dgm:presOf axis="ch ch desOrSelf" ptType="node node node" st="2 1 1" cnt="1 1 0"/>
+                                    <dgm:constrLst>
+                                      <dgm:constr type="lMarg" refType="primFontSz" fact="0.3"/>
+                                      <dgm:constr type="rMarg" refType="primFontSz" fact="0.3"/>
+                                      <dgm:constr type="tMarg" refType="primFontSz" fact="0.3"/>
+                                      <dgm:constr type="bMarg" refType="primFontSz" fact="0.3"/>
+                                    </dgm:constrLst>
+                                    <dgm:ruleLst>
+                                      <dgm:rule type="primFontSz" val="5" fact="NaN" max="NaN"/>
+                                    </dgm:ruleLst>
+                                  </dgm:layoutNode>
+                                  <dgm:layoutNode name="right_14_2" styleLbl="node1">
+                                    <dgm:varLst>
+                                      <dgm:bulletEnabled val="1"/>
+                                    </dgm:varLst>
+                                    <dgm:alg type="tx"/>
+                                    <dgm:shape xmlns:r="http://schemas.openxmlformats.org/officeDocument/2006/relationships" rot="4" type="roundRect" r:blip="">
+                                      <dgm:adjLst/>
+                                    </dgm:shape>
+                                    <dgm:presOf axis="ch ch desOrSelf" ptType="node node node" st="2 2 1" cnt="1 1 0"/>
+                                    <dgm:constrLst>
+                                      <dgm:constr type="lMarg" refType="primFontSz" fact="0.3"/>
+                                      <dgm:constr type="rMarg" refType="primFontSz" fact="0.3"/>
+                                      <dgm:constr type="tMarg" refType="primFontSz" fact="0.3"/>
+                                      <dgm:constr type="bMarg" refType="primFontSz" fact="0.3"/>
+                                    </dgm:constrLst>
+                                    <dgm:ruleLst>
+                                      <dgm:rule type="primFontSz" val="5" fact="NaN" max="NaN"/>
+                                    </dgm:ruleLst>
+                                  </dgm:layoutNode>
+                                  <dgm:layoutNode name="right_14_3" styleLbl="node1">
+                                    <dgm:varLst>
+                                      <dgm:bulletEnabled val="1"/>
+                                    </dgm:varLst>
+                                    <dgm:alg type="tx"/>
+                                    <dgm:shape xmlns:r="http://schemas.openxmlformats.org/officeDocument/2006/relationships" rot="4" type="roundRect" r:blip="">
+                                      <dgm:adjLst/>
+                                    </dgm:shape>
+                                    <dgm:presOf axis="ch ch desOrSelf" ptType="node node node" st="2 3 1" cnt="1 1 0"/>
+                                    <dgm:constrLst>
+                                      <dgm:constr type="lMarg" refType="primFontSz" fact="0.3"/>
+                                      <dgm:constr type="rMarg" refType="primFontSz" fact="0.3"/>
+                                      <dgm:constr type="tMarg" refType="primFontSz" fact="0.3"/>
+                                      <dgm:constr type="bMarg" refType="primFontSz" fact="0.3"/>
+                                    </dgm:constrLst>
+                                    <dgm:ruleLst>
+                                      <dgm:rule type="primFontSz" val="5" fact="NaN" max="NaN"/>
+                                    </dgm:ruleLst>
+                                  </dgm:layoutNode>
+                                  <dgm:layoutNode name="right_14_4" styleLbl="node1">
+                                    <dgm:varLst>
+                                      <dgm:bulletEnabled val="1"/>
+                                    </dgm:varLst>
+                                    <dgm:alg type="tx"/>
+                                    <dgm:shape xmlns:r="http://schemas.openxmlformats.org/officeDocument/2006/relationships" rot="4" type="roundRect" r:blip="">
+                                      <dgm:adjLst/>
+                                    </dgm:shape>
+                                    <dgm:presOf axis="ch ch desOrSelf" ptType="node node node" st="2 4 1" cnt="1 1 0"/>
+                                    <dgm:constrLst>
+                                      <dgm:constr type="lMarg" refType="primFontSz" fact="0.3"/>
+                                      <dgm:constr type="rMarg" refType="primFontSz" fact="0.3"/>
+                                      <dgm:constr type="tMarg" refType="primFontSz" fact="0.3"/>
+                                      <dgm:constr type="bMarg" refType="primFontSz" fact="0.3"/>
+                                    </dgm:constrLst>
+                                    <dgm:ruleLst>
+                                      <dgm:rule type="primFontSz" val="5" fact="NaN" max="NaN"/>
+                                    </dgm:ruleLst>
+                                  </dgm:layoutNode>
+                                  <dgm:layoutNode name="left_14_1" styleLbl="node1">
+                                    <dgm:varLst>
+                                      <dgm:bulletEnabled val="1"/>
+                                    </dgm:varLst>
+                                    <dgm:alg type="tx"/>
+                                    <dgm:shape xmlns:r="http://schemas.openxmlformats.org/officeDocument/2006/relationships" rot="4" type="roundRect" r:blip="">
+                                      <dgm:adjLst/>
+                                    </dgm:shape>
+                                    <dgm:presOf axis="ch ch desOrSelf" ptType="node node node" st="1 1 1" cnt="1 1 0"/>
+                                    <dgm:constrLst>
+                                      <dgm:constr type="lMarg" refType="primFontSz" fact="0.3"/>
+                                      <dgm:constr type="rMarg" refType="primFontSz" fact="0.3"/>
+                                      <dgm:constr type="tMarg" refType="primFontSz" fact="0.3"/>
+                                      <dgm:constr type="bMarg" refType="primFontSz" fact="0.3"/>
+                                    </dgm:constrLst>
+                                    <dgm:ruleLst>
+                                      <dgm:rule type="primFontSz" val="5" fact="NaN" max="NaN"/>
+                                    </dgm:ruleLst>
+                                  </dgm:layoutNode>
+                                </dgm:if>
+                                <dgm:else name="Name34"/>
+                              </dgm:choose>
+                            </dgm:else>
+                          </dgm:choose>
+                        </dgm:else>
+                      </dgm:choose>
+                    </dgm:else>
+                  </dgm:choose>
+                </dgm:else>
+              </dgm:choose>
+            </dgm:if>
+            <dgm:else name="Name35">
+              <dgm:choose name="Name36">
+                <dgm:if name="Name37" axis="ch ch" ptType="node node" st="1 1" cnt="1 0" func="cnt" op="equ" val="2">
+                  <dgm:choose name="Name38">
+                    <dgm:if name="Name39" axis="ch ch" ptType="node node" st="2 1" cnt="1 0" func="cnt" op="equ" val="0">
+                      <dgm:layoutNode name="balance_20" styleLbl="alignAccFollowNode1">
+                        <dgm:varLst>
+                          <dgm:bulletEnabled val="1"/>
+                        </dgm:varLst>
+                        <dgm:alg type="sp"/>
+                        <dgm:shape xmlns:r="http://schemas.openxmlformats.org/officeDocument/2006/relationships" rot="-4" type="rect" r:blip="">
+                          <dgm:adjLst/>
+                        </dgm:shape>
+                        <dgm:presOf/>
+                        <dgm:constrLst/>
+                        <dgm:ruleLst/>
+                      </dgm:layoutNode>
+                      <dgm:layoutNode name="left_20_1" styleLbl="node1">
+                        <dgm:varLst>
+                          <dgm:bulletEnabled val="1"/>
+                        </dgm:varLst>
+                        <dgm:alg type="tx"/>
+                        <dgm:shape xmlns:r="http://schemas.openxmlformats.org/officeDocument/2006/relationships" rot="-4" type="roundRect" r:blip="">
+                          <dgm:adjLst/>
+                        </dgm:shape>
+                        <dgm:presOf axis="ch ch desOrSelf" ptType="node node node" st="1 1 1" cnt="1 1 0"/>
+                        <dgm:constrLst>
+                          <dgm:constr type="lMarg" refType="primFontSz" fact="0.3"/>
+                          <dgm:constr type="rMarg" refType="primFontSz" fact="0.3"/>
+                          <dgm:constr type="tMarg" refType="primFontSz" fact="0.3"/>
+                          <dgm:constr type="bMarg" refType="primFontSz" fact="0.3"/>
+                        </dgm:constrLst>
+                        <dgm:ruleLst>
+                          <dgm:rule type="primFontSz" val="5" fact="NaN" max="NaN"/>
+                        </dgm:ruleLst>
+                      </dgm:layoutNode>
+                      <dgm:layoutNode name="left_20_2" styleLbl="node1">
+                        <dgm:varLst>
+                          <dgm:bulletEnabled val="1"/>
+                        </dgm:varLst>
+                        <dgm:alg type="tx"/>
+                        <dgm:shape xmlns:r="http://schemas.openxmlformats.org/officeDocument/2006/relationships" rot="-4" type="roundRect" r:blip="">
+                          <dgm:adjLst/>
+                        </dgm:shape>
+                        <dgm:presOf axis="ch ch desOrSelf" ptType="node node node" st="1 2 1" cnt="1 1 0"/>
+                        <dgm:constrLst>
+                          <dgm:constr type="lMarg" refType="primFontSz" fact="0.3"/>
+                          <dgm:constr type="rMarg" refType="primFontSz" fact="0.3"/>
+                          <dgm:constr type="tMarg" refType="primFontSz" fact="0.3"/>
+                          <dgm:constr type="bMarg" refType="primFontSz" fact="0.3"/>
+                        </dgm:constrLst>
+                        <dgm:ruleLst>
+                          <dgm:rule type="primFontSz" val="5" fact="NaN" max="NaN"/>
+                        </dgm:ruleLst>
+                      </dgm:layoutNode>
+                    </dgm:if>
+                    <dgm:else name="Name40">
+                      <dgm:choose name="Name41">
+                        <dgm:if name="Name42" axis="ch ch" ptType="node node" st="2 1" cnt="1 0" func="cnt" op="equ" val="1">
+                          <dgm:layoutNode name="balance_21" styleLbl="alignAccFollowNode1">
+                            <dgm:varLst>
+                              <dgm:bulletEnabled val="1"/>
+                            </dgm:varLst>
+                            <dgm:alg type="sp"/>
+                            <dgm:shape xmlns:r="http://schemas.openxmlformats.org/officeDocument/2006/relationships" rot="-4" type="rect" r:blip="">
+                              <dgm:adjLst/>
+                            </dgm:shape>
+                            <dgm:presOf/>
+                            <dgm:constrLst/>
+                            <dgm:ruleLst/>
+                          </dgm:layoutNode>
+                          <dgm:layoutNode name="left_21_1" styleLbl="node1">
+                            <dgm:varLst>
+                              <dgm:bulletEnabled val="1"/>
+                            </dgm:varLst>
+                            <dgm:alg type="tx"/>
+                            <dgm:shape xmlns:r="http://schemas.openxmlformats.org/officeDocument/2006/relationships" rot="-4" type="roundRect" r:blip="">
+                              <dgm:adjLst/>
+                            </dgm:shape>
+                            <dgm:presOf axis="ch ch desOrSelf" ptType="node node node" st="1 1 1" cnt="1 1 0"/>
+                            <dgm:constrLst>
+                              <dgm:constr type="lMarg" refType="primFontSz" fact="0.3"/>
+                              <dgm:constr type="rMarg" refType="primFontSz" fact="0.3"/>
+                              <dgm:constr type="tMarg" refType="primFontSz" fact="0.3"/>
+                              <dgm:constr type="bMarg" refType="primFontSz" fact="0.3"/>
+                            </dgm:constrLst>
+                            <dgm:ruleLst>
+                              <dgm:rule type="primFontSz" val="5" fact="NaN" max="NaN"/>
+                            </dgm:ruleLst>
+                          </dgm:layoutNode>
+                          <dgm:layoutNode name="left_21_2" styleLbl="node1">
+                            <dgm:varLst>
+                              <dgm:bulletEnabled val="1"/>
+                            </dgm:varLst>
+                            <dgm:alg type="tx"/>
+                            <dgm:shape xmlns:r="http://schemas.openxmlformats.org/officeDocument/2006/relationships" rot="-4" type="roundRect" r:blip="">
+                              <dgm:adjLst/>
+                            </dgm:shape>
+                            <dgm:presOf axis="ch ch desOrSelf" ptType="node node node" st="1 2 1" cnt="1 1 0"/>
+                            <dgm:constrLst>
+                              <dgm:constr type="lMarg" refType="primFontSz" fact="0.3"/>
+                              <dgm:constr type="rMarg" refType="primFontSz" fact="0.3"/>
+                              <dgm:constr type="tMarg" refType="primFontSz" fact="0.3"/>
+                              <dgm:constr type="bMarg" refType="primFontSz" fact="0.3"/>
+                            </dgm:constrLst>
+                            <dgm:ruleLst>
+                              <dgm:rule type="primFontSz" val="5" fact="NaN" max="NaN"/>
+                            </dgm:ruleLst>
+                          </dgm:layoutNode>
+                          <dgm:layoutNode name="right_21_1" styleLbl="node1">
+                            <dgm:varLst>
+                              <dgm:bulletEnabled val="1"/>
+                            </dgm:varLst>
+                            <dgm:alg type="tx"/>
+                            <dgm:shape xmlns:r="http://schemas.openxmlformats.org/officeDocument/2006/relationships" rot="-4" type="roundRect" r:blip="">
+                              <dgm:adjLst/>
+                            </dgm:shape>
+                            <dgm:presOf axis="ch ch desOrSelf" ptType="node node node" st="2 1 1" cnt="1 1 0"/>
+                            <dgm:constrLst>
+                              <dgm:constr type="lMarg" refType="primFontSz" fact="0.3"/>
+                              <dgm:constr type="rMarg" refType="primFontSz" fact="0.3"/>
+                              <dgm:constr type="tMarg" refType="primFontSz" fact="0.3"/>
+                              <dgm:constr type="bMarg" refType="primFontSz" fact="0.3"/>
+                            </dgm:constrLst>
+                            <dgm:ruleLst>
+                              <dgm:rule type="primFontSz" val="5" fact="NaN" max="NaN"/>
+                            </dgm:ruleLst>
+                          </dgm:layoutNode>
+                        </dgm:if>
+                        <dgm:else name="Name43">
+                          <dgm:choose name="Name44">
+                            <dgm:if name="Name45" axis="ch ch" ptType="node node" st="2 1" cnt="1 0" func="cnt" op="equ" val="2">
+                              <dgm:layoutNode name="balance_22" styleLbl="alignAccFollowNode1">
+                                <dgm:varLst>
+                                  <dgm:bulletEnabled val="1"/>
+                                </dgm:varLst>
+                                <dgm:alg type="sp"/>
+                                <dgm:shape xmlns:r="http://schemas.openxmlformats.org/officeDocument/2006/relationships" type="rect" r:blip="">
+                                  <dgm:adjLst/>
+                                </dgm:shape>
+                                <dgm:presOf/>
+                                <dgm:constrLst/>
+                                <dgm:ruleLst/>
+                              </dgm:layoutNode>
+                              <dgm:layoutNode name="right_22_1" styleLbl="node1">
+                                <dgm:varLst>
+                                  <dgm:bulletEnabled val="1"/>
+                                </dgm:varLst>
+                                <dgm:alg type="tx"/>
+                                <dgm:shape xmlns:r="http://schemas.openxmlformats.org/officeDocument/2006/relationships" type="roundRect" r:blip="">
+                                  <dgm:adjLst/>
+                                </dgm:shape>
+                                <dgm:presOf axis="ch ch desOrSelf" ptType="node node node" st="2 1 1" cnt="1 1 0"/>
+                                <dgm:constrLst>
+                                  <dgm:constr type="lMarg" refType="primFontSz" fact="0.3"/>
+                                  <dgm:constr type="rMarg" refType="primFontSz" fact="0.3"/>
+                                  <dgm:constr type="tMarg" refType="primFontSz" fact="0.3"/>
+                                  <dgm:constr type="bMarg" refType="primFontSz" fact="0.3"/>
+                                </dgm:constrLst>
+                                <dgm:ruleLst>
+                                  <dgm:rule type="primFontSz" val="5" fact="NaN" max="NaN"/>
+                                </dgm:ruleLst>
+                              </dgm:layoutNode>
+                              <dgm:layoutNode name="right_22_2" styleLbl="node1">
+                                <dgm:varLst>
+                                  <dgm:bulletEnabled val="1"/>
+                                </dgm:varLst>
+                                <dgm:alg type="tx"/>
+                                <dgm:shape xmlns:r="http://schemas.openxmlformats.org/officeDocument/2006/relationships" type="roundRect" r:blip="">
+                                  <dgm:adjLst/>
+                                </dgm:shape>
+                                <dgm:presOf axis="ch ch desOrSelf" ptType="node node node" st="2 2 1" cnt="1 1 0"/>
+                                <dgm:constrLst>
+                                  <dgm:constr type="lMarg" refType="primFontSz" fact="0.3"/>
+                                  <dgm:constr type="rMarg" refType="primFontSz" fact="0.3"/>
+                                  <dgm:constr type="tMarg" refType="primFontSz" fact="0.3"/>
+                                  <dgm:constr type="bMarg" refType="primFontSz" fact="0.3"/>
+                                </dgm:constrLst>
+                                <dgm:ruleLst>
+                                  <dgm:rule type="primFontSz" val="5" fact="NaN" max="NaN"/>
+                                </dgm:ruleLst>
+                              </dgm:layoutNode>
+                              <dgm:layoutNode name="left_22_1" styleLbl="node1">
+                                <dgm:varLst>
+                                  <dgm:bulletEnabled val="1"/>
+                                </dgm:varLst>
+                                <dgm:alg type="tx"/>
+                                <dgm:shape xmlns:r="http://schemas.openxmlformats.org/officeDocument/2006/relationships" type="roundRect" r:blip="">
+                                  <dgm:adjLst/>
+                                </dgm:shape>
+                                <dgm:presOf axis="ch ch desOrSelf" ptType="node node node" st="1 1 1" cnt="1 1 0"/>
+                                <dgm:constrLst>
+                                  <dgm:constr type="lMarg" refType="primFontSz" fact="0.3"/>
+                                  <dgm:constr type="rMarg" refType="primFontSz" fact="0.3"/>
+                                  <dgm:constr type="tMarg" refType="primFontSz" fact="0.3"/>
+                                  <dgm:constr type="bMarg" refType="primFontSz" fact="0.3"/>
+                                </dgm:constrLst>
+                                <dgm:ruleLst>
+                                  <dgm:rule type="primFontSz" val="5" fact="NaN" max="NaN"/>
+                                </dgm:ruleLst>
+                              </dgm:layoutNode>
+                              <dgm:layoutNode name="left_22_2" styleLbl="node1">
+                                <dgm:varLst>
+                                  <dgm:bulletEnabled val="1"/>
+                                </dgm:varLst>
+                                <dgm:alg type="tx"/>
+                                <dgm:shape xmlns:r="http://schemas.openxmlformats.org/officeDocument/2006/relationships" type="roundRect" r:blip="">
+                                  <dgm:adjLst/>
+                                </dgm:shape>
+                                <dgm:presOf axis="ch ch desOrSelf" ptType="node node node" st="1 2 1" cnt="1 1 0"/>
+                                <dgm:constrLst>
+                                  <dgm:constr type="lMarg" refType="primFontSz" fact="0.3"/>
+                                  <dgm:constr type="rMarg" refType="primFontSz" fact="0.3"/>
+                                  <dgm:constr type="tMarg" refType="primFontSz" fact="0.3"/>
+                                  <dgm:constr type="bMarg" refType="primFontSz" fact="0.3"/>
+                                </dgm:constrLst>
+                                <dgm:ruleLst>
+                                  <dgm:rule type="primFontSz" val="5" fact="NaN" max="NaN"/>
+                                </dgm:ruleLst>
+                              </dgm:layoutNode>
+                            </dgm:if>
+                            <dgm:else name="Name46">
+                              <dgm:choose name="Name47">
+                                <dgm:if name="Name48" axis="ch ch" ptType="node node" st="2 1" cnt="1 0" func="cnt" op="equ" val="3">
+                                  <dgm:layoutNode name="balance_23" styleLbl="alignAccFollowNode1">
+                                    <dgm:varLst>
+                                      <dgm:bulletEnabled val="1"/>
+                                    </dgm:varLst>
+                                    <dgm:alg type="sp"/>
+                                    <dgm:shape xmlns:r="http://schemas.openxmlformats.org/officeDocument/2006/relationships" rot="4" type="rect" r:blip="">
+                                      <dgm:adjLst/>
+                                    </dgm:shape>
+                                    <dgm:presOf/>
+                                    <dgm:constrLst/>
+                                    <dgm:ruleLst/>
+                                  </dgm:layoutNode>
+                                  <dgm:layoutNode name="right_23_1" styleLbl="node1">
+                                    <dgm:varLst>
+                                      <dgm:bulletEnabled val="1"/>
+                                    </dgm:varLst>
+                                    <dgm:alg type="tx"/>
+                                    <dgm:shape xmlns:r="http://schemas.openxmlformats.org/officeDocument/2006/relationships" rot="4" type="roundRect" r:blip="">
+                                      <dgm:adjLst/>
+                                    </dgm:shape>
+                                    <dgm:presOf axis="ch ch desOrSelf" ptType="node node node" st="2 1 1" cnt="1 1 0"/>
+                                    <dgm:constrLst>
+                                      <dgm:constr type="lMarg" refType="primFontSz" fact="0.3"/>
+                                      <dgm:constr type="rMarg" refType="primFontSz" fact="0.3"/>
+                                      <dgm:constr type="tMarg" refType="primFontSz" fact="0.3"/>
+                                      <dgm:constr type="bMarg" refType="primFontSz" fact="0.3"/>
+                                    </dgm:constrLst>
+                                    <dgm:ruleLst>
+                                      <dgm:rule type="primFontSz" val="5" fact="NaN" max="NaN"/>
+                                    </dgm:ruleLst>
+                                  </dgm:layoutNode>
+                                  <dgm:layoutNode name="right_23_2" styleLbl="node1">
+                                    <dgm:varLst>
+                                      <dgm:bulletEnabled val="1"/>
+                                    </dgm:varLst>
+                                    <dgm:alg type="tx"/>
+                                    <dgm:shape xmlns:r="http://schemas.openxmlformats.org/officeDocument/2006/relationships" rot="4" type="roundRect" r:blip="">
+                                      <dgm:adjLst/>
+                                    </dgm:shape>
+                                    <dgm:presOf axis="ch ch desOrSelf" ptType="node node node" st="2 2 1" cnt="1 1 0"/>
+                                    <dgm:constrLst>
+                                      <dgm:constr type="lMarg" refType="primFontSz" fact="0.3"/>
+                                      <dgm:constr type="rMarg" refType="primFontSz" fact="0.3"/>
+                                      <dgm:constr type="tMarg" refType="primFontSz" fact="0.3"/>
+                                      <dgm:constr type="bMarg" refType="primFontSz" fact="0.3"/>
+                                    </dgm:constrLst>
+                                    <dgm:ruleLst>
+                                      <dgm:rule type="primFontSz" val="5" fact="NaN" max="NaN"/>
+                                    </dgm:ruleLst>
+                                  </dgm:layoutNode>
+                                  <dgm:layoutNode name="right_23_3" styleLbl="node1">
+                                    <dgm:varLst>
+                                      <dgm:bulletEnabled val="1"/>
+                                    </dgm:varLst>
+                                    <dgm:alg type="tx"/>
+                                    <dgm:shape xmlns:r="http://schemas.openxmlformats.org/officeDocument/2006/relationships" rot="4" type="roundRect" r:blip="">
+                                      <dgm:adjLst/>
+                                    </dgm:shape>
+                                    <dgm:presOf axis="ch ch desOrSelf" ptType="node node node" st="2 3 1" cnt="1 1 0"/>
+                                    <dgm:constrLst>
+                                      <dgm:constr type="lMarg" refType="primFontSz" fact="0.3"/>
+                                      <dgm:constr type="rMarg" refType="primFontSz" fact="0.3"/>
+                                      <dgm:constr type="tMarg" refType="primFontSz" fact="0.3"/>
+                                      <dgm:constr type="bMarg" refType="primFontSz" fact="0.3"/>
+                                    </dgm:constrLst>
+                                    <dgm:ruleLst>
+                                      <dgm:rule type="primFontSz" val="5" fact="NaN" max="NaN"/>
+                                    </dgm:ruleLst>
+                                  </dgm:layoutNode>
+                                  <dgm:layoutNode name="left_23_1" styleLbl="node1">
+                                    <dgm:varLst>
+                                      <dgm:bulletEnabled val="1"/>
+                                    </dgm:varLst>
+                                    <dgm:alg type="tx"/>
+                                    <dgm:shape xmlns:r="http://schemas.openxmlformats.org/officeDocument/2006/relationships" rot="4" type="roundRect" r:blip="">
+                                      <dgm:adjLst/>
+                                    </dgm:shape>
+                                    <dgm:presOf axis="ch ch desOrSelf" ptType="node node node" st="1 1 1" cnt="1 1 0"/>
+                                    <dgm:constrLst>
+                                      <dgm:constr type="lMarg" refType="primFontSz" fact="0.3"/>
+                                      <dgm:constr type="rMarg" refType="primFontSz" fact="0.3"/>
+                                      <dgm:constr type="tMarg" refType="primFontSz" fact="0.3"/>
+                                      <dgm:constr type="bMarg" refType="primFontSz" fact="0.3"/>
+                                    </dgm:constrLst>
+                                    <dgm:ruleLst>
+                                      <dgm:rule type="primFontSz" val="5" fact="NaN" max="NaN"/>
+                                    </dgm:ruleLst>
+                                  </dgm:layoutNode>
+                                  <dgm:layoutNode name="left_23_2" styleLbl="node1">
+                                    <dgm:varLst>
+                                      <dgm:bulletEnabled val="1"/>
+                                    </dgm:varLst>
+                                    <dgm:alg type="tx"/>
+                                    <dgm:shape xmlns:r="http://schemas.openxmlformats.org/officeDocument/2006/relationships" rot="4" type="roundRect" r:blip="">
+                                      <dgm:adjLst/>
+                                    </dgm:shape>
+                                    <dgm:presOf axis="ch ch desOrSelf" ptType="node node node" st="1 2 1" cnt="1 1 0"/>
+                                    <dgm:constrLst>
+                                      <dgm:constr type="lMarg" refType="primFontSz" fact="0.3"/>
+                                      <dgm:constr type="rMarg" refType="primFontSz" fact="0.3"/>
+                                      <dgm:constr type="tMarg" refType="primFontSz" fact="0.3"/>
+                                      <dgm:constr type="bMarg" refType="primFontSz" fact="0.3"/>
+                                    </dgm:constrLst>
+                                    <dgm:ruleLst>
+                                      <dgm:rule type="primFontSz" val="5" fact="NaN" max="NaN"/>
+                                    </dgm:ruleLst>
+                                  </dgm:layoutNode>
+                                </dgm:if>
+                                <dgm:else name="Name49">
+                                  <dgm:choose name="Name50">
+                                    <dgm:if name="Name51" axis="ch ch" ptType="node node" st="2 1" cnt="1 0" func="cnt" op="gte" val="4">
+                                      <dgm:layoutNode name="balance_24" styleLbl="alignAccFollowNode1">
+                                        <dgm:varLst>
+                                          <dgm:bulletEnabled val="1"/>
+                                        </dgm:varLst>
+                                        <dgm:alg type="sp"/>
+                                        <dgm:shape xmlns:r="http://schemas.openxmlformats.org/officeDocument/2006/relationships" rot="4" type="rect" r:blip="">
+                                          <dgm:adjLst/>
+                                        </dgm:shape>
+                                        <dgm:presOf/>
+                                        <dgm:constrLst/>
+                                        <dgm:ruleLst/>
+                                      </dgm:layoutNode>
+                                      <dgm:layoutNode name="right_24_1" styleLbl="node1">
+                                        <dgm:varLst>
+                                          <dgm:bulletEnabled val="1"/>
+                                        </dgm:varLst>
+                                        <dgm:alg type="tx"/>
+                                        <dgm:shape xmlns:r="http://schemas.openxmlformats.org/officeDocument/2006/relationships" rot="4" type="roundRect" r:blip="">
+                                          <dgm:adjLst/>
+                                        </dgm:shape>
+                                        <dgm:presOf axis="ch ch desOrSelf" ptType="node node node" st="2 1 1" cnt="1 1 0"/>
+                                        <dgm:constrLst>
+                                          <dgm:constr type="lMarg" refType="primFontSz" fact="0.3"/>
+                                          <dgm:constr type="rMarg" refType="primFontSz" fact="0.3"/>
+                                          <dgm:constr type="tMarg" refType="primFontSz" fact="0.3"/>
+                                          <dgm:constr type="bMarg" refType="primFontSz" fact="0.3"/>
+                                        </dgm:constrLst>
+                                        <dgm:ruleLst>
+                                          <dgm:rule type="primFontSz" val="5" fact="NaN" max="NaN"/>
+                                        </dgm:ruleLst>
+                                      </dgm:layoutNode>
+                                      <dgm:layoutNode name="right_24_2" styleLbl="node1">
+                                        <dgm:varLst>
+                                          <dgm:bulletEnabled val="1"/>
+                                        </dgm:varLst>
+                                        <dgm:alg type="tx"/>
+                                        <dgm:shape xmlns:r="http://schemas.openxmlformats.org/officeDocument/2006/relationships" rot="4" type="roundRect" r:blip="">
+                                          <dgm:adjLst/>
+                                        </dgm:shape>
+                                        <dgm:presOf axis="ch ch desOrSelf" ptType="node node node" st="2 2 1" cnt="1 1 0"/>
+                                        <dgm:constrLst>
+                                          <dgm:constr type="lMarg" refType="primFontSz" fact="0.3"/>
+                                          <dgm:constr type="rMarg" refType="primFontSz" fact="0.3"/>
+                                          <dgm:constr type="tMarg" refType="primFontSz" fact="0.3"/>
+                                          <dgm:constr type="bMarg" refType="primFontSz" fact="0.3"/>
+                                        </dgm:constrLst>
+                                        <dgm:ruleLst>
+                                          <dgm:rule type="primFontSz" val="5" fact="NaN" max="NaN"/>
+                                        </dgm:ruleLst>
+                                      </dgm:layoutNode>
+                                      <dgm:layoutNode name="right_24_3" styleLbl="node1">
+                                        <dgm:varLst>
+                                          <dgm:bulletEnabled val="1"/>
+                                        </dgm:varLst>
+                                        <dgm:alg type="tx"/>
+                                        <dgm:shape xmlns:r="http://schemas.openxmlformats.org/officeDocument/2006/relationships" rot="4" type="roundRect" r:blip="">
+                                          <dgm:adjLst/>
+                                        </dgm:shape>
+                                        <dgm:presOf axis="ch ch desOrSelf" ptType="node node node" st="2 3 1" cnt="1 1 0"/>
+                                        <dgm:constrLst>
+                                          <dgm:constr type="lMarg" refType="primFontSz" fact="0.3"/>
+                                          <dgm:constr type="rMarg" refType="primFontSz" fact="0.3"/>
+                                          <dgm:constr type="tMarg" refType="primFontSz" fact="0.3"/>
+                                          <dgm:constr type="bMarg" refType="primFontSz" fact="0.3"/>
+                                        </dgm:constrLst>
+                                        <dgm:ruleLst>
+                                          <dgm:rule type="primFontSz" val="5" fact="NaN" max="NaN"/>
+                                        </dgm:ruleLst>
+                                      </dgm:layoutNode>
+                                      <dgm:layoutNode name="right_24_4" styleLbl="node1">
+                                        <dgm:varLst>
+                                          <dgm:bulletEnabled val="1"/>
+                                        </dgm:varLst>
+                                        <dgm:alg type="tx"/>
+                                        <dgm:shape xmlns:r="http://schemas.openxmlformats.org/officeDocument/2006/relationships" rot="4" type="roundRect" r:blip="">
+                                          <dgm:adjLst/>
+                                        </dgm:shape>
+                                        <dgm:presOf axis="ch ch desOrSelf" ptType="node node node" st="2 4 1" cnt="1 1 0"/>
+                                        <dgm:constrLst>
+                                          <dgm:constr type="lMarg" refType="primFontSz" fact="0.3"/>
+                                          <dgm:constr type="rMarg" refType="primFontSz" fact="0.3"/>
+                                          <dgm:constr type="tMarg" refType="primFontSz" fact="0.3"/>
+                                          <dgm:constr type="bMarg" refType="primFontSz" fact="0.3"/>
+                                        </dgm:constrLst>
+                                        <dgm:ruleLst>
+                                          <dgm:rule type="primFontSz" val="5" fact="NaN" max="NaN"/>
+                                        </dgm:ruleLst>
+                                      </dgm:layoutNode>
+                                      <dgm:layoutNode name="left_24_1" styleLbl="node1">
+                                        <dgm:varLst>
+                                          <dgm:bulletEnabled val="1"/>
+                                        </dgm:varLst>
+                                        <dgm:alg type="tx"/>
+                                        <dgm:shape xmlns:r="http://schemas.openxmlformats.org/officeDocument/2006/relationships" rot="4" type="roundRect" r:blip="">
+                                          <dgm:adjLst/>
+                                        </dgm:shape>
+                                        <dgm:presOf axis="ch ch desOrSelf" ptType="node node node" st="1 1 1" cnt="1 1 0"/>
+                                        <dgm:constrLst>
+                                          <dgm:constr type="lMarg" refType="primFontSz" fact="0.3"/>
+                                          <dgm:constr type="rMarg" refType="primFontSz" fact="0.3"/>
+                                          <dgm:constr type="tMarg" refType="primFontSz" fact="0.3"/>
+                                          <dgm:constr type="bMarg" refType="primFontSz" fact="0.3"/>
+                                        </dgm:constrLst>
+                                        <dgm:ruleLst>
+                                          <dgm:rule type="primFontSz" val="5" fact="NaN" max="NaN"/>
+                                        </dgm:ruleLst>
+                                      </dgm:layoutNode>
+                                      <dgm:layoutNode name="left_24_2" styleLbl="node1">
+                                        <dgm:varLst>
+                                          <dgm:bulletEnabled val="1"/>
+                                        </dgm:varLst>
+                                        <dgm:alg type="tx"/>
+                                        <dgm:shape xmlns:r="http://schemas.openxmlformats.org/officeDocument/2006/relationships" rot="4" type="roundRect" r:blip="">
+                                          <dgm:adjLst/>
+                                        </dgm:shape>
+                                        <dgm:presOf axis="ch ch desOrSelf" ptType="node node node" st="1 2 1" cnt="1 1 0"/>
+                                        <dgm:constrLst>
+                                          <dgm:constr type="lMarg" refType="primFontSz" fact="0.3"/>
+                                          <dgm:constr type="rMarg" refType="primFontSz" fact="0.3"/>
+                                          <dgm:constr type="tMarg" refType="primFontSz" fact="0.3"/>
+                                          <dgm:constr type="bMarg" refType="primFontSz" fact="0.3"/>
+                                        </dgm:constrLst>
+                                        <dgm:ruleLst>
+                                          <dgm:rule type="primFontSz" val="5" fact="NaN" max="NaN"/>
+                                        </dgm:ruleLst>
+                                      </dgm:layoutNode>
+                                    </dgm:if>
+                                    <dgm:else name="Name52"/>
+                                  </dgm:choose>
+                                </dgm:else>
+                              </dgm:choose>
+                            </dgm:else>
+                          </dgm:choose>
+                        </dgm:else>
+                      </dgm:choose>
+                    </dgm:else>
+                  </dgm:choose>
+                </dgm:if>
+                <dgm:else name="Name53">
+                  <dgm:choose name="Name54">
+                    <dgm:if name="Name55" axis="ch ch" ptType="node node" st="1 1" cnt="1 0" func="cnt" op="equ" val="3">
+                      <dgm:choose name="Name56">
+                        <dgm:if name="Name57" axis="ch ch" ptType="node node" st="2 1" cnt="1 0" func="cnt" op="equ" val="0">
+                          <dgm:layoutNode name="balance_30" styleLbl="alignAccFollowNode1">
+                            <dgm:varLst>
+                              <dgm:bulletEnabled val="1"/>
+                            </dgm:varLst>
+                            <dgm:alg type="sp"/>
+                            <dgm:shape xmlns:r="http://schemas.openxmlformats.org/officeDocument/2006/relationships" rot="-4" type="rect" r:blip="">
+                              <dgm:adjLst/>
+                            </dgm:shape>
+                            <dgm:presOf/>
+                            <dgm:constrLst/>
+                            <dgm:ruleLst/>
+                          </dgm:layoutNode>
+                          <dgm:layoutNode name="left_30_1" styleLbl="node1">
+                            <dgm:varLst>
+                              <dgm:bulletEnabled val="1"/>
+                            </dgm:varLst>
+                            <dgm:alg type="tx"/>
+                            <dgm:shape xmlns:r="http://schemas.openxmlformats.org/officeDocument/2006/relationships" rot="-4" type="roundRect" r:blip="">
+                              <dgm:adjLst/>
+                            </dgm:shape>
+                            <dgm:presOf axis="ch ch desOrSelf" ptType="node node node" st="1 1 1" cnt="1 1 0"/>
+                            <dgm:constrLst>
+                              <dgm:constr type="lMarg" refType="primFontSz" fact="0.3"/>
+                              <dgm:constr type="rMarg" refType="primFontSz" fact="0.3"/>
+                              <dgm:constr type="tMarg" refType="primFontSz" fact="0.3"/>
+                              <dgm:constr type="bMarg" refType="primFontSz" fact="0.3"/>
+                            </dgm:constrLst>
+                            <dgm:ruleLst>
+                              <dgm:rule type="primFontSz" val="5" fact="NaN" max="NaN"/>
+                            </dgm:ruleLst>
+                          </dgm:layoutNode>
+                          <dgm:layoutNode name="left_30_2" styleLbl="node1">
+                            <dgm:varLst>
+                              <dgm:bulletEnabled val="1"/>
+                            </dgm:varLst>
+                            <dgm:alg type="tx"/>
+                            <dgm:shape xmlns:r="http://schemas.openxmlformats.org/officeDocument/2006/relationships" rot="-4" type="roundRect" r:blip="">
+                              <dgm:adjLst/>
+                            </dgm:shape>
+                            <dgm:presOf axis="ch ch desOrSelf" ptType="node node node" st="1 2 1" cnt="1 1 0"/>
+                            <dgm:constrLst>
+                              <dgm:constr type="lMarg" refType="primFontSz" fact="0.3"/>
+                              <dgm:constr type="rMarg" refType="primFontSz" fact="0.3"/>
+                              <dgm:constr type="tMarg" refType="primFontSz" fact="0.3"/>
+                              <dgm:constr type="bMarg" refType="primFontSz" fact="0.3"/>
+                            </dgm:constrLst>
+                            <dgm:ruleLst>
+                              <dgm:rule type="primFontSz" val="5" fact="NaN" max="NaN"/>
+                            </dgm:ruleLst>
+                          </dgm:layoutNode>
+                          <dgm:layoutNode name="left_30_3" styleLbl="node1">
+                            <dgm:varLst>
+                              <dgm:bulletEnabled val="1"/>
+                            </dgm:varLst>
+                            <dgm:alg type="tx"/>
+                            <dgm:shape xmlns:r="http://schemas.openxmlformats.org/officeDocument/2006/relationships" rot="-4" type="roundRect" r:blip="">
+                              <dgm:adjLst/>
+                            </dgm:shape>
+                            <dgm:presOf axis="ch ch desOrSelf" ptType="node node node" st="1 3 1" cnt="1 1 0"/>
+                            <dgm:constrLst>
+                              <dgm:constr type="lMarg" refType="primFontSz" fact="0.3"/>
+                              <dgm:constr type="rMarg" refType="primFontSz" fact="0.3"/>
+                              <dgm:constr type="tMarg" refType="primFontSz" fact="0.3"/>
+                              <dgm:constr type="bMarg" refType="primFontSz" fact="0.3"/>
+                            </dgm:constrLst>
+                            <dgm:ruleLst>
+                              <dgm:rule type="primFontSz" val="5" fact="NaN" max="NaN"/>
+                            </dgm:ruleLst>
+                          </dgm:layoutNode>
+                        </dgm:if>
+                        <dgm:else name="Name58">
+                          <dgm:choose name="Name59">
+                            <dgm:if name="Name60" axis="ch ch" ptType="node node" st="2 1" cnt="1 0" func="cnt" op="equ" val="1">
+                              <dgm:layoutNode name="balance_31" styleLbl="alignAccFollowNode1">
+                                <dgm:varLst>
+                                  <dgm:bulletEnabled val="1"/>
+                                </dgm:varLst>
+                                <dgm:alg type="sp"/>
+                                <dgm:shape xmlns:r="http://schemas.openxmlformats.org/officeDocument/2006/relationships" rot="-4" type="rect" r:blip="">
+                                  <dgm:adjLst/>
+                                </dgm:shape>
+                                <dgm:presOf/>
+                                <dgm:constrLst/>
+                                <dgm:ruleLst/>
+                              </dgm:layoutNode>
+                              <dgm:layoutNode name="left_31_1" styleLbl="node1">
+                                <dgm:varLst>
+                                  <dgm:bulletEnabled val="1"/>
+                                </dgm:varLst>
+                                <dgm:alg type="tx"/>
+                                <dgm:shape xmlns:r="http://schemas.openxmlformats.org/officeDocument/2006/relationships" rot="-4" type="roundRect" r:blip="">
+                                  <dgm:adjLst/>
+                                </dgm:shape>
+                                <dgm:presOf axis="ch ch desOrSelf" ptType="node node node" st="1 1 1" cnt="1 1 0"/>
+                                <dgm:constrLst>
+                                  <dgm:constr type="lMarg" refType="primFontSz" fact="0.3"/>
+                                  <dgm:constr type="rMarg" refType="primFontSz" fact="0.3"/>
+                                  <dgm:constr type="tMarg" refType="primFontSz" fact="0.3"/>
+                                  <dgm:constr type="bMarg" refType="primFontSz" fact="0.3"/>
+                                </dgm:constrLst>
+                                <dgm:ruleLst>
+                                  <dgm:rule type="primFontSz" val="5" fact="NaN" max="NaN"/>
+                                </dgm:ruleLst>
+                              </dgm:layoutNode>
+                              <dgm:layoutNode name="left_31_2" styleLbl="node1">
+                                <dgm:varLst>
+                                  <dgm:bulletEnabled val="1"/>
+                                </dgm:varLst>
+                                <dgm:alg type="tx"/>
+                                <dgm:shape xmlns:r="http://schemas.openxmlformats.org/officeDocument/2006/relationships" rot="-4" type="roundRect" r:blip="">
+                                  <dgm:adjLst/>
+                                </dgm:shape>
+                                <dgm:presOf axis="ch ch desOrSelf" ptType="node node node" st="1 2 1" cnt="1 1 0"/>
+                                <dgm:constrLst>
+                                  <dgm:constr type="lMarg" refType="primFontSz" fact="0.3"/>
+                                  <dgm:constr type="rMarg" refType="primFontSz" fact="0.3"/>
+                                  <dgm:constr type="tMarg" refType="primFontSz" fact="0.3"/>
+                                  <dgm:constr type="bMarg" refType="primFontSz" fact="0.3"/>
+                                </dgm:constrLst>
+                                <dgm:ruleLst>
+                                  <dgm:rule type="primFontSz" val="5" fact="NaN" max="NaN"/>
+                                </dgm:ruleLst>
+                              </dgm:layoutNode>
+                              <dgm:layoutNode name="left_31_3" styleLbl="node1">
+                                <dgm:varLst>
+                                  <dgm:bulletEnabled val="1"/>
+                                </dgm:varLst>
+                                <dgm:alg type="tx"/>
+                                <dgm:shape xmlns:r="http://schemas.openxmlformats.org/officeDocument/2006/relationships" rot="-4" type="roundRect" r:blip="">
+                                  <dgm:adjLst/>
+                                </dgm:shape>
+                                <dgm:presOf axis="ch ch desOrSelf" ptType="node node node" st="1 3 1" cnt="1 1 0"/>
+                                <dgm:constrLst>
+                                  <dgm:constr type="lMarg" refType="primFontSz" fact="0.3"/>
+                                  <dgm:constr type="rMarg" refType="primFontSz" fact="0.3"/>
+                                  <dgm:constr type="tMarg" refType="primFontSz" fact="0.3"/>
+                                  <dgm:constr type="bMarg" refType="primFontSz" fact="0.3"/>
+                                </dgm:constrLst>
+                                <dgm:ruleLst>
+                                  <dgm:rule type="primFontSz" val="5" fact="NaN" max="NaN"/>
+                                </dgm:ruleLst>
+                              </dgm:layoutNode>
+                              <dgm:layoutNode name="right_31_1" styleLbl="node1">
+                                <dgm:varLst>
+                                  <dgm:bulletEnabled val="1"/>
+                                </dgm:varLst>
+                                <dgm:alg type="tx"/>
+                                <dgm:shape xmlns:r="http://schemas.openxmlformats.org/officeDocument/2006/relationships" rot="-4" type="roundRect" r:blip="">
+                                  <dgm:adjLst/>
+                                </dgm:shape>
+                                <dgm:presOf axis="ch ch desOrSelf" ptType="node node node" st="2 1 1" cnt="1 1 0"/>
+                                <dgm:constrLst>
+                                  <dgm:constr type="lMarg" refType="primFontSz" fact="0.3"/>
+                                  <dgm:constr type="rMarg" refType="primFontSz" fact="0.3"/>
+                                  <dgm:constr type="tMarg" refType="primFontSz" fact="0.3"/>
+                                  <dgm:constr type="bMarg" refType="primFontSz" fact="0.3"/>
+                                </dgm:constrLst>
+                                <dgm:ruleLst>
+                                  <dgm:rule type="primFontSz" val="5" fact="NaN" max="NaN"/>
+                                </dgm:ruleLst>
+                              </dgm:layoutNode>
+                            </dgm:if>
+                            <dgm:else name="Name61">
+                              <dgm:choose name="Name62">
+                                <dgm:if name="Name63" axis="ch ch" ptType="node node" st="2 1" cnt="1 0" func="cnt" op="equ" val="2">
+                                  <dgm:layoutNode name="balance_32" styleLbl="alignAccFollowNode1">
+                                    <dgm:varLst>
+                                      <dgm:bulletEnabled val="1"/>
+                                    </dgm:varLst>
+                                    <dgm:alg type="sp"/>
+                                    <dgm:shape xmlns:r="http://schemas.openxmlformats.org/officeDocument/2006/relationships" rot="-4" type="rect" r:blip="">
+                                      <dgm:adjLst/>
+                                    </dgm:shape>
+                                    <dgm:presOf/>
+                                    <dgm:constrLst/>
+                                    <dgm:ruleLst/>
+                                  </dgm:layoutNode>
+                                  <dgm:layoutNode name="left_32_1" styleLbl="node1">
+                                    <dgm:varLst>
+                                      <dgm:bulletEnabled val="1"/>
+                                    </dgm:varLst>
+                                    <dgm:alg type="tx"/>
+                                    <dgm:shape xmlns:r="http://schemas.openxmlformats.org/officeDocument/2006/relationships" rot="-4" type="roundRect" r:blip="">
+                                      <dgm:adjLst/>
+                                    </dgm:shape>
+                                    <dgm:presOf axis="ch ch desOrSelf" ptType="node node node" st="1 1 1" cnt="1 1 0"/>
+                                    <dgm:constrLst>
+                                      <dgm:constr type="lMarg" refType="primFontSz" fact="0.3"/>
+                                      <dgm:constr type="rMarg" refType="primFontSz" fact="0.3"/>
+                                      <dgm:constr type="tMarg" refType="primFontSz" fact="0.3"/>
+                                      <dgm:constr type="bMarg" refType="primFontSz" fact="0.3"/>
+                                    </dgm:constrLst>
+                                    <dgm:ruleLst>
+                                      <dgm:rule type="primFontSz" val="5" fact="NaN" max="NaN"/>
+                                    </dgm:ruleLst>
+                                  </dgm:layoutNode>
+                                  <dgm:layoutNode name="left_32_2" styleLbl="node1">
+                                    <dgm:varLst>
+                                      <dgm:bulletEnabled val="1"/>
+                                    </dgm:varLst>
+                                    <dgm:alg type="tx"/>
+                                    <dgm:shape xmlns:r="http://schemas.openxmlformats.org/officeDocument/2006/relationships" rot="-4" type="roundRect" r:blip="">
+                                      <dgm:adjLst/>
+                                    </dgm:shape>
+                                    <dgm:presOf axis="ch ch desOrSelf" ptType="node node node" st="1 2 1" cnt="1 1 0"/>
+                                    <dgm:constrLst>
+                                      <dgm:constr type="lMarg" refType="primFontSz" fact="0.3"/>
+                                      <dgm:constr type="rMarg" refType="primFontSz" fact="0.3"/>
+                                      <dgm:constr type="tMarg" refType="primFontSz" fact="0.3"/>
+                                      <dgm:constr type="bMarg" refType="primFontSz" fact="0.3"/>
+                                    </dgm:constrLst>
+                                    <dgm:ruleLst>
+                                      <dgm:rule type="primFontSz" val="5" fact="NaN" max="NaN"/>
+                                    </dgm:ruleLst>
+                                  </dgm:layoutNode>
+                                  <dgm:layoutNode name="left_32_3" styleLbl="node1">
+                                    <dgm:varLst>
+                                      <dgm:bulletEnabled val="1"/>
+                                    </dgm:varLst>
+                                    <dgm:alg type="tx"/>
+                                    <dgm:shape xmlns:r="http://schemas.openxmlformats.org/officeDocument/2006/relationships" rot="-4" type="roundRect" r:blip="">
+                                      <dgm:adjLst/>
+                                    </dgm:shape>
+                                    <dgm:presOf axis="ch ch desOrSelf" ptType="node node node" st="1 3 1" cnt="1 1 0"/>
+                                    <dgm:constrLst>
+                                      <dgm:constr type="lMarg" refType="primFontSz" fact="0.3"/>
+                                      <dgm:constr type="rMarg" refType="primFontSz" fact="0.3"/>
+                                      <dgm:constr type="tMarg" refType="primFontSz" fact="0.3"/>
+                                      <dgm:constr type="bMarg" refType="primFontSz" fact="0.3"/>
+                                    </dgm:constrLst>
+                                    <dgm:ruleLst>
+                                      <dgm:rule type="primFontSz" val="5" fact="NaN" max="NaN"/>
+                                    </dgm:ruleLst>
+                                  </dgm:layoutNode>
+                                  <dgm:layoutNode name="right_32_1" styleLbl="node1">
+                                    <dgm:varLst>
+                                      <dgm:bulletEnabled val="1"/>
+                                    </dgm:varLst>
+                                    <dgm:alg type="tx"/>
+                                    <dgm:shape xmlns:r="http://schemas.openxmlformats.org/officeDocument/2006/relationships" rot="-4" type="roundRect" r:blip="">
+                                      <dgm:adjLst/>
+                                    </dgm:shape>
+                                    <dgm:presOf axis="ch ch desOrSelf" ptType="node node node" st="2 1 1" cnt="1 1 0"/>
+                                    <dgm:constrLst>
+                                      <dgm:constr type="lMarg" refType="primFontSz" fact="0.3"/>
+                                      <dgm:constr type="rMarg" refType="primFontSz" fact="0.3"/>
+                                      <dgm:constr type="tMarg" refType="primFontSz" fact="0.3"/>
+                                      <dgm:constr type="bMarg" refType="primFontSz" fact="0.3"/>
+                                    </dgm:constrLst>
+                                    <dgm:ruleLst>
+                                      <dgm:rule type="primFontSz" val="5" fact="NaN" max="NaN"/>
+                                    </dgm:ruleLst>
+                                  </dgm:layoutNode>
+                                  <dgm:layoutNode name="right_32_2" styleLbl="node1">
+                                    <dgm:varLst>
+                                      <dgm:bulletEnabled val="1"/>
+                                    </dgm:varLst>
+                                    <dgm:alg type="tx"/>
+                                    <dgm:shape xmlns:r="http://schemas.openxmlformats.org/officeDocument/2006/relationships" rot="-4" type="roundRect" r:blip="">
+                                      <dgm:adjLst/>
+                                    </dgm:shape>
+                                    <dgm:presOf axis="ch ch desOrSelf" ptType="node node node" st="2 2 1" cnt="1 1 0"/>
+                                    <dgm:constrLst>
+                                      <dgm:constr type="lMarg" refType="primFontSz" fact="0.3"/>
+                                      <dgm:constr type="rMarg" refType="primFontSz" fact="0.3"/>
+                                      <dgm:constr type="tMarg" refType="primFontSz" fact="0.3"/>
+                                      <dgm:constr type="bMarg" refType="primFontSz" fact="0.3"/>
+                                    </dgm:constrLst>
+                                    <dgm:ruleLst>
+                                      <dgm:rule type="primFontSz" val="5" fact="NaN" max="NaN"/>
+                                    </dgm:ruleLst>
+                                  </dgm:layoutNode>
+                                </dgm:if>
+                                <dgm:else name="Name64">
+                                  <dgm:choose name="Name65">
+                                    <dgm:if name="Name66" axis="ch ch" ptType="node node" st="2 1" cnt="1 0" func="cnt" op="equ" val="3">
+                                      <dgm:layoutNode name="balance_33" styleLbl="alignAccFollowNode1">
+                                        <dgm:varLst>
+                                          <dgm:bulletEnabled val="1"/>
+                                        </dgm:varLst>
+                                        <dgm:alg type="sp"/>
+                                        <dgm:shape xmlns:r="http://schemas.openxmlformats.org/officeDocument/2006/relationships" type="rect" r:blip="">
+                                          <dgm:adjLst/>
+                                        </dgm:shape>
+                                        <dgm:presOf/>
+                                        <dgm:constrLst/>
+                                        <dgm:ruleLst/>
+                                      </dgm:layoutNode>
+                                      <dgm:layoutNode name="right_33_1" styleLbl="node1">
+                                        <dgm:varLst>
+                                          <dgm:bulletEnabled val="1"/>
+                                        </dgm:varLst>
+                                        <dgm:alg type="tx"/>
+                                        <dgm:shape xmlns:r="http://schemas.openxmlformats.org/officeDocument/2006/relationships" type="roundRect" r:blip="">
+                                          <dgm:adjLst/>
+                                        </dgm:shape>
+                                        <dgm:presOf axis="ch ch desOrSelf" ptType="node node node" st="2 1 1" cnt="1 1 0"/>
+                                        <dgm:constrLst>
+                                          <dgm:constr type="lMarg" refType="primFontSz" fact="0.3"/>
+                                          <dgm:constr type="rMarg" refType="primFontSz" fact="0.3"/>
+                                          <dgm:constr type="tMarg" refType="primFontSz" fact="0.3"/>
+                                          <dgm:constr type="bMarg" refType="primFontSz" fact="0.3"/>
+                                        </dgm:constrLst>
+                                        <dgm:ruleLst>
+                                          <dgm:rule type="primFontSz" val="5" fact="NaN" max="NaN"/>
+                                        </dgm:ruleLst>
+                                      </dgm:layoutNode>
+                                      <dgm:layoutNode name="right_33_2" styleLbl="node1">
+                                        <dgm:varLst>
+                                          <dgm:bulletEnabled val="1"/>
+                                        </dgm:varLst>
+                                        <dgm:alg type="tx"/>
+                                        <dgm:shape xmlns:r="http://schemas.openxmlformats.org/officeDocument/2006/relationships" type="roundRect" r:blip="">
+                                          <dgm:adjLst/>
+                                        </dgm:shape>
+                                        <dgm:presOf axis="ch ch desOrSelf" ptType="node node node" st="2 2 1" cnt="1 1 0"/>
+                                        <dgm:constrLst>
+                                          <dgm:constr type="lMarg" refType="primFontSz" fact="0.3"/>
+                                          <dgm:constr type="rMarg" refType="primFontSz" fact="0.3"/>
+                                          <dgm:constr type="tMarg" refType="primFontSz" fact="0.3"/>
+                                          <dgm:constr type="bMarg" refType="primFontSz" fact="0.3"/>
+                                        </dgm:constrLst>
+                                        <dgm:ruleLst>
+                                          <dgm:rule type="primFontSz" val="5" fact="NaN" max="NaN"/>
+                                        </dgm:ruleLst>
+                                      </dgm:layoutNode>
+                                      <dgm:layoutNode name="right_33_3" styleLbl="node1">
+                                        <dgm:varLst>
+                                          <dgm:bulletEnabled val="1"/>
+                                        </dgm:varLst>
+                                        <dgm:alg type="tx"/>
+                                        <dgm:shape xmlns:r="http://schemas.openxmlformats.org/officeDocument/2006/relationships" type="roundRect" r:blip="">
+                                          <dgm:adjLst/>
+                                        </dgm:shape>
+                                        <dgm:presOf axis="ch ch desOrSelf" ptType="node node node" st="2 3 1" cnt="1 1 0"/>
+                                        <dgm:constrLst>
+                                          <dgm:constr type="lMarg" refType="primFontSz" fact="0.3"/>
+                                          <dgm:constr type="rMarg" refType="primFontSz" fact="0.3"/>
+                                          <dgm:constr type="tMarg" refType="primFontSz" fact="0.3"/>
+                                          <dgm:constr type="bMarg" refType="primFontSz" fact="0.3"/>
+                                        </dgm:constrLst>
+                                        <dgm:ruleLst>
+                                          <dgm:rule type="primFontSz" val="5" fact="NaN" max="NaN"/>
+                                        </dgm:ruleLst>
+                                      </dgm:layoutNode>
+                                      <dgm:layoutNode name="left_33_1" styleLbl="node1">
+                                        <dgm:varLst>
+                                          <dgm:bulletEnabled val="1"/>
+                                        </dgm:varLst>
+                                        <dgm:alg type="tx"/>
+                                        <dgm:shape xmlns:r="http://schemas.openxmlformats.org/officeDocument/2006/relationships" type="roundRect" r:blip="">
+                                          <dgm:adjLst/>
+                                        </dgm:shape>
+                                        <dgm:presOf axis="ch ch desOrSelf" ptType="node node node" st="1 1 1" cnt="1 1 0"/>
+                                        <dgm:constrLst>
+                                          <dgm:constr type="lMarg" refType="primFontSz" fact="0.3"/>
+                                          <dgm:constr type="rMarg" refType="primFontSz" fact="0.3"/>
+                                          <dgm:constr type="tMarg" refType="primFontSz" fact="0.3"/>
+                                          <dgm:constr type="bMarg" refType="primFontSz" fact="0.3"/>
+                                        </dgm:constrLst>
+                                        <dgm:ruleLst>
+                                          <dgm:rule type="primFontSz" val="5" fact="NaN" max="NaN"/>
+                                        </dgm:ruleLst>
+                                      </dgm:layoutNode>
+                                      <dgm:layoutNode name="left_33_2" styleLbl="node1">
+                                        <dgm:varLst>
+                                          <dgm:bulletEnabled val="1"/>
+                                        </dgm:varLst>
+                                        <dgm:alg type="tx"/>
+                                        <dgm:shape xmlns:r="http://schemas.openxmlformats.org/officeDocument/2006/relationships" type="roundRect" r:blip="">
+                                          <dgm:adjLst/>
+                                        </dgm:shape>
+                                        <dgm:presOf axis="ch ch desOrSelf" ptType="node node node" st="1 2 1" cnt="1 1 0"/>
+                                        <dgm:constrLst>
+                                          <dgm:constr type="lMarg" refType="primFontSz" fact="0.3"/>
+                                          <dgm:constr type="rMarg" refType="primFontSz" fact="0.3"/>
+                                          <dgm:constr type="tMarg" refType="primFontSz" fact="0.3"/>
+                                          <dgm:constr type="bMarg" refType="primFontSz" fact="0.3"/>
+                                        </dgm:constrLst>
+                                        <dgm:ruleLst>
+                                          <dgm:rule type="primFontSz" val="5" fact="NaN" max="NaN"/>
+                                        </dgm:ruleLst>
+                                      </dgm:layoutNode>
+                                      <dgm:layoutNode name="left_33_3" styleLbl="node1">
+                                        <dgm:varLst>
+                                          <dgm:bulletEnabled val="1"/>
+                                        </dgm:varLst>
+                                        <dgm:alg type="tx"/>
+                                        <dgm:shape xmlns:r="http://schemas.openxmlformats.org/officeDocument/2006/relationships" type="roundRect" r:blip="">
+                                          <dgm:adjLst/>
+                                        </dgm:shape>
+                                        <dgm:presOf axis="ch ch desOrSelf" ptType="node node node" st="1 3 1" cnt="1 1 0"/>
+                                        <dgm:constrLst>
+                                          <dgm:constr type="lMarg" refType="primFontSz" fact="0.3"/>
+                                          <dgm:constr type="rMarg" refType="primFontSz" fact="0.3"/>
+                                          <dgm:constr type="tMarg" refType="primFontSz" fact="0.3"/>
+                                          <dgm:constr type="bMarg" refType="primFontSz" fact="0.3"/>
+                                        </dgm:constrLst>
+                                        <dgm:ruleLst>
+                                          <dgm:rule type="primFontSz" val="5" fact="NaN" max="NaN"/>
+                                        </dgm:ruleLst>
+                                      </dgm:layoutNode>
+                                    </dgm:if>
+                                    <dgm:else name="Name67">
+                                      <dgm:choose name="Name68">
+                                        <dgm:if name="Name69" axis="ch ch" ptType="node node" st="2 1" cnt="1 0" func="cnt" op="gte" val="4">
+                                          <dgm:layoutNode name="balance_34" styleLbl="alignAccFollowNode1">
+                                            <dgm:varLst>
+                                              <dgm:bulletEnabled val="1"/>
+                                            </dgm:varLst>
+                                            <dgm:alg type="sp"/>
+                                            <dgm:shape xmlns:r="http://schemas.openxmlformats.org/officeDocument/2006/relationships" rot="4" type="rect" r:blip="">
+                                              <dgm:adjLst/>
+                                            </dgm:shape>
+                                            <dgm:presOf/>
+                                            <dgm:constrLst/>
+                                            <dgm:ruleLst/>
+                                          </dgm:layoutNode>
+                                          <dgm:layoutNode name="right_34_1" styleLbl="node1">
+                                            <dgm:varLst>
+                                              <dgm:bulletEnabled val="1"/>
+                                            </dgm:varLst>
+                                            <dgm:alg type="tx"/>
+                                            <dgm:shape xmlns:r="http://schemas.openxmlformats.org/officeDocument/2006/relationships" rot="4" type="roundRect" r:blip="">
+                                              <dgm:adjLst/>
+                                            </dgm:shape>
+                                            <dgm:presOf axis="ch ch desOrSelf" ptType="node node node" st="2 1 1" cnt="1 1 0"/>
+                                            <dgm:constrLst>
+                                              <dgm:constr type="lMarg" refType="primFontSz" fact="0.3"/>
+                                              <dgm:constr type="rMarg" refType="primFontSz" fact="0.3"/>
+                                              <dgm:constr type="tMarg" refType="primFontSz" fact="0.3"/>
+                                              <dgm:constr type="bMarg" refType="primFontSz" fact="0.3"/>
+                                            </dgm:constrLst>
+                                            <dgm:ruleLst>
+                                              <dgm:rule type="primFontSz" val="5" fact="NaN" max="NaN"/>
+                                            </dgm:ruleLst>
+                                          </dgm:layoutNode>
+                                          <dgm:layoutNode name="right_34_2" styleLbl="node1">
+                                            <dgm:varLst>
+                                              <dgm:bulletEnabled val="1"/>
+                                            </dgm:varLst>
+                                            <dgm:alg type="tx"/>
+                                            <dgm:shape xmlns:r="http://schemas.openxmlformats.org/officeDocument/2006/relationships" rot="4" type="roundRect" r:blip="">
+                                              <dgm:adjLst/>
+                                            </dgm:shape>
+                                            <dgm:presOf axis="ch ch desOrSelf" ptType="node node node" st="2 2 1" cnt="1 1 0"/>
+                                            <dgm:constrLst>
+                                              <dgm:constr type="lMarg" refType="primFontSz" fact="0.3"/>
+                                              <dgm:constr type="rMarg" refType="primFontSz" fact="0.3"/>
+                                              <dgm:constr type="tMarg" refType="primFontSz" fact="0.3"/>
+                                              <dgm:constr type="bMarg" refType="primFontSz" fact="0.3"/>
+                                            </dgm:constrLst>
+                                            <dgm:ruleLst>
+                                              <dgm:rule type="primFontSz" val="5" fact="NaN" max="NaN"/>
+                                            </dgm:ruleLst>
+                                          </dgm:layoutNode>
+                                          <dgm:layoutNode name="right_34_3" styleLbl="node1">
+                                            <dgm:varLst>
+                                              <dgm:bulletEnabled val="1"/>
+                                            </dgm:varLst>
+                                            <dgm:alg type="tx"/>
+                                            <dgm:shape xmlns:r="http://schemas.openxmlformats.org/officeDocument/2006/relationships" rot="4" type="roundRect" r:blip="">
+                                              <dgm:adjLst/>
+                                            </dgm:shape>
+                                            <dgm:presOf axis="ch ch desOrSelf" ptType="node node node" st="2 3 1" cnt="1 1 0"/>
+                                            <dgm:constrLst>
+                                              <dgm:constr type="lMarg" refType="primFontSz" fact="0.3"/>
+                                              <dgm:constr type="rMarg" refType="primFontSz" fact="0.3"/>
+                                              <dgm:constr type="tMarg" refType="primFontSz" fact="0.3"/>
+                                              <dgm:constr type="bMarg" refType="primFontSz" fact="0.3"/>
+                                            </dgm:constrLst>
+                                            <dgm:ruleLst>
+                                              <dgm:rule type="primFontSz" val="5" fact="NaN" max="NaN"/>
+                                            </dgm:ruleLst>
+                                          </dgm:layoutNode>
+                                          <dgm:layoutNode name="right_34_4" styleLbl="node1">
+                                            <dgm:varLst>
+                                              <dgm:bulletEnabled val="1"/>
+                                            </dgm:varLst>
+                                            <dgm:alg type="tx"/>
+                                            <dgm:shape xmlns:r="http://schemas.openxmlformats.org/officeDocument/2006/relationships" rot="4" type="roundRect" r:blip="">
+                                              <dgm:adjLst/>
+                                            </dgm:shape>
+                                            <dgm:presOf axis="ch ch desOrSelf" ptType="node node node" st="2 4 1" cnt="1 1 0"/>
+                                            <dgm:constrLst>
+                                              <dgm:constr type="lMarg" refType="primFontSz" fact="0.3"/>
+                                              <dgm:constr type="rMarg" refType="primFontSz" fact="0.3"/>
+                                              <dgm:constr type="tMarg" refType="primFontSz" fact="0.3"/>
+                                              <dgm:constr type="bMarg" refType="primFontSz" fact="0.3"/>
+                                            </dgm:constrLst>
+                                            <dgm:ruleLst>
+                                              <dgm:rule type="primFontSz" val="5" fact="NaN" max="NaN"/>
+                                            </dgm:ruleLst>
+                                          </dgm:layoutNode>
+                                          <dgm:layoutNode name="left_34_1" styleLbl="node1">
+                                            <dgm:varLst>
+                                              <dgm:bulletEnabled val="1"/>
+                                            </dgm:varLst>
+                                            <dgm:alg type="tx"/>
+                                            <dgm:shape xmlns:r="http://schemas.openxmlformats.org/officeDocument/2006/relationships" rot="4" type="roundRect" r:blip="">
+                                              <dgm:adjLst/>
+                                            </dgm:shape>
+                                            <dgm:presOf axis="ch ch desOrSelf" ptType="node node node" st="1 1 1" cnt="1 1 0"/>
+                                            <dgm:constrLst>
+                                              <dgm:constr type="lMarg" refType="primFontSz" fact="0.3"/>
+                                              <dgm:constr type="rMarg" refType="primFontSz" fact="0.3"/>
+                                              <dgm:constr type="tMarg" refType="primFontSz" fact="0.3"/>
+                                              <dgm:constr type="bMarg" refType="primFontSz" fact="0.3"/>
+                                            </dgm:constrLst>
+                                            <dgm:ruleLst>
+                                              <dgm:rule type="primFontSz" val="5" fact="NaN" max="NaN"/>
+                                            </dgm:ruleLst>
+                                          </dgm:layoutNode>
+                                          <dgm:layoutNode name="left_34_2" styleLbl="node1">
+                                            <dgm:varLst>
+                                              <dgm:bulletEnabled val="1"/>
+                                            </dgm:varLst>
+                                            <dgm:alg type="tx"/>
+                                            <dgm:shape xmlns:r="http://schemas.openxmlformats.org/officeDocument/2006/relationships" rot="4" type="roundRect" r:blip="">
+                                              <dgm:adjLst/>
+                                            </dgm:shape>
+                                            <dgm:presOf axis="ch ch desOrSelf" ptType="node node node" st="1 2 1" cnt="1 1 0"/>
+                                            <dgm:constrLst>
+                                              <dgm:constr type="lMarg" refType="primFontSz" fact="0.3"/>
+                                              <dgm:constr type="rMarg" refType="primFontSz" fact="0.3"/>
+                                              <dgm:constr type="tMarg" refType="primFontSz" fact="0.3"/>
+                                              <dgm:constr type="bMarg" refType="primFontSz" fact="0.3"/>
+                                            </dgm:constrLst>
+                                            <dgm:ruleLst>
+                                              <dgm:rule type="primFontSz" val="5" fact="NaN" max="NaN"/>
+                                            </dgm:ruleLst>
+                                          </dgm:layoutNode>
+                                          <dgm:layoutNode name="left_34_3" styleLbl="node1">
+                                            <dgm:varLst>
+                                              <dgm:bulletEnabled val="1"/>
+                                            </dgm:varLst>
+                                            <dgm:alg type="tx"/>
+                                            <dgm:shape xmlns:r="http://schemas.openxmlformats.org/officeDocument/2006/relationships" rot="4" type="roundRect" r:blip="">
+                                              <dgm:adjLst/>
+                                            </dgm:shape>
+                                            <dgm:presOf axis="ch ch desOrSelf" ptType="node node node" st="1 3 1" cnt="1 1 0"/>
+                                            <dgm:constrLst>
+                                              <dgm:constr type="lMarg" refType="primFontSz" fact="0.3"/>
+                                              <dgm:constr type="rMarg" refType="primFontSz" fact="0.3"/>
+                                              <dgm:constr type="tMarg" refType="primFontSz" fact="0.3"/>
+                                              <dgm:constr type="bMarg" refType="primFontSz" fact="0.3"/>
+                                            </dgm:constrLst>
+                                            <dgm:ruleLst>
+                                              <dgm:rule type="primFontSz" val="5" fact="NaN" max="NaN"/>
+                                            </dgm:ruleLst>
+                                          </dgm:layoutNode>
+                                        </dgm:if>
+                                        <dgm:else name="Name70"/>
+                                      </dgm:choose>
+                                    </dgm:else>
+                                  </dgm:choose>
+                                </dgm:else>
+                              </dgm:choose>
+                            </dgm:else>
+                          </dgm:choose>
+                        </dgm:else>
+                      </dgm:choose>
+                    </dgm:if>
+                    <dgm:else name="Name71">
+                      <dgm:choose name="Name72">
+                        <dgm:if name="Name73" axis="ch ch" ptType="node node" st="1 1" cnt="1 0" func="cnt" op="gte" val="4">
+                          <dgm:choose name="Name74">
+                            <dgm:if name="Name75" axis="ch ch" ptType="node node" st="2 1" cnt="1 0" func="cnt" op="equ" val="0">
+                              <dgm:layoutNode name="balance_40" styleLbl="alignAccFollowNode1">
+                                <dgm:varLst>
+                                  <dgm:bulletEnabled val="1"/>
+                                </dgm:varLst>
+                                <dgm:alg type="sp"/>
+                                <dgm:shape xmlns:r="http://schemas.openxmlformats.org/officeDocument/2006/relationships" rot="-4" type="rect" r:blip="">
+                                  <dgm:adjLst/>
+                                </dgm:shape>
+                                <dgm:presOf/>
+                                <dgm:constrLst/>
+                                <dgm:ruleLst/>
+                              </dgm:layoutNode>
+                              <dgm:layoutNode name="left_40_1" styleLbl="node1">
+                                <dgm:varLst>
+                                  <dgm:bulletEnabled val="1"/>
+                                </dgm:varLst>
+                                <dgm:alg type="tx"/>
+                                <dgm:shape xmlns:r="http://schemas.openxmlformats.org/officeDocument/2006/relationships" rot="-4" type="roundRect" r:blip="">
+                                  <dgm:adjLst/>
+                                </dgm:shape>
+                                <dgm:presOf axis="ch ch desOrSelf" ptType="node node node" st="1 1 1" cnt="1 1 0"/>
+                                <dgm:constrLst>
+                                  <dgm:constr type="lMarg" refType="primFontSz" fact="0.3"/>
+                                  <dgm:constr type="rMarg" refType="primFontSz" fact="0.3"/>
+                                  <dgm:constr type="tMarg" refType="primFontSz" fact="0.3"/>
+                                  <dgm:constr type="bMarg" refType="primFontSz" fact="0.3"/>
+                                </dgm:constrLst>
+                                <dgm:ruleLst>
+                                  <dgm:rule type="primFontSz" val="5" fact="NaN" max="NaN"/>
+                                </dgm:ruleLst>
+                              </dgm:layoutNode>
+                              <dgm:layoutNode name="left_40_2" styleLbl="node1">
+                                <dgm:varLst>
+                                  <dgm:bulletEnabled val="1"/>
+                                </dgm:varLst>
+                                <dgm:alg type="tx"/>
+                                <dgm:shape xmlns:r="http://schemas.openxmlformats.org/officeDocument/2006/relationships" rot="-4" type="roundRect" r:blip="">
+                                  <dgm:adjLst/>
+                                </dgm:shape>
+                                <dgm:presOf axis="ch ch desOrSelf" ptType="node node node" st="1 2 1" cnt="1 1 0"/>
+                                <dgm:constrLst>
+                                  <dgm:constr type="lMarg" refType="primFontSz" fact="0.3"/>
+                                  <dgm:constr type="rMarg" refType="primFontSz" fact="0.3"/>
+                                  <dgm:constr type="tMarg" refType="primFontSz" fact="0.3"/>
+                                  <dgm:constr type="bMarg" refType="primFontSz" fact="0.3"/>
+                                </dgm:constrLst>
+                                <dgm:ruleLst>
+                                  <dgm:rule type="primFontSz" val="5" fact="NaN" max="NaN"/>
+                                </dgm:ruleLst>
+                              </dgm:layoutNode>
+                              <dgm:layoutNode name="left_40_3" styleLbl="node1">
+                                <dgm:varLst>
+                                  <dgm:bulletEnabled val="1"/>
+                                </dgm:varLst>
+                                <dgm:alg type="tx"/>
+                                <dgm:shape xmlns:r="http://schemas.openxmlformats.org/officeDocument/2006/relationships" rot="-4" type="roundRect" r:blip="">
+                                  <dgm:adjLst/>
+                                </dgm:shape>
+                                <dgm:presOf axis="ch ch desOrSelf" ptType="node node node" st="1 3 1" cnt="1 1 0"/>
+                                <dgm:constrLst>
+                                  <dgm:constr type="lMarg" refType="primFontSz" fact="0.3"/>
+                                  <dgm:constr type="rMarg" refType="primFontSz" fact="0.3"/>
+                                  <dgm:constr type="tMarg" refType="primFontSz" fact="0.3"/>
+                                  <dgm:constr type="bMarg" refType="primFontSz" fact="0.3"/>
+                                </dgm:constrLst>
+                                <dgm:ruleLst>
+                                  <dgm:rule type="primFontSz" val="5" fact="NaN" max="NaN"/>
+                                </dgm:ruleLst>
+                              </dgm:layoutNode>
+                              <dgm:layoutNode name="left_40_4" styleLbl="node1">
+                                <dgm:varLst>
+                                  <dgm:bulletEnabled val="1"/>
+                                </dgm:varLst>
+                                <dgm:alg type="tx"/>
+                                <dgm:shape xmlns:r="http://schemas.openxmlformats.org/officeDocument/2006/relationships" rot="-4" type="roundRect" r:blip="">
+                                  <dgm:adjLst/>
+                                </dgm:shape>
+                                <dgm:presOf axis="ch ch desOrSelf" ptType="node node node" st="1 4 1" cnt="1 1 0"/>
+                                <dgm:constrLst>
+                                  <dgm:constr type="lMarg" refType="primFontSz" fact="0.3"/>
+                                  <dgm:constr type="rMarg" refType="primFontSz" fact="0.3"/>
+                                  <dgm:constr type="tMarg" refType="primFontSz" fact="0.3"/>
+                                  <dgm:constr type="bMarg" refType="primFontSz" fact="0.3"/>
+                                </dgm:constrLst>
+                                <dgm:ruleLst>
+                                  <dgm:rule type="primFontSz" val="5" fact="NaN" max="NaN"/>
+                                </dgm:ruleLst>
+                              </dgm:layoutNode>
+                            </dgm:if>
+                            <dgm:else name="Name76">
+                              <dgm:choose name="Name77">
+                                <dgm:if name="Name78" axis="ch ch" ptType="node node" st="2 1" cnt="1 0" func="cnt" op="equ" val="1">
+                                  <dgm:layoutNode name="balance_41" styleLbl="alignAccFollowNode1">
+                                    <dgm:varLst>
+                                      <dgm:bulletEnabled val="1"/>
+                                    </dgm:varLst>
+                                    <dgm:alg type="sp"/>
+                                    <dgm:shape xmlns:r="http://schemas.openxmlformats.org/officeDocument/2006/relationships" rot="-4" type="rect" r:blip="">
+                                      <dgm:adjLst/>
+                                    </dgm:shape>
+                                    <dgm:presOf/>
+                                    <dgm:constrLst/>
+                                    <dgm:ruleLst/>
+                                  </dgm:layoutNode>
+                                  <dgm:layoutNode name="left_41_1" styleLbl="node1">
+                                    <dgm:varLst>
+                                      <dgm:bulletEnabled val="1"/>
+                                    </dgm:varLst>
+                                    <dgm:alg type="tx"/>
+                                    <dgm:shape xmlns:r="http://schemas.openxmlformats.org/officeDocument/2006/relationships" rot="-4" type="roundRect" r:blip="">
+                                      <dgm:adjLst/>
+                                    </dgm:shape>
+                                    <dgm:presOf axis="ch ch desOrSelf" ptType="node node node" st="1 1 1" cnt="1 1 0"/>
+                                    <dgm:constrLst>
+                                      <dgm:constr type="lMarg" refType="primFontSz" fact="0.3"/>
+                                      <dgm:constr type="rMarg" refType="primFontSz" fact="0.3"/>
+                                      <dgm:constr type="tMarg" refType="primFontSz" fact="0.3"/>
+                                      <dgm:constr type="bMarg" refType="primFontSz" fact="0.3"/>
+                                    </dgm:constrLst>
+                                    <dgm:ruleLst>
+                                      <dgm:rule type="primFontSz" val="5" fact="NaN" max="NaN"/>
+                                    </dgm:ruleLst>
+                                  </dgm:layoutNode>
+                                  <dgm:layoutNode name="left_41_2" styleLbl="node1">
+                                    <dgm:varLst>
+                                      <dgm:bulletEnabled val="1"/>
+                                    </dgm:varLst>
+                                    <dgm:alg type="tx"/>
+                                    <dgm:shape xmlns:r="http://schemas.openxmlformats.org/officeDocument/2006/relationships" rot="-4" type="roundRect" r:blip="">
+                                      <dgm:adjLst/>
+                                    </dgm:shape>
+                                    <dgm:presOf axis="ch ch desOrSelf" ptType="node node node" st="1 2 1" cnt="1 1 0"/>
+                                    <dgm:constrLst>
+                                      <dgm:constr type="lMarg" refType="primFontSz" fact="0.3"/>
+                                      <dgm:constr type="rMarg" refType="primFontSz" fact="0.3"/>
+                                      <dgm:constr type="tMarg" refType="primFontSz" fact="0.3"/>
+                                      <dgm:constr type="bMarg" refType="primFontSz" fact="0.3"/>
+                                    </dgm:constrLst>
+                                    <dgm:ruleLst>
+                                      <dgm:rule type="primFontSz" val="5" fact="NaN" max="NaN"/>
+                                    </dgm:ruleLst>
+                                  </dgm:layoutNode>
+                                  <dgm:layoutNode name="left_41_3" styleLbl="node1">
+                                    <dgm:varLst>
+                                      <dgm:bulletEnabled val="1"/>
+                                    </dgm:varLst>
+                                    <dgm:alg type="tx"/>
+                                    <dgm:shape xmlns:r="http://schemas.openxmlformats.org/officeDocument/2006/relationships" rot="-4" type="roundRect" r:blip="">
+                                      <dgm:adjLst/>
+                                    </dgm:shape>
+                                    <dgm:presOf axis="ch ch desOrSelf" ptType="node node node" st="1 3 1" cnt="1 1 0"/>
+                                    <dgm:constrLst>
+                                      <dgm:constr type="lMarg" refType="primFontSz" fact="0.3"/>
+                                      <dgm:constr type="rMarg" refType="primFontSz" fact="0.3"/>
+                                      <dgm:constr type="tMarg" refType="primFontSz" fact="0.3"/>
+                                      <dgm:constr type="bMarg" refType="primFontSz" fact="0.3"/>
+                                    </dgm:constrLst>
+                                    <dgm:ruleLst>
+                                      <dgm:rule type="primFontSz" val="5" fact="NaN" max="NaN"/>
+                                    </dgm:ruleLst>
+                                  </dgm:layoutNode>
+                                  <dgm:layoutNode name="left_41_4" styleLbl="node1">
+                                    <dgm:varLst>
+                                      <dgm:bulletEnabled val="1"/>
+                                    </dgm:varLst>
+                                    <dgm:alg type="tx"/>
+                                    <dgm:shape xmlns:r="http://schemas.openxmlformats.org/officeDocument/2006/relationships" rot="-4" type="roundRect" r:blip="">
+                                      <dgm:adjLst/>
+                                    </dgm:shape>
+                                    <dgm:presOf axis="ch ch desOrSelf" ptType="node node node" st="1 4 1" cnt="1 1 0"/>
+                                    <dgm:constrLst>
+                                      <dgm:constr type="lMarg" refType="primFontSz" fact="0.3"/>
+                                      <dgm:constr type="rMarg" refType="primFontSz" fact="0.3"/>
+                                      <dgm:constr type="tMarg" refType="primFontSz" fact="0.3"/>
+                                      <dgm:constr type="bMarg" refType="primFontSz" fact="0.3"/>
+                                    </dgm:constrLst>
+                                    <dgm:ruleLst>
+                                      <dgm:rule type="primFontSz" val="5" fact="NaN" max="NaN"/>
+                                    </dgm:ruleLst>
+                                  </dgm:layoutNode>
+                                  <dgm:layoutNode name="right_41_1" styleLbl="node1">
+                                    <dgm:varLst>
+                                      <dgm:bulletEnabled val="1"/>
+                                    </dgm:varLst>
+                                    <dgm:alg type="tx"/>
+                                    <dgm:shape xmlns:r="http://schemas.openxmlformats.org/officeDocument/2006/relationships" rot="-4" type="roundRect" r:blip="">
+                                      <dgm:adjLst/>
+                                    </dgm:shape>
+                                    <dgm:presOf axis="ch ch desOrSelf" ptType="node node node" st="2 1 1" cnt="1 1 0"/>
+                                    <dgm:constrLst>
+                                      <dgm:constr type="lMarg" refType="primFontSz" fact="0.3"/>
+                                      <dgm:constr type="rMarg" refType="primFontSz" fact="0.3"/>
+                                      <dgm:constr type="tMarg" refType="primFontSz" fact="0.3"/>
+                                      <dgm:constr type="bMarg" refType="primFontSz" fact="0.3"/>
+                                    </dgm:constrLst>
+                                    <dgm:ruleLst>
+                                      <dgm:rule type="primFontSz" val="5" fact="NaN" max="NaN"/>
+                                    </dgm:ruleLst>
+                                  </dgm:layoutNode>
+                                </dgm:if>
+                                <dgm:else name="Name79">
+                                  <dgm:choose name="Name80">
+                                    <dgm:if name="Name81" axis="ch ch" ptType="node node" st="2 1" cnt="1 0" func="cnt" op="equ" val="2">
+                                      <dgm:layoutNode name="balance_42" styleLbl="alignAccFollowNode1">
+                                        <dgm:varLst>
+                                          <dgm:bulletEnabled val="1"/>
+                                        </dgm:varLst>
+                                        <dgm:alg type="sp"/>
+                                        <dgm:shape xmlns:r="http://schemas.openxmlformats.org/officeDocument/2006/relationships" rot="-4" type="rect" r:blip="">
+                                          <dgm:adjLst/>
+                                        </dgm:shape>
+                                        <dgm:presOf/>
+                                        <dgm:constrLst/>
+                                        <dgm:ruleLst/>
+                                      </dgm:layoutNode>
+                                      <dgm:layoutNode name="left_42_1" styleLbl="node1">
+                                        <dgm:varLst>
+                                          <dgm:bulletEnabled val="1"/>
+                                        </dgm:varLst>
+                                        <dgm:alg type="tx"/>
+                                        <dgm:shape xmlns:r="http://schemas.openxmlformats.org/officeDocument/2006/relationships" rot="-4" type="roundRect" r:blip="">
+                                          <dgm:adjLst/>
+                                        </dgm:shape>
+                                        <dgm:presOf axis="ch ch desOrSelf" ptType="node node node" st="1 1 1" cnt="1 1 0"/>
+                                        <dgm:constrLst>
+                                          <dgm:constr type="lMarg" refType="primFontSz" fact="0.3"/>
+                                          <dgm:constr type="rMarg" refType="primFontSz" fact="0.3"/>
+                                          <dgm:constr type="tMarg" refType="primFontSz" fact="0.3"/>
+                                          <dgm:constr type="bMarg" refType="primFontSz" fact="0.3"/>
+                                        </dgm:constrLst>
+                                        <dgm:ruleLst>
+                                          <dgm:rule type="primFontSz" val="5" fact="NaN" max="NaN"/>
+                                        </dgm:ruleLst>
+                                      </dgm:layoutNode>
+                                      <dgm:layoutNode name="left_42_2" styleLbl="node1">
+                                        <dgm:varLst>
+                                          <dgm:bulletEnabled val="1"/>
+                                        </dgm:varLst>
+                                        <dgm:alg type="tx"/>
+                                        <dgm:shape xmlns:r="http://schemas.openxmlformats.org/officeDocument/2006/relationships" rot="-4" type="roundRect" r:blip="">
+                                          <dgm:adjLst/>
+                                        </dgm:shape>
+                                        <dgm:presOf axis="ch ch desOrSelf" ptType="node node node" st="1 2 1" cnt="1 1 0"/>
+                                        <dgm:constrLst>
+                                          <dgm:constr type="lMarg" refType="primFontSz" fact="0.3"/>
+                                          <dgm:constr type="rMarg" refType="primFontSz" fact="0.3"/>
+                                          <dgm:constr type="tMarg" refType="primFontSz" fact="0.3"/>
+                                          <dgm:constr type="bMarg" refType="primFontSz" fact="0.3"/>
+                                        </dgm:constrLst>
+                                        <dgm:ruleLst>
+                                          <dgm:rule type="primFontSz" val="5" fact="NaN" max="NaN"/>
+                                        </dgm:ruleLst>
+                                      </dgm:layoutNode>
+                                      <dgm:layoutNode name="left_42_3" styleLbl="node1">
+                                        <dgm:varLst>
+                                          <dgm:bulletEnabled val="1"/>
+                                        </dgm:varLst>
+                                        <dgm:alg type="tx"/>
+                                        <dgm:shape xmlns:r="http://schemas.openxmlformats.org/officeDocument/2006/relationships" rot="-4" type="roundRect" r:blip="">
+                                          <dgm:adjLst/>
+                                        </dgm:shape>
+                                        <dgm:presOf axis="ch ch desOrSelf" ptType="node node node" st="1 3 1" cnt="1 1 0"/>
+                                        <dgm:constrLst>
+                                          <dgm:constr type="lMarg" refType="primFontSz" fact="0.3"/>
+                                          <dgm:constr type="rMarg" refType="primFontSz" fact="0.3"/>
+                                          <dgm:constr type="tMarg" refType="primFontSz" fact="0.3"/>
+                                          <dgm:constr type="bMarg" refType="primFontSz" fact="0.3"/>
+                                        </dgm:constrLst>
+                                        <dgm:ruleLst>
+                                          <dgm:rule type="primFontSz" val="5" fact="NaN" max="NaN"/>
+                                        </dgm:ruleLst>
+                                      </dgm:layoutNode>
+                                      <dgm:layoutNode name="left_42_4" styleLbl="node1">
+                                        <dgm:varLst>
+                                          <dgm:bulletEnabled val="1"/>
+                                        </dgm:varLst>
+                                        <dgm:alg type="tx"/>
+                                        <dgm:shape xmlns:r="http://schemas.openxmlformats.org/officeDocument/2006/relationships" rot="-4" type="roundRect" r:blip="">
+                                          <dgm:adjLst/>
+                                        </dgm:shape>
+                                        <dgm:presOf axis="ch ch desOrSelf" ptType="node node node" st="1 4 1" cnt="1 1 0"/>
+                                        <dgm:constrLst>
+                                          <dgm:constr type="lMarg" refType="primFontSz" fact="0.3"/>
+                                          <dgm:constr type="rMarg" refType="primFontSz" fact="0.3"/>
+                                          <dgm:constr type="tMarg" refType="primFontSz" fact="0.3"/>
+                                          <dgm:constr type="bMarg" refType="primFontSz" fact="0.3"/>
+                                        </dgm:constrLst>
+                                        <dgm:ruleLst>
+                                          <dgm:rule type="primFontSz" val="5" fact="NaN" max="NaN"/>
+                                        </dgm:ruleLst>
+                                      </dgm:layoutNode>
+                                      <dgm:layoutNode name="right_42_1" styleLbl="node1">
+                                        <dgm:varLst>
+                                          <dgm:bulletEnabled val="1"/>
+                                        </dgm:varLst>
+                                        <dgm:alg type="tx"/>
+                                        <dgm:shape xmlns:r="http://schemas.openxmlformats.org/officeDocument/2006/relationships" rot="-4" type="roundRect" r:blip="">
+                                          <dgm:adjLst/>
+                                        </dgm:shape>
+                                        <dgm:presOf axis="ch ch desOrSelf" ptType="node node node" st="2 1 1" cnt="1 1 0"/>
+                                        <dgm:constrLst>
+                                          <dgm:constr type="lMarg" refType="primFontSz" fact="0.3"/>
+                                          <dgm:constr type="rMarg" refType="primFontSz" fact="0.3"/>
+                                          <dgm:constr type="tMarg" refType="primFontSz" fact="0.3"/>
+                                          <dgm:constr type="bMarg" refType="primFontSz" fact="0.3"/>
+                                        </dgm:constrLst>
+                                        <dgm:ruleLst>
+                                          <dgm:rule type="primFontSz" val="5" fact="NaN" max="NaN"/>
+                                        </dgm:ruleLst>
+                                      </dgm:layoutNode>
+                                      <dgm:layoutNode name="right_42_2" styleLbl="node1">
+                                        <dgm:varLst>
+                                          <dgm:bulletEnabled val="1"/>
+                                        </dgm:varLst>
+                                        <dgm:alg type="tx"/>
+                                        <dgm:shape xmlns:r="http://schemas.openxmlformats.org/officeDocument/2006/relationships" rot="-4" type="roundRect" r:blip="">
+                                          <dgm:adjLst/>
+                                        </dgm:shape>
+                                        <dgm:presOf axis="ch ch desOrSelf" ptType="node node node" st="2 2 1" cnt="1 1 0"/>
+                                        <dgm:constrLst>
+                                          <dgm:constr type="lMarg" refType="primFontSz" fact="0.3"/>
+                                          <dgm:constr type="rMarg" refType="primFontSz" fact="0.3"/>
+                                          <dgm:constr type="tMarg" refType="primFontSz" fact="0.3"/>
+                                          <dgm:constr type="bMarg" refType="primFontSz" fact="0.3"/>
+                                        </dgm:constrLst>
+                                        <dgm:ruleLst>
+                                          <dgm:rule type="primFontSz" val="5" fact="NaN" max="NaN"/>
+                                        </dgm:ruleLst>
+                                      </dgm:layoutNode>
+                                    </dgm:if>
+                                    <dgm:else name="Name82">
+                                      <dgm:choose name="Name83">
+                                        <dgm:if name="Name84" axis="ch ch" ptType="node node" st="2 1" cnt="1 0" func="cnt" op="equ" val="3">
+                                          <dgm:layoutNode name="balance_43" styleLbl="alignAccFollowNode1">
+                                            <dgm:varLst>
+                                              <dgm:bulletEnabled val="1"/>
+                                            </dgm:varLst>
+                                            <dgm:alg type="sp"/>
+                                            <dgm:shape xmlns:r="http://schemas.openxmlformats.org/officeDocument/2006/relationships" rot="-4" type="rect" r:blip="">
+                                              <dgm:adjLst/>
+                                            </dgm:shape>
+                                            <dgm:presOf/>
+                                            <dgm:constrLst/>
+                                            <dgm:ruleLst/>
+                                          </dgm:layoutNode>
+                                          <dgm:layoutNode name="left_43_1" styleLbl="node1">
+                                            <dgm:varLst>
+                                              <dgm:bulletEnabled val="1"/>
+                                            </dgm:varLst>
+                                            <dgm:alg type="tx"/>
+                                            <dgm:shape xmlns:r="http://schemas.openxmlformats.org/officeDocument/2006/relationships" rot="-4" type="roundRect" r:blip="">
+                                              <dgm:adjLst/>
+                                            </dgm:shape>
+                                            <dgm:presOf axis="ch ch desOrSelf" ptType="node node node" st="1 1 1" cnt="1 1 0"/>
+                                            <dgm:constrLst>
+                                              <dgm:constr type="lMarg" refType="primFontSz" fact="0.3"/>
+                                              <dgm:constr type="rMarg" refType="primFontSz" fact="0.3"/>
+                                              <dgm:constr type="tMarg" refType="primFontSz" fact="0.3"/>
+                                              <dgm:constr type="bMarg" refType="primFontSz" fact="0.3"/>
+                                            </dgm:constrLst>
+                                            <dgm:ruleLst>
+                                              <dgm:rule type="primFontSz" val="5" fact="NaN" max="NaN"/>
+                                            </dgm:ruleLst>
+                                          </dgm:layoutNode>
+                                          <dgm:layoutNode name="left_43_2" styleLbl="node1">
+                                            <dgm:varLst>
+                                              <dgm:bulletEnabled val="1"/>
+                                            </dgm:varLst>
+                                            <dgm:alg type="tx"/>
+                                            <dgm:shape xmlns:r="http://schemas.openxmlformats.org/officeDocument/2006/relationships" rot="-4" type="roundRect" r:blip="">
+                                              <dgm:adjLst/>
+                                            </dgm:shape>
+                                            <dgm:presOf axis="ch ch desOrSelf" ptType="node node node" st="1 2 1" cnt="1 1 0"/>
+                                            <dgm:constrLst>
+                                              <dgm:constr type="lMarg" refType="primFontSz" fact="0.3"/>
+                                              <dgm:constr type="rMarg" refType="primFontSz" fact="0.3"/>
+                                              <dgm:constr type="tMarg" refType="primFontSz" fact="0.3"/>
+                                              <dgm:constr type="bMarg" refType="primFontSz" fact="0.3"/>
+                                            </dgm:constrLst>
+                                            <dgm:ruleLst>
+                                              <dgm:rule type="primFontSz" val="5" fact="NaN" max="NaN"/>
+                                            </dgm:ruleLst>
+                                          </dgm:layoutNode>
+                                          <dgm:layoutNode name="left_43_3" styleLbl="node1">
+                                            <dgm:varLst>
+                                              <dgm:bulletEnabled val="1"/>
+                                            </dgm:varLst>
+                                            <dgm:alg type="tx"/>
+                                            <dgm:shape xmlns:r="http://schemas.openxmlformats.org/officeDocument/2006/relationships" rot="-4" type="roundRect" r:blip="">
+                                              <dgm:adjLst/>
+                                            </dgm:shape>
+                                            <dgm:presOf axis="ch ch desOrSelf" ptType="node node node" st="1 3 1" cnt="1 1 0"/>
+                                            <dgm:constrLst>
+                                              <dgm:constr type="lMarg" refType="primFontSz" fact="0.3"/>
+                                              <dgm:constr type="rMarg" refType="primFontSz" fact="0.3"/>
+                                              <dgm:constr type="tMarg" refType="primFontSz" fact="0.3"/>
+                                              <dgm:constr type="bMarg" refType="primFontSz" fact="0.3"/>
+                                            </dgm:constrLst>
+                                            <dgm:ruleLst>
+                                              <dgm:rule type="primFontSz" val="5" fact="NaN" max="NaN"/>
+                                            </dgm:ruleLst>
+                                          </dgm:layoutNode>
+                                          <dgm:layoutNode name="left_43_4" styleLbl="node1">
+                                            <dgm:varLst>
+                                              <dgm:bulletEnabled val="1"/>
+                                            </dgm:varLst>
+                                            <dgm:alg type="tx"/>
+                                            <dgm:shape xmlns:r="http://schemas.openxmlformats.org/officeDocument/2006/relationships" rot="-4" type="roundRect" r:blip="">
+                                              <dgm:adjLst/>
+                                            </dgm:shape>
+                                            <dgm:presOf axis="ch ch desOrSelf" ptType="node node node" st="1 4 1" cnt="1 1 0"/>
+                                            <dgm:constrLst>
+                                              <dgm:constr type="lMarg" refType="primFontSz" fact="0.3"/>
+                                              <dgm:constr type="rMarg" refType="primFontSz" fact="0.3"/>
+                                              <dgm:constr type="tMarg" refType="primFontSz" fact="0.3"/>
+                                              <dgm:constr type="bMarg" refType="primFontSz" fact="0.3"/>
+                                            </dgm:constrLst>
+                                            <dgm:ruleLst>
+                                              <dgm:rule type="primFontSz" val="5" fact="NaN" max="NaN"/>
+                                            </dgm:ruleLst>
+                                          </dgm:layoutNode>
+                                          <dgm:layoutNode name="right_43_1" styleLbl="node1">
+                                            <dgm:varLst>
+                                              <dgm:bulletEnabled val="1"/>
+                                            </dgm:varLst>
+                                            <dgm:alg type="tx"/>
+                                            <dgm:shape xmlns:r="http://schemas.openxmlformats.org/officeDocument/2006/relationships" rot="-4" type="roundRect" r:blip="">
+                                              <dgm:adjLst/>
+                                            </dgm:shape>
+                                            <dgm:presOf axis="ch ch desOrSelf" ptType="node node node" st="2 1 1" cnt="1 1 0"/>
+                                            <dgm:constrLst>
+                                              <dgm:constr type="lMarg" refType="primFontSz" fact="0.3"/>
+                                              <dgm:constr type="rMarg" refType="primFontSz" fact="0.3"/>
+                                              <dgm:constr type="tMarg" refType="primFontSz" fact="0.3"/>
+                                              <dgm:constr type="bMarg" refType="primFontSz" fact="0.3"/>
+                                            </dgm:constrLst>
+                                            <dgm:ruleLst>
+                                              <dgm:rule type="primFontSz" val="5" fact="NaN" max="NaN"/>
+                                            </dgm:ruleLst>
+                                          </dgm:layoutNode>
+                                          <dgm:layoutNode name="right_43_2" styleLbl="node1">
+                                            <dgm:varLst>
+                                              <dgm:bulletEnabled val="1"/>
+                                            </dgm:varLst>
+                                            <dgm:alg type="tx"/>
+                                            <dgm:shape xmlns:r="http://schemas.openxmlformats.org/officeDocument/2006/relationships" rot="-4" type="roundRect" r:blip="">
+                                              <dgm:adjLst/>
+                                            </dgm:shape>
+                                            <dgm:presOf axis="ch ch desOrSelf" ptType="node node node" st="2 2 1" cnt="1 1 0"/>
+                                            <dgm:constrLst>
+                                              <dgm:constr type="lMarg" refType="primFontSz" fact="0.3"/>
+                                              <dgm:constr type="rMarg" refType="primFontSz" fact="0.3"/>
+                                              <dgm:constr type="tMarg" refType="primFontSz" fact="0.3"/>
+                                              <dgm:constr type="bMarg" refType="primFontSz" fact="0.3"/>
+                                            </dgm:constrLst>
+                                            <dgm:ruleLst>
+                                              <dgm:rule type="primFontSz" val="5" fact="NaN" max="NaN"/>
+                                            </dgm:ruleLst>
+                                          </dgm:layoutNode>
+                                          <dgm:layoutNode name="right_43_3" styleLbl="node1">
+                                            <dgm:varLst>
+                                              <dgm:bulletEnabled val="1"/>
+                                            </dgm:varLst>
+                                            <dgm:alg type="tx"/>
+                                            <dgm:shape xmlns:r="http://schemas.openxmlformats.org/officeDocument/2006/relationships" rot="-4" type="roundRect" r:blip="">
+                                              <dgm:adjLst/>
+                                            </dgm:shape>
+                                            <dgm:presOf axis="ch ch desOrSelf" ptType="node node node" st="2 3 1" cnt="1 1 0"/>
+                                            <dgm:constrLst>
+                                              <dgm:constr type="lMarg" refType="primFontSz" fact="0.3"/>
+                                              <dgm:constr type="rMarg" refType="primFontSz" fact="0.3"/>
+                                              <dgm:constr type="tMarg" refType="primFontSz" fact="0.3"/>
+                                              <dgm:constr type="bMarg" refType="primFontSz" fact="0.3"/>
+                                            </dgm:constrLst>
+                                            <dgm:ruleLst>
+                                              <dgm:rule type="primFontSz" val="5" fact="NaN" max="NaN"/>
+                                            </dgm:ruleLst>
+                                          </dgm:layoutNode>
+                                        </dgm:if>
+                                        <dgm:else name="Name85">
+                                          <dgm:choose name="Name86">
+                                            <dgm:if name="Name87" axis="ch ch" ptType="node node" st="2 1" cnt="1 0" func="cnt" op="gte" val="4">
+                                              <dgm:layoutNode name="balance_44" styleLbl="alignAccFollowNode1">
+                                                <dgm:varLst>
+                                                  <dgm:bulletEnabled val="1"/>
+                                                </dgm:varLst>
+                                                <dgm:alg type="sp"/>
+                                                <dgm:shape xmlns:r="http://schemas.openxmlformats.org/officeDocument/2006/relationships" type="rect" r:blip="">
+                                                  <dgm:adjLst/>
+                                                </dgm:shape>
+                                                <dgm:presOf/>
+                                                <dgm:constrLst/>
+                                                <dgm:ruleLst/>
+                                              </dgm:layoutNode>
+                                              <dgm:layoutNode name="right_44_1" styleLbl="node1">
+                                                <dgm:varLst>
+                                                  <dgm:bulletEnabled val="1"/>
+                                                </dgm:varLst>
+                                                <dgm:alg type="tx"/>
+                                                <dgm:shape xmlns:r="http://schemas.openxmlformats.org/officeDocument/2006/relationships" type="roundRect" r:blip="">
+                                                  <dgm:adjLst/>
+                                                </dgm:shape>
+                                                <dgm:presOf axis="ch ch desOrSelf" ptType="node node node" st="2 1 1" cnt="1 1 0"/>
+                                                <dgm:constrLst>
+                                                  <dgm:constr type="lMarg" refType="primFontSz" fact="0.3"/>
+                                                  <dgm:constr type="rMarg" refType="primFontSz" fact="0.3"/>
+                                                  <dgm:constr type="tMarg" refType="primFontSz" fact="0.3"/>
+                                                  <dgm:constr type="bMarg" refType="primFontSz" fact="0.3"/>
+                                                </dgm:constrLst>
+                                                <dgm:ruleLst>
+                                                  <dgm:rule type="primFontSz" val="5" fact="NaN" max="NaN"/>
+                                                </dgm:ruleLst>
+                                              </dgm:layoutNode>
+                                              <dgm:layoutNode name="right_44_2" styleLbl="node1">
+                                                <dgm:varLst>
+                                                  <dgm:bulletEnabled val="1"/>
+                                                </dgm:varLst>
+                                                <dgm:alg type="tx"/>
+                                                <dgm:shape xmlns:r="http://schemas.openxmlformats.org/officeDocument/2006/relationships" type="roundRect" r:blip="">
+                                                  <dgm:adjLst/>
+                                                </dgm:shape>
+                                                <dgm:presOf axis="ch ch desOrSelf" ptType="node node node" st="2 2 1" cnt="1 1 0"/>
+                                                <dgm:constrLst>
+                                                  <dgm:constr type="lMarg" refType="primFontSz" fact="0.3"/>
+                                                  <dgm:constr type="rMarg" refType="primFontSz" fact="0.3"/>
+                                                  <dgm:constr type="tMarg" refType="primFontSz" fact="0.3"/>
+                                                  <dgm:constr type="bMarg" refType="primFontSz" fact="0.3"/>
+                                                </dgm:constrLst>
+                                                <dgm:ruleLst>
+                                                  <dgm:rule type="primFontSz" val="5" fact="NaN" max="NaN"/>
+                                                </dgm:ruleLst>
+                                              </dgm:layoutNode>
+                                              <dgm:layoutNode name="right_44_3" styleLbl="node1">
+                                                <dgm:varLst>
+                                                  <dgm:bulletEnabled val="1"/>
+                                                </dgm:varLst>
+                                                <dgm:alg type="tx"/>
+                                                <dgm:shape xmlns:r="http://schemas.openxmlformats.org/officeDocument/2006/relationships" type="roundRect" r:blip="">
+                                                  <dgm:adjLst/>
+                                                </dgm:shape>
+                                                <dgm:presOf axis="ch ch desOrSelf" ptType="node node node" st="2 3 1" cnt="1 1 0"/>
+                                                <dgm:constrLst>
+                                                  <dgm:constr type="lMarg" refType="primFontSz" fact="0.3"/>
+                                                  <dgm:constr type="rMarg" refType="primFontSz" fact="0.3"/>
+                                                  <dgm:constr type="tMarg" refType="primFontSz" fact="0.3"/>
+                                                  <dgm:constr type="bMarg" refType="primFontSz" fact="0.3"/>
+                                                </dgm:constrLst>
+                                                <dgm:ruleLst>
+                                                  <dgm:rule type="primFontSz" val="5" fact="NaN" max="NaN"/>
+                                                </dgm:ruleLst>
+                                              </dgm:layoutNode>
+                                              <dgm:layoutNode name="right_44_4" styleLbl="node1">
+                                                <dgm:varLst>
+                                                  <dgm:bulletEnabled val="1"/>
+                                                </dgm:varLst>
+                                                <dgm:alg type="tx"/>
+                                                <dgm:shape xmlns:r="http://schemas.openxmlformats.org/officeDocument/2006/relationships" type="roundRect" r:blip="">
+                                                  <dgm:adjLst/>
+                                                </dgm:shape>
+                                                <dgm:presOf axis="ch ch desOrSelf" ptType="node node node" st="2 4 1" cnt="1 1 0"/>
+                                                <dgm:constrLst>
+                                                  <dgm:constr type="lMarg" refType="primFontSz" fact="0.3"/>
+                                                  <dgm:constr type="rMarg" refType="primFontSz" fact="0.3"/>
+                                                  <dgm:constr type="tMarg" refType="primFontSz" fact="0.3"/>
+                                                  <dgm:constr type="bMarg" refType="primFontSz" fact="0.3"/>
+                                                </dgm:constrLst>
+                                                <dgm:ruleLst>
+                                                  <dgm:rule type="primFontSz" val="5" fact="NaN" max="NaN"/>
+                                                </dgm:ruleLst>
+                                              </dgm:layoutNode>
+                                              <dgm:layoutNode name="left_44_1" styleLbl="node1">
+                                                <dgm:varLst>
+                                                  <dgm:bulletEnabled val="1"/>
+                                                </dgm:varLst>
+                                                <dgm:alg type="tx"/>
+                                                <dgm:shape xmlns:r="http://schemas.openxmlformats.org/officeDocument/2006/relationships" type="roundRect" r:blip="">
+                                                  <dgm:adjLst/>
+                                                </dgm:shape>
+                                                <dgm:presOf axis="ch ch desOrSelf" ptType="node node node" st="1 1 1" cnt="1 1 0"/>
+                                                <dgm:constrLst>
+                                                  <dgm:constr type="lMarg" refType="primFontSz" fact="0.3"/>
+                                                  <dgm:constr type="rMarg" refType="primFontSz" fact="0.3"/>
+                                                  <dgm:constr type="tMarg" refType="primFontSz" fact="0.3"/>
+                                                  <dgm:constr type="bMarg" refType="primFontSz" fact="0.3"/>
+                                                </dgm:constrLst>
+                                                <dgm:ruleLst>
+                                                  <dgm:rule type="primFontSz" val="5" fact="NaN" max="NaN"/>
+                                                </dgm:ruleLst>
+                                              </dgm:layoutNode>
+                                              <dgm:layoutNode name="left_44_2" styleLbl="node1">
+                                                <dgm:varLst>
+                                                  <dgm:bulletEnabled val="1"/>
+                                                </dgm:varLst>
+                                                <dgm:alg type="tx"/>
+                                                <dgm:shape xmlns:r="http://schemas.openxmlformats.org/officeDocument/2006/relationships" type="roundRect" r:blip="">
+                                                  <dgm:adjLst/>
+                                                </dgm:shape>
+                                                <dgm:presOf axis="ch ch desOrSelf" ptType="node node node" st="1 2 1" cnt="1 1 0"/>
+                                                <dgm:constrLst>
+                                                  <dgm:constr type="lMarg" refType="primFontSz" fact="0.3"/>
+                                                  <dgm:constr type="rMarg" refType="primFontSz" fact="0.3"/>
+                                                  <dgm:constr type="tMarg" refType="primFontSz" fact="0.3"/>
+                                                  <dgm:constr type="bMarg" refType="primFontSz" fact="0.3"/>
+                                                </dgm:constrLst>
+                                                <dgm:ruleLst>
+                                                  <dgm:rule type="primFontSz" val="5" fact="NaN" max="NaN"/>
+                                                </dgm:ruleLst>
+                                              </dgm:layoutNode>
+                                              <dgm:layoutNode name="left_44_3" styleLbl="node1">
+                                                <dgm:varLst>
+                                                  <dgm:bulletEnabled val="1"/>
+                                                </dgm:varLst>
+                                                <dgm:alg type="tx"/>
+                                                <dgm:shape xmlns:r="http://schemas.openxmlformats.org/officeDocument/2006/relationships" type="roundRect" r:blip="">
+                                                  <dgm:adjLst/>
+                                                </dgm:shape>
+                                                <dgm:presOf axis="ch ch desOrSelf" ptType="node node node" st="1 3 1" cnt="1 1 0"/>
+                                                <dgm:constrLst>
+                                                  <dgm:constr type="lMarg" refType="primFontSz" fact="0.3"/>
+                                                  <dgm:constr type="rMarg" refType="primFontSz" fact="0.3"/>
+                                                  <dgm:constr type="tMarg" refType="primFontSz" fact="0.3"/>
+                                                  <dgm:constr type="bMarg" refType="primFontSz" fact="0.3"/>
+                                                </dgm:constrLst>
+                                                <dgm:ruleLst>
+                                                  <dgm:rule type="primFontSz" val="5" fact="NaN" max="NaN"/>
+                                                </dgm:ruleLst>
+                                              </dgm:layoutNode>
+                                              <dgm:layoutNode name="left_44_4" styleLbl="node1">
+                                                <dgm:varLst>
+                                                  <dgm:bulletEnabled val="1"/>
+                                                </dgm:varLst>
+                                                <dgm:alg type="tx"/>
+                                                <dgm:shape xmlns:r="http://schemas.openxmlformats.org/officeDocument/2006/relationships" type="roundRect" r:blip="">
+                                                  <dgm:adjLst/>
+                                                </dgm:shape>
+                                                <dgm:presOf axis="ch ch desOrSelf" ptType="node node node" st="1 4 1" cnt="1 1 0"/>
+                                                <dgm:constrLst>
+                                                  <dgm:constr type="lMarg" refType="primFontSz" fact="0.3"/>
+                                                  <dgm:constr type="rMarg" refType="primFontSz" fact="0.3"/>
+                                                  <dgm:constr type="tMarg" refType="primFontSz" fact="0.3"/>
+                                                  <dgm:constr type="bMarg" refType="primFontSz" fact="0.3"/>
+                                                </dgm:constrLst>
+                                                <dgm:ruleLst>
+                                                  <dgm:rule type="primFontSz" val="5" fact="NaN" max="NaN"/>
+                                                </dgm:ruleLst>
+                                              </dgm:layoutNode>
+                                            </dgm:if>
+                                            <dgm:else name="Name88"/>
+                                          </dgm:choose>
+                                        </dgm:else>
+                                      </dgm:choose>
+                                    </dgm:else>
+                                  </dgm:choose>
+                                </dgm:else>
+                              </dgm:choose>
+                            </dgm:else>
+                          </dgm:choose>
+                        </dgm:if>
+                        <dgm:else name="Name89"/>
+                      </dgm:choose>
+                    </dgm:else>
+                  </dgm:choose>
+                </dgm:else>
+              </dgm:choose>
+            </dgm:else>
+          </dgm:choose>
+        </dgm:else>
+      </dgm:choose>
+    </dgm:layoutNode>
+  </dgm:layoutNode>
+</dgm:layoutDef>
+</file>
+
+<file path=ppt/diagrams/layout4.xml><?xml version="1.0" encoding="utf-8"?>
 <dgm:layoutDef xmlns:dgm="http://schemas.openxmlformats.org/drawingml/2006/diagram" xmlns:a="http://schemas.openxmlformats.org/drawingml/2006/main" uniqueId="urn:microsoft.com/office/officeart/2005/8/layout/arrow2">
   <dgm:title val=""/>
   <dgm:desc val=""/>
@@ -14562,6 +20009,1040 @@
 </dgm:styleDef>
 </file>
 
+<file path=ppt/diagrams/quickStyle4.xml><?xml version="1.0" encoding="utf-8"?>
+<dgm:styleDef xmlns:dgm="http://schemas.openxmlformats.org/drawingml/2006/diagram" xmlns:a="http://schemas.openxmlformats.org/drawingml/2006/main" uniqueId="urn:microsoft.com/office/officeart/2005/8/quickstyle/simple1">
+  <dgm:title val=""/>
+  <dgm:desc val=""/>
+  <dgm:catLst>
+    <dgm:cat type="simple" pri="10100"/>
+  </dgm:catLst>
+  <dgm:scene3d>
+    <a:camera prst="orthographicFront"/>
+    <a:lightRig rig="threePt" dir="t"/>
+  </dgm:scene3d>
+  <dgm:styleLbl name="node0">
+    <dgm:scene3d>
+      <a:camera prst="orthographicFront"/>
+      <a:lightRig rig="threePt" dir="t"/>
+    </dgm:scene3d>
+    <dgm:sp3d/>
+    <dgm:txPr/>
+    <dgm:style>
+      <a:lnRef idx="2">
+        <a:scrgbClr r="0" g="0" b="0"/>
+      </a:lnRef>
+      <a:fillRef idx="1">
+        <a:scrgbClr r="0" g="0" b="0"/>
+      </a:fillRef>
+      <a:effectRef idx="0">
+        <a:scrgbClr r="0" g="0" b="0"/>
+      </a:effectRef>
+      <a:fontRef idx="minor">
+        <a:schemeClr val="lt1"/>
+      </a:fontRef>
+    </dgm:style>
+  </dgm:styleLbl>
+  <dgm:styleLbl name="lnNode1">
+    <dgm:scene3d>
+      <a:camera prst="orthographicFront"/>
+      <a:lightRig rig="threePt" dir="t"/>
+    </dgm:scene3d>
+    <dgm:sp3d/>
+    <dgm:txPr/>
+    <dgm:style>
+      <a:lnRef idx="2">
+        <a:scrgbClr r="0" g="0" b="0"/>
+      </a:lnRef>
+      <a:fillRef idx="1">
+        <a:scrgbClr r="0" g="0" b="0"/>
+      </a:fillRef>
+      <a:effectRef idx="0">
+        <a:scrgbClr r="0" g="0" b="0"/>
+      </a:effectRef>
+      <a:fontRef idx="minor">
+        <a:schemeClr val="lt1"/>
+      </a:fontRef>
+    </dgm:style>
+  </dgm:styleLbl>
+  <dgm:styleLbl name="vennNode1">
+    <dgm:scene3d>
+      <a:camera prst="orthographicFront"/>
+      <a:lightRig rig="threePt" dir="t"/>
+    </dgm:scene3d>
+    <dgm:sp3d/>
+    <dgm:txPr/>
+    <dgm:style>
+      <a:lnRef idx="2">
+        <a:scrgbClr r="0" g="0" b="0"/>
+      </a:lnRef>
+      <a:fillRef idx="1">
+        <a:scrgbClr r="0" g="0" b="0"/>
+      </a:fillRef>
+      <a:effectRef idx="0">
+        <a:scrgbClr r="0" g="0" b="0"/>
+      </a:effectRef>
+      <a:fontRef idx="minor">
+        <a:schemeClr val="tx1"/>
+      </a:fontRef>
+    </dgm:style>
+  </dgm:styleLbl>
+  <dgm:styleLbl name="alignNode1">
+    <dgm:scene3d>
+      <a:camera prst="orthographicFront"/>
+      <a:lightRig rig="threePt" dir="t"/>
+    </dgm:scene3d>
+    <dgm:sp3d/>
+    <dgm:txPr/>
+    <dgm:style>
+      <a:lnRef idx="2">
+        <a:scrgbClr r="0" g="0" b="0"/>
+      </a:lnRef>
+      <a:fillRef idx="1">
+        <a:scrgbClr r="0" g="0" b="0"/>
+      </a:fillRef>
+      <a:effectRef idx="0">
+        <a:scrgbClr r="0" g="0" b="0"/>
+      </a:effectRef>
+      <a:fontRef idx="minor">
+        <a:schemeClr val="lt1"/>
+      </a:fontRef>
+    </dgm:style>
+  </dgm:styleLbl>
+  <dgm:styleLbl name="node1">
+    <dgm:scene3d>
+      <a:camera prst="orthographicFront"/>
+      <a:lightRig rig="threePt" dir="t"/>
+    </dgm:scene3d>
+    <dgm:sp3d/>
+    <dgm:txPr/>
+    <dgm:style>
+      <a:lnRef idx="2">
+        <a:scrgbClr r="0" g="0" b="0"/>
+      </a:lnRef>
+      <a:fillRef idx="1">
+        <a:scrgbClr r="0" g="0" b="0"/>
+      </a:fillRef>
+      <a:effectRef idx="0">
+        <a:scrgbClr r="0" g="0" b="0"/>
+      </a:effectRef>
+      <a:fontRef idx="minor">
+        <a:schemeClr val="lt1"/>
+      </a:fontRef>
+    </dgm:style>
+  </dgm:styleLbl>
+  <dgm:styleLbl name="node2">
+    <dgm:scene3d>
+      <a:camera prst="orthographicFront"/>
+      <a:lightRig rig="threePt" dir="t"/>
+    </dgm:scene3d>
+    <dgm:sp3d/>
+    <dgm:txPr/>
+    <dgm:style>
+      <a:lnRef idx="2">
+        <a:scrgbClr r="0" g="0" b="0"/>
+      </a:lnRef>
+      <a:fillRef idx="1">
+        <a:scrgbClr r="0" g="0" b="0"/>
+      </a:fillRef>
+      <a:effectRef idx="0">
+        <a:scrgbClr r="0" g="0" b="0"/>
+      </a:effectRef>
+      <a:fontRef idx="minor">
+        <a:schemeClr val="lt1"/>
+      </a:fontRef>
+    </dgm:style>
+  </dgm:styleLbl>
+  <dgm:styleLbl name="node3">
+    <dgm:scene3d>
+      <a:camera prst="orthographicFront"/>
+      <a:lightRig rig="threePt" dir="t"/>
+    </dgm:scene3d>
+    <dgm:sp3d/>
+    <dgm:txPr/>
+    <dgm:style>
+      <a:lnRef idx="2">
+        <a:scrgbClr r="0" g="0" b="0"/>
+      </a:lnRef>
+      <a:fillRef idx="1">
+        <a:scrgbClr r="0" g="0" b="0"/>
+      </a:fillRef>
+      <a:effectRef idx="0">
+        <a:scrgbClr r="0" g="0" b="0"/>
+      </a:effectRef>
+      <a:fontRef idx="minor">
+        <a:schemeClr val="lt1"/>
+      </a:fontRef>
+    </dgm:style>
+  </dgm:styleLbl>
+  <dgm:styleLbl name="node4">
+    <dgm:scene3d>
+      <a:camera prst="orthographicFront"/>
+      <a:lightRig rig="threePt" dir="t"/>
+    </dgm:scene3d>
+    <dgm:sp3d/>
+    <dgm:txPr/>
+    <dgm:style>
+      <a:lnRef idx="2">
+        <a:scrgbClr r="0" g="0" b="0"/>
+      </a:lnRef>
+      <a:fillRef idx="1">
+        <a:scrgbClr r="0" g="0" b="0"/>
+      </a:fillRef>
+      <a:effectRef idx="0">
+        <a:scrgbClr r="0" g="0" b="0"/>
+      </a:effectRef>
+      <a:fontRef idx="minor">
+        <a:schemeClr val="lt1"/>
+      </a:fontRef>
+    </dgm:style>
+  </dgm:styleLbl>
+  <dgm:styleLbl name="fgImgPlace1">
+    <dgm:scene3d>
+      <a:camera prst="orthographicFront"/>
+      <a:lightRig rig="threePt" dir="t"/>
+    </dgm:scene3d>
+    <dgm:sp3d/>
+    <dgm:txPr/>
+    <dgm:style>
+      <a:lnRef idx="2">
+        <a:scrgbClr r="0" g="0" b="0"/>
+      </a:lnRef>
+      <a:fillRef idx="1">
+        <a:scrgbClr r="0" g="0" b="0"/>
+      </a:fillRef>
+      <a:effectRef idx="0">
+        <a:scrgbClr r="0" g="0" b="0"/>
+      </a:effectRef>
+      <a:fontRef idx="minor"/>
+    </dgm:style>
+  </dgm:styleLbl>
+  <dgm:styleLbl name="alignImgPlace1">
+    <dgm:scene3d>
+      <a:camera prst="orthographicFront"/>
+      <a:lightRig rig="threePt" dir="t"/>
+    </dgm:scene3d>
+    <dgm:sp3d/>
+    <dgm:txPr/>
+    <dgm:style>
+      <a:lnRef idx="2">
+        <a:scrgbClr r="0" g="0" b="0"/>
+      </a:lnRef>
+      <a:fillRef idx="1">
+        <a:scrgbClr r="0" g="0" b="0"/>
+      </a:fillRef>
+      <a:effectRef idx="0">
+        <a:scrgbClr r="0" g="0" b="0"/>
+      </a:effectRef>
+      <a:fontRef idx="minor"/>
+    </dgm:style>
+  </dgm:styleLbl>
+  <dgm:styleLbl name="bgImgPlace1">
+    <dgm:scene3d>
+      <a:camera prst="orthographicFront"/>
+      <a:lightRig rig="threePt" dir="t"/>
+    </dgm:scene3d>
+    <dgm:sp3d/>
+    <dgm:txPr/>
+    <dgm:style>
+      <a:lnRef idx="2">
+        <a:scrgbClr r="0" g="0" b="0"/>
+      </a:lnRef>
+      <a:fillRef idx="1">
+        <a:scrgbClr r="0" g="0" b="0"/>
+      </a:fillRef>
+      <a:effectRef idx="0">
+        <a:scrgbClr r="0" g="0" b="0"/>
+      </a:effectRef>
+      <a:fontRef idx="minor"/>
+    </dgm:style>
+  </dgm:styleLbl>
+  <dgm:styleLbl name="sibTrans2D1">
+    <dgm:scene3d>
+      <a:camera prst="orthographicFront"/>
+      <a:lightRig rig="threePt" dir="t"/>
+    </dgm:scene3d>
+    <dgm:sp3d/>
+    <dgm:txPr/>
+    <dgm:style>
+      <a:lnRef idx="0">
+        <a:scrgbClr r="0" g="0" b="0"/>
+      </a:lnRef>
+      <a:fillRef idx="1">
+        <a:scrgbClr r="0" g="0" b="0"/>
+      </a:fillRef>
+      <a:effectRef idx="0">
+        <a:scrgbClr r="0" g="0" b="0"/>
+      </a:effectRef>
+      <a:fontRef idx="minor">
+        <a:schemeClr val="lt1"/>
+      </a:fontRef>
+    </dgm:style>
+  </dgm:styleLbl>
+  <dgm:styleLbl name="fgSibTrans2D1">
+    <dgm:scene3d>
+      <a:camera prst="orthographicFront"/>
+      <a:lightRig rig="threePt" dir="t"/>
+    </dgm:scene3d>
+    <dgm:sp3d/>
+    <dgm:txPr/>
+    <dgm:style>
+      <a:lnRef idx="0">
+        <a:scrgbClr r="0" g="0" b="0"/>
+      </a:lnRef>
+      <a:fillRef idx="1">
+        <a:scrgbClr r="0" g="0" b="0"/>
+      </a:fillRef>
+      <a:effectRef idx="0">
+        <a:scrgbClr r="0" g="0" b="0"/>
+      </a:effectRef>
+      <a:fontRef idx="minor">
+        <a:schemeClr val="lt1"/>
+      </a:fontRef>
+    </dgm:style>
+  </dgm:styleLbl>
+  <dgm:styleLbl name="bgSibTrans2D1">
+    <dgm:scene3d>
+      <a:camera prst="orthographicFront"/>
+      <a:lightRig rig="threePt" dir="t"/>
+    </dgm:scene3d>
+    <dgm:sp3d/>
+    <dgm:txPr/>
+    <dgm:style>
+      <a:lnRef idx="0">
+        <a:scrgbClr r="0" g="0" b="0"/>
+      </a:lnRef>
+      <a:fillRef idx="1">
+        <a:scrgbClr r="0" g="0" b="0"/>
+      </a:fillRef>
+      <a:effectRef idx="0">
+        <a:scrgbClr r="0" g="0" b="0"/>
+      </a:effectRef>
+      <a:fontRef idx="minor">
+        <a:schemeClr val="lt1"/>
+      </a:fontRef>
+    </dgm:style>
+  </dgm:styleLbl>
+  <dgm:styleLbl name="sibTrans1D1">
+    <dgm:scene3d>
+      <a:camera prst="orthographicFront"/>
+      <a:lightRig rig="threePt" dir="t"/>
+    </dgm:scene3d>
+    <dgm:sp3d/>
+    <dgm:txPr/>
+    <dgm:style>
+      <a:lnRef idx="1">
+        <a:scrgbClr r="0" g="0" b="0"/>
+      </a:lnRef>
+      <a:fillRef idx="0">
+        <a:scrgbClr r="0" g="0" b="0"/>
+      </a:fillRef>
+      <a:effectRef idx="0">
+        <a:scrgbClr r="0" g="0" b="0"/>
+      </a:effectRef>
+      <a:fontRef idx="minor"/>
+    </dgm:style>
+  </dgm:styleLbl>
+  <dgm:styleLbl name="callout">
+    <dgm:scene3d>
+      <a:camera prst="orthographicFront"/>
+      <a:lightRig rig="threePt" dir="t"/>
+    </dgm:scene3d>
+    <dgm:sp3d/>
+    <dgm:txPr/>
+    <dgm:style>
+      <a:lnRef idx="2">
+        <a:scrgbClr r="0" g="0" b="0"/>
+      </a:lnRef>
+      <a:fillRef idx="1">
+        <a:scrgbClr r="0" g="0" b="0"/>
+      </a:fillRef>
+      <a:effectRef idx="0">
+        <a:scrgbClr r="0" g="0" b="0"/>
+      </a:effectRef>
+      <a:fontRef idx="minor"/>
+    </dgm:style>
+  </dgm:styleLbl>
+  <dgm:styleLbl name="asst0">
+    <dgm:scene3d>
+      <a:camera prst="orthographicFront"/>
+      <a:lightRig rig="threePt" dir="t"/>
+    </dgm:scene3d>
+    <dgm:sp3d/>
+    <dgm:txPr/>
+    <dgm:style>
+      <a:lnRef idx="2">
+        <a:scrgbClr r="0" g="0" b="0"/>
+      </a:lnRef>
+      <a:fillRef idx="1">
+        <a:scrgbClr r="0" g="0" b="0"/>
+      </a:fillRef>
+      <a:effectRef idx="0">
+        <a:scrgbClr r="0" g="0" b="0"/>
+      </a:effectRef>
+      <a:fontRef idx="minor">
+        <a:schemeClr val="lt1"/>
+      </a:fontRef>
+    </dgm:style>
+  </dgm:styleLbl>
+  <dgm:styleLbl name="asst1">
+    <dgm:scene3d>
+      <a:camera prst="orthographicFront"/>
+      <a:lightRig rig="threePt" dir="t"/>
+    </dgm:scene3d>
+    <dgm:sp3d/>
+    <dgm:txPr/>
+    <dgm:style>
+      <a:lnRef idx="2">
+        <a:scrgbClr r="0" g="0" b="0"/>
+      </a:lnRef>
+      <a:fillRef idx="1">
+        <a:scrgbClr r="0" g="0" b="0"/>
+      </a:fillRef>
+      <a:effectRef idx="0">
+        <a:scrgbClr r="0" g="0" b="0"/>
+      </a:effectRef>
+      <a:fontRef idx="minor">
+        <a:schemeClr val="lt1"/>
+      </a:fontRef>
+    </dgm:style>
+  </dgm:styleLbl>
+  <dgm:styleLbl name="asst2">
+    <dgm:scene3d>
+      <a:camera prst="orthographicFront"/>
+      <a:lightRig rig="threePt" dir="t"/>
+    </dgm:scene3d>
+    <dgm:sp3d/>
+    <dgm:txPr/>
+    <dgm:style>
+      <a:lnRef idx="2">
+        <a:scrgbClr r="0" g="0" b="0"/>
+      </a:lnRef>
+      <a:fillRef idx="1">
+        <a:scrgbClr r="0" g="0" b="0"/>
+      </a:fillRef>
+      <a:effectRef idx="0">
+        <a:scrgbClr r="0" g="0" b="0"/>
+      </a:effectRef>
+      <a:fontRef idx="minor">
+        <a:schemeClr val="lt1"/>
+      </a:fontRef>
+    </dgm:style>
+  </dgm:styleLbl>
+  <dgm:styleLbl name="asst3">
+    <dgm:scene3d>
+      <a:camera prst="orthographicFront"/>
+      <a:lightRig rig="threePt" dir="t"/>
+    </dgm:scene3d>
+    <dgm:sp3d/>
+    <dgm:txPr/>
+    <dgm:style>
+      <a:lnRef idx="2">
+        <a:scrgbClr r="0" g="0" b="0"/>
+      </a:lnRef>
+      <a:fillRef idx="1">
+        <a:scrgbClr r="0" g="0" b="0"/>
+      </a:fillRef>
+      <a:effectRef idx="0">
+        <a:scrgbClr r="0" g="0" b="0"/>
+      </a:effectRef>
+      <a:fontRef idx="minor">
+        <a:schemeClr val="lt1"/>
+      </a:fontRef>
+    </dgm:style>
+  </dgm:styleLbl>
+  <dgm:styleLbl name="asst4">
+    <dgm:scene3d>
+      <a:camera prst="orthographicFront"/>
+      <a:lightRig rig="threePt" dir="t"/>
+    </dgm:scene3d>
+    <dgm:sp3d/>
+    <dgm:txPr/>
+    <dgm:style>
+      <a:lnRef idx="2">
+        <a:scrgbClr r="0" g="0" b="0"/>
+      </a:lnRef>
+      <a:fillRef idx="1">
+        <a:scrgbClr r="0" g="0" b="0"/>
+      </a:fillRef>
+      <a:effectRef idx="0">
+        <a:scrgbClr r="0" g="0" b="0"/>
+      </a:effectRef>
+      <a:fontRef idx="minor">
+        <a:schemeClr val="lt1"/>
+      </a:fontRef>
+    </dgm:style>
+  </dgm:styleLbl>
+  <dgm:styleLbl name="parChTrans2D1">
+    <dgm:scene3d>
+      <a:camera prst="orthographicFront"/>
+      <a:lightRig rig="threePt" dir="t"/>
+    </dgm:scene3d>
+    <dgm:sp3d/>
+    <dgm:txPr/>
+    <dgm:style>
+      <a:lnRef idx="2">
+        <a:scrgbClr r="0" g="0" b="0"/>
+      </a:lnRef>
+      <a:fillRef idx="1">
+        <a:scrgbClr r="0" g="0" b="0"/>
+      </a:fillRef>
+      <a:effectRef idx="0">
+        <a:scrgbClr r="0" g="0" b="0"/>
+      </a:effectRef>
+      <a:fontRef idx="minor">
+        <a:schemeClr val="lt1"/>
+      </a:fontRef>
+    </dgm:style>
+  </dgm:styleLbl>
+  <dgm:styleLbl name="parChTrans2D2">
+    <dgm:scene3d>
+      <a:camera prst="orthographicFront"/>
+      <a:lightRig rig="threePt" dir="t"/>
+    </dgm:scene3d>
+    <dgm:sp3d/>
+    <dgm:txPr/>
+    <dgm:style>
+      <a:lnRef idx="2">
+        <a:scrgbClr r="0" g="0" b="0"/>
+      </a:lnRef>
+      <a:fillRef idx="1">
+        <a:scrgbClr r="0" g="0" b="0"/>
+      </a:fillRef>
+      <a:effectRef idx="0">
+        <a:scrgbClr r="0" g="0" b="0"/>
+      </a:effectRef>
+      <a:fontRef idx="minor">
+        <a:schemeClr val="lt1"/>
+      </a:fontRef>
+    </dgm:style>
+  </dgm:styleLbl>
+  <dgm:styleLbl name="parChTrans2D3">
+    <dgm:scene3d>
+      <a:camera prst="orthographicFront"/>
+      <a:lightRig rig="threePt" dir="t"/>
+    </dgm:scene3d>
+    <dgm:sp3d/>
+    <dgm:txPr/>
+    <dgm:style>
+      <a:lnRef idx="2">
+        <a:scrgbClr r="0" g="0" b="0"/>
+      </a:lnRef>
+      <a:fillRef idx="1">
+        <a:scrgbClr r="0" g="0" b="0"/>
+      </a:fillRef>
+      <a:effectRef idx="0">
+        <a:scrgbClr r="0" g="0" b="0"/>
+      </a:effectRef>
+      <a:fontRef idx="minor">
+        <a:schemeClr val="lt1"/>
+      </a:fontRef>
+    </dgm:style>
+  </dgm:styleLbl>
+  <dgm:styleLbl name="parChTrans2D4">
+    <dgm:scene3d>
+      <a:camera prst="orthographicFront"/>
+      <a:lightRig rig="threePt" dir="t"/>
+    </dgm:scene3d>
+    <dgm:sp3d/>
+    <dgm:txPr/>
+    <dgm:style>
+      <a:lnRef idx="2">
+        <a:scrgbClr r="0" g="0" b="0"/>
+      </a:lnRef>
+      <a:fillRef idx="1">
+        <a:scrgbClr r="0" g="0" b="0"/>
+      </a:fillRef>
+      <a:effectRef idx="0">
+        <a:scrgbClr r="0" g="0" b="0"/>
+      </a:effectRef>
+      <a:fontRef idx="minor">
+        <a:schemeClr val="lt1"/>
+      </a:fontRef>
+    </dgm:style>
+  </dgm:styleLbl>
+  <dgm:styleLbl name="parChTrans1D1">
+    <dgm:scene3d>
+      <a:camera prst="orthographicFront"/>
+      <a:lightRig rig="threePt" dir="t"/>
+    </dgm:scene3d>
+    <dgm:sp3d/>
+    <dgm:txPr/>
+    <dgm:style>
+      <a:lnRef idx="2">
+        <a:scrgbClr r="0" g="0" b="0"/>
+      </a:lnRef>
+      <a:fillRef idx="0">
+        <a:scrgbClr r="0" g="0" b="0"/>
+      </a:fillRef>
+      <a:effectRef idx="0">
+        <a:scrgbClr r="0" g="0" b="0"/>
+      </a:effectRef>
+      <a:fontRef idx="minor"/>
+    </dgm:style>
+  </dgm:styleLbl>
+  <dgm:styleLbl name="parChTrans1D2">
+    <dgm:scene3d>
+      <a:camera prst="orthographicFront"/>
+      <a:lightRig rig="threePt" dir="t"/>
+    </dgm:scene3d>
+    <dgm:sp3d/>
+    <dgm:txPr/>
+    <dgm:style>
+      <a:lnRef idx="2">
+        <a:scrgbClr r="0" g="0" b="0"/>
+      </a:lnRef>
+      <a:fillRef idx="0">
+        <a:scrgbClr r="0" g="0" b="0"/>
+      </a:fillRef>
+      <a:effectRef idx="0">
+        <a:scrgbClr r="0" g="0" b="0"/>
+      </a:effectRef>
+      <a:fontRef idx="minor"/>
+    </dgm:style>
+  </dgm:styleLbl>
+  <dgm:styleLbl name="parChTrans1D3">
+    <dgm:scene3d>
+      <a:camera prst="orthographicFront"/>
+      <a:lightRig rig="threePt" dir="t"/>
+    </dgm:scene3d>
+    <dgm:sp3d/>
+    <dgm:txPr/>
+    <dgm:style>
+      <a:lnRef idx="2">
+        <a:scrgbClr r="0" g="0" b="0"/>
+      </a:lnRef>
+      <a:fillRef idx="0">
+        <a:scrgbClr r="0" g="0" b="0"/>
+      </a:fillRef>
+      <a:effectRef idx="0">
+        <a:scrgbClr r="0" g="0" b="0"/>
+      </a:effectRef>
+      <a:fontRef idx="minor"/>
+    </dgm:style>
+  </dgm:styleLbl>
+  <dgm:styleLbl name="parChTrans1D4">
+    <dgm:scene3d>
+      <a:camera prst="orthographicFront"/>
+      <a:lightRig rig="threePt" dir="t"/>
+    </dgm:scene3d>
+    <dgm:sp3d/>
+    <dgm:txPr/>
+    <dgm:style>
+      <a:lnRef idx="2">
+        <a:scrgbClr r="0" g="0" b="0"/>
+      </a:lnRef>
+      <a:fillRef idx="0">
+        <a:scrgbClr r="0" g="0" b="0"/>
+      </a:fillRef>
+      <a:effectRef idx="0">
+        <a:scrgbClr r="0" g="0" b="0"/>
+      </a:effectRef>
+      <a:fontRef idx="minor"/>
+    </dgm:style>
+  </dgm:styleLbl>
+  <dgm:styleLbl name="fgAcc1">
+    <dgm:scene3d>
+      <a:camera prst="orthographicFront"/>
+      <a:lightRig rig="threePt" dir="t"/>
+    </dgm:scene3d>
+    <dgm:sp3d/>
+    <dgm:txPr/>
+    <dgm:style>
+      <a:lnRef idx="2">
+        <a:scrgbClr r="0" g="0" b="0"/>
+      </a:lnRef>
+      <a:fillRef idx="1">
+        <a:scrgbClr r="0" g="0" b="0"/>
+      </a:fillRef>
+      <a:effectRef idx="0">
+        <a:scrgbClr r="0" g="0" b="0"/>
+      </a:effectRef>
+      <a:fontRef idx="minor"/>
+    </dgm:style>
+  </dgm:styleLbl>
+  <dgm:styleLbl name="conFgAcc1">
+    <dgm:scene3d>
+      <a:camera prst="orthographicFront"/>
+      <a:lightRig rig="threePt" dir="t"/>
+    </dgm:scene3d>
+    <dgm:sp3d/>
+    <dgm:txPr/>
+    <dgm:style>
+      <a:lnRef idx="2">
+        <a:scrgbClr r="0" g="0" b="0"/>
+      </a:lnRef>
+      <a:fillRef idx="1">
+        <a:scrgbClr r="0" g="0" b="0"/>
+      </a:fillRef>
+      <a:effectRef idx="0">
+        <a:scrgbClr r="0" g="0" b="0"/>
+      </a:effectRef>
+      <a:fontRef idx="minor"/>
+    </dgm:style>
+  </dgm:styleLbl>
+  <dgm:styleLbl name="alignAcc1">
+    <dgm:scene3d>
+      <a:camera prst="orthographicFront"/>
+      <a:lightRig rig="threePt" dir="t"/>
+    </dgm:scene3d>
+    <dgm:sp3d/>
+    <dgm:txPr/>
+    <dgm:style>
+      <a:lnRef idx="2">
+        <a:scrgbClr r="0" g="0" b="0"/>
+      </a:lnRef>
+      <a:fillRef idx="1">
+        <a:scrgbClr r="0" g="0" b="0"/>
+      </a:fillRef>
+      <a:effectRef idx="0">
+        <a:scrgbClr r="0" g="0" b="0"/>
+      </a:effectRef>
+      <a:fontRef idx="minor"/>
+    </dgm:style>
+  </dgm:styleLbl>
+  <dgm:styleLbl name="trAlignAcc1">
+    <dgm:scene3d>
+      <a:camera prst="orthographicFront"/>
+      <a:lightRig rig="threePt" dir="t"/>
+    </dgm:scene3d>
+    <dgm:sp3d/>
+    <dgm:txPr/>
+    <dgm:style>
+      <a:lnRef idx="1">
+        <a:scrgbClr r="0" g="0" b="0"/>
+      </a:lnRef>
+      <a:fillRef idx="1">
+        <a:scrgbClr r="0" g="0" b="0"/>
+      </a:fillRef>
+      <a:effectRef idx="0">
+        <a:scrgbClr r="0" g="0" b="0"/>
+      </a:effectRef>
+      <a:fontRef idx="minor"/>
+    </dgm:style>
+  </dgm:styleLbl>
+  <dgm:styleLbl name="bgAcc1">
+    <dgm:scene3d>
+      <a:camera prst="orthographicFront"/>
+      <a:lightRig rig="threePt" dir="t"/>
+    </dgm:scene3d>
+    <dgm:sp3d/>
+    <dgm:txPr/>
+    <dgm:style>
+      <a:lnRef idx="2">
+        <a:scrgbClr r="0" g="0" b="0"/>
+      </a:lnRef>
+      <a:fillRef idx="1">
+        <a:scrgbClr r="0" g="0" b="0"/>
+      </a:fillRef>
+      <a:effectRef idx="0">
+        <a:scrgbClr r="0" g="0" b="0"/>
+      </a:effectRef>
+      <a:fontRef idx="minor"/>
+    </dgm:style>
+  </dgm:styleLbl>
+  <dgm:styleLbl name="solidFgAcc1">
+    <dgm:scene3d>
+      <a:camera prst="orthographicFront"/>
+      <a:lightRig rig="threePt" dir="t"/>
+    </dgm:scene3d>
+    <dgm:sp3d/>
+    <dgm:txPr/>
+    <dgm:style>
+      <a:lnRef idx="2">
+        <a:scrgbClr r="0" g="0" b="0"/>
+      </a:lnRef>
+      <a:fillRef idx="1">
+        <a:scrgbClr r="0" g="0" b="0"/>
+      </a:fillRef>
+      <a:effectRef idx="0">
+        <a:scrgbClr r="0" g="0" b="0"/>
+      </a:effectRef>
+      <a:fontRef idx="minor"/>
+    </dgm:style>
+  </dgm:styleLbl>
+  <dgm:styleLbl name="solidAlignAcc1">
+    <dgm:scene3d>
+      <a:camera prst="orthographicFront"/>
+      <a:lightRig rig="threePt" dir="t"/>
+    </dgm:scene3d>
+    <dgm:sp3d/>
+    <dgm:txPr/>
+    <dgm:style>
+      <a:lnRef idx="2">
+        <a:scrgbClr r="0" g="0" b="0"/>
+      </a:lnRef>
+      <a:fillRef idx="1">
+        <a:scrgbClr r="0" g="0" b="0"/>
+      </a:fillRef>
+      <a:effectRef idx="0">
+        <a:scrgbClr r="0" g="0" b="0"/>
+      </a:effectRef>
+      <a:fontRef idx="minor"/>
+    </dgm:style>
+  </dgm:styleLbl>
+  <dgm:styleLbl name="solidBgAcc1">
+    <dgm:scene3d>
+      <a:camera prst="orthographicFront"/>
+      <a:lightRig rig="threePt" dir="t"/>
+    </dgm:scene3d>
+    <dgm:sp3d/>
+    <dgm:txPr/>
+    <dgm:style>
+      <a:lnRef idx="2">
+        <a:scrgbClr r="0" g="0" b="0"/>
+      </a:lnRef>
+      <a:fillRef idx="1">
+        <a:scrgbClr r="0" g="0" b="0"/>
+      </a:fillRef>
+      <a:effectRef idx="0">
+        <a:scrgbClr r="0" g="0" b="0"/>
+      </a:effectRef>
+      <a:fontRef idx="minor"/>
+    </dgm:style>
+  </dgm:styleLbl>
+  <dgm:styleLbl name="fgAccFollowNode1">
+    <dgm:scene3d>
+      <a:camera prst="orthographicFront"/>
+      <a:lightRig rig="threePt" dir="t"/>
+    </dgm:scene3d>
+    <dgm:sp3d/>
+    <dgm:txPr/>
+    <dgm:style>
+      <a:lnRef idx="2">
+        <a:scrgbClr r="0" g="0" b="0"/>
+      </a:lnRef>
+      <a:fillRef idx="1">
+        <a:scrgbClr r="0" g="0" b="0"/>
+      </a:fillRef>
+      <a:effectRef idx="0">
+        <a:scrgbClr r="0" g="0" b="0"/>
+      </a:effectRef>
+      <a:fontRef idx="minor"/>
+    </dgm:style>
+  </dgm:styleLbl>
+  <dgm:styleLbl name="alignAccFollowNode1">
+    <dgm:scene3d>
+      <a:camera prst="orthographicFront"/>
+      <a:lightRig rig="threePt" dir="t"/>
+    </dgm:scene3d>
+    <dgm:sp3d/>
+    <dgm:txPr/>
+    <dgm:style>
+      <a:lnRef idx="2">
+        <a:scrgbClr r="0" g="0" b="0"/>
+      </a:lnRef>
+      <a:fillRef idx="1">
+        <a:scrgbClr r="0" g="0" b="0"/>
+      </a:fillRef>
+      <a:effectRef idx="0">
+        <a:scrgbClr r="0" g="0" b="0"/>
+      </a:effectRef>
+      <a:fontRef idx="minor"/>
+    </dgm:style>
+  </dgm:styleLbl>
+  <dgm:styleLbl name="bgAccFollowNode1">
+    <dgm:scene3d>
+      <a:camera prst="orthographicFront"/>
+      <a:lightRig rig="threePt" dir="t"/>
+    </dgm:scene3d>
+    <dgm:sp3d/>
+    <dgm:txPr/>
+    <dgm:style>
+      <a:lnRef idx="2">
+        <a:scrgbClr r="0" g="0" b="0"/>
+      </a:lnRef>
+      <a:fillRef idx="1">
+        <a:scrgbClr r="0" g="0" b="0"/>
+      </a:fillRef>
+      <a:effectRef idx="0">
+        <a:scrgbClr r="0" g="0" b="0"/>
+      </a:effectRef>
+      <a:fontRef idx="minor"/>
+    </dgm:style>
+  </dgm:styleLbl>
+  <dgm:styleLbl name="fgAcc0">
+    <dgm:scene3d>
+      <a:camera prst="orthographicFront"/>
+      <a:lightRig rig="threePt" dir="t"/>
+    </dgm:scene3d>
+    <dgm:sp3d/>
+    <dgm:txPr/>
+    <dgm:style>
+      <a:lnRef idx="2">
+        <a:scrgbClr r="0" g="0" b="0"/>
+      </a:lnRef>
+      <a:fillRef idx="1">
+        <a:scrgbClr r="0" g="0" b="0"/>
+      </a:fillRef>
+      <a:effectRef idx="0">
+        <a:scrgbClr r="0" g="0" b="0"/>
+      </a:effectRef>
+      <a:fontRef idx="minor"/>
+    </dgm:style>
+  </dgm:styleLbl>
+  <dgm:styleLbl name="fgAcc2">
+    <dgm:scene3d>
+      <a:camera prst="orthographicFront"/>
+      <a:lightRig rig="threePt" dir="t"/>
+    </dgm:scene3d>
+    <dgm:sp3d/>
+    <dgm:txPr/>
+    <dgm:style>
+      <a:lnRef idx="2">
+        <a:scrgbClr r="0" g="0" b="0"/>
+      </a:lnRef>
+      <a:fillRef idx="1">
+        <a:scrgbClr r="0" g="0" b="0"/>
+      </a:fillRef>
+      <a:effectRef idx="0">
+        <a:scrgbClr r="0" g="0" b="0"/>
+      </a:effectRef>
+      <a:fontRef idx="minor"/>
+    </dgm:style>
+  </dgm:styleLbl>
+  <dgm:styleLbl name="fgAcc3">
+    <dgm:scene3d>
+      <a:camera prst="orthographicFront"/>
+      <a:lightRig rig="threePt" dir="t"/>
+    </dgm:scene3d>
+    <dgm:sp3d/>
+    <dgm:txPr/>
+    <dgm:style>
+      <a:lnRef idx="2">
+        <a:scrgbClr r="0" g="0" b="0"/>
+      </a:lnRef>
+      <a:fillRef idx="1">
+        <a:scrgbClr r="0" g="0" b="0"/>
+      </a:fillRef>
+      <a:effectRef idx="0">
+        <a:scrgbClr r="0" g="0" b="0"/>
+      </a:effectRef>
+      <a:fontRef idx="minor"/>
+    </dgm:style>
+  </dgm:styleLbl>
+  <dgm:styleLbl name="fgAcc4">
+    <dgm:scene3d>
+      <a:camera prst="orthographicFront"/>
+      <a:lightRig rig="threePt" dir="t"/>
+    </dgm:scene3d>
+    <dgm:sp3d/>
+    <dgm:txPr/>
+    <dgm:style>
+      <a:lnRef idx="2">
+        <a:scrgbClr r="0" g="0" b="0"/>
+      </a:lnRef>
+      <a:fillRef idx="1">
+        <a:scrgbClr r="0" g="0" b="0"/>
+      </a:fillRef>
+      <a:effectRef idx="0">
+        <a:scrgbClr r="0" g="0" b="0"/>
+      </a:effectRef>
+      <a:fontRef idx="minor"/>
+    </dgm:style>
+  </dgm:styleLbl>
+  <dgm:styleLbl name="bgShp">
+    <dgm:scene3d>
+      <a:camera prst="orthographicFront"/>
+      <a:lightRig rig="threePt" dir="t"/>
+    </dgm:scene3d>
+    <dgm:sp3d/>
+    <dgm:txPr/>
+    <dgm:style>
+      <a:lnRef idx="0">
+        <a:scrgbClr r="0" g="0" b="0"/>
+      </a:lnRef>
+      <a:fillRef idx="1">
+        <a:scrgbClr r="0" g="0" b="0"/>
+      </a:fillRef>
+      <a:effectRef idx="0">
+        <a:scrgbClr r="0" g="0" b="0"/>
+      </a:effectRef>
+      <a:fontRef idx="minor"/>
+    </dgm:style>
+  </dgm:styleLbl>
+  <dgm:styleLbl name="dkBgShp">
+    <dgm:scene3d>
+      <a:camera prst="orthographicFront"/>
+      <a:lightRig rig="threePt" dir="t"/>
+    </dgm:scene3d>
+    <dgm:sp3d/>
+    <dgm:txPr/>
+    <dgm:style>
+      <a:lnRef idx="0">
+        <a:scrgbClr r="0" g="0" b="0"/>
+      </a:lnRef>
+      <a:fillRef idx="1">
+        <a:scrgbClr r="0" g="0" b="0"/>
+      </a:fillRef>
+      <a:effectRef idx="0">
+        <a:scrgbClr r="0" g="0" b="0"/>
+      </a:effectRef>
+      <a:fontRef idx="minor"/>
+    </dgm:style>
+  </dgm:styleLbl>
+  <dgm:styleLbl name="trBgShp">
+    <dgm:scene3d>
+      <a:camera prst="orthographicFront"/>
+      <a:lightRig rig="threePt" dir="t"/>
+    </dgm:scene3d>
+    <dgm:sp3d/>
+    <dgm:txPr/>
+    <dgm:style>
+      <a:lnRef idx="0">
+        <a:scrgbClr r="0" g="0" b="0"/>
+      </a:lnRef>
+      <a:fillRef idx="1">
+        <a:scrgbClr r="0" g="0" b="0"/>
+      </a:fillRef>
+      <a:effectRef idx="0">
+        <a:scrgbClr r="0" g="0" b="0"/>
+      </a:effectRef>
+      <a:fontRef idx="minor"/>
+    </dgm:style>
+  </dgm:styleLbl>
+  <dgm:styleLbl name="fgShp">
+    <dgm:scene3d>
+      <a:camera prst="orthographicFront"/>
+      <a:lightRig rig="threePt" dir="t"/>
+    </dgm:scene3d>
+    <dgm:sp3d/>
+    <dgm:txPr/>
+    <dgm:style>
+      <a:lnRef idx="2">
+        <a:scrgbClr r="0" g="0" b="0"/>
+      </a:lnRef>
+      <a:fillRef idx="1">
+        <a:scrgbClr r="0" g="0" b="0"/>
+      </a:fillRef>
+      <a:effectRef idx="0">
+        <a:scrgbClr r="0" g="0" b="0"/>
+      </a:effectRef>
+      <a:fontRef idx="minor"/>
+    </dgm:style>
+  </dgm:styleLbl>
+  <dgm:styleLbl name="revTx">
+    <dgm:scene3d>
+      <a:camera prst="orthographicFront"/>
+      <a:lightRig rig="threePt" dir="t"/>
+    </dgm:scene3d>
+    <dgm:sp3d/>
+    <dgm:txPr/>
+    <dgm:style>
+      <a:lnRef idx="0">
+        <a:scrgbClr r="0" g="0" b="0"/>
+      </a:lnRef>
+      <a:fillRef idx="0">
+        <a:scrgbClr r="0" g="0" b="0"/>
+      </a:fillRef>
+      <a:effectRef idx="0">
+        <a:scrgbClr r="0" g="0" b="0"/>
+      </a:effectRef>
+      <a:fontRef idx="minor"/>
+    </dgm:style>
+  </dgm:styleLbl>
+</dgm:styleDef>
+</file>
+
 <file path=ppt/notesMasters/notesMaster1.xml><?xml version="1.0" encoding="utf-8"?>
 <p:notesMaster xmlns:a="http://schemas.openxmlformats.org/drawingml/2006/main" xmlns:r="http://schemas.openxmlformats.org/officeDocument/2006/relationships" xmlns:p="http://schemas.openxmlformats.org/presentationml/2006/main">
   <p:cSld>
@@ -14996,6 +21477,99 @@
 </p:notes>
 </file>
 
+<file path=ppt/notesSlides/notesSlide10.xml><?xml version="1.0" encoding="utf-8"?>
+<p:notes xmlns:a="http://schemas.openxmlformats.org/drawingml/2006/main" xmlns:r="http://schemas.openxmlformats.org/officeDocument/2006/relationships" xmlns:p="http://schemas.openxmlformats.org/presentationml/2006/main">
+  <p:cSld>
+    <p:spTree>
+      <p:nvGrpSpPr>
+        <p:cNvPr id="1" name=""/>
+        <p:cNvGrpSpPr/>
+        <p:nvPr/>
+      </p:nvGrpSpPr>
+      <p:grpSpPr>
+        <a:xfrm>
+          <a:off x="0" y="0"/>
+          <a:ext cx="0" cy="0"/>
+          <a:chOff x="0" y="0"/>
+          <a:chExt cx="0" cy="0"/>
+        </a:xfrm>
+      </p:grpSpPr>
+      <p:sp>
+        <p:nvSpPr>
+          <p:cNvPr id="2" name="Slide Image Placeholder 1"/>
+          <p:cNvSpPr>
+            <a:spLocks noGrp="1" noRot="1" noChangeAspect="1"/>
+          </p:cNvSpPr>
+          <p:nvPr>
+            <p:ph type="sldImg"/>
+          </p:nvPr>
+        </p:nvSpPr>
+        <p:spPr/>
+      </p:sp>
+      <p:sp>
+        <p:nvSpPr>
+          <p:cNvPr id="3" name="Notes Placeholder 2"/>
+          <p:cNvSpPr>
+            <a:spLocks noGrp="1"/>
+          </p:cNvSpPr>
+          <p:nvPr>
+            <p:ph type="body" idx="1"/>
+          </p:nvPr>
+        </p:nvSpPr>
+        <p:spPr/>
+        <p:txBody>
+          <a:bodyPr/>
+          <a:lstStyle/>
+          <a:p>
+            <a:r>
+              <a:rPr lang="en-US" dirty="0"/>
+              <a:t>We are starting from zero investment into this,</a:t>
+            </a:r>
+          </a:p>
+          <a:p>
+            <a:r>
+              <a:rPr lang="en-US" dirty="0"/>
+              <a:t>Now committing 0.4FTE of a PS2</a:t>
+            </a:r>
+          </a:p>
+        </p:txBody>
+      </p:sp>
+      <p:sp>
+        <p:nvSpPr>
+          <p:cNvPr id="4" name="Slide Number Placeholder 3"/>
+          <p:cNvSpPr>
+            <a:spLocks noGrp="1"/>
+          </p:cNvSpPr>
+          <p:nvPr>
+            <p:ph type="sldNum" sz="quarter" idx="5"/>
+          </p:nvPr>
+        </p:nvSpPr>
+        <p:spPr/>
+        <p:txBody>
+          <a:bodyPr/>
+          <a:lstStyle/>
+          <a:p>
+            <a:fld id="{EAF9EB4E-D50A-4CF1-9B06-457599E410FB}" type="slidenum">
+              <a:rPr lang="en-CA" smtClean="0"/>
+              <a:t>11</a:t>
+            </a:fld>
+            <a:endParaRPr lang="en-CA"/>
+          </a:p>
+        </p:txBody>
+      </p:sp>
+    </p:spTree>
+    <p:extLst>
+      <p:ext uri="{BB962C8B-B14F-4D97-AF65-F5344CB8AC3E}">
+        <p14:creationId xmlns:p14="http://schemas.microsoft.com/office/powerpoint/2010/main" val="3860902"/>
+      </p:ext>
+    </p:extLst>
+  </p:cSld>
+  <p:clrMapOvr>
+    <a:masterClrMapping/>
+  </p:clrMapOvr>
+</p:notes>
+</file>
+
 <file path=ppt/notesSlides/notesSlide2.xml><?xml version="1.0" encoding="utf-8"?>
 <p:notes xmlns:a="http://schemas.openxmlformats.org/drawingml/2006/main" xmlns:r="http://schemas.openxmlformats.org/officeDocument/2006/relationships" xmlns:p="http://schemas.openxmlformats.org/presentationml/2006/main">
   <p:cSld>
@@ -16686,6 +23260,15 @@
           <a:p>
             <a:r>
               <a:rPr lang="en-CA" sz="1200" b="0" dirty="0"/>
+              <a:t>My goal with this slide is to just share one idea that I have of how this product could be delivered </a:t>
+            </a:r>
+          </a:p>
+          <a:p>
+            <a:endParaRPr lang="en-CA" sz="1200" b="0" dirty="0"/>
+          </a:p>
+          <a:p>
+            <a:r>
+              <a:rPr lang="en-CA" sz="1200" b="0" dirty="0"/>
               <a:t>Business model, I see this as beyond the scope of my role, and I don’t want to spend a lot of time on this right now,  but I’ll offer some ideas</a:t>
             </a:r>
           </a:p>
@@ -16718,6 +23301,27 @@
           </a:p>
           <a:p>
             <a:endParaRPr lang="en-CA" sz="1200" b="0" dirty="0"/>
+          </a:p>
+          <a:p>
+            <a:endParaRPr lang="en-CA" sz="1200" b="0" dirty="0"/>
+          </a:p>
+          <a:p>
+            <a:r>
+              <a:rPr lang="en-CA" sz="1200" b="0" dirty="0"/>
+              <a:t>Teeter-totter</a:t>
+            </a:r>
+          </a:p>
+          <a:p>
+            <a:r>
+              <a:rPr lang="en-CA" sz="1200" b="0" dirty="0"/>
+              <a:t>-inexpensive to customer / low overhead, not time consuming</a:t>
+            </a:r>
+          </a:p>
+          <a:p>
+            <a:r>
+              <a:rPr lang="en-CA" sz="1200" b="0" dirty="0"/>
+              <a:t>-expensive to customer / very time consuming</a:t>
+            </a:r>
           </a:p>
           <a:p>
             <a:endParaRPr lang="en-CA" sz="1200" b="0" dirty="0"/>
@@ -17357,7 +23961,13 @@
   <p:cSld>
     <p:spTree>
       <p:nvGrpSpPr>
-        <p:cNvPr id="1" name=""/>
+        <p:cNvPr id="1" name="">
+          <a:extLst>
+            <a:ext uri="{FF2B5EF4-FFF2-40B4-BE49-F238E27FC236}">
+              <a16:creationId xmlns:a16="http://schemas.microsoft.com/office/drawing/2014/main" id="{AA3B26E0-9ED7-35CC-CF2C-73512DA450D2}"/>
+            </a:ext>
+          </a:extLst>
+        </p:cNvPr>
         <p:cNvGrpSpPr/>
         <p:nvPr/>
       </p:nvGrpSpPr>
@@ -17371,7 +23981,13 @@
       </p:grpSpPr>
       <p:sp>
         <p:nvSpPr>
-          <p:cNvPr id="2" name="Slide Image Placeholder 1"/>
+          <p:cNvPr id="2" name="Slide Image Placeholder 1">
+            <a:extLst>
+              <a:ext uri="{FF2B5EF4-FFF2-40B4-BE49-F238E27FC236}">
+                <a16:creationId xmlns:a16="http://schemas.microsoft.com/office/drawing/2014/main" id="{2048518D-C83F-E7DA-AB52-DC2C2F4F6281}"/>
+              </a:ext>
+            </a:extLst>
+          </p:cNvPr>
           <p:cNvSpPr>
             <a:spLocks noGrp="1" noRot="1" noChangeAspect="1"/>
           </p:cNvSpPr>
@@ -17383,7 +23999,13 @@
       </p:sp>
       <p:sp>
         <p:nvSpPr>
-          <p:cNvPr id="3" name="Notes Placeholder 2"/>
+          <p:cNvPr id="3" name="Notes Placeholder 2">
+            <a:extLst>
+              <a:ext uri="{FF2B5EF4-FFF2-40B4-BE49-F238E27FC236}">
+                <a16:creationId xmlns:a16="http://schemas.microsoft.com/office/drawing/2014/main" id="{A73C2684-845B-5C6B-8E95-9BB3FC2A040B}"/>
+              </a:ext>
+            </a:extLst>
+          </p:cNvPr>
           <p:cNvSpPr>
             <a:spLocks noGrp="1"/>
           </p:cNvSpPr>
@@ -17396,6 +24018,334 @@
           <a:bodyPr/>
           <a:lstStyle/>
           <a:p>
+            <a:r>
+              <a:rPr lang="en-CA" sz="1200" b="0" dirty="0"/>
+              <a:t>My goal with this slide is to just share one idea that I have of how this product could be delivered </a:t>
+            </a:r>
+          </a:p>
+          <a:p>
+            <a:endParaRPr lang="en-CA" sz="1200" b="0" dirty="0"/>
+          </a:p>
+          <a:p>
+            <a:r>
+              <a:rPr lang="en-CA" sz="1200" b="0" dirty="0"/>
+              <a:t>Business model, I see this as beyond the scope of my role, and I don’t want to spend a lot of time on this right now,  but I’ll offer some ideas</a:t>
+            </a:r>
+          </a:p>
+          <a:p>
+            <a:endParaRPr lang="en-CA" sz="1200" b="0" dirty="0"/>
+          </a:p>
+          <a:p>
+            <a:r>
+              <a:rPr lang="en-CA" sz="1200" b="0" dirty="0"/>
+              <a:t>A lot of the talk that I’ve heard around this work is how do we get the NSOs to fund it..</a:t>
+            </a:r>
+          </a:p>
+          <a:p>
+            <a:r>
+              <a:rPr lang="en-CA" sz="1200" b="0" dirty="0"/>
+              <a:t>My proposal would be to start with a different business model which is something more subscription based.</a:t>
+            </a:r>
+          </a:p>
+          <a:p>
+            <a:endParaRPr lang="en-CA" sz="1200" b="0" dirty="0"/>
+          </a:p>
+          <a:p>
+            <a:endParaRPr lang="en-CA" sz="1200" b="0" dirty="0"/>
+          </a:p>
+          <a:p>
+            <a:r>
+              <a:rPr lang="en-CA" sz="1200" b="0" dirty="0"/>
+              <a:t>So in this example there’s a monthly cost per athlete, and that can be scalable.</a:t>
+            </a:r>
+          </a:p>
+          <a:p>
+            <a:endParaRPr lang="en-CA" sz="1200" b="0" dirty="0"/>
+          </a:p>
+          <a:p>
+            <a:endParaRPr lang="en-CA" sz="1200" b="0" dirty="0"/>
+          </a:p>
+          <a:p>
+            <a:r>
+              <a:rPr lang="en-CA" sz="1200" b="0" dirty="0"/>
+              <a:t>Teeter-totter</a:t>
+            </a:r>
+          </a:p>
+          <a:p>
+            <a:r>
+              <a:rPr lang="en-CA" sz="1200" b="0" dirty="0"/>
+              <a:t>-inexpensive to customer / low overhead, not time consuming</a:t>
+            </a:r>
+          </a:p>
+          <a:p>
+            <a:r>
+              <a:rPr lang="en-CA" sz="1200" b="0" dirty="0"/>
+              <a:t>-expensive to customer / very time consuming</a:t>
+            </a:r>
+          </a:p>
+          <a:p>
+            <a:endParaRPr lang="en-CA" sz="1200" b="0" dirty="0"/>
+          </a:p>
+          <a:p>
+            <a:endParaRPr lang="en-CA" sz="1200" b="0" dirty="0"/>
+          </a:p>
+          <a:p>
+            <a:r>
+              <a:rPr lang="en-CA" sz="1200" b="0" dirty="0"/>
+              <a:t>In addition to the option of a monthly fee we could offer an upfront option, specifically for partner NSOs, and this would be priced strategically to allow us to have some guaranteed revenue and to allow the NSOs to know that they will be well supported and they have some cost certainty</a:t>
+            </a:r>
+          </a:p>
+          <a:p>
+            <a:endParaRPr lang="en-CA" sz="1200" b="0" dirty="0"/>
+          </a:p>
+          <a:p>
+            <a:endParaRPr lang="en-CA" sz="1200" b="0" dirty="0"/>
+          </a:p>
+          <a:p>
+            <a:r>
+              <a:rPr lang="en-CA" sz="1200" b="0" dirty="0"/>
+              <a:t>Offer a product that can be effective without a massive time commitment by our staff, but is made more effective proportionately with more time commitment and deeper integration with our staff and services.</a:t>
+            </a:r>
+          </a:p>
+          <a:p>
+            <a:r>
+              <a:rPr lang="en-CA" sz="1200" b="0" dirty="0"/>
+              <a:t>Chart: Bronze, Silver, Gold..</a:t>
+            </a:r>
+          </a:p>
+          <a:p>
+            <a:r>
+              <a:rPr lang="en-CA" sz="1200" b="0" dirty="0"/>
+              <a:t>	protocol, sessions, testing..</a:t>
+            </a:r>
+          </a:p>
+          <a:p>
+            <a:endParaRPr lang="en-CA" sz="1200" b="0" dirty="0"/>
+          </a:p>
+          <a:p>
+            <a:endParaRPr lang="en-CA" sz="1200" b="0" dirty="0"/>
+          </a:p>
+          <a:p>
+            <a:r>
+              <a:rPr lang="en-CA" sz="1200" b="0" dirty="0"/>
+              <a:t>So Bronze..</a:t>
+            </a:r>
+          </a:p>
+          <a:p>
+            <a:r>
+              <a:rPr lang="en-CA" sz="1200" b="0" dirty="0"/>
+              <a:t>So we’re offering a specialized service, we’re bringing in monthly revenue, and we are not making a huge time-commitment.</a:t>
+            </a:r>
+          </a:p>
+          <a:p>
+            <a:endParaRPr lang="en-CA" sz="1200" b="0" dirty="0"/>
+          </a:p>
+          <a:p>
+            <a:r>
+              <a:rPr lang="en-CA" sz="1200" b="0" dirty="0"/>
+              <a:t>However, we design it in such a way, and make it clear, that the more contact the athlete has with our staff and our services, the more effective the rehab will be..</a:t>
+            </a:r>
+          </a:p>
+          <a:p>
+            <a:endParaRPr lang="en-CA" sz="1200" b="0" dirty="0"/>
+          </a:p>
+          <a:p>
+            <a:endParaRPr lang="en-CA" sz="1200" b="0" dirty="0"/>
+          </a:p>
+          <a:p>
+            <a:r>
+              <a:rPr lang="en-CA" sz="1200" b="0" dirty="0"/>
+              <a:t>Gold package, is likely very similar to what we do now for our NSOs, which is a massive time commitment, and impossible for us to recoup anything close to the real value on what we deliver</a:t>
+            </a:r>
+          </a:p>
+          <a:p>
+            <a:endParaRPr lang="en-CA" sz="1200" b="0" dirty="0"/>
+          </a:p>
+          <a:p>
+            <a:endParaRPr lang="en-CA" sz="1200" b="0" dirty="0"/>
+          </a:p>
+          <a:p>
+            <a:endParaRPr lang="en-CA" sz="1200" b="0" dirty="0"/>
+          </a:p>
+          <a:p>
+            <a:endParaRPr lang="en-CA" sz="1200" b="0" dirty="0"/>
+          </a:p>
+          <a:p>
+            <a:endParaRPr lang="en-CA" sz="1200" b="0" dirty="0"/>
+          </a:p>
+          <a:p>
+            <a:r>
+              <a:rPr lang="en-CA" sz="1200" b="0" dirty="0"/>
+              <a:t>. This is something that can be applied to athletes from any of the identified target markets.  Just for an example, we develop a bronze package that gives the athlete access to the ACL protocol and they get 1 workout in our facility and 1 testing session per month.</a:t>
+            </a:r>
+          </a:p>
+          <a:p>
+            <a:endParaRPr lang="en-CA" sz="1200" b="0" dirty="0"/>
+          </a:p>
+          <a:p>
+            <a:r>
+              <a:rPr lang="en-CA" sz="1200" b="0" dirty="0"/>
+              <a:t>The reason I chose to use this example specifically, I think that the way to get value in the rehab field is to </a:t>
+            </a:r>
+          </a:p>
+          <a:p>
+            <a:endParaRPr lang="en-CA" sz="1200" b="1" dirty="0"/>
+          </a:p>
+          <a:p>
+            <a:r>
+              <a:rPr lang="en-CA" sz="1200" b="1" dirty="0"/>
+              <a:t>Hybrid business model</a:t>
+            </a:r>
+          </a:p>
+          <a:p>
+            <a:r>
+              <a:rPr lang="en-CA" sz="1200" b="0" dirty="0"/>
+              <a:t>NSOs (and others) invest in the program upfront </a:t>
+            </a:r>
+          </a:p>
+          <a:p>
+            <a:endParaRPr lang="en-CA" sz="1200" b="1" dirty="0"/>
+          </a:p>
+          <a:p>
+            <a:r>
+              <a:rPr lang="en-CA" sz="1200" b="1" dirty="0"/>
+              <a:t>Subscription</a:t>
+            </a:r>
+          </a:p>
+          <a:p>
+            <a:r>
+              <a:rPr lang="en-CA" sz="1200" b="0" dirty="0"/>
+              <a:t>I think it might work better for most as a subscription model.</a:t>
+            </a:r>
+          </a:p>
+          <a:p>
+            <a:r>
+              <a:rPr lang="en-CA" sz="1200" b="0" dirty="0"/>
+              <a:t>Maybe not the sport, since they would require “Gold” level service which should be extremely expensive.</a:t>
+            </a:r>
+          </a:p>
+          <a:p>
+            <a:endParaRPr lang="en-CA" sz="1200" b="0" dirty="0"/>
+          </a:p>
+          <a:p>
+            <a:endParaRPr lang="en-CA" sz="1200" b="1" dirty="0"/>
+          </a:p>
+          <a:p>
+            <a:endParaRPr lang="en-CA" sz="1200" b="1" dirty="0"/>
+          </a:p>
+          <a:p>
+            <a:endParaRPr lang="en-CA" sz="1200" b="1" dirty="0"/>
+          </a:p>
+          <a:p>
+            <a:endParaRPr lang="en-CA" sz="1200" b="1" dirty="0"/>
+          </a:p>
+          <a:p>
+            <a:endParaRPr lang="en-CA" sz="1200" b="1" dirty="0"/>
+          </a:p>
+          <a:p>
+            <a:endParaRPr lang="en-CA" sz="1200" b="1" dirty="0"/>
+          </a:p>
+          <a:p>
+            <a:endParaRPr lang="en-CA" sz="1200" b="1" dirty="0"/>
+          </a:p>
+          <a:p>
+            <a:r>
+              <a:rPr lang="en-CA" sz="1200" b="1" dirty="0"/>
+              <a:t>Pull together a draft top-level forecast of potential revenues and expenses into a draft budget</a:t>
+            </a:r>
+          </a:p>
+          <a:p>
+            <a:r>
+              <a:rPr lang="en-CA" sz="1200" b="1" dirty="0"/>
+              <a:t>Within the context of sport, show that in a not-for-profit model, there would be enough interest to support the solutions:</a:t>
+            </a:r>
+          </a:p>
+          <a:p>
+            <a:r>
+              <a:rPr lang="en-CA" sz="1200" b="0" dirty="0"/>
+              <a:t>-Interest is a funny word, it’s more like “need”.  Maybe some people are ”interested”</a:t>
+            </a:r>
+          </a:p>
+          <a:p>
+            <a:r>
+              <a:rPr lang="en-CA" sz="1200" b="0" dirty="0"/>
+              <a:t>-We will be doing rehabs either way</a:t>
+            </a:r>
+          </a:p>
+          <a:p>
+            <a:r>
+              <a:rPr lang="en-CA" sz="1200" b="0" dirty="0"/>
+              <a:t>	Even if we don’t care about doing it well for the sake of it…</a:t>
+            </a:r>
+          </a:p>
+          <a:p>
+            <a:r>
+              <a:rPr lang="en-CA" sz="1200" b="0" dirty="0"/>
+              <a:t>	We might as well do it in a highly organized manner</a:t>
+            </a:r>
+          </a:p>
+          <a:p>
+            <a:r>
+              <a:rPr lang="en-CA" sz="1200" b="0" dirty="0"/>
+              <a:t>-Build the thing, present it to them, convince NSOs to pay upfront</a:t>
+            </a:r>
+          </a:p>
+          <a:p>
+            <a:r>
+              <a:rPr lang="en-CA" sz="1200" b="0" dirty="0"/>
+              <a:t>	If someone gets hurt, the rehab is included in the agreement, and they know exactly what they 	are getting from the rehab.</a:t>
+            </a:r>
+          </a:p>
+          <a:p>
+            <a:r>
+              <a:rPr lang="en-CA" sz="1200" b="0" dirty="0"/>
+              <a:t>	Or they can pay the PN rate when someone gets injured..?</a:t>
+            </a:r>
+          </a:p>
+          <a:p>
+            <a:r>
+              <a:rPr lang="en-CA" sz="1200" b="0" dirty="0"/>
+              <a:t>	i.e. You pay $10k per year for full access OR you pay $20k for a 12 month rehab (this is a bargain for the full service including staff time commitment)</a:t>
+            </a:r>
+          </a:p>
+          <a:p>
+            <a:endParaRPr lang="en-US" b="1" dirty="0"/>
+          </a:p>
+          <a:p>
+            <a:endParaRPr lang="en-CA" sz="1200" dirty="0"/>
+          </a:p>
+          <a:p>
+            <a:endParaRPr lang="en-CA" sz="1200" dirty="0"/>
+          </a:p>
+          <a:p>
+            <a:r>
+              <a:rPr lang="en-CA" sz="1200" b="1" dirty="0"/>
+              <a:t>Is there enough revenues to cover costs in a sustainable manner?</a:t>
+            </a:r>
+          </a:p>
+          <a:p>
+            <a:r>
+              <a:rPr lang="en-CA" sz="1200" dirty="0"/>
+              <a:t>-I feel like it’s not PS job to collect revenue</a:t>
+            </a:r>
+          </a:p>
+          <a:p>
+            <a:r>
+              <a:rPr lang="en-CA" sz="1200" dirty="0"/>
+              <a:t>-Our job is to offer the best service possible, not to sell it or ensure collection of revenue</a:t>
+            </a:r>
+          </a:p>
+          <a:p>
+            <a:r>
+              <a:rPr lang="en-CA" sz="1200" dirty="0"/>
+              <a:t>-PS does the work to generate the revenue, the revenue just doesn’t always get collected</a:t>
+            </a:r>
+            <a:endParaRPr lang="en-US" dirty="0"/>
+          </a:p>
+          <a:p>
+            <a:endParaRPr lang="en-US" dirty="0"/>
+          </a:p>
+          <a:p>
             <a:endParaRPr lang="en-US" dirty="0"/>
           </a:p>
           <a:p>
@@ -17404,74 +24354,109 @@
           <a:p>
             <a:r>
               <a:rPr lang="en-US" dirty="0"/>
-              <a:t>In January the goal would be to have it at a point where collaboration can be most effective. So starting to get input and have discussions on the actual content of the protocol, and also the behind-the-scenes technical work to make sure that this is a professional, functional product that we can put out there with confidence.</a:t>
+              <a:t>AK:</a:t>
             </a:r>
-          </a:p>
-          <a:p>
-            <a:endParaRPr lang="en-US" dirty="0"/>
-          </a:p>
-          <a:p>
-            <a:endParaRPr lang="en-US" dirty="0"/>
-          </a:p>
-          <a:p>
-            <a:endParaRPr lang="en-US" dirty="0"/>
           </a:p>
           <a:p>
             <a:r>
               <a:rPr lang="en-US" dirty="0"/>
-              <a:t>Deliver a working product </a:t>
+              <a:t>-Our core business is supposed to be supporting Canadian high performance athletes.  This is a crucial part of supporting them</a:t>
             </a:r>
-            <a:r>
-              <a:rPr lang="en-US"/>
-              <a:t>in April</a:t>
-            </a:r>
           </a:p>
           <a:p>
             <a:endParaRPr lang="en-US" dirty="0"/>
-          </a:p>
-          <a:p>
-            <a:endParaRPr lang="en-US" dirty="0"/>
-          </a:p>
-          <a:p>
-            <a:endParaRPr lang="en-US" dirty="0"/>
-          </a:p>
-          <a:p>
-            <a:r>
-              <a:rPr lang="en-US" b="1" dirty="0"/>
-              <a:t>AK</a:t>
-            </a:r>
           </a:p>
           <a:p>
             <a:r>
               <a:rPr lang="en-US" dirty="0"/>
-              <a:t>-my proposal is far more internal.. I don’t think it’s productive to include all the stakeholders at this stage</a:t>
+              <a:t>-This would be the first comprehensive and open-source system within Canada</a:t>
             </a:r>
           </a:p>
           <a:p>
             <a:r>
               <a:rPr lang="en-US" dirty="0"/>
-              <a:t>-build a prototype</a:t>
+              <a:t>  -i.e. Izzy: that was just service delivery, there was never really a structured, scalable protocol</a:t>
             </a:r>
           </a:p>
           <a:p>
             <a:r>
               <a:rPr lang="en-US" dirty="0"/>
-              <a:t>-ensure it aligns with CSI policies and procedures and is feasible within those</a:t>
+              <a:t>-R&amp;D:</a:t>
             </a:r>
           </a:p>
           <a:p>
+            <a:r>
+              <a:rPr lang="en-US" dirty="0"/>
+              <a:t>   There are a lot of opportunities just from improving our data management.  R&amp;D doesn’t have to involve a Biodex.  It’s just a way to potentially fund it via grants etc.</a:t>
+            </a:r>
+          </a:p>
+          <a:p>
+            <a:r>
+              <a:rPr lang="en-US" dirty="0"/>
+              <a:t>-my proposal involves basically no cost, but it has a guaranteed outcome.  The protocol will be delivered.  It will be useable for any of our staff.  From there we can probably market to NSOs, can </a:t>
+            </a:r>
+          </a:p>
+          <a:p>
             <a:endParaRPr lang="en-US" dirty="0"/>
           </a:p>
           <a:p>
             <a:r>
-              <a:rPr lang="en-US" b="1" dirty="0"/>
-              <a:t>CH</a:t>
+              <a:rPr lang="en-US" dirty="0"/>
+              <a:t>-What is the cost to not doing this?  We keep having rehab cases to do, our practitioners work inefficiently to cover these on a case-by-case basis, we do not learn/grow/innovate, we do not have procedures in place to inform research and innovation, we have no way to properly value this service and the organization (and practitioners) do not get properly compensated.</a:t>
             </a:r>
           </a:p>
           <a:p>
+            <a:endParaRPr lang="en-US" dirty="0"/>
+          </a:p>
+          <a:p>
             <a:r>
-              <a:rPr lang="en-US" u="sng" dirty="0"/>
-              <a:t>Discovery and Planning (0-3 months)</a:t>
+              <a:rPr lang="en-US" dirty="0"/>
+              <a:t>-we can sell you the protocol for $x or $x per month, that is IP that has value on it’s own, but the product really takes off when it leverages it’s connection to our athlete management system and especially when it is delivered by own of our expert practitioners</a:t>
+            </a:r>
+          </a:p>
+          <a:p>
+            <a:endParaRPr lang="en-US" dirty="0"/>
+          </a:p>
+          <a:p>
+            <a:r>
+              <a:rPr lang="en-US" dirty="0"/>
+              <a:t>Bronze/Silver Package</a:t>
+            </a:r>
+          </a:p>
+          <a:p>
+            <a:r>
+              <a:rPr lang="en-US" dirty="0"/>
+              <a:t>(enough to fully engage with the protocol, but you pretty much do all the work on your own)</a:t>
+            </a:r>
+          </a:p>
+          <a:p>
+            <a:r>
+              <a:rPr lang="en-US" dirty="0"/>
+              <a:t>-website, program</a:t>
+            </a:r>
+          </a:p>
+          <a:p>
+            <a:r>
+              <a:rPr lang="en-US" dirty="0"/>
+              <a:t>-1 testing session per month</a:t>
+            </a:r>
+          </a:p>
+          <a:p>
+            <a:r>
+              <a:rPr lang="en-US" dirty="0"/>
+              <a:t>-1 training session per month</a:t>
+            </a:r>
+          </a:p>
+          <a:p>
+            <a:endParaRPr lang="en-US" dirty="0"/>
+          </a:p>
+          <a:p>
+            <a:endParaRPr lang="en-US" dirty="0"/>
+          </a:p>
+          <a:p>
+            <a:r>
+              <a:rPr lang="en-US" dirty="0"/>
+              <a:t>CH:</a:t>
             </a:r>
           </a:p>
           <a:p>
@@ -17489,12 +24474,12 @@
                 <a:ea typeface="+mn-ea"/>
                 <a:cs typeface="+mn-cs"/>
               </a:rPr>
-              <a:t>comprehensive stakeholder consultation and needs analysis</a:t>
+              <a:t>Increased and stable NSO and PSO investment in performance services</a:t>
             </a:r>
           </a:p>
           <a:p>
             <a:r>
-              <a:rPr lang="en-CA" sz="1200" i="1" kern="1200" dirty="0">
+              <a:rPr lang="en-CA" sz="1200" kern="1200" dirty="0">
                 <a:solidFill>
                   <a:schemeClr val="tx1"/>
                 </a:solidFill>
@@ -17503,7 +24488,31 @@
                 <a:ea typeface="+mn-ea"/>
                 <a:cs typeface="+mn-cs"/>
               </a:rPr>
-              <a:t>	-We discover that athletes sometimes get hurt and there is a lack of effective, structured protocols 	to support the rehab process and include all stakeholders</a:t>
+              <a:t>-strengthening stakeholder engagement </a:t>
+            </a:r>
+            <a:r>
+              <a:rPr lang="en-CA" sz="1200" kern="1200" dirty="0" err="1">
+                <a:solidFill>
+                  <a:schemeClr val="tx1"/>
+                </a:solidFill>
+                <a:effectLst/>
+                <a:latin typeface="+mn-lt"/>
+                <a:ea typeface="+mn-ea"/>
+                <a:cs typeface="+mn-cs"/>
+              </a:rPr>
+              <a:t>byfostering</a:t>
+            </a:r>
+            <a:r>
+              <a:rPr lang="en-CA" sz="1200" kern="1200" dirty="0">
+                <a:solidFill>
+                  <a:schemeClr val="tx1"/>
+                </a:solidFill>
+                <a:effectLst/>
+                <a:latin typeface="+mn-lt"/>
+                <a:ea typeface="+mn-ea"/>
+                <a:cs typeface="+mn-cs"/>
+              </a:rPr>
+              <a:t> collaboration with NSO and PSO partners</a:t>
             </a:r>
           </a:p>
           <a:p>
@@ -17525,7 +24534,11 @@
               <a:defRPr/>
             </a:pPr>
             <a:r>
-              <a:rPr lang="en-CA" sz="1200" b="0" u="sng" kern="1200" dirty="0">
+              <a:rPr lang="en-US" dirty="0"/>
+              <a:t>-scaled </a:t>
+            </a:r>
+            <a:r>
+              <a:rPr lang="en-CA" sz="1200" kern="1200" dirty="0">
                 <a:solidFill>
                   <a:schemeClr val="tx1"/>
                 </a:solidFill>
@@ -17534,10 +24547,10 @@
                 <a:ea typeface="+mn-ea"/>
                 <a:cs typeface="+mn-cs"/>
               </a:rPr>
-              <a:t>Phase 2: Design and Development </a:t>
+              <a:t>private pay RTP service for</a:t>
             </a:r>
             <a:r>
-              <a:rPr lang="en-CA" sz="1200" u="sng" kern="1200" dirty="0">
+              <a:rPr lang="en-US" sz="1200" kern="1200" dirty="0">
                 <a:solidFill>
                   <a:schemeClr val="tx1"/>
                 </a:solidFill>
@@ -17546,38 +24559,12 @@
                 <a:ea typeface="+mn-ea"/>
                 <a:cs typeface="+mn-cs"/>
               </a:rPr>
-              <a:t>(months 3–6)</a:t>
+              <a:t> PN</a:t>
             </a:r>
-            <a:endParaRPr lang="en-CA" sz="1200" i="1" u="sng" kern="1200" dirty="0">
-              <a:solidFill>
-                <a:schemeClr val="tx1"/>
-              </a:solidFill>
-              <a:effectLst/>
-              <a:latin typeface="+mn-lt"/>
-              <a:ea typeface="+mn-ea"/>
-              <a:cs typeface="+mn-cs"/>
-            </a:endParaRPr>
-          </a:p>
-          <a:p>
-            <a:pPr marL="0" marR="0" lvl="0" indent="0" algn="l" defTabSz="914400" rtl="0" eaLnBrk="1" fontAlgn="auto" latinLnBrk="0" hangingPunct="1">
-              <a:lnSpc>
-                <a:spcPct val="100000"/>
-              </a:lnSpc>
-              <a:spcBef>
-                <a:spcPts val="0"/>
-              </a:spcBef>
-              <a:spcAft>
-                <a:spcPts val="0"/>
-              </a:spcAft>
-              <a:buClrTx/>
-              <a:buSzTx/>
-              <a:buFontTx/>
-              <a:buNone/>
-              <a:tabLst/>
-              <a:defRPr/>
-            </a:pPr>
+          </a:p>
+          <a:p>
             <a:r>
-              <a:rPr lang="en-CA" sz="1200" i="1" kern="1200" dirty="0">
+              <a:rPr lang="en-US" sz="1200" kern="1200" dirty="0">
                 <a:solidFill>
                   <a:schemeClr val="tx1"/>
                 </a:solidFill>
@@ -17598,8 +24585,36 @@
                 <a:ea typeface="+mn-ea"/>
                 <a:cs typeface="+mn-cs"/>
               </a:rPr>
-              <a:t>facility enhancements will be planned</a:t>
+              <a:t>The population in Whistler is approaching 16,000 residents, with almost 30,000 in Squamish and 4,000 in Pemberton</a:t>
             </a:r>
+          </a:p>
+          <a:p>
+            <a:pPr marL="0" marR="0" lvl="0" indent="0" algn="l" defTabSz="914400" rtl="0" eaLnBrk="1" fontAlgn="auto" latinLnBrk="0" hangingPunct="1">
+              <a:lnSpc>
+                <a:spcPct val="100000"/>
+              </a:lnSpc>
+              <a:spcBef>
+                <a:spcPts val="0"/>
+              </a:spcBef>
+              <a:spcAft>
+                <a:spcPts val="0"/>
+              </a:spcAft>
+              <a:buClrTx/>
+              <a:buSzTx/>
+              <a:buFontTx/>
+              <a:buNone/>
+              <a:tabLst/>
+              <a:defRPr/>
+            </a:pPr>
+            <a:endParaRPr lang="en-CA" sz="1200" kern="1200" dirty="0">
+              <a:solidFill>
+                <a:schemeClr val="tx1"/>
+              </a:solidFill>
+              <a:effectLst/>
+              <a:latin typeface="+mn-lt"/>
+              <a:ea typeface="+mn-ea"/>
+              <a:cs typeface="+mn-cs"/>
+            </a:endParaRPr>
           </a:p>
           <a:p>
             <a:pPr marL="0" marR="0" lvl="0" indent="0" algn="l" defTabSz="914400" rtl="0" eaLnBrk="1" fontAlgn="auto" latinLnBrk="0" hangingPunct="1">
@@ -17629,7 +24644,7 @@
                 <a:ea typeface="+mn-ea"/>
                 <a:cs typeface="+mn-cs"/>
               </a:rPr>
-              <a:t>-Biodex isokinetic dynamometer equipment will be procured</a:t>
+              <a:t>-I think we build the protocol without a Biodex and then we can decide if and how we go about getting one later</a:t>
             </a:r>
           </a:p>
           <a:p>
@@ -17660,543 +24675,20 @@
                 <a:ea typeface="+mn-ea"/>
                 <a:cs typeface="+mn-cs"/>
               </a:rPr>
-              <a:t>-Operational guidelines and best practice protocols will be developed</a:t>
+              <a:t>	-grants, R&amp;D partnerships</a:t>
             </a:r>
-          </a:p>
-          <a:p>
-            <a:pPr marL="0" marR="0" lvl="0" indent="0" algn="l" defTabSz="914400" rtl="0" eaLnBrk="1" fontAlgn="auto" latinLnBrk="0" hangingPunct="1">
-              <a:lnSpc>
-                <a:spcPct val="100000"/>
-              </a:lnSpc>
-              <a:spcBef>
-                <a:spcPts val="0"/>
-              </a:spcBef>
-              <a:spcAft>
-                <a:spcPts val="0"/>
-              </a:spcAft>
-              <a:buClrTx/>
-              <a:buSzTx/>
-              <a:buFontTx/>
-              <a:buNone/>
-              <a:tabLst/>
-              <a:defRPr/>
-            </a:pPr>
-            <a:r>
-              <a:rPr lang="en-CA" sz="1200" kern="1200" dirty="0">
-                <a:solidFill>
-                  <a:schemeClr val="tx1"/>
-                </a:solidFill>
-                <a:effectLst/>
-                <a:latin typeface="+mn-lt"/>
-                <a:ea typeface="+mn-ea"/>
-                <a:cs typeface="+mn-cs"/>
-              </a:rPr>
-              <a:t>-staff training</a:t>
-            </a:r>
-          </a:p>
-          <a:p>
-            <a:r>
-              <a:rPr lang="en-CA" sz="1200" kern="1200" dirty="0">
-                <a:solidFill>
-                  <a:schemeClr val="tx1"/>
-                </a:solidFill>
-                <a:effectLst/>
-                <a:latin typeface="+mn-lt"/>
-                <a:ea typeface="+mn-ea"/>
-                <a:cs typeface="+mn-cs"/>
-              </a:rPr>
-              <a:t>-Establishing research partnerships with academic and clinical institutions</a:t>
-            </a:r>
-          </a:p>
-          <a:p>
-            <a:r>
-              <a:rPr lang="en-CA" sz="1200" kern="1200" dirty="0">
-                <a:solidFill>
-                  <a:schemeClr val="tx1"/>
-                </a:solidFill>
-                <a:effectLst/>
-                <a:latin typeface="+mn-lt"/>
-                <a:ea typeface="+mn-ea"/>
-                <a:cs typeface="+mn-cs"/>
-              </a:rPr>
-              <a:t>	</a:t>
-            </a:r>
-            <a:r>
-              <a:rPr lang="en-CA" sz="1200" i="1" kern="1200" dirty="0">
-                <a:solidFill>
-                  <a:schemeClr val="tx1"/>
-                </a:solidFill>
-                <a:effectLst/>
-                <a:latin typeface="+mn-lt"/>
-                <a:ea typeface="+mn-ea"/>
-                <a:cs typeface="+mn-cs"/>
-              </a:rPr>
-              <a:t>-Build the protocol document</a:t>
-            </a:r>
-          </a:p>
-          <a:p>
-            <a:r>
-              <a:rPr lang="en-CA" sz="1200" i="1" kern="1200" dirty="0">
-                <a:solidFill>
-                  <a:schemeClr val="tx1"/>
-                </a:solidFill>
-                <a:effectLst/>
-                <a:latin typeface="+mn-lt"/>
-                <a:ea typeface="+mn-ea"/>
-                <a:cs typeface="+mn-cs"/>
-              </a:rPr>
-              <a:t>	-Set up </a:t>
-            </a:r>
-            <a:r>
-              <a:rPr lang="en-CA" sz="1200" i="1" kern="1200" dirty="0" err="1">
-                <a:solidFill>
-                  <a:schemeClr val="tx1"/>
-                </a:solidFill>
-                <a:effectLst/>
-                <a:latin typeface="+mn-lt"/>
-                <a:ea typeface="+mn-ea"/>
-                <a:cs typeface="+mn-cs"/>
-              </a:rPr>
-              <a:t>Tindeq</a:t>
-            </a:r>
-            <a:endParaRPr lang="en-CA" sz="1200" i="1" kern="1200" dirty="0">
-              <a:solidFill>
-                <a:schemeClr val="tx1"/>
-              </a:solidFill>
-              <a:effectLst/>
-              <a:latin typeface="+mn-lt"/>
-              <a:ea typeface="+mn-ea"/>
-              <a:cs typeface="+mn-cs"/>
-            </a:endParaRPr>
-          </a:p>
-          <a:p>
-            <a:pPr marL="0" marR="0" lvl="0" indent="0" algn="l" defTabSz="914400" rtl="0" eaLnBrk="1" fontAlgn="auto" latinLnBrk="0" hangingPunct="1">
-              <a:lnSpc>
-                <a:spcPct val="100000"/>
-              </a:lnSpc>
-              <a:spcBef>
-                <a:spcPts val="0"/>
-              </a:spcBef>
-              <a:spcAft>
-                <a:spcPts val="0"/>
-              </a:spcAft>
-              <a:buClrTx/>
-              <a:buSzTx/>
-              <a:buFontTx/>
-              <a:buNone/>
-              <a:tabLst/>
-              <a:defRPr/>
-            </a:pPr>
-            <a:r>
-              <a:rPr lang="en-CA" sz="1200" b="0" u="sng" kern="1200" dirty="0">
-                <a:solidFill>
-                  <a:schemeClr val="tx1"/>
-                </a:solidFill>
-                <a:effectLst/>
-                <a:latin typeface="+mn-lt"/>
-                <a:ea typeface="+mn-ea"/>
-                <a:cs typeface="+mn-cs"/>
-              </a:rPr>
-              <a:t>Phase 3: Pilot Implementation and Testing (months 6–12)</a:t>
-            </a:r>
-          </a:p>
-          <a:p>
-            <a:r>
-              <a:rPr lang="en-CA" sz="1200" kern="1200" dirty="0">
-                <a:solidFill>
-                  <a:schemeClr val="tx1"/>
-                </a:solidFill>
-                <a:effectLst/>
-                <a:latin typeface="+mn-lt"/>
-                <a:ea typeface="+mn-ea"/>
-                <a:cs typeface="+mn-cs"/>
-              </a:rPr>
-              <a:t>-initial rollout of RTP services through a pilot program in collaboration with select winter sport NSOs</a:t>
-            </a:r>
-          </a:p>
-          <a:p>
-            <a:r>
-              <a:rPr lang="en-CA" sz="1200" kern="1200" dirty="0">
-                <a:solidFill>
-                  <a:schemeClr val="tx1"/>
-                </a:solidFill>
-                <a:effectLst/>
-                <a:latin typeface="+mn-lt"/>
-                <a:ea typeface="+mn-ea"/>
-                <a:cs typeface="+mn-cs"/>
-              </a:rPr>
-              <a:t>-development of RTP service packages accessible to the broader public via Performance Nation</a:t>
-            </a:r>
-          </a:p>
-          <a:p>
-            <a:endParaRPr lang="en-CA" sz="1200" kern="1200" dirty="0">
-              <a:solidFill>
-                <a:schemeClr val="tx1"/>
-              </a:solidFill>
-              <a:effectLst/>
-              <a:latin typeface="+mn-lt"/>
-              <a:ea typeface="+mn-ea"/>
-              <a:cs typeface="+mn-cs"/>
-            </a:endParaRPr>
-          </a:p>
-          <a:p>
-            <a:pPr marL="0" marR="0" lvl="0" indent="0" algn="l" defTabSz="914400" rtl="0" eaLnBrk="1" fontAlgn="auto" latinLnBrk="0" hangingPunct="1">
-              <a:lnSpc>
-                <a:spcPct val="100000"/>
-              </a:lnSpc>
-              <a:spcBef>
-                <a:spcPts val="0"/>
-              </a:spcBef>
-              <a:spcAft>
-                <a:spcPts val="0"/>
-              </a:spcAft>
-              <a:buClrTx/>
-              <a:buSzTx/>
-              <a:buFontTx/>
-              <a:buNone/>
-              <a:tabLst/>
-              <a:defRPr/>
-            </a:pPr>
-            <a:r>
-              <a:rPr lang="en-CA" sz="1200" b="0" u="sng" kern="1200" dirty="0">
-                <a:solidFill>
-                  <a:schemeClr val="tx1"/>
-                </a:solidFill>
-                <a:effectLst/>
-                <a:latin typeface="+mn-lt"/>
-                <a:ea typeface="+mn-ea"/>
-                <a:cs typeface="+mn-cs"/>
-              </a:rPr>
-              <a:t>Phase 4: Full-Scale Implementation and Launch (months 12–18)</a:t>
-            </a:r>
-          </a:p>
-          <a:p>
-            <a:r>
-              <a:rPr lang="en-CA" sz="1200" kern="1200" dirty="0">
-                <a:solidFill>
-                  <a:schemeClr val="tx1"/>
-                </a:solidFill>
-                <a:effectLst/>
-                <a:latin typeface="+mn-lt"/>
-                <a:ea typeface="+mn-ea"/>
-                <a:cs typeface="+mn-cs"/>
-              </a:rPr>
-              <a:t>-fully operational and accessible to all NSO and PSO partners as well as the public via Performance Nation</a:t>
-            </a:r>
-          </a:p>
-          <a:p>
-            <a:pPr marL="0" marR="0" lvl="0" indent="0" algn="l" defTabSz="914400" rtl="0" eaLnBrk="1" fontAlgn="auto" latinLnBrk="0" hangingPunct="1">
-              <a:lnSpc>
-                <a:spcPct val="100000"/>
-              </a:lnSpc>
-              <a:spcBef>
-                <a:spcPts val="0"/>
-              </a:spcBef>
-              <a:spcAft>
-                <a:spcPts val="0"/>
-              </a:spcAft>
-              <a:buClrTx/>
-              <a:buSzTx/>
-              <a:buFontTx/>
-              <a:buNone/>
-              <a:tabLst/>
-              <a:defRPr/>
-            </a:pPr>
-            <a:r>
-              <a:rPr lang="en-CA" sz="1200" kern="1200" dirty="0">
-                <a:solidFill>
-                  <a:schemeClr val="tx1"/>
-                </a:solidFill>
-                <a:effectLst/>
-                <a:latin typeface="+mn-lt"/>
-                <a:ea typeface="+mn-ea"/>
-                <a:cs typeface="+mn-cs"/>
-              </a:rPr>
-              <a:t>-comprehensive marketing and communication strategy</a:t>
-            </a:r>
-          </a:p>
-          <a:p>
-            <a:endParaRPr lang="en-CA" sz="1200" kern="1200" dirty="0">
-              <a:solidFill>
-                <a:schemeClr val="tx1"/>
-              </a:solidFill>
-              <a:effectLst/>
-              <a:latin typeface="+mn-lt"/>
-              <a:ea typeface="+mn-ea"/>
-              <a:cs typeface="+mn-cs"/>
-            </a:endParaRPr>
-          </a:p>
-          <a:p>
-            <a:pPr marL="0" marR="0" lvl="0" indent="0" algn="l" defTabSz="914400" rtl="0" eaLnBrk="1" fontAlgn="auto" latinLnBrk="0" hangingPunct="1">
-              <a:lnSpc>
-                <a:spcPct val="100000"/>
-              </a:lnSpc>
-              <a:spcBef>
-                <a:spcPts val="0"/>
-              </a:spcBef>
-              <a:spcAft>
-                <a:spcPts val="0"/>
-              </a:spcAft>
-              <a:buClrTx/>
-              <a:buSzTx/>
-              <a:buFontTx/>
-              <a:buNone/>
-              <a:tabLst/>
-              <a:defRPr/>
-            </a:pPr>
-            <a:r>
-              <a:rPr lang="en-CA" sz="1200" b="0" u="sng" kern="1200" dirty="0">
-                <a:solidFill>
-                  <a:schemeClr val="tx1"/>
-                </a:solidFill>
-                <a:effectLst/>
-                <a:latin typeface="+mn-lt"/>
-                <a:ea typeface="+mn-ea"/>
-                <a:cs typeface="+mn-cs"/>
-              </a:rPr>
-              <a:t>Phase 5: Evaluation and Continuous Improvement (ongoing)</a:t>
-            </a:r>
-          </a:p>
-          <a:p>
-            <a:r>
-              <a:rPr lang="en-CA" sz="1200" kern="1200" dirty="0">
-                <a:solidFill>
-                  <a:schemeClr val="tx1"/>
-                </a:solidFill>
-                <a:effectLst/>
-                <a:latin typeface="+mn-lt"/>
-                <a:ea typeface="+mn-ea"/>
-                <a:cs typeface="+mn-cs"/>
-              </a:rPr>
-              <a:t>-monitoring program outcomes against the established KPIs</a:t>
-            </a:r>
-          </a:p>
-          <a:p>
-            <a:r>
-              <a:rPr lang="en-CA" sz="1200" kern="1200" dirty="0">
-                <a:solidFill>
-                  <a:schemeClr val="tx1"/>
-                </a:solidFill>
-                <a:effectLst/>
-                <a:latin typeface="+mn-lt"/>
-                <a:ea typeface="+mn-ea"/>
-                <a:cs typeface="+mn-cs"/>
-              </a:rPr>
-              <a:t>-regular audits and impact assessments to evaluate effectiveness, refine protocols, and integrate emerging</a:t>
-            </a:r>
-          </a:p>
-          <a:p>
-            <a:r>
-              <a:rPr lang="en-CA" sz="1200" kern="1200" dirty="0">
-                <a:solidFill>
-                  <a:schemeClr val="tx1"/>
-                </a:solidFill>
-                <a:effectLst/>
-                <a:latin typeface="+mn-lt"/>
-                <a:ea typeface="+mn-ea"/>
-                <a:cs typeface="+mn-cs"/>
-              </a:rPr>
-              <a:t>technologies</a:t>
-            </a:r>
-          </a:p>
-          <a:p>
-            <a:pPr marL="0" marR="0" lvl="0" indent="0" algn="l" defTabSz="914400" rtl="0" eaLnBrk="1" fontAlgn="auto" latinLnBrk="0" hangingPunct="1">
-              <a:lnSpc>
-                <a:spcPct val="100000"/>
-              </a:lnSpc>
-              <a:spcBef>
-                <a:spcPts val="0"/>
-              </a:spcBef>
-              <a:spcAft>
-                <a:spcPts val="0"/>
-              </a:spcAft>
-              <a:buClrTx/>
-              <a:buSzTx/>
-              <a:buFontTx/>
-              <a:buNone/>
-              <a:tabLst/>
-              <a:defRPr/>
-            </a:pPr>
-            <a:endParaRPr lang="en-CA" sz="1200" kern="1200" dirty="0">
-              <a:solidFill>
-                <a:schemeClr val="tx1"/>
-              </a:solidFill>
-              <a:effectLst/>
-              <a:latin typeface="+mn-lt"/>
-              <a:ea typeface="+mn-ea"/>
-              <a:cs typeface="+mn-cs"/>
-            </a:endParaRPr>
-          </a:p>
-          <a:p>
-            <a:pPr marL="0" marR="0" lvl="0" indent="0" algn="l" defTabSz="914400" rtl="0" eaLnBrk="1" fontAlgn="auto" latinLnBrk="0" hangingPunct="1">
-              <a:lnSpc>
-                <a:spcPct val="100000"/>
-              </a:lnSpc>
-              <a:spcBef>
-                <a:spcPts val="0"/>
-              </a:spcBef>
-              <a:spcAft>
-                <a:spcPts val="0"/>
-              </a:spcAft>
-              <a:buClrTx/>
-              <a:buSzTx/>
-              <a:buFontTx/>
-              <a:buNone/>
-              <a:tabLst/>
-              <a:defRPr/>
-            </a:pPr>
-            <a:endParaRPr lang="en-CA" sz="1200" kern="1200" dirty="0">
-              <a:solidFill>
-                <a:schemeClr val="tx1"/>
-              </a:solidFill>
-              <a:effectLst/>
-              <a:latin typeface="+mn-lt"/>
-              <a:ea typeface="+mn-ea"/>
-              <a:cs typeface="+mn-cs"/>
-            </a:endParaRPr>
-          </a:p>
-          <a:p>
-            <a:pPr marL="0" marR="0" lvl="0" indent="0" algn="l" defTabSz="914400" rtl="0" eaLnBrk="1" fontAlgn="auto" latinLnBrk="0" hangingPunct="1">
-              <a:lnSpc>
-                <a:spcPct val="100000"/>
-              </a:lnSpc>
-              <a:spcBef>
-                <a:spcPts val="0"/>
-              </a:spcBef>
-              <a:spcAft>
-                <a:spcPts val="0"/>
-              </a:spcAft>
-              <a:buClrTx/>
-              <a:buSzTx/>
-              <a:buFontTx/>
-              <a:buNone/>
-              <a:tabLst/>
-              <a:defRPr/>
-            </a:pPr>
-            <a:endParaRPr lang="en-CA" sz="1200" kern="1200" dirty="0">
-              <a:solidFill>
-                <a:schemeClr val="tx1"/>
-              </a:solidFill>
-              <a:effectLst/>
-              <a:latin typeface="+mn-lt"/>
-              <a:ea typeface="+mn-ea"/>
-              <a:cs typeface="+mn-cs"/>
-            </a:endParaRPr>
-          </a:p>
-          <a:p>
-            <a:pPr marL="0" marR="0" lvl="0" indent="0" algn="l" defTabSz="914400" rtl="0" eaLnBrk="1" fontAlgn="auto" latinLnBrk="0" hangingPunct="1">
-              <a:lnSpc>
-                <a:spcPct val="100000"/>
-              </a:lnSpc>
-              <a:spcBef>
-                <a:spcPts val="0"/>
-              </a:spcBef>
-              <a:spcAft>
-                <a:spcPts val="0"/>
-              </a:spcAft>
-              <a:buClrTx/>
-              <a:buSzTx/>
-              <a:buFontTx/>
-              <a:buNone/>
-              <a:tabLst/>
-              <a:defRPr/>
-            </a:pPr>
-            <a:endParaRPr lang="en-CA" sz="1200" kern="1200" dirty="0">
-              <a:solidFill>
-                <a:schemeClr val="tx1"/>
-              </a:solidFill>
-              <a:effectLst/>
-              <a:latin typeface="+mn-lt"/>
-              <a:ea typeface="+mn-ea"/>
-              <a:cs typeface="+mn-cs"/>
-            </a:endParaRPr>
-          </a:p>
-          <a:p>
-            <a:pPr marL="0" marR="0" lvl="0" indent="0" algn="l" defTabSz="914400" rtl="0" eaLnBrk="1" fontAlgn="auto" latinLnBrk="0" hangingPunct="1">
-              <a:lnSpc>
-                <a:spcPct val="100000"/>
-              </a:lnSpc>
-              <a:spcBef>
-                <a:spcPts val="0"/>
-              </a:spcBef>
-              <a:spcAft>
-                <a:spcPts val="0"/>
-              </a:spcAft>
-              <a:buClrTx/>
-              <a:buSzTx/>
-              <a:buFontTx/>
-              <a:buNone/>
-              <a:tabLst/>
-              <a:defRPr/>
-            </a:pPr>
-            <a:endParaRPr lang="en-CA" sz="1200" kern="1200" dirty="0">
-              <a:solidFill>
-                <a:schemeClr val="tx1"/>
-              </a:solidFill>
-              <a:effectLst/>
-              <a:latin typeface="+mn-lt"/>
-              <a:ea typeface="+mn-ea"/>
-              <a:cs typeface="+mn-cs"/>
-            </a:endParaRPr>
-          </a:p>
-          <a:p>
-            <a:pPr marL="0" marR="0" lvl="0" indent="0" algn="l" defTabSz="914400" rtl="0" eaLnBrk="1" fontAlgn="auto" latinLnBrk="0" hangingPunct="1">
-              <a:lnSpc>
-                <a:spcPct val="100000"/>
-              </a:lnSpc>
-              <a:spcBef>
-                <a:spcPts val="0"/>
-              </a:spcBef>
-              <a:spcAft>
-                <a:spcPts val="0"/>
-              </a:spcAft>
-              <a:buClrTx/>
-              <a:buSzTx/>
-              <a:buFontTx/>
-              <a:buNone/>
-              <a:tabLst/>
-              <a:defRPr/>
-            </a:pPr>
-            <a:endParaRPr lang="en-CA" sz="1200" kern="1200" dirty="0">
-              <a:solidFill>
-                <a:schemeClr val="tx1"/>
-              </a:solidFill>
-              <a:effectLst/>
-              <a:latin typeface="+mn-lt"/>
-              <a:ea typeface="+mn-ea"/>
-              <a:cs typeface="+mn-cs"/>
-            </a:endParaRPr>
-          </a:p>
-          <a:p>
-            <a:endParaRPr lang="en-CA" sz="1200" i="1" kern="1200" dirty="0">
-              <a:solidFill>
-                <a:schemeClr val="tx1"/>
-              </a:solidFill>
-              <a:effectLst/>
-              <a:latin typeface="+mn-lt"/>
-              <a:ea typeface="+mn-ea"/>
-              <a:cs typeface="+mn-cs"/>
-            </a:endParaRPr>
-          </a:p>
-          <a:p>
-            <a:endParaRPr lang="en-CA" sz="1200" i="1" kern="1200" dirty="0">
-              <a:solidFill>
-                <a:schemeClr val="tx1"/>
-              </a:solidFill>
-              <a:effectLst/>
-              <a:latin typeface="+mn-lt"/>
-              <a:ea typeface="+mn-ea"/>
-              <a:cs typeface="+mn-cs"/>
-            </a:endParaRPr>
-          </a:p>
-          <a:p>
-            <a:endParaRPr lang="en-US" dirty="0"/>
           </a:p>
         </p:txBody>
       </p:sp>
       <p:sp>
         <p:nvSpPr>
-          <p:cNvPr id="4" name="Slide Number Placeholder 3"/>
+          <p:cNvPr id="4" name="Slide Number Placeholder 3">
+            <a:extLst>
+              <a:ext uri="{FF2B5EF4-FFF2-40B4-BE49-F238E27FC236}">
+                <a16:creationId xmlns:a16="http://schemas.microsoft.com/office/drawing/2014/main" id="{01831B1E-B36A-D92F-9C9B-0650388F0F00}"/>
+              </a:ext>
+            </a:extLst>
+          </p:cNvPr>
           <p:cNvSpPr>
             <a:spLocks noGrp="1"/>
           </p:cNvSpPr>
@@ -18220,7 +24712,7 @@
     </p:spTree>
     <p:extLst>
       <p:ext uri="{BB962C8B-B14F-4D97-AF65-F5344CB8AC3E}">
-        <p14:creationId xmlns:p14="http://schemas.microsoft.com/office/powerpoint/2010/main" val="3294888723"/>
+        <p14:creationId xmlns:p14="http://schemas.microsoft.com/office/powerpoint/2010/main" val="3011887655"/>
       </p:ext>
     </p:extLst>
   </p:cSld>
@@ -18274,16 +24766,801 @@
           <a:bodyPr/>
           <a:lstStyle/>
           <a:p>
+            <a:endParaRPr lang="en-US" dirty="0"/>
+          </a:p>
+          <a:p>
+            <a:endParaRPr lang="en-US" dirty="0"/>
+          </a:p>
+          <a:p>
             <a:r>
               <a:rPr lang="en-US" dirty="0"/>
-              <a:t>We are starting from zero investment into this,</a:t>
+              <a:t>In January the goal would be to have it at a point where collaboration can be most effective. So starting to get input and have discussions on the actual content of the protocol, and also the behind-the-scenes technical work to make sure that this is a professional, functional product that we can put out there with confidence.</a:t>
             </a:r>
+          </a:p>
+          <a:p>
+            <a:endParaRPr lang="en-US" dirty="0"/>
+          </a:p>
+          <a:p>
+            <a:endParaRPr lang="en-US" dirty="0"/>
+          </a:p>
+          <a:p>
+            <a:endParaRPr lang="en-US" dirty="0"/>
           </a:p>
           <a:p>
             <a:r>
               <a:rPr lang="en-US" dirty="0"/>
-              <a:t>Now committing 0.4FTE of a PS2</a:t>
+              <a:t>Deliver a working product </a:t>
             </a:r>
+            <a:r>
+              <a:rPr lang="en-US"/>
+              <a:t>in April</a:t>
+            </a:r>
+          </a:p>
+          <a:p>
+            <a:endParaRPr lang="en-US" dirty="0"/>
+          </a:p>
+          <a:p>
+            <a:endParaRPr lang="en-US" dirty="0"/>
+          </a:p>
+          <a:p>
+            <a:endParaRPr lang="en-US" dirty="0"/>
+          </a:p>
+          <a:p>
+            <a:r>
+              <a:rPr lang="en-US" b="1" dirty="0"/>
+              <a:t>AK</a:t>
+            </a:r>
+          </a:p>
+          <a:p>
+            <a:r>
+              <a:rPr lang="en-US" dirty="0"/>
+              <a:t>-my proposal is far more internal.. I don’t think it’s productive to include all the stakeholders at this stage</a:t>
+            </a:r>
+          </a:p>
+          <a:p>
+            <a:r>
+              <a:rPr lang="en-US" dirty="0"/>
+              <a:t>-build a prototype</a:t>
+            </a:r>
+          </a:p>
+          <a:p>
+            <a:r>
+              <a:rPr lang="en-US" dirty="0"/>
+              <a:t>-ensure it aligns with CSI policies and procedures and is feasible within those</a:t>
+            </a:r>
+          </a:p>
+          <a:p>
+            <a:endParaRPr lang="en-US" dirty="0"/>
+          </a:p>
+          <a:p>
+            <a:r>
+              <a:rPr lang="en-US" b="1" dirty="0"/>
+              <a:t>CH</a:t>
+            </a:r>
+          </a:p>
+          <a:p>
+            <a:r>
+              <a:rPr lang="en-US" u="sng" dirty="0"/>
+              <a:t>Discovery and Planning (0-3 months)</a:t>
+            </a:r>
+          </a:p>
+          <a:p>
+            <a:r>
+              <a:rPr lang="en-US" dirty="0"/>
+              <a:t>-</a:t>
+            </a:r>
+            <a:r>
+              <a:rPr lang="en-CA" sz="1200" kern="1200" dirty="0">
+                <a:solidFill>
+                  <a:schemeClr val="tx1"/>
+                </a:solidFill>
+                <a:effectLst/>
+                <a:latin typeface="+mn-lt"/>
+                <a:ea typeface="+mn-ea"/>
+                <a:cs typeface="+mn-cs"/>
+              </a:rPr>
+              <a:t>comprehensive stakeholder consultation and needs analysis</a:t>
+            </a:r>
+          </a:p>
+          <a:p>
+            <a:r>
+              <a:rPr lang="en-CA" sz="1200" i="1" kern="1200" dirty="0">
+                <a:solidFill>
+                  <a:schemeClr val="tx1"/>
+                </a:solidFill>
+                <a:effectLst/>
+                <a:latin typeface="+mn-lt"/>
+                <a:ea typeface="+mn-ea"/>
+                <a:cs typeface="+mn-cs"/>
+              </a:rPr>
+              <a:t>	-We discover that athletes sometimes get hurt and there is a lack of effective, structured protocols 	to support the rehab process and include all stakeholders</a:t>
+            </a:r>
+          </a:p>
+          <a:p>
+            <a:pPr marL="0" marR="0" lvl="0" indent="0" algn="l" defTabSz="914400" rtl="0" eaLnBrk="1" fontAlgn="auto" latinLnBrk="0" hangingPunct="1">
+              <a:lnSpc>
+                <a:spcPct val="100000"/>
+              </a:lnSpc>
+              <a:spcBef>
+                <a:spcPts val="0"/>
+              </a:spcBef>
+              <a:spcAft>
+                <a:spcPts val="0"/>
+              </a:spcAft>
+              <a:buClrTx/>
+              <a:buSzTx/>
+              <a:buFontTx/>
+              <a:buNone/>
+              <a:tabLst/>
+              <a:defRPr/>
+            </a:pPr>
+            <a:r>
+              <a:rPr lang="en-CA" sz="1200" b="0" u="sng" kern="1200" dirty="0">
+                <a:solidFill>
+                  <a:schemeClr val="tx1"/>
+                </a:solidFill>
+                <a:effectLst/>
+                <a:latin typeface="+mn-lt"/>
+                <a:ea typeface="+mn-ea"/>
+                <a:cs typeface="+mn-cs"/>
+              </a:rPr>
+              <a:t>Phase 2: Design and Development </a:t>
+            </a:r>
+            <a:r>
+              <a:rPr lang="en-CA" sz="1200" u="sng" kern="1200" dirty="0">
+                <a:solidFill>
+                  <a:schemeClr val="tx1"/>
+                </a:solidFill>
+                <a:effectLst/>
+                <a:latin typeface="+mn-lt"/>
+                <a:ea typeface="+mn-ea"/>
+                <a:cs typeface="+mn-cs"/>
+              </a:rPr>
+              <a:t>(months 3–6)</a:t>
+            </a:r>
+            <a:endParaRPr lang="en-CA" sz="1200" i="1" u="sng" kern="1200" dirty="0">
+              <a:solidFill>
+                <a:schemeClr val="tx1"/>
+              </a:solidFill>
+              <a:effectLst/>
+              <a:latin typeface="+mn-lt"/>
+              <a:ea typeface="+mn-ea"/>
+              <a:cs typeface="+mn-cs"/>
+            </a:endParaRPr>
+          </a:p>
+          <a:p>
+            <a:pPr marL="0" marR="0" lvl="0" indent="0" algn="l" defTabSz="914400" rtl="0" eaLnBrk="1" fontAlgn="auto" latinLnBrk="0" hangingPunct="1">
+              <a:lnSpc>
+                <a:spcPct val="100000"/>
+              </a:lnSpc>
+              <a:spcBef>
+                <a:spcPts val="0"/>
+              </a:spcBef>
+              <a:spcAft>
+                <a:spcPts val="0"/>
+              </a:spcAft>
+              <a:buClrTx/>
+              <a:buSzTx/>
+              <a:buFontTx/>
+              <a:buNone/>
+              <a:tabLst/>
+              <a:defRPr/>
+            </a:pPr>
+            <a:r>
+              <a:rPr lang="en-CA" sz="1200" i="1" kern="1200" dirty="0">
+                <a:solidFill>
+                  <a:schemeClr val="tx1"/>
+                </a:solidFill>
+                <a:effectLst/>
+                <a:latin typeface="+mn-lt"/>
+                <a:ea typeface="+mn-ea"/>
+                <a:cs typeface="+mn-cs"/>
+              </a:rPr>
+              <a:t>-</a:t>
+            </a:r>
+            <a:r>
+              <a:rPr lang="en-CA" sz="1200" kern="1200" dirty="0">
+                <a:solidFill>
+                  <a:schemeClr val="tx1"/>
+                </a:solidFill>
+                <a:effectLst/>
+                <a:latin typeface="+mn-lt"/>
+                <a:ea typeface="+mn-ea"/>
+                <a:cs typeface="+mn-cs"/>
+              </a:rPr>
+              <a:t>facility enhancements will be planned</a:t>
+            </a:r>
+          </a:p>
+          <a:p>
+            <a:pPr marL="0" marR="0" lvl="0" indent="0" algn="l" defTabSz="914400" rtl="0" eaLnBrk="1" fontAlgn="auto" latinLnBrk="0" hangingPunct="1">
+              <a:lnSpc>
+                <a:spcPct val="100000"/>
+              </a:lnSpc>
+              <a:spcBef>
+                <a:spcPts val="0"/>
+              </a:spcBef>
+              <a:spcAft>
+                <a:spcPts val="0"/>
+              </a:spcAft>
+              <a:buClrTx/>
+              <a:buSzTx/>
+              <a:buFontTx/>
+              <a:buNone/>
+              <a:tabLst/>
+              <a:defRPr/>
+            </a:pPr>
+            <a:r>
+              <a:rPr lang="en-CA" sz="1200" kern="1200" dirty="0">
+                <a:solidFill>
+                  <a:schemeClr val="tx1"/>
+                </a:solidFill>
+                <a:effectLst/>
+                <a:latin typeface="+mn-lt"/>
+                <a:ea typeface="+mn-ea"/>
+                <a:cs typeface="+mn-cs"/>
+              </a:rPr>
+              <a:t>-Biodex isokinetic dynamometer equipment will be procured</a:t>
+            </a:r>
+          </a:p>
+          <a:p>
+            <a:pPr marL="0" marR="0" lvl="0" indent="0" algn="l" defTabSz="914400" rtl="0" eaLnBrk="1" fontAlgn="auto" latinLnBrk="0" hangingPunct="1">
+              <a:lnSpc>
+                <a:spcPct val="100000"/>
+              </a:lnSpc>
+              <a:spcBef>
+                <a:spcPts val="0"/>
+              </a:spcBef>
+              <a:spcAft>
+                <a:spcPts val="0"/>
+              </a:spcAft>
+              <a:buClrTx/>
+              <a:buSzTx/>
+              <a:buFontTx/>
+              <a:buNone/>
+              <a:tabLst/>
+              <a:defRPr/>
+            </a:pPr>
+            <a:r>
+              <a:rPr lang="en-CA" sz="1200" kern="1200" dirty="0">
+                <a:solidFill>
+                  <a:schemeClr val="tx1"/>
+                </a:solidFill>
+                <a:effectLst/>
+                <a:latin typeface="+mn-lt"/>
+                <a:ea typeface="+mn-ea"/>
+                <a:cs typeface="+mn-cs"/>
+              </a:rPr>
+              <a:t>-Operational guidelines and best practice protocols will be developed</a:t>
+            </a:r>
+          </a:p>
+          <a:p>
+            <a:pPr marL="0" marR="0" lvl="0" indent="0" algn="l" defTabSz="914400" rtl="0" eaLnBrk="1" fontAlgn="auto" latinLnBrk="0" hangingPunct="1">
+              <a:lnSpc>
+                <a:spcPct val="100000"/>
+              </a:lnSpc>
+              <a:spcBef>
+                <a:spcPts val="0"/>
+              </a:spcBef>
+              <a:spcAft>
+                <a:spcPts val="0"/>
+              </a:spcAft>
+              <a:buClrTx/>
+              <a:buSzTx/>
+              <a:buFontTx/>
+              <a:buNone/>
+              <a:tabLst/>
+              <a:defRPr/>
+            </a:pPr>
+            <a:r>
+              <a:rPr lang="en-CA" sz="1200" kern="1200" dirty="0">
+                <a:solidFill>
+                  <a:schemeClr val="tx1"/>
+                </a:solidFill>
+                <a:effectLst/>
+                <a:latin typeface="+mn-lt"/>
+                <a:ea typeface="+mn-ea"/>
+                <a:cs typeface="+mn-cs"/>
+              </a:rPr>
+              <a:t>-staff training</a:t>
+            </a:r>
+          </a:p>
+          <a:p>
+            <a:r>
+              <a:rPr lang="en-CA" sz="1200" kern="1200" dirty="0">
+                <a:solidFill>
+                  <a:schemeClr val="tx1"/>
+                </a:solidFill>
+                <a:effectLst/>
+                <a:latin typeface="+mn-lt"/>
+                <a:ea typeface="+mn-ea"/>
+                <a:cs typeface="+mn-cs"/>
+              </a:rPr>
+              <a:t>-Establishing research partnerships with academic and clinical institutions</a:t>
+            </a:r>
+          </a:p>
+          <a:p>
+            <a:r>
+              <a:rPr lang="en-CA" sz="1200" kern="1200" dirty="0">
+                <a:solidFill>
+                  <a:schemeClr val="tx1"/>
+                </a:solidFill>
+                <a:effectLst/>
+                <a:latin typeface="+mn-lt"/>
+                <a:ea typeface="+mn-ea"/>
+                <a:cs typeface="+mn-cs"/>
+              </a:rPr>
+              <a:t>	</a:t>
+            </a:r>
+            <a:r>
+              <a:rPr lang="en-CA" sz="1200" i="1" kern="1200" dirty="0">
+                <a:solidFill>
+                  <a:schemeClr val="tx1"/>
+                </a:solidFill>
+                <a:effectLst/>
+                <a:latin typeface="+mn-lt"/>
+                <a:ea typeface="+mn-ea"/>
+                <a:cs typeface="+mn-cs"/>
+              </a:rPr>
+              <a:t>-Build the protocol document</a:t>
+            </a:r>
+          </a:p>
+          <a:p>
+            <a:r>
+              <a:rPr lang="en-CA" sz="1200" i="1" kern="1200" dirty="0">
+                <a:solidFill>
+                  <a:schemeClr val="tx1"/>
+                </a:solidFill>
+                <a:effectLst/>
+                <a:latin typeface="+mn-lt"/>
+                <a:ea typeface="+mn-ea"/>
+                <a:cs typeface="+mn-cs"/>
+              </a:rPr>
+              <a:t>	-Set up </a:t>
+            </a:r>
+            <a:r>
+              <a:rPr lang="en-CA" sz="1200" i="1" kern="1200" dirty="0" err="1">
+                <a:solidFill>
+                  <a:schemeClr val="tx1"/>
+                </a:solidFill>
+                <a:effectLst/>
+                <a:latin typeface="+mn-lt"/>
+                <a:ea typeface="+mn-ea"/>
+                <a:cs typeface="+mn-cs"/>
+              </a:rPr>
+              <a:t>Tindeq</a:t>
+            </a:r>
+            <a:endParaRPr lang="en-CA" sz="1200" i="1" kern="1200" dirty="0">
+              <a:solidFill>
+                <a:schemeClr val="tx1"/>
+              </a:solidFill>
+              <a:effectLst/>
+              <a:latin typeface="+mn-lt"/>
+              <a:ea typeface="+mn-ea"/>
+              <a:cs typeface="+mn-cs"/>
+            </a:endParaRPr>
+          </a:p>
+          <a:p>
+            <a:pPr marL="0" marR="0" lvl="0" indent="0" algn="l" defTabSz="914400" rtl="0" eaLnBrk="1" fontAlgn="auto" latinLnBrk="0" hangingPunct="1">
+              <a:lnSpc>
+                <a:spcPct val="100000"/>
+              </a:lnSpc>
+              <a:spcBef>
+                <a:spcPts val="0"/>
+              </a:spcBef>
+              <a:spcAft>
+                <a:spcPts val="0"/>
+              </a:spcAft>
+              <a:buClrTx/>
+              <a:buSzTx/>
+              <a:buFontTx/>
+              <a:buNone/>
+              <a:tabLst/>
+              <a:defRPr/>
+            </a:pPr>
+            <a:r>
+              <a:rPr lang="en-CA" sz="1200" b="0" u="sng" kern="1200" dirty="0">
+                <a:solidFill>
+                  <a:schemeClr val="tx1"/>
+                </a:solidFill>
+                <a:effectLst/>
+                <a:latin typeface="+mn-lt"/>
+                <a:ea typeface="+mn-ea"/>
+                <a:cs typeface="+mn-cs"/>
+              </a:rPr>
+              <a:t>Phase 3: Pilot Implementation and Testing (months 6–12)</a:t>
+            </a:r>
+          </a:p>
+          <a:p>
+            <a:r>
+              <a:rPr lang="en-CA" sz="1200" kern="1200" dirty="0">
+                <a:solidFill>
+                  <a:schemeClr val="tx1"/>
+                </a:solidFill>
+                <a:effectLst/>
+                <a:latin typeface="+mn-lt"/>
+                <a:ea typeface="+mn-ea"/>
+                <a:cs typeface="+mn-cs"/>
+              </a:rPr>
+              <a:t>-initial rollout of RTP services through a pilot program in collaboration with select winter sport NSOs</a:t>
+            </a:r>
+          </a:p>
+          <a:p>
+            <a:r>
+              <a:rPr lang="en-CA" sz="1200" kern="1200" dirty="0">
+                <a:solidFill>
+                  <a:schemeClr val="tx1"/>
+                </a:solidFill>
+                <a:effectLst/>
+                <a:latin typeface="+mn-lt"/>
+                <a:ea typeface="+mn-ea"/>
+                <a:cs typeface="+mn-cs"/>
+              </a:rPr>
+              <a:t>-development of RTP service packages accessible to the broader public via Performance Nation</a:t>
+            </a:r>
+          </a:p>
+          <a:p>
+            <a:endParaRPr lang="en-CA" sz="1200" kern="1200" dirty="0">
+              <a:solidFill>
+                <a:schemeClr val="tx1"/>
+              </a:solidFill>
+              <a:effectLst/>
+              <a:latin typeface="+mn-lt"/>
+              <a:ea typeface="+mn-ea"/>
+              <a:cs typeface="+mn-cs"/>
+            </a:endParaRPr>
+          </a:p>
+          <a:p>
+            <a:pPr marL="0" marR="0" lvl="0" indent="0" algn="l" defTabSz="914400" rtl="0" eaLnBrk="1" fontAlgn="auto" latinLnBrk="0" hangingPunct="1">
+              <a:lnSpc>
+                <a:spcPct val="100000"/>
+              </a:lnSpc>
+              <a:spcBef>
+                <a:spcPts val="0"/>
+              </a:spcBef>
+              <a:spcAft>
+                <a:spcPts val="0"/>
+              </a:spcAft>
+              <a:buClrTx/>
+              <a:buSzTx/>
+              <a:buFontTx/>
+              <a:buNone/>
+              <a:tabLst/>
+              <a:defRPr/>
+            </a:pPr>
+            <a:r>
+              <a:rPr lang="en-CA" sz="1200" b="0" u="sng" kern="1200" dirty="0">
+                <a:solidFill>
+                  <a:schemeClr val="tx1"/>
+                </a:solidFill>
+                <a:effectLst/>
+                <a:latin typeface="+mn-lt"/>
+                <a:ea typeface="+mn-ea"/>
+                <a:cs typeface="+mn-cs"/>
+              </a:rPr>
+              <a:t>Phase 4: Full-Scale Implementation and Launch (months 12–18)</a:t>
+            </a:r>
+          </a:p>
+          <a:p>
+            <a:r>
+              <a:rPr lang="en-CA" sz="1200" kern="1200" dirty="0">
+                <a:solidFill>
+                  <a:schemeClr val="tx1"/>
+                </a:solidFill>
+                <a:effectLst/>
+                <a:latin typeface="+mn-lt"/>
+                <a:ea typeface="+mn-ea"/>
+                <a:cs typeface="+mn-cs"/>
+              </a:rPr>
+              <a:t>-fully operational and accessible to all NSO and PSO partners as well as the public via Performance Nation</a:t>
+            </a:r>
+          </a:p>
+          <a:p>
+            <a:pPr marL="0" marR="0" lvl="0" indent="0" algn="l" defTabSz="914400" rtl="0" eaLnBrk="1" fontAlgn="auto" latinLnBrk="0" hangingPunct="1">
+              <a:lnSpc>
+                <a:spcPct val="100000"/>
+              </a:lnSpc>
+              <a:spcBef>
+                <a:spcPts val="0"/>
+              </a:spcBef>
+              <a:spcAft>
+                <a:spcPts val="0"/>
+              </a:spcAft>
+              <a:buClrTx/>
+              <a:buSzTx/>
+              <a:buFontTx/>
+              <a:buNone/>
+              <a:tabLst/>
+              <a:defRPr/>
+            </a:pPr>
+            <a:r>
+              <a:rPr lang="en-CA" sz="1200" kern="1200" dirty="0">
+                <a:solidFill>
+                  <a:schemeClr val="tx1"/>
+                </a:solidFill>
+                <a:effectLst/>
+                <a:latin typeface="+mn-lt"/>
+                <a:ea typeface="+mn-ea"/>
+                <a:cs typeface="+mn-cs"/>
+              </a:rPr>
+              <a:t>-comprehensive marketing and communication strategy</a:t>
+            </a:r>
+          </a:p>
+          <a:p>
+            <a:endParaRPr lang="en-CA" sz="1200" kern="1200" dirty="0">
+              <a:solidFill>
+                <a:schemeClr val="tx1"/>
+              </a:solidFill>
+              <a:effectLst/>
+              <a:latin typeface="+mn-lt"/>
+              <a:ea typeface="+mn-ea"/>
+              <a:cs typeface="+mn-cs"/>
+            </a:endParaRPr>
+          </a:p>
+          <a:p>
+            <a:pPr marL="0" marR="0" lvl="0" indent="0" algn="l" defTabSz="914400" rtl="0" eaLnBrk="1" fontAlgn="auto" latinLnBrk="0" hangingPunct="1">
+              <a:lnSpc>
+                <a:spcPct val="100000"/>
+              </a:lnSpc>
+              <a:spcBef>
+                <a:spcPts val="0"/>
+              </a:spcBef>
+              <a:spcAft>
+                <a:spcPts val="0"/>
+              </a:spcAft>
+              <a:buClrTx/>
+              <a:buSzTx/>
+              <a:buFontTx/>
+              <a:buNone/>
+              <a:tabLst/>
+              <a:defRPr/>
+            </a:pPr>
+            <a:r>
+              <a:rPr lang="en-CA" sz="1200" b="0" u="sng" kern="1200" dirty="0">
+                <a:solidFill>
+                  <a:schemeClr val="tx1"/>
+                </a:solidFill>
+                <a:effectLst/>
+                <a:latin typeface="+mn-lt"/>
+                <a:ea typeface="+mn-ea"/>
+                <a:cs typeface="+mn-cs"/>
+              </a:rPr>
+              <a:t>Phase 5: Evaluation and Continuous Improvement (ongoing)</a:t>
+            </a:r>
+          </a:p>
+          <a:p>
+            <a:r>
+              <a:rPr lang="en-CA" sz="1200" kern="1200" dirty="0">
+                <a:solidFill>
+                  <a:schemeClr val="tx1"/>
+                </a:solidFill>
+                <a:effectLst/>
+                <a:latin typeface="+mn-lt"/>
+                <a:ea typeface="+mn-ea"/>
+                <a:cs typeface="+mn-cs"/>
+              </a:rPr>
+              <a:t>-monitoring program outcomes against the established KPIs</a:t>
+            </a:r>
+          </a:p>
+          <a:p>
+            <a:r>
+              <a:rPr lang="en-CA" sz="1200" kern="1200" dirty="0">
+                <a:solidFill>
+                  <a:schemeClr val="tx1"/>
+                </a:solidFill>
+                <a:effectLst/>
+                <a:latin typeface="+mn-lt"/>
+                <a:ea typeface="+mn-ea"/>
+                <a:cs typeface="+mn-cs"/>
+              </a:rPr>
+              <a:t>-regular audits and impact assessments to evaluate effectiveness, refine protocols, and integrate emerging</a:t>
+            </a:r>
+          </a:p>
+          <a:p>
+            <a:r>
+              <a:rPr lang="en-CA" sz="1200" kern="1200" dirty="0">
+                <a:solidFill>
+                  <a:schemeClr val="tx1"/>
+                </a:solidFill>
+                <a:effectLst/>
+                <a:latin typeface="+mn-lt"/>
+                <a:ea typeface="+mn-ea"/>
+                <a:cs typeface="+mn-cs"/>
+              </a:rPr>
+              <a:t>technologies</a:t>
+            </a:r>
+          </a:p>
+          <a:p>
+            <a:pPr marL="0" marR="0" lvl="0" indent="0" algn="l" defTabSz="914400" rtl="0" eaLnBrk="1" fontAlgn="auto" latinLnBrk="0" hangingPunct="1">
+              <a:lnSpc>
+                <a:spcPct val="100000"/>
+              </a:lnSpc>
+              <a:spcBef>
+                <a:spcPts val="0"/>
+              </a:spcBef>
+              <a:spcAft>
+                <a:spcPts val="0"/>
+              </a:spcAft>
+              <a:buClrTx/>
+              <a:buSzTx/>
+              <a:buFontTx/>
+              <a:buNone/>
+              <a:tabLst/>
+              <a:defRPr/>
+            </a:pPr>
+            <a:endParaRPr lang="en-CA" sz="1200" kern="1200" dirty="0">
+              <a:solidFill>
+                <a:schemeClr val="tx1"/>
+              </a:solidFill>
+              <a:effectLst/>
+              <a:latin typeface="+mn-lt"/>
+              <a:ea typeface="+mn-ea"/>
+              <a:cs typeface="+mn-cs"/>
+            </a:endParaRPr>
+          </a:p>
+          <a:p>
+            <a:pPr marL="0" marR="0" lvl="0" indent="0" algn="l" defTabSz="914400" rtl="0" eaLnBrk="1" fontAlgn="auto" latinLnBrk="0" hangingPunct="1">
+              <a:lnSpc>
+                <a:spcPct val="100000"/>
+              </a:lnSpc>
+              <a:spcBef>
+                <a:spcPts val="0"/>
+              </a:spcBef>
+              <a:spcAft>
+                <a:spcPts val="0"/>
+              </a:spcAft>
+              <a:buClrTx/>
+              <a:buSzTx/>
+              <a:buFontTx/>
+              <a:buNone/>
+              <a:tabLst/>
+              <a:defRPr/>
+            </a:pPr>
+            <a:endParaRPr lang="en-CA" sz="1200" kern="1200" dirty="0">
+              <a:solidFill>
+                <a:schemeClr val="tx1"/>
+              </a:solidFill>
+              <a:effectLst/>
+              <a:latin typeface="+mn-lt"/>
+              <a:ea typeface="+mn-ea"/>
+              <a:cs typeface="+mn-cs"/>
+            </a:endParaRPr>
+          </a:p>
+          <a:p>
+            <a:pPr marL="0" marR="0" lvl="0" indent="0" algn="l" defTabSz="914400" rtl="0" eaLnBrk="1" fontAlgn="auto" latinLnBrk="0" hangingPunct="1">
+              <a:lnSpc>
+                <a:spcPct val="100000"/>
+              </a:lnSpc>
+              <a:spcBef>
+                <a:spcPts val="0"/>
+              </a:spcBef>
+              <a:spcAft>
+                <a:spcPts val="0"/>
+              </a:spcAft>
+              <a:buClrTx/>
+              <a:buSzTx/>
+              <a:buFontTx/>
+              <a:buNone/>
+              <a:tabLst/>
+              <a:defRPr/>
+            </a:pPr>
+            <a:endParaRPr lang="en-CA" sz="1200" kern="1200" dirty="0">
+              <a:solidFill>
+                <a:schemeClr val="tx1"/>
+              </a:solidFill>
+              <a:effectLst/>
+              <a:latin typeface="+mn-lt"/>
+              <a:ea typeface="+mn-ea"/>
+              <a:cs typeface="+mn-cs"/>
+            </a:endParaRPr>
+          </a:p>
+          <a:p>
+            <a:pPr marL="0" marR="0" lvl="0" indent="0" algn="l" defTabSz="914400" rtl="0" eaLnBrk="1" fontAlgn="auto" latinLnBrk="0" hangingPunct="1">
+              <a:lnSpc>
+                <a:spcPct val="100000"/>
+              </a:lnSpc>
+              <a:spcBef>
+                <a:spcPts val="0"/>
+              </a:spcBef>
+              <a:spcAft>
+                <a:spcPts val="0"/>
+              </a:spcAft>
+              <a:buClrTx/>
+              <a:buSzTx/>
+              <a:buFontTx/>
+              <a:buNone/>
+              <a:tabLst/>
+              <a:defRPr/>
+            </a:pPr>
+            <a:endParaRPr lang="en-CA" sz="1200" kern="1200" dirty="0">
+              <a:solidFill>
+                <a:schemeClr val="tx1"/>
+              </a:solidFill>
+              <a:effectLst/>
+              <a:latin typeface="+mn-lt"/>
+              <a:ea typeface="+mn-ea"/>
+              <a:cs typeface="+mn-cs"/>
+            </a:endParaRPr>
+          </a:p>
+          <a:p>
+            <a:pPr marL="0" marR="0" lvl="0" indent="0" algn="l" defTabSz="914400" rtl="0" eaLnBrk="1" fontAlgn="auto" latinLnBrk="0" hangingPunct="1">
+              <a:lnSpc>
+                <a:spcPct val="100000"/>
+              </a:lnSpc>
+              <a:spcBef>
+                <a:spcPts val="0"/>
+              </a:spcBef>
+              <a:spcAft>
+                <a:spcPts val="0"/>
+              </a:spcAft>
+              <a:buClrTx/>
+              <a:buSzTx/>
+              <a:buFontTx/>
+              <a:buNone/>
+              <a:tabLst/>
+              <a:defRPr/>
+            </a:pPr>
+            <a:endParaRPr lang="en-CA" sz="1200" kern="1200" dirty="0">
+              <a:solidFill>
+                <a:schemeClr val="tx1"/>
+              </a:solidFill>
+              <a:effectLst/>
+              <a:latin typeface="+mn-lt"/>
+              <a:ea typeface="+mn-ea"/>
+              <a:cs typeface="+mn-cs"/>
+            </a:endParaRPr>
+          </a:p>
+          <a:p>
+            <a:pPr marL="0" marR="0" lvl="0" indent="0" algn="l" defTabSz="914400" rtl="0" eaLnBrk="1" fontAlgn="auto" latinLnBrk="0" hangingPunct="1">
+              <a:lnSpc>
+                <a:spcPct val="100000"/>
+              </a:lnSpc>
+              <a:spcBef>
+                <a:spcPts val="0"/>
+              </a:spcBef>
+              <a:spcAft>
+                <a:spcPts val="0"/>
+              </a:spcAft>
+              <a:buClrTx/>
+              <a:buSzTx/>
+              <a:buFontTx/>
+              <a:buNone/>
+              <a:tabLst/>
+              <a:defRPr/>
+            </a:pPr>
+            <a:endParaRPr lang="en-CA" sz="1200" kern="1200" dirty="0">
+              <a:solidFill>
+                <a:schemeClr val="tx1"/>
+              </a:solidFill>
+              <a:effectLst/>
+              <a:latin typeface="+mn-lt"/>
+              <a:ea typeface="+mn-ea"/>
+              <a:cs typeface="+mn-cs"/>
+            </a:endParaRPr>
+          </a:p>
+          <a:p>
+            <a:endParaRPr lang="en-CA" sz="1200" i="1" kern="1200" dirty="0">
+              <a:solidFill>
+                <a:schemeClr val="tx1"/>
+              </a:solidFill>
+              <a:effectLst/>
+              <a:latin typeface="+mn-lt"/>
+              <a:ea typeface="+mn-ea"/>
+              <a:cs typeface="+mn-cs"/>
+            </a:endParaRPr>
+          </a:p>
+          <a:p>
+            <a:endParaRPr lang="en-CA" sz="1200" i="1" kern="1200" dirty="0">
+              <a:solidFill>
+                <a:schemeClr val="tx1"/>
+              </a:solidFill>
+              <a:effectLst/>
+              <a:latin typeface="+mn-lt"/>
+              <a:ea typeface="+mn-ea"/>
+              <a:cs typeface="+mn-cs"/>
+            </a:endParaRPr>
+          </a:p>
+          <a:p>
+            <a:endParaRPr lang="en-US" dirty="0"/>
           </a:p>
         </p:txBody>
       </p:sp>
@@ -18304,7 +25581,7 @@
           <a:p>
             <a:fld id="{EAF9EB4E-D50A-4CF1-9B06-457599E410FB}" type="slidenum">
               <a:rPr lang="en-CA" smtClean="0"/>
-              <a:t>10</a:t>
+              <a:t>9</a:t>
             </a:fld>
             <a:endParaRPr lang="en-CA"/>
           </a:p>
@@ -18313,7 +25590,7 @@
     </p:spTree>
     <p:extLst>
       <p:ext uri="{BB962C8B-B14F-4D97-AF65-F5344CB8AC3E}">
-        <p14:creationId xmlns:p14="http://schemas.microsoft.com/office/powerpoint/2010/main" val="3860902"/>
+        <p14:creationId xmlns:p14="http://schemas.microsoft.com/office/powerpoint/2010/main" val="3294888723"/>
       </p:ext>
     </p:extLst>
   </p:cSld>
@@ -20004,7 +27281,7 @@
             </a:br>
             <a:r>
               <a:rPr lang="en-US" dirty="0"/>
-              <a:t>September 2025</a:t>
+              <a:t>October 2025</a:t>
             </a:r>
             <a:endParaRPr lang="en-CA" dirty="0"/>
           </a:p>
@@ -20036,6 +27313,145 @@
 </file>
 
 <file path=ppt/slides/slide10.xml><?xml version="1.0" encoding="utf-8"?>
+<p:sld xmlns:a="http://schemas.openxmlformats.org/drawingml/2006/main" xmlns:r="http://schemas.openxmlformats.org/officeDocument/2006/relationships" xmlns:p="http://schemas.openxmlformats.org/presentationml/2006/main" show="0">
+  <p:cSld>
+    <p:spTree>
+      <p:nvGrpSpPr>
+        <p:cNvPr id="1" name=""/>
+        <p:cNvGrpSpPr/>
+        <p:nvPr/>
+      </p:nvGrpSpPr>
+      <p:grpSpPr>
+        <a:xfrm>
+          <a:off x="0" y="0"/>
+          <a:ext cx="0" cy="0"/>
+          <a:chOff x="0" y="0"/>
+          <a:chExt cx="0" cy="0"/>
+        </a:xfrm>
+      </p:grpSpPr>
+      <p:sp>
+        <p:nvSpPr>
+          <p:cNvPr id="2" name="Title 1">
+            <a:extLst>
+              <a:ext uri="{FF2B5EF4-FFF2-40B4-BE49-F238E27FC236}">
+                <a16:creationId xmlns:a16="http://schemas.microsoft.com/office/drawing/2014/main" id="{AEDF1E11-BB0E-FF82-9D9E-562E4141FDCA}"/>
+              </a:ext>
+            </a:extLst>
+          </p:cNvPr>
+          <p:cNvSpPr>
+            <a:spLocks noGrp="1"/>
+          </p:cNvSpPr>
+          <p:nvPr>
+            <p:ph type="title"/>
+          </p:nvPr>
+        </p:nvSpPr>
+        <p:spPr/>
+        <p:txBody>
+          <a:bodyPr/>
+          <a:lstStyle/>
+          <a:p>
+            <a:r>
+              <a:rPr lang="en-US" dirty="0"/>
+              <a:t>Step 7b. Specific Project Components</a:t>
+            </a:r>
+          </a:p>
+        </p:txBody>
+      </p:sp>
+      <p:sp>
+        <p:nvSpPr>
+          <p:cNvPr id="3" name="Text Placeholder 2">
+            <a:extLst>
+              <a:ext uri="{FF2B5EF4-FFF2-40B4-BE49-F238E27FC236}">
+                <a16:creationId xmlns:a16="http://schemas.microsoft.com/office/drawing/2014/main" id="{4FD779C0-08B7-4DD0-64BF-7B8F1EFAC4FF}"/>
+              </a:ext>
+            </a:extLst>
+          </p:cNvPr>
+          <p:cNvSpPr>
+            <a:spLocks noGrp="1"/>
+          </p:cNvSpPr>
+          <p:nvPr>
+            <p:ph type="body" idx="1"/>
+          </p:nvPr>
+        </p:nvSpPr>
+        <p:spPr/>
+        <p:txBody>
+          <a:bodyPr/>
+          <a:lstStyle/>
+          <a:p>
+            <a:r>
+              <a:rPr lang="en-US" dirty="0"/>
+              <a:t>Research and Writing</a:t>
+            </a:r>
+          </a:p>
+          <a:p>
+            <a:endParaRPr lang="en-US" dirty="0"/>
+          </a:p>
+          <a:p>
+            <a:r>
+              <a:rPr lang="en-US" dirty="0"/>
+              <a:t>Building the App/Website</a:t>
+            </a:r>
+          </a:p>
+          <a:p>
+            <a:endParaRPr lang="en-US" dirty="0"/>
+          </a:p>
+          <a:p>
+            <a:r>
+              <a:rPr lang="en-US" dirty="0"/>
+              <a:t>Integration with AMS</a:t>
+            </a:r>
+          </a:p>
+          <a:p>
+            <a:endParaRPr lang="en-US" dirty="0"/>
+          </a:p>
+          <a:p>
+            <a:r>
+              <a:rPr lang="en-US" dirty="0"/>
+              <a:t>Integrating New Tools</a:t>
+            </a:r>
+          </a:p>
+          <a:p>
+            <a:pPr lvl="1"/>
+            <a:r>
+              <a:rPr lang="en-US" dirty="0"/>
+              <a:t>Dynamometer</a:t>
+            </a:r>
+          </a:p>
+          <a:p>
+            <a:pPr lvl="1"/>
+            <a:r>
+              <a:rPr lang="en-US" dirty="0"/>
+              <a:t>Data Collection tools</a:t>
+            </a:r>
+          </a:p>
+        </p:txBody>
+      </p:sp>
+    </p:spTree>
+    <p:extLst>
+      <p:ext uri="{BB962C8B-B14F-4D97-AF65-F5344CB8AC3E}">
+        <p14:creationId xmlns:p14="http://schemas.microsoft.com/office/powerpoint/2010/main" val="174984669"/>
+      </p:ext>
+    </p:extLst>
+  </p:cSld>
+  <p:clrMapOvr>
+    <a:masterClrMapping/>
+  </p:clrMapOvr>
+  <mc:AlternateContent xmlns:mc="http://schemas.openxmlformats.org/markup-compatibility/2006" xmlns:p14="http://schemas.microsoft.com/office/powerpoint/2010/main">
+    <mc:Choice Requires="p14">
+      <p:transition spd="med" p14:dur="700">
+        <p:fade/>
+      </p:transition>
+    </mc:Choice>
+    <mc:Fallback xmlns="">
+      <p:transition spd="med">
+        <p:fade/>
+      </p:transition>
+    </mc:Fallback>
+  </mc:AlternateContent>
+</p:sld>
+</file>
+
+<file path=ppt/slides/slide11.xml><?xml version="1.0" encoding="utf-8"?>
 <p:sld xmlns:a="http://schemas.openxmlformats.org/drawingml/2006/main" xmlns:r="http://schemas.openxmlformats.org/officeDocument/2006/relationships" xmlns:p="http://schemas.openxmlformats.org/presentationml/2006/main" show="0">
   <p:cSld>
     <p:spTree>
@@ -22700,6 +30116,586 @@
         </p:nvSpPr>
         <p:spPr>
           <a:xfrm>
+            <a:off x="358980" y="1716136"/>
+            <a:ext cx="9808339" cy="3023564"/>
+          </a:xfrm>
+          <a:prstGeom prst="rect">
+            <a:avLst/>
+          </a:prstGeom>
+        </p:spPr>
+        <p:txBody>
+          <a:bodyPr vert="horz" lIns="91440" tIns="45720" rIns="91440" bIns="45720" rtlCol="0">
+            <a:noAutofit/>
+          </a:bodyPr>
+          <a:lstStyle>
+            <a:lvl1pPr marL="342900" indent="-342900" algn="l" defTabSz="914400" rtl="0" eaLnBrk="1" latinLnBrk="0" hangingPunct="1">
+              <a:spcBef>
+                <a:spcPct val="20000"/>
+              </a:spcBef>
+              <a:buFont typeface="Arial" pitchFamily="34" charset="0"/>
+              <a:buChar char="•"/>
+              <a:defRPr sz="3200" kern="1200">
+                <a:solidFill>
+                  <a:schemeClr val="tx1"/>
+                </a:solidFill>
+                <a:latin typeface="Arial" pitchFamily="34" charset="0"/>
+                <a:ea typeface="+mn-ea"/>
+                <a:cs typeface="Arial" pitchFamily="34" charset="0"/>
+              </a:defRPr>
+            </a:lvl1pPr>
+            <a:lvl2pPr marL="742950" indent="-285750" algn="l" defTabSz="914400" rtl="0" eaLnBrk="1" latinLnBrk="0" hangingPunct="1">
+              <a:spcBef>
+                <a:spcPct val="20000"/>
+              </a:spcBef>
+              <a:buFont typeface="Arial" pitchFamily="34" charset="0"/>
+              <a:buChar char="–"/>
+              <a:defRPr sz="2000" kern="1200" baseline="0">
+                <a:solidFill>
+                  <a:schemeClr val="tx1"/>
+                </a:solidFill>
+                <a:latin typeface="Arial" pitchFamily="34" charset="0"/>
+                <a:ea typeface="+mn-ea"/>
+                <a:cs typeface="Arial" pitchFamily="34" charset="0"/>
+              </a:defRPr>
+            </a:lvl2pPr>
+            <a:lvl3pPr marL="1143000" indent="-228600" algn="l" defTabSz="914400" rtl="0" eaLnBrk="1" latinLnBrk="0" hangingPunct="1">
+              <a:spcBef>
+                <a:spcPct val="20000"/>
+              </a:spcBef>
+              <a:buFont typeface="Arial" pitchFamily="34" charset="0"/>
+              <a:buChar char="•"/>
+              <a:defRPr sz="1800" kern="1200" baseline="0">
+                <a:solidFill>
+                  <a:schemeClr val="tx1"/>
+                </a:solidFill>
+                <a:latin typeface="Arial" pitchFamily="34" charset="0"/>
+                <a:ea typeface="+mn-ea"/>
+                <a:cs typeface="Arial" pitchFamily="34" charset="0"/>
+              </a:defRPr>
+            </a:lvl3pPr>
+            <a:lvl4pPr marL="1600200" indent="-228600" algn="l" defTabSz="914400" rtl="0" eaLnBrk="1" latinLnBrk="0" hangingPunct="1">
+              <a:spcBef>
+                <a:spcPct val="20000"/>
+              </a:spcBef>
+              <a:buFont typeface="Arial" pitchFamily="34" charset="0"/>
+              <a:buChar char="–"/>
+              <a:defRPr sz="1600" kern="1200" baseline="0">
+                <a:solidFill>
+                  <a:schemeClr val="tx1"/>
+                </a:solidFill>
+                <a:latin typeface="Arial" pitchFamily="34" charset="0"/>
+                <a:ea typeface="+mn-ea"/>
+                <a:cs typeface="Arial" pitchFamily="34" charset="0"/>
+              </a:defRPr>
+            </a:lvl4pPr>
+            <a:lvl5pPr marL="2057400" indent="-228600" algn="l" defTabSz="914400" rtl="0" eaLnBrk="1" latinLnBrk="0" hangingPunct="1">
+              <a:spcBef>
+                <a:spcPct val="20000"/>
+              </a:spcBef>
+              <a:buFont typeface="Arial" pitchFamily="34" charset="0"/>
+              <a:buChar char="»"/>
+              <a:defRPr sz="1400" kern="1200" baseline="0">
+                <a:solidFill>
+                  <a:schemeClr val="tx1"/>
+                </a:solidFill>
+                <a:latin typeface="Arial" pitchFamily="34" charset="0"/>
+                <a:ea typeface="+mn-ea"/>
+                <a:cs typeface="Arial" pitchFamily="34" charset="0"/>
+              </a:defRPr>
+            </a:lvl5pPr>
+            <a:lvl6pPr marL="2514600" indent="-228600" algn="l" defTabSz="914400" rtl="0" eaLnBrk="1" latinLnBrk="0" hangingPunct="1">
+              <a:spcBef>
+                <a:spcPct val="20000"/>
+              </a:spcBef>
+              <a:buFont typeface="Arial" pitchFamily="34" charset="0"/>
+              <a:buChar char="•"/>
+              <a:defRPr sz="2000" kern="1200">
+                <a:solidFill>
+                  <a:schemeClr val="tx1"/>
+                </a:solidFill>
+                <a:latin typeface="+mn-lt"/>
+                <a:ea typeface="+mn-ea"/>
+                <a:cs typeface="+mn-cs"/>
+              </a:defRPr>
+            </a:lvl6pPr>
+            <a:lvl7pPr marL="2971800" indent="-228600" algn="l" defTabSz="914400" rtl="0" eaLnBrk="1" latinLnBrk="0" hangingPunct="1">
+              <a:spcBef>
+                <a:spcPct val="20000"/>
+              </a:spcBef>
+              <a:buFont typeface="Arial" pitchFamily="34" charset="0"/>
+              <a:buChar char="•"/>
+              <a:defRPr sz="2000" kern="1200">
+                <a:solidFill>
+                  <a:schemeClr val="tx1"/>
+                </a:solidFill>
+                <a:latin typeface="+mn-lt"/>
+                <a:ea typeface="+mn-ea"/>
+                <a:cs typeface="+mn-cs"/>
+              </a:defRPr>
+            </a:lvl7pPr>
+            <a:lvl8pPr marL="3429000" indent="-228600" algn="l" defTabSz="914400" rtl="0" eaLnBrk="1" latinLnBrk="0" hangingPunct="1">
+              <a:spcBef>
+                <a:spcPct val="20000"/>
+              </a:spcBef>
+              <a:buFont typeface="Arial" pitchFamily="34" charset="0"/>
+              <a:buChar char="•"/>
+              <a:defRPr sz="2000" kern="1200">
+                <a:solidFill>
+                  <a:schemeClr val="tx1"/>
+                </a:solidFill>
+                <a:latin typeface="+mn-lt"/>
+                <a:ea typeface="+mn-ea"/>
+                <a:cs typeface="+mn-cs"/>
+              </a:defRPr>
+            </a:lvl8pPr>
+            <a:lvl9pPr marL="3886200" indent="-228600" algn="l" defTabSz="914400" rtl="0" eaLnBrk="1" latinLnBrk="0" hangingPunct="1">
+              <a:spcBef>
+                <a:spcPct val="20000"/>
+              </a:spcBef>
+              <a:buFont typeface="Arial" pitchFamily="34" charset="0"/>
+              <a:buChar char="•"/>
+              <a:defRPr sz="2000" kern="1200">
+                <a:solidFill>
+                  <a:schemeClr val="tx1"/>
+                </a:solidFill>
+                <a:latin typeface="+mn-lt"/>
+                <a:ea typeface="+mn-ea"/>
+                <a:cs typeface="+mn-cs"/>
+              </a:defRPr>
+            </a:lvl9pPr>
+          </a:lstStyle>
+          <a:p>
+            <a:pPr marL="0" indent="0">
+              <a:spcBef>
+                <a:spcPts val="0"/>
+              </a:spcBef>
+              <a:buNone/>
+            </a:pPr>
+            <a:r>
+              <a:rPr lang="en-CA" sz="2400" b="1" i="1" dirty="0">
+                <a:solidFill>
+                  <a:srgbClr val="002060"/>
+                </a:solidFill>
+              </a:rPr>
+              <a:t>Subscription business model (expensive):</a:t>
+            </a:r>
+          </a:p>
+          <a:p>
+            <a:pPr>
+              <a:spcBef>
+                <a:spcPts val="0"/>
+              </a:spcBef>
+            </a:pPr>
+            <a:r>
+              <a:rPr lang="en-CA" sz="2400" dirty="0">
+                <a:solidFill>
+                  <a:srgbClr val="002060"/>
+                </a:solidFill>
+              </a:rPr>
+              <a:t>Monthly cost per athlete</a:t>
+            </a:r>
+          </a:p>
+          <a:p>
+            <a:pPr marL="0" indent="0">
+              <a:spcBef>
+                <a:spcPts val="0"/>
+              </a:spcBef>
+              <a:buNone/>
+            </a:pPr>
+            <a:endParaRPr lang="en-CA" sz="2400" b="1" i="1" dirty="0">
+              <a:solidFill>
+                <a:srgbClr val="002060"/>
+              </a:solidFill>
+            </a:endParaRPr>
+          </a:p>
+          <a:p>
+            <a:pPr marL="0" indent="0">
+              <a:spcBef>
+                <a:spcPts val="0"/>
+              </a:spcBef>
+              <a:buNone/>
+            </a:pPr>
+            <a:r>
+              <a:rPr lang="en-CA" sz="2400" b="1" i="1" dirty="0">
+                <a:solidFill>
+                  <a:srgbClr val="002060"/>
+                </a:solidFill>
+              </a:rPr>
+              <a:t>Upfront business model (inexpensive):</a:t>
+            </a:r>
+          </a:p>
+          <a:p>
+            <a:pPr>
+              <a:spcBef>
+                <a:spcPts val="0"/>
+              </a:spcBef>
+            </a:pPr>
+            <a:r>
+              <a:rPr lang="en-CA" sz="2400" dirty="0">
+                <a:solidFill>
+                  <a:srgbClr val="002060"/>
+                </a:solidFill>
+              </a:rPr>
+              <a:t>NSOs pay upfront for access to this program in full</a:t>
+            </a:r>
+            <a:endParaRPr lang="en-CA" sz="2400" i="1" dirty="0">
+              <a:solidFill>
+                <a:srgbClr val="002060"/>
+              </a:solidFill>
+            </a:endParaRPr>
+          </a:p>
+        </p:txBody>
+      </p:sp>
+      <p:graphicFrame>
+        <p:nvGraphicFramePr>
+          <p:cNvPr id="3" name="Diagram 2">
+            <a:extLst>
+              <a:ext uri="{FF2B5EF4-FFF2-40B4-BE49-F238E27FC236}">
+                <a16:creationId xmlns:a16="http://schemas.microsoft.com/office/drawing/2014/main" id="{F4A1F89C-3934-2C7C-CDDF-016B44BD3395}"/>
+              </a:ext>
+            </a:extLst>
+          </p:cNvPr>
+          <p:cNvGraphicFramePr/>
+          <p:nvPr>
+            <p:extLst>
+              <p:ext uri="{D42A27DB-BD31-4B8C-83A1-F6EECF244321}">
+                <p14:modId xmlns:p14="http://schemas.microsoft.com/office/powerpoint/2010/main" val="3795215523"/>
+              </p:ext>
+            </p:extLst>
+          </p:nvPr>
+        </p:nvGraphicFramePr>
+        <p:xfrm>
+          <a:off x="6133165" y="1382751"/>
+          <a:ext cx="7394498" cy="4755582"/>
+        </p:xfrm>
+        <a:graphic>
+          <a:graphicData uri="http://schemas.openxmlformats.org/drawingml/2006/diagram">
+            <dgm:relIds xmlns:dgm="http://schemas.openxmlformats.org/drawingml/2006/diagram" xmlns:r="http://schemas.openxmlformats.org/officeDocument/2006/relationships" r:dm="rId3" r:lo="rId4" r:qs="rId5" r:cs="rId6"/>
+          </a:graphicData>
+        </a:graphic>
+      </p:graphicFrame>
+    </p:spTree>
+    <p:extLst>
+      <p:ext uri="{BB962C8B-B14F-4D97-AF65-F5344CB8AC3E}">
+        <p14:creationId xmlns:p14="http://schemas.microsoft.com/office/powerpoint/2010/main" val="21241760"/>
+      </p:ext>
+    </p:extLst>
+  </p:cSld>
+  <p:clrMapOvr>
+    <a:masterClrMapping/>
+  </p:clrMapOvr>
+  <mc:AlternateContent xmlns:mc="http://schemas.openxmlformats.org/markup-compatibility/2006" xmlns:p14="http://schemas.microsoft.com/office/powerpoint/2010/main">
+    <mc:Choice Requires="p14">
+      <p:transition spd="med" p14:dur="700">
+        <p:fade/>
+      </p:transition>
+    </mc:Choice>
+    <mc:Fallback xmlns="">
+      <p:transition spd="med">
+        <p:fade/>
+      </p:transition>
+    </mc:Fallback>
+  </mc:AlternateContent>
+  <p:timing>
+    <p:tnLst>
+      <p:par>
+        <p:cTn id="1" dur="indefinite" restart="never" nodeType="tmRoot">
+          <p:childTnLst>
+            <p:seq concurrent="1" nextAc="seek">
+              <p:cTn id="2" dur="indefinite" nodeType="mainSeq">
+                <p:childTnLst>
+                  <p:par>
+                    <p:cTn id="3" fill="hold">
+                      <p:stCondLst>
+                        <p:cond delay="indefinite"/>
+                      </p:stCondLst>
+                      <p:childTnLst>
+                        <p:par>
+                          <p:cTn id="4" fill="hold">
+                            <p:stCondLst>
+                              <p:cond delay="0"/>
+                            </p:stCondLst>
+                            <p:childTnLst>
+                              <p:par>
+                                <p:cTn id="5" presetID="1" presetClass="entr" presetSubtype="0" fill="hold" nodeType="clickEffect">
+                                  <p:stCondLst>
+                                    <p:cond delay="0"/>
+                                  </p:stCondLst>
+                                  <p:childTnLst>
+                                    <p:set>
+                                      <p:cBhvr>
+                                        <p:cTn id="6" dur="1" fill="hold">
+                                          <p:stCondLst>
+                                            <p:cond delay="0"/>
+                                          </p:stCondLst>
+                                        </p:cTn>
+                                        <p:tgtEl>
+                                          <p:spTgt spid="6">
+                                            <p:txEl>
+                                              <p:pRg st="0" end="0"/>
+                                            </p:txEl>
+                                          </p:spTgt>
+                                        </p:tgtEl>
+                                        <p:attrNameLst>
+                                          <p:attrName>style.visibility</p:attrName>
+                                        </p:attrNameLst>
+                                      </p:cBhvr>
+                                      <p:to>
+                                        <p:strVal val="visible"/>
+                                      </p:to>
+                                    </p:set>
+                                  </p:childTnLst>
+                                </p:cTn>
+                              </p:par>
+                              <p:par>
+                                <p:cTn id="7" presetID="1" presetClass="entr" presetSubtype="0" fill="hold" nodeType="withEffect">
+                                  <p:stCondLst>
+                                    <p:cond delay="0"/>
+                                  </p:stCondLst>
+                                  <p:childTnLst>
+                                    <p:set>
+                                      <p:cBhvr>
+                                        <p:cTn id="8" dur="1" fill="hold">
+                                          <p:stCondLst>
+                                            <p:cond delay="0"/>
+                                          </p:stCondLst>
+                                        </p:cTn>
+                                        <p:tgtEl>
+                                          <p:spTgt spid="6">
+                                            <p:txEl>
+                                              <p:pRg st="1" end="1"/>
+                                            </p:txEl>
+                                          </p:spTgt>
+                                        </p:tgtEl>
+                                        <p:attrNameLst>
+                                          <p:attrName>style.visibility</p:attrName>
+                                        </p:attrNameLst>
+                                      </p:cBhvr>
+                                      <p:to>
+                                        <p:strVal val="visible"/>
+                                      </p:to>
+                                    </p:set>
+                                  </p:childTnLst>
+                                </p:cTn>
+                              </p:par>
+                              <p:par>
+                                <p:cTn id="9" presetID="1" presetClass="entr" presetSubtype="0" fill="hold" grpId="0" nodeType="withEffect">
+                                  <p:stCondLst>
+                                    <p:cond delay="0"/>
+                                  </p:stCondLst>
+                                  <p:childTnLst>
+                                    <p:set>
+                                      <p:cBhvr>
+                                        <p:cTn id="10" dur="1" fill="hold">
+                                          <p:stCondLst>
+                                            <p:cond delay="0"/>
+                                          </p:stCondLst>
+                                        </p:cTn>
+                                        <p:tgtEl>
+                                          <p:spTgt spid="3"/>
+                                        </p:tgtEl>
+                                        <p:attrNameLst>
+                                          <p:attrName>style.visibility</p:attrName>
+                                        </p:attrNameLst>
+                                      </p:cBhvr>
+                                      <p:to>
+                                        <p:strVal val="visible"/>
+                                      </p:to>
+                                    </p:set>
+                                  </p:childTnLst>
+                                </p:cTn>
+                              </p:par>
+                            </p:childTnLst>
+                          </p:cTn>
+                        </p:par>
+                      </p:childTnLst>
+                    </p:cTn>
+                  </p:par>
+                  <p:par>
+                    <p:cTn id="11" fill="hold">
+                      <p:stCondLst>
+                        <p:cond delay="indefinite"/>
+                      </p:stCondLst>
+                      <p:childTnLst>
+                        <p:par>
+                          <p:cTn id="12" fill="hold">
+                            <p:stCondLst>
+                              <p:cond delay="0"/>
+                            </p:stCondLst>
+                            <p:childTnLst>
+                              <p:par>
+                                <p:cTn id="13" presetID="1" presetClass="entr" presetSubtype="0" fill="hold" nodeType="clickEffect">
+                                  <p:stCondLst>
+                                    <p:cond delay="0"/>
+                                  </p:stCondLst>
+                                  <p:childTnLst>
+                                    <p:set>
+                                      <p:cBhvr>
+                                        <p:cTn id="14" dur="1" fill="hold">
+                                          <p:stCondLst>
+                                            <p:cond delay="0"/>
+                                          </p:stCondLst>
+                                        </p:cTn>
+                                        <p:tgtEl>
+                                          <p:spTgt spid="6">
+                                            <p:txEl>
+                                              <p:pRg st="3" end="3"/>
+                                            </p:txEl>
+                                          </p:spTgt>
+                                        </p:tgtEl>
+                                        <p:attrNameLst>
+                                          <p:attrName>style.visibility</p:attrName>
+                                        </p:attrNameLst>
+                                      </p:cBhvr>
+                                      <p:to>
+                                        <p:strVal val="visible"/>
+                                      </p:to>
+                                    </p:set>
+                                  </p:childTnLst>
+                                </p:cTn>
+                              </p:par>
+                              <p:par>
+                                <p:cTn id="15" presetID="1" presetClass="entr" presetSubtype="0" fill="hold" nodeType="withEffect">
+                                  <p:stCondLst>
+                                    <p:cond delay="0"/>
+                                  </p:stCondLst>
+                                  <p:childTnLst>
+                                    <p:set>
+                                      <p:cBhvr>
+                                        <p:cTn id="16" dur="1" fill="hold">
+                                          <p:stCondLst>
+                                            <p:cond delay="0"/>
+                                          </p:stCondLst>
+                                        </p:cTn>
+                                        <p:tgtEl>
+                                          <p:spTgt spid="6">
+                                            <p:txEl>
+                                              <p:pRg st="4" end="4"/>
+                                            </p:txEl>
+                                          </p:spTgt>
+                                        </p:tgtEl>
+                                        <p:attrNameLst>
+                                          <p:attrName>style.visibility</p:attrName>
+                                        </p:attrNameLst>
+                                      </p:cBhvr>
+                                      <p:to>
+                                        <p:strVal val="visible"/>
+                                      </p:to>
+                                    </p:set>
+                                  </p:childTnLst>
+                                </p:cTn>
+                              </p:par>
+                            </p:childTnLst>
+                          </p:cTn>
+                        </p:par>
+                      </p:childTnLst>
+                    </p:cTn>
+                  </p:par>
+                </p:childTnLst>
+              </p:cTn>
+              <p:prevCondLst>
+                <p:cond evt="onPrev" delay="0">
+                  <p:tgtEl>
+                    <p:sldTgt/>
+                  </p:tgtEl>
+                </p:cond>
+              </p:prevCondLst>
+              <p:nextCondLst>
+                <p:cond evt="onNext" delay="0">
+                  <p:tgtEl>
+                    <p:sldTgt/>
+                  </p:tgtEl>
+                </p:cond>
+              </p:nextCondLst>
+            </p:seq>
+          </p:childTnLst>
+        </p:cTn>
+      </p:par>
+    </p:tnLst>
+    <p:bldLst>
+      <p:bldGraphic spid="3" grpId="0">
+        <p:bldAsOne/>
+      </p:bldGraphic>
+    </p:bldLst>
+  </p:timing>
+</p:sld>
+</file>
+
+<file path=ppt/slides/slide8.xml><?xml version="1.0" encoding="utf-8"?>
+<p:sld xmlns:a="http://schemas.openxmlformats.org/drawingml/2006/main" xmlns:r="http://schemas.openxmlformats.org/officeDocument/2006/relationships" xmlns:p="http://schemas.openxmlformats.org/presentationml/2006/main">
+  <p:cSld>
+    <p:spTree>
+      <p:nvGrpSpPr>
+        <p:cNvPr id="1" name="">
+          <a:extLst>
+            <a:ext uri="{FF2B5EF4-FFF2-40B4-BE49-F238E27FC236}">
+              <a16:creationId xmlns:a16="http://schemas.microsoft.com/office/drawing/2014/main" id="{95360311-EB69-E84D-B29B-A69D34836CE1}"/>
+            </a:ext>
+          </a:extLst>
+        </p:cNvPr>
+        <p:cNvGrpSpPr/>
+        <p:nvPr/>
+      </p:nvGrpSpPr>
+      <p:grpSpPr>
+        <a:xfrm>
+          <a:off x="0" y="0"/>
+          <a:ext cx="0" cy="0"/>
+          <a:chOff x="0" y="0"/>
+          <a:chExt cx="0" cy="0"/>
+        </a:xfrm>
+      </p:grpSpPr>
+      <p:sp>
+        <p:nvSpPr>
+          <p:cNvPr id="63490" name="Rectangle 2">
+            <a:extLst>
+              <a:ext uri="{FF2B5EF4-FFF2-40B4-BE49-F238E27FC236}">
+                <a16:creationId xmlns:a16="http://schemas.microsoft.com/office/drawing/2014/main" id="{B1630046-287D-264C-0F36-58D51C2608CC}"/>
+              </a:ext>
+            </a:extLst>
+          </p:cNvPr>
+          <p:cNvSpPr>
+            <a:spLocks noGrp="1" noChangeArrowheads="1"/>
+          </p:cNvSpPr>
+          <p:nvPr>
+            <p:ph type="title"/>
+          </p:nvPr>
+        </p:nvSpPr>
+        <p:spPr>
+          <a:xfrm>
+            <a:off x="286747" y="1104559"/>
+            <a:ext cx="6660232" cy="565151"/>
+          </a:xfrm>
+          <a:noFill/>
+        </p:spPr>
+        <p:txBody>
+          <a:bodyPr>
+            <a:noAutofit/>
+          </a:bodyPr>
+          <a:lstStyle/>
+          <a:p>
+            <a:r>
+              <a:rPr lang="en-CA" sz="3733" dirty="0"/>
+              <a:t>Step 6.  Business Model </a:t>
+            </a:r>
+          </a:p>
+        </p:txBody>
+      </p:sp>
+      <p:sp>
+        <p:nvSpPr>
+          <p:cNvPr id="6" name="Rectangle 3">
+            <a:extLst>
+              <a:ext uri="{FF2B5EF4-FFF2-40B4-BE49-F238E27FC236}">
+                <a16:creationId xmlns:a16="http://schemas.microsoft.com/office/drawing/2014/main" id="{2EC2C951-F89F-B409-1316-6906058AA461}"/>
+              </a:ext>
+            </a:extLst>
+          </p:cNvPr>
+          <p:cNvSpPr txBox="1">
+            <a:spLocks noChangeArrowheads="1"/>
+          </p:cNvSpPr>
+          <p:nvPr/>
+        </p:nvSpPr>
+        <p:spPr>
+          <a:xfrm>
             <a:off x="2042809" y="1716136"/>
             <a:ext cx="9808339" cy="3023564"/>
           </a:xfrm>
@@ -22989,7 +30985,13 @@
       </p:sp>
       <p:pic>
         <p:nvPicPr>
-          <p:cNvPr id="7" name="Picture 9"/>
+          <p:cNvPr id="7" name="Picture 9">
+            <a:extLst>
+              <a:ext uri="{FF2B5EF4-FFF2-40B4-BE49-F238E27FC236}">
+                <a16:creationId xmlns:a16="http://schemas.microsoft.com/office/drawing/2014/main" id="{7E3F0867-922C-B941-2927-B89434035E86}"/>
+              </a:ext>
+            </a:extLst>
+          </p:cNvPr>
           <p:cNvPicPr>
             <a:picLocks noChangeAspect="1"/>
           </p:cNvPicPr>
@@ -23044,20 +31046,14 @@
           <p:cNvPr id="2" name="Table 1">
             <a:extLst>
               <a:ext uri="{FF2B5EF4-FFF2-40B4-BE49-F238E27FC236}">
-                <a16:creationId xmlns:a16="http://schemas.microsoft.com/office/drawing/2014/main" id="{3FC8E65D-0038-4B0C-2349-3D26D976C251}"/>
+                <a16:creationId xmlns:a16="http://schemas.microsoft.com/office/drawing/2014/main" id="{FE2D8E77-833D-3039-7E34-AFDC13E97AC3}"/>
               </a:ext>
             </a:extLst>
           </p:cNvPr>
           <p:cNvGraphicFramePr>
             <a:graphicFrameLocks noGrp="1"/>
           </p:cNvGraphicFramePr>
-          <p:nvPr>
-            <p:extLst>
-              <p:ext uri="{D42A27DB-BD31-4B8C-83A1-F6EECF244321}">
-                <p14:modId xmlns:p14="http://schemas.microsoft.com/office/powerpoint/2010/main" val="1764381267"/>
-              </p:ext>
-            </p:extLst>
-          </p:nvPr>
+          <p:nvPr/>
         </p:nvGraphicFramePr>
         <p:xfrm>
           <a:off x="2042809" y="5096744"/>
@@ -23293,20 +31289,20 @@
     </p:spTree>
     <p:extLst>
       <p:ext uri="{BB962C8B-B14F-4D97-AF65-F5344CB8AC3E}">
-        <p14:creationId xmlns:p14="http://schemas.microsoft.com/office/powerpoint/2010/main" val="21241760"/>
+        <p14:creationId xmlns:p14="http://schemas.microsoft.com/office/powerpoint/2010/main" val="2963762827"/>
       </p:ext>
     </p:extLst>
   </p:cSld>
   <p:clrMapOvr>
     <a:masterClrMapping/>
   </p:clrMapOvr>
-  <mc:AlternateContent xmlns:mc="http://schemas.openxmlformats.org/markup-compatibility/2006" xmlns:p14="http://schemas.microsoft.com/office/powerpoint/2010/main">
-    <mc:Choice Requires="p14">
+  <mc:AlternateContent xmlns:mc="http://schemas.openxmlformats.org/markup-compatibility/2006">
+    <mc:Choice xmlns:p14="http://schemas.microsoft.com/office/powerpoint/2010/main" Requires="p14">
       <p:transition spd="med" p14:dur="700">
         <p:fade/>
       </p:transition>
     </mc:Choice>
-    <mc:Fallback xmlns="">
+    <mc:Fallback>
       <p:transition spd="med">
         <p:fade/>
       </p:transition>
@@ -23612,7 +31608,7 @@
 </p:sld>
 </file>
 
-<file path=ppt/slides/slide8.xml><?xml version="1.0" encoding="utf-8"?>
+<file path=ppt/slides/slide9.xml><?xml version="1.0" encoding="utf-8"?>
 <p:sld xmlns:a="http://schemas.openxmlformats.org/drawingml/2006/main" xmlns:r="http://schemas.openxmlformats.org/officeDocument/2006/relationships" xmlns:p="http://schemas.openxmlformats.org/presentationml/2006/main">
   <p:cSld>
     <p:spTree>
@@ -23743,145 +31739,6 @@
     <p:extLst>
       <p:ext uri="{BB962C8B-B14F-4D97-AF65-F5344CB8AC3E}">
         <p14:creationId xmlns:p14="http://schemas.microsoft.com/office/powerpoint/2010/main" val="852876430"/>
-      </p:ext>
-    </p:extLst>
-  </p:cSld>
-  <p:clrMapOvr>
-    <a:masterClrMapping/>
-  </p:clrMapOvr>
-  <mc:AlternateContent xmlns:mc="http://schemas.openxmlformats.org/markup-compatibility/2006" xmlns:p14="http://schemas.microsoft.com/office/powerpoint/2010/main">
-    <mc:Choice Requires="p14">
-      <p:transition spd="med" p14:dur="700">
-        <p:fade/>
-      </p:transition>
-    </mc:Choice>
-    <mc:Fallback xmlns="">
-      <p:transition spd="med">
-        <p:fade/>
-      </p:transition>
-    </mc:Fallback>
-  </mc:AlternateContent>
-</p:sld>
-</file>
-
-<file path=ppt/slides/slide9.xml><?xml version="1.0" encoding="utf-8"?>
-<p:sld xmlns:a="http://schemas.openxmlformats.org/drawingml/2006/main" xmlns:r="http://schemas.openxmlformats.org/officeDocument/2006/relationships" xmlns:p="http://schemas.openxmlformats.org/presentationml/2006/main" show="0">
-  <p:cSld>
-    <p:spTree>
-      <p:nvGrpSpPr>
-        <p:cNvPr id="1" name=""/>
-        <p:cNvGrpSpPr/>
-        <p:nvPr/>
-      </p:nvGrpSpPr>
-      <p:grpSpPr>
-        <a:xfrm>
-          <a:off x="0" y="0"/>
-          <a:ext cx="0" cy="0"/>
-          <a:chOff x="0" y="0"/>
-          <a:chExt cx="0" cy="0"/>
-        </a:xfrm>
-      </p:grpSpPr>
-      <p:sp>
-        <p:nvSpPr>
-          <p:cNvPr id="2" name="Title 1">
-            <a:extLst>
-              <a:ext uri="{FF2B5EF4-FFF2-40B4-BE49-F238E27FC236}">
-                <a16:creationId xmlns:a16="http://schemas.microsoft.com/office/drawing/2014/main" id="{AEDF1E11-BB0E-FF82-9D9E-562E4141FDCA}"/>
-              </a:ext>
-            </a:extLst>
-          </p:cNvPr>
-          <p:cNvSpPr>
-            <a:spLocks noGrp="1"/>
-          </p:cNvSpPr>
-          <p:nvPr>
-            <p:ph type="title"/>
-          </p:nvPr>
-        </p:nvSpPr>
-        <p:spPr/>
-        <p:txBody>
-          <a:bodyPr/>
-          <a:lstStyle/>
-          <a:p>
-            <a:r>
-              <a:rPr lang="en-US" dirty="0"/>
-              <a:t>Step 7b. Specific Project Components</a:t>
-            </a:r>
-          </a:p>
-        </p:txBody>
-      </p:sp>
-      <p:sp>
-        <p:nvSpPr>
-          <p:cNvPr id="3" name="Text Placeholder 2">
-            <a:extLst>
-              <a:ext uri="{FF2B5EF4-FFF2-40B4-BE49-F238E27FC236}">
-                <a16:creationId xmlns:a16="http://schemas.microsoft.com/office/drawing/2014/main" id="{4FD779C0-08B7-4DD0-64BF-7B8F1EFAC4FF}"/>
-              </a:ext>
-            </a:extLst>
-          </p:cNvPr>
-          <p:cNvSpPr>
-            <a:spLocks noGrp="1"/>
-          </p:cNvSpPr>
-          <p:nvPr>
-            <p:ph type="body" idx="1"/>
-          </p:nvPr>
-        </p:nvSpPr>
-        <p:spPr/>
-        <p:txBody>
-          <a:bodyPr/>
-          <a:lstStyle/>
-          <a:p>
-            <a:r>
-              <a:rPr lang="en-US" dirty="0"/>
-              <a:t>Research and Writing</a:t>
-            </a:r>
-          </a:p>
-          <a:p>
-            <a:endParaRPr lang="en-US" dirty="0"/>
-          </a:p>
-          <a:p>
-            <a:r>
-              <a:rPr lang="en-US" dirty="0"/>
-              <a:t>Building the App/Website</a:t>
-            </a:r>
-          </a:p>
-          <a:p>
-            <a:endParaRPr lang="en-US" dirty="0"/>
-          </a:p>
-          <a:p>
-            <a:r>
-              <a:rPr lang="en-US" dirty="0"/>
-              <a:t>Integration with AMS</a:t>
-            </a:r>
-          </a:p>
-          <a:p>
-            <a:endParaRPr lang="en-US" dirty="0"/>
-          </a:p>
-          <a:p>
-            <a:r>
-              <a:rPr lang="en-US" dirty="0"/>
-              <a:t>Integrating New Tools</a:t>
-            </a:r>
-          </a:p>
-          <a:p>
-            <a:pPr lvl="1"/>
-            <a:r>
-              <a:rPr lang="en-US" dirty="0"/>
-              <a:t>Dynamometer</a:t>
-            </a:r>
-          </a:p>
-          <a:p>
-            <a:pPr lvl="1"/>
-            <a:r>
-              <a:rPr lang="en-US" dirty="0"/>
-              <a:t>Data Collection tools</a:t>
-            </a:r>
-          </a:p>
-        </p:txBody>
-      </p:sp>
-    </p:spTree>
-    <p:extLst>
-      <p:ext uri="{BB962C8B-B14F-4D97-AF65-F5344CB8AC3E}">
-        <p14:creationId xmlns:p14="http://schemas.microsoft.com/office/powerpoint/2010/main" val="174984669"/>
       </p:ext>
     </p:extLst>
   </p:cSld>

--- a/RTP Resources/RTP_Project_Pitch.pptx
+++ b/RTP Resources/RTP_Project_Pitch.pptx
@@ -11,8 +11,8 @@
     <p:sldId id="258" r:id="rId2"/>
     <p:sldId id="273" r:id="rId3"/>
     <p:sldId id="272" r:id="rId4"/>
-    <p:sldId id="265" r:id="rId5"/>
-    <p:sldId id="266" r:id="rId6"/>
+    <p:sldId id="266" r:id="rId5"/>
+    <p:sldId id="265" r:id="rId6"/>
     <p:sldId id="267" r:id="rId7"/>
     <p:sldId id="268" r:id="rId8"/>
     <p:sldId id="275" r:id="rId9"/>
@@ -128,7 +128,7 @@
 <file path=ppt/revisionInfo.xml><?xml version="1.0" encoding="utf-8"?>
 <p1510:revInfo xmlns:a="http://schemas.openxmlformats.org/drawingml/2006/main" xmlns:r="http://schemas.openxmlformats.org/officeDocument/2006/relationships" xmlns:p1510="http://schemas.microsoft.com/office/powerpoint/2015/10/main">
   <p1510:revLst>
-    <p1510:client id="{F0D6FE74-CB47-FE4E-96FE-DF69C5E3FEE2}" v="952" dt="2025-10-09T19:04:44.562"/>
+    <p1510:client id="{F0D6FE74-CB47-FE4E-96FE-DF69C5E3FEE2}" v="1120" dt="2025-10-14T19:04:35.671"/>
   </p1510:revLst>
 </p1510:revInfo>
 </file>
@@ -148,14 +148,6 @@
           <pc:docMk/>
           <pc:sldMk cId="3543289025" sldId="258"/>
         </pc:sldMkLst>
-        <pc:spChg chg="mod">
-          <ac:chgData name="Andrew Kates" userId="8fd5ec3e-c8da-46f6-bbad-ce7a7878ba0f" providerId="ADAL" clId="{F0D6FE74-CB47-FE4E-96FE-DF69C5E3FEE2}" dt="2025-09-12T14:09:23.441" v="9859" actId="20577"/>
-          <ac:spMkLst>
-            <pc:docMk/>
-            <pc:sldMk cId="3543289025" sldId="258"/>
-            <ac:spMk id="2" creationId="{00000000-0000-0000-0000-000000000000}"/>
-          </ac:spMkLst>
-        </pc:spChg>
       </pc:sldChg>
       <pc:sldChg chg="del">
         <pc:chgData name="Andrew Kates" userId="8fd5ec3e-c8da-46f6-bbad-ce7a7878ba0f" providerId="ADAL" clId="{F0D6FE74-CB47-FE4E-96FE-DF69C5E3FEE2}" dt="2025-08-20T14:16:50.633" v="1839" actId="2696"/>
@@ -177,14 +169,6 @@
           <pc:docMk/>
           <pc:sldMk cId="568366746" sldId="265"/>
         </pc:sldMkLst>
-        <pc:graphicFrameChg chg="add mod">
-          <ac:chgData name="Andrew Kates" userId="8fd5ec3e-c8da-46f6-bbad-ce7a7878ba0f" providerId="ADAL" clId="{F0D6FE74-CB47-FE4E-96FE-DF69C5E3FEE2}" dt="2025-09-13T15:27:55.671" v="13676" actId="1076"/>
-          <ac:graphicFrameMkLst>
-            <pc:docMk/>
-            <pc:sldMk cId="568366746" sldId="265"/>
-            <ac:graphicFrameMk id="2" creationId="{D0A8F765-861F-91C7-36C3-3555BF0BF1D9}"/>
-          </ac:graphicFrameMkLst>
-        </pc:graphicFrameChg>
       </pc:sldChg>
       <pc:sldChg chg="addSp delSp modSp mod modTransition modAnim modNotesTx">
         <pc:chgData name="Andrew Kates" userId="8fd5ec3e-c8da-46f6-bbad-ce7a7878ba0f" providerId="ADAL" clId="{F0D6FE74-CB47-FE4E-96FE-DF69C5E3FEE2}" dt="2025-10-09T13:07:42.425" v="21286"/>
@@ -198,14 +182,6 @@
             <pc:docMk/>
             <pc:sldMk cId="3918262711" sldId="266"/>
             <ac:spMk id="2" creationId="{F045E61D-139D-5577-3EA2-79A0AB5C7858}"/>
-          </ac:spMkLst>
-        </pc:spChg>
-        <pc:spChg chg="add del mod">
-          <ac:chgData name="Andrew Kates" userId="8fd5ec3e-c8da-46f6-bbad-ce7a7878ba0f" providerId="ADAL" clId="{F0D6FE74-CB47-FE4E-96FE-DF69C5E3FEE2}" dt="2025-10-09T13:07:37.142" v="21285"/>
-          <ac:spMkLst>
-            <pc:docMk/>
-            <pc:sldMk cId="3918262711" sldId="266"/>
-            <ac:spMk id="3" creationId="{65895AE8-C4DE-7EAC-26BA-75D182ABB822}"/>
           </ac:spMkLst>
         </pc:spChg>
         <pc:spChg chg="add mod">
@@ -231,14 +207,6 @@
           <pc:docMk/>
           <pc:sldMk cId="310404465" sldId="267"/>
         </pc:sldMkLst>
-        <pc:spChg chg="add del mod">
-          <ac:chgData name="Andrew Kates" userId="8fd5ec3e-c8da-46f6-bbad-ce7a7878ba0f" providerId="ADAL" clId="{F0D6FE74-CB47-FE4E-96FE-DF69C5E3FEE2}" dt="2025-10-09T13:07:47.558" v="21287" actId="478"/>
-          <ac:spMkLst>
-            <pc:docMk/>
-            <pc:sldMk cId="310404465" sldId="267"/>
-            <ac:spMk id="2" creationId="{7398FFBD-CFF4-AFAF-EC31-4B3270C3E1CB}"/>
-          </ac:spMkLst>
-        </pc:spChg>
         <pc:spChg chg="mod">
           <ac:chgData name="Andrew Kates" userId="8fd5ec3e-c8da-46f6-bbad-ce7a7878ba0f" providerId="ADAL" clId="{F0D6FE74-CB47-FE4E-96FE-DF69C5E3FEE2}" dt="2025-10-09T13:08:13.556" v="21327" actId="20577"/>
           <ac:spMkLst>
@@ -262,14 +230,6 @@
             <ac:spMk id="6" creationId="{00000000-0000-0000-0000-000000000000}"/>
           </ac:spMkLst>
         </pc:spChg>
-        <pc:graphicFrameChg chg="add mod modGraphic">
-          <ac:chgData name="Andrew Kates" userId="8fd5ec3e-c8da-46f6-bbad-ce7a7878ba0f" providerId="ADAL" clId="{F0D6FE74-CB47-FE4E-96FE-DF69C5E3FEE2}" dt="2025-10-09T13:16:04.157" v="21800" actId="20577"/>
-          <ac:graphicFrameMkLst>
-            <pc:docMk/>
-            <pc:sldMk cId="21241760" sldId="268"/>
-            <ac:graphicFrameMk id="2" creationId="{3FC8E65D-0038-4B0C-2349-3D26D976C251}"/>
-          </ac:graphicFrameMkLst>
-        </pc:graphicFrameChg>
       </pc:sldChg>
       <pc:sldChg chg="addSp delSp modSp mod modTransition modNotesTx">
         <pc:chgData name="Andrew Kates" userId="8fd5ec3e-c8da-46f6-bbad-ce7a7878ba0f" providerId="ADAL" clId="{F0D6FE74-CB47-FE4E-96FE-DF69C5E3FEE2}" dt="2025-10-09T14:05:59.713" v="22974" actId="20577"/>
@@ -306,14 +266,6 @@
           <pc:docMk/>
           <pc:sldMk cId="1988230745" sldId="272"/>
         </pc:sldMkLst>
-        <pc:spChg chg="mod">
-          <ac:chgData name="Andrew Kates" userId="8fd5ec3e-c8da-46f6-bbad-ce7a7878ba0f" providerId="ADAL" clId="{F0D6FE74-CB47-FE4E-96FE-DF69C5E3FEE2}" dt="2025-09-12T21:00:32.802" v="13200" actId="313"/>
-          <ac:spMkLst>
-            <pc:docMk/>
-            <pc:sldMk cId="1988230745" sldId="272"/>
-            <ac:spMk id="6" creationId="{BF6273ED-31A9-B065-41E0-91AB18C6B476}"/>
-          </ac:spMkLst>
-        </pc:spChg>
       </pc:sldChg>
       <pc:sldChg chg="addSp delSp modSp add mod modTransition modNotesTx">
         <pc:chgData name="Andrew Kates" userId="8fd5ec3e-c8da-46f6-bbad-ce7a7878ba0f" providerId="ADAL" clId="{F0D6FE74-CB47-FE4E-96FE-DF69C5E3FEE2}" dt="2025-10-09T13:55:45.004" v="22935" actId="20577"/>
@@ -321,22 +273,6 @@
           <pc:docMk/>
           <pc:sldMk cId="2177813612" sldId="273"/>
         </pc:sldMkLst>
-        <pc:spChg chg="add del mod">
-          <ac:chgData name="Andrew Kates" userId="8fd5ec3e-c8da-46f6-bbad-ce7a7878ba0f" providerId="ADAL" clId="{F0D6FE74-CB47-FE4E-96FE-DF69C5E3FEE2}" dt="2025-09-12T12:50:59.304" v="7292" actId="478"/>
-          <ac:spMkLst>
-            <pc:docMk/>
-            <pc:sldMk cId="2177813612" sldId="273"/>
-            <ac:spMk id="6" creationId="{4A6E5B51-4509-719F-7BA8-9CE908EAD025}"/>
-          </ac:spMkLst>
-        </pc:spChg>
-        <pc:graphicFrameChg chg="add del mod modGraphic">
-          <ac:chgData name="Andrew Kates" userId="8fd5ec3e-c8da-46f6-bbad-ce7a7878ba0f" providerId="ADAL" clId="{F0D6FE74-CB47-FE4E-96FE-DF69C5E3FEE2}" dt="2025-09-12T20:06:30.130" v="12115" actId="20577"/>
-          <ac:graphicFrameMkLst>
-            <pc:docMk/>
-            <pc:sldMk cId="2177813612" sldId="273"/>
-            <ac:graphicFrameMk id="3" creationId="{4117B0BF-A6F2-802D-6475-C3BE56322528}"/>
-          </ac:graphicFrameMkLst>
-        </pc:graphicFrameChg>
       </pc:sldChg>
       <pc:sldChg chg="modSp new mod modTransition modShow">
         <pc:chgData name="Andrew Kates" userId="8fd5ec3e-c8da-46f6-bbad-ce7a7878ba0f" providerId="ADAL" clId="{F0D6FE74-CB47-FE4E-96FE-DF69C5E3FEE2}" dt="2025-09-16T19:48:15.923" v="20331" actId="729"/>
@@ -344,22 +280,6 @@
           <pc:docMk/>
           <pc:sldMk cId="174984669" sldId="274"/>
         </pc:sldMkLst>
-        <pc:spChg chg="mod">
-          <ac:chgData name="Andrew Kates" userId="8fd5ec3e-c8da-46f6-bbad-ce7a7878ba0f" providerId="ADAL" clId="{F0D6FE74-CB47-FE4E-96FE-DF69C5E3FEE2}" dt="2025-09-13T16:49:58.770" v="14799" actId="20577"/>
-          <ac:spMkLst>
-            <pc:docMk/>
-            <pc:sldMk cId="174984669" sldId="274"/>
-            <ac:spMk id="2" creationId="{AEDF1E11-BB0E-FF82-9D9E-562E4141FDCA}"/>
-          </ac:spMkLst>
-        </pc:spChg>
-        <pc:spChg chg="mod">
-          <ac:chgData name="Andrew Kates" userId="8fd5ec3e-c8da-46f6-bbad-ce7a7878ba0f" providerId="ADAL" clId="{F0D6FE74-CB47-FE4E-96FE-DF69C5E3FEE2}" dt="2025-09-13T16:50:11.212" v="14802" actId="20577"/>
-          <ac:spMkLst>
-            <pc:docMk/>
-            <pc:sldMk cId="174984669" sldId="274"/>
-            <ac:spMk id="3" creationId="{4FD779C0-08B7-4DD0-64BF-7B8F1EFAC4FF}"/>
-          </ac:spMkLst>
-        </pc:spChg>
       </pc:sldChg>
       <pc:sldChg chg="modSp add del mod">
         <pc:chgData name="Andrew Kates" userId="8fd5ec3e-c8da-46f6-bbad-ce7a7878ba0f" providerId="ADAL" clId="{F0D6FE74-CB47-FE4E-96FE-DF69C5E3FEE2}" dt="2025-10-09T13:24:28.458" v="21812" actId="2696"/>
@@ -418,13 +338,13 @@
   </pc:docChgLst>
   <pc:docChgLst>
     <pc:chgData name="Andrew Kates" userId="8fd5ec3e-c8da-46f6-bbad-ce7a7878ba0f" providerId="ADAL" clId="{F3C475C8-A694-5247-A1B1-BD486B98B493}"/>
-    <pc:docChg chg="custSel addSld modSld">
-      <pc:chgData name="Andrew Kates" userId="8fd5ec3e-c8da-46f6-bbad-ce7a7878ba0f" providerId="ADAL" clId="{F3C475C8-A694-5247-A1B1-BD486B98B493}" dt="2025-10-09T19:04:44.562" v="649" actId="13822"/>
+    <pc:docChg chg="undo redo custSel addSld modSld sldOrd">
+      <pc:chgData name="Andrew Kates" userId="8fd5ec3e-c8da-46f6-bbad-ce7a7878ba0f" providerId="ADAL" clId="{F3C475C8-A694-5247-A1B1-BD486B98B493}" dt="2025-10-15T00:15:07.746" v="6657" actId="1036"/>
       <pc:docMkLst>
         <pc:docMk/>
       </pc:docMkLst>
-      <pc:sldChg chg="modSp mod">
-        <pc:chgData name="Andrew Kates" userId="8fd5ec3e-c8da-46f6-bbad-ce7a7878ba0f" providerId="ADAL" clId="{F3C475C8-A694-5247-A1B1-BD486B98B493}" dt="2025-10-09T17:44:15.355" v="15" actId="20577"/>
+      <pc:sldChg chg="modSp mod modNotesTx">
+        <pc:chgData name="Andrew Kates" userId="8fd5ec3e-c8da-46f6-bbad-ce7a7878ba0f" providerId="ADAL" clId="{F3C475C8-A694-5247-A1B1-BD486B98B493}" dt="2025-10-14T18:43:41.131" v="4821" actId="20577"/>
         <pc:sldMkLst>
           <pc:docMk/>
           <pc:sldMk cId="3543289025" sldId="258"/>
@@ -438,28 +358,73 @@
           </ac:spMkLst>
         </pc:spChg>
       </pc:sldChg>
+      <pc:sldChg chg="modSp mod modNotesTx">
+        <pc:chgData name="Andrew Kates" userId="8fd5ec3e-c8da-46f6-bbad-ce7a7878ba0f" providerId="ADAL" clId="{F3C475C8-A694-5247-A1B1-BD486B98B493}" dt="2025-10-14T18:59:41.287" v="5622" actId="20577"/>
+        <pc:sldMkLst>
+          <pc:docMk/>
+          <pc:sldMk cId="568366746" sldId="265"/>
+        </pc:sldMkLst>
+        <pc:spChg chg="mod">
+          <ac:chgData name="Andrew Kates" userId="8fd5ec3e-c8da-46f6-bbad-ce7a7878ba0f" providerId="ADAL" clId="{F3C475C8-A694-5247-A1B1-BD486B98B493}" dt="2025-10-14T18:58:49.491" v="5598" actId="20577"/>
+          <ac:spMkLst>
+            <pc:docMk/>
+            <pc:sldMk cId="568366746" sldId="265"/>
+            <ac:spMk id="63490" creationId="{00000000-0000-0000-0000-000000000000}"/>
+          </ac:spMkLst>
+        </pc:spChg>
+      </pc:sldChg>
+      <pc:sldChg chg="addSp delSp modSp mod ord modAnim modNotesTx">
+        <pc:chgData name="Andrew Kates" userId="8fd5ec3e-c8da-46f6-bbad-ce7a7878ba0f" providerId="ADAL" clId="{F3C475C8-A694-5247-A1B1-BD486B98B493}" dt="2025-10-14T18:58:26.302" v="5594" actId="20577"/>
+        <pc:sldMkLst>
+          <pc:docMk/>
+          <pc:sldMk cId="3918262711" sldId="266"/>
+        </pc:sldMkLst>
+        <pc:spChg chg="mod">
+          <ac:chgData name="Andrew Kates" userId="8fd5ec3e-c8da-46f6-bbad-ce7a7878ba0f" providerId="ADAL" clId="{F3C475C8-A694-5247-A1B1-BD486B98B493}" dt="2025-10-14T18:54:34.751" v="5249" actId="1076"/>
+          <ac:spMkLst>
+            <pc:docMk/>
+            <pc:sldMk cId="3918262711" sldId="266"/>
+            <ac:spMk id="2" creationId="{F045E61D-139D-5577-3EA2-79A0AB5C7858}"/>
+          </ac:spMkLst>
+        </pc:spChg>
+        <pc:spChg chg="add del">
+          <ac:chgData name="Andrew Kates" userId="8fd5ec3e-c8da-46f6-bbad-ce7a7878ba0f" providerId="ADAL" clId="{F3C475C8-A694-5247-A1B1-BD486B98B493}" dt="2025-10-14T18:54:13.810" v="5247" actId="11529"/>
+          <ac:spMkLst>
+            <pc:docMk/>
+            <pc:sldMk cId="3918262711" sldId="266"/>
+            <ac:spMk id="3" creationId="{CBD4E8C3-2053-95E1-0FE9-467088485B0F}"/>
+          </ac:spMkLst>
+        </pc:spChg>
+        <pc:spChg chg="mod">
+          <ac:chgData name="Andrew Kates" userId="8fd5ec3e-c8da-46f6-bbad-ce7a7878ba0f" providerId="ADAL" clId="{F3C475C8-A694-5247-A1B1-BD486B98B493}" dt="2025-10-14T18:54:44.199" v="5251" actId="20577"/>
+          <ac:spMkLst>
+            <pc:docMk/>
+            <pc:sldMk cId="3918262711" sldId="266"/>
+            <ac:spMk id="63490" creationId="{00000000-0000-0000-0000-000000000000}"/>
+          </ac:spMkLst>
+        </pc:spChg>
+      </pc:sldChg>
+      <pc:sldChg chg="modAnim modNotesTx">
+        <pc:chgData name="Andrew Kates" userId="8fd5ec3e-c8da-46f6-bbad-ce7a7878ba0f" providerId="ADAL" clId="{F3C475C8-A694-5247-A1B1-BD486B98B493}" dt="2025-10-14T20:26:04.084" v="6645" actId="20577"/>
+        <pc:sldMkLst>
+          <pc:docMk/>
+          <pc:sldMk cId="310404465" sldId="267"/>
+        </pc:sldMkLst>
+      </pc:sldChg>
       <pc:sldChg chg="addSp delSp modSp mod delAnim modAnim modNotesTx">
-        <pc:chgData name="Andrew Kates" userId="8fd5ec3e-c8da-46f6-bbad-ce7a7878ba0f" providerId="ADAL" clId="{F3C475C8-A694-5247-A1B1-BD486B98B493}" dt="2025-10-09T19:04:44.562" v="649" actId="13822"/>
+        <pc:chgData name="Andrew Kates" userId="8fd5ec3e-c8da-46f6-bbad-ce7a7878ba0f" providerId="ADAL" clId="{F3C475C8-A694-5247-A1B1-BD486B98B493}" dt="2025-10-15T00:15:07.746" v="6657" actId="1036"/>
         <pc:sldMkLst>
           <pc:docMk/>
           <pc:sldMk cId="21241760" sldId="268"/>
         </pc:sldMkLst>
         <pc:spChg chg="mod">
-          <ac:chgData name="Andrew Kates" userId="8fd5ec3e-c8da-46f6-bbad-ce7a7878ba0f" providerId="ADAL" clId="{F3C475C8-A694-5247-A1B1-BD486B98B493}" dt="2025-10-09T19:00:38.482" v="573" actId="20577"/>
+          <ac:chgData name="Andrew Kates" userId="8fd5ec3e-c8da-46f6-bbad-ce7a7878ba0f" providerId="ADAL" clId="{F3C475C8-A694-5247-A1B1-BD486B98B493}" dt="2025-10-15T00:15:07.746" v="6657" actId="1036"/>
           <ac:spMkLst>
             <pc:docMk/>
             <pc:sldMk cId="21241760" sldId="268"/>
             <ac:spMk id="6" creationId="{00000000-0000-0000-0000-000000000000}"/>
           </ac:spMkLst>
         </pc:spChg>
-        <pc:graphicFrameChg chg="del">
-          <ac:chgData name="Andrew Kates" userId="8fd5ec3e-c8da-46f6-bbad-ce7a7878ba0f" providerId="ADAL" clId="{F3C475C8-A694-5247-A1B1-BD486B98B493}" dt="2025-10-09T18:55:19.361" v="332" actId="478"/>
-          <ac:graphicFrameMkLst>
-            <pc:docMk/>
-            <pc:sldMk cId="21241760" sldId="268"/>
-            <ac:graphicFrameMk id="2" creationId="{3FC8E65D-0038-4B0C-2349-3D26D976C251}"/>
-          </ac:graphicFrameMkLst>
-        </pc:graphicFrameChg>
         <pc:graphicFrameChg chg="add mod">
           <ac:chgData name="Andrew Kates" userId="8fd5ec3e-c8da-46f6-bbad-ce7a7878ba0f" providerId="ADAL" clId="{F3C475C8-A694-5247-A1B1-BD486B98B493}" dt="2025-10-09T19:04:44.562" v="649" actId="13822"/>
           <ac:graphicFrameMkLst>
@@ -468,17 +433,38 @@
             <ac:graphicFrameMk id="3" creationId="{F4A1F89C-3934-2C7C-CDDF-016B44BD3395}"/>
           </ac:graphicFrameMkLst>
         </pc:graphicFrameChg>
-        <pc:picChg chg="del">
-          <ac:chgData name="Andrew Kates" userId="8fd5ec3e-c8da-46f6-bbad-ce7a7878ba0f" providerId="ADAL" clId="{F3C475C8-A694-5247-A1B1-BD486B98B493}" dt="2025-10-09T18:57:05.958" v="348" actId="478"/>
-          <ac:picMkLst>
+      </pc:sldChg>
+      <pc:sldChg chg="modSp modNotesTx">
+        <pc:chgData name="Andrew Kates" userId="8fd5ec3e-c8da-46f6-bbad-ce7a7878ba0f" providerId="ADAL" clId="{F3C475C8-A694-5247-A1B1-BD486B98B493}" dt="2025-10-14T19:07:40.933" v="6220" actId="20577"/>
+        <pc:sldMkLst>
+          <pc:docMk/>
+          <pc:sldMk cId="852876430" sldId="269"/>
+        </pc:sldMkLst>
+        <pc:graphicFrameChg chg="mod">
+          <ac:chgData name="Andrew Kates" userId="8fd5ec3e-c8da-46f6-bbad-ce7a7878ba0f" providerId="ADAL" clId="{F3C475C8-A694-5247-A1B1-BD486B98B493}" dt="2025-10-14T14:53:41.498" v="3675" actId="20577"/>
+          <ac:graphicFrameMkLst>
             <pc:docMk/>
-            <pc:sldMk cId="21241760" sldId="268"/>
-            <ac:picMk id="7" creationId="{00000000-0000-0000-0000-000000000000}"/>
-          </ac:picMkLst>
-        </pc:picChg>
+            <pc:sldMk cId="852876430" sldId="269"/>
+            <ac:graphicFrameMk id="4" creationId="{21742B22-5B55-7295-D23E-4E6F20BD00E8}"/>
+          </ac:graphicFrameMkLst>
+        </pc:graphicFrameChg>
       </pc:sldChg>
-      <pc:sldChg chg="add">
-        <pc:chgData name="Andrew Kates" userId="8fd5ec3e-c8da-46f6-bbad-ce7a7878ba0f" providerId="ADAL" clId="{F3C475C8-A694-5247-A1B1-BD486B98B493}" dt="2025-10-09T18:55:11.592" v="323" actId="2890"/>
+      <pc:sldChg chg="modNotesTx">
+        <pc:chgData name="Andrew Kates" userId="8fd5ec3e-c8da-46f6-bbad-ce7a7878ba0f" providerId="ADAL" clId="{F3C475C8-A694-5247-A1B1-BD486B98B493}" dt="2025-10-14T18:11:42.946" v="4785" actId="20577"/>
+        <pc:sldMkLst>
+          <pc:docMk/>
+          <pc:sldMk cId="1988230745" sldId="272"/>
+        </pc:sldMkLst>
+      </pc:sldChg>
+      <pc:sldChg chg="modNotesTx">
+        <pc:chgData name="Andrew Kates" userId="8fd5ec3e-c8da-46f6-bbad-ce7a7878ba0f" providerId="ADAL" clId="{F3C475C8-A694-5247-A1B1-BD486B98B493}" dt="2025-10-14T19:59:37.505" v="6303" actId="20577"/>
+        <pc:sldMkLst>
+          <pc:docMk/>
+          <pc:sldMk cId="2177813612" sldId="273"/>
+        </pc:sldMkLst>
+      </pc:sldChg>
+      <pc:sldChg chg="add mod modShow">
+        <pc:chgData name="Andrew Kates" userId="8fd5ec3e-c8da-46f6-bbad-ce7a7878ba0f" providerId="ADAL" clId="{F3C475C8-A694-5247-A1B1-BD486B98B493}" dt="2025-10-14T14:44:49.146" v="2785" actId="729"/>
         <pc:sldMkLst>
           <pc:docMk/>
           <pc:sldMk cId="2963762827" sldId="275"/>
@@ -5483,6 +5469,13 @@
     <dgm:pt modelId="{18DDC935-CA96-554F-9EA3-6389C4D8FB75}" type="doc">
       <dgm:prSet loTypeId="urn:microsoft.com/office/officeart/2005/8/layout/arrow2" loCatId="" qsTypeId="urn:microsoft.com/office/officeart/2005/8/quickstyle/simple1" qsCatId="simple" csTypeId="urn:microsoft.com/office/officeart/2005/8/colors/colorful2" csCatId="colorful" phldr="1"/>
       <dgm:spPr/>
+      <dgm:t>
+        <a:bodyPr/>
+        <a:lstStyle/>
+        <a:p>
+          <a:endParaRPr lang="en-US"/>
+        </a:p>
+      </dgm:t>
     </dgm:pt>
     <dgm:pt modelId="{18EDDBBE-BE52-2E4E-9317-37867FE5BD94}">
       <dgm:prSet phldrT="[Text]"/>
@@ -5640,6 +5633,72 @@
         </a:p>
       </dgm:t>
     </dgm:pt>
+    <dgm:pt modelId="{8FC392BF-2CA4-B84D-8764-A9ABC7D95BC0}">
+      <dgm:prSet/>
+      <dgm:spPr/>
+      <dgm:t>
+        <a:bodyPr/>
+        <a:lstStyle/>
+        <a:p>
+          <a:r>
+            <a:rPr lang="en-US" b="1" dirty="0"/>
+            <a:t>Ongoing</a:t>
+          </a:r>
+        </a:p>
+        <a:p>
+          <a:r>
+            <a:rPr lang="en-US" dirty="0"/>
+            <a:t>-implementation</a:t>
+          </a:r>
+        </a:p>
+        <a:p>
+          <a:r>
+            <a:rPr lang="en-US" dirty="0"/>
+            <a:t>-staff education</a:t>
+          </a:r>
+        </a:p>
+        <a:p>
+          <a:r>
+            <a:rPr lang="en-US" dirty="0"/>
+            <a:t>-staff support</a:t>
+          </a:r>
+        </a:p>
+        <a:p>
+          <a:r>
+            <a:rPr lang="en-US" dirty="0"/>
+            <a:t>-scaling to all target markets</a:t>
+          </a:r>
+        </a:p>
+        <a:p>
+          <a:r>
+            <a:rPr lang="en-US" dirty="0"/>
+            <a:t>-protocol iterations</a:t>
+          </a:r>
+        </a:p>
+      </dgm:t>
+    </dgm:pt>
+    <dgm:pt modelId="{18E08EE6-7D7E-D44A-9395-AB7D3851FC1B}" type="parTrans" cxnId="{23FA094A-CA8E-2B46-A023-3AB6BCE4F7D9}">
+      <dgm:prSet/>
+      <dgm:spPr/>
+      <dgm:t>
+        <a:bodyPr/>
+        <a:lstStyle/>
+        <a:p>
+          <a:endParaRPr lang="en-US"/>
+        </a:p>
+      </dgm:t>
+    </dgm:pt>
+    <dgm:pt modelId="{76145CA7-B18E-4944-BEE3-AD1E7D801BFE}" type="sibTrans" cxnId="{23FA094A-CA8E-2B46-A023-3AB6BCE4F7D9}">
+      <dgm:prSet/>
+      <dgm:spPr/>
+      <dgm:t>
+        <a:bodyPr/>
+        <a:lstStyle/>
+        <a:p>
+          <a:endParaRPr lang="en-US"/>
+        </a:p>
+      </dgm:t>
+    </dgm:pt>
     <dgm:pt modelId="{418F65F1-38CD-794D-BFCE-3E768A81F2E6}" type="pres">
       <dgm:prSet presAssocID="{18DDC935-CA96-554F-9EA3-6389C4D8FB75}" presName="arrowDiagram" presStyleCnt="0">
         <dgm:presLayoutVars>
@@ -5654,40 +5713,52 @@
       <dgm:prSet presAssocID="{18DDC935-CA96-554F-9EA3-6389C4D8FB75}" presName="arrow" presStyleLbl="bgShp" presStyleIdx="0" presStyleCnt="1"/>
       <dgm:spPr/>
     </dgm:pt>
-    <dgm:pt modelId="{7A4C1F00-A051-5C41-90D1-C2E3E95DE7FB}" type="pres">
-      <dgm:prSet presAssocID="{18DDC935-CA96-554F-9EA3-6389C4D8FB75}" presName="arrowDiagram3" presStyleCnt="0"/>
+    <dgm:pt modelId="{A1754352-0BD2-B74A-B15E-46EF685CD0FF}" type="pres">
+      <dgm:prSet presAssocID="{18DDC935-CA96-554F-9EA3-6389C4D8FB75}" presName="arrowDiagram4" presStyleCnt="0"/>
       <dgm:spPr/>
     </dgm:pt>
-    <dgm:pt modelId="{1D4B1C2A-FFA3-204C-925E-A30D672D835E}" type="pres">
-      <dgm:prSet presAssocID="{18EDDBBE-BE52-2E4E-9317-37867FE5BD94}" presName="bullet3a" presStyleLbl="node1" presStyleIdx="0" presStyleCnt="3"/>
+    <dgm:pt modelId="{F555403C-62D9-EC47-86C9-3B029FD01DD4}" type="pres">
+      <dgm:prSet presAssocID="{18EDDBBE-BE52-2E4E-9317-37867FE5BD94}" presName="bullet4a" presStyleLbl="node1" presStyleIdx="0" presStyleCnt="4"/>
       <dgm:spPr/>
     </dgm:pt>
-    <dgm:pt modelId="{DC6A8FBD-BDE7-4042-90B4-B2CFCE225173}" type="pres">
-      <dgm:prSet presAssocID="{18EDDBBE-BE52-2E4E-9317-37867FE5BD94}" presName="textBox3a" presStyleLbl="revTx" presStyleIdx="0" presStyleCnt="3" custLinFactNeighborY="5521">
+    <dgm:pt modelId="{0DB68A14-7682-CE4E-8AE6-9E54B5255CF9}" type="pres">
+      <dgm:prSet presAssocID="{18EDDBBE-BE52-2E4E-9317-37867FE5BD94}" presName="textBox4a" presStyleLbl="revTx" presStyleIdx="0" presStyleCnt="4">
         <dgm:presLayoutVars>
           <dgm:bulletEnabled val="1"/>
         </dgm:presLayoutVars>
       </dgm:prSet>
       <dgm:spPr/>
     </dgm:pt>
-    <dgm:pt modelId="{32DC94D5-2F68-C14B-8715-F262960DBFA4}" type="pres">
-      <dgm:prSet presAssocID="{465E5EC2-A615-1B4E-9260-92AC2335E354}" presName="bullet3b" presStyleLbl="node1" presStyleIdx="1" presStyleCnt="3"/>
+    <dgm:pt modelId="{B1D994DA-D6AF-6C4A-8580-C95DA386B801}" type="pres">
+      <dgm:prSet presAssocID="{465E5EC2-A615-1B4E-9260-92AC2335E354}" presName="bullet4b" presStyleLbl="node1" presStyleIdx="1" presStyleCnt="4"/>
       <dgm:spPr/>
     </dgm:pt>
-    <dgm:pt modelId="{AB7831C1-6DA0-7A45-803C-4C0E05659A73}" type="pres">
-      <dgm:prSet presAssocID="{465E5EC2-A615-1B4E-9260-92AC2335E354}" presName="textBox3b" presStyleLbl="revTx" presStyleIdx="1" presStyleCnt="3" custScaleX="112747" custLinFactNeighborX="5467" custLinFactNeighborY="6127">
+    <dgm:pt modelId="{7EC6D17C-9EA3-3344-A2CC-92A10A0EAF8C}" type="pres">
+      <dgm:prSet presAssocID="{465E5EC2-A615-1B4E-9260-92AC2335E354}" presName="textBox4b" presStyleLbl="revTx" presStyleIdx="1" presStyleCnt="4">
         <dgm:presLayoutVars>
           <dgm:bulletEnabled val="1"/>
         </dgm:presLayoutVars>
       </dgm:prSet>
       <dgm:spPr/>
     </dgm:pt>
-    <dgm:pt modelId="{5B7FD3BE-124C-8A49-BFAE-4F758D0C6E47}" type="pres">
-      <dgm:prSet presAssocID="{9B9E4CAF-B0F8-7D4D-B52E-98DD844D701E}" presName="bullet3c" presStyleLbl="node1" presStyleIdx="2" presStyleCnt="3"/>
+    <dgm:pt modelId="{2DE22D06-2299-B949-A520-E1478440B4F6}" type="pres">
+      <dgm:prSet presAssocID="{9B9E4CAF-B0F8-7D4D-B52E-98DD844D701E}" presName="bullet4c" presStyleLbl="node1" presStyleIdx="2" presStyleCnt="4"/>
       <dgm:spPr/>
     </dgm:pt>
-    <dgm:pt modelId="{AAE01114-7CCB-AB48-B529-D190B5F73A92}" type="pres">
-      <dgm:prSet presAssocID="{9B9E4CAF-B0F8-7D4D-B52E-98DD844D701E}" presName="textBox3c" presStyleLbl="revTx" presStyleIdx="2" presStyleCnt="3" custScaleX="111184" custScaleY="68919" custLinFactNeighborY="-3833">
+    <dgm:pt modelId="{AE61181F-19FF-A94C-A4EE-452FB816616C}" type="pres">
+      <dgm:prSet presAssocID="{9B9E4CAF-B0F8-7D4D-B52E-98DD844D701E}" presName="textBox4c" presStyleLbl="revTx" presStyleIdx="2" presStyleCnt="4">
+        <dgm:presLayoutVars>
+          <dgm:bulletEnabled val="1"/>
+        </dgm:presLayoutVars>
+      </dgm:prSet>
+      <dgm:spPr/>
+    </dgm:pt>
+    <dgm:pt modelId="{CF5030EC-C676-7C44-9666-83BDA7AFE7C8}" type="pres">
+      <dgm:prSet presAssocID="{8FC392BF-2CA4-B84D-8764-A9ABC7D95BC0}" presName="bullet4d" presStyleLbl="node1" presStyleIdx="3" presStyleCnt="4"/>
+      <dgm:spPr/>
+    </dgm:pt>
+    <dgm:pt modelId="{2C3B8F23-380D-CA4F-8B12-9E9A59E98977}" type="pres">
+      <dgm:prSet presAssocID="{8FC392BF-2CA4-B84D-8764-A9ABC7D95BC0}" presName="textBox4d" presStyleLbl="revTx" presStyleIdx="3" presStyleCnt="4" custScaleX="127068" custLinFactNeighborX="12752">
         <dgm:presLayoutVars>
           <dgm:bulletEnabled val="1"/>
         </dgm:presLayoutVars>
@@ -5696,21 +5767,25 @@
     </dgm:pt>
   </dgm:ptLst>
   <dgm:cxnLst>
-    <dgm:cxn modelId="{96C1CC61-105F-4441-90AF-E4ACA99147AC}" type="presOf" srcId="{18EDDBBE-BE52-2E4E-9317-37867FE5BD94}" destId="{DC6A8FBD-BDE7-4042-90B4-B2CFCE225173}" srcOrd="0" destOrd="0" presId="urn:microsoft.com/office/officeart/2005/8/layout/arrow2"/>
+    <dgm:cxn modelId="{8BDF0A2F-FA45-B643-814C-6D88B8AD468B}" type="presOf" srcId="{9B9E4CAF-B0F8-7D4D-B52E-98DD844D701E}" destId="{AE61181F-19FF-A94C-A4EE-452FB816616C}" srcOrd="0" destOrd="0" presId="urn:microsoft.com/office/officeart/2005/8/layout/arrow2"/>
+    <dgm:cxn modelId="{5B9A7B3A-C9FE-FD4B-80C2-3795828ED148}" type="presOf" srcId="{465E5EC2-A615-1B4E-9260-92AC2335E354}" destId="{7EC6D17C-9EA3-3344-A2CC-92A10A0EAF8C}" srcOrd="0" destOrd="0" presId="urn:microsoft.com/office/officeart/2005/8/layout/arrow2"/>
+    <dgm:cxn modelId="{B88B0E3D-4401-5D4D-A64D-F0E1A95C715B}" type="presOf" srcId="{18EDDBBE-BE52-2E4E-9317-37867FE5BD94}" destId="{0DB68A14-7682-CE4E-8AE6-9E54B5255CF9}" srcOrd="0" destOrd="0" presId="urn:microsoft.com/office/officeart/2005/8/layout/arrow2"/>
+    <dgm:cxn modelId="{23FA094A-CA8E-2B46-A023-3AB6BCE4F7D9}" srcId="{18DDC935-CA96-554F-9EA3-6389C4D8FB75}" destId="{8FC392BF-2CA4-B84D-8764-A9ABC7D95BC0}" srcOrd="3" destOrd="0" parTransId="{18E08EE6-7D7E-D44A-9395-AB7D3851FC1B}" sibTransId="{76145CA7-B18E-4944-BEE3-AD1E7D801BFE}"/>
+    <dgm:cxn modelId="{75F80B4B-5D7E-E847-AA13-A18096CBB407}" type="presOf" srcId="{8FC392BF-2CA4-B84D-8764-A9ABC7D95BC0}" destId="{2C3B8F23-380D-CA4F-8B12-9E9A59E98977}" srcOrd="0" destOrd="0" presId="urn:microsoft.com/office/officeart/2005/8/layout/arrow2"/>
     <dgm:cxn modelId="{D9499576-3D0C-A24D-A20D-97EDAB4B6674}" srcId="{18DDC935-CA96-554F-9EA3-6389C4D8FB75}" destId="{18EDDBBE-BE52-2E4E-9317-37867FE5BD94}" srcOrd="0" destOrd="0" parTransId="{BADB9118-5F1C-564D-90F3-E2098CBF274A}" sibTransId="{9D67C80A-E0C3-084A-B80F-83E48574D0AA}"/>
-    <dgm:cxn modelId="{E4A0E57F-A409-EF47-B60F-39DC2601BCDD}" type="presOf" srcId="{465E5EC2-A615-1B4E-9260-92AC2335E354}" destId="{AB7831C1-6DA0-7A45-803C-4C0E05659A73}" srcOrd="0" destOrd="0" presId="urn:microsoft.com/office/officeart/2005/8/layout/arrow2"/>
     <dgm:cxn modelId="{699817A4-79FD-794F-9094-E7FF7C7AFDDC}" srcId="{18DDC935-CA96-554F-9EA3-6389C4D8FB75}" destId="{465E5EC2-A615-1B4E-9260-92AC2335E354}" srcOrd="1" destOrd="0" parTransId="{03FFEC12-2813-9F44-B339-C4E9F6107949}" sibTransId="{7C786097-93A6-724D-95E9-98736942AF84}"/>
     <dgm:cxn modelId="{8C3451B0-F20E-A140-8AFA-B4A96444779A}" srcId="{18DDC935-CA96-554F-9EA3-6389C4D8FB75}" destId="{9B9E4CAF-B0F8-7D4D-B52E-98DD844D701E}" srcOrd="2" destOrd="0" parTransId="{42AEEAA0-A776-B740-BD89-5432A5B22953}" sibTransId="{869BA8FD-AD43-FE4F-A4AE-D2DEE5D196C0}"/>
     <dgm:cxn modelId="{0B819CD8-8F53-A740-A4D8-F4C7DD15DE80}" type="presOf" srcId="{18DDC935-CA96-554F-9EA3-6389C4D8FB75}" destId="{418F65F1-38CD-794D-BFCE-3E768A81F2E6}" srcOrd="0" destOrd="0" presId="urn:microsoft.com/office/officeart/2005/8/layout/arrow2"/>
-    <dgm:cxn modelId="{D0B364E5-AE9A-3843-A141-FA031F0AE042}" type="presOf" srcId="{9B9E4CAF-B0F8-7D4D-B52E-98DD844D701E}" destId="{AAE01114-7CCB-AB48-B529-D190B5F73A92}" srcOrd="0" destOrd="0" presId="urn:microsoft.com/office/officeart/2005/8/layout/arrow2"/>
     <dgm:cxn modelId="{F7D28AA5-F98F-E64E-B28D-0F5DE2C67E7C}" type="presParOf" srcId="{418F65F1-38CD-794D-BFCE-3E768A81F2E6}" destId="{FB9E4C12-5BEA-904C-8A4D-963EBEEF2246}" srcOrd="0" destOrd="0" presId="urn:microsoft.com/office/officeart/2005/8/layout/arrow2"/>
-    <dgm:cxn modelId="{72A07D5B-76A0-7A45-A0E8-24BCDC09CF51}" type="presParOf" srcId="{418F65F1-38CD-794D-BFCE-3E768A81F2E6}" destId="{7A4C1F00-A051-5C41-90D1-C2E3E95DE7FB}" srcOrd="1" destOrd="0" presId="urn:microsoft.com/office/officeart/2005/8/layout/arrow2"/>
-    <dgm:cxn modelId="{37590B12-2F7E-0C45-8071-7F04893A7E71}" type="presParOf" srcId="{7A4C1F00-A051-5C41-90D1-C2E3E95DE7FB}" destId="{1D4B1C2A-FFA3-204C-925E-A30D672D835E}" srcOrd="0" destOrd="0" presId="urn:microsoft.com/office/officeart/2005/8/layout/arrow2"/>
-    <dgm:cxn modelId="{CA01A172-6C5D-EF4E-BD95-C95B2F90C083}" type="presParOf" srcId="{7A4C1F00-A051-5C41-90D1-C2E3E95DE7FB}" destId="{DC6A8FBD-BDE7-4042-90B4-B2CFCE225173}" srcOrd="1" destOrd="0" presId="urn:microsoft.com/office/officeart/2005/8/layout/arrow2"/>
-    <dgm:cxn modelId="{D7F51147-E5C8-2F48-B8CA-14BAE3CBA381}" type="presParOf" srcId="{7A4C1F00-A051-5C41-90D1-C2E3E95DE7FB}" destId="{32DC94D5-2F68-C14B-8715-F262960DBFA4}" srcOrd="2" destOrd="0" presId="urn:microsoft.com/office/officeart/2005/8/layout/arrow2"/>
-    <dgm:cxn modelId="{7A4BE939-C176-4842-B26D-078A281C478A}" type="presParOf" srcId="{7A4C1F00-A051-5C41-90D1-C2E3E95DE7FB}" destId="{AB7831C1-6DA0-7A45-803C-4C0E05659A73}" srcOrd="3" destOrd="0" presId="urn:microsoft.com/office/officeart/2005/8/layout/arrow2"/>
-    <dgm:cxn modelId="{099094DB-7A59-0745-B17C-0BEF2F6AB72D}" type="presParOf" srcId="{7A4C1F00-A051-5C41-90D1-C2E3E95DE7FB}" destId="{5B7FD3BE-124C-8A49-BFAE-4F758D0C6E47}" srcOrd="4" destOrd="0" presId="urn:microsoft.com/office/officeart/2005/8/layout/arrow2"/>
-    <dgm:cxn modelId="{E9B7B30F-7639-9E43-95F0-CA1BB0DA15B5}" type="presParOf" srcId="{7A4C1F00-A051-5C41-90D1-C2E3E95DE7FB}" destId="{AAE01114-7CCB-AB48-B529-D190B5F73A92}" srcOrd="5" destOrd="0" presId="urn:microsoft.com/office/officeart/2005/8/layout/arrow2"/>
+    <dgm:cxn modelId="{FACC44AD-362F-C84B-8708-D2821BEDFC64}" type="presParOf" srcId="{418F65F1-38CD-794D-BFCE-3E768A81F2E6}" destId="{A1754352-0BD2-B74A-B15E-46EF685CD0FF}" srcOrd="1" destOrd="0" presId="urn:microsoft.com/office/officeart/2005/8/layout/arrow2"/>
+    <dgm:cxn modelId="{2C3AEECC-548C-7541-8268-96C7014B05E9}" type="presParOf" srcId="{A1754352-0BD2-B74A-B15E-46EF685CD0FF}" destId="{F555403C-62D9-EC47-86C9-3B029FD01DD4}" srcOrd="0" destOrd="0" presId="urn:microsoft.com/office/officeart/2005/8/layout/arrow2"/>
+    <dgm:cxn modelId="{0F3B3350-208A-ED42-A029-408715988061}" type="presParOf" srcId="{A1754352-0BD2-B74A-B15E-46EF685CD0FF}" destId="{0DB68A14-7682-CE4E-8AE6-9E54B5255CF9}" srcOrd="1" destOrd="0" presId="urn:microsoft.com/office/officeart/2005/8/layout/arrow2"/>
+    <dgm:cxn modelId="{9A854121-E1D0-034B-A8AA-07056D0A9B81}" type="presParOf" srcId="{A1754352-0BD2-B74A-B15E-46EF685CD0FF}" destId="{B1D994DA-D6AF-6C4A-8580-C95DA386B801}" srcOrd="2" destOrd="0" presId="urn:microsoft.com/office/officeart/2005/8/layout/arrow2"/>
+    <dgm:cxn modelId="{A1CACB78-79D3-D844-A6F9-4848C65680E8}" type="presParOf" srcId="{A1754352-0BD2-B74A-B15E-46EF685CD0FF}" destId="{7EC6D17C-9EA3-3344-A2CC-92A10A0EAF8C}" srcOrd="3" destOrd="0" presId="urn:microsoft.com/office/officeart/2005/8/layout/arrow2"/>
+    <dgm:cxn modelId="{3993B730-7A7C-D74F-9CB1-923409362B59}" type="presParOf" srcId="{A1754352-0BD2-B74A-B15E-46EF685CD0FF}" destId="{2DE22D06-2299-B949-A520-E1478440B4F6}" srcOrd="4" destOrd="0" presId="urn:microsoft.com/office/officeart/2005/8/layout/arrow2"/>
+    <dgm:cxn modelId="{C601B8CE-9974-3144-A01D-9A438DAB872F}" type="presParOf" srcId="{A1754352-0BD2-B74A-B15E-46EF685CD0FF}" destId="{AE61181F-19FF-A94C-A4EE-452FB816616C}" srcOrd="5" destOrd="0" presId="urn:microsoft.com/office/officeart/2005/8/layout/arrow2"/>
+    <dgm:cxn modelId="{DA0D332C-C0BE-DC4F-90C5-C19BA6091DE0}" type="presParOf" srcId="{A1754352-0BD2-B74A-B15E-46EF685CD0FF}" destId="{CF5030EC-C676-7C44-9666-83BDA7AFE7C8}" srcOrd="6" destOrd="0" presId="urn:microsoft.com/office/officeart/2005/8/layout/arrow2"/>
+    <dgm:cxn modelId="{57CD5978-7D88-C542-8C61-A8244AC6EFC2}" type="presParOf" srcId="{A1754352-0BD2-B74A-B15E-46EF685CD0FF}" destId="{2C3B8F23-380D-CA4F-8B12-9E9A59E98977}" srcOrd="7" destOrd="0" presId="urn:microsoft.com/office/officeart/2005/8/layout/arrow2"/>
   </dgm:cxnLst>
   <dgm:bg/>
   <dgm:whole/>
@@ -9168,15 +9243,15 @@
         <a:fontRef idx="minor"/>
       </dsp:style>
     </dsp:sp>
-    <dsp:sp modelId="{1D4B1C2A-FFA3-204C-925E-A30D672D835E}">
+    <dsp:sp modelId="{F555403C-62D9-EC47-86C9-3B029FD01DD4}">
       <dsp:nvSpPr>
         <dsp:cNvPr id="0" name=""/>
         <dsp:cNvSpPr/>
       </dsp:nvSpPr>
       <dsp:spPr>
         <a:xfrm>
-          <a:off x="1032256" y="3675549"/>
-          <a:ext cx="211328" cy="211328"/>
+          <a:off x="800608" y="3946821"/>
+          <a:ext cx="186944" cy="186944"/>
         </a:xfrm>
         <a:prstGeom prst="ellipse">
           <a:avLst/>
@@ -9218,15 +9293,15 @@
         </a:fontRef>
       </dsp:style>
     </dsp:sp>
-    <dsp:sp modelId="{DC6A8FBD-BDE7-4042-90B4-B2CFCE225173}">
+    <dsp:sp modelId="{0DB68A14-7682-CE4E-8AE6-9E54B5255CF9}">
       <dsp:nvSpPr>
         <dsp:cNvPr id="0" name=""/>
         <dsp:cNvSpPr/>
       </dsp:nvSpPr>
       <dsp:spPr>
         <a:xfrm>
-          <a:off x="1137920" y="3862268"/>
-          <a:ext cx="1893824" cy="1468119"/>
+          <a:off x="894080" y="4040293"/>
+          <a:ext cx="1389888" cy="1209039"/>
         </a:xfrm>
         <a:prstGeom prst="rect">
           <a:avLst/>
@@ -9250,12 +9325,12 @@
         <a:fontRef idx="minor"/>
       </dsp:style>
       <dsp:txBody>
-        <a:bodyPr spcFirstLastPara="0" vert="horz" wrap="square" lIns="111978" tIns="0" rIns="0" bIns="0" numCol="1" spcCol="1270" anchor="t" anchorCtr="0">
+        <a:bodyPr spcFirstLastPara="0" vert="horz" wrap="square" lIns="99058" tIns="0" rIns="0" bIns="0" numCol="1" spcCol="1270" anchor="t" anchorCtr="0">
           <a:noAutofit/>
         </a:bodyPr>
         <a:lstStyle/>
         <a:p>
-          <a:pPr marL="0" lvl="0" indent="0" algn="l" defTabSz="1022350">
+          <a:pPr marL="0" lvl="0" indent="0" algn="l" defTabSz="711200">
             <a:lnSpc>
               <a:spcPct val="90000"/>
             </a:lnSpc>
@@ -9268,12 +9343,12 @@
             <a:buNone/>
           </a:pPr>
           <a:r>
-            <a:rPr lang="en-CA" sz="2300" b="1" kern="1200" dirty="0"/>
+            <a:rPr lang="en-CA" sz="1600" b="1" kern="1200" dirty="0"/>
             <a:t>Aug 2025  - Apr 2026</a:t>
           </a:r>
         </a:p>
         <a:p>
-          <a:pPr marL="0" lvl="0" indent="0" algn="l" defTabSz="1022350">
+          <a:pPr marL="0" lvl="0" indent="0" algn="l" defTabSz="711200">
             <a:lnSpc>
               <a:spcPct val="90000"/>
             </a:lnSpc>
@@ -9286,35 +9361,35 @@
             <a:buNone/>
           </a:pPr>
           <a:r>
-            <a:rPr lang="en-CA" sz="2300" kern="1200" dirty="0"/>
+            <a:rPr lang="en-CA" sz="1600" kern="1200" dirty="0"/>
             <a:t>-Draft 1 of ACL Protocol</a:t>
           </a:r>
-          <a:endParaRPr lang="en-US" sz="2300" kern="1200" dirty="0"/>
+          <a:endParaRPr lang="en-US" sz="1600" kern="1200" dirty="0"/>
         </a:p>
       </dsp:txBody>
       <dsp:txXfrm>
-        <a:off x="1137920" y="3862268"/>
-        <a:ext cx="1893824" cy="1468119"/>
+        <a:off x="894080" y="4040293"/>
+        <a:ext cx="1389888" cy="1209039"/>
       </dsp:txXfrm>
     </dsp:sp>
-    <dsp:sp modelId="{32DC94D5-2F68-C14B-8715-F262960DBFA4}">
+    <dsp:sp modelId="{B1D994DA-D6AF-6C4A-8580-C95DA386B801}">
       <dsp:nvSpPr>
         <dsp:cNvPr id="0" name=""/>
         <dsp:cNvSpPr/>
       </dsp:nvSpPr>
       <dsp:spPr>
         <a:xfrm>
-          <a:off x="2897632" y="2294805"/>
-          <a:ext cx="382015" cy="382015"/>
+          <a:off x="2121408" y="2765213"/>
+          <a:ext cx="325120" cy="325120"/>
         </a:xfrm>
         <a:prstGeom prst="ellipse">
           <a:avLst/>
         </a:prstGeom>
         <a:solidFill>
           <a:schemeClr val="accent2">
-            <a:hueOff val="-727682"/>
-            <a:satOff val="-41964"/>
-            <a:lumOff val="4314"/>
+            <a:hueOff val="-485121"/>
+            <a:satOff val="-27976"/>
+            <a:lumOff val="2876"/>
             <a:alphaOff val="0"/>
           </a:schemeClr>
         </a:solidFill>
@@ -9347,15 +9422,15 @@
         </a:fontRef>
       </dsp:style>
     </dsp:sp>
-    <dsp:sp modelId="{AB7831C1-6DA0-7A45-803C-4C0E05659A73}">
+    <dsp:sp modelId="{7EC6D17C-9EA3-3344-A2CC-92A10A0EAF8C}">
       <dsp:nvSpPr>
         <dsp:cNvPr id="0" name=""/>
         <dsp:cNvSpPr/>
       </dsp:nvSpPr>
       <dsp:spPr>
         <a:xfrm>
-          <a:off x="3070956" y="2655134"/>
-          <a:ext cx="2199378" cy="2763519"/>
+          <a:off x="2283968" y="2927773"/>
+          <a:ext cx="1706879" cy="2321559"/>
         </a:xfrm>
         <a:prstGeom prst="rect">
           <a:avLst/>
@@ -9379,12 +9454,12 @@
         <a:fontRef idx="minor"/>
       </dsp:style>
       <dsp:txBody>
-        <a:bodyPr spcFirstLastPara="0" vert="horz" wrap="square" lIns="202422" tIns="0" rIns="0" bIns="0" numCol="1" spcCol="1270" anchor="t" anchorCtr="0">
+        <a:bodyPr spcFirstLastPara="0" vert="horz" wrap="square" lIns="172274" tIns="0" rIns="0" bIns="0" numCol="1" spcCol="1270" anchor="t" anchorCtr="0">
           <a:noAutofit/>
         </a:bodyPr>
         <a:lstStyle/>
         <a:p>
-          <a:pPr marL="0" lvl="0" indent="0" algn="l" defTabSz="1022350">
+          <a:pPr marL="0" lvl="0" indent="0" algn="l" defTabSz="711200">
             <a:lnSpc>
               <a:spcPct val="90000"/>
             </a:lnSpc>
@@ -9397,12 +9472,12 @@
             <a:buNone/>
           </a:pPr>
           <a:r>
-            <a:rPr lang="en-CA" sz="2300" b="1" kern="1200" dirty="0"/>
+            <a:rPr lang="en-CA" sz="1600" b="1" kern="1200" dirty="0"/>
             <a:t>Jan - April 2026</a:t>
           </a:r>
         </a:p>
         <a:p>
-          <a:pPr marL="0" lvl="0" indent="0" algn="l" defTabSz="1022350">
+          <a:pPr marL="0" lvl="0" indent="0" algn="l" defTabSz="711200">
             <a:lnSpc>
               <a:spcPct val="90000"/>
             </a:lnSpc>
@@ -9415,12 +9490,12 @@
             <a:buNone/>
           </a:pPr>
           <a:r>
-            <a:rPr lang="en-CA" sz="2300" kern="1200" dirty="0"/>
+            <a:rPr lang="en-CA" sz="1600" kern="1200" dirty="0"/>
             <a:t>-Collaboration with working group </a:t>
           </a:r>
         </a:p>
         <a:p>
-          <a:pPr marL="0" lvl="0" indent="0" algn="l" defTabSz="1022350">
+          <a:pPr marL="0" lvl="0" indent="0" algn="l" defTabSz="711200">
             <a:lnSpc>
               <a:spcPct val="90000"/>
             </a:lnSpc>
@@ -9433,26 +9508,155 @@
             <a:buNone/>
           </a:pPr>
           <a:r>
-            <a:rPr lang="en-CA" sz="2300" kern="1200" dirty="0"/>
+            <a:rPr lang="en-CA" sz="1600" kern="1200" dirty="0"/>
             <a:t>-Work to align with DS</a:t>
           </a:r>
-          <a:endParaRPr lang="en-US" sz="2300" kern="1200" dirty="0"/>
+          <a:endParaRPr lang="en-US" sz="1600" kern="1200" dirty="0"/>
         </a:p>
       </dsp:txBody>
       <dsp:txXfrm>
-        <a:off x="3070956" y="2655134"/>
-        <a:ext cx="2199378" cy="2763519"/>
+        <a:off x="2283968" y="2927773"/>
+        <a:ext cx="1706879" cy="2321559"/>
       </dsp:txXfrm>
     </dsp:sp>
-    <dsp:sp modelId="{5B7FD3BE-124C-8A49-BFAE-4F758D0C6E47}">
+    <dsp:sp modelId="{2DE22D06-2299-B949-A520-E1478440B4F6}">
       <dsp:nvSpPr>
         <dsp:cNvPr id="0" name=""/>
         <dsp:cNvSpPr/>
       </dsp:nvSpPr>
       <dsp:spPr>
         <a:xfrm>
-          <a:off x="5140960" y="1454573"/>
-          <a:ext cx="528320" cy="528320"/>
+          <a:off x="3807967" y="1894501"/>
+          <a:ext cx="430784" cy="430784"/>
+        </a:xfrm>
+        <a:prstGeom prst="ellipse">
+          <a:avLst/>
+        </a:prstGeom>
+        <a:solidFill>
+          <a:schemeClr val="accent2">
+            <a:hueOff val="-970242"/>
+            <a:satOff val="-55952"/>
+            <a:lumOff val="5752"/>
+            <a:alphaOff val="0"/>
+          </a:schemeClr>
+        </a:solidFill>
+        <a:ln w="12700" cap="flat" cmpd="sng" algn="ctr">
+          <a:solidFill>
+            <a:schemeClr val="lt1">
+              <a:hueOff val="0"/>
+              <a:satOff val="0"/>
+              <a:lumOff val="0"/>
+              <a:alphaOff val="0"/>
+            </a:schemeClr>
+          </a:solidFill>
+          <a:prstDash val="solid"/>
+          <a:miter lim="800000"/>
+        </a:ln>
+        <a:effectLst/>
+      </dsp:spPr>
+      <dsp:style>
+        <a:lnRef idx="2">
+          <a:scrgbClr r="0" g="0" b="0"/>
+        </a:lnRef>
+        <a:fillRef idx="1">
+          <a:scrgbClr r="0" g="0" b="0"/>
+        </a:fillRef>
+        <a:effectRef idx="0">
+          <a:scrgbClr r="0" g="0" b="0"/>
+        </a:effectRef>
+        <a:fontRef idx="minor">
+          <a:schemeClr val="lt1"/>
+        </a:fontRef>
+      </dsp:style>
+    </dsp:sp>
+    <dsp:sp modelId="{AE61181F-19FF-A94C-A4EE-452FB816616C}">
+      <dsp:nvSpPr>
+        <dsp:cNvPr id="0" name=""/>
+        <dsp:cNvSpPr/>
+      </dsp:nvSpPr>
+      <dsp:spPr>
+        <a:xfrm>
+          <a:off x="4023360" y="2109893"/>
+          <a:ext cx="1706879" cy="3139439"/>
+        </a:xfrm>
+        <a:prstGeom prst="rect">
+          <a:avLst/>
+        </a:prstGeom>
+        <a:noFill/>
+        <a:ln>
+          <a:noFill/>
+        </a:ln>
+        <a:effectLst/>
+      </dsp:spPr>
+      <dsp:style>
+        <a:lnRef idx="0">
+          <a:scrgbClr r="0" g="0" b="0"/>
+        </a:lnRef>
+        <a:fillRef idx="0">
+          <a:scrgbClr r="0" g="0" b="0"/>
+        </a:fillRef>
+        <a:effectRef idx="0">
+          <a:scrgbClr r="0" g="0" b="0"/>
+        </a:effectRef>
+        <a:fontRef idx="minor"/>
+      </dsp:style>
+      <dsp:txBody>
+        <a:bodyPr spcFirstLastPara="0" vert="horz" wrap="square" lIns="228264" tIns="0" rIns="0" bIns="0" numCol="1" spcCol="1270" anchor="t" anchorCtr="0">
+          <a:noAutofit/>
+        </a:bodyPr>
+        <a:lstStyle/>
+        <a:p>
+          <a:pPr marL="0" lvl="0" indent="0" algn="l" defTabSz="711200">
+            <a:lnSpc>
+              <a:spcPct val="90000"/>
+            </a:lnSpc>
+            <a:spcBef>
+              <a:spcPct val="0"/>
+            </a:spcBef>
+            <a:spcAft>
+              <a:spcPct val="35000"/>
+            </a:spcAft>
+            <a:buNone/>
+          </a:pPr>
+          <a:r>
+            <a:rPr lang="en-CA" sz="1600" b="1" kern="1200" dirty="0"/>
+            <a:t>April 2026</a:t>
+          </a:r>
+        </a:p>
+        <a:p>
+          <a:pPr marL="0" lvl="0" indent="0" algn="l" defTabSz="711200">
+            <a:lnSpc>
+              <a:spcPct val="90000"/>
+            </a:lnSpc>
+            <a:spcBef>
+              <a:spcPct val="0"/>
+            </a:spcBef>
+            <a:spcAft>
+              <a:spcPct val="35000"/>
+            </a:spcAft>
+            <a:buNone/>
+          </a:pPr>
+          <a:r>
+            <a:rPr lang="en-CA" sz="1600" kern="1200" dirty="0"/>
+            <a:t>-Version 1 of ACL Protocol</a:t>
+          </a:r>
+          <a:endParaRPr lang="en-US" sz="1600" kern="1200" dirty="0"/>
+        </a:p>
+      </dsp:txBody>
+      <dsp:txXfrm>
+        <a:off x="4023360" y="2109893"/>
+        <a:ext cx="1706879" cy="3139439"/>
+      </dsp:txXfrm>
+    </dsp:sp>
+    <dsp:sp modelId="{CF5030EC-C676-7C44-9666-83BDA7AFE7C8}">
+      <dsp:nvSpPr>
+        <dsp:cNvPr id="0" name=""/>
+        <dsp:cNvSpPr/>
+      </dsp:nvSpPr>
+      <dsp:spPr>
+        <a:xfrm>
+          <a:off x="5644895" y="1318429"/>
+          <a:ext cx="577088" cy="577088"/>
         </a:xfrm>
         <a:prstGeom prst="ellipse">
           <a:avLst/>
@@ -9494,15 +9698,15 @@
         </a:fontRef>
       </dsp:style>
     </dsp:sp>
-    <dsp:sp modelId="{AAE01114-7CCB-AB48-B529-D190B5F73A92}">
+    <dsp:sp modelId="{2C3B8F23-380D-CA4F-8B12-9E9A59E98977}">
       <dsp:nvSpPr>
         <dsp:cNvPr id="0" name=""/>
         <dsp:cNvSpPr/>
       </dsp:nvSpPr>
       <dsp:spPr>
         <a:xfrm>
-          <a:off x="5296035" y="2132078"/>
-          <a:ext cx="2168888" cy="2433254"/>
+          <a:off x="5920092" y="1606973"/>
+          <a:ext cx="2168898" cy="3642359"/>
         </a:xfrm>
         <a:prstGeom prst="rect">
           <a:avLst/>
@@ -9526,12 +9730,12 @@
         <a:fontRef idx="minor"/>
       </dsp:style>
       <dsp:txBody>
-        <a:bodyPr spcFirstLastPara="0" vert="horz" wrap="square" lIns="279946" tIns="0" rIns="0" bIns="0" numCol="1" spcCol="1270" anchor="t" anchorCtr="0">
+        <a:bodyPr spcFirstLastPara="0" vert="horz" wrap="square" lIns="305787" tIns="0" rIns="0" bIns="0" numCol="1" spcCol="1270" anchor="t" anchorCtr="0">
           <a:noAutofit/>
         </a:bodyPr>
         <a:lstStyle/>
         <a:p>
-          <a:pPr marL="0" lvl="0" indent="0" algn="l" defTabSz="1022350">
+          <a:pPr marL="0" lvl="0" indent="0" algn="l" defTabSz="711200">
             <a:lnSpc>
               <a:spcPct val="90000"/>
             </a:lnSpc>
@@ -9544,12 +9748,12 @@
             <a:buNone/>
           </a:pPr>
           <a:r>
-            <a:rPr lang="en-CA" sz="2300" b="1" kern="1200" dirty="0"/>
-            <a:t>April 2026</a:t>
+            <a:rPr lang="en-US" sz="1600" b="1" kern="1200" dirty="0"/>
+            <a:t>Ongoing</a:t>
           </a:r>
         </a:p>
         <a:p>
-          <a:pPr marL="0" lvl="0" indent="0" algn="l" defTabSz="1022350">
+          <a:pPr marL="0" lvl="0" indent="0" algn="l" defTabSz="711200">
             <a:lnSpc>
               <a:spcPct val="90000"/>
             </a:lnSpc>
@@ -9562,15 +9766,86 @@
             <a:buNone/>
           </a:pPr>
           <a:r>
-            <a:rPr lang="en-CA" sz="2300" kern="1200" dirty="0"/>
-            <a:t>-Version 1 of ACL Protocol</a:t>
+            <a:rPr lang="en-US" sz="1600" kern="1200" dirty="0"/>
+            <a:t>-implementation</a:t>
           </a:r>
-          <a:endParaRPr lang="en-US" sz="2300" kern="1200" dirty="0"/>
+        </a:p>
+        <a:p>
+          <a:pPr marL="0" lvl="0" indent="0" algn="l" defTabSz="711200">
+            <a:lnSpc>
+              <a:spcPct val="90000"/>
+            </a:lnSpc>
+            <a:spcBef>
+              <a:spcPct val="0"/>
+            </a:spcBef>
+            <a:spcAft>
+              <a:spcPct val="35000"/>
+            </a:spcAft>
+            <a:buNone/>
+          </a:pPr>
+          <a:r>
+            <a:rPr lang="en-US" sz="1600" kern="1200" dirty="0"/>
+            <a:t>-staff education</a:t>
+          </a:r>
+        </a:p>
+        <a:p>
+          <a:pPr marL="0" lvl="0" indent="0" algn="l" defTabSz="711200">
+            <a:lnSpc>
+              <a:spcPct val="90000"/>
+            </a:lnSpc>
+            <a:spcBef>
+              <a:spcPct val="0"/>
+            </a:spcBef>
+            <a:spcAft>
+              <a:spcPct val="35000"/>
+            </a:spcAft>
+            <a:buNone/>
+          </a:pPr>
+          <a:r>
+            <a:rPr lang="en-US" sz="1600" kern="1200" dirty="0"/>
+            <a:t>-staff support</a:t>
+          </a:r>
+        </a:p>
+        <a:p>
+          <a:pPr marL="0" lvl="0" indent="0" algn="l" defTabSz="711200">
+            <a:lnSpc>
+              <a:spcPct val="90000"/>
+            </a:lnSpc>
+            <a:spcBef>
+              <a:spcPct val="0"/>
+            </a:spcBef>
+            <a:spcAft>
+              <a:spcPct val="35000"/>
+            </a:spcAft>
+            <a:buNone/>
+          </a:pPr>
+          <a:r>
+            <a:rPr lang="en-US" sz="1600" kern="1200" dirty="0"/>
+            <a:t>-scaling to all target markets</a:t>
+          </a:r>
+        </a:p>
+        <a:p>
+          <a:pPr marL="0" lvl="0" indent="0" algn="l" defTabSz="711200">
+            <a:lnSpc>
+              <a:spcPct val="90000"/>
+            </a:lnSpc>
+            <a:spcBef>
+              <a:spcPct val="0"/>
+            </a:spcBef>
+            <a:spcAft>
+              <a:spcPct val="35000"/>
+            </a:spcAft>
+            <a:buNone/>
+          </a:pPr>
+          <a:r>
+            <a:rPr lang="en-US" sz="1600" kern="1200" dirty="0"/>
+            <a:t>-protocol iterations</a:t>
+          </a:r>
         </a:p>
       </dsp:txBody>
       <dsp:txXfrm>
-        <a:off x="5296035" y="2132078"/>
-        <a:ext cx="2168888" cy="2433254"/>
+        <a:off x="5920092" y="1606973"/>
+        <a:ext cx="2168898" cy="3642359"/>
       </dsp:txXfrm>
     </dsp:sp>
   </dsp:spTree>
@@ -21125,7 +21400,7 @@
           <a:p>
             <a:fld id="{0D194C35-0AA9-41CB-84F6-AF1A2EF42389}" type="datetimeFigureOut">
               <a:rPr lang="en-CA" smtClean="0"/>
-              <a:t>2025-10-09</a:t>
+              <a:t>2025-10-14</a:t>
             </a:fld>
             <a:endParaRPr lang="en-CA"/>
           </a:p>
@@ -21437,7 +21712,10 @@
           <a:bodyPr/>
           <a:lstStyle/>
           <a:p>
-            <a:endParaRPr lang="en-US" dirty="0"/>
+            <a:r>
+              <a:rPr lang="en-US" dirty="0"/>
+              <a:t>So Trent, these slides will look familiar, I’m using your format for a brief pitch, to help explain my vision for this project, and then I’d like to show a bit of what that actually looks like and what I’ve been working on for the last few weeks.</a:t>
+            </a:r>
           </a:p>
         </p:txBody>
       </p:sp>
@@ -21650,9 +21928,18 @@
               </a:spcBef>
               <a:buNone/>
             </a:pPr>
+            <a:endParaRPr lang="en-CA" sz="1200" dirty="0"/>
+          </a:p>
+          <a:p>
+            <a:pPr marL="0" indent="0">
+              <a:spcBef>
+                <a:spcPts val="0"/>
+              </a:spcBef>
+              <a:buNone/>
+            </a:pPr>
             <a:r>
               <a:rPr lang="en-CA" sz="1200" dirty="0"/>
-              <a:t>This, in and of itself, is a real problem: we can count on multiple rehabilitation cases per year in Whistler alone (num..), when it happens we have the expectation of delivering a “better than world-class” solution, we are almost entirely un-prepared for this and it places a massive burden on our performance staff to service these rehab cases above and beyond our regular work.</a:t>
+              <a:t>In and of itself, this is a real problem: we work on multiple rehab cases per year in Whistler alone, we have the expectation of delivering a “better than world-class” solution, and sometimes I think we are able to do a great job, but our current way of handling these cases places a massive burden on our staff, and it’s also not set up in a way that makes it easy to deliver consistently high quality work and to properly value that work</a:t>
             </a:r>
           </a:p>
           <a:p>
@@ -21673,7 +21960,7 @@
             </a:pPr>
             <a:r>
               <a:rPr lang="en-CA" sz="1200" dirty="0"/>
-              <a:t>In my view, there is an opportunity that by putting resources into addressing this problem, we can actually solve a number of other problems that are potentially just as large and just as important:</a:t>
+              <a:t>In my view, there is an opportunity that by addressing this problem, we can actually solve a number of related more broad problems that are more broadly felt through the organization</a:t>
             </a:r>
           </a:p>
           <a:p>
@@ -21715,7 +22002,7 @@
             </a:pPr>
             <a:r>
               <a:rPr lang="en-CA" sz="1200" dirty="0"/>
-              <a:t>2.We have opportunities to be more efficient with our programming.  If we look at RTP programming alone, everyone is building programs from scratch using their own methods and templates. </a:t>
+              <a:t>2.We have opportunities to be more efficient with our programming. </a:t>
             </a:r>
           </a:p>
           <a:p>
@@ -21757,7 +22044,7 @@
             </a:pPr>
             <a:r>
               <a:rPr lang="en-CA" sz="1200" dirty="0"/>
-              <a:t>4.Again, the lack of a standardized approach means we are not compounding knowledge, and we are making it difficult on ourselves to innovate and to continually improve our capabilities</a:t>
+              <a:t>4. the lack of a standardized approach means we are not compounding knowledge effectively, and we are making it difficult on ourselves to innovate and to continually improve our capabilities</a:t>
             </a:r>
           </a:p>
           <a:p>
@@ -21778,7 +22065,7 @@
             </a:pPr>
             <a:r>
               <a:rPr lang="en-CA" sz="1200" dirty="0"/>
-              <a:t>Just to re-iterate, I intend to focus on the RTP Protocol, and I believe that the work can go a long way towards starting to solve these other problems.</a:t>
+              <a:t>Just to be clear, I intend to focus on the RTP Protocol, and I believe that the vision I have for this project can go a long way towards starting to solve these other problems.</a:t>
             </a:r>
           </a:p>
           <a:p>
@@ -22093,14 +22380,15 @@
           <a:p>
             <a:r>
               <a:rPr lang="en-US" b="1" dirty="0"/>
-              <a:t>My starting point:</a:t>
+              <a:t>My starting point is very simple:</a:t>
             </a:r>
           </a:p>
           <a:p>
             <a:r>
               <a:rPr lang="en-US" dirty="0"/>
-              <a:t>Build something good… I believe we currently have everything we need to build this effectively</a:t>
-            </a:r>
+              <a:t>Build something good… </a:t>
+            </a:r>
+            <a:endParaRPr lang="en-US" b="0" dirty="0"/>
           </a:p>
           <a:p>
             <a:endParaRPr lang="en-US" b="1" dirty="0"/>
@@ -22118,9 +22406,12 @@
             </a:r>
           </a:p>
           <a:p>
+            <a:endParaRPr lang="en-CA" sz="1200" b="0" dirty="0"/>
+          </a:p>
+          <a:p>
             <a:r>
               <a:rPr lang="en-CA" sz="1200" b="0" dirty="0"/>
-              <a:t>The first three points are things that already exist in the world, they are things that we can build our own in house version by organizing and leveraging some of our past work, by utilizing peer-reviewed research, and by building off of existing industry standards</a:t>
+              <a:t>The first three objectives are things that already exist in the world, they are things that we can build our own version of by organizing and leveraging some of our past work, by utilizing peer-reviewed research, and by building off of existing industry standards</a:t>
             </a:r>
           </a:p>
           <a:p>
@@ -22332,124 +22623,405 @@
               <a:buNone/>
             </a:pPr>
             <a:r>
-              <a:rPr lang="en-CA" sz="1200" b="1" dirty="0"/>
-              <a:t>Who does this problem focus on?  </a:t>
-            </a:r>
-          </a:p>
-          <a:p>
-            <a:pPr marL="0" marR="0" lvl="0" indent="0" algn="l" defTabSz="914400" rtl="0" eaLnBrk="1" fontAlgn="auto" latinLnBrk="0" hangingPunct="1">
-              <a:lnSpc>
-                <a:spcPct val="100000"/>
-              </a:lnSpc>
+              <a:rPr lang="en-CA" sz="1200" b="0" dirty="0"/>
+              <a:t>Speaking of others, competition benchmarking,</a:t>
+            </a:r>
+          </a:p>
+          <a:p>
+            <a:pPr marL="0" indent="0">
               <a:spcBef>
                 <a:spcPts val="0"/>
               </a:spcBef>
-              <a:spcAft>
-                <a:spcPts val="0"/>
-              </a:spcAft>
-              <a:buClrTx/>
-              <a:buSzTx/>
-              <a:buFontTx/>
               <a:buNone/>
-              <a:tabLst/>
-              <a:defRPr/>
             </a:pPr>
             <a:r>
-              <a:rPr lang="en-US" dirty="0"/>
-              <a:t>My proposal is to start with a protocol for able bodied elite athletes.</a:t>
-            </a:r>
-          </a:p>
-          <a:p>
-            <a:pPr marL="0" marR="0" lvl="0" indent="0" algn="l" defTabSz="914400" rtl="0" eaLnBrk="1" fontAlgn="auto" latinLnBrk="0" hangingPunct="1">
-              <a:lnSpc>
-                <a:spcPct val="100000"/>
-              </a:lnSpc>
+              <a:rPr lang="en-CA" sz="1200" b="0" dirty="0"/>
+              <a:t>I have this split into 2 categories:</a:t>
+            </a:r>
+          </a:p>
+          <a:p>
+            <a:pPr marL="0" indent="0">
               <a:spcBef>
                 <a:spcPts val="0"/>
               </a:spcBef>
-              <a:spcAft>
-                <a:spcPts val="0"/>
-              </a:spcAft>
-              <a:buClrTx/>
-              <a:buSzTx/>
-              <a:buFontTx/>
               <a:buNone/>
-              <a:tabLst/>
-              <a:defRPr/>
             </a:pPr>
             <a:r>
-              <a:rPr lang="en-US" sz="1200" dirty="0"/>
-              <a:t>	</a:t>
-            </a:r>
-            <a:endParaRPr lang="en-US" dirty="0"/>
-          </a:p>
-          <a:p>
-            <a:r>
-              <a:rPr lang="en-US" dirty="0"/>
-              <a:t>Our core business, in my view is supporting Canada's high-performance athletes to the best of our abilities.  So that's my purpose that's driving me to try to build something really great, and then I think if we strive for that we will end up with something that can be scaled and adapted for any market.</a:t>
-            </a:r>
-          </a:p>
-          <a:p>
-            <a:endParaRPr lang="en-US" dirty="0"/>
-          </a:p>
-          <a:p>
-            <a:r>
-              <a:rPr lang="en-US" dirty="0"/>
-              <a:t>So on the left I've got 3 markets we already service.</a:t>
-            </a:r>
-          </a:p>
-          <a:p>
-            <a:r>
-              <a:rPr lang="en-US" dirty="0"/>
-              <a:t>And in bold, 3 markets that would be easier for us to service with the tools that I'm proposing.</a:t>
-            </a:r>
-          </a:p>
-          <a:p>
-            <a:endParaRPr lang="en-US" dirty="0"/>
-          </a:p>
-          <a:p>
-            <a:endParaRPr lang="en-US" dirty="0"/>
-          </a:p>
-          <a:p>
-            <a:r>
-              <a:rPr lang="en-US" dirty="0"/>
-              <a:t>Hierarchy:</a:t>
-            </a:r>
-          </a:p>
-          <a:p>
-            <a:r>
-              <a:rPr lang="en-US" dirty="0"/>
-              <a:t>NSO athletes is supposed to be our core business, this is at the top of the hierarchy, but it is also the smallest “market”.  Build the one big thing, targeted towards one specific pillar of our core business, then it can easily be scaled and adapted to these other markets</a:t>
-            </a:r>
-          </a:p>
-          <a:p>
-            <a:endParaRPr lang="en-US" dirty="0"/>
-          </a:p>
-          <a:p>
-            <a:endParaRPr lang="en-US" dirty="0"/>
-          </a:p>
-          <a:p>
-            <a:pPr marL="0" marR="0" lvl="0" indent="0" algn="l" defTabSz="914400" rtl="0" eaLnBrk="1" fontAlgn="auto" latinLnBrk="0" hangingPunct="1">
-              <a:lnSpc>
-                <a:spcPct val="100000"/>
-              </a:lnSpc>
+              <a:rPr lang="en-CA" sz="1200" b="0" dirty="0"/>
+              <a:t>1)Who are we learning from, wo are we modelling our solution after?</a:t>
+            </a:r>
+          </a:p>
+          <a:p>
+            <a:pPr marL="0" indent="0">
               <a:spcBef>
                 <a:spcPts val="0"/>
               </a:spcBef>
-              <a:spcAft>
+              <a:buNone/>
+            </a:pPr>
+            <a:r>
+              <a:rPr lang="en-CA" sz="1200" b="0" dirty="0"/>
+              <a:t>	This is not an exhaustive list but includes some excellent examples for us to build on</a:t>
+            </a:r>
+          </a:p>
+          <a:p>
+            <a:pPr marL="0" indent="0">
+              <a:spcBef>
                 <a:spcPts val="0"/>
-              </a:spcAft>
-              <a:buClrTx/>
-              <a:buSzTx/>
-              <a:buFontTx/>
+              </a:spcBef>
               <a:buNone/>
-              <a:tabLst/>
-              <a:defRPr/>
             </a:pPr>
+            <a:endParaRPr lang="en-CA" sz="1200" b="0" dirty="0"/>
+          </a:p>
+          <a:p>
+            <a:pPr marL="0" indent="0">
+              <a:spcBef>
+                <a:spcPts val="0"/>
+              </a:spcBef>
+              <a:buNone/>
+            </a:pPr>
+            <a:r>
+              <a:rPr lang="en-CA" sz="1200" b="0" dirty="0"/>
+              <a:t>2)Who else in Canada is leading ACL Rehabs on a similar scale</a:t>
+            </a:r>
+          </a:p>
+          <a:p>
+            <a:pPr marL="0" indent="0">
+              <a:spcBef>
+                <a:spcPts val="0"/>
+              </a:spcBef>
+              <a:buNone/>
+            </a:pPr>
+            <a:endParaRPr lang="en-CA" sz="1200" b="0" dirty="0"/>
+          </a:p>
+          <a:p>
+            <a:pPr marL="0" indent="0">
+              <a:spcBef>
+                <a:spcPts val="0"/>
+              </a:spcBef>
+              <a:buNone/>
+            </a:pPr>
+            <a:r>
+              <a:rPr lang="en-CA" sz="1200" b="0" dirty="0"/>
+              <a:t>So the question is what makes this solution different than the competition and why would people choose this solution over others.</a:t>
+            </a:r>
+          </a:p>
+          <a:p>
+            <a:pPr marL="0" indent="0">
+              <a:spcBef>
+                <a:spcPts val="0"/>
+              </a:spcBef>
+              <a:buNone/>
+            </a:pPr>
+            <a:endParaRPr lang="en-CA" sz="1200" b="0" dirty="0"/>
+          </a:p>
+          <a:p>
+            <a:pPr marL="0" indent="0">
+              <a:spcBef>
+                <a:spcPts val="0"/>
+              </a:spcBef>
+              <a:buNone/>
+            </a:pPr>
+            <a:r>
+              <a:rPr lang="en-CA" sz="1200" b="0" dirty="0"/>
+              <a:t>So the pieces that I believe are kind of innovative,, these are gaps in current protocols, and I think building something that adds these pieces allows us to have a conversation about how we can get people to choose to work with us.</a:t>
+            </a:r>
+          </a:p>
+          <a:p>
+            <a:pPr marL="0" indent="0">
+              <a:spcBef>
+                <a:spcPts val="0"/>
+              </a:spcBef>
+              <a:buNone/>
+            </a:pPr>
+            <a:endParaRPr lang="en-CA" sz="1200" b="0" dirty="0"/>
+          </a:p>
+          <a:p>
+            <a:pPr marL="0" indent="0">
+              <a:spcBef>
+                <a:spcPts val="0"/>
+              </a:spcBef>
+              <a:buNone/>
+            </a:pPr>
+            <a:r>
+              <a:rPr lang="en-CA" sz="1200" b="0" dirty="0"/>
+              <a:t>and </a:t>
+            </a:r>
+            <a:r>
+              <a:rPr lang="en-CA" sz="1200" b="0" dirty="0" err="1"/>
+              <a:t>i</a:t>
+            </a:r>
+            <a:r>
+              <a:rPr lang="en-CA" sz="1200" b="0" dirty="0"/>
+              <a:t> think a key point to keep in mind when we’re going over the protocol, is that these </a:t>
+            </a:r>
+            <a:r>
+              <a:rPr lang="en-CA" sz="1200" b="0" dirty="0" err="1"/>
+              <a:t>peices</a:t>
+            </a:r>
+            <a:r>
+              <a:rPr lang="en-CA" sz="1200" b="0" dirty="0"/>
+              <a:t> allow us to create a system that informs not just WHAT to do during a rehab but HOW to do it.</a:t>
+            </a:r>
+            <a:endParaRPr lang="en-CA" sz="1200" b="1" dirty="0"/>
+          </a:p>
+          <a:p>
+            <a:pPr marL="0" indent="0">
+              <a:spcBef>
+                <a:spcPts val="0"/>
+              </a:spcBef>
+              <a:buNone/>
+            </a:pPr>
+            <a:endParaRPr lang="en-CA" sz="1200" b="1" dirty="0"/>
+          </a:p>
+          <a:p>
+            <a:pPr marL="0" indent="0">
+              <a:spcBef>
+                <a:spcPts val="0"/>
+              </a:spcBef>
+              <a:buNone/>
+            </a:pPr>
+            <a:endParaRPr lang="en-CA" sz="1200" b="1" dirty="0"/>
+          </a:p>
+          <a:p>
+            <a:pPr marL="0" indent="0">
+              <a:spcBef>
+                <a:spcPts val="0"/>
+              </a:spcBef>
+              <a:buNone/>
+            </a:pPr>
+            <a:endParaRPr lang="en-CA" sz="1200" b="1" dirty="0"/>
+          </a:p>
+          <a:p>
+            <a:pPr marL="0" indent="0">
+              <a:spcBef>
+                <a:spcPts val="0"/>
+              </a:spcBef>
+              <a:buNone/>
+            </a:pPr>
+            <a:endParaRPr lang="en-CA" sz="1200" b="1" dirty="0"/>
+          </a:p>
+          <a:p>
+            <a:pPr marL="0" indent="0">
+              <a:spcBef>
+                <a:spcPts val="0"/>
+              </a:spcBef>
+              <a:buNone/>
+            </a:pPr>
+            <a:endParaRPr lang="en-CA" sz="1200" b="1" dirty="0"/>
+          </a:p>
+          <a:p>
+            <a:pPr marL="0" indent="0">
+              <a:spcBef>
+                <a:spcPts val="0"/>
+              </a:spcBef>
+              <a:buNone/>
+            </a:pPr>
             <a:r>
               <a:rPr lang="en-CA" sz="1200" b="1" dirty="0"/>
-              <a:t>Can you get any sense of projected number of client/customers that might be interested in this solution? </a:t>
-            </a:r>
+              <a:t>Describe your key differentiators that make your solution different than your competition.</a:t>
+            </a:r>
+          </a:p>
+          <a:p>
+            <a:pPr marL="0" indent="0">
+              <a:spcBef>
+                <a:spcPts val="0"/>
+              </a:spcBef>
+              <a:buNone/>
+            </a:pPr>
+            <a:r>
+              <a:rPr lang="en-CA" sz="1200" dirty="0"/>
+              <a:t>A fully integrated digital tool</a:t>
+            </a:r>
+          </a:p>
+          <a:p>
+            <a:pPr marL="0" indent="0">
+              <a:spcBef>
+                <a:spcPts val="0"/>
+              </a:spcBef>
+              <a:buNone/>
+            </a:pPr>
+            <a:r>
+              <a:rPr lang="en-CA" sz="1200" dirty="0"/>
+              <a:t>“Open Source” …</a:t>
+            </a:r>
+          </a:p>
+          <a:p>
+            <a:pPr marL="0" indent="0">
+              <a:spcBef>
+                <a:spcPts val="0"/>
+              </a:spcBef>
+              <a:buNone/>
+            </a:pPr>
+            <a:endParaRPr lang="en-CA" sz="1200" dirty="0"/>
+          </a:p>
+          <a:p>
+            <a:pPr marL="0" indent="0">
+              <a:spcBef>
+                <a:spcPts val="0"/>
+              </a:spcBef>
+              <a:buNone/>
+            </a:pPr>
+            <a:r>
+              <a:rPr lang="en-CA" sz="1200" b="1" dirty="0"/>
+              <a:t>[KPI: Is your solution unique enough that your target market (customers) will choose your solution over alternatives?] </a:t>
+            </a:r>
+          </a:p>
+          <a:p>
+            <a:pPr marL="0" indent="0">
+              <a:spcBef>
+                <a:spcPts val="0"/>
+              </a:spcBef>
+              <a:buNone/>
+            </a:pPr>
+            <a:r>
+              <a:rPr lang="en-CA" sz="1200" dirty="0"/>
+              <a:t>Yes, possibly.  I could see other Institutes saying, “well this is good, we’ll use the tool”</a:t>
+            </a:r>
+          </a:p>
+          <a:p>
+            <a:pPr marL="0" indent="0">
+              <a:spcBef>
+                <a:spcPts val="0"/>
+              </a:spcBef>
+              <a:buNone/>
+            </a:pPr>
+            <a:r>
+              <a:rPr lang="en-CA" sz="1200" dirty="0"/>
+              <a:t>Also, because it's an online platform, were' not restricted to just Whistler and Victoria</a:t>
+            </a:r>
+          </a:p>
+          <a:p>
+            <a:pPr marL="0" indent="0">
+              <a:spcBef>
+                <a:spcPts val="0"/>
+              </a:spcBef>
+              <a:buNone/>
+            </a:pPr>
+            <a:endParaRPr lang="en-CA" sz="1200" b="1" i="1" dirty="0">
+              <a:solidFill>
+                <a:srgbClr val="002060"/>
+              </a:solidFill>
+            </a:endParaRPr>
+          </a:p>
+          <a:p>
+            <a:pPr marL="0" indent="0">
+              <a:spcBef>
+                <a:spcPts val="0"/>
+              </a:spcBef>
+              <a:buNone/>
+            </a:pPr>
+            <a:endParaRPr lang="en-CA" sz="1200" b="1" i="1" dirty="0">
+              <a:solidFill>
+                <a:srgbClr val="002060"/>
+              </a:solidFill>
+            </a:endParaRPr>
+          </a:p>
+          <a:p>
+            <a:endParaRPr lang="en-US" dirty="0"/>
+          </a:p>
+          <a:p>
+            <a:endParaRPr lang="en-US" dirty="0"/>
+          </a:p>
+          <a:p>
+            <a:endParaRPr lang="en-US" dirty="0"/>
+          </a:p>
+          <a:p>
+            <a:r>
+              <a:rPr lang="en-US" dirty="0"/>
+              <a:t>Competition:</a:t>
+            </a:r>
+          </a:p>
+          <a:p>
+            <a:r>
+              <a:rPr lang="en-US" dirty="0"/>
+              <a:t>-CSI Calgary (collaborate)</a:t>
+            </a:r>
+          </a:p>
+          <a:p>
+            <a:r>
+              <a:rPr lang="en-US" dirty="0"/>
+              <a:t>-Private</a:t>
+            </a:r>
+          </a:p>
+          <a:p>
+            <a:r>
+              <a:rPr lang="en-US" dirty="0"/>
+              <a:t>-</a:t>
+            </a:r>
+            <a:r>
+              <a:rPr lang="en-US" dirty="0" err="1"/>
+              <a:t>Fortius</a:t>
+            </a:r>
+            <a:r>
+              <a:rPr lang="en-US" dirty="0"/>
+              <a:t> (n/a)</a:t>
+            </a:r>
+          </a:p>
+          <a:p>
+            <a:endParaRPr lang="en-US" dirty="0"/>
+          </a:p>
+          <a:p>
+            <a:endParaRPr lang="en-US" dirty="0"/>
+          </a:p>
+          <a:p>
+            <a:r>
+              <a:rPr lang="en-US" dirty="0"/>
+              <a:t>World Leading Examples:</a:t>
+            </a:r>
+          </a:p>
+          <a:p>
+            <a:r>
+              <a:rPr lang="en-US" dirty="0"/>
+              <a:t>(and one thing they do best that we can learn from)</a:t>
+            </a:r>
+          </a:p>
+          <a:p>
+            <a:r>
+              <a:rPr lang="en-US" dirty="0"/>
+              <a:t>-</a:t>
+            </a:r>
+            <a:r>
+              <a:rPr lang="en-CA" sz="1200" kern="1200" dirty="0">
+                <a:solidFill>
+                  <a:schemeClr val="tx1"/>
+                </a:solidFill>
+                <a:effectLst/>
+                <a:latin typeface="+mn-lt"/>
+                <a:ea typeface="+mn-ea"/>
+                <a:cs typeface="+mn-cs"/>
+              </a:rPr>
+              <a:t>United States Ski and Snowboard</a:t>
+            </a:r>
+          </a:p>
+          <a:p>
+            <a:r>
+              <a:rPr lang="en-CA" sz="1200" kern="1200" dirty="0">
+                <a:solidFill>
+                  <a:schemeClr val="tx1"/>
+                </a:solidFill>
+                <a:effectLst/>
+                <a:latin typeface="+mn-lt"/>
+                <a:ea typeface="+mn-ea"/>
+                <a:cs typeface="+mn-cs"/>
+              </a:rPr>
+              <a:t>-SPARC Sports Physiotherapy &amp; Athletic Rehabilitation Clinic – Ireland, Enda King</a:t>
+            </a:r>
+          </a:p>
+          <a:p>
+            <a:r>
+              <a:rPr lang="en-CA" sz="1200" kern="1200" dirty="0">
+                <a:solidFill>
+                  <a:schemeClr val="tx1"/>
+                </a:solidFill>
+                <a:effectLst/>
+                <a:latin typeface="+mn-lt"/>
+                <a:ea typeface="+mn-ea"/>
+                <a:cs typeface="+mn-cs"/>
+              </a:rPr>
+              <a:t>-OTP Return to Health and Performance ‘Think Tank’</a:t>
+            </a:r>
+          </a:p>
+          <a:p>
             <a:endParaRPr lang="en-CA" sz="1200" kern="1200" dirty="0">
               <a:solidFill>
                 <a:schemeClr val="tx1"/>
@@ -22461,100 +23033,40 @@
             </a:endParaRPr>
           </a:p>
           <a:p>
-            <a:r>
-              <a:rPr lang="en-CA" sz="1200" kern="1200" dirty="0">
-                <a:solidFill>
-                  <a:schemeClr val="tx1"/>
-                </a:solidFill>
-                <a:effectLst/>
-                <a:latin typeface="+mn-lt"/>
-                <a:ea typeface="+mn-ea"/>
-                <a:cs typeface="+mn-cs"/>
-              </a:rPr>
-              <a:t>-</a:t>
-            </a:r>
-            <a:r>
-              <a:rPr lang="en-US" sz="1200" kern="1200" dirty="0">
-                <a:solidFill>
-                  <a:schemeClr val="tx1"/>
-                </a:solidFill>
-                <a:effectLst/>
-                <a:latin typeface="+mn-lt"/>
-                <a:ea typeface="+mn-ea"/>
-                <a:cs typeface="+mn-cs"/>
-              </a:rPr>
-              <a:t>research has shown that the risk of injury and the frequency of severe injuries in freestyle skiing are high.  A retrospective study of all freestyle ski disciplines during the three World Cup seasons between 2006-2009 estimated a 44.0% (95%CI: 38.9 – 49.0%) incidence of injury each season and a 31.9% (95%CI: 27.6 – 36.2%) incidence of time-loss (≥ 1 day) injury across all competitors (</a:t>
-            </a:r>
-            <a:r>
-              <a:rPr lang="en-US" sz="1200" kern="1200" dirty="0" err="1">
-                <a:solidFill>
-                  <a:schemeClr val="tx1"/>
-                </a:solidFill>
-                <a:effectLst/>
-                <a:latin typeface="+mn-lt"/>
-                <a:ea typeface="+mn-ea"/>
-                <a:cs typeface="+mn-cs"/>
-              </a:rPr>
-              <a:t>Flørenes</a:t>
-            </a:r>
-            <a:r>
-              <a:rPr lang="en-US" sz="1200" kern="1200" dirty="0">
-                <a:solidFill>
-                  <a:schemeClr val="tx1"/>
-                </a:solidFill>
-                <a:effectLst/>
-                <a:latin typeface="+mn-lt"/>
-                <a:ea typeface="+mn-ea"/>
-                <a:cs typeface="+mn-cs"/>
-              </a:rPr>
-              <a:t> et al., 2010).  Alarmingly, severe injuries leading to time loss from training and competition of greater than 28 days were the most frequent type of injury, which is in contrast to most other sports, where severe injuries are the least frequent.  Other research found that 47% of the 95 competitors at the 2001 FIS Freestyle World Championship had experienced at least one major knee injury (&gt;20 days lost) and 26% had suffered at least one previous ACL injury (Heir et al., 2003). </a:t>
-            </a:r>
-          </a:p>
-          <a:p>
-            <a:endParaRPr lang="en-US" sz="1200" kern="1200" dirty="0">
-              <a:solidFill>
-                <a:schemeClr val="tx1"/>
-              </a:solidFill>
-              <a:effectLst/>
-              <a:latin typeface="+mn-lt"/>
-              <a:ea typeface="+mn-ea"/>
-              <a:cs typeface="+mn-cs"/>
-            </a:endParaRPr>
-          </a:p>
-          <a:p>
-            <a:r>
-              <a:rPr lang="en-CA" sz="1200" kern="1200" dirty="0">
-                <a:solidFill>
-                  <a:schemeClr val="tx1"/>
-                </a:solidFill>
-                <a:effectLst/>
-                <a:latin typeface="+mn-lt"/>
-                <a:ea typeface="+mn-ea"/>
-                <a:cs typeface="+mn-cs"/>
-              </a:rPr>
-              <a:t>Back In Action Physiotherapy alone reports treating 320 different patients with knee injuries annually</a:t>
-            </a:r>
-          </a:p>
-          <a:p>
-            <a:endParaRPr lang="en-CA" sz="1200" kern="1200" dirty="0">
-              <a:solidFill>
-                <a:schemeClr val="tx1"/>
-              </a:solidFill>
-              <a:effectLst/>
-              <a:latin typeface="+mn-lt"/>
-              <a:ea typeface="+mn-ea"/>
-              <a:cs typeface="+mn-cs"/>
-            </a:endParaRPr>
-          </a:p>
-          <a:p>
             <a:endParaRPr lang="en-US" dirty="0"/>
+          </a:p>
+          <a:p>
+            <a:endParaRPr lang="en-US" dirty="0"/>
+          </a:p>
+        </p:txBody>
+      </p:sp>
+      <p:sp>
+        <p:nvSpPr>
+          <p:cNvPr id="4" name="Slide Number Placeholder 3"/>
+          <p:cNvSpPr>
+            <a:spLocks noGrp="1"/>
+          </p:cNvSpPr>
+          <p:nvPr>
+            <p:ph type="sldNum" sz="quarter" idx="5"/>
+          </p:nvPr>
+        </p:nvSpPr>
+        <p:spPr/>
+        <p:txBody>
+          <a:bodyPr/>
+          <a:lstStyle/>
+          <a:p>
+            <a:fld id="{EAF9EB4E-D50A-4CF1-9B06-457599E410FB}" type="slidenum">
+              <a:rPr lang="en-CA" smtClean="0"/>
+              <a:t>4</a:t>
+            </a:fld>
+            <a:endParaRPr lang="en-CA"/>
           </a:p>
         </p:txBody>
       </p:sp>
     </p:spTree>
     <p:extLst>
       <p:ext uri="{BB962C8B-B14F-4D97-AF65-F5344CB8AC3E}">
-        <p14:creationId xmlns:p14="http://schemas.microsoft.com/office/powerpoint/2010/main" val="250508036"/>
+        <p14:creationId xmlns:p14="http://schemas.microsoft.com/office/powerpoint/2010/main" val="3664131730"/>
       </p:ext>
     </p:extLst>
   </p:cSld>
@@ -22615,262 +23127,146 @@
               <a:buNone/>
             </a:pPr>
             <a:r>
-              <a:rPr lang="en-CA" sz="1200" b="0" dirty="0"/>
-              <a:t>I have this split into 2 categories:</a:t>
-            </a:r>
-          </a:p>
-          <a:p>
-            <a:pPr marL="0" indent="0">
+              <a:rPr lang="en-CA" sz="1200" b="1" dirty="0"/>
+              <a:t>Who does this problem focus on?  </a:t>
+            </a:r>
+          </a:p>
+          <a:p>
+            <a:pPr marL="0" marR="0" lvl="0" indent="0" algn="l" defTabSz="914400" rtl="0" eaLnBrk="1" fontAlgn="auto" latinLnBrk="0" hangingPunct="1">
+              <a:lnSpc>
+                <a:spcPct val="100000"/>
+              </a:lnSpc>
               <a:spcBef>
                 <a:spcPts val="0"/>
               </a:spcBef>
+              <a:spcAft>
+                <a:spcPts val="0"/>
+              </a:spcAft>
+              <a:buClrTx/>
+              <a:buSzTx/>
+              <a:buFontTx/>
               <a:buNone/>
+              <a:tabLst/>
+              <a:defRPr/>
             </a:pPr>
             <a:r>
-              <a:rPr lang="en-CA" sz="1200" b="0" dirty="0"/>
-              <a:t>1)Who are we learning from, wo are we modelling our solution after?</a:t>
-            </a:r>
-          </a:p>
-          <a:p>
-            <a:pPr marL="0" indent="0">
+              <a:rPr lang="en-US" dirty="0"/>
+              <a:t>My proposal is to start with a protocol for able bodied elite athletes.  This allows us to target a big piece of our core business, then the protocol can then be scaled and adapted to support other partners and other markets.</a:t>
+            </a:r>
+          </a:p>
+          <a:p>
+            <a:pPr marL="0" marR="0" lvl="0" indent="0" algn="l" defTabSz="914400" rtl="0" eaLnBrk="1" fontAlgn="auto" latinLnBrk="0" hangingPunct="1">
+              <a:lnSpc>
+                <a:spcPct val="100000"/>
+              </a:lnSpc>
               <a:spcBef>
                 <a:spcPts val="0"/>
               </a:spcBef>
+              <a:spcAft>
+                <a:spcPts val="0"/>
+              </a:spcAft>
+              <a:buClrTx/>
+              <a:buSzTx/>
+              <a:buFontTx/>
               <a:buNone/>
+              <a:tabLst/>
+              <a:defRPr/>
             </a:pPr>
-            <a:r>
-              <a:rPr lang="en-CA" sz="1200" b="0" dirty="0"/>
-              <a:t>2)Who else in Canada is leading ACL Rehabs on a similar scale</a:t>
-            </a:r>
-          </a:p>
-          <a:p>
-            <a:pPr marL="0" indent="0">
+            <a:endParaRPr lang="en-US" dirty="0"/>
+          </a:p>
+          <a:p>
+            <a:r>
+              <a:rPr lang="en-US" dirty="0"/>
+              <a:t>So below on the left I've got 3 markets we already service.</a:t>
+            </a:r>
+          </a:p>
+          <a:p>
+            <a:r>
+              <a:rPr lang="en-US" dirty="0"/>
+              <a:t>And in bold, 3 markets which I believe this protocol could open up for us.</a:t>
+            </a:r>
+          </a:p>
+          <a:p>
+            <a:r>
+              <a:rPr lang="en-US" dirty="0"/>
+              <a:t>When I'm showing you the protocol, I'd like for you to specifically consider how this could work for both local and remote PN clients.</a:t>
+            </a:r>
+          </a:p>
+          <a:p>
+            <a:endParaRPr lang="en-US" dirty="0"/>
+          </a:p>
+          <a:p>
+            <a:endParaRPr lang="en-US" dirty="0"/>
+          </a:p>
+          <a:p>
+            <a:endParaRPr lang="en-US" dirty="0"/>
+          </a:p>
+          <a:p>
+            <a:endParaRPr lang="en-US" dirty="0"/>
+          </a:p>
+          <a:p>
+            <a:endParaRPr lang="en-US" dirty="0"/>
+          </a:p>
+          <a:p>
+            <a:endParaRPr lang="en-US" dirty="0"/>
+          </a:p>
+          <a:p>
+            <a:endParaRPr lang="en-US" dirty="0"/>
+          </a:p>
+          <a:p>
+            <a:endParaRPr lang="en-US" dirty="0"/>
+          </a:p>
+          <a:p>
+            <a:r>
+              <a:rPr lang="en-US" dirty="0"/>
+              <a:t>Hierarchy:</a:t>
+            </a:r>
+          </a:p>
+          <a:p>
+            <a:r>
+              <a:rPr lang="en-US" dirty="0"/>
+              <a:t>NSO athletes is supposed to be our core business, this is at the top of the hierarchy, but it is also the smallest “market”.  Build the one big thing, targeted towards one specific pillar of our core business, then it can easily be scaled and adapted to these other markets</a:t>
+            </a:r>
+          </a:p>
+          <a:p>
+            <a:endParaRPr lang="en-US" dirty="0"/>
+          </a:p>
+          <a:p>
+            <a:endParaRPr lang="en-US" dirty="0"/>
+          </a:p>
+          <a:p>
+            <a:pPr marL="0" marR="0" lvl="0" indent="0" algn="l" defTabSz="914400" rtl="0" eaLnBrk="1" fontAlgn="auto" latinLnBrk="0" hangingPunct="1">
+              <a:lnSpc>
+                <a:spcPct val="100000"/>
+              </a:lnSpc>
               <a:spcBef>
                 <a:spcPts val="0"/>
               </a:spcBef>
+              <a:spcAft>
+                <a:spcPts val="0"/>
+              </a:spcAft>
+              <a:buClrTx/>
+              <a:buSzTx/>
+              <a:buFontTx/>
               <a:buNone/>
+              <a:tabLst/>
+              <a:defRPr/>
             </a:pPr>
-            <a:endParaRPr lang="en-CA" sz="1200" b="0" dirty="0"/>
-          </a:p>
-          <a:p>
-            <a:pPr marL="0" indent="0">
-              <a:spcBef>
-                <a:spcPts val="0"/>
-              </a:spcBef>
-              <a:buNone/>
-            </a:pPr>
-            <a:r>
-              <a:rPr lang="en-CA" sz="1200" b="0" dirty="0"/>
-              <a:t>So the question is what makes this solution different than the competition and why would people choose this solution over others.</a:t>
-            </a:r>
-          </a:p>
-          <a:p>
-            <a:pPr marL="0" indent="0">
-              <a:spcBef>
-                <a:spcPts val="0"/>
-              </a:spcBef>
-              <a:buNone/>
-            </a:pPr>
-            <a:endParaRPr lang="en-CA" sz="1200" b="1" dirty="0"/>
-          </a:p>
-          <a:p>
-            <a:pPr marL="0" indent="0">
-              <a:spcBef>
-                <a:spcPts val="0"/>
-              </a:spcBef>
-              <a:buNone/>
-            </a:pPr>
-            <a:endParaRPr lang="en-CA" sz="1200" b="1" dirty="0"/>
-          </a:p>
-          <a:p>
-            <a:pPr marL="0" indent="0">
-              <a:spcBef>
-                <a:spcPts val="0"/>
-              </a:spcBef>
-              <a:buNone/>
-            </a:pPr>
-            <a:endParaRPr lang="en-CA" sz="1200" b="1" dirty="0"/>
-          </a:p>
-          <a:p>
-            <a:pPr marL="0" indent="0">
-              <a:spcBef>
-                <a:spcPts val="0"/>
-              </a:spcBef>
-              <a:buNone/>
-            </a:pPr>
-            <a:endParaRPr lang="en-CA" sz="1200" b="1" dirty="0"/>
-          </a:p>
-          <a:p>
-            <a:pPr marL="0" indent="0">
-              <a:spcBef>
-                <a:spcPts val="0"/>
-              </a:spcBef>
-              <a:buNone/>
-            </a:pPr>
             <a:r>
               <a:rPr lang="en-CA" sz="1200" b="1" dirty="0"/>
-              <a:t>Describe your key differentiators that make your solution different than your competition.</a:t>
-            </a:r>
-          </a:p>
-          <a:p>
-            <a:pPr marL="0" indent="0">
-              <a:spcBef>
-                <a:spcPts val="0"/>
-              </a:spcBef>
-              <a:buNone/>
-            </a:pPr>
-            <a:r>
-              <a:rPr lang="en-CA" sz="1200" dirty="0"/>
-              <a:t>A fully integrated digital tool</a:t>
-            </a:r>
-          </a:p>
-          <a:p>
-            <a:pPr marL="0" indent="0">
-              <a:spcBef>
-                <a:spcPts val="0"/>
-              </a:spcBef>
-              <a:buNone/>
-            </a:pPr>
-            <a:r>
-              <a:rPr lang="en-CA" sz="1200" dirty="0"/>
-              <a:t>“Open Source” …</a:t>
-            </a:r>
-          </a:p>
-          <a:p>
-            <a:pPr marL="0" indent="0">
-              <a:spcBef>
-                <a:spcPts val="0"/>
-              </a:spcBef>
-              <a:buNone/>
-            </a:pPr>
-            <a:endParaRPr lang="en-CA" sz="1200" dirty="0"/>
-          </a:p>
-          <a:p>
-            <a:pPr marL="0" indent="0">
-              <a:spcBef>
-                <a:spcPts val="0"/>
-              </a:spcBef>
-              <a:buNone/>
-            </a:pPr>
-            <a:r>
-              <a:rPr lang="en-CA" sz="1200" b="1" dirty="0"/>
-              <a:t>[KPI: Is your solution unique enough that your target market (customers) will choose your solution over alternatives?] </a:t>
-            </a:r>
-          </a:p>
-          <a:p>
-            <a:pPr marL="0" indent="0">
-              <a:spcBef>
-                <a:spcPts val="0"/>
-              </a:spcBef>
-              <a:buNone/>
-            </a:pPr>
-            <a:r>
-              <a:rPr lang="en-CA" sz="1200" dirty="0"/>
-              <a:t>Yes, possibly.  I could see other Institutes saying, “well this is good, we’ll use the tool”</a:t>
-            </a:r>
-          </a:p>
-          <a:p>
-            <a:pPr marL="0" indent="0">
-              <a:spcBef>
-                <a:spcPts val="0"/>
-              </a:spcBef>
-              <a:buNone/>
-            </a:pPr>
-            <a:r>
-              <a:rPr lang="en-CA" sz="1200" dirty="0"/>
-              <a:t>Also, because it's an online platform, were' not restricted to just Whistler and Victoria</a:t>
-            </a:r>
-          </a:p>
-          <a:p>
-            <a:pPr marL="0" indent="0">
-              <a:spcBef>
-                <a:spcPts val="0"/>
-              </a:spcBef>
-              <a:buNone/>
-            </a:pPr>
-            <a:endParaRPr lang="en-CA" sz="1200" b="1" i="1" dirty="0">
+              <a:t>Can you get any sense of projected number of client/customers that might be interested in this solution? </a:t>
+            </a:r>
+            <a:endParaRPr lang="en-CA" sz="1200" kern="1200" dirty="0">
               <a:solidFill>
-                <a:srgbClr val="002060"/>
+                <a:schemeClr val="tx1"/>
               </a:solidFill>
+              <a:effectLst/>
+              <a:latin typeface="+mn-lt"/>
+              <a:ea typeface="+mn-ea"/>
+              <a:cs typeface="+mn-cs"/>
             </a:endParaRPr>
           </a:p>
           <a:p>
-            <a:pPr marL="0" indent="0">
-              <a:spcBef>
-                <a:spcPts val="0"/>
-              </a:spcBef>
-              <a:buNone/>
-            </a:pPr>
-            <a:endParaRPr lang="en-CA" sz="1200" b="1" i="1" dirty="0">
-              <a:solidFill>
-                <a:srgbClr val="002060"/>
-              </a:solidFill>
-            </a:endParaRPr>
-          </a:p>
-          <a:p>
-            <a:endParaRPr lang="en-US" dirty="0"/>
-          </a:p>
-          <a:p>
-            <a:endParaRPr lang="en-US" dirty="0"/>
-          </a:p>
-          <a:p>
-            <a:endParaRPr lang="en-US" dirty="0"/>
-          </a:p>
-          <a:p>
-            <a:r>
-              <a:rPr lang="en-US" dirty="0"/>
-              <a:t>Competition:</a:t>
-            </a:r>
-          </a:p>
-          <a:p>
-            <a:r>
-              <a:rPr lang="en-US" dirty="0"/>
-              <a:t>-CSI Calgary (collaborate)</a:t>
-            </a:r>
-          </a:p>
-          <a:p>
-            <a:r>
-              <a:rPr lang="en-US" dirty="0"/>
-              <a:t>-Private</a:t>
-            </a:r>
-          </a:p>
-          <a:p>
-            <a:r>
-              <a:rPr lang="en-US" dirty="0"/>
-              <a:t>-</a:t>
-            </a:r>
-            <a:r>
-              <a:rPr lang="en-US" dirty="0" err="1"/>
-              <a:t>Fortius</a:t>
-            </a:r>
-            <a:r>
-              <a:rPr lang="en-US" dirty="0"/>
-              <a:t> (n/a)</a:t>
-            </a:r>
-          </a:p>
-          <a:p>
-            <a:endParaRPr lang="en-US" dirty="0"/>
-          </a:p>
-          <a:p>
-            <a:endParaRPr lang="en-US" dirty="0"/>
-          </a:p>
-          <a:p>
-            <a:r>
-              <a:rPr lang="en-US" dirty="0"/>
-              <a:t>World Leading Examples:</a:t>
-            </a:r>
-          </a:p>
-          <a:p>
-            <a:r>
-              <a:rPr lang="en-US" dirty="0"/>
-              <a:t>(and one thing they do best that we can learn from)</a:t>
-            </a:r>
-          </a:p>
-          <a:p>
-            <a:r>
-              <a:rPr lang="en-US" dirty="0"/>
-              <a:t>-</a:t>
-            </a:r>
             <a:r>
               <a:rPr lang="en-CA" sz="1200" kern="1200" dirty="0">
                 <a:solidFill>
@@ -22881,8 +23277,55 @@
                 <a:ea typeface="+mn-ea"/>
                 <a:cs typeface="+mn-cs"/>
               </a:rPr>
-              <a:t>United States Ski and Snowboard</a:t>
-            </a:r>
+              <a:t>-</a:t>
+            </a:r>
+            <a:r>
+              <a:rPr lang="en-US" sz="1200" kern="1200" dirty="0">
+                <a:solidFill>
+                  <a:schemeClr val="tx1"/>
+                </a:solidFill>
+                <a:effectLst/>
+                <a:latin typeface="+mn-lt"/>
+                <a:ea typeface="+mn-ea"/>
+                <a:cs typeface="+mn-cs"/>
+              </a:rPr>
+              <a:t>research has shown that the risk of injury and the frequency of severe injuries in freestyle skiing are high.  A retrospective study of all freestyle ski disciplines during the three World Cup seasons between 2006-2009 estimated a 44.0% (95%CI: 38.9 – 49.0%) incidence of injury each season and a 31.9% (95%CI: 27.6 – 36.2%) incidence of time-loss (≥ 1 day) injury across all competitors (</a:t>
+            </a:r>
+            <a:r>
+              <a:rPr lang="en-US" sz="1200" kern="1200" dirty="0" err="1">
+                <a:solidFill>
+                  <a:schemeClr val="tx1"/>
+                </a:solidFill>
+                <a:effectLst/>
+                <a:latin typeface="+mn-lt"/>
+                <a:ea typeface="+mn-ea"/>
+                <a:cs typeface="+mn-cs"/>
+              </a:rPr>
+              <a:t>Flørenes</a:t>
+            </a:r>
+            <a:r>
+              <a:rPr lang="en-US" sz="1200" kern="1200" dirty="0">
+                <a:solidFill>
+                  <a:schemeClr val="tx1"/>
+                </a:solidFill>
+                <a:effectLst/>
+                <a:latin typeface="+mn-lt"/>
+                <a:ea typeface="+mn-ea"/>
+                <a:cs typeface="+mn-cs"/>
+              </a:rPr>
+              <a:t> et al., 2010).  Alarmingly, severe injuries leading to time loss from training and competition of greater than 28 days were the most frequent type of injury, which is in contrast to most other sports, where severe injuries are the least frequent.  Other research found that 47% of the 95 competitors at the 2001 FIS Freestyle World Championship had experienced at least one major knee injury (&gt;20 days lost) and 26% had suffered at least one previous ACL injury (Heir et al., 2003). </a:t>
+            </a:r>
+          </a:p>
+          <a:p>
+            <a:endParaRPr lang="en-US" sz="1200" kern="1200" dirty="0">
+              <a:solidFill>
+                <a:schemeClr val="tx1"/>
+              </a:solidFill>
+              <a:effectLst/>
+              <a:latin typeface="+mn-lt"/>
+              <a:ea typeface="+mn-ea"/>
+              <a:cs typeface="+mn-cs"/>
+            </a:endParaRPr>
           </a:p>
           <a:p>
             <a:r>
@@ -22895,21 +23338,7 @@
                 <a:ea typeface="+mn-ea"/>
                 <a:cs typeface="+mn-cs"/>
               </a:rPr>
-              <a:t>-SPARC Sports Physiotherapy &amp; Athletic Rehabilitation Clinic – Ireland, Enda King</a:t>
-            </a:r>
-          </a:p>
-          <a:p>
-            <a:r>
-              <a:rPr lang="en-CA" sz="1200" kern="1200" dirty="0">
-                <a:solidFill>
-                  <a:schemeClr val="tx1"/>
-                </a:solidFill>
-                <a:effectLst/>
-                <a:latin typeface="+mn-lt"/>
-                <a:ea typeface="+mn-ea"/>
-                <a:cs typeface="+mn-cs"/>
-              </a:rPr>
-              <a:t>-OTP Return to Health and Performance ‘Think Tank’</a:t>
+              <a:t>Back In Action Physiotherapy alone reports treating 320 different patients with knee injuries annually</a:t>
             </a:r>
           </a:p>
           <a:p>
@@ -22926,38 +23355,12 @@
           <a:p>
             <a:endParaRPr lang="en-US" dirty="0"/>
           </a:p>
-          <a:p>
-            <a:endParaRPr lang="en-US" dirty="0"/>
-          </a:p>
-        </p:txBody>
-      </p:sp>
-      <p:sp>
-        <p:nvSpPr>
-          <p:cNvPr id="4" name="Slide Number Placeholder 3"/>
-          <p:cNvSpPr>
-            <a:spLocks noGrp="1"/>
-          </p:cNvSpPr>
-          <p:nvPr>
-            <p:ph type="sldNum" sz="quarter" idx="5"/>
-          </p:nvPr>
-        </p:nvSpPr>
-        <p:spPr/>
-        <p:txBody>
-          <a:bodyPr/>
-          <a:lstStyle/>
-          <a:p>
-            <a:fld id="{EAF9EB4E-D50A-4CF1-9B06-457599E410FB}" type="slidenum">
-              <a:rPr lang="en-CA" smtClean="0"/>
-              <a:t>5</a:t>
-            </a:fld>
-            <a:endParaRPr lang="en-CA"/>
-          </a:p>
         </p:txBody>
       </p:sp>
     </p:spTree>
     <p:extLst>
       <p:ext uri="{BB962C8B-B14F-4D97-AF65-F5344CB8AC3E}">
-        <p14:creationId xmlns:p14="http://schemas.microsoft.com/office/powerpoint/2010/main" val="3664131730"/>
+        <p14:creationId xmlns:p14="http://schemas.microsoft.com/office/powerpoint/2010/main" val="250508036"/>
       </p:ext>
     </p:extLst>
   </p:cSld>
@@ -23019,6 +23422,177 @@
             </a:pPr>
             <a:r>
               <a:rPr lang="en-CA" sz="1200" dirty="0"/>
+              <a:t>The role’s already been created, I’m already working on the protocol, </a:t>
+            </a:r>
+          </a:p>
+          <a:p>
+            <a:pPr marL="0" indent="0">
+              <a:spcBef>
+                <a:spcPts val="0"/>
+              </a:spcBef>
+              <a:buNone/>
+            </a:pPr>
+            <a:r>
+              <a:rPr lang="en-CA" sz="1200" dirty="0"/>
+              <a:t>so hopefully I don’t have to talk much about myself at the moment, and the protocol that I share with you can be a reflection of my ability to lead this project. </a:t>
+            </a:r>
+          </a:p>
+          <a:p>
+            <a:pPr marL="0" indent="0">
+              <a:spcBef>
+                <a:spcPts val="0"/>
+              </a:spcBef>
+              <a:buNone/>
+            </a:pPr>
+            <a:endParaRPr lang="en-CA" sz="1200" dirty="0"/>
+          </a:p>
+          <a:p>
+            <a:pPr marL="0" indent="0">
+              <a:spcBef>
+                <a:spcPts val="0"/>
+              </a:spcBef>
+              <a:buNone/>
+            </a:pPr>
+            <a:r>
+              <a:rPr lang="en-CA" sz="1200" dirty="0"/>
+              <a:t>What I would say,</a:t>
+            </a:r>
+          </a:p>
+          <a:p>
+            <a:pPr marL="0" marR="0" lvl="0" indent="0" algn="l" defTabSz="914400" rtl="0" eaLnBrk="1" fontAlgn="auto" latinLnBrk="0" hangingPunct="1">
+              <a:lnSpc>
+                <a:spcPct val="100000"/>
+              </a:lnSpc>
+              <a:spcBef>
+                <a:spcPts val="0"/>
+              </a:spcBef>
+              <a:spcAft>
+                <a:spcPts val="0"/>
+              </a:spcAft>
+              <a:buClrTx/>
+              <a:buSzTx/>
+              <a:buFontTx/>
+              <a:buNone/>
+              <a:tabLst/>
+              <a:defRPr/>
+            </a:pPr>
+            <a:r>
+              <a:rPr lang="en-CA" sz="1200" b="0" i="0" dirty="0">
+                <a:solidFill>
+                  <a:srgbClr val="002060"/>
+                </a:solidFill>
+              </a:rPr>
+              <a:t>Part of my proposal is to keep the working group very small at the start and to expand out as needed.  I think Craig is an integral part of this project given his experience specifically leading rehabilitations. And also, really grateful to have the support of Marc in this with his vision for what this could be and obviously all the technical expertise that he brings.</a:t>
+            </a:r>
+          </a:p>
+          <a:p>
+            <a:pPr marL="0" indent="0">
+              <a:spcBef>
+                <a:spcPts val="0"/>
+              </a:spcBef>
+              <a:buNone/>
+            </a:pPr>
+            <a:endParaRPr lang="en-CA" sz="1200" dirty="0"/>
+          </a:p>
+          <a:p>
+            <a:pPr marL="0" indent="0">
+              <a:spcBef>
+                <a:spcPts val="0"/>
+              </a:spcBef>
+              <a:buNone/>
+            </a:pPr>
+            <a:endParaRPr lang="en-CA" sz="1200" dirty="0"/>
+          </a:p>
+          <a:p>
+            <a:pPr marL="0" indent="0">
+              <a:spcBef>
+                <a:spcPts val="0"/>
+              </a:spcBef>
+              <a:buNone/>
+            </a:pPr>
+            <a:endParaRPr lang="en-CA" sz="1200" dirty="0"/>
+          </a:p>
+          <a:p>
+            <a:pPr marL="0" indent="0">
+              <a:spcBef>
+                <a:spcPts val="0"/>
+              </a:spcBef>
+              <a:buNone/>
+            </a:pPr>
+            <a:endParaRPr lang="en-CA" sz="1200" dirty="0"/>
+          </a:p>
+          <a:p>
+            <a:pPr marL="0" indent="0">
+              <a:spcBef>
+                <a:spcPts val="0"/>
+              </a:spcBef>
+              <a:buNone/>
+            </a:pPr>
+            <a:endParaRPr lang="en-CA" sz="1200" dirty="0"/>
+          </a:p>
+          <a:p>
+            <a:pPr marL="0" indent="0">
+              <a:spcBef>
+                <a:spcPts val="0"/>
+              </a:spcBef>
+              <a:buNone/>
+            </a:pPr>
+            <a:endParaRPr lang="en-CA" sz="1200" dirty="0"/>
+          </a:p>
+          <a:p>
+            <a:pPr marL="0" indent="0">
+              <a:spcBef>
+                <a:spcPts val="0"/>
+              </a:spcBef>
+              <a:buNone/>
+            </a:pPr>
+            <a:endParaRPr lang="en-CA" sz="1200" dirty="0"/>
+          </a:p>
+          <a:p>
+            <a:pPr marL="0" indent="0">
+              <a:spcBef>
+                <a:spcPts val="0"/>
+              </a:spcBef>
+              <a:buNone/>
+            </a:pPr>
+            <a:endParaRPr lang="en-CA" sz="1200" dirty="0"/>
+          </a:p>
+          <a:p>
+            <a:pPr marL="0" indent="0">
+              <a:spcBef>
+                <a:spcPts val="0"/>
+              </a:spcBef>
+              <a:buNone/>
+            </a:pPr>
+            <a:endParaRPr lang="en-CA" sz="1200" dirty="0"/>
+          </a:p>
+          <a:p>
+            <a:pPr marL="0" indent="0">
+              <a:spcBef>
+                <a:spcPts val="0"/>
+              </a:spcBef>
+              <a:buNone/>
+            </a:pPr>
+            <a:endParaRPr lang="en-CA" sz="1200" dirty="0"/>
+          </a:p>
+          <a:p>
+            <a:pPr marL="0" indent="0">
+              <a:spcBef>
+                <a:spcPts val="0"/>
+              </a:spcBef>
+              <a:buNone/>
+            </a:pPr>
+            <a:endParaRPr lang="en-CA" sz="1200" dirty="0"/>
+          </a:p>
+          <a:p>
+            <a:pPr marL="0" indent="0">
+              <a:spcBef>
+                <a:spcPts val="0"/>
+              </a:spcBef>
+              <a:buNone/>
+            </a:pPr>
+            <a:r>
+              <a:rPr lang="en-CA" sz="1200" dirty="0"/>
               <a:t>The main reason that I am interested in taking on this project is because it aligns with my goals of doing work that is first and foremost practical and impactful, but also involves problem solving, innovation and academic research.  I think that this endeavor doesn’t work without all of those things. I feel that I’m in a unique position to deliver an effective outcome. I think the approach I’m taking is bold, but by aiming high in this case, there is really very little downside.</a:t>
             </a:r>
           </a:p>
@@ -23034,22 +23608,6 @@
                 <a:srgbClr val="002060"/>
               </a:solidFill>
             </a:endParaRPr>
-          </a:p>
-          <a:p>
-            <a:pPr marL="0" indent="0">
-              <a:spcBef>
-                <a:spcPts val="0"/>
-              </a:spcBef>
-              <a:buNone/>
-            </a:pPr>
-            <a:r>
-              <a:rPr lang="en-CA" sz="1200" b="0" i="0" dirty="0">
-                <a:solidFill>
-                  <a:srgbClr val="002060"/>
-                </a:solidFill>
-              </a:rPr>
-              <a:t>My proposal for this project is to keep the working group very small at the start and to expand out as needed.  I think Craig is an integral part of this project because he offers a lot of experience specifically with the daily grind of leading rehabilitations, and also a highly developed network across the country. And also, really grateful to have the support of Marc in this with his vision for what this could be and obviously a lot of technical expertise</a:t>
-            </a:r>
           </a:p>
           <a:p>
             <a:pPr marL="0" indent="0">
@@ -23269,16 +23827,7 @@
           <a:p>
             <a:r>
               <a:rPr lang="en-CA" sz="1200" b="0" dirty="0"/>
-              <a:t>Business model, I see this as beyond the scope of my role, and I don’t want to spend a lot of time on this right now,  but I’ll offer some ideas</a:t>
-            </a:r>
-          </a:p>
-          <a:p>
-            <a:endParaRPr lang="en-CA" sz="1200" b="0" dirty="0"/>
-          </a:p>
-          <a:p>
-            <a:r>
-              <a:rPr lang="en-CA" sz="1200" b="0" dirty="0"/>
-              <a:t>A lot of the talk that I’ve heard around this work is how do we get the NSOs to fund it..</a:t>
+              <a:t>A lot of the talk that I’ve heard is how do we get the NSOs to fund it..</a:t>
             </a:r>
           </a:p>
           <a:p>
@@ -23308,32 +23857,91 @@
           <a:p>
             <a:r>
               <a:rPr lang="en-CA" sz="1200" b="0" dirty="0"/>
-              <a:t>Teeter-totter</a:t>
+              <a:t>For example a bronze package</a:t>
             </a:r>
           </a:p>
           <a:p>
             <a:r>
               <a:rPr lang="en-CA" sz="1200" b="0" dirty="0"/>
-              <a:t>-inexpensive to customer / low overhead, not time consuming</a:t>
+              <a:t>-relatively inexpensive to customer / </a:t>
             </a:r>
           </a:p>
           <a:p>
             <a:r>
               <a:rPr lang="en-CA" sz="1200" b="0" dirty="0"/>
-              <a:t>-expensive to customer / very time consuming</a:t>
+              <a:t>-relatively simple for us to deliver: something that is not time consuming and has low overhead</a:t>
+            </a:r>
+          </a:p>
+          <a:p>
+            <a:r>
+              <a:rPr lang="en-CA" sz="1200" b="0" dirty="0"/>
+              <a:t>-in this case for example they receive the standardized protocol and then they get 1 coached session and 1 testing session per month</a:t>
             </a:r>
           </a:p>
           <a:p>
             <a:endParaRPr lang="en-CA" sz="1200" b="0" dirty="0"/>
           </a:p>
           <a:p>
+            <a:r>
+              <a:rPr lang="en-CA" sz="1200" b="0" dirty="0"/>
+              <a:t>And then in contrast, a gold package, would essentially be an improved and standardized version of what we do for some of our Olympic athletes now</a:t>
+            </a:r>
+          </a:p>
+          <a:p>
+            <a:r>
+              <a:rPr lang="en-CA" sz="1200" b="0" dirty="0"/>
+              <a:t>-very time consuming / expensive to customer</a:t>
+            </a:r>
+          </a:p>
+          <a:p>
             <a:endParaRPr lang="en-CA" sz="1200" b="0" dirty="0"/>
           </a:p>
           <a:p>
             <a:r>
               <a:rPr lang="en-CA" sz="1200" b="0" dirty="0"/>
-              <a:t>In addition to the option of a monthly fee we could offer an upfront option, specifically for partner NSOs, and this would be priced strategically to allow us to have some guaranteed revenue and to allow the NSOs to know that they will be well supported and they have some cost certainty</a:t>
-            </a:r>
+              <a:t>Given the difficulty of properly </a:t>
+            </a:r>
+            <a:r>
+              <a:rPr lang="en-CA" sz="1200" b="0" dirty="0" err="1"/>
+              <a:t>valueing</a:t>
+            </a:r>
+            <a:r>
+              <a:rPr lang="en-CA" sz="1200" b="0" dirty="0"/>
+              <a:t> a gold protocol, and the difficulty of NSOs to fit this into shrinking budgets, I think </a:t>
+            </a:r>
+          </a:p>
+          <a:p>
+            <a:endParaRPr lang="en-CA" sz="1200" b="0" dirty="0"/>
+          </a:p>
+          <a:p>
+            <a:r>
+              <a:rPr lang="en-CA" sz="1200" b="0" dirty="0"/>
+              <a:t>In addition to the subscription model, we could offer an upfront option, specifically for partner NSOs, </a:t>
+            </a:r>
+          </a:p>
+          <a:p>
+            <a:r>
+              <a:rPr lang="en-CA" sz="1200" b="0" dirty="0"/>
+              <a:t>This would be priced strategically to allow us to have some guaranteed revenue and to allow the NSOs to have cost certainty and the knowledge that their athletes will be well supported in the case of injury</a:t>
+            </a:r>
+          </a:p>
+          <a:p>
+            <a:endParaRPr lang="en-CA" sz="1200" b="0" dirty="0"/>
+          </a:p>
+          <a:p>
+            <a:endParaRPr lang="en-CA" sz="1200" b="0" dirty="0"/>
+          </a:p>
+          <a:p>
+            <a:endParaRPr lang="en-CA" sz="1200" b="0" dirty="0"/>
+          </a:p>
+          <a:p>
+            <a:endParaRPr lang="en-CA" sz="1200" b="0" dirty="0"/>
+          </a:p>
+          <a:p>
+            <a:endParaRPr lang="en-CA" sz="1200" b="0" dirty="0"/>
+          </a:p>
+          <a:p>
+            <a:endParaRPr lang="en-CA" sz="1200" b="0" dirty="0"/>
           </a:p>
           <a:p>
             <a:endParaRPr lang="en-CA" sz="1200" b="0" dirty="0"/>
@@ -24766,6 +25374,68 @@
           <a:bodyPr/>
           <a:lstStyle/>
           <a:p>
+            <a:r>
+              <a:rPr lang="en-US" dirty="0"/>
+              <a:t>Milestones, lastly the objective at the moment would be to have a working version of the protocol ready to go in April.</a:t>
+            </a:r>
+          </a:p>
+          <a:p>
+            <a:endParaRPr lang="en-US" dirty="0"/>
+          </a:p>
+          <a:p>
+            <a:r>
+              <a:rPr lang="en-US" dirty="0"/>
+              <a:t>From now </a:t>
+            </a:r>
+            <a:r>
+              <a:rPr lang="en-US" dirty="0" err="1"/>
+              <a:t>ntil</a:t>
+            </a:r>
+            <a:r>
+              <a:rPr lang="en-US" dirty="0"/>
+              <a:t> then , I would be the building this thing out, continuously working on it, while also  getting it to a point where collaboration with different skilled professionals can be most effective.</a:t>
+            </a:r>
+          </a:p>
+          <a:p>
+            <a:endParaRPr lang="en-US" dirty="0"/>
+          </a:p>
+          <a:p>
+            <a:r>
+              <a:rPr lang="en-US" dirty="0"/>
+              <a:t>And then once version 1 is built, then future work involves </a:t>
+            </a:r>
+          </a:p>
+          <a:p>
+            <a:endParaRPr lang="en-US" dirty="0"/>
+          </a:p>
+          <a:p>
+            <a:endParaRPr lang="en-US" dirty="0"/>
+          </a:p>
+          <a:p>
+            <a:r>
+              <a:rPr lang="en-US" dirty="0"/>
+              <a:t>So that’s the pitch, if anyone wants to pause now, I can answer any questions you have, otherwise I can show you some of what I’ve been working on so you can see my actual idea and vison for this project</a:t>
+            </a:r>
+          </a:p>
+          <a:p>
+            <a:endParaRPr lang="en-US" dirty="0"/>
+          </a:p>
+          <a:p>
+            <a:endParaRPr lang="en-US" dirty="0"/>
+          </a:p>
+          <a:p>
+            <a:endParaRPr lang="en-US" dirty="0"/>
+          </a:p>
+          <a:p>
+            <a:endParaRPr lang="en-US" dirty="0"/>
+          </a:p>
+          <a:p>
+            <a:endParaRPr lang="en-US" dirty="0"/>
+          </a:p>
+          <a:p>
+            <a:endParaRPr lang="en-US" dirty="0"/>
+          </a:p>
+          <a:p>
             <a:endParaRPr lang="en-US" dirty="0"/>
           </a:p>
           <a:p>
@@ -24789,11 +25459,7 @@
           <a:p>
             <a:r>
               <a:rPr lang="en-US" dirty="0"/>
-              <a:t>Deliver a working product </a:t>
-            </a:r>
-            <a:r>
-              <a:rPr lang="en-US"/>
-              <a:t>in April</a:t>
+              <a:t>Deliver a working product in April</a:t>
             </a:r>
           </a:p>
           <a:p>
@@ -28574,160 +29240,6 @@
         <p:spPr>
           <a:xfrm>
             <a:off x="286747" y="1104559"/>
-            <a:ext cx="6660232" cy="565151"/>
-          </a:xfrm>
-          <a:noFill/>
-        </p:spPr>
-        <p:txBody>
-          <a:bodyPr>
-            <a:noAutofit/>
-          </a:bodyPr>
-          <a:lstStyle/>
-          <a:p>
-            <a:r>
-              <a:rPr lang="en-CA" sz="3733" dirty="0"/>
-              <a:t>Step 3.  Target Market</a:t>
-            </a:r>
-          </a:p>
-        </p:txBody>
-      </p:sp>
-      <p:pic>
-        <p:nvPicPr>
-          <p:cNvPr id="5" name="Picture 5"/>
-          <p:cNvPicPr>
-            <a:picLocks noChangeAspect="1"/>
-          </p:cNvPicPr>
-          <p:nvPr/>
-        </p:nvPicPr>
-        <p:blipFill rotWithShape="1">
-          <a:blip r:embed="rId3">
-            <a:extLst>
-              <a:ext uri="{28A0092B-C50C-407E-A947-70E740481C1C}">
-                <a14:useLocalDpi xmlns:a14="http://schemas.microsoft.com/office/drawing/2010/main" val="0"/>
-              </a:ext>
-            </a:extLst>
-          </a:blip>
-          <a:srcRect l="17219" t="50876" r="59719"/>
-          <a:stretch/>
-        </p:blipFill>
-        <p:spPr bwMode="auto">
-          <a:xfrm>
-            <a:off x="271338" y="2399073"/>
-            <a:ext cx="1691148" cy="1759487"/>
-          </a:xfrm>
-          <a:prstGeom prst="rect">
-            <a:avLst/>
-          </a:prstGeom>
-          <a:noFill/>
-          <a:ln>
-            <a:noFill/>
-          </a:ln>
-          <a:extLst>
-            <a:ext uri="{909E8E84-426E-40DD-AFC4-6F175D3DCCD1}">
-              <a14:hiddenFill xmlns:a14="http://schemas.microsoft.com/office/drawing/2010/main">
-                <a:solidFill>
-                  <a:srgbClr val="FFFFFF"/>
-                </a:solidFill>
-              </a14:hiddenFill>
-            </a:ext>
-            <a:ext uri="{91240B29-F687-4F45-9708-019B960494DF}">
-              <a14:hiddenLine xmlns:a14="http://schemas.microsoft.com/office/drawing/2010/main" w="9525">
-                <a:solidFill>
-                  <a:srgbClr val="000000"/>
-                </a:solidFill>
-                <a:miter lim="800000"/>
-                <a:headEnd/>
-                <a:tailEnd/>
-              </a14:hiddenLine>
-            </a:ext>
-          </a:extLst>
-        </p:spPr>
-      </p:pic>
-      <p:graphicFrame>
-        <p:nvGraphicFramePr>
-          <p:cNvPr id="2" name="Diagram 1">
-            <a:extLst>
-              <a:ext uri="{FF2B5EF4-FFF2-40B4-BE49-F238E27FC236}">
-                <a16:creationId xmlns:a16="http://schemas.microsoft.com/office/drawing/2014/main" id="{D0A8F765-861F-91C7-36C3-3555BF0BF1D9}"/>
-              </a:ext>
-            </a:extLst>
-          </p:cNvPr>
-          <p:cNvGraphicFramePr>
-            <a:graphicFrameLocks noChangeAspect="1"/>
-          </p:cNvGraphicFramePr>
-          <p:nvPr>
-            <p:extLst>
-              <p:ext uri="{D42A27DB-BD31-4B8C-83A1-F6EECF244321}">
-                <p14:modId xmlns:p14="http://schemas.microsoft.com/office/powerpoint/2010/main" val="2401085282"/>
-              </p:ext>
-            </p:extLst>
-          </p:nvPr>
-        </p:nvGraphicFramePr>
-        <p:xfrm>
-          <a:off x="588000" y="794513"/>
-          <a:ext cx="11016000" cy="6728093"/>
-        </p:xfrm>
-        <a:graphic>
-          <a:graphicData uri="http://schemas.openxmlformats.org/drawingml/2006/diagram">
-            <dgm:relIds xmlns:dgm="http://schemas.openxmlformats.org/drawingml/2006/diagram" xmlns:r="http://schemas.openxmlformats.org/officeDocument/2006/relationships" r:dm="rId4" r:lo="rId5" r:qs="rId6" r:cs="rId7"/>
-          </a:graphicData>
-        </a:graphic>
-      </p:graphicFrame>
-    </p:spTree>
-    <p:extLst>
-      <p:ext uri="{BB962C8B-B14F-4D97-AF65-F5344CB8AC3E}">
-        <p14:creationId xmlns:p14="http://schemas.microsoft.com/office/powerpoint/2010/main" val="568366746"/>
-      </p:ext>
-    </p:extLst>
-  </p:cSld>
-  <p:clrMapOvr>
-    <a:masterClrMapping/>
-  </p:clrMapOvr>
-  <mc:AlternateContent xmlns:mc="http://schemas.openxmlformats.org/markup-compatibility/2006" xmlns:p14="http://schemas.microsoft.com/office/powerpoint/2010/main">
-    <mc:Choice Requires="p14">
-      <p:transition spd="med" p14:dur="700">
-        <p:fade/>
-      </p:transition>
-    </mc:Choice>
-    <mc:Fallback xmlns="">
-      <p:transition spd="med">
-        <p:fade/>
-      </p:transition>
-    </mc:Fallback>
-  </mc:AlternateContent>
-</p:sld>
-</file>
-
-<file path=ppt/slides/slide5.xml><?xml version="1.0" encoding="utf-8"?>
-<p:sld xmlns:a="http://schemas.openxmlformats.org/drawingml/2006/main" xmlns:r="http://schemas.openxmlformats.org/officeDocument/2006/relationships" xmlns:p="http://schemas.openxmlformats.org/presentationml/2006/main">
-  <p:cSld>
-    <p:spTree>
-      <p:nvGrpSpPr>
-        <p:cNvPr id="1" name=""/>
-        <p:cNvGrpSpPr/>
-        <p:nvPr/>
-      </p:nvGrpSpPr>
-      <p:grpSpPr>
-        <a:xfrm>
-          <a:off x="0" y="0"/>
-          <a:ext cx="0" cy="0"/>
-          <a:chOff x="0" y="0"/>
-          <a:chExt cx="0" cy="0"/>
-        </a:xfrm>
-      </p:grpSpPr>
-      <p:sp>
-        <p:nvSpPr>
-          <p:cNvPr id="63490" name="Rectangle 2"/>
-          <p:cNvSpPr>
-            <a:spLocks noGrp="1" noChangeArrowheads="1"/>
-          </p:cNvSpPr>
-          <p:nvPr>
-            <p:ph type="title"/>
-          </p:nvPr>
-        </p:nvSpPr>
-        <p:spPr>
-          <a:xfrm>
-            <a:off x="286747" y="1104559"/>
             <a:ext cx="8459688" cy="565151"/>
           </a:xfrm>
           <a:noFill/>
@@ -28740,7 +29252,7 @@
           <a:p>
             <a:r>
               <a:rPr lang="en-CA" sz="3733" dirty="0"/>
-              <a:t>Step 4.  Competition Benchmarking</a:t>
+              <a:t>Step 3.  Competition Benchmarking</a:t>
             </a:r>
           </a:p>
         </p:txBody>
@@ -29160,7 +29672,7 @@
         </p:nvSpPr>
         <p:spPr>
           <a:xfrm>
-            <a:off x="7239000" y="3314524"/>
+            <a:off x="7079343" y="3631418"/>
             <a:ext cx="4612148" cy="1200329"/>
           </a:xfrm>
           <a:prstGeom prst="rect">
@@ -29332,51 +29844,6 @@
                                           </p:stCondLst>
                                         </p:cTn>
                                         <p:tgtEl>
-                                          <p:spTgt spid="2"/>
-                                        </p:tgtEl>
-                                        <p:attrNameLst>
-                                          <p:attrName>style.visibility</p:attrName>
-                                        </p:attrNameLst>
-                                      </p:cBhvr>
-                                      <p:to>
-                                        <p:strVal val="visible"/>
-                                      </p:to>
-                                    </p:set>
-                                  </p:childTnLst>
-                                </p:cTn>
-                              </p:par>
-                            </p:childTnLst>
-                          </p:cTn>
-                        </p:par>
-                      </p:childTnLst>
-                    </p:cTn>
-                  </p:par>
-                  <p:par>
-                    <p:cTn id="7" fill="hold">
-                      <p:stCondLst>
-                        <p:cond delay="indefinite"/>
-                      </p:stCondLst>
-                      <p:childTnLst>
-                        <p:par>
-                          <p:cTn id="8" fill="hold">
-                            <p:stCondLst>
-                              <p:cond delay="0"/>
-                            </p:stCondLst>
-                            <p:childTnLst>
-                              <p:par>
-                                <p:cTn id="9" presetID="1" presetClass="entr" presetSubtype="0" fill="hold" grpId="0" nodeType="clickEffect">
-                                  <p:stCondLst>
-                                    <p:cond delay="0"/>
-                                  </p:stCondLst>
-                                  <p:childTnLst>
-                                    <p:set>
-                                      <p:cBhvr>
-                                        <p:cTn id="10" dur="1" fill="hold">
-                                          <p:stCondLst>
-                                            <p:cond delay="0"/>
-                                          </p:stCondLst>
-                                        </p:cTn>
-                                        <p:tgtEl>
                                           <p:spTgt spid="4"/>
                                         </p:tgtEl>
                                         <p:attrNameLst>
@@ -29418,10 +29885,163 @@
       </p:par>
     </p:tnLst>
     <p:bldLst>
-      <p:bldP spid="2" grpId="0"/>
       <p:bldP spid="4" grpId="0"/>
     </p:bldLst>
   </p:timing>
+</p:sld>
+</file>
+
+<file path=ppt/slides/slide5.xml><?xml version="1.0" encoding="utf-8"?>
+<p:sld xmlns:a="http://schemas.openxmlformats.org/drawingml/2006/main" xmlns:r="http://schemas.openxmlformats.org/officeDocument/2006/relationships" xmlns:p="http://schemas.openxmlformats.org/presentationml/2006/main">
+  <p:cSld>
+    <p:spTree>
+      <p:nvGrpSpPr>
+        <p:cNvPr id="1" name=""/>
+        <p:cNvGrpSpPr/>
+        <p:nvPr/>
+      </p:nvGrpSpPr>
+      <p:grpSpPr>
+        <a:xfrm>
+          <a:off x="0" y="0"/>
+          <a:ext cx="0" cy="0"/>
+          <a:chOff x="0" y="0"/>
+          <a:chExt cx="0" cy="0"/>
+        </a:xfrm>
+      </p:grpSpPr>
+      <p:sp>
+        <p:nvSpPr>
+          <p:cNvPr id="63490" name="Rectangle 2"/>
+          <p:cNvSpPr>
+            <a:spLocks noGrp="1" noChangeArrowheads="1"/>
+          </p:cNvSpPr>
+          <p:nvPr>
+            <p:ph type="title"/>
+          </p:nvPr>
+        </p:nvSpPr>
+        <p:spPr>
+          <a:xfrm>
+            <a:off x="286747" y="1104559"/>
+            <a:ext cx="6660232" cy="565151"/>
+          </a:xfrm>
+          <a:noFill/>
+        </p:spPr>
+        <p:txBody>
+          <a:bodyPr>
+            <a:noAutofit/>
+          </a:bodyPr>
+          <a:lstStyle/>
+          <a:p>
+            <a:r>
+              <a:rPr lang="en-CA" sz="3733" dirty="0"/>
+              <a:t>Step 4.  Target Market</a:t>
+            </a:r>
+          </a:p>
+        </p:txBody>
+      </p:sp>
+      <p:pic>
+        <p:nvPicPr>
+          <p:cNvPr id="5" name="Picture 5"/>
+          <p:cNvPicPr>
+            <a:picLocks noChangeAspect="1"/>
+          </p:cNvPicPr>
+          <p:nvPr/>
+        </p:nvPicPr>
+        <p:blipFill rotWithShape="1">
+          <a:blip r:embed="rId3">
+            <a:extLst>
+              <a:ext uri="{28A0092B-C50C-407E-A947-70E740481C1C}">
+                <a14:useLocalDpi xmlns:a14="http://schemas.microsoft.com/office/drawing/2010/main" val="0"/>
+              </a:ext>
+            </a:extLst>
+          </a:blip>
+          <a:srcRect l="17219" t="50876" r="59719"/>
+          <a:stretch/>
+        </p:blipFill>
+        <p:spPr bwMode="auto">
+          <a:xfrm>
+            <a:off x="271338" y="2399073"/>
+            <a:ext cx="1691148" cy="1759487"/>
+          </a:xfrm>
+          <a:prstGeom prst="rect">
+            <a:avLst/>
+          </a:prstGeom>
+          <a:noFill/>
+          <a:ln>
+            <a:noFill/>
+          </a:ln>
+          <a:extLst>
+            <a:ext uri="{909E8E84-426E-40DD-AFC4-6F175D3DCCD1}">
+              <a14:hiddenFill xmlns:a14="http://schemas.microsoft.com/office/drawing/2010/main">
+                <a:solidFill>
+                  <a:srgbClr val="FFFFFF"/>
+                </a:solidFill>
+              </a14:hiddenFill>
+            </a:ext>
+            <a:ext uri="{91240B29-F687-4F45-9708-019B960494DF}">
+              <a14:hiddenLine xmlns:a14="http://schemas.microsoft.com/office/drawing/2010/main" w="9525">
+                <a:solidFill>
+                  <a:srgbClr val="000000"/>
+                </a:solidFill>
+                <a:miter lim="800000"/>
+                <a:headEnd/>
+                <a:tailEnd/>
+              </a14:hiddenLine>
+            </a:ext>
+          </a:extLst>
+        </p:spPr>
+      </p:pic>
+      <p:graphicFrame>
+        <p:nvGraphicFramePr>
+          <p:cNvPr id="2" name="Diagram 1">
+            <a:extLst>
+              <a:ext uri="{FF2B5EF4-FFF2-40B4-BE49-F238E27FC236}">
+                <a16:creationId xmlns:a16="http://schemas.microsoft.com/office/drawing/2014/main" id="{D0A8F765-861F-91C7-36C3-3555BF0BF1D9}"/>
+              </a:ext>
+            </a:extLst>
+          </p:cNvPr>
+          <p:cNvGraphicFramePr>
+            <a:graphicFrameLocks noChangeAspect="1"/>
+          </p:cNvGraphicFramePr>
+          <p:nvPr>
+            <p:extLst>
+              <p:ext uri="{D42A27DB-BD31-4B8C-83A1-F6EECF244321}">
+                <p14:modId xmlns:p14="http://schemas.microsoft.com/office/powerpoint/2010/main" val="2401085282"/>
+              </p:ext>
+            </p:extLst>
+          </p:nvPr>
+        </p:nvGraphicFramePr>
+        <p:xfrm>
+          <a:off x="588000" y="794513"/>
+          <a:ext cx="11016000" cy="6728093"/>
+        </p:xfrm>
+        <a:graphic>
+          <a:graphicData uri="http://schemas.openxmlformats.org/drawingml/2006/diagram">
+            <dgm:relIds xmlns:dgm="http://schemas.openxmlformats.org/drawingml/2006/diagram" xmlns:r="http://schemas.openxmlformats.org/officeDocument/2006/relationships" r:dm="rId4" r:lo="rId5" r:qs="rId6" r:cs="rId7"/>
+          </a:graphicData>
+        </a:graphic>
+      </p:graphicFrame>
+    </p:spTree>
+    <p:extLst>
+      <p:ext uri="{BB962C8B-B14F-4D97-AF65-F5344CB8AC3E}">
+        <p14:creationId xmlns:p14="http://schemas.microsoft.com/office/powerpoint/2010/main" val="568366746"/>
+      </p:ext>
+    </p:extLst>
+  </p:cSld>
+  <p:clrMapOvr>
+    <a:masterClrMapping/>
+  </p:clrMapOvr>
+  <mc:AlternateContent xmlns:mc="http://schemas.openxmlformats.org/markup-compatibility/2006" xmlns:p14="http://schemas.microsoft.com/office/powerpoint/2010/main">
+    <mc:Choice Requires="p14">
+      <p:transition spd="med" p14:dur="700">
+        <p:fade/>
+      </p:transition>
+    </mc:Choice>
+    <mc:Fallback xmlns="">
+      <p:transition spd="med">
+        <p:fade/>
+      </p:transition>
+    </mc:Fallback>
+  </mc:AlternateContent>
 </p:sld>
 </file>
 
@@ -29948,33 +30568,15 @@
                                   </p:childTnLst>
                                 </p:cTn>
                               </p:par>
-                            </p:childTnLst>
-                          </p:cTn>
-                        </p:par>
-                      </p:childTnLst>
-                    </p:cTn>
-                  </p:par>
-                  <p:par>
-                    <p:cTn id="9" fill="hold">
-                      <p:stCondLst>
-                        <p:cond delay="indefinite"/>
-                      </p:stCondLst>
-                      <p:childTnLst>
-                        <p:par>
-                          <p:cTn id="10" fill="hold">
-                            <p:stCondLst>
-                              <p:cond delay="0"/>
-                            </p:stCondLst>
-                            <p:childTnLst>
                               <p:par>
-                                <p:cTn id="11" presetID="1" presetClass="entr" presetSubtype="0" fill="hold" nodeType="clickEffect">
+                                <p:cTn id="9" presetID="1" presetClass="entr" presetSubtype="0" fill="hold" nodeType="withEffect">
                                   <p:stCondLst>
                                     <p:cond delay="0"/>
                                   </p:stCondLst>
                                   <p:childTnLst>
                                     <p:set>
                                       <p:cBhvr>
-                                        <p:cTn id="12" dur="1" fill="hold">
+                                        <p:cTn id="10" dur="1" fill="hold">
                                           <p:stCondLst>
                                             <p:cond delay="0"/>
                                           </p:stCondLst>
@@ -29998,14 +30600,14 @@
                                 </p:cTn>
                               </p:par>
                               <p:par>
-                                <p:cTn id="13" presetID="1" presetClass="entr" presetSubtype="0" fill="hold" nodeType="withEffect">
+                                <p:cTn id="11" presetID="1" presetClass="entr" presetSubtype="0" fill="hold" nodeType="withEffect">
                                   <p:stCondLst>
                                     <p:cond delay="0"/>
                                   </p:stCondLst>
                                   <p:childTnLst>
                                     <p:set>
                                       <p:cBhvr>
-                                        <p:cTn id="14" dur="1" fill="hold">
+                                        <p:cTn id="12" dur="1" fill="hold">
                                           <p:stCondLst>
                                             <p:cond delay="0"/>
                                           </p:stCondLst>
@@ -30116,8 +30718,8 @@
         </p:nvSpPr>
         <p:spPr>
           <a:xfrm>
-            <a:off x="358980" y="1716136"/>
-            <a:ext cx="9808339" cy="3023564"/>
+            <a:off x="358980" y="1962879"/>
+            <a:ext cx="6303077" cy="3023564"/>
           </a:xfrm>
           <a:prstGeom prst="rect">
             <a:avLst/>
@@ -30622,7 +31224,7 @@
 </file>
 
 <file path=ppt/slides/slide8.xml><?xml version="1.0" encoding="utf-8"?>
-<p:sld xmlns:a="http://schemas.openxmlformats.org/drawingml/2006/main" xmlns:r="http://schemas.openxmlformats.org/officeDocument/2006/relationships" xmlns:p="http://schemas.openxmlformats.org/presentationml/2006/main">
+<p:sld xmlns:a="http://schemas.openxmlformats.org/drawingml/2006/main" xmlns:r="http://schemas.openxmlformats.org/officeDocument/2006/relationships" xmlns:p="http://schemas.openxmlformats.org/presentationml/2006/main" show="0">
   <p:cSld>
     <p:spTree>
       <p:nvGrpSpPr>
@@ -31720,7 +32322,7 @@
           <p:nvPr>
             <p:extLst>
               <p:ext uri="{D42A27DB-BD31-4B8C-83A1-F6EECF244321}">
-                <p14:modId xmlns:p14="http://schemas.microsoft.com/office/powerpoint/2010/main" val="1338110888"/>
+                <p14:modId xmlns:p14="http://schemas.microsoft.com/office/powerpoint/2010/main" val="1449076897"/>
               </p:ext>
             </p:extLst>
           </p:nvPr>

--- a/RTP Resources/RTP_Project_Pitch.pptx
+++ b/RTP Resources/RTP_Project_Pitch.pptx
@@ -128,7 +128,7 @@
 <file path=ppt/revisionInfo.xml><?xml version="1.0" encoding="utf-8"?>
 <p1510:revInfo xmlns:a="http://schemas.openxmlformats.org/drawingml/2006/main" xmlns:r="http://schemas.openxmlformats.org/officeDocument/2006/relationships" xmlns:p1510="http://schemas.microsoft.com/office/powerpoint/2015/10/main">
   <p1510:revLst>
-    <p1510:client id="{F0D6FE74-CB47-FE4E-96FE-DF69C5E3FEE2}" v="1120" dt="2025-10-14T19:04:35.671"/>
+    <p1510:client id="{F0D6FE74-CB47-FE4E-96FE-DF69C5E3FEE2}" v="1238" dt="2025-10-15T15:53:08.915"/>
   </p1510:revLst>
 </p1510:revInfo>
 </file>
@@ -339,7 +339,7 @@
   <pc:docChgLst>
     <pc:chgData name="Andrew Kates" userId="8fd5ec3e-c8da-46f6-bbad-ce7a7878ba0f" providerId="ADAL" clId="{F3C475C8-A694-5247-A1B1-BD486B98B493}"/>
     <pc:docChg chg="undo redo custSel addSld modSld sldOrd">
-      <pc:chgData name="Andrew Kates" userId="8fd5ec3e-c8da-46f6-bbad-ce7a7878ba0f" providerId="ADAL" clId="{F3C475C8-A694-5247-A1B1-BD486B98B493}" dt="2025-10-15T00:15:07.746" v="6657" actId="1036"/>
+      <pc:chgData name="Andrew Kates" userId="8fd5ec3e-c8da-46f6-bbad-ce7a7878ba0f" providerId="ADAL" clId="{F3C475C8-A694-5247-A1B1-BD486B98B493}" dt="2025-10-15T15:56:32.437" v="7761" actId="20577"/>
       <pc:docMkLst>
         <pc:docMk/>
       </pc:docMkLst>
@@ -359,7 +359,7 @@
         </pc:spChg>
       </pc:sldChg>
       <pc:sldChg chg="modSp mod modNotesTx">
-        <pc:chgData name="Andrew Kates" userId="8fd5ec3e-c8da-46f6-bbad-ce7a7878ba0f" providerId="ADAL" clId="{F3C475C8-A694-5247-A1B1-BD486B98B493}" dt="2025-10-14T18:59:41.287" v="5622" actId="20577"/>
+        <pc:chgData name="Andrew Kates" userId="8fd5ec3e-c8da-46f6-bbad-ce7a7878ba0f" providerId="ADAL" clId="{F3C475C8-A694-5247-A1B1-BD486B98B493}" dt="2025-10-15T15:18:03.240" v="7346" actId="20577"/>
         <pc:sldMkLst>
           <pc:docMk/>
           <pc:sldMk cId="568366746" sldId="265"/>
@@ -374,7 +374,7 @@
         </pc:spChg>
       </pc:sldChg>
       <pc:sldChg chg="addSp delSp modSp mod ord modAnim modNotesTx">
-        <pc:chgData name="Andrew Kates" userId="8fd5ec3e-c8da-46f6-bbad-ce7a7878ba0f" providerId="ADAL" clId="{F3C475C8-A694-5247-A1B1-BD486B98B493}" dt="2025-10-14T18:58:26.302" v="5594" actId="20577"/>
+        <pc:chgData name="Andrew Kates" userId="8fd5ec3e-c8da-46f6-bbad-ce7a7878ba0f" providerId="ADAL" clId="{F3C475C8-A694-5247-A1B1-BD486B98B493}" dt="2025-10-15T15:15:22.254" v="7163" actId="20577"/>
         <pc:sldMkLst>
           <pc:docMk/>
           <pc:sldMk cId="3918262711" sldId="266"/>
@@ -405,20 +405,20 @@
         </pc:spChg>
       </pc:sldChg>
       <pc:sldChg chg="modAnim modNotesTx">
-        <pc:chgData name="Andrew Kates" userId="8fd5ec3e-c8da-46f6-bbad-ce7a7878ba0f" providerId="ADAL" clId="{F3C475C8-A694-5247-A1B1-BD486B98B493}" dt="2025-10-14T20:26:04.084" v="6645" actId="20577"/>
+        <pc:chgData name="Andrew Kates" userId="8fd5ec3e-c8da-46f6-bbad-ce7a7878ba0f" providerId="ADAL" clId="{F3C475C8-A694-5247-A1B1-BD486B98B493}" dt="2025-10-15T15:19:54.967" v="7350" actId="20577"/>
         <pc:sldMkLst>
           <pc:docMk/>
           <pc:sldMk cId="310404465" sldId="267"/>
         </pc:sldMkLst>
       </pc:sldChg>
       <pc:sldChg chg="addSp delSp modSp mod delAnim modAnim modNotesTx">
-        <pc:chgData name="Andrew Kates" userId="8fd5ec3e-c8da-46f6-bbad-ce7a7878ba0f" providerId="ADAL" clId="{F3C475C8-A694-5247-A1B1-BD486B98B493}" dt="2025-10-15T00:15:07.746" v="6657" actId="1036"/>
+        <pc:chgData name="Andrew Kates" userId="8fd5ec3e-c8da-46f6-bbad-ce7a7878ba0f" providerId="ADAL" clId="{F3C475C8-A694-5247-A1B1-BD486B98B493}" dt="2025-10-15T15:56:32.437" v="7761" actId="20577"/>
         <pc:sldMkLst>
           <pc:docMk/>
           <pc:sldMk cId="21241760" sldId="268"/>
         </pc:sldMkLst>
         <pc:spChg chg="mod">
-          <ac:chgData name="Andrew Kates" userId="8fd5ec3e-c8da-46f6-bbad-ce7a7878ba0f" providerId="ADAL" clId="{F3C475C8-A694-5247-A1B1-BD486B98B493}" dt="2025-10-15T00:15:07.746" v="6657" actId="1036"/>
+          <ac:chgData name="Andrew Kates" userId="8fd5ec3e-c8da-46f6-bbad-ce7a7878ba0f" providerId="ADAL" clId="{F3C475C8-A694-5247-A1B1-BD486B98B493}" dt="2025-10-15T15:56:12.705" v="7708" actId="14100"/>
           <ac:spMkLst>
             <pc:docMk/>
             <pc:sldMk cId="21241760" sldId="268"/>
@@ -450,14 +450,14 @@
         </pc:graphicFrameChg>
       </pc:sldChg>
       <pc:sldChg chg="modNotesTx">
-        <pc:chgData name="Andrew Kates" userId="8fd5ec3e-c8da-46f6-bbad-ce7a7878ba0f" providerId="ADAL" clId="{F3C475C8-A694-5247-A1B1-BD486B98B493}" dt="2025-10-14T18:11:42.946" v="4785" actId="20577"/>
+        <pc:chgData name="Andrew Kates" userId="8fd5ec3e-c8da-46f6-bbad-ce7a7878ba0f" providerId="ADAL" clId="{F3C475C8-A694-5247-A1B1-BD486B98B493}" dt="2025-10-15T15:13:21.421" v="7107" actId="20577"/>
         <pc:sldMkLst>
           <pc:docMk/>
           <pc:sldMk cId="1988230745" sldId="272"/>
         </pc:sldMkLst>
       </pc:sldChg>
       <pc:sldChg chg="modNotesTx">
-        <pc:chgData name="Andrew Kates" userId="8fd5ec3e-c8da-46f6-bbad-ce7a7878ba0f" providerId="ADAL" clId="{F3C475C8-A694-5247-A1B1-BD486B98B493}" dt="2025-10-14T19:59:37.505" v="6303" actId="20577"/>
+        <pc:chgData name="Andrew Kates" userId="8fd5ec3e-c8da-46f6-bbad-ce7a7878ba0f" providerId="ADAL" clId="{F3C475C8-A694-5247-A1B1-BD486B98B493}" dt="2025-10-15T15:10:35.059" v="7087" actId="20577"/>
         <pc:sldMkLst>
           <pc:docMk/>
           <pc:sldMk cId="2177813612" sldId="273"/>
@@ -21400,7 +21400,7 @@
           <a:p>
             <a:fld id="{0D194C35-0AA9-41CB-84F6-AF1A2EF42389}" type="datetimeFigureOut">
               <a:rPr lang="en-CA" smtClean="0"/>
-              <a:t>2025-10-14</a:t>
+              <a:t>2025-10-15</a:t>
             </a:fld>
             <a:endParaRPr lang="en-CA"/>
           </a:p>
@@ -21939,7 +21939,7 @@
             </a:pPr>
             <a:r>
               <a:rPr lang="en-CA" sz="1200" dirty="0"/>
-              <a:t>In and of itself, this is a real problem: we work on multiple rehab cases per year in Whistler alone, we have the expectation of delivering a “better than world-class” solution, and sometimes I think we are able to do a great job, but our current way of handling these cases places a massive burden on our staff, and it’s also not set up in a way that makes it easy to deliver consistently high quality work and to properly value that work</a:t>
+              <a:t>In and of itself, this is a real problem: we work on multiple rehab cases per year in Whistler alone, we have the expectation of delivering a “better than world-class” solution, and often I think we are able to do a great job, but we're just missing a lot of pieces needed to be at that world class level, and also it's a massive effort for our practitioners and some thing that often does not get properly recognized and valued in our partnerships and agreements</a:t>
             </a:r>
           </a:p>
           <a:p>
@@ -21958,10 +21958,24 @@
               </a:spcBef>
               <a:buNone/>
             </a:pPr>
+            <a:endParaRPr lang="en-CA" sz="1200" dirty="0"/>
+          </a:p>
+          <a:p>
+            <a:pPr marL="0" indent="0">
+              <a:spcBef>
+                <a:spcPts val="0"/>
+              </a:spcBef>
+              <a:buNone/>
+            </a:pPr>
             <a:r>
               <a:rPr lang="en-CA" sz="1200" dirty="0"/>
-              <a:t>In my view, there is an opportunity that by addressing this problem, we can actually solve a number of related more broad problems that are more broadly felt through the organization</a:t>
-            </a:r>
+              <a:t>In my view, there is an opportunity that by addressing this problem, we can actually solve a number of related </a:t>
+            </a:r>
+            <a:r>
+              <a:rPr lang="en-CA" sz="1200" dirty="0" err="1"/>
+              <a:t>issueds</a:t>
+            </a:r>
+            <a:endParaRPr lang="en-CA" sz="1200" dirty="0"/>
           </a:p>
           <a:p>
             <a:pPr marL="0" indent="0">
@@ -22411,7 +22425,7 @@
           <a:p>
             <a:r>
               <a:rPr lang="en-CA" sz="1200" b="0" dirty="0"/>
-              <a:t>The first three objectives are things that already exist in the world, they are things that we can build our own version of by organizing and leveraging some of our past work, by utilizing peer-reviewed research, and by building off of existing industry standards</a:t>
+              <a:t>The first three objectives are things that already exist in the world, we can build our own version of by leveraging some of our past work, by utilizing peer-reviewed research, and by building off of existing industry standards</a:t>
             </a:r>
           </a:p>
           <a:p>
@@ -22422,6 +22436,18 @@
               <a:rPr lang="en-CA" sz="1200" b="0" dirty="0"/>
               <a:t>The bottom 3 bullets in red, these are aspects of an ACL protocol that I have not previously encountered, and these represent an innovative approach that I think can differentiate us from others in the rehab space.</a:t>
             </a:r>
+          </a:p>
+          <a:p>
+            <a:endParaRPr lang="en-US" b="1" dirty="0"/>
+          </a:p>
+          <a:p>
+            <a:endParaRPr lang="en-US" b="1" dirty="0"/>
+          </a:p>
+          <a:p>
+            <a:endParaRPr lang="en-US" b="1" dirty="0"/>
+          </a:p>
+          <a:p>
+            <a:endParaRPr lang="en-US" b="1" dirty="0"/>
           </a:p>
           <a:p>
             <a:endParaRPr lang="en-US" b="1" dirty="0"/>
@@ -22660,7 +22686,7 @@
             </a:pPr>
             <a:r>
               <a:rPr lang="en-CA" sz="1200" b="0" dirty="0"/>
-              <a:t>	This is not an exhaustive list but includes some excellent examples for us to build on</a:t>
+              <a:t>        This is not an exhaustive list but includes some excellent examples for us to build on</a:t>
             </a:r>
           </a:p>
           <a:p>
@@ -22723,7 +22749,7 @@
             </a:pPr>
             <a:r>
               <a:rPr lang="en-CA" sz="1200" b="0" dirty="0"/>
-              <a:t>So the pieces that I believe are kind of innovative,, these are gaps in current protocols, and I think building something that adds these pieces allows us to have a conversation about how we can get people to choose to work with us.</a:t>
+              <a:t>So these innovative aspects that I mentioned, these are gaps in current protocols, and I think adding these pieces allows us to have a conversation about how we can get people to choose to work with us.</a:t>
             </a:r>
           </a:p>
           <a:p>
@@ -23187,10 +23213,16 @@
             </a:r>
           </a:p>
           <a:p>
+            <a:endParaRPr lang="en-US" dirty="0"/>
+          </a:p>
+          <a:p>
             <a:r>
               <a:rPr lang="en-US" dirty="0"/>
-              <a:t>When I'm showing you the protocol, I'd like for you to specifically consider how this could work for both local and remote PN clients.</a:t>
-            </a:r>
+              <a:t>One thing specifically that I'd like to talk more about afterwards is the potential to service local and remote PN clients.</a:t>
+            </a:r>
+          </a:p>
+          <a:p>
+            <a:endParaRPr lang="en-US" dirty="0"/>
           </a:p>
           <a:p>
             <a:endParaRPr lang="en-US" dirty="0"/>
@@ -23434,7 +23466,7 @@
             </a:pPr>
             <a:r>
               <a:rPr lang="en-CA" sz="1200" dirty="0"/>
-              <a:t>so hopefully I don’t have to talk much about myself at the moment, and the protocol that I share with you can be a reflection of my ability to lead this project. </a:t>
+              <a:t>so hopefully I don’t have to talk much about myself at the moment</a:t>
             </a:r>
           </a:p>
           <a:p>
@@ -23827,105 +23859,78 @@
           <a:p>
             <a:r>
               <a:rPr lang="en-CA" sz="1200" b="0" dirty="0"/>
-              <a:t>A lot of the talk that I’ve heard is how do we get the NSOs to fund it..</a:t>
+              <a:t>A lot of the talk that I’ve heard is “how do we get the NSOs to fund it”..</a:t>
             </a:r>
           </a:p>
           <a:p>
             <a:r>
               <a:rPr lang="en-CA" sz="1200" b="0" dirty="0"/>
-              <a:t>My proposal would be to start with a different business model which is something more subscription based.</a:t>
+              <a:t>My proposal would be to start with a different business model which would be something more subscription based.</a:t>
             </a:r>
           </a:p>
           <a:p>
             <a:endParaRPr lang="en-CA" sz="1200" b="0" dirty="0"/>
           </a:p>
           <a:p>
+            <a:r>
+              <a:rPr lang="en-CA" sz="1200" b="0" dirty="0"/>
+              <a:t>So in this example there’s a monthly cost per athlete, and that can be scalable to our time commitment and the integration with our services.</a:t>
+            </a:r>
+          </a:p>
+          <a:p>
             <a:endParaRPr lang="en-CA" sz="1200" b="0" dirty="0"/>
           </a:p>
           <a:p>
             <a:r>
               <a:rPr lang="en-CA" sz="1200" b="0" dirty="0"/>
-              <a:t>So in this example there’s a monthly cost per athlete, and that can be scalable.</a:t>
+              <a:t>So let’s say a bronze package</a:t>
+            </a:r>
+          </a:p>
+          <a:p>
+            <a:r>
+              <a:rPr lang="en-CA" sz="1200" b="0" dirty="0"/>
+              <a:t>-relatively inexpensive to customer / relatively simple for us to deliver</a:t>
+            </a:r>
+          </a:p>
+          <a:p>
+            <a:r>
+              <a:rPr lang="en-CA" sz="1200" b="0" dirty="0"/>
+              <a:t>And then in contrast, a gold package, would essentially be an improved and standardized version of what we already do for our Olympic athletes</a:t>
+            </a:r>
+          </a:p>
+          <a:p>
+            <a:r>
+              <a:rPr lang="en-CA" sz="1200" b="0" dirty="0"/>
+              <a:t>-very time consuming / valued accordingly</a:t>
             </a:r>
           </a:p>
           <a:p>
             <a:endParaRPr lang="en-CA" sz="1200" b="0" dirty="0"/>
           </a:p>
           <a:p>
+            <a:r>
+              <a:rPr lang="en-CA" sz="1200" b="0" dirty="0"/>
+              <a:t>In addition to the subscription model, we could offer an upfront option, thinking specifically of our partner NSOs, </a:t>
+            </a:r>
+          </a:p>
+          <a:p>
+            <a:r>
+              <a:rPr lang="en-CA" sz="1200" b="0" dirty="0"/>
+              <a:t>This would be priced strategically to allow us to have some guaranteed revenue and to allow the sports to have cost certainty and the knowledge that their athletes will be well supported in the case of injury</a:t>
+            </a:r>
+          </a:p>
+          <a:p>
             <a:endParaRPr lang="en-CA" sz="1200" b="0" dirty="0"/>
           </a:p>
           <a:p>
             <a:r>
               <a:rPr lang="en-CA" sz="1200" b="0" dirty="0"/>
-              <a:t>For example a bronze package</a:t>
-            </a:r>
-          </a:p>
-          <a:p>
-            <a:r>
-              <a:rPr lang="en-CA" sz="1200" b="0" dirty="0"/>
-              <a:t>-relatively inexpensive to customer / </a:t>
-            </a:r>
-          </a:p>
-          <a:p>
-            <a:r>
-              <a:rPr lang="en-CA" sz="1200" b="0" dirty="0"/>
-              <a:t>-relatively simple for us to deliver: something that is not time consuming and has low overhead</a:t>
-            </a:r>
-          </a:p>
-          <a:p>
-            <a:r>
-              <a:rPr lang="en-CA" sz="1200" b="0" dirty="0"/>
-              <a:t>-in this case for example they receive the standardized protocol and then they get 1 coached session and 1 testing session per month</a:t>
-            </a:r>
-          </a:p>
-          <a:p>
-            <a:endParaRPr lang="en-CA" sz="1200" b="0" dirty="0"/>
-          </a:p>
-          <a:p>
-            <a:r>
-              <a:rPr lang="en-CA" sz="1200" b="0" dirty="0"/>
-              <a:t>And then in contrast, a gold package, would essentially be an improved and standardized version of what we do for some of our Olympic athletes now</a:t>
-            </a:r>
-          </a:p>
-          <a:p>
-            <a:r>
-              <a:rPr lang="en-CA" sz="1200" b="0" dirty="0"/>
-              <a:t>-very time consuming / expensive to customer</a:t>
-            </a:r>
-          </a:p>
-          <a:p>
-            <a:endParaRPr lang="en-CA" sz="1200" b="0" dirty="0"/>
-          </a:p>
-          <a:p>
-            <a:r>
-              <a:rPr lang="en-CA" sz="1200" b="0" dirty="0"/>
-              <a:t>Given the difficulty of properly </a:t>
-            </a:r>
-            <a:r>
-              <a:rPr lang="en-CA" sz="1200" b="0" dirty="0" err="1"/>
-              <a:t>valueing</a:t>
-            </a:r>
-            <a:r>
-              <a:rPr lang="en-CA" sz="1200" b="0" dirty="0"/>
-              <a:t> a gold protocol, and the difficulty of NSOs to fit this into shrinking budgets, I think </a:t>
-            </a:r>
-          </a:p>
-          <a:p>
-            <a:endParaRPr lang="en-CA" sz="1200" b="0" dirty="0"/>
-          </a:p>
-          <a:p>
-            <a:r>
-              <a:rPr lang="en-CA" sz="1200" b="0" dirty="0"/>
-              <a:t>In addition to the subscription model, we could offer an upfront option, specifically for partner NSOs, </a:t>
-            </a:r>
-          </a:p>
-          <a:p>
-            <a:r>
-              <a:rPr lang="en-CA" sz="1200" b="0" dirty="0"/>
-              <a:t>This would be priced strategically to allow us to have some guaranteed revenue and to allow the NSOs to have cost certainty and the knowledge that their athletes will be well supported in the case of injury</a:t>
-            </a:r>
-          </a:p>
-          <a:p>
+              <a:t>Upfront options could be scaled in </a:t>
+            </a:r>
+            <a:r>
+              <a:rPr lang="en-CA" sz="1200" b="0"/>
+              <a:t>much the same way</a:t>
+            </a:r>
             <a:endParaRPr lang="en-CA" sz="1200" b="0" dirty="0"/>
           </a:p>
           <a:p>
@@ -30718,8 +30723,8 @@
         </p:nvSpPr>
         <p:spPr>
           <a:xfrm>
-            <a:off x="358980" y="1962879"/>
-            <a:ext cx="6303077" cy="3023564"/>
+            <a:off x="358979" y="1962879"/>
+            <a:ext cx="6453945" cy="4038676"/>
           </a:xfrm>
           <a:prstGeom prst="rect">
             <a:avLst/>
@@ -30879,7 +30884,7 @@
                   <a:srgbClr val="002060"/>
                 </a:solidFill>
               </a:rPr>
-              <a:t>Subscription business model (expensive):</a:t>
+              <a:t>Subscription business model:</a:t>
             </a:r>
           </a:p>
           <a:p>
@@ -30895,6 +30900,21 @@
                 </a:solidFill>
               </a:rPr>
               <a:t>Monthly cost per athlete</a:t>
+            </a:r>
+          </a:p>
+          <a:p>
+            <a:pPr>
+              <a:spcBef>
+                <a:spcPts val="0"/>
+              </a:spcBef>
+            </a:pPr>
+            <a:r>
+              <a:rPr lang="en-CA" sz="2400" dirty="0">
+                <a:solidFill>
+                  <a:srgbClr val="002060"/>
+                </a:solidFill>
+              </a:rPr>
+              <a:t>$$$ ~ time commitment, service integration</a:t>
             </a:r>
           </a:p>
           <a:p>
@@ -30917,13 +30937,26 @@
               </a:spcBef>
               <a:buNone/>
             </a:pPr>
+            <a:endParaRPr lang="en-CA" sz="2400" b="1" i="1" dirty="0">
+              <a:solidFill>
+                <a:srgbClr val="002060"/>
+              </a:solidFill>
+            </a:endParaRPr>
+          </a:p>
+          <a:p>
+            <a:pPr marL="0" indent="0">
+              <a:spcBef>
+                <a:spcPts val="0"/>
+              </a:spcBef>
+              <a:buNone/>
+            </a:pPr>
             <a:r>
               <a:rPr lang="en-CA" sz="2400" b="1" i="1" dirty="0">
                 <a:solidFill>
                   <a:srgbClr val="002060"/>
                 </a:solidFill>
               </a:rPr>
-              <a:t>Upfront business model (inexpensive):</a:t>
+              <a:t>Upfront business model:</a:t>
             </a:r>
           </a:p>
           <a:p>
@@ -30940,11 +30973,21 @@
               </a:rPr>
               <a:t>NSOs pay upfront for access to this program in full</a:t>
             </a:r>
-            <a:endParaRPr lang="en-CA" sz="2400" i="1" dirty="0">
-              <a:solidFill>
-                <a:srgbClr val="002060"/>
-              </a:solidFill>
-            </a:endParaRPr>
+          </a:p>
+          <a:p>
+            <a:pPr>
+              <a:spcBef>
+                <a:spcPts val="0"/>
+              </a:spcBef>
+            </a:pPr>
+            <a:r>
+              <a:rPr lang="en-CA" sz="2400" dirty="0">
+                <a:solidFill>
+                  <a:srgbClr val="002060"/>
+                </a:solidFill>
+              </a:rPr>
+              <a:t>Less expensive, cost certainty</a:t>
+            </a:r>
           </a:p>
         </p:txBody>
       </p:sp>
@@ -31081,7 +31124,7 @@
                                 </p:cTn>
                               </p:par>
                               <p:par>
-                                <p:cTn id="9" presetID="1" presetClass="entr" presetSubtype="0" fill="hold" grpId="0" nodeType="withEffect">
+                                <p:cTn id="9" presetID="1" presetClass="entr" presetSubtype="0" fill="hold" nodeType="withEffect">
                                   <p:stCondLst>
                                     <p:cond delay="0"/>
                                   </p:stCondLst>
@@ -31089,6 +31132,37 @@
                                     <p:set>
                                       <p:cBhvr>
                                         <p:cTn id="10" dur="1" fill="hold">
+                                          <p:stCondLst>
+                                            <p:cond delay="0"/>
+                                          </p:stCondLst>
+                                        </p:cTn>
+                                        <p:tgtEl>
+                                          <p:spTgt spid="6">
+                                            <p:txEl>
+                                              <p:pRg st="2" end="2"/>
+                                            </p:txEl>
+                                          </p:spTgt>
+                                        </p:tgtEl>
+                                        <p:attrNameLst>
+                                          <p:attrName>style.visibility</p:attrName>
+                                        </p:attrNameLst>
+                                      </p:cBhvr>
+                                      <p:to>
+                                        <p:strVal val="visible"/>
+                                      </p:to>
+                                    </p:set>
+                                  </p:childTnLst>
+                                </p:cTn>
+                              </p:par>
+                              <p:par>
+                                <p:cTn id="11" presetID="1" presetClass="entr" presetSubtype="0" fill="hold" grpId="0" nodeType="withEffect">
+                                  <p:stCondLst>
+                                    <p:cond delay="0"/>
+                                  </p:stCondLst>
+                                  <p:childTnLst>
+                                    <p:set>
+                                      <p:cBhvr>
+                                        <p:cTn id="12" dur="1" fill="hold">
                                           <p:stCondLst>
                                             <p:cond delay="0"/>
                                           </p:stCondLst>
@@ -31114,26 +31188,26 @@
                     </p:cTn>
                   </p:par>
                   <p:par>
-                    <p:cTn id="11" fill="hold">
+                    <p:cTn id="13" fill="hold">
                       <p:stCondLst>
                         <p:cond delay="indefinite"/>
                       </p:stCondLst>
                       <p:childTnLst>
                         <p:par>
-                          <p:cTn id="12" fill="hold">
+                          <p:cTn id="14" fill="hold">
                             <p:stCondLst>
                               <p:cond delay="0"/>
                             </p:stCondLst>
                             <p:childTnLst>
                               <p:par>
-                                <p:cTn id="13" presetID="1" presetClass="entr" presetSubtype="0" fill="hold" nodeType="clickEffect">
+                                <p:cTn id="15" presetID="1" presetClass="entr" presetSubtype="0" fill="hold" nodeType="clickEffect">
                                   <p:stCondLst>
                                     <p:cond delay="0"/>
                                   </p:stCondLst>
                                   <p:childTnLst>
                                     <p:set>
                                       <p:cBhvr>
-                                        <p:cTn id="14" dur="1" fill="hold">
+                                        <p:cTn id="16" dur="1" fill="hold">
                                           <p:stCondLst>
                                             <p:cond delay="0"/>
                                           </p:stCondLst>
@@ -31141,7 +31215,7 @@
                                         <p:tgtEl>
                                           <p:spTgt spid="6">
                                             <p:txEl>
-                                              <p:pRg st="3" end="3"/>
+                                              <p:pRg st="5" end="5"/>
                                             </p:txEl>
                                           </p:spTgt>
                                         </p:tgtEl>
@@ -31157,14 +31231,14 @@
                                 </p:cTn>
                               </p:par>
                               <p:par>
-                                <p:cTn id="15" presetID="1" presetClass="entr" presetSubtype="0" fill="hold" nodeType="withEffect">
+                                <p:cTn id="17" presetID="1" presetClass="entr" presetSubtype="0" fill="hold" nodeType="withEffect">
                                   <p:stCondLst>
                                     <p:cond delay="0"/>
                                   </p:stCondLst>
                                   <p:childTnLst>
                                     <p:set>
                                       <p:cBhvr>
-                                        <p:cTn id="16" dur="1" fill="hold">
+                                        <p:cTn id="18" dur="1" fill="hold">
                                           <p:stCondLst>
                                             <p:cond delay="0"/>
                                           </p:stCondLst>
@@ -31172,7 +31246,38 @@
                                         <p:tgtEl>
                                           <p:spTgt spid="6">
                                             <p:txEl>
-                                              <p:pRg st="4" end="4"/>
+                                              <p:pRg st="6" end="6"/>
+                                            </p:txEl>
+                                          </p:spTgt>
+                                        </p:tgtEl>
+                                        <p:attrNameLst>
+                                          <p:attrName>style.visibility</p:attrName>
+                                        </p:attrNameLst>
+                                      </p:cBhvr>
+                                      <p:to>
+                                        <p:strVal val="visible"/>
+                                      </p:to>
+                                    </p:set>
+                                  </p:childTnLst>
+                                </p:cTn>
+                              </p:par>
+                              <p:par>
+                                <p:cTn id="19" presetID="1" presetClass="entr" presetSubtype="0" fill="hold" nodeType="withEffect">
+                                  <p:stCondLst>
+                                    <p:cond delay="0"/>
+                                  </p:stCondLst>
+                                  <p:childTnLst>
+                                    <p:set>
+                                      <p:cBhvr>
+                                        <p:cTn id="20" dur="1" fill="hold">
+                                          <p:stCondLst>
+                                            <p:cond delay="0"/>
+                                          </p:stCondLst>
+                                        </p:cTn>
+                                        <p:tgtEl>
+                                          <p:spTgt spid="6">
+                                            <p:txEl>
+                                              <p:pRg st="7" end="7"/>
                                             </p:txEl>
                                           </p:spTgt>
                                         </p:tgtEl>
@@ -31898,13 +32003,13 @@
   <p:clrMapOvr>
     <a:masterClrMapping/>
   </p:clrMapOvr>
-  <mc:AlternateContent xmlns:mc="http://schemas.openxmlformats.org/markup-compatibility/2006">
-    <mc:Choice xmlns:p14="http://schemas.microsoft.com/office/powerpoint/2010/main" Requires="p14">
+  <mc:AlternateContent xmlns:mc="http://schemas.openxmlformats.org/markup-compatibility/2006" xmlns:p14="http://schemas.microsoft.com/office/powerpoint/2010/main">
+    <mc:Choice Requires="p14">
       <p:transition spd="med" p14:dur="700">
         <p:fade/>
       </p:transition>
     </mc:Choice>
-    <mc:Fallback>
+    <mc:Fallback xmlns="">
       <p:transition spd="med">
         <p:fade/>
       </p:transition>

--- a/RTP Resources/RTP_Project_Pitch.pptx
+++ b/RTP Resources/RTP_Project_Pitch.pptx
@@ -128,7 +128,7 @@
 <file path=ppt/revisionInfo.xml><?xml version="1.0" encoding="utf-8"?>
 <p1510:revInfo xmlns:a="http://schemas.openxmlformats.org/drawingml/2006/main" xmlns:r="http://schemas.openxmlformats.org/officeDocument/2006/relationships" xmlns:p1510="http://schemas.microsoft.com/office/powerpoint/2015/10/main">
   <p1510:revLst>
-    <p1510:client id="{F0D6FE74-CB47-FE4E-96FE-DF69C5E3FEE2}" v="1238" dt="2025-10-15T15:53:08.915"/>
+    <p1510:client id="{F0D6FE74-CB47-FE4E-96FE-DF69C5E3FEE2}" v="1245" dt="2025-10-15T18:08:41.750"/>
   </p1510:revLst>
 </p1510:revInfo>
 </file>
@@ -339,12 +339,12 @@
   <pc:docChgLst>
     <pc:chgData name="Andrew Kates" userId="8fd5ec3e-c8da-46f6-bbad-ce7a7878ba0f" providerId="ADAL" clId="{F3C475C8-A694-5247-A1B1-BD486B98B493}"/>
     <pc:docChg chg="undo redo custSel addSld modSld sldOrd">
-      <pc:chgData name="Andrew Kates" userId="8fd5ec3e-c8da-46f6-bbad-ce7a7878ba0f" providerId="ADAL" clId="{F3C475C8-A694-5247-A1B1-BD486B98B493}" dt="2025-10-15T15:56:32.437" v="7761" actId="20577"/>
+      <pc:chgData name="Andrew Kates" userId="8fd5ec3e-c8da-46f6-bbad-ce7a7878ba0f" providerId="ADAL" clId="{F3C475C8-A694-5247-A1B1-BD486B98B493}" dt="2025-10-15T18:15:39.781" v="8585" actId="20577"/>
       <pc:docMkLst>
         <pc:docMk/>
       </pc:docMkLst>
       <pc:sldChg chg="modSp mod modNotesTx">
-        <pc:chgData name="Andrew Kates" userId="8fd5ec3e-c8da-46f6-bbad-ce7a7878ba0f" providerId="ADAL" clId="{F3C475C8-A694-5247-A1B1-BD486B98B493}" dt="2025-10-14T18:43:41.131" v="4821" actId="20577"/>
+        <pc:chgData name="Andrew Kates" userId="8fd5ec3e-c8da-46f6-bbad-ce7a7878ba0f" providerId="ADAL" clId="{F3C475C8-A694-5247-A1B1-BD486B98B493}" dt="2025-10-15T17:57:36.727" v="7914" actId="20577"/>
         <pc:sldMkLst>
           <pc:docMk/>
           <pc:sldMk cId="3543289025" sldId="258"/>
@@ -359,7 +359,7 @@
         </pc:spChg>
       </pc:sldChg>
       <pc:sldChg chg="modSp mod modNotesTx">
-        <pc:chgData name="Andrew Kates" userId="8fd5ec3e-c8da-46f6-bbad-ce7a7878ba0f" providerId="ADAL" clId="{F3C475C8-A694-5247-A1B1-BD486B98B493}" dt="2025-10-15T15:18:03.240" v="7346" actId="20577"/>
+        <pc:chgData name="Andrew Kates" userId="8fd5ec3e-c8da-46f6-bbad-ce7a7878ba0f" providerId="ADAL" clId="{F3C475C8-A694-5247-A1B1-BD486B98B493}" dt="2025-10-15T18:12:20.683" v="8572" actId="20577"/>
         <pc:sldMkLst>
           <pc:docMk/>
           <pc:sldMk cId="568366746" sldId="265"/>
@@ -374,7 +374,7 @@
         </pc:spChg>
       </pc:sldChg>
       <pc:sldChg chg="addSp delSp modSp mod ord modAnim modNotesTx">
-        <pc:chgData name="Andrew Kates" userId="8fd5ec3e-c8da-46f6-bbad-ce7a7878ba0f" providerId="ADAL" clId="{F3C475C8-A694-5247-A1B1-BD486B98B493}" dt="2025-10-15T15:15:22.254" v="7163" actId="20577"/>
+        <pc:chgData name="Andrew Kates" userId="8fd5ec3e-c8da-46f6-bbad-ce7a7878ba0f" providerId="ADAL" clId="{F3C475C8-A694-5247-A1B1-BD486B98B493}" dt="2025-10-15T18:10:57.971" v="8567" actId="20577"/>
         <pc:sldMkLst>
           <pc:docMk/>
           <pc:sldMk cId="3918262711" sldId="266"/>
@@ -393,6 +393,14 @@
             <pc:docMk/>
             <pc:sldMk cId="3918262711" sldId="266"/>
             <ac:spMk id="3" creationId="{CBD4E8C3-2053-95E1-0FE9-467088485B0F}"/>
+          </ac:spMkLst>
+        </pc:spChg>
+        <pc:spChg chg="add del">
+          <ac:chgData name="Andrew Kates" userId="8fd5ec3e-c8da-46f6-bbad-ce7a7878ba0f" providerId="ADAL" clId="{F3C475C8-A694-5247-A1B1-BD486B98B493}" dt="2025-10-15T18:09:07.057" v="8312" actId="478"/>
+          <ac:spMkLst>
+            <pc:docMk/>
+            <pc:sldMk cId="3918262711" sldId="266"/>
+            <ac:spMk id="4" creationId="{803B6C40-3F79-231C-FAF9-3AB0DC63857A}"/>
           </ac:spMkLst>
         </pc:spChg>
         <pc:spChg chg="mod">
@@ -435,7 +443,7 @@
         </pc:graphicFrameChg>
       </pc:sldChg>
       <pc:sldChg chg="modSp modNotesTx">
-        <pc:chgData name="Andrew Kates" userId="8fd5ec3e-c8da-46f6-bbad-ce7a7878ba0f" providerId="ADAL" clId="{F3C475C8-A694-5247-A1B1-BD486B98B493}" dt="2025-10-14T19:07:40.933" v="6220" actId="20577"/>
+        <pc:chgData name="Andrew Kates" userId="8fd5ec3e-c8da-46f6-bbad-ce7a7878ba0f" providerId="ADAL" clId="{F3C475C8-A694-5247-A1B1-BD486B98B493}" dt="2025-10-15T18:15:39.781" v="8585" actId="20577"/>
         <pc:sldMkLst>
           <pc:docMk/>
           <pc:sldMk cId="852876430" sldId="269"/>
@@ -449,15 +457,15 @@
           </ac:graphicFrameMkLst>
         </pc:graphicFrameChg>
       </pc:sldChg>
-      <pc:sldChg chg="modNotesTx">
-        <pc:chgData name="Andrew Kates" userId="8fd5ec3e-c8da-46f6-bbad-ce7a7878ba0f" providerId="ADAL" clId="{F3C475C8-A694-5247-A1B1-BD486B98B493}" dt="2025-10-15T15:13:21.421" v="7107" actId="20577"/>
+      <pc:sldChg chg="modAnim modNotesTx">
+        <pc:chgData name="Andrew Kates" userId="8fd5ec3e-c8da-46f6-bbad-ce7a7878ba0f" providerId="ADAL" clId="{F3C475C8-A694-5247-A1B1-BD486B98B493}" dt="2025-10-15T18:01:22.069" v="8009" actId="20577"/>
         <pc:sldMkLst>
           <pc:docMk/>
           <pc:sldMk cId="1988230745" sldId="272"/>
         </pc:sldMkLst>
       </pc:sldChg>
       <pc:sldChg chg="modNotesTx">
-        <pc:chgData name="Andrew Kates" userId="8fd5ec3e-c8da-46f6-bbad-ce7a7878ba0f" providerId="ADAL" clId="{F3C475C8-A694-5247-A1B1-BD486B98B493}" dt="2025-10-15T15:10:35.059" v="7087" actId="20577"/>
+        <pc:chgData name="Andrew Kates" userId="8fd5ec3e-c8da-46f6-bbad-ce7a7878ba0f" providerId="ADAL" clId="{F3C475C8-A694-5247-A1B1-BD486B98B493}" dt="2025-10-15T17:58:26.335" v="7937" actId="20577"/>
         <pc:sldMkLst>
           <pc:docMk/>
           <pc:sldMk cId="2177813612" sldId="273"/>
@@ -21714,8 +21722,11 @@
           <a:p>
             <a:r>
               <a:rPr lang="en-US" dirty="0"/>
-              <a:t>So Trent, these slides will look familiar, I’m using your format for a brief pitch, to help explain my vision for this project, and then I’d like to show a bit of what that actually looks like and what I’ve been working on for the last few weeks.</a:t>
-            </a:r>
+              <a:t>So Trent, these slides will look familiar, I’m using your format for a brief pitch, to help explain my vision for this project, and then I’d like to show a bit of what that actually looks like and what I’ve been working on</a:t>
+            </a:r>
+          </a:p>
+          <a:p>
+            <a:endParaRPr lang="en-US" dirty="0"/>
           </a:p>
         </p:txBody>
       </p:sp>
@@ -21918,7 +21929,7 @@
             </a:pPr>
             <a:r>
               <a:rPr lang="en-CA" sz="1200" dirty="0"/>
-              <a:t>The problem that’s been identified as the primary issue is that CSIP does not have a RTP protocol</a:t>
+              <a:t>The problem that’s been identified is that CSIP does not have a RTP protocol</a:t>
             </a:r>
           </a:p>
           <a:p>
@@ -21939,7 +21950,7 @@
             </a:pPr>
             <a:r>
               <a:rPr lang="en-CA" sz="1200" dirty="0"/>
-              <a:t>In and of itself, this is a real problem: we work on multiple rehab cases per year in Whistler alone, we have the expectation of delivering a “better than world-class” solution, and often I think we are able to do a great job, but we're just missing a lot of pieces needed to be at that world class level, and also it's a massive effort for our practitioners and some thing that often does not get properly recognized and valued in our partnerships and agreements</a:t>
+              <a:t>In and of itself, this is a real problem: we work on multiple rehab cases per year in Whistler alone, we have the expectation of delivering a “better than world-class” solution, and often I think we are able to do a great job, but we're missing a lot of pieces needed to be at that world class level.  Additionally, rehab service delivery is a massive workload for our practitioners and something that often does not get properly recognized and valued in our partnerships and agreements</a:t>
             </a:r>
           </a:p>
           <a:p>
@@ -21969,13 +21980,8 @@
             </a:pPr>
             <a:r>
               <a:rPr lang="en-CA" sz="1200" dirty="0"/>
-              <a:t>In my view, there is an opportunity that by addressing this problem, we can actually solve a number of related </a:t>
-            </a:r>
-            <a:r>
-              <a:rPr lang="en-CA" sz="1200" dirty="0" err="1"/>
-              <a:t>issueds</a:t>
-            </a:r>
-            <a:endParaRPr lang="en-CA" sz="1200" dirty="0"/>
+              <a:t>Now, in my view, there is an opportunity that by addressing this problem, we can actually solve a number of related issues</a:t>
+            </a:r>
           </a:p>
           <a:p>
             <a:pPr marL="0" indent="0">
@@ -21995,7 +22001,7 @@
             </a:pPr>
             <a:r>
               <a:rPr lang="en-CA" sz="1200" dirty="0"/>
-              <a:t>1.We do not have a functioning data performance pipeline in performance services: we have major gaps in data collection, management, analysis and reporting..</a:t>
+              <a:t>For example, We do not have a functioning data performance pipeline in strength and conditioning: we have major gaps in data collection, management, analysis and reporting..</a:t>
             </a:r>
           </a:p>
           <a:p>
@@ -22425,7 +22431,7 @@
           <a:p>
             <a:r>
               <a:rPr lang="en-CA" sz="1200" b="0" dirty="0"/>
-              <a:t>The first three objectives are things that already exist in the world, we can build our own version of by leveraging some of our past work, by utilizing peer-reviewed research, and by building off of existing industry standards</a:t>
+              <a:t>Protocols based on these first three objectives already exist in the world, and we can build our own version by:  leveraging some of our past work, by utilizing peer-reviewed research, and by building off of existing industry standards</a:t>
             </a:r>
           </a:p>
           <a:p>
@@ -22749,46 +22755,8 @@
             </a:pPr>
             <a:r>
               <a:rPr lang="en-CA" sz="1200" b="0" dirty="0"/>
-              <a:t>So these innovative aspects that I mentioned, these are gaps in current protocols, and I think adding these pieces allows us to have a conversation about how we can get people to choose to work with us.</a:t>
-            </a:r>
-          </a:p>
-          <a:p>
-            <a:pPr marL="0" indent="0">
-              <a:spcBef>
-                <a:spcPts val="0"/>
-              </a:spcBef>
-              <a:buNone/>
-            </a:pPr>
-            <a:endParaRPr lang="en-CA" sz="1200" b="0" dirty="0"/>
-          </a:p>
-          <a:p>
-            <a:pPr marL="0" indent="0">
-              <a:spcBef>
-                <a:spcPts val="0"/>
-              </a:spcBef>
-              <a:buNone/>
-            </a:pPr>
-            <a:r>
-              <a:rPr lang="en-CA" sz="1200" b="0" dirty="0"/>
-              <a:t>and </a:t>
-            </a:r>
-            <a:r>
-              <a:rPr lang="en-CA" sz="1200" b="0" dirty="0" err="1"/>
-              <a:t>i</a:t>
-            </a:r>
-            <a:r>
-              <a:rPr lang="en-CA" sz="1200" b="0" dirty="0"/>
-              <a:t> think a key point to keep in mind when we’re going over the protocol, is that these </a:t>
-            </a:r>
-            <a:r>
-              <a:rPr lang="en-CA" sz="1200" b="0" dirty="0" err="1"/>
-              <a:t>peices</a:t>
-            </a:r>
-            <a:r>
-              <a:rPr lang="en-CA" sz="1200" b="0" dirty="0"/>
-              <a:t> allow us to create a system that informs not just WHAT to do during a rehab but HOW to do it.</a:t>
-            </a:r>
-            <a:endParaRPr lang="en-CA" sz="1200" b="1" dirty="0"/>
+              <a:t>So these novel aspects that I mentioned ... these are gaps in current protocols, and my solution is meant to fill these gaps and improve upon each example that you see here</a:t>
+            </a:r>
           </a:p>
           <a:p>
             <a:pPr marL="0" indent="0">
@@ -22806,16 +22774,18 @@
               </a:spcBef>
               <a:buNone/>
             </a:pPr>
-            <a:endParaRPr lang="en-CA" sz="1200" b="1" dirty="0"/>
-          </a:p>
-          <a:p>
-            <a:pPr marL="0" indent="0">
-              <a:spcBef>
-                <a:spcPts val="0"/>
-              </a:spcBef>
-              <a:buNone/>
-            </a:pPr>
-            <a:endParaRPr lang="en-CA" sz="1200" b="1" dirty="0"/>
+            <a:r>
+              <a:rPr lang="en-CA" sz="1200" b="0" dirty="0"/>
+              <a:t>One way I think of these improvements, is that they are helping us understand not just what needs to be done throughout a </a:t>
+            </a:r>
+            <a:r>
+              <a:rPr lang="en-CA" sz="1200" b="0" dirty="0" err="1"/>
+              <a:t>rehabm</a:t>
+            </a:r>
+            <a:r>
+              <a:rPr lang="en-CA" sz="1200" b="0" dirty="0"/>
+              <a:t> but also how to do it.</a:t>
+            </a:r>
           </a:p>
           <a:p>
             <a:pPr marL="0" indent="0">
@@ -23177,7 +23147,7 @@
             </a:pPr>
             <a:r>
               <a:rPr lang="en-US" dirty="0"/>
-              <a:t>My proposal is to start with a protocol for able bodied elite athletes.  This allows us to target a big piece of our core business, then the protocol can then be scaled and adapted to support other partners and other markets.</a:t>
+              <a:t>My proposal is to start with a protocol for able bodied elite athletes.  This allows us to target a big piece of our core business, then the protocol can be scaled and adapted to support other partners and other markets.</a:t>
             </a:r>
           </a:p>
           <a:p>
@@ -23925,13 +23895,8 @@
           <a:p>
             <a:r>
               <a:rPr lang="en-CA" sz="1200" b="0" dirty="0"/>
-              <a:t>Upfront options could be scaled in </a:t>
-            </a:r>
-            <a:r>
-              <a:rPr lang="en-CA" sz="1200" b="0"/>
-              <a:t>much the same way</a:t>
-            </a:r>
-            <a:endParaRPr lang="en-CA" sz="1200" b="0" dirty="0"/>
+              <a:t>Upfront options could be scaled in much the same way</a:t>
+            </a:r>
           </a:p>
           <a:p>
             <a:endParaRPr lang="en-CA" sz="1200" b="0" dirty="0"/>
@@ -25398,7 +25363,15 @@
             </a:r>
             <a:r>
               <a:rPr lang="en-US" dirty="0"/>
-              <a:t> then , I would be the building this thing out, continuously working on it, while also  getting it to a point where collaboration with different skilled professionals can be most effective.</a:t>
+              <a:t> then , I would be the building this thing out, continuously working on it, while also  getting it </a:t>
+            </a:r>
+            <a:r>
+              <a:rPr lang="en-US"/>
+              <a:t>to different points </a:t>
+            </a:r>
+            <a:r>
+              <a:rPr lang="en-US" dirty="0"/>
+              <a:t>where collaboration with different skilled professionals can be most effective.</a:t>
             </a:r>
           </a:p>
           <a:p>
@@ -29212,6 +29185,319 @@
       </p:transition>
     </mc:Fallback>
   </mc:AlternateContent>
+  <p:timing>
+    <p:tnLst>
+      <p:par>
+        <p:cTn id="1" dur="indefinite" restart="never" nodeType="tmRoot">
+          <p:childTnLst>
+            <p:seq concurrent="1" nextAc="seek">
+              <p:cTn id="2" dur="indefinite" nodeType="mainSeq">
+                <p:childTnLst>
+                  <p:par>
+                    <p:cTn id="3" fill="hold">
+                      <p:stCondLst>
+                        <p:cond delay="indefinite"/>
+                      </p:stCondLst>
+                      <p:childTnLst>
+                        <p:par>
+                          <p:cTn id="4" fill="hold">
+                            <p:stCondLst>
+                              <p:cond delay="0"/>
+                            </p:stCondLst>
+                            <p:childTnLst>
+                              <p:par>
+                                <p:cTn id="5" presetID="1" presetClass="entr" presetSubtype="0" fill="hold" grpId="0" nodeType="clickEffect">
+                                  <p:stCondLst>
+                                    <p:cond delay="0"/>
+                                  </p:stCondLst>
+                                  <p:childTnLst>
+                                    <p:set>
+                                      <p:cBhvr>
+                                        <p:cTn id="6" dur="1" fill="hold">
+                                          <p:stCondLst>
+                                            <p:cond delay="0"/>
+                                          </p:stCondLst>
+                                        </p:cTn>
+                                        <p:tgtEl>
+                                          <p:spTgt spid="6"/>
+                                        </p:tgtEl>
+                                        <p:attrNameLst>
+                                          <p:attrName>style.visibility</p:attrName>
+                                        </p:attrNameLst>
+                                      </p:cBhvr>
+                                      <p:to>
+                                        <p:strVal val="visible"/>
+                                      </p:to>
+                                    </p:set>
+                                  </p:childTnLst>
+                                </p:cTn>
+                              </p:par>
+                              <p:par>
+                                <p:cTn id="7" presetID="1" presetClass="entr" presetSubtype="0" fill="hold" nodeType="withEffect">
+                                  <p:stCondLst>
+                                    <p:cond delay="0"/>
+                                  </p:stCondLst>
+                                  <p:childTnLst>
+                                    <p:set>
+                                      <p:cBhvr>
+                                        <p:cTn id="8" dur="1" fill="hold">
+                                          <p:stCondLst>
+                                            <p:cond delay="0"/>
+                                          </p:stCondLst>
+                                        </p:cTn>
+                                        <p:tgtEl>
+                                          <p:spTgt spid="6">
+                                            <p:txEl>
+                                              <p:pRg st="2" end="2"/>
+                                            </p:txEl>
+                                          </p:spTgt>
+                                        </p:tgtEl>
+                                        <p:attrNameLst>
+                                          <p:attrName>style.visibility</p:attrName>
+                                        </p:attrNameLst>
+                                      </p:cBhvr>
+                                      <p:to>
+                                        <p:strVal val="visible"/>
+                                      </p:to>
+                                    </p:set>
+                                  </p:childTnLst>
+                                </p:cTn>
+                              </p:par>
+                              <p:par>
+                                <p:cTn id="9" presetID="1" presetClass="entr" presetSubtype="0" fill="hold" nodeType="withEffect">
+                                  <p:stCondLst>
+                                    <p:cond delay="0"/>
+                                  </p:stCondLst>
+                                  <p:childTnLst>
+                                    <p:set>
+                                      <p:cBhvr>
+                                        <p:cTn id="10" dur="1" fill="hold">
+                                          <p:stCondLst>
+                                            <p:cond delay="0"/>
+                                          </p:stCondLst>
+                                        </p:cTn>
+                                        <p:tgtEl>
+                                          <p:spTgt spid="6">
+                                            <p:txEl>
+                                              <p:pRg st="3" end="3"/>
+                                            </p:txEl>
+                                          </p:spTgt>
+                                        </p:tgtEl>
+                                        <p:attrNameLst>
+                                          <p:attrName>style.visibility</p:attrName>
+                                        </p:attrNameLst>
+                                      </p:cBhvr>
+                                      <p:to>
+                                        <p:strVal val="visible"/>
+                                      </p:to>
+                                    </p:set>
+                                  </p:childTnLst>
+                                </p:cTn>
+                              </p:par>
+                              <p:par>
+                                <p:cTn id="11" presetID="1" presetClass="entr" presetSubtype="0" fill="hold" nodeType="withEffect">
+                                  <p:stCondLst>
+                                    <p:cond delay="0"/>
+                                  </p:stCondLst>
+                                  <p:childTnLst>
+                                    <p:set>
+                                      <p:cBhvr>
+                                        <p:cTn id="12" dur="1" fill="hold">
+                                          <p:stCondLst>
+                                            <p:cond delay="0"/>
+                                          </p:stCondLst>
+                                        </p:cTn>
+                                        <p:tgtEl>
+                                          <p:spTgt spid="6">
+                                            <p:txEl>
+                                              <p:pRg st="4" end="4"/>
+                                            </p:txEl>
+                                          </p:spTgt>
+                                        </p:tgtEl>
+                                        <p:attrNameLst>
+                                          <p:attrName>style.visibility</p:attrName>
+                                        </p:attrNameLst>
+                                      </p:cBhvr>
+                                      <p:to>
+                                        <p:strVal val="visible"/>
+                                      </p:to>
+                                    </p:set>
+                                  </p:childTnLst>
+                                </p:cTn>
+                              </p:par>
+                              <p:par>
+                                <p:cTn id="13" presetID="1" presetClass="entr" presetSubtype="0" fill="hold" nodeType="withEffect">
+                                  <p:stCondLst>
+                                    <p:cond delay="0"/>
+                                  </p:stCondLst>
+                                  <p:childTnLst>
+                                    <p:set>
+                                      <p:cBhvr>
+                                        <p:cTn id="14" dur="1" fill="hold">
+                                          <p:stCondLst>
+                                            <p:cond delay="0"/>
+                                          </p:stCondLst>
+                                        </p:cTn>
+                                        <p:tgtEl>
+                                          <p:spTgt spid="6">
+                                            <p:txEl>
+                                              <p:pRg st="5" end="5"/>
+                                            </p:txEl>
+                                          </p:spTgt>
+                                        </p:tgtEl>
+                                        <p:attrNameLst>
+                                          <p:attrName>style.visibility</p:attrName>
+                                        </p:attrNameLst>
+                                      </p:cBhvr>
+                                      <p:to>
+                                        <p:strVal val="visible"/>
+                                      </p:to>
+                                    </p:set>
+                                  </p:childTnLst>
+                                </p:cTn>
+                              </p:par>
+                            </p:childTnLst>
+                          </p:cTn>
+                        </p:par>
+                      </p:childTnLst>
+                    </p:cTn>
+                  </p:par>
+                  <p:par>
+                    <p:cTn id="15" fill="hold">
+                      <p:stCondLst>
+                        <p:cond delay="indefinite"/>
+                      </p:stCondLst>
+                      <p:childTnLst>
+                        <p:par>
+                          <p:cTn id="16" fill="hold">
+                            <p:stCondLst>
+                              <p:cond delay="0"/>
+                            </p:stCondLst>
+                            <p:childTnLst>
+                              <p:par>
+                                <p:cTn id="17" presetID="1" presetClass="entr" presetSubtype="0" fill="hold" nodeType="clickEffect">
+                                  <p:stCondLst>
+                                    <p:cond delay="0"/>
+                                  </p:stCondLst>
+                                  <p:childTnLst>
+                                    <p:set>
+                                      <p:cBhvr>
+                                        <p:cTn id="18" dur="1" fill="hold">
+                                          <p:stCondLst>
+                                            <p:cond delay="0"/>
+                                          </p:stCondLst>
+                                        </p:cTn>
+                                        <p:tgtEl>
+                                          <p:spTgt spid="6">
+                                            <p:txEl>
+                                              <p:pRg st="7" end="7"/>
+                                            </p:txEl>
+                                          </p:spTgt>
+                                        </p:tgtEl>
+                                        <p:attrNameLst>
+                                          <p:attrName>style.visibility</p:attrName>
+                                        </p:attrNameLst>
+                                      </p:cBhvr>
+                                      <p:to>
+                                        <p:strVal val="visible"/>
+                                      </p:to>
+                                    </p:set>
+                                  </p:childTnLst>
+                                </p:cTn>
+                              </p:par>
+                              <p:par>
+                                <p:cTn id="19" presetID="1" presetClass="entr" presetSubtype="0" fill="hold" nodeType="withEffect">
+                                  <p:stCondLst>
+                                    <p:cond delay="0"/>
+                                  </p:stCondLst>
+                                  <p:childTnLst>
+                                    <p:set>
+                                      <p:cBhvr>
+                                        <p:cTn id="20" dur="1" fill="hold">
+                                          <p:stCondLst>
+                                            <p:cond delay="0"/>
+                                          </p:stCondLst>
+                                        </p:cTn>
+                                        <p:tgtEl>
+                                          <p:spTgt spid="6">
+                                            <p:txEl>
+                                              <p:pRg st="8" end="8"/>
+                                            </p:txEl>
+                                          </p:spTgt>
+                                        </p:tgtEl>
+                                        <p:attrNameLst>
+                                          <p:attrName>style.visibility</p:attrName>
+                                        </p:attrNameLst>
+                                      </p:cBhvr>
+                                      <p:to>
+                                        <p:strVal val="visible"/>
+                                      </p:to>
+                                    </p:set>
+                                  </p:childTnLst>
+                                </p:cTn>
+                              </p:par>
+                              <p:par>
+                                <p:cTn id="21" presetID="1" presetClass="entr" presetSubtype="0" fill="hold" nodeType="withEffect">
+                                  <p:stCondLst>
+                                    <p:cond delay="0"/>
+                                  </p:stCondLst>
+                                  <p:childTnLst>
+                                    <p:set>
+                                      <p:cBhvr>
+                                        <p:cTn id="22" dur="1" fill="hold">
+                                          <p:stCondLst>
+                                            <p:cond delay="0"/>
+                                          </p:stCondLst>
+                                        </p:cTn>
+                                        <p:tgtEl>
+                                          <p:spTgt spid="6">
+                                            <p:txEl>
+                                              <p:pRg st="9" end="9"/>
+                                            </p:txEl>
+                                          </p:spTgt>
+                                        </p:tgtEl>
+                                        <p:attrNameLst>
+                                          <p:attrName>style.visibility</p:attrName>
+                                        </p:attrNameLst>
+                                      </p:cBhvr>
+                                      <p:to>
+                                        <p:strVal val="visible"/>
+                                      </p:to>
+                                    </p:set>
+                                  </p:childTnLst>
+                                </p:cTn>
+                              </p:par>
+                            </p:childTnLst>
+                          </p:cTn>
+                        </p:par>
+                      </p:childTnLst>
+                    </p:cTn>
+                  </p:par>
+                </p:childTnLst>
+              </p:cTn>
+              <p:prevCondLst>
+                <p:cond evt="onPrev" delay="0">
+                  <p:tgtEl>
+                    <p:sldTgt/>
+                  </p:tgtEl>
+                </p:cond>
+              </p:prevCondLst>
+              <p:nextCondLst>
+                <p:cond evt="onNext" delay="0">
+                  <p:tgtEl>
+                    <p:sldTgt/>
+                  </p:tgtEl>
+                </p:cond>
+              </p:nextCondLst>
+            </p:seq>
+          </p:childTnLst>
+        </p:cTn>
+      </p:par>
+    </p:tnLst>
+    <p:bldLst>
+      <p:bldP spid="6" grpId="0"/>
+    </p:bldLst>
+  </p:timing>
 </p:sld>
 </file>
 
@@ -29815,84 +30101,6 @@
       </p:transition>
     </mc:Fallback>
   </mc:AlternateContent>
-  <p:timing>
-    <p:tnLst>
-      <p:par>
-        <p:cTn id="1" dur="indefinite" restart="never" nodeType="tmRoot">
-          <p:childTnLst>
-            <p:seq concurrent="1" nextAc="seek">
-              <p:cTn id="2" dur="indefinite" nodeType="mainSeq">
-                <p:childTnLst>
-                  <p:par>
-                    <p:cTn id="3" fill="hold">
-                      <p:stCondLst>
-                        <p:cond delay="indefinite"/>
-                      </p:stCondLst>
-                      <p:childTnLst>
-                        <p:par>
-                          <p:cTn id="4" fill="hold">
-                            <p:stCondLst>
-                              <p:cond delay="0"/>
-                            </p:stCondLst>
-                            <p:childTnLst>
-                              <p:par>
-                                <p:cTn id="5" presetID="1" presetClass="entr" presetSubtype="0" fill="hold" grpId="0" nodeType="clickEffect">
-                                  <p:stCondLst>
-                                    <p:cond delay="0"/>
-                                  </p:stCondLst>
-                                  <p:childTnLst>
-                                    <p:set>
-                                      <p:cBhvr>
-                                        <p:cTn id="6" dur="1" fill="hold">
-                                          <p:stCondLst>
-                                            <p:cond delay="0"/>
-                                          </p:stCondLst>
-                                        </p:cTn>
-                                        <p:tgtEl>
-                                          <p:spTgt spid="4"/>
-                                        </p:tgtEl>
-                                        <p:attrNameLst>
-                                          <p:attrName>style.visibility</p:attrName>
-                                        </p:attrNameLst>
-                                      </p:cBhvr>
-                                      <p:to>
-                                        <p:strVal val="visible"/>
-                                      </p:to>
-                                    </p:set>
-                                  </p:childTnLst>
-                                </p:cTn>
-                              </p:par>
-                            </p:childTnLst>
-                          </p:cTn>
-                        </p:par>
-                      </p:childTnLst>
-                    </p:cTn>
-                  </p:par>
-                </p:childTnLst>
-              </p:cTn>
-              <p:prevCondLst>
-                <p:cond evt="onPrev" delay="0">
-                  <p:tgtEl>
-                    <p:sldTgt/>
-                  </p:tgtEl>
-                </p:cond>
-              </p:prevCondLst>
-              <p:nextCondLst>
-                <p:cond evt="onNext" delay="0">
-                  <p:tgtEl>
-                    <p:sldTgt/>
-                  </p:tgtEl>
-                </p:cond>
-              </p:nextCondLst>
-            </p:seq>
-          </p:childTnLst>
-        </p:cTn>
-      </p:par>
-    </p:tnLst>
-    <p:bldLst>
-      <p:bldP spid="4" grpId="0"/>
-    </p:bldLst>
-  </p:timing>
 </p:sld>
 </file>
 
